--- a/presentation/praesentation.pptx
+++ b/presentation/praesentation.pptx
@@ -218,14 +218,14 @@
           <a:effectLst/>
           <a:extLst>
             <a:ext uri="{909E8E84-426E-40dd-AFC4-6F175D3DCCD1}">
-              <a14:hiddenFill xmlns="" xmlns:a14="http://schemas.microsoft.com/office/drawing/2010/main">
+              <a14:hiddenFill xmlns:a14="http://schemas.microsoft.com/office/drawing/2010/main" xmlns="">
                 <a:solidFill>
                   <a:schemeClr val="accent1"/>
                 </a:solidFill>
               </a14:hiddenFill>
             </a:ext>
             <a:ext uri="{91240B29-F687-4f45-9708-019B960494DF}">
-              <a14:hiddenLine xmlns="" xmlns:a14="http://schemas.microsoft.com/office/drawing/2010/main" w="9525">
+              <a14:hiddenLine xmlns:a14="http://schemas.microsoft.com/office/drawing/2010/main" xmlns="" w="9525">
                 <a:solidFill>
                   <a:schemeClr val="tx1"/>
                 </a:solidFill>
@@ -235,7 +235,7 @@
               </a14:hiddenLine>
             </a:ext>
             <a:ext uri="{AF507438-7753-43e0-B8FC-AC1667EBCBE1}">
-              <a14:hiddenEffects xmlns="" xmlns:a14="http://schemas.microsoft.com/office/drawing/2010/main">
+              <a14:hiddenEffects xmlns:a14="http://schemas.microsoft.com/office/drawing/2010/main" xmlns="">
                 <a:effectLst>
                   <a:outerShdw blurRad="63500" dist="38099" dir="2700000" algn="ctr" rotWithShape="0">
                     <a:schemeClr val="bg2">
@@ -246,7 +246,7 @@
               </a14:hiddenEffects>
             </a:ext>
             <a:ext uri="{FAA26D3D-D897-4be2-8F04-BA451C77F1D7}">
-              <ma14:placeholderFlag xmlns="" xmlns:ma14="http://schemas.microsoft.com/office/mac/drawingml/2011/main" val="1"/>
+              <ma14:placeholderFlag xmlns:ma14="http://schemas.microsoft.com/office/mac/drawingml/2011/main" xmlns="" val="1"/>
             </a:ext>
           </a:extLst>
         </p:spPr>
@@ -303,14 +303,14 @@
           <a:effectLst/>
           <a:extLst>
             <a:ext uri="{909E8E84-426E-40dd-AFC4-6F175D3DCCD1}">
-              <a14:hiddenFill xmlns="" xmlns:a14="http://schemas.microsoft.com/office/drawing/2010/main">
+              <a14:hiddenFill xmlns:a14="http://schemas.microsoft.com/office/drawing/2010/main" xmlns="">
                 <a:solidFill>
                   <a:schemeClr val="accent1"/>
                 </a:solidFill>
               </a14:hiddenFill>
             </a:ext>
             <a:ext uri="{91240B29-F687-4f45-9708-019B960494DF}">
-              <a14:hiddenLine xmlns="" xmlns:a14="http://schemas.microsoft.com/office/drawing/2010/main" w="9525">
+              <a14:hiddenLine xmlns:a14="http://schemas.microsoft.com/office/drawing/2010/main" xmlns="" w="9525">
                 <a:solidFill>
                   <a:schemeClr val="tx1"/>
                 </a:solidFill>
@@ -320,7 +320,7 @@
               </a14:hiddenLine>
             </a:ext>
             <a:ext uri="{AF507438-7753-43e0-B8FC-AC1667EBCBE1}">
-              <a14:hiddenEffects xmlns="" xmlns:a14="http://schemas.microsoft.com/office/drawing/2010/main">
+              <a14:hiddenEffects xmlns:a14="http://schemas.microsoft.com/office/drawing/2010/main" xmlns="">
                 <a:effectLst>
                   <a:outerShdw blurRad="63500" dist="38099" dir="2700000" algn="ctr" rotWithShape="0">
                     <a:schemeClr val="bg2">
@@ -331,7 +331,7 @@
               </a14:hiddenEffects>
             </a:ext>
             <a:ext uri="{FAA26D3D-D897-4be2-8F04-BA451C77F1D7}">
-              <ma14:placeholderFlag xmlns="" xmlns:ma14="http://schemas.microsoft.com/office/mac/drawingml/2011/main" val="1"/>
+              <ma14:placeholderFlag xmlns:ma14="http://schemas.microsoft.com/office/mac/drawingml/2011/main" xmlns="" val="1"/>
             </a:ext>
           </a:extLst>
         </p:spPr>
@@ -388,14 +388,14 @@
           <a:effectLst/>
           <a:extLst>
             <a:ext uri="{909E8E84-426E-40dd-AFC4-6F175D3DCCD1}">
-              <a14:hiddenFill xmlns="" xmlns:a14="http://schemas.microsoft.com/office/drawing/2010/main">
+              <a14:hiddenFill xmlns:a14="http://schemas.microsoft.com/office/drawing/2010/main" xmlns="">
                 <a:solidFill>
                   <a:schemeClr val="accent1"/>
                 </a:solidFill>
               </a14:hiddenFill>
             </a:ext>
             <a:ext uri="{91240B29-F687-4f45-9708-019B960494DF}">
-              <a14:hiddenLine xmlns="" xmlns:a14="http://schemas.microsoft.com/office/drawing/2010/main" w="9525">
+              <a14:hiddenLine xmlns:a14="http://schemas.microsoft.com/office/drawing/2010/main" xmlns="" w="9525">
                 <a:solidFill>
                   <a:schemeClr val="tx1"/>
                 </a:solidFill>
@@ -405,7 +405,7 @@
               </a14:hiddenLine>
             </a:ext>
             <a:ext uri="{AF507438-7753-43e0-B8FC-AC1667EBCBE1}">
-              <a14:hiddenEffects xmlns="" xmlns:a14="http://schemas.microsoft.com/office/drawing/2010/main">
+              <a14:hiddenEffects xmlns:a14="http://schemas.microsoft.com/office/drawing/2010/main" xmlns="">
                 <a:effectLst>
                   <a:outerShdw blurRad="63500" dist="38099" dir="2700000" algn="ctr" rotWithShape="0">
                     <a:schemeClr val="bg2">
@@ -416,7 +416,7 @@
               </a14:hiddenEffects>
             </a:ext>
             <a:ext uri="{FAA26D3D-D897-4be2-8F04-BA451C77F1D7}">
-              <ma14:placeholderFlag xmlns="" xmlns:ma14="http://schemas.microsoft.com/office/mac/drawingml/2011/main" val="1"/>
+              <ma14:placeholderFlag xmlns:ma14="http://schemas.microsoft.com/office/mac/drawingml/2011/main" xmlns="" val="1"/>
             </a:ext>
           </a:extLst>
         </p:spPr>
@@ -473,14 +473,14 @@
           <a:effectLst/>
           <a:extLst>
             <a:ext uri="{909E8E84-426E-40dd-AFC4-6F175D3DCCD1}">
-              <a14:hiddenFill xmlns="" xmlns:a14="http://schemas.microsoft.com/office/drawing/2010/main">
+              <a14:hiddenFill xmlns:a14="http://schemas.microsoft.com/office/drawing/2010/main" xmlns="">
                 <a:solidFill>
                   <a:schemeClr val="accent1"/>
                 </a:solidFill>
               </a14:hiddenFill>
             </a:ext>
             <a:ext uri="{91240B29-F687-4f45-9708-019B960494DF}">
-              <a14:hiddenLine xmlns="" xmlns:a14="http://schemas.microsoft.com/office/drawing/2010/main" w="9525">
+              <a14:hiddenLine xmlns:a14="http://schemas.microsoft.com/office/drawing/2010/main" xmlns="" w="9525">
                 <a:solidFill>
                   <a:schemeClr val="tx1"/>
                 </a:solidFill>
@@ -490,7 +490,7 @@
               </a14:hiddenLine>
             </a:ext>
             <a:ext uri="{AF507438-7753-43e0-B8FC-AC1667EBCBE1}">
-              <a14:hiddenEffects xmlns="" xmlns:a14="http://schemas.microsoft.com/office/drawing/2010/main">
+              <a14:hiddenEffects xmlns:a14="http://schemas.microsoft.com/office/drawing/2010/main" xmlns="">
                 <a:effectLst>
                   <a:outerShdw blurRad="63500" dist="38099" dir="2700000" algn="ctr" rotWithShape="0">
                     <a:schemeClr val="bg2">
@@ -501,7 +501,7 @@
               </a14:hiddenEffects>
             </a:ext>
             <a:ext uri="{FAA26D3D-D897-4be2-8F04-BA451C77F1D7}">
-              <ma14:placeholderFlag xmlns="" xmlns:ma14="http://schemas.microsoft.com/office/mac/drawingml/2011/main" val="1"/>
+              <ma14:placeholderFlag xmlns:ma14="http://schemas.microsoft.com/office/mac/drawingml/2011/main" xmlns="" val="1"/>
             </a:ext>
           </a:extLst>
         </p:spPr>
@@ -595,14 +595,14 @@
           <a:effectLst/>
           <a:extLst>
             <a:ext uri="{909E8E84-426E-40dd-AFC4-6F175D3DCCD1}">
-              <a14:hiddenFill xmlns="" xmlns:a14="http://schemas.microsoft.com/office/drawing/2010/main">
+              <a14:hiddenFill xmlns:a14="http://schemas.microsoft.com/office/drawing/2010/main" xmlns="">
                 <a:solidFill>
                   <a:schemeClr val="accent1"/>
                 </a:solidFill>
               </a14:hiddenFill>
             </a:ext>
             <a:ext uri="{91240B29-F687-4f45-9708-019B960494DF}">
-              <a14:hiddenLine xmlns="" xmlns:a14="http://schemas.microsoft.com/office/drawing/2010/main" w="9525">
+              <a14:hiddenLine xmlns:a14="http://schemas.microsoft.com/office/drawing/2010/main" xmlns="" w="9525">
                 <a:solidFill>
                   <a:schemeClr val="tx1"/>
                 </a:solidFill>
@@ -612,7 +612,7 @@
               </a14:hiddenLine>
             </a:ext>
             <a:ext uri="{AF507438-7753-43e0-B8FC-AC1667EBCBE1}">
-              <a14:hiddenEffects xmlns="" xmlns:a14="http://schemas.microsoft.com/office/drawing/2010/main">
+              <a14:hiddenEffects xmlns:a14="http://schemas.microsoft.com/office/drawing/2010/main" xmlns="">
                 <a:effectLst>
                   <a:outerShdw blurRad="63500" dist="38099" dir="2700000" algn="ctr" rotWithShape="0">
                     <a:schemeClr val="bg2">
@@ -623,7 +623,7 @@
               </a14:hiddenEffects>
             </a:ext>
             <a:ext uri="{FAA26D3D-D897-4be2-8F04-BA451C77F1D7}">
-              <ma14:placeholderFlag xmlns="" xmlns:ma14="http://schemas.microsoft.com/office/mac/drawingml/2011/main" val="1"/>
+              <ma14:placeholderFlag xmlns:ma14="http://schemas.microsoft.com/office/mac/drawingml/2011/main" xmlns="" val="1"/>
             </a:ext>
           </a:extLst>
         </p:spPr>
@@ -680,14 +680,14 @@
           <a:effectLst/>
           <a:extLst>
             <a:ext uri="{909E8E84-426E-40dd-AFC4-6F175D3DCCD1}">
-              <a14:hiddenFill xmlns="" xmlns:a14="http://schemas.microsoft.com/office/drawing/2010/main">
+              <a14:hiddenFill xmlns:a14="http://schemas.microsoft.com/office/drawing/2010/main" xmlns="">
                 <a:solidFill>
                   <a:schemeClr val="accent1"/>
                 </a:solidFill>
               </a14:hiddenFill>
             </a:ext>
             <a:ext uri="{91240B29-F687-4f45-9708-019B960494DF}">
-              <a14:hiddenLine xmlns="" xmlns:a14="http://schemas.microsoft.com/office/drawing/2010/main" w="9525">
+              <a14:hiddenLine xmlns:a14="http://schemas.microsoft.com/office/drawing/2010/main" xmlns="" w="9525">
                 <a:solidFill>
                   <a:schemeClr val="tx1"/>
                 </a:solidFill>
@@ -697,7 +697,7 @@
               </a14:hiddenLine>
             </a:ext>
             <a:ext uri="{AF507438-7753-43e0-B8FC-AC1667EBCBE1}">
-              <a14:hiddenEffects xmlns="" xmlns:a14="http://schemas.microsoft.com/office/drawing/2010/main">
+              <a14:hiddenEffects xmlns:a14="http://schemas.microsoft.com/office/drawing/2010/main" xmlns="">
                 <a:effectLst>
                   <a:outerShdw blurRad="63500" dist="38099" dir="2700000" algn="ctr" rotWithShape="0">
                     <a:schemeClr val="bg2">
@@ -708,7 +708,7 @@
               </a14:hiddenEffects>
             </a:ext>
             <a:ext uri="{FAA26D3D-D897-4be2-8F04-BA451C77F1D7}">
-              <ma14:placeholderFlag xmlns="" xmlns:ma14="http://schemas.microsoft.com/office/mac/drawingml/2011/main" val="1"/>
+              <ma14:placeholderFlag xmlns:ma14="http://schemas.microsoft.com/office/mac/drawingml/2011/main" xmlns="" val="1"/>
             </a:ext>
           </a:extLst>
         </p:spPr>
@@ -770,7 +770,7 @@
           <a:effectLst/>
           <a:extLst>
             <a:ext uri="{AF507438-7753-43e0-B8FC-AC1667EBCBE1}">
-              <a14:hiddenEffects xmlns="" xmlns:a14="http://schemas.microsoft.com/office/drawing/2010/main">
+              <a14:hiddenEffects xmlns:a14="http://schemas.microsoft.com/office/drawing/2010/main" xmlns="">
                 <a:effectLst>
                   <a:outerShdw blurRad="63500" dist="38099" dir="2700000" algn="ctr" rotWithShape="0">
                     <a:srgbClr val="000000">
@@ -781,7 +781,7 @@
               </a14:hiddenEffects>
             </a:ext>
             <a:ext uri="{53640926-AAD7-44d8-BBD7-CCE9431645EC}">
-              <a14:shadowObscured xmlns="" xmlns:a14="http://schemas.microsoft.com/office/drawing/2010/main" val="1"/>
+              <a14:shadowObscured xmlns:a14="http://schemas.microsoft.com/office/drawing/2010/main" xmlns="" val="1"/>
             </a:ext>
           </a:extLst>
         </p:spPr>
@@ -811,14 +811,14 @@
           <a:effectLst/>
           <a:extLst>
             <a:ext uri="{909E8E84-426E-40dd-AFC4-6F175D3DCCD1}">
-              <a14:hiddenFill xmlns="" xmlns:a14="http://schemas.microsoft.com/office/drawing/2010/main">
+              <a14:hiddenFill xmlns:a14="http://schemas.microsoft.com/office/drawing/2010/main" xmlns="">
                 <a:solidFill>
                   <a:schemeClr val="accent1"/>
                 </a:solidFill>
               </a14:hiddenFill>
             </a:ext>
             <a:ext uri="{91240B29-F687-4f45-9708-019B960494DF}">
-              <a14:hiddenLine xmlns="" xmlns:a14="http://schemas.microsoft.com/office/drawing/2010/main" w="9525">
+              <a14:hiddenLine xmlns:a14="http://schemas.microsoft.com/office/drawing/2010/main" xmlns="" w="9525">
                 <a:solidFill>
                   <a:schemeClr val="tx1"/>
                 </a:solidFill>
@@ -828,7 +828,7 @@
               </a14:hiddenLine>
             </a:ext>
             <a:ext uri="{AF507438-7753-43e0-B8FC-AC1667EBCBE1}">
-              <a14:hiddenEffects xmlns="" xmlns:a14="http://schemas.microsoft.com/office/drawing/2010/main">
+              <a14:hiddenEffects xmlns:a14="http://schemas.microsoft.com/office/drawing/2010/main" xmlns="">
                 <a:effectLst>
                   <a:outerShdw blurRad="63500" dist="38099" dir="2700000" algn="ctr" rotWithShape="0">
                     <a:schemeClr val="bg2">
@@ -839,7 +839,7 @@
               </a14:hiddenEffects>
             </a:ext>
             <a:ext uri="{FAA26D3D-D897-4be2-8F04-BA451C77F1D7}">
-              <ma14:placeholderFlag xmlns="" xmlns:ma14="http://schemas.microsoft.com/office/mac/drawingml/2011/main" val="1"/>
+              <ma14:placeholderFlag xmlns:ma14="http://schemas.microsoft.com/office/mac/drawingml/2011/main" xmlns="" val="1"/>
             </a:ext>
           </a:extLst>
         </p:spPr>
@@ -912,14 +912,14 @@
           <a:effectLst/>
           <a:extLst>
             <a:ext uri="{909E8E84-426E-40dd-AFC4-6F175D3DCCD1}">
-              <a14:hiddenFill xmlns="" xmlns:a14="http://schemas.microsoft.com/office/drawing/2010/main">
+              <a14:hiddenFill xmlns:a14="http://schemas.microsoft.com/office/drawing/2010/main" xmlns="">
                 <a:solidFill>
                   <a:schemeClr val="accent1"/>
                 </a:solidFill>
               </a14:hiddenFill>
             </a:ext>
             <a:ext uri="{91240B29-F687-4f45-9708-019B960494DF}">
-              <a14:hiddenLine xmlns="" xmlns:a14="http://schemas.microsoft.com/office/drawing/2010/main" w="9525">
+              <a14:hiddenLine xmlns:a14="http://schemas.microsoft.com/office/drawing/2010/main" xmlns="" w="9525">
                 <a:solidFill>
                   <a:schemeClr val="tx1"/>
                 </a:solidFill>
@@ -929,7 +929,7 @@
               </a14:hiddenLine>
             </a:ext>
             <a:ext uri="{AF507438-7753-43e0-B8FC-AC1667EBCBE1}">
-              <a14:hiddenEffects xmlns="" xmlns:a14="http://schemas.microsoft.com/office/drawing/2010/main">
+              <a14:hiddenEffects xmlns:a14="http://schemas.microsoft.com/office/drawing/2010/main" xmlns="">
                 <a:effectLst>
                   <a:outerShdw blurRad="63500" dist="38099" dir="2700000" algn="ctr" rotWithShape="0">
                     <a:schemeClr val="bg2">
@@ -940,7 +940,7 @@
               </a14:hiddenEffects>
             </a:ext>
             <a:ext uri="{FAA26D3D-D897-4be2-8F04-BA451C77F1D7}">
-              <ma14:placeholderFlag xmlns="" xmlns:ma14="http://schemas.microsoft.com/office/mac/drawingml/2011/main" val="1"/>
+              <ma14:placeholderFlag xmlns:ma14="http://schemas.microsoft.com/office/mac/drawingml/2011/main" xmlns="" val="1"/>
             </a:ext>
           </a:extLst>
         </p:spPr>
@@ -997,14 +997,14 @@
           <a:effectLst/>
           <a:extLst>
             <a:ext uri="{909E8E84-426E-40dd-AFC4-6F175D3DCCD1}">
-              <a14:hiddenFill xmlns="" xmlns:a14="http://schemas.microsoft.com/office/drawing/2010/main">
+              <a14:hiddenFill xmlns:a14="http://schemas.microsoft.com/office/drawing/2010/main" xmlns="">
                 <a:solidFill>
                   <a:schemeClr val="accent1"/>
                 </a:solidFill>
               </a14:hiddenFill>
             </a:ext>
             <a:ext uri="{91240B29-F687-4f45-9708-019B960494DF}">
-              <a14:hiddenLine xmlns="" xmlns:a14="http://schemas.microsoft.com/office/drawing/2010/main" w="9525">
+              <a14:hiddenLine xmlns:a14="http://schemas.microsoft.com/office/drawing/2010/main" xmlns="" w="9525">
                 <a:solidFill>
                   <a:schemeClr val="tx1"/>
                 </a:solidFill>
@@ -1014,7 +1014,7 @@
               </a14:hiddenLine>
             </a:ext>
             <a:ext uri="{AF507438-7753-43e0-B8FC-AC1667EBCBE1}">
-              <a14:hiddenEffects xmlns="" xmlns:a14="http://schemas.microsoft.com/office/drawing/2010/main">
+              <a14:hiddenEffects xmlns:a14="http://schemas.microsoft.com/office/drawing/2010/main" xmlns="">
                 <a:effectLst>
                   <a:outerShdw blurRad="63500" dist="38099" dir="2700000" algn="ctr" rotWithShape="0">
                     <a:schemeClr val="bg2">
@@ -1025,7 +1025,7 @@
               </a14:hiddenEffects>
             </a:ext>
             <a:ext uri="{FAA26D3D-D897-4be2-8F04-BA451C77F1D7}">
-              <ma14:placeholderFlag xmlns="" xmlns:ma14="http://schemas.microsoft.com/office/mac/drawingml/2011/main" val="1"/>
+              <ma14:placeholderFlag xmlns:ma14="http://schemas.microsoft.com/office/mac/drawingml/2011/main" xmlns="" val="1"/>
             </a:ext>
           </a:extLst>
         </p:spPr>
@@ -1248,12 +1248,12 @@
           <a:effectLst/>
           <a:extLst>
             <a:ext uri="{909E8E84-426E-40dd-AFC4-6F175D3DCCD1}">
-              <a14:hiddenFill xmlns="" xmlns:a14="http://schemas.microsoft.com/office/drawing/2010/main">
+              <a14:hiddenFill xmlns:a14="http://schemas.microsoft.com/office/drawing/2010/main" xmlns="">
                 <a:noFill/>
               </a14:hiddenFill>
             </a:ext>
             <a:ext uri="{AF507438-7753-43e0-B8FC-AC1667EBCBE1}">
-              <a14:hiddenEffects xmlns="" xmlns:a14="http://schemas.microsoft.com/office/drawing/2010/main">
+              <a14:hiddenEffects xmlns:a14="http://schemas.microsoft.com/office/drawing/2010/main" xmlns="">
                 <a:effectLst>
                   <a:outerShdw blurRad="63500" dist="38099" dir="2700000" algn="ctr" rotWithShape="0">
                     <a:schemeClr val="bg2">
@@ -1307,12 +1307,12 @@
           <a:effectLst/>
           <a:extLst>
             <a:ext uri="{909E8E84-426E-40dd-AFC4-6F175D3DCCD1}">
-              <a14:hiddenFill xmlns="" xmlns:a14="http://schemas.microsoft.com/office/drawing/2010/main">
+              <a14:hiddenFill xmlns:a14="http://schemas.microsoft.com/office/drawing/2010/main" xmlns="">
                 <a:noFill/>
               </a14:hiddenFill>
             </a:ext>
             <a:ext uri="{AF507438-7753-43e0-B8FC-AC1667EBCBE1}">
-              <a14:hiddenEffects xmlns="" xmlns:a14="http://schemas.microsoft.com/office/drawing/2010/main">
+              <a14:hiddenEffects xmlns:a14="http://schemas.microsoft.com/office/drawing/2010/main" xmlns="">
                 <a:effectLst>
                   <a:outerShdw blurRad="63500" dist="38099" dir="2700000" algn="ctr" rotWithShape="0">
                     <a:schemeClr val="bg2">
@@ -1402,7 +1402,7 @@
         </p:nvSpPr>
         <p:spPr bwMode="auto">
           <a:xfrm>
-            <a:off x="1546225" y="4257675"/>
+            <a:off x="250155" y="4221088"/>
             <a:ext cx="6842125" cy="2140138"/>
           </a:xfrm>
           <a:prstGeom prst="rect">
@@ -1415,14 +1415,14 @@
           <a:effectLst/>
           <a:extLst>
             <a:ext uri="{909E8E84-426E-40dd-AFC4-6F175D3DCCD1}">
-              <a14:hiddenFill xmlns="" xmlns:a14="http://schemas.microsoft.com/office/drawing/2010/main">
+              <a14:hiddenFill xmlns:a14="http://schemas.microsoft.com/office/drawing/2010/main" xmlns="">
                 <a:solidFill>
                   <a:schemeClr val="accent1"/>
                 </a:solidFill>
               </a14:hiddenFill>
             </a:ext>
             <a:ext uri="{91240B29-F687-4f45-9708-019B960494DF}">
-              <a14:hiddenLine xmlns="" xmlns:a14="http://schemas.microsoft.com/office/drawing/2010/main" w="9525">
+              <a14:hiddenLine xmlns:a14="http://schemas.microsoft.com/office/drawing/2010/main" xmlns="" w="9525">
                 <a:solidFill>
                   <a:schemeClr val="tx1"/>
                 </a:solidFill>
@@ -1432,7 +1432,7 @@
               </a14:hiddenLine>
             </a:ext>
             <a:ext uri="{AF507438-7753-43e0-B8FC-AC1667EBCBE1}">
-              <a14:hiddenEffects xmlns="" xmlns:a14="http://schemas.microsoft.com/office/drawing/2010/main">
+              <a14:hiddenEffects xmlns:a14="http://schemas.microsoft.com/office/drawing/2010/main" xmlns="">
                 <a:effectLst>
                   <a:outerShdw blurRad="63500" dist="38099" dir="2700000" algn="ctr" rotWithShape="0">
                     <a:schemeClr val="bg2">
@@ -1575,15 +1575,6 @@
           </a:p>
           <a:p>
             <a:pPr eaLnBrk="1" hangingPunct="1"/>
-            <a:endParaRPr lang="en-US" altLang="de-DE" sz="1600" dirty="0" smtClean="0">
-              <a:solidFill>
-                <a:schemeClr val="bg1"/>
-              </a:solidFill>
-              <a:latin typeface="Univers Light" pitchFamily="-84" charset="0"/>
-            </a:endParaRPr>
-          </a:p>
-          <a:p>
-            <a:pPr eaLnBrk="1" hangingPunct="1"/>
             <a:endParaRPr lang="en-US" altLang="de-DE" sz="1600" dirty="0">
               <a:solidFill>
                 <a:schemeClr val="bg1"/>
@@ -1593,9 +1584,46 @@
           </a:p>
           <a:p>
             <a:pPr eaLnBrk="1" hangingPunct="1"/>
-            <a:endParaRPr lang="en-US" altLang="de-DE" sz="1600" dirty="0">
+            <a:r>
+              <a:rPr lang="de-DE" altLang="de-DE" sz="1600" dirty="0" smtClean="0">
+                <a:solidFill>
+                  <a:schemeClr val="bg1"/>
+                </a:solidFill>
+                <a:latin typeface="Univers Light" pitchFamily="-84" charset="0"/>
+              </a:rPr>
+              <a:t>Tobias </a:t>
+            </a:r>
+            <a:r>
+              <a:rPr lang="de-DE" altLang="de-DE" sz="1600" dirty="0" smtClean="0">
+                <a:solidFill>
+                  <a:schemeClr val="bg1"/>
+                </a:solidFill>
+                <a:latin typeface="Univers Light" pitchFamily="-84" charset="0"/>
+              </a:rPr>
+              <a:t>Frust (</a:t>
+            </a:r>
+            <a:r>
+              <a:rPr lang="de-DE" altLang="de-DE" sz="1600" dirty="0" smtClean="0">
+                <a:solidFill>
+                  <a:schemeClr val="bg1"/>
+                </a:solidFill>
+                <a:latin typeface="Univers Light" pitchFamily="-84" charset="0"/>
+                <a:hlinkClick r:id="rId4"/>
+              </a:rPr>
+              <a:t>tobias.frust@mailbox.tu-dresden.de</a:t>
+            </a:r>
+            <a:r>
+              <a:rPr lang="de-DE" altLang="de-DE" sz="1600" dirty="0" smtClean="0">
+                <a:solidFill>
+                  <a:schemeClr val="bg1"/>
+                </a:solidFill>
+                <a:latin typeface="Univers Light" pitchFamily="-84" charset="0"/>
+              </a:rPr>
+              <a:t>)</a:t>
+            </a:r>
+            <a:endParaRPr lang="de-DE" altLang="de-DE" sz="1600" dirty="0" smtClean="0">
               <a:solidFill>
-                <a:schemeClr val="bg1"/>
+                <a:srgbClr val="FFFFFF"/>
               </a:solidFill>
               <a:latin typeface="Univers Light" pitchFamily="-84" charset="0"/>
             </a:endParaRPr>
@@ -1605,22 +1633,83 @@
             <a:r>
               <a:rPr lang="de-DE" altLang="de-DE" sz="1600" dirty="0" smtClean="0">
                 <a:solidFill>
+                  <a:srgbClr val="FFFFFF"/>
+                </a:solidFill>
+                <a:latin typeface="Univers Light" pitchFamily="-84" charset="0"/>
+              </a:rPr>
+              <a:t>Tutor:</a:t>
+            </a:r>
+            <a:r>
+              <a:rPr lang="de-DE" altLang="de-DE" sz="1600" baseline="0" dirty="0" smtClean="0">
+                <a:solidFill>
+                  <a:srgbClr val="FFFFFF"/>
+                </a:solidFill>
+                <a:latin typeface="Univers Light" pitchFamily="-84" charset="0"/>
+              </a:rPr>
+              <a:t> Ronny Brendel (</a:t>
+            </a:r>
+            <a:r>
+              <a:rPr lang="de-DE" altLang="de-DE" sz="1600" baseline="0" dirty="0" smtClean="0">
+                <a:solidFill>
+                  <a:srgbClr val="FFFFFF"/>
+                </a:solidFill>
+                <a:latin typeface="Univers Light" pitchFamily="-84" charset="0"/>
+                <a:hlinkClick r:id="rId5"/>
+              </a:rPr>
+              <a:t>ronny.brendel@tu-dresden.de</a:t>
+            </a:r>
+            <a:r>
+              <a:rPr lang="de-DE" altLang="de-DE" sz="1600" baseline="0" dirty="0" smtClean="0">
+                <a:solidFill>
+                  <a:srgbClr val="FFFFFF"/>
+                </a:solidFill>
+                <a:latin typeface="Univers Light" pitchFamily="-84" charset="0"/>
+              </a:rPr>
+              <a:t>)</a:t>
+            </a:r>
+          </a:p>
+          <a:p>
+            <a:pPr eaLnBrk="1" hangingPunct="1"/>
+            <a:r>
+              <a:rPr lang="de-DE" altLang="de-DE" sz="1600" baseline="0" dirty="0" smtClean="0">
+                <a:solidFill>
+                  <a:srgbClr val="FFFFFF"/>
+                </a:solidFill>
+                <a:latin typeface="Univers Light" pitchFamily="-84" charset="0"/>
+              </a:rPr>
+              <a:t>17th </a:t>
+            </a:r>
+            <a:r>
+              <a:rPr lang="de-DE" altLang="de-DE" sz="1600" baseline="0" dirty="0" err="1" smtClean="0">
+                <a:solidFill>
+                  <a:srgbClr val="FFFFFF"/>
+                </a:solidFill>
+                <a:latin typeface="Univers Light" pitchFamily="-84" charset="0"/>
+              </a:rPr>
+              <a:t>July</a:t>
+            </a:r>
+            <a:r>
+              <a:rPr lang="de-DE" altLang="de-DE" sz="1600" baseline="0" dirty="0" smtClean="0">
+                <a:solidFill>
+                  <a:srgbClr val="FFFFFF"/>
+                </a:solidFill>
+                <a:latin typeface="Univers Light" pitchFamily="-84" charset="0"/>
+              </a:rPr>
+              <a:t>, 2015</a:t>
+            </a:r>
+            <a:r>
+              <a:rPr lang="de-DE" altLang="de-DE" sz="1600" baseline="0" dirty="0" smtClean="0">
+                <a:solidFill>
                   <a:schemeClr val="bg1"/>
                 </a:solidFill>
                 <a:latin typeface="Univers Light" pitchFamily="-84" charset="0"/>
               </a:rPr>
-              <a:t>Tobias, Frust (tobias.frust@mailbox.tu-dresden.de</a:t>
-            </a:r>
-            <a:r>
-              <a:rPr lang="de-DE" altLang="de-DE" sz="1600" dirty="0">
-                <a:solidFill>
-                  <a:schemeClr val="bg1"/>
-                </a:solidFill>
-                <a:latin typeface="Univers Light" pitchFamily="-84" charset="0"/>
-              </a:rPr>
-              <a:t>)</a:t>
-            </a:r>
-            <a:endParaRPr lang="de-DE" altLang="de-DE" sz="1600" dirty="0">
+              <a:t> </a:t>
+            </a:r>
+            <a:endParaRPr lang="de-DE" altLang="de-DE" sz="1600" baseline="0" dirty="0" smtClean="0">
+              <a:solidFill>
+                <a:srgbClr val="FFFFFF"/>
+              </a:solidFill>
               <a:latin typeface="Univers Light" pitchFamily="-84" charset="0"/>
             </a:endParaRPr>
           </a:p>
@@ -1717,14 +1806,14 @@
           </a:xfrm>
           <a:extLst>
             <a:ext uri="{909E8E84-426E-40dd-AFC4-6F175D3DCCD1}">
-              <a14:hiddenFill xmlns="" xmlns:a14="http://schemas.microsoft.com/office/drawing/2010/main">
+              <a14:hiddenFill xmlns:a14="http://schemas.microsoft.com/office/drawing/2010/main" xmlns="">
                 <a:solidFill>
                   <a:schemeClr val="accent1"/>
                 </a:solidFill>
               </a14:hiddenFill>
             </a:ext>
             <a:ext uri="{91240B29-F687-4f45-9708-019B960494DF}">
-              <a14:hiddenLine xmlns="" xmlns:a14="http://schemas.microsoft.com/office/drawing/2010/main" w="9525">
+              <a14:hiddenLine xmlns:a14="http://schemas.microsoft.com/office/drawing/2010/main" xmlns="" w="9525">
                 <a:solidFill>
                   <a:schemeClr val="tx1"/>
                 </a:solidFill>
@@ -1734,7 +1823,7 @@
               </a14:hiddenLine>
             </a:ext>
             <a:ext uri="{AF507438-7753-43e0-B8FC-AC1667EBCBE1}">
-              <a14:hiddenEffects xmlns="" xmlns:a14="http://schemas.microsoft.com/office/drawing/2010/main">
+              <a14:hiddenEffects xmlns:a14="http://schemas.microsoft.com/office/drawing/2010/main" xmlns="">
                 <a:effectLst>
                   <a:outerShdw blurRad="63500" dist="38099" dir="2700000" algn="ctr" rotWithShape="0">
                     <a:schemeClr val="bg2">
@@ -1745,7 +1834,7 @@
               </a14:hiddenEffects>
             </a:ext>
             <a:ext uri="{FAA26D3D-D897-4be2-8F04-BA451C77F1D7}">
-              <ma14:placeholderFlag xmlns="" xmlns:ma14="http://schemas.microsoft.com/office/mac/drawingml/2011/main" val="1"/>
+              <ma14:placeholderFlag xmlns:ma14="http://schemas.microsoft.com/office/mac/drawingml/2011/main" xmlns="" val="1"/>
             </a:ext>
           </a:extLst>
         </p:spPr>
@@ -3787,14 +3876,14 @@
           <a:effectLst/>
           <a:extLst>
             <a:ext uri="{909E8E84-426E-40dd-AFC4-6F175D3DCCD1}">
-              <a14:hiddenFill xmlns="" xmlns:a14="http://schemas.microsoft.com/office/drawing/2010/main">
+              <a14:hiddenFill xmlns:a14="http://schemas.microsoft.com/office/drawing/2010/main" xmlns="">
                 <a:solidFill>
                   <a:schemeClr val="accent1"/>
                 </a:solidFill>
               </a14:hiddenFill>
             </a:ext>
             <a:ext uri="{91240B29-F687-4f45-9708-019B960494DF}">
-              <a14:hiddenLine xmlns="" xmlns:a14="http://schemas.microsoft.com/office/drawing/2010/main" w="9525">
+              <a14:hiddenLine xmlns:a14="http://schemas.microsoft.com/office/drawing/2010/main" xmlns="" w="9525">
                 <a:solidFill>
                   <a:schemeClr val="tx1"/>
                 </a:solidFill>
@@ -3804,7 +3893,7 @@
               </a14:hiddenLine>
             </a:ext>
             <a:ext uri="{AF507438-7753-43e0-B8FC-AC1667EBCBE1}">
-              <a14:hiddenEffects xmlns="" xmlns:a14="http://schemas.microsoft.com/office/drawing/2010/main">
+              <a14:hiddenEffects xmlns:a14="http://schemas.microsoft.com/office/drawing/2010/main" xmlns="">
                 <a:effectLst>
                   <a:outerShdw blurRad="63500" dist="38099" dir="2700000" algn="ctr" rotWithShape="0">
                     <a:schemeClr val="bg2">
@@ -3815,7 +3904,7 @@
               </a14:hiddenEffects>
             </a:ext>
             <a:ext uri="{FAA26D3D-D897-4be2-8F04-BA451C77F1D7}">
-              <ma14:placeholderFlag xmlns="" xmlns:ma14="http://schemas.microsoft.com/office/mac/drawingml/2011/main" val="1"/>
+              <ma14:placeholderFlag xmlns:ma14="http://schemas.microsoft.com/office/mac/drawingml/2011/main" xmlns="" val="1"/>
             </a:ext>
           </a:extLst>
         </p:spPr>
@@ -3930,14 +4019,14 @@
           <a:effectLst/>
           <a:extLst>
             <a:ext uri="{909E8E84-426E-40dd-AFC4-6F175D3DCCD1}">
-              <a14:hiddenFill xmlns="" xmlns:a14="http://schemas.microsoft.com/office/drawing/2010/main">
+              <a14:hiddenFill xmlns:a14="http://schemas.microsoft.com/office/drawing/2010/main" xmlns="">
                 <a:solidFill>
                   <a:schemeClr val="accent1"/>
                 </a:solidFill>
               </a14:hiddenFill>
             </a:ext>
             <a:ext uri="{91240B29-F687-4f45-9708-019B960494DF}">
-              <a14:hiddenLine xmlns="" xmlns:a14="http://schemas.microsoft.com/office/drawing/2010/main" w="9525">
+              <a14:hiddenLine xmlns:a14="http://schemas.microsoft.com/office/drawing/2010/main" xmlns="" w="9525">
                 <a:solidFill>
                   <a:schemeClr val="tx1"/>
                 </a:solidFill>
@@ -3947,7 +4036,7 @@
               </a14:hiddenLine>
             </a:ext>
             <a:ext uri="{AF507438-7753-43e0-B8FC-AC1667EBCBE1}">
-              <a14:hiddenEffects xmlns="" xmlns:a14="http://schemas.microsoft.com/office/drawing/2010/main">
+              <a14:hiddenEffects xmlns:a14="http://schemas.microsoft.com/office/drawing/2010/main" xmlns="">
                 <a:effectLst>
                   <a:outerShdw blurRad="63500" dist="38099" dir="2700000" algn="ctr" rotWithShape="0">
                     <a:schemeClr val="bg2">
@@ -3958,7 +4047,7 @@
               </a14:hiddenEffects>
             </a:ext>
             <a:ext uri="{FAA26D3D-D897-4be2-8F04-BA451C77F1D7}">
-              <ma14:placeholderFlag xmlns="" xmlns:ma14="http://schemas.microsoft.com/office/mac/drawingml/2011/main" val="1"/>
+              <ma14:placeholderFlag xmlns:ma14="http://schemas.microsoft.com/office/mac/drawingml/2011/main" xmlns="" val="1"/>
             </a:ext>
           </a:extLst>
         </p:spPr>
@@ -4003,14 +4092,14 @@
           <a:effectLst/>
           <a:extLst>
             <a:ext uri="{909E8E84-426E-40dd-AFC4-6F175D3DCCD1}">
-              <a14:hiddenFill xmlns="" xmlns:a14="http://schemas.microsoft.com/office/drawing/2010/main">
+              <a14:hiddenFill xmlns:a14="http://schemas.microsoft.com/office/drawing/2010/main" xmlns="">
                 <a:solidFill>
                   <a:schemeClr val="accent1"/>
                 </a:solidFill>
               </a14:hiddenFill>
             </a:ext>
             <a:ext uri="{91240B29-F687-4f45-9708-019B960494DF}">
-              <a14:hiddenLine xmlns="" xmlns:a14="http://schemas.microsoft.com/office/drawing/2010/main" w="9525">
+              <a14:hiddenLine xmlns:a14="http://schemas.microsoft.com/office/drawing/2010/main" xmlns="" w="9525">
                 <a:solidFill>
                   <a:schemeClr val="tx1"/>
                 </a:solidFill>
@@ -4020,7 +4109,7 @@
               </a14:hiddenLine>
             </a:ext>
             <a:ext uri="{AF507438-7753-43e0-B8FC-AC1667EBCBE1}">
-              <a14:hiddenEffects xmlns="" xmlns:a14="http://schemas.microsoft.com/office/drawing/2010/main">
+              <a14:hiddenEffects xmlns:a14="http://schemas.microsoft.com/office/drawing/2010/main" xmlns="">
                 <a:effectLst>
                   <a:outerShdw blurRad="63500" dist="38099" dir="2700000" algn="ctr" rotWithShape="0">
                     <a:schemeClr val="bg2">
@@ -4031,7 +4120,7 @@
               </a14:hiddenEffects>
             </a:ext>
             <a:ext uri="{FAA26D3D-D897-4be2-8F04-BA451C77F1D7}">
-              <ma14:placeholderFlag xmlns="" xmlns:ma14="http://schemas.microsoft.com/office/mac/drawingml/2011/main" val="1"/>
+              <ma14:placeholderFlag xmlns:ma14="http://schemas.microsoft.com/office/mac/drawingml/2011/main" xmlns="" val="1"/>
             </a:ext>
           </a:extLst>
         </p:spPr>
@@ -4546,14 +4635,14 @@
           <a:effectLst/>
           <a:extLst>
             <a:ext uri="{909E8E84-426E-40dd-AFC4-6F175D3DCCD1}">
-              <a14:hiddenFill xmlns="" xmlns:a14="http://schemas.microsoft.com/office/drawing/2010/main">
+              <a14:hiddenFill xmlns:a14="http://schemas.microsoft.com/office/drawing/2010/main" xmlns="">
                 <a:solidFill>
                   <a:schemeClr val="accent1"/>
                 </a:solidFill>
               </a14:hiddenFill>
             </a:ext>
             <a:ext uri="{91240B29-F687-4f45-9708-019B960494DF}">
-              <a14:hiddenLine xmlns="" xmlns:a14="http://schemas.microsoft.com/office/drawing/2010/main" w="9525">
+              <a14:hiddenLine xmlns:a14="http://schemas.microsoft.com/office/drawing/2010/main" xmlns="" w="9525">
                 <a:solidFill>
                   <a:schemeClr val="tx1"/>
                 </a:solidFill>
@@ -4563,7 +4652,7 @@
               </a14:hiddenLine>
             </a:ext>
             <a:ext uri="{AF507438-7753-43e0-B8FC-AC1667EBCBE1}">
-              <a14:hiddenEffects xmlns="" xmlns:a14="http://schemas.microsoft.com/office/drawing/2010/main">
+              <a14:hiddenEffects xmlns:a14="http://schemas.microsoft.com/office/drawing/2010/main" xmlns="">
                 <a:effectLst>
                   <a:outerShdw blurRad="63500" dist="38099" dir="2700000" algn="ctr" rotWithShape="0">
                     <a:schemeClr val="bg2">
@@ -4691,7 +4780,7 @@
               </a:spcBef>
             </a:pPr>
             <a:r>
-              <a:rPr lang="de-DE" altLang="de-DE" sz="1100" b="1">
+              <a:rPr lang="de-DE" altLang="de-DE" sz="1100" b="1" dirty="0">
                 <a:solidFill>
                   <a:schemeClr val="bg1"/>
                 </a:solidFill>
@@ -4714,14 +4803,14 @@
         <p:spPr>
           <a:extLst>
             <a:ext uri="{909E8E84-426E-40dd-AFC4-6F175D3DCCD1}">
-              <a14:hiddenFill xmlns="" xmlns:a14="http://schemas.microsoft.com/office/drawing/2010/main">
+              <a14:hiddenFill xmlns:a14="http://schemas.microsoft.com/office/drawing/2010/main" xmlns="">
                 <a:solidFill>
                   <a:schemeClr val="accent1"/>
                 </a:solidFill>
               </a14:hiddenFill>
             </a:ext>
             <a:ext uri="{91240B29-F687-4f45-9708-019B960494DF}">
-              <a14:hiddenLine xmlns="" xmlns:a14="http://schemas.microsoft.com/office/drawing/2010/main" w="9525">
+              <a14:hiddenLine xmlns:a14="http://schemas.microsoft.com/office/drawing/2010/main" xmlns="" w="9525">
                 <a:solidFill>
                   <a:schemeClr val="tx1"/>
                 </a:solidFill>
@@ -4731,7 +4820,7 @@
               </a14:hiddenLine>
             </a:ext>
             <a:ext uri="{AF507438-7753-43e0-B8FC-AC1667EBCBE1}">
-              <a14:hiddenEffects xmlns="" xmlns:a14="http://schemas.microsoft.com/office/drawing/2010/main">
+              <a14:hiddenEffects xmlns:a14="http://schemas.microsoft.com/office/drawing/2010/main" xmlns="">
                 <a:effectLst>
                   <a:outerShdw blurRad="63500" dist="38099" dir="2700000" algn="ctr" rotWithShape="0">
                     <a:schemeClr val="bg2">
@@ -4742,7 +4831,7 @@
               </a14:hiddenEffects>
             </a:ext>
             <a:ext uri="{FAA26D3D-D897-4be2-8F04-BA451C77F1D7}">
-              <ma14:placeholderFlag xmlns="" xmlns:ma14="http://schemas.microsoft.com/office/mac/drawingml/2011/main" val="1"/>
+              <ma14:placeholderFlag xmlns:ma14="http://schemas.microsoft.com/office/mac/drawingml/2011/main" xmlns="" val="1"/>
             </a:ext>
           </a:extLst>
         </p:spPr>
@@ -4755,20 +4844,28 @@
             </a:pPr>
             <a:r>
               <a:rPr lang="en-US" dirty="0" err="1" smtClean="0"/>
-              <a:t>Adapteva</a:t>
-            </a:r>
-            <a:r>
-              <a:rPr lang="en-US" dirty="0" smtClean="0"/>
-              <a:t> </a:t>
-            </a:r>
-            <a:r>
-              <a:rPr lang="en-US" dirty="0" err="1" smtClean="0"/>
-              <a:t>Parallela</a:t>
-            </a:r>
-            <a:r>
-              <a:rPr lang="en-US" dirty="0" smtClean="0"/>
-              <a:t>:</a:t>
-            </a:r>
+              <a:t>Hauptseminar</a:t>
+            </a:r>
+            <a:r>
+              <a:rPr lang="en-US" sz="3200" dirty="0" smtClean="0"/>
+              <a:t/>
+            </a:r>
+            <a:br>
+              <a:rPr lang="en-US" sz="3200" dirty="0" smtClean="0"/>
+            </a:br>
+            <a:r>
+              <a:rPr lang="en-US" sz="3200" dirty="0" err="1" smtClean="0"/>
+              <a:t>Rechnerarchitektur</a:t>
+            </a:r>
+            <a:r>
+              <a:rPr lang="en-US" sz="3200" dirty="0" smtClean="0"/>
+              <a:t> und </a:t>
+            </a:r>
+            <a:r>
+              <a:rPr lang="en-US" sz="3200" dirty="0" err="1" smtClean="0"/>
+              <a:t>Programmierung</a:t>
+            </a:r>
+            <a:endParaRPr lang="en-US" sz="3200" dirty="0" smtClean="0"/>
           </a:p>
         </p:txBody>
       </p:sp>
@@ -4783,16 +4880,20 @@
           </p:nvPr>
         </p:nvSpPr>
         <p:spPr>
+          <a:xfrm>
+            <a:off x="323850" y="3717081"/>
+            <a:ext cx="8496300" cy="1008063"/>
+          </a:xfrm>
           <a:extLst>
             <a:ext uri="{909E8E84-426E-40dd-AFC4-6F175D3DCCD1}">
-              <a14:hiddenFill xmlns="" xmlns:a14="http://schemas.microsoft.com/office/drawing/2010/main">
+              <a14:hiddenFill xmlns:a14="http://schemas.microsoft.com/office/drawing/2010/main" xmlns="">
                 <a:solidFill>
                   <a:schemeClr val="accent1"/>
                 </a:solidFill>
               </a14:hiddenFill>
             </a:ext>
             <a:ext uri="{91240B29-F687-4f45-9708-019B960494DF}">
-              <a14:hiddenLine xmlns="" xmlns:a14="http://schemas.microsoft.com/office/drawing/2010/main" w="9525">
+              <a14:hiddenLine xmlns:a14="http://schemas.microsoft.com/office/drawing/2010/main" xmlns="" w="9525">
                 <a:solidFill>
                   <a:schemeClr val="tx1"/>
                 </a:solidFill>
@@ -4802,7 +4903,7 @@
               </a14:hiddenLine>
             </a:ext>
             <a:ext uri="{AF507438-7753-43e0-B8FC-AC1667EBCBE1}">
-              <a14:hiddenEffects xmlns="" xmlns:a14="http://schemas.microsoft.com/office/drawing/2010/main">
+              <a14:hiddenEffects xmlns:a14="http://schemas.microsoft.com/office/drawing/2010/main" xmlns="">
                 <a:effectLst>
                   <a:outerShdw blurRad="63500" dist="38099" dir="2700000" algn="ctr" rotWithShape="0">
                     <a:schemeClr val="bg2">
@@ -4813,7 +4914,7 @@
               </a14:hiddenEffects>
             </a:ext>
             <a:ext uri="{FAA26D3D-D897-4be2-8F04-BA451C77F1D7}">
-              <ma14:placeholderFlag xmlns="" xmlns:ma14="http://schemas.microsoft.com/office/mac/drawingml/2011/main" val="1"/>
+              <ma14:placeholderFlag xmlns:ma14="http://schemas.microsoft.com/office/mac/drawingml/2011/main" xmlns="" val="1"/>
             </a:ext>
           </a:extLst>
         </p:spPr>
@@ -4825,9 +4926,36 @@
               <a:defRPr/>
             </a:pPr>
             <a:r>
+              <a:rPr lang="en-US" dirty="0" err="1" smtClean="0"/>
+              <a:t>Adapteva</a:t>
+            </a:r>
+            <a:r>
               <a:rPr lang="en-US" dirty="0" smtClean="0"/>
+              <a:t> </a:t>
+            </a:r>
+            <a:r>
+              <a:rPr lang="en-US" dirty="0" err="1" smtClean="0"/>
+              <a:t>Parallella</a:t>
+            </a:r>
+            <a:r>
+              <a:rPr lang="en-US" dirty="0" smtClean="0"/>
+              <a:t>:</a:t>
+            </a:r>
+          </a:p>
+          <a:p>
+            <a:pPr marL="0" indent="0">
+              <a:defRPr/>
+            </a:pPr>
+            <a:r>
+              <a:rPr lang="en-US" dirty="0"/>
               <a:t>Crowd-funded Low-budget Open-source HPC</a:t>
             </a:r>
+          </a:p>
+          <a:p>
+            <a:pPr marL="0" indent="0" eaLnBrk="1" hangingPunct="1">
+              <a:defRPr/>
+            </a:pPr>
+            <a:endParaRPr lang="en-US" dirty="0" smtClean="0"/>
           </a:p>
         </p:txBody>
       </p:sp>
@@ -4937,13 +5065,19 @@
               <a:rPr lang="en-US" altLang="de-DE" dirty="0" err="1" smtClean="0">
                 <a:latin typeface="Univers Light" pitchFamily="-84" charset="0"/>
               </a:rPr>
-              <a:t>Parallela</a:t>
+              <a:t>Parallella</a:t>
             </a:r>
             <a:r>
               <a:rPr lang="en-US" altLang="de-DE" dirty="0" smtClean="0">
                 <a:latin typeface="Univers Light" pitchFamily="-84" charset="0"/>
               </a:rPr>
-              <a:t> Platform</a:t>
+              <a:t> </a:t>
+            </a:r>
+            <a:r>
+              <a:rPr lang="en-US" altLang="de-DE" dirty="0" smtClean="0">
+                <a:latin typeface="Univers Light" pitchFamily="-84" charset="0"/>
+              </a:rPr>
+              <a:t>Platform</a:t>
             </a:r>
           </a:p>
           <a:p>
@@ -4955,10 +5089,16 @@
               <a:t>Company history of </a:t>
             </a:r>
             <a:r>
+              <a:rPr lang="en-US" altLang="de-DE" dirty="0" err="1">
+                <a:latin typeface="Univers Light" pitchFamily="-84" charset="0"/>
+              </a:rPr>
+              <a:t>A</a:t>
+            </a:r>
+            <a:r>
               <a:rPr lang="en-US" altLang="de-DE" dirty="0" err="1" smtClean="0">
                 <a:latin typeface="Univers Light" pitchFamily="-84" charset="0"/>
               </a:rPr>
-              <a:t>adapteva</a:t>
+              <a:t>dapteva</a:t>
             </a:r>
             <a:endParaRPr lang="en-US" altLang="de-DE" dirty="0" smtClean="0">
               <a:latin typeface="Univers Light" pitchFamily="-84" charset="0"/>
@@ -4970,13 +5110,19 @@
               <a:rPr lang="en-US" altLang="de-DE" dirty="0" err="1" smtClean="0">
                 <a:latin typeface="Univers Light" pitchFamily="-84" charset="0"/>
               </a:rPr>
-              <a:t>Parallela</a:t>
+              <a:t>Parallella</a:t>
             </a:r>
             <a:r>
               <a:rPr lang="en-US" altLang="de-DE" dirty="0" smtClean="0">
                 <a:latin typeface="Univers Light" pitchFamily="-84" charset="0"/>
               </a:rPr>
-              <a:t> board</a:t>
+              <a:t> </a:t>
+            </a:r>
+            <a:r>
+              <a:rPr lang="en-US" altLang="de-DE" dirty="0" smtClean="0">
+                <a:latin typeface="Univers Light" pitchFamily="-84" charset="0"/>
+              </a:rPr>
+              <a:t>board</a:t>
             </a:r>
           </a:p>
           <a:p>
@@ -5058,14 +5204,14 @@
           <a:effectLst/>
           <a:extLst>
             <a:ext uri="{909E8E84-426E-40dd-AFC4-6F175D3DCCD1}">
-              <a14:hiddenFill xmlns="" xmlns:a14="http://schemas.microsoft.com/office/drawing/2010/main">
+              <a14:hiddenFill xmlns:a14="http://schemas.microsoft.com/office/drawing/2010/main" xmlns="">
                 <a:solidFill>
                   <a:schemeClr val="accent1"/>
                 </a:solidFill>
               </a14:hiddenFill>
             </a:ext>
             <a:ext uri="{91240B29-F687-4f45-9708-019B960494DF}">
-              <a14:hiddenLine xmlns="" xmlns:a14="http://schemas.microsoft.com/office/drawing/2010/main" w="9525">
+              <a14:hiddenLine xmlns:a14="http://schemas.microsoft.com/office/drawing/2010/main" xmlns="" w="9525">
                 <a:solidFill>
                   <a:schemeClr val="tx1"/>
                 </a:solidFill>
@@ -5075,7 +5221,7 @@
               </a14:hiddenLine>
             </a:ext>
             <a:ext uri="{AF507438-7753-43e0-B8FC-AC1667EBCBE1}">
-              <a14:hiddenEffects xmlns="" xmlns:a14="http://schemas.microsoft.com/office/drawing/2010/main">
+              <a14:hiddenEffects xmlns:a14="http://schemas.microsoft.com/office/drawing/2010/main" xmlns="">
                 <a:effectLst>
                   <a:outerShdw blurRad="63500" dist="38099" dir="2700000" algn="ctr" rotWithShape="0">
                     <a:schemeClr val="bg2">
@@ -5331,13 +5477,16 @@
               <a:rPr lang="en-US" altLang="de-DE" dirty="0" smtClean="0">
                 <a:latin typeface="Univers Light" pitchFamily="-84" charset="0"/>
               </a:rPr>
-              <a:t> of  Epiphany-III product (65nm</a:t>
-            </a:r>
+              <a:t> of  Epiphany-III product (65nm)</a:t>
+            </a:r>
+          </a:p>
+          <a:p>
+            <a:pPr lvl="1"/>
             <a:r>
               <a:rPr lang="en-US" altLang="de-DE" dirty="0" smtClean="0">
                 <a:latin typeface="Univers Light" pitchFamily="-84" charset="0"/>
               </a:rPr>
-              <a:t>)</a:t>
+              <a:t>May 2011: Sampled Epiphany-III (65nm) product</a:t>
             </a:r>
           </a:p>
           <a:p>
@@ -5346,7 +5495,19 @@
               <a:rPr lang="en-US" altLang="de-DE" dirty="0" smtClean="0">
                 <a:latin typeface="Univers Light" pitchFamily="-84" charset="0"/>
               </a:rPr>
-              <a:t>May 2011: Sampled Epiphany-III (65nm) product</a:t>
+              <a:t>Aug 2012: Demonstration of 50 </a:t>
+            </a:r>
+            <a:r>
+              <a:rPr lang="en-US" altLang="de-DE" dirty="0" smtClean="0">
+                <a:latin typeface="Univers Light" pitchFamily="-84" charset="0"/>
+              </a:rPr>
+              <a:t>GFLOPS/Watt </a:t>
+            </a:r>
+            <a:r>
+              <a:rPr lang="en-US" altLang="de-DE" dirty="0" smtClean="0">
+                <a:latin typeface="Univers Light" pitchFamily="-84" charset="0"/>
+              </a:rPr>
+              <a:t>efficiency at 28nm</a:t>
             </a:r>
           </a:p>
           <a:p>
@@ -5355,22 +5516,13 @@
               <a:rPr lang="en-US" altLang="de-DE" dirty="0" smtClean="0">
                 <a:latin typeface="Univers Light" pitchFamily="-84" charset="0"/>
               </a:rPr>
-              <a:t>Aug 2012: Demonstration of 50 GFLOPS/WATT efficiency at 28nm</a:t>
-            </a:r>
-          </a:p>
-          <a:p>
-            <a:pPr lvl="1"/>
-            <a:r>
-              <a:rPr lang="en-US" altLang="de-DE" dirty="0" smtClean="0">
-                <a:latin typeface="Univers Light" pitchFamily="-84" charset="0"/>
-              </a:rPr>
               <a:t>Oct 2012: Launch of </a:t>
             </a:r>
             <a:r>
               <a:rPr lang="en-US" altLang="de-DE" dirty="0" err="1" smtClean="0">
                 <a:latin typeface="Univers Light" pitchFamily="-84" charset="0"/>
               </a:rPr>
-              <a:t>Parallela</a:t>
+              <a:t>Parallella</a:t>
             </a:r>
             <a:r>
               <a:rPr lang="en-US" altLang="de-DE" dirty="0" smtClean="0">
@@ -5406,13 +5558,19 @@
               <a:rPr lang="en-US" altLang="de-DE" dirty="0" err="1" smtClean="0">
                 <a:latin typeface="Univers Light" pitchFamily="-84" charset="0"/>
               </a:rPr>
-              <a:t>Parallela</a:t>
+              <a:t>Parallella</a:t>
             </a:r>
             <a:r>
               <a:rPr lang="en-US" altLang="de-DE" dirty="0" smtClean="0">
                 <a:latin typeface="Univers Light" pitchFamily="-84" charset="0"/>
               </a:rPr>
-              <a:t> prototypes</a:t>
+              <a:t> </a:t>
+            </a:r>
+            <a:r>
+              <a:rPr lang="en-US" altLang="de-DE" dirty="0" smtClean="0">
+                <a:latin typeface="Univers Light" pitchFamily="-84" charset="0"/>
+              </a:rPr>
+              <a:t>prototypes</a:t>
             </a:r>
           </a:p>
           <a:p>
@@ -5427,13 +5585,25 @@
               <a:rPr lang="en-US" altLang="de-DE" dirty="0" err="1" smtClean="0">
                 <a:latin typeface="Univers Light" pitchFamily="-84" charset="0"/>
               </a:rPr>
-              <a:t>parallela</a:t>
+              <a:t>P</a:t>
+            </a:r>
+            <a:r>
+              <a:rPr lang="en-US" altLang="de-DE" dirty="0" err="1" smtClean="0">
+                <a:latin typeface="Univers Light" pitchFamily="-84" charset="0"/>
+              </a:rPr>
+              <a:t>arallella</a:t>
             </a:r>
             <a:r>
               <a:rPr lang="en-US" altLang="de-DE" dirty="0" smtClean="0">
                 <a:latin typeface="Univers Light" pitchFamily="-84" charset="0"/>
               </a:rPr>
-              <a:t> boards shipped to Kickstarter backers</a:t>
+              <a:t> </a:t>
+            </a:r>
+            <a:r>
+              <a:rPr lang="en-US" altLang="de-DE" dirty="0" smtClean="0">
+                <a:latin typeface="Univers Light" pitchFamily="-84" charset="0"/>
+              </a:rPr>
+              <a:t>boards shipped to Kickstarter backers</a:t>
             </a:r>
           </a:p>
           <a:p>
@@ -5448,13 +5618,19 @@
               <a:rPr lang="en-US" altLang="de-DE" dirty="0" err="1" smtClean="0">
                 <a:latin typeface="Univers Light" pitchFamily="-84" charset="0"/>
               </a:rPr>
-              <a:t>Parallela</a:t>
+              <a:t>Parallella</a:t>
             </a:r>
             <a:r>
               <a:rPr lang="en-US" altLang="de-DE" dirty="0" smtClean="0">
                 <a:latin typeface="Univers Light" pitchFamily="-84" charset="0"/>
               </a:rPr>
-              <a:t> boards to </a:t>
+              <a:t> </a:t>
+            </a:r>
+            <a:r>
+              <a:rPr lang="en-US" altLang="de-DE" dirty="0" smtClean="0">
+                <a:latin typeface="Univers Light" pitchFamily="-84" charset="0"/>
+              </a:rPr>
+              <a:t>boards to </a:t>
             </a:r>
             <a:r>
               <a:rPr lang="en-US" altLang="de-DE" dirty="0">
@@ -5502,14 +5678,14 @@
           <a:effectLst/>
           <a:extLst>
             <a:ext uri="{909E8E84-426E-40dd-AFC4-6F175D3DCCD1}">
-              <a14:hiddenFill xmlns="" xmlns:a14="http://schemas.microsoft.com/office/drawing/2010/main">
+              <a14:hiddenFill xmlns:a14="http://schemas.microsoft.com/office/drawing/2010/main" xmlns="">
                 <a:solidFill>
                   <a:schemeClr val="accent1"/>
                 </a:solidFill>
               </a14:hiddenFill>
             </a:ext>
             <a:ext uri="{91240B29-F687-4f45-9708-019B960494DF}">
-              <a14:hiddenLine xmlns="" xmlns:a14="http://schemas.microsoft.com/office/drawing/2010/main" w="9525">
+              <a14:hiddenLine xmlns:a14="http://schemas.microsoft.com/office/drawing/2010/main" xmlns="" w="9525">
                 <a:solidFill>
                   <a:schemeClr val="tx1"/>
                 </a:solidFill>
@@ -5519,7 +5695,7 @@
               </a14:hiddenLine>
             </a:ext>
             <a:ext uri="{AF507438-7753-43e0-B8FC-AC1667EBCBE1}">
-              <a14:hiddenEffects xmlns="" xmlns:a14="http://schemas.microsoft.com/office/drawing/2010/main">
+              <a14:hiddenEffects xmlns:a14="http://schemas.microsoft.com/office/drawing/2010/main" xmlns="">
                 <a:effectLst>
                   <a:outerShdw blurRad="63500" dist="38099" dir="2700000" algn="ctr" rotWithShape="0">
                     <a:schemeClr val="bg2">
@@ -5618,13 +5794,19 @@
               <a:rPr lang="de-DE" altLang="de-DE" dirty="0" err="1" smtClean="0">
                 <a:latin typeface="Univers Light" pitchFamily="-84" charset="0"/>
               </a:rPr>
-              <a:t>Parallela</a:t>
+              <a:t>Parallella</a:t>
             </a:r>
             <a:r>
               <a:rPr lang="de-DE" altLang="de-DE" dirty="0" smtClean="0">
                 <a:latin typeface="Univers Light" pitchFamily="-84" charset="0"/>
               </a:rPr>
-              <a:t> Kickstarter </a:t>
+              <a:t> </a:t>
+            </a:r>
+            <a:r>
+              <a:rPr lang="de-DE" altLang="de-DE" dirty="0" smtClean="0">
+                <a:latin typeface="Univers Light" pitchFamily="-84" charset="0"/>
+              </a:rPr>
+              <a:t>Kickstarter </a:t>
             </a:r>
             <a:r>
               <a:rPr lang="de-DE" altLang="de-DE" dirty="0" err="1" smtClean="0">
@@ -5679,13 +5861,19 @@
               <a:rPr lang="en-US" altLang="de-DE" i="1" dirty="0" err="1" smtClean="0">
                 <a:latin typeface="Univers Light" pitchFamily="-84" charset="0"/>
               </a:rPr>
-              <a:t>parallela</a:t>
+              <a:t>parallella</a:t>
             </a:r>
             <a:r>
               <a:rPr lang="en-US" altLang="de-DE" i="1" dirty="0" smtClean="0">
                 <a:latin typeface="Univers Light" pitchFamily="-84" charset="0"/>
               </a:rPr>
-              <a:t> project will make parallel computing accessible to 				everyone”</a:t>
+              <a:t> </a:t>
+            </a:r>
+            <a:r>
+              <a:rPr lang="en-US" altLang="de-DE" i="1" dirty="0" smtClean="0">
+                <a:latin typeface="Univers Light" pitchFamily="-84" charset="0"/>
+              </a:rPr>
+              <a:t>project will make parallel computing accessible to 				everyone”</a:t>
             </a:r>
           </a:p>
           <a:p>
@@ -5748,13 +5936,19 @@
               <a:rPr lang="en-US" altLang="de-DE" dirty="0" err="1" smtClean="0">
                 <a:latin typeface="Univers Light" pitchFamily="-84" charset="0"/>
               </a:rPr>
-              <a:t>Parallela</a:t>
+              <a:t>Parallella</a:t>
             </a:r>
             <a:r>
               <a:rPr lang="en-US" altLang="de-DE" dirty="0" smtClean="0">
                 <a:latin typeface="Univers Light" pitchFamily="-84" charset="0"/>
               </a:rPr>
-              <a:t> high performance computer at costs below 100$</a:t>
+              <a:t> </a:t>
+            </a:r>
+            <a:r>
+              <a:rPr lang="en-US" altLang="de-DE" dirty="0" smtClean="0">
+                <a:latin typeface="Univers Light" pitchFamily="-84" charset="0"/>
+              </a:rPr>
+              <a:t>high performance computer at costs below 100$</a:t>
             </a:r>
           </a:p>
           <a:p>
@@ -5815,14 +6009,14 @@
           <a:effectLst/>
           <a:extLst>
             <a:ext uri="{909E8E84-426E-40dd-AFC4-6F175D3DCCD1}">
-              <a14:hiddenFill xmlns="" xmlns:a14="http://schemas.microsoft.com/office/drawing/2010/main">
+              <a14:hiddenFill xmlns:a14="http://schemas.microsoft.com/office/drawing/2010/main" xmlns="">
                 <a:solidFill>
                   <a:schemeClr val="accent1"/>
                 </a:solidFill>
               </a14:hiddenFill>
             </a:ext>
             <a:ext uri="{91240B29-F687-4f45-9708-019B960494DF}">
-              <a14:hiddenLine xmlns="" xmlns:a14="http://schemas.microsoft.com/office/drawing/2010/main" w="9525">
+              <a14:hiddenLine xmlns:a14="http://schemas.microsoft.com/office/drawing/2010/main" xmlns="" w="9525">
                 <a:solidFill>
                   <a:schemeClr val="tx1"/>
                 </a:solidFill>
@@ -5832,7 +6026,7 @@
               </a14:hiddenLine>
             </a:ext>
             <a:ext uri="{AF507438-7753-43e0-B8FC-AC1667EBCBE1}">
-              <a14:hiddenEffects xmlns="" xmlns:a14="http://schemas.microsoft.com/office/drawing/2010/main">
+              <a14:hiddenEffects xmlns:a14="http://schemas.microsoft.com/office/drawing/2010/main" xmlns="">
                 <a:effectLst>
                   <a:outerShdw blurRad="63500" dist="38099" dir="2700000" algn="ctr" rotWithShape="0">
                     <a:schemeClr val="bg2">
@@ -5931,13 +6125,19 @@
               <a:rPr lang="de-DE" altLang="de-DE" dirty="0" err="1" smtClean="0">
                 <a:latin typeface="Univers Light" pitchFamily="-84" charset="0"/>
               </a:rPr>
-              <a:t>Parallela</a:t>
+              <a:t>Parallella</a:t>
             </a:r>
             <a:r>
               <a:rPr lang="de-DE" altLang="de-DE" dirty="0" smtClean="0">
                 <a:latin typeface="Univers Light" pitchFamily="-84" charset="0"/>
               </a:rPr>
-              <a:t> Kickstarter </a:t>
+              <a:t> </a:t>
+            </a:r>
+            <a:r>
+              <a:rPr lang="de-DE" altLang="de-DE" dirty="0" smtClean="0">
+                <a:latin typeface="Univers Light" pitchFamily="-84" charset="0"/>
+              </a:rPr>
+              <a:t>Kickstarter </a:t>
             </a:r>
             <a:r>
               <a:rPr lang="de-DE" altLang="de-DE" dirty="0" err="1" smtClean="0">
@@ -5974,14 +6174,14 @@
           <a:effectLst/>
           <a:extLst>
             <a:ext uri="{909E8E84-426E-40dd-AFC4-6F175D3DCCD1}">
-              <a14:hiddenFill xmlns="" xmlns:a14="http://schemas.microsoft.com/office/drawing/2010/main">
+              <a14:hiddenFill xmlns:a14="http://schemas.microsoft.com/office/drawing/2010/main" xmlns="">
                 <a:solidFill>
                   <a:schemeClr val="accent1"/>
                 </a:solidFill>
               </a14:hiddenFill>
             </a:ext>
             <a:ext uri="{91240B29-F687-4f45-9708-019B960494DF}">
-              <a14:hiddenLine xmlns="" xmlns:a14="http://schemas.microsoft.com/office/drawing/2010/main" w="9525">
+              <a14:hiddenLine xmlns:a14="http://schemas.microsoft.com/office/drawing/2010/main" xmlns="" w="9525">
                 <a:solidFill>
                   <a:schemeClr val="tx1"/>
                 </a:solidFill>
@@ -5991,7 +6191,7 @@
               </a14:hiddenLine>
             </a:ext>
             <a:ext uri="{AF507438-7753-43e0-B8FC-AC1667EBCBE1}">
-              <a14:hiddenEffects xmlns="" xmlns:a14="http://schemas.microsoft.com/office/drawing/2010/main">
+              <a14:hiddenEffects xmlns:a14="http://schemas.microsoft.com/office/drawing/2010/main" xmlns="">
                 <a:effectLst>
                   <a:outerShdw blurRad="63500" dist="38099" dir="2700000" algn="ctr" rotWithShape="0">
                     <a:schemeClr val="bg2">
@@ -6097,14 +6297,14 @@
           <a:effectLst/>
           <a:extLst>
             <a:ext uri="{909E8E84-426E-40dd-AFC4-6F175D3DCCD1}">
-              <a14:hiddenFill xmlns="" xmlns:a14="http://schemas.microsoft.com/office/drawing/2010/main">
+              <a14:hiddenFill xmlns:a14="http://schemas.microsoft.com/office/drawing/2010/main" xmlns="">
                 <a:solidFill>
                   <a:schemeClr val="accent1"/>
                 </a:solidFill>
               </a14:hiddenFill>
             </a:ext>
             <a:ext uri="{91240B29-F687-4f45-9708-019B960494DF}">
-              <a14:hiddenLine xmlns="" xmlns:a14="http://schemas.microsoft.com/office/drawing/2010/main" w="9525">
+              <a14:hiddenLine xmlns:a14="http://schemas.microsoft.com/office/drawing/2010/main" xmlns="" w="9525">
                 <a:solidFill>
                   <a:schemeClr val="tx1"/>
                 </a:solidFill>
@@ -6114,7 +6314,7 @@
               </a14:hiddenLine>
             </a:ext>
             <a:ext uri="{AF507438-7753-43e0-B8FC-AC1667EBCBE1}">
-              <a14:hiddenEffects xmlns="" xmlns:a14="http://schemas.microsoft.com/office/drawing/2010/main">
+              <a14:hiddenEffects xmlns:a14="http://schemas.microsoft.com/office/drawing/2010/main" xmlns="">
                 <a:effectLst>
                   <a:outerShdw blurRad="63500" dist="38099" dir="2700000" algn="ctr" rotWithShape="0">
                     <a:schemeClr val="bg2">
@@ -6125,7 +6325,7 @@
               </a14:hiddenEffects>
             </a:ext>
             <a:ext uri="{FAA26D3D-D897-4be2-8F04-BA451C77F1D7}">
-              <ma14:placeholderFlag xmlns="" xmlns:ma14="http://schemas.microsoft.com/office/mac/drawingml/2011/main" val="1"/>
+              <ma14:placeholderFlag xmlns:ma14="http://schemas.microsoft.com/office/mac/drawingml/2011/main" xmlns="" val="1"/>
             </a:ext>
           </a:extLst>
         </p:spPr>
@@ -6436,14 +6636,14 @@
           </a:ln>
           <a:extLst>
             <a:ext uri="{909E8E84-426E-40dd-AFC4-6F175D3DCCD1}">
-              <a14:hiddenFill xmlns="" xmlns:a14="http://schemas.microsoft.com/office/drawing/2010/main">
+              <a14:hiddenFill xmlns:a14="http://schemas.microsoft.com/office/drawing/2010/main" xmlns="">
                 <a:solidFill>
                   <a:schemeClr val="accent1"/>
                 </a:solidFill>
               </a14:hiddenFill>
             </a:ext>
             <a:ext uri="{91240B29-F687-4f45-9708-019B960494DF}">
-              <a14:hiddenLine xmlns="" xmlns:a14="http://schemas.microsoft.com/office/drawing/2010/main" w="9525" cap="flat" cmpd="sng" algn="ctr">
+              <a14:hiddenLine xmlns:a14="http://schemas.microsoft.com/office/drawing/2010/main" xmlns="" w="9525" cap="flat" cmpd="sng" algn="ctr">
                 <a:solidFill>
                   <a:schemeClr val="tx1"/>
                 </a:solidFill>
@@ -6454,7 +6654,7 @@
               </a14:hiddenLine>
             </a:ext>
             <a:ext uri="{AF507438-7753-43e0-B8FC-AC1667EBCBE1}">
-              <a14:hiddenEffects xmlns="" xmlns:a14="http://schemas.microsoft.com/office/drawing/2010/main">
+              <a14:hiddenEffects xmlns:a14="http://schemas.microsoft.com/office/drawing/2010/main" xmlns="">
                 <a:effectLst>
                   <a:outerShdw blurRad="63500" dist="35921" dir="2700000" algn="ctr" rotWithShape="0">
                     <a:schemeClr val="bg2"/>
@@ -6500,14 +6700,14 @@
           </a:ln>
           <a:extLst>
             <a:ext uri="{909E8E84-426E-40dd-AFC4-6F175D3DCCD1}">
-              <a14:hiddenFill xmlns="" xmlns:a14="http://schemas.microsoft.com/office/drawing/2010/main">
+              <a14:hiddenFill xmlns:a14="http://schemas.microsoft.com/office/drawing/2010/main" xmlns="">
                 <a:solidFill>
                   <a:schemeClr val="accent1"/>
                 </a:solidFill>
               </a14:hiddenFill>
             </a:ext>
             <a:ext uri="{91240B29-F687-4f45-9708-019B960494DF}">
-              <a14:hiddenLine xmlns="" xmlns:a14="http://schemas.microsoft.com/office/drawing/2010/main" w="9525" cap="flat" cmpd="sng" algn="ctr">
+              <a14:hiddenLine xmlns:a14="http://schemas.microsoft.com/office/drawing/2010/main" xmlns="" w="9525" cap="flat" cmpd="sng" algn="ctr">
                 <a:solidFill>
                   <a:schemeClr val="tx1"/>
                 </a:solidFill>
@@ -6518,7 +6718,7 @@
               </a14:hiddenLine>
             </a:ext>
             <a:ext uri="{AF507438-7753-43e0-B8FC-AC1667EBCBE1}">
-              <a14:hiddenEffects xmlns="" xmlns:a14="http://schemas.microsoft.com/office/drawing/2010/main">
+              <a14:hiddenEffects xmlns:a14="http://schemas.microsoft.com/office/drawing/2010/main" xmlns="">
                 <a:effectLst>
                   <a:outerShdw blurRad="63500" dist="35921" dir="2700000" algn="ctr" rotWithShape="0">
                     <a:schemeClr val="bg2"/>
@@ -6564,14 +6764,14 @@
           </a:ln>
           <a:extLst>
             <a:ext uri="{909E8E84-426E-40dd-AFC4-6F175D3DCCD1}">
-              <a14:hiddenFill xmlns="" xmlns:a14="http://schemas.microsoft.com/office/drawing/2010/main">
+              <a14:hiddenFill xmlns:a14="http://schemas.microsoft.com/office/drawing/2010/main" xmlns="">
                 <a:solidFill>
                   <a:schemeClr val="accent1"/>
                 </a:solidFill>
               </a14:hiddenFill>
             </a:ext>
             <a:ext uri="{91240B29-F687-4f45-9708-019B960494DF}">
-              <a14:hiddenLine xmlns="" xmlns:a14="http://schemas.microsoft.com/office/drawing/2010/main" w="9525" cap="flat" cmpd="sng" algn="ctr">
+              <a14:hiddenLine xmlns:a14="http://schemas.microsoft.com/office/drawing/2010/main" xmlns="" w="9525" cap="flat" cmpd="sng" algn="ctr">
                 <a:solidFill>
                   <a:schemeClr val="tx1"/>
                 </a:solidFill>
@@ -6582,7 +6782,7 @@
               </a14:hiddenLine>
             </a:ext>
             <a:ext uri="{AF507438-7753-43e0-B8FC-AC1667EBCBE1}">
-              <a14:hiddenEffects xmlns="" xmlns:a14="http://schemas.microsoft.com/office/drawing/2010/main">
+              <a14:hiddenEffects xmlns:a14="http://schemas.microsoft.com/office/drawing/2010/main" xmlns="">
                 <a:effectLst>
                   <a:outerShdw blurRad="63500" dist="35921" dir="2700000" algn="ctr" rotWithShape="0">
                     <a:schemeClr val="bg2"/>
@@ -6628,14 +6828,14 @@
           </a:ln>
           <a:extLst>
             <a:ext uri="{909E8E84-426E-40dd-AFC4-6F175D3DCCD1}">
-              <a14:hiddenFill xmlns="" xmlns:a14="http://schemas.microsoft.com/office/drawing/2010/main">
+              <a14:hiddenFill xmlns:a14="http://schemas.microsoft.com/office/drawing/2010/main" xmlns="">
                 <a:solidFill>
                   <a:schemeClr val="accent1"/>
                 </a:solidFill>
               </a14:hiddenFill>
             </a:ext>
             <a:ext uri="{91240B29-F687-4f45-9708-019B960494DF}">
-              <a14:hiddenLine xmlns="" xmlns:a14="http://schemas.microsoft.com/office/drawing/2010/main" w="9525" cap="flat" cmpd="sng" algn="ctr">
+              <a14:hiddenLine xmlns:a14="http://schemas.microsoft.com/office/drawing/2010/main" xmlns="" w="9525" cap="flat" cmpd="sng" algn="ctr">
                 <a:solidFill>
                   <a:schemeClr val="tx1"/>
                 </a:solidFill>
@@ -6646,7 +6846,7 @@
               </a14:hiddenLine>
             </a:ext>
             <a:ext uri="{AF507438-7753-43e0-B8FC-AC1667EBCBE1}">
-              <a14:hiddenEffects xmlns="" xmlns:a14="http://schemas.microsoft.com/office/drawing/2010/main">
+              <a14:hiddenEffects xmlns:a14="http://schemas.microsoft.com/office/drawing/2010/main" xmlns="">
                 <a:effectLst>
                   <a:outerShdw blurRad="63500" dist="35921" dir="2700000" algn="ctr" rotWithShape="0">
                     <a:schemeClr val="bg2"/>
@@ -6929,14 +7129,14 @@
         <a:effectLst/>
         <a:extLst>
           <a:ext uri="{909E8E84-426E-40dd-AFC4-6F175D3DCCD1}">
-            <a14:hiddenFill xmlns="" xmlns:a14="http://schemas.microsoft.com/office/drawing/2010/main">
+            <a14:hiddenFill xmlns:a14="http://schemas.microsoft.com/office/drawing/2010/main" xmlns="">
               <a:solidFill>
                 <a:schemeClr val="accent1"/>
               </a:solidFill>
             </a14:hiddenFill>
           </a:ext>
           <a:ext uri="{91240B29-F687-4f45-9708-019B960494DF}">
-            <a14:hiddenLine xmlns="" xmlns:a14="http://schemas.microsoft.com/office/drawing/2010/main" w="9525" cap="flat" cmpd="sng" algn="ctr">
+            <a14:hiddenLine xmlns:a14="http://schemas.microsoft.com/office/drawing/2010/main" xmlns="" w="9525" cap="flat" cmpd="sng" algn="ctr">
               <a:solidFill>
                 <a:schemeClr val="tx1"/>
               </a:solidFill>
@@ -6947,7 +7147,7 @@
             </a14:hiddenLine>
           </a:ext>
           <a:ext uri="{AF507438-7753-43e0-B8FC-AC1667EBCBE1}">
-            <a14:hiddenEffects xmlns="" xmlns:a14="http://schemas.microsoft.com/office/drawing/2010/main">
+            <a14:hiddenEffects xmlns:a14="http://schemas.microsoft.com/office/drawing/2010/main" xmlns="">
               <a:effectLst>
                 <a:outerShdw blurRad="63500" dist="35921" dir="2700000" algn="ctr" rotWithShape="0">
                   <a:schemeClr val="bg2"/>
@@ -7013,14 +7213,14 @@
         <a:effectLst/>
         <a:extLst>
           <a:ext uri="{909E8E84-426E-40dd-AFC4-6F175D3DCCD1}">
-            <a14:hiddenFill xmlns="" xmlns:a14="http://schemas.microsoft.com/office/drawing/2010/main">
+            <a14:hiddenFill xmlns:a14="http://schemas.microsoft.com/office/drawing/2010/main" xmlns="">
               <a:solidFill>
                 <a:schemeClr val="accent1"/>
               </a:solidFill>
             </a14:hiddenFill>
           </a:ext>
           <a:ext uri="{91240B29-F687-4f45-9708-019B960494DF}">
-            <a14:hiddenLine xmlns="" xmlns:a14="http://schemas.microsoft.com/office/drawing/2010/main" w="9525" cap="flat" cmpd="sng" algn="ctr">
+            <a14:hiddenLine xmlns:a14="http://schemas.microsoft.com/office/drawing/2010/main" xmlns="" w="9525" cap="flat" cmpd="sng" algn="ctr">
               <a:solidFill>
                 <a:schemeClr val="tx1"/>
               </a:solidFill>
@@ -7031,7 +7231,7 @@
             </a14:hiddenLine>
           </a:ext>
           <a:ext uri="{AF507438-7753-43e0-B8FC-AC1667EBCBE1}">
-            <a14:hiddenEffects xmlns="" xmlns:a14="http://schemas.microsoft.com/office/drawing/2010/main">
+            <a14:hiddenEffects xmlns:a14="http://schemas.microsoft.com/office/drawing/2010/main" xmlns="">
               <a:effectLst>
                 <a:outerShdw blurRad="63500" dist="35921" dir="2700000" algn="ctr" rotWithShape="0">
                   <a:schemeClr val="bg2"/>

--- a/presentation/praesentation.pptx
+++ b/presentation/praesentation.pptx
@@ -5,17 +5,21 @@
     <p:sldMasterId id="2147483650" r:id="rId1"/>
   </p:sldMasterIdLst>
   <p:notesMasterIdLst>
-    <p:notesMasterId r:id="rId7"/>
+    <p:notesMasterId r:id="rId11"/>
   </p:notesMasterIdLst>
   <p:handoutMasterIdLst>
-    <p:handoutMasterId r:id="rId8"/>
+    <p:handoutMasterId r:id="rId12"/>
   </p:handoutMasterIdLst>
   <p:sldIdLst>
     <p:sldId id="257" r:id="rId2"/>
     <p:sldId id="256" r:id="rId3"/>
     <p:sldId id="259" r:id="rId4"/>
     <p:sldId id="260" r:id="rId5"/>
-    <p:sldId id="261" r:id="rId6"/>
+    <p:sldId id="263" r:id="rId6"/>
+    <p:sldId id="261" r:id="rId7"/>
+    <p:sldId id="262" r:id="rId8"/>
+    <p:sldId id="264" r:id="rId9"/>
+    <p:sldId id="265" r:id="rId10"/>
   </p:sldIdLst>
   <p:sldSz cx="9144000" cy="6858000" type="screen4x3"/>
   <p:notesSz cx="6669088" cy="9928225"/>
@@ -153,7 +157,11 @@
             <p14:sldId id="256"/>
             <p14:sldId id="259"/>
             <p14:sldId id="260"/>
+            <p14:sldId id="263"/>
             <p14:sldId id="261"/>
+            <p14:sldId id="262"/>
+            <p14:sldId id="264"/>
+            <p14:sldId id="265"/>
           </p14:sldIdLst>
         </p14:section>
       </p14:sectionLst>
@@ -1591,16 +1599,7 @@
                 </a:solidFill>
                 <a:latin typeface="Univers Light" pitchFamily="-84" charset="0"/>
               </a:rPr>
-              <a:t>Tobias </a:t>
-            </a:r>
-            <a:r>
-              <a:rPr lang="de-DE" altLang="de-DE" sz="1600" dirty="0" smtClean="0">
-                <a:solidFill>
-                  <a:schemeClr val="bg1"/>
-                </a:solidFill>
-                <a:latin typeface="Univers Light" pitchFamily="-84" charset="0"/>
-              </a:rPr>
-              <a:t>Frust (</a:t>
+              <a:t>Tobias Frust (</a:t>
             </a:r>
             <a:r>
               <a:rPr lang="de-DE" altLang="de-DE" sz="1600" dirty="0" smtClean="0">
@@ -4622,7 +4621,7 @@
         </p:nvSpPr>
         <p:spPr bwMode="auto">
           <a:xfrm>
-            <a:off x="989013" y="1168400"/>
+            <a:off x="683568" y="1196752"/>
             <a:ext cx="7197725" cy="161925"/>
           </a:xfrm>
           <a:prstGeom prst="rect">
@@ -4780,7 +4779,7 @@
               </a:spcBef>
             </a:pPr>
             <a:r>
-              <a:rPr lang="de-DE" altLang="de-DE" sz="1100" b="1" dirty="0">
+              <a:rPr lang="de-DE" altLang="de-DE" sz="1200" b="1" dirty="0">
                 <a:solidFill>
                   <a:schemeClr val="bg1"/>
                 </a:solidFill>
@@ -5071,34 +5070,22 @@
               <a:rPr lang="en-US" altLang="de-DE" dirty="0" smtClean="0">
                 <a:latin typeface="Univers Light" pitchFamily="-84" charset="0"/>
               </a:rPr>
-              <a:t> </a:t>
-            </a:r>
+              <a:t> Platform</a:t>
+            </a:r>
+          </a:p>
+          <a:p>
+            <a:pPr lvl="2"/>
             <a:r>
               <a:rPr lang="en-US" altLang="de-DE" dirty="0" smtClean="0">
                 <a:latin typeface="Univers Light" pitchFamily="-84" charset="0"/>
               </a:rPr>
-              <a:t>Platform</a:t>
-            </a:r>
-          </a:p>
-          <a:p>
-            <a:pPr lvl="2"/>
-            <a:r>
-              <a:rPr lang="en-US" altLang="de-DE" dirty="0" smtClean="0">
-                <a:latin typeface="Univers Light" pitchFamily="-84" charset="0"/>
-              </a:rPr>
               <a:t>Company history of </a:t>
             </a:r>
             <a:r>
-              <a:rPr lang="en-US" altLang="de-DE" dirty="0" err="1">
-                <a:latin typeface="Univers Light" pitchFamily="-84" charset="0"/>
-              </a:rPr>
-              <a:t>A</a:t>
-            </a:r>
-            <a:r>
               <a:rPr lang="en-US" altLang="de-DE" dirty="0" err="1" smtClean="0">
                 <a:latin typeface="Univers Light" pitchFamily="-84" charset="0"/>
               </a:rPr>
-              <a:t>dapteva</a:t>
+              <a:t>Adapteva</a:t>
             </a:r>
             <a:endParaRPr lang="en-US" altLang="de-DE" dirty="0" smtClean="0">
               <a:latin typeface="Univers Light" pitchFamily="-84" charset="0"/>
@@ -5107,6 +5094,15 @@
           <a:p>
             <a:pPr lvl="2"/>
             <a:r>
+              <a:rPr lang="en-US" altLang="de-DE" dirty="0" smtClean="0">
+                <a:latin typeface="Univers Light" pitchFamily="-84" charset="0"/>
+              </a:rPr>
+              <a:t>Motivation</a:t>
+            </a:r>
+          </a:p>
+          <a:p>
+            <a:pPr lvl="2"/>
+            <a:r>
               <a:rPr lang="en-US" altLang="de-DE" dirty="0" err="1" smtClean="0">
                 <a:latin typeface="Univers Light" pitchFamily="-84" charset="0"/>
               </a:rPr>
@@ -5116,31 +5112,34 @@
               <a:rPr lang="en-US" altLang="de-DE" dirty="0" smtClean="0">
                 <a:latin typeface="Univers Light" pitchFamily="-84" charset="0"/>
               </a:rPr>
-              <a:t> </a:t>
-            </a:r>
+              <a:t> board</a:t>
+            </a:r>
+          </a:p>
+          <a:p>
+            <a:pPr lvl="2"/>
             <a:r>
               <a:rPr lang="en-US" altLang="de-DE" dirty="0" smtClean="0">
                 <a:latin typeface="Univers Light" pitchFamily="-84" charset="0"/>
               </a:rPr>
-              <a:t>board</a:t>
-            </a:r>
-          </a:p>
-          <a:p>
-            <a:pPr lvl="2"/>
+              <a:t>Epiphany coprocessor</a:t>
+            </a:r>
+          </a:p>
+          <a:p>
+            <a:pPr lvl="1" eaLnBrk="1" hangingPunct="1"/>
             <a:r>
               <a:rPr lang="en-US" altLang="de-DE" dirty="0" smtClean="0">
                 <a:latin typeface="Univers Light" pitchFamily="-84" charset="0"/>
               </a:rPr>
-              <a:t>Epiphany coprocessor</a:t>
-            </a:r>
-          </a:p>
-          <a:p>
-            <a:pPr lvl="1" eaLnBrk="1" hangingPunct="1"/>
+              <a:t>Implementation of 1D-FFT with filtering</a:t>
+            </a:r>
+          </a:p>
+          <a:p>
+            <a:pPr lvl="2" eaLnBrk="1" hangingPunct="1"/>
             <a:r>
               <a:rPr lang="en-US" altLang="de-DE" dirty="0" smtClean="0">
                 <a:latin typeface="Univers Light" pitchFamily="-84" charset="0"/>
               </a:rPr>
-              <a:t>Implementation of 1D-FFT with filtering</a:t>
+              <a:t>Motivation and explanation</a:t>
             </a:r>
           </a:p>
           <a:p>
@@ -5149,7 +5148,7 @@
               <a:rPr lang="en-US" altLang="de-DE" dirty="0" smtClean="0">
                 <a:latin typeface="Univers Light" pitchFamily="-84" charset="0"/>
               </a:rPr>
-              <a:t>Motivation and explanation</a:t>
+              <a:t>Details of implementation</a:t>
             </a:r>
           </a:p>
           <a:p>
@@ -5158,7 +5157,7 @@
               <a:rPr lang="en-US" altLang="de-DE" dirty="0" smtClean="0">
                 <a:latin typeface="Univers Light" pitchFamily="-84" charset="0"/>
               </a:rPr>
-              <a:t>Details of implementation</a:t>
+              <a:t>Performance results</a:t>
             </a:r>
           </a:p>
           <a:p>
@@ -5495,19 +5494,7 @@
               <a:rPr lang="en-US" altLang="de-DE" dirty="0" smtClean="0">
                 <a:latin typeface="Univers Light" pitchFamily="-84" charset="0"/>
               </a:rPr>
-              <a:t>Aug 2012: Demonstration of 50 </a:t>
-            </a:r>
-            <a:r>
-              <a:rPr lang="en-US" altLang="de-DE" dirty="0" smtClean="0">
-                <a:latin typeface="Univers Light" pitchFamily="-84" charset="0"/>
-              </a:rPr>
-              <a:t>GFLOPS/Watt </a:t>
-            </a:r>
-            <a:r>
-              <a:rPr lang="en-US" altLang="de-DE" dirty="0" smtClean="0">
-                <a:latin typeface="Univers Light" pitchFamily="-84" charset="0"/>
-              </a:rPr>
-              <a:t>efficiency at 28nm</a:t>
+              <a:t>Aug 2012: Demonstration of 50 GFLOPS/Watt efficiency at 28nm</a:t>
             </a:r>
           </a:p>
           <a:p>
@@ -5564,13 +5551,28 @@
               <a:rPr lang="en-US" altLang="de-DE" dirty="0" smtClean="0">
                 <a:latin typeface="Univers Light" pitchFamily="-84" charset="0"/>
               </a:rPr>
-              <a:t> </a:t>
-            </a:r>
+              <a:t> prototypes</a:t>
+            </a:r>
+          </a:p>
+          <a:p>
+            <a:pPr lvl="1"/>
             <a:r>
               <a:rPr lang="en-US" altLang="de-DE" dirty="0" smtClean="0">
                 <a:latin typeface="Univers Light" pitchFamily="-84" charset="0"/>
               </a:rPr>
-              <a:t>prototypes</a:t>
+              <a:t>Jul 2013: first </a:t>
+            </a:r>
+            <a:r>
+              <a:rPr lang="en-US" altLang="de-DE" dirty="0" err="1" smtClean="0">
+                <a:latin typeface="Univers Light" pitchFamily="-84" charset="0"/>
+              </a:rPr>
+              <a:t>Parallella</a:t>
+            </a:r>
+            <a:r>
+              <a:rPr lang="en-US" altLang="de-DE" dirty="0" smtClean="0">
+                <a:latin typeface="Univers Light" pitchFamily="-84" charset="0"/>
+              </a:rPr>
+              <a:t> boards shipped to Kickstarter backers</a:t>
             </a:r>
           </a:p>
           <a:p>
@@ -5579,58 +5581,19 @@
               <a:rPr lang="en-US" altLang="de-DE" dirty="0" smtClean="0">
                 <a:latin typeface="Univers Light" pitchFamily="-84" charset="0"/>
               </a:rPr>
-              <a:t>Jul 2013: first </a:t>
+              <a:t>Apr 2014: Completed shipping of all </a:t>
             </a:r>
             <a:r>
               <a:rPr lang="en-US" altLang="de-DE" dirty="0" err="1" smtClean="0">
                 <a:latin typeface="Univers Light" pitchFamily="-84" charset="0"/>
               </a:rPr>
-              <a:t>P</a:t>
-            </a:r>
-            <a:r>
-              <a:rPr lang="en-US" altLang="de-DE" dirty="0" err="1" smtClean="0">
-                <a:latin typeface="Univers Light" pitchFamily="-84" charset="0"/>
-              </a:rPr>
-              <a:t>arallella</a:t>
+              <a:t>Parallella</a:t>
             </a:r>
             <a:r>
               <a:rPr lang="en-US" altLang="de-DE" dirty="0" smtClean="0">
                 <a:latin typeface="Univers Light" pitchFamily="-84" charset="0"/>
               </a:rPr>
-              <a:t> </a:t>
-            </a:r>
-            <a:r>
-              <a:rPr lang="en-US" altLang="de-DE" dirty="0" smtClean="0">
-                <a:latin typeface="Univers Light" pitchFamily="-84" charset="0"/>
-              </a:rPr>
-              <a:t>boards shipped to Kickstarter backers</a:t>
-            </a:r>
-          </a:p>
-          <a:p>
-            <a:pPr lvl="1"/>
-            <a:r>
-              <a:rPr lang="en-US" altLang="de-DE" dirty="0" smtClean="0">
-                <a:latin typeface="Univers Light" pitchFamily="-84" charset="0"/>
-              </a:rPr>
-              <a:t>Apr 2014: Completed shipping of all </a:t>
-            </a:r>
-            <a:r>
-              <a:rPr lang="en-US" altLang="de-DE" dirty="0" err="1" smtClean="0">
-                <a:latin typeface="Univers Light" pitchFamily="-84" charset="0"/>
-              </a:rPr>
-              <a:t>Parallella</a:t>
-            </a:r>
-            <a:r>
-              <a:rPr lang="en-US" altLang="de-DE" dirty="0" smtClean="0">
-                <a:latin typeface="Univers Light" pitchFamily="-84" charset="0"/>
-              </a:rPr>
-              <a:t> </a:t>
-            </a:r>
-            <a:r>
-              <a:rPr lang="en-US" altLang="de-DE" dirty="0" smtClean="0">
-                <a:latin typeface="Univers Light" pitchFamily="-84" charset="0"/>
-              </a:rPr>
-              <a:t>boards to </a:t>
+              <a:t> boards to </a:t>
             </a:r>
             <a:r>
               <a:rPr lang="en-US" altLang="de-DE" dirty="0">
@@ -5800,13 +5763,7 @@
               <a:rPr lang="de-DE" altLang="de-DE" dirty="0" smtClean="0">
                 <a:latin typeface="Univers Light" pitchFamily="-84" charset="0"/>
               </a:rPr>
-              <a:t> </a:t>
-            </a:r>
-            <a:r>
-              <a:rPr lang="de-DE" altLang="de-DE" dirty="0" smtClean="0">
-                <a:latin typeface="Univers Light" pitchFamily="-84" charset="0"/>
-              </a:rPr>
-              <a:t>Kickstarter </a:t>
+              <a:t> Kickstarter </a:t>
             </a:r>
             <a:r>
               <a:rPr lang="de-DE" altLang="de-DE" dirty="0" err="1" smtClean="0">
@@ -5867,13 +5824,7 @@
               <a:rPr lang="en-US" altLang="de-DE" i="1" dirty="0" smtClean="0">
                 <a:latin typeface="Univers Light" pitchFamily="-84" charset="0"/>
               </a:rPr>
-              <a:t> </a:t>
-            </a:r>
-            <a:r>
-              <a:rPr lang="en-US" altLang="de-DE" i="1" dirty="0" smtClean="0">
-                <a:latin typeface="Univers Light" pitchFamily="-84" charset="0"/>
-              </a:rPr>
-              <a:t>project will make parallel computing accessible to 				everyone”</a:t>
+              <a:t> project will make parallel computing accessible to 				everyone”</a:t>
             </a:r>
           </a:p>
           <a:p>
@@ -5942,13 +5893,7 @@
               <a:rPr lang="en-US" altLang="de-DE" dirty="0" smtClean="0">
                 <a:latin typeface="Univers Light" pitchFamily="-84" charset="0"/>
               </a:rPr>
-              <a:t> </a:t>
-            </a:r>
-            <a:r>
-              <a:rPr lang="en-US" altLang="de-DE" dirty="0" smtClean="0">
-                <a:latin typeface="Univers Light" pitchFamily="-84" charset="0"/>
-              </a:rPr>
-              <a:t>high performance computer at costs below 100$</a:t>
+              <a:t> high performance computer at costs below 100$</a:t>
             </a:r>
           </a:p>
           <a:p>
@@ -6120,12 +6065,17 @@
           <a:bodyPr/>
           <a:lstStyle/>
           <a:p>
-            <a:pPr eaLnBrk="1" hangingPunct="1"/>
+            <a:r>
+              <a:rPr lang="de-DE" altLang="de-DE" dirty="0" smtClean="0">
+                <a:latin typeface="Univers Light" pitchFamily="-84" charset="0"/>
+              </a:rPr>
+              <a:t>Motivation </a:t>
+            </a:r>
             <a:r>
               <a:rPr lang="de-DE" altLang="de-DE" dirty="0" err="1" smtClean="0">
                 <a:latin typeface="Univers Light" pitchFamily="-84" charset="0"/>
               </a:rPr>
-              <a:t>Parallella</a:t>
+              <a:t>for</a:t>
             </a:r>
             <a:r>
               <a:rPr lang="de-DE" altLang="de-DE" dirty="0" smtClean="0">
@@ -6134,16 +6084,24 @@
               <a:t> </a:t>
             </a:r>
             <a:r>
-              <a:rPr lang="de-DE" altLang="de-DE" dirty="0" smtClean="0">
-                <a:latin typeface="Univers Light" pitchFamily="-84" charset="0"/>
-              </a:rPr>
-              <a:t>Kickstarter </a:t>
-            </a:r>
-            <a:r>
-              <a:rPr lang="de-DE" altLang="de-DE" dirty="0" err="1" smtClean="0">
-                <a:latin typeface="Univers Light" pitchFamily="-84" charset="0"/>
-              </a:rPr>
-              <a:t>Program</a:t>
+              <a:rPr lang="de-DE" dirty="0" err="1" smtClean="0"/>
+              <a:t>Epiphany</a:t>
+            </a:r>
+            <a:r>
+              <a:rPr lang="de-DE" dirty="0" smtClean="0"/>
+              <a:t> </a:t>
+            </a:r>
+            <a:r>
+              <a:rPr lang="de-DE" dirty="0" err="1"/>
+              <a:t>multicore</a:t>
+            </a:r>
+            <a:r>
+              <a:rPr lang="de-DE" dirty="0"/>
+              <a:t> </a:t>
+            </a:r>
+            <a:r>
+              <a:rPr lang="de-DE" dirty="0" err="1"/>
+              <a:t>architecture</a:t>
             </a:r>
             <a:endParaRPr lang="de-DE" altLang="de-DE" dirty="0" smtClean="0">
               <a:latin typeface="Univers Light" pitchFamily="-84" charset="0"/>
@@ -6235,9 +6193,75 @@
       </p:sp>
       <p:pic>
         <p:nvPicPr>
-          <p:cNvPr id="1026" name="Picture 2" descr="http://ecx.images-amazon.com/images/I/81eyz52HDYL._SL1500_.jpg"/>
+          <p:cNvPr id="3" name="Inhaltsplatzhalter 2"/>
           <p:cNvPicPr>
-            <a:picLocks noChangeAspect="1" noChangeArrowheads="1"/>
+            <a:picLocks noGrp="1" noChangeAspect="1"/>
+          </p:cNvPicPr>
+          <p:nvPr>
+            <p:ph idx="1"/>
+          </p:nvPr>
+        </p:nvPicPr>
+        <p:blipFill>
+          <a:blip r:embed="rId2">
+            <a:extLst>
+              <a:ext uri="{28A0092B-C50C-407E-A947-70E740481C1C}">
+                <a14:useLocalDpi xmlns:a14="http://schemas.microsoft.com/office/drawing/2010/main" val="0"/>
+              </a:ext>
+            </a:extLst>
+          </a:blip>
+          <a:stretch>
+            <a:fillRect/>
+          </a:stretch>
+        </p:blipFill>
+        <p:spPr>
+          <a:xfrm>
+            <a:off x="323850" y="764704"/>
+            <a:ext cx="8351838" cy="5108744"/>
+          </a:xfrm>
+        </p:spPr>
+      </p:pic>
+    </p:spTree>
+    <p:extLst>
+      <p:ext uri="{BB962C8B-B14F-4D97-AF65-F5344CB8AC3E}">
+        <p14:creationId xmlns:p14="http://schemas.microsoft.com/office/powerpoint/2010/main" val="828036882"/>
+      </p:ext>
+    </p:extLst>
+  </p:cSld>
+  <p:clrMapOvr>
+    <a:masterClrMapping/>
+  </p:clrMapOvr>
+  <p:timing>
+    <p:tnLst>
+      <p:par>
+        <p:cTn id="1" dur="indefinite" restart="never" nodeType="tmRoot"/>
+      </p:par>
+    </p:tnLst>
+  </p:timing>
+</p:sld>
+</file>
+
+<file path=ppt/slides/slide6.xml><?xml version="1.0" encoding="utf-8"?>
+<p:sld xmlns:a="http://schemas.openxmlformats.org/drawingml/2006/main" xmlns:r="http://schemas.openxmlformats.org/officeDocument/2006/relationships" xmlns:p="http://schemas.openxmlformats.org/presentationml/2006/main">
+  <p:cSld>
+    <p:spTree>
+      <p:nvGrpSpPr>
+        <p:cNvPr id="1" name=""/>
+        <p:cNvGrpSpPr/>
+        <p:nvPr/>
+      </p:nvGrpSpPr>
+      <p:grpSpPr>
+        <a:xfrm>
+          <a:off x="0" y="0"/>
+          <a:ext cx="0" cy="0"/>
+          <a:chOff x="0" y="0"/>
+          <a:chExt cx="0" cy="0"/>
+        </a:xfrm>
+      </p:grpSpPr>
+      <p:pic>
+        <p:nvPicPr>
+          <p:cNvPr id="2" name="Grafik 1"/>
+          <p:cNvPicPr>
+            <a:picLocks noChangeAspect="1"/>
           </p:cNvPicPr>
           <p:nvPr/>
         </p:nvPicPr>
@@ -6249,31 +6273,133 @@
               </a:ext>
             </a:extLst>
           </a:blip>
-          <a:srcRect/>
           <a:stretch>
             <a:fillRect/>
           </a:stretch>
         </p:blipFill>
+        <p:spPr>
+          <a:xfrm>
+            <a:off x="251520" y="763151"/>
+            <a:ext cx="6272265" cy="5114121"/>
+          </a:xfrm>
+          <a:prstGeom prst="rect">
+            <a:avLst/>
+          </a:prstGeom>
+        </p:spPr>
+      </p:pic>
+      <p:sp>
+        <p:nvSpPr>
+          <p:cNvPr id="2055" name="Rectangle 7"/>
+          <p:cNvSpPr>
+            <a:spLocks noGrp="1" noChangeArrowheads="1"/>
+          </p:cNvSpPr>
+          <p:nvPr>
+            <p:ph type="title"/>
+          </p:nvPr>
+        </p:nvSpPr>
+        <p:spPr/>
+        <p:txBody>
+          <a:bodyPr/>
+          <a:lstStyle/>
+          <a:p>
+            <a:pPr eaLnBrk="1" hangingPunct="1"/>
+            <a:r>
+              <a:rPr lang="de-DE" altLang="de-DE" dirty="0" err="1" smtClean="0">
+                <a:latin typeface="Univers Light" pitchFamily="-84" charset="0"/>
+              </a:rPr>
+              <a:t>Parallella</a:t>
+            </a:r>
+            <a:r>
+              <a:rPr lang="de-DE" altLang="de-DE" dirty="0" smtClean="0">
+                <a:latin typeface="Univers Light" pitchFamily="-84" charset="0"/>
+              </a:rPr>
+              <a:t> Board</a:t>
+            </a:r>
+          </a:p>
+        </p:txBody>
+      </p:sp>
+      <p:sp>
+        <p:nvSpPr>
+          <p:cNvPr id="2057" name="Rectangle 9"/>
+          <p:cNvSpPr>
+            <a:spLocks noChangeArrowheads="1"/>
+          </p:cNvSpPr>
+          <p:nvPr/>
+        </p:nvSpPr>
         <p:spPr bwMode="auto">
           <a:xfrm>
-            <a:off x="141676" y="764704"/>
-            <a:ext cx="6269847" cy="5112568"/>
+            <a:off x="3276600" y="6524625"/>
+            <a:ext cx="2879725" cy="268288"/>
           </a:xfrm>
           <a:prstGeom prst="rect">
             <a:avLst/>
           </a:prstGeom>
           <a:noFill/>
+          <a:ln>
+            <a:noFill/>
+          </a:ln>
+          <a:effectLst/>
           <a:extLst>
-            <a:ext uri="{909E8E84-426E-40DD-AFC4-6F175D3DCCD1}">
-              <a14:hiddenFill xmlns:a14="http://schemas.microsoft.com/office/drawing/2010/main">
-                <a:solidFill>
-                  <a:srgbClr val="FFFFFF"/>
+            <a:ext uri="{909E8E84-426E-40dd-AFC4-6F175D3DCCD1}">
+              <a14:hiddenFill xmlns:a14="http://schemas.microsoft.com/office/drawing/2010/main" xmlns="">
+                <a:solidFill>
+                  <a:schemeClr val="accent1"/>
                 </a:solidFill>
               </a14:hiddenFill>
+            </a:ext>
+            <a:ext uri="{91240B29-F687-4f45-9708-019B960494DF}">
+              <a14:hiddenLine xmlns:a14="http://schemas.microsoft.com/office/drawing/2010/main" xmlns="" w="9525">
+                <a:solidFill>
+                  <a:schemeClr val="tx1"/>
+                </a:solidFill>
+                <a:miter lim="800000"/>
+                <a:headEnd/>
+                <a:tailEnd/>
+              </a14:hiddenLine>
+            </a:ext>
+            <a:ext uri="{AF507438-7753-43e0-B8FC-AC1667EBCBE1}">
+              <a14:hiddenEffects xmlns:a14="http://schemas.microsoft.com/office/drawing/2010/main" xmlns="">
+                <a:effectLst>
+                  <a:outerShdw blurRad="63500" dist="38099" dir="2700000" algn="ctr" rotWithShape="0">
+                    <a:schemeClr val="bg2">
+                      <a:alpha val="74998"/>
+                    </a:schemeClr>
+                  </a:outerShdw>
+                </a:effectLst>
+              </a14:hiddenEffects>
             </a:ext>
           </a:extLst>
         </p:spPr>
-      </p:pic>
+        <p:txBody>
+          <a:bodyPr/>
+          <a:lstStyle/>
+          <a:p>
+            <a:pPr algn="ctr">
+              <a:spcBef>
+                <a:spcPct val="0"/>
+              </a:spcBef>
+              <a:defRPr/>
+            </a:pPr>
+            <a:fld id="{6F754304-0817-43E5-BD17-66FA22235D58}" type="slidenum">
+              <a:rPr lang="de-DE" sz="1200" smtClean="0">
+                <a:solidFill>
+                  <a:schemeClr val="tx1"/>
+                </a:solidFill>
+                <a:latin typeface="Univers 45 Light" charset="0"/>
+                <a:ea typeface="ＭＳ Ｐゴシック" charset="0"/>
+              </a:rPr>
+              <a:t>6</a:t>
+            </a:fld>
+            <a:endParaRPr lang="de-DE" sz="1200" dirty="0">
+              <a:solidFill>
+                <a:schemeClr val="tx1"/>
+              </a:solidFill>
+              <a:latin typeface="Univers 45 Light" charset="0"/>
+              <a:ea typeface="ＭＳ Ｐゴシック" charset="0"/>
+            </a:endParaRPr>
+          </a:p>
+        </p:txBody>
+      </p:sp>
       <p:sp>
         <p:nvSpPr>
           <p:cNvPr id="9" name="Rectangle 8"/>
@@ -6514,7 +6640,7 @@
               <a:buNone/>
             </a:pPr>
             <a:r>
-              <a:rPr lang="en-US" altLang="de-DE" kern="0" dirty="0" smtClean="0">
+              <a:rPr lang="en-US" altLang="de-DE" b="1" kern="0" dirty="0" smtClean="0">
                 <a:latin typeface="Univers Light" pitchFamily="-84" charset="0"/>
               </a:rPr>
               <a:t>Tech specs:</a:t>
@@ -6875,6 +7001,997 @@
     <p:extLst>
       <p:ext uri="{BB962C8B-B14F-4D97-AF65-F5344CB8AC3E}">
         <p14:creationId xmlns:p14="http://schemas.microsoft.com/office/powerpoint/2010/main" val="4281829318"/>
+      </p:ext>
+    </p:extLst>
+  </p:cSld>
+  <p:clrMapOvr>
+    <a:masterClrMapping/>
+  </p:clrMapOvr>
+  <p:timing>
+    <p:tnLst>
+      <p:par>
+        <p:cTn id="1" dur="indefinite" restart="never" nodeType="tmRoot"/>
+      </p:par>
+    </p:tnLst>
+  </p:timing>
+</p:sld>
+</file>
+
+<file path=ppt/slides/slide7.xml><?xml version="1.0" encoding="utf-8"?>
+<p:sld xmlns:a="http://schemas.openxmlformats.org/drawingml/2006/main" xmlns:r="http://schemas.openxmlformats.org/officeDocument/2006/relationships" xmlns:p="http://schemas.openxmlformats.org/presentationml/2006/main">
+  <p:cSld>
+    <p:spTree>
+      <p:nvGrpSpPr>
+        <p:cNvPr id="1" name=""/>
+        <p:cNvGrpSpPr/>
+        <p:nvPr/>
+      </p:nvGrpSpPr>
+      <p:grpSpPr>
+        <a:xfrm>
+          <a:off x="0" y="0"/>
+          <a:ext cx="0" cy="0"/>
+          <a:chOff x="0" y="0"/>
+          <a:chExt cx="0" cy="0"/>
+        </a:xfrm>
+      </p:grpSpPr>
+      <p:sp>
+        <p:nvSpPr>
+          <p:cNvPr id="2055" name="Rectangle 7"/>
+          <p:cNvSpPr>
+            <a:spLocks noGrp="1" noChangeArrowheads="1"/>
+          </p:cNvSpPr>
+          <p:nvPr>
+            <p:ph type="title"/>
+          </p:nvPr>
+        </p:nvSpPr>
+        <p:spPr/>
+        <p:txBody>
+          <a:bodyPr/>
+          <a:lstStyle/>
+          <a:p>
+            <a:pPr eaLnBrk="1" hangingPunct="1"/>
+            <a:r>
+              <a:rPr lang="de-DE" altLang="de-DE" dirty="0" smtClean="0">
+                <a:latin typeface="Univers Light" pitchFamily="-84" charset="0"/>
+              </a:rPr>
+              <a:t>System </a:t>
+            </a:r>
+            <a:r>
+              <a:rPr lang="de-DE" altLang="de-DE" dirty="0" err="1" smtClean="0">
+                <a:latin typeface="Univers Light" pitchFamily="-84" charset="0"/>
+              </a:rPr>
+              <a:t>overview</a:t>
+            </a:r>
+            <a:r>
+              <a:rPr lang="de-DE" altLang="de-DE" dirty="0" smtClean="0">
+                <a:latin typeface="Univers Light" pitchFamily="-84" charset="0"/>
+              </a:rPr>
+              <a:t> </a:t>
+            </a:r>
+            <a:r>
+              <a:rPr lang="de-DE" altLang="de-DE" dirty="0" err="1" smtClean="0">
+                <a:latin typeface="Univers Light" pitchFamily="-84" charset="0"/>
+              </a:rPr>
+              <a:t>of</a:t>
+            </a:r>
+            <a:r>
+              <a:rPr lang="de-DE" altLang="de-DE" dirty="0" smtClean="0">
+                <a:latin typeface="Univers Light" pitchFamily="-84" charset="0"/>
+              </a:rPr>
+              <a:t> </a:t>
+            </a:r>
+            <a:r>
+              <a:rPr lang="de-DE" altLang="de-DE" dirty="0" err="1" smtClean="0">
+                <a:latin typeface="Univers Light" pitchFamily="-84" charset="0"/>
+              </a:rPr>
+              <a:t>Parallella</a:t>
+            </a:r>
+            <a:r>
+              <a:rPr lang="de-DE" altLang="de-DE" dirty="0">
+                <a:latin typeface="Univers Light" pitchFamily="-84" charset="0"/>
+              </a:rPr>
+              <a:t> </a:t>
+            </a:r>
+            <a:r>
+              <a:rPr lang="de-DE" altLang="de-DE" dirty="0" err="1" smtClean="0">
+                <a:latin typeface="Univers Light" pitchFamily="-84" charset="0"/>
+              </a:rPr>
+              <a:t>board</a:t>
+            </a:r>
+            <a:endParaRPr lang="de-DE" altLang="de-DE" dirty="0" smtClean="0">
+              <a:latin typeface="Univers Light" pitchFamily="-84" charset="0"/>
+            </a:endParaRPr>
+          </a:p>
+        </p:txBody>
+      </p:sp>
+      <p:sp>
+        <p:nvSpPr>
+          <p:cNvPr id="2057" name="Rectangle 9"/>
+          <p:cNvSpPr>
+            <a:spLocks noChangeArrowheads="1"/>
+          </p:cNvSpPr>
+          <p:nvPr/>
+        </p:nvSpPr>
+        <p:spPr bwMode="auto">
+          <a:xfrm>
+            <a:off x="3276600" y="6524625"/>
+            <a:ext cx="2879725" cy="268288"/>
+          </a:xfrm>
+          <a:prstGeom prst="rect">
+            <a:avLst/>
+          </a:prstGeom>
+          <a:noFill/>
+          <a:ln>
+            <a:noFill/>
+          </a:ln>
+          <a:effectLst/>
+          <a:extLst>
+            <a:ext uri="{909E8E84-426E-40dd-AFC4-6F175D3DCCD1}">
+              <a14:hiddenFill xmlns:a14="http://schemas.microsoft.com/office/drawing/2010/main" xmlns="">
+                <a:solidFill>
+                  <a:schemeClr val="accent1"/>
+                </a:solidFill>
+              </a14:hiddenFill>
+            </a:ext>
+            <a:ext uri="{91240B29-F687-4f45-9708-019B960494DF}">
+              <a14:hiddenLine xmlns:a14="http://schemas.microsoft.com/office/drawing/2010/main" xmlns="" w="9525">
+                <a:solidFill>
+                  <a:schemeClr val="tx1"/>
+                </a:solidFill>
+                <a:miter lim="800000"/>
+                <a:headEnd/>
+                <a:tailEnd/>
+              </a14:hiddenLine>
+            </a:ext>
+            <a:ext uri="{AF507438-7753-43e0-B8FC-AC1667EBCBE1}">
+              <a14:hiddenEffects xmlns:a14="http://schemas.microsoft.com/office/drawing/2010/main" xmlns="">
+                <a:effectLst>
+                  <a:outerShdw blurRad="63500" dist="38099" dir="2700000" algn="ctr" rotWithShape="0">
+                    <a:schemeClr val="bg2">
+                      <a:alpha val="74998"/>
+                    </a:schemeClr>
+                  </a:outerShdw>
+                </a:effectLst>
+              </a14:hiddenEffects>
+            </a:ext>
+          </a:extLst>
+        </p:spPr>
+        <p:txBody>
+          <a:bodyPr/>
+          <a:lstStyle/>
+          <a:p>
+            <a:pPr algn="ctr">
+              <a:spcBef>
+                <a:spcPct val="0"/>
+              </a:spcBef>
+              <a:defRPr/>
+            </a:pPr>
+            <a:fld id="{6F754304-0817-43E5-BD17-66FA22235D58}" type="slidenum">
+              <a:rPr lang="de-DE" sz="1200" smtClean="0">
+                <a:solidFill>
+                  <a:schemeClr val="tx1"/>
+                </a:solidFill>
+                <a:latin typeface="Univers 45 Light" charset="0"/>
+                <a:ea typeface="ＭＳ Ｐゴシック" charset="0"/>
+              </a:rPr>
+              <a:t>7</a:t>
+            </a:fld>
+            <a:endParaRPr lang="de-DE" sz="1200" dirty="0">
+              <a:solidFill>
+                <a:schemeClr val="tx1"/>
+              </a:solidFill>
+              <a:latin typeface="Univers 45 Light" charset="0"/>
+              <a:ea typeface="ＭＳ Ｐゴシック" charset="0"/>
+            </a:endParaRPr>
+          </a:p>
+        </p:txBody>
+      </p:sp>
+      <p:pic>
+        <p:nvPicPr>
+          <p:cNvPr id="4" name="Grafik 3"/>
+          <p:cNvPicPr>
+            <a:picLocks noChangeAspect="1"/>
+          </p:cNvPicPr>
+          <p:nvPr/>
+        </p:nvPicPr>
+        <p:blipFill>
+          <a:blip r:embed="rId2">
+            <a:extLst>
+              <a:ext uri="{28A0092B-C50C-407E-A947-70E740481C1C}">
+                <a14:useLocalDpi xmlns:a14="http://schemas.microsoft.com/office/drawing/2010/main" val="0"/>
+              </a:ext>
+            </a:extLst>
+          </a:blip>
+          <a:stretch>
+            <a:fillRect/>
+          </a:stretch>
+        </p:blipFill>
+        <p:spPr>
+          <a:xfrm>
+            <a:off x="1403648" y="669813"/>
+            <a:ext cx="5987012" cy="5661248"/>
+          </a:xfrm>
+          <a:prstGeom prst="rect">
+            <a:avLst/>
+          </a:prstGeom>
+        </p:spPr>
+      </p:pic>
+    </p:spTree>
+    <p:extLst>
+      <p:ext uri="{BB962C8B-B14F-4D97-AF65-F5344CB8AC3E}">
+        <p14:creationId xmlns:p14="http://schemas.microsoft.com/office/powerpoint/2010/main" val="181211207"/>
+      </p:ext>
+    </p:extLst>
+  </p:cSld>
+  <p:clrMapOvr>
+    <a:masterClrMapping/>
+  </p:clrMapOvr>
+  <p:timing>
+    <p:tnLst>
+      <p:par>
+        <p:cTn id="1" dur="indefinite" restart="never" nodeType="tmRoot"/>
+      </p:par>
+    </p:tnLst>
+  </p:timing>
+</p:sld>
+</file>
+
+<file path=ppt/slides/slide8.xml><?xml version="1.0" encoding="utf-8"?>
+<p:sld xmlns:a="http://schemas.openxmlformats.org/drawingml/2006/main" xmlns:r="http://schemas.openxmlformats.org/officeDocument/2006/relationships" xmlns:p="http://schemas.openxmlformats.org/presentationml/2006/main">
+  <p:cSld>
+    <p:spTree>
+      <p:nvGrpSpPr>
+        <p:cNvPr id="1" name=""/>
+        <p:cNvGrpSpPr/>
+        <p:nvPr/>
+      </p:nvGrpSpPr>
+      <p:grpSpPr>
+        <a:xfrm>
+          <a:off x="0" y="0"/>
+          <a:ext cx="0" cy="0"/>
+          <a:chOff x="0" y="0"/>
+          <a:chExt cx="0" cy="0"/>
+        </a:xfrm>
+      </p:grpSpPr>
+      <p:sp>
+        <p:nvSpPr>
+          <p:cNvPr id="2055" name="Rectangle 7"/>
+          <p:cNvSpPr>
+            <a:spLocks noGrp="1" noChangeArrowheads="1"/>
+          </p:cNvSpPr>
+          <p:nvPr>
+            <p:ph type="title"/>
+          </p:nvPr>
+        </p:nvSpPr>
+        <p:spPr/>
+        <p:txBody>
+          <a:bodyPr/>
+          <a:lstStyle/>
+          <a:p>
+            <a:pPr eaLnBrk="1" hangingPunct="1"/>
+            <a:r>
+              <a:rPr lang="de-DE" altLang="de-DE" dirty="0" smtClean="0">
+                <a:latin typeface="Univers Light" pitchFamily="-84" charset="0"/>
+              </a:rPr>
+              <a:t>High </a:t>
+            </a:r>
+            <a:r>
+              <a:rPr lang="de-DE" altLang="de-DE" dirty="0" err="1" smtClean="0">
+                <a:latin typeface="Univers Light" pitchFamily="-84" charset="0"/>
+              </a:rPr>
+              <a:t>level</a:t>
+            </a:r>
+            <a:r>
+              <a:rPr lang="de-DE" altLang="de-DE" dirty="0" smtClean="0">
+                <a:latin typeface="Univers Light" pitchFamily="-84" charset="0"/>
+              </a:rPr>
+              <a:t> </a:t>
+            </a:r>
+            <a:r>
+              <a:rPr lang="de-DE" altLang="de-DE" dirty="0" err="1" smtClean="0">
+                <a:latin typeface="Univers Light" pitchFamily="-84" charset="0"/>
+              </a:rPr>
+              <a:t>overview</a:t>
+            </a:r>
+            <a:r>
+              <a:rPr lang="de-DE" altLang="de-DE" dirty="0" smtClean="0">
+                <a:latin typeface="Univers Light" pitchFamily="-84" charset="0"/>
+              </a:rPr>
+              <a:t> </a:t>
+            </a:r>
+            <a:r>
+              <a:rPr lang="de-DE" altLang="de-DE" dirty="0" err="1" smtClean="0">
+                <a:latin typeface="Univers Light" pitchFamily="-84" charset="0"/>
+              </a:rPr>
+              <a:t>of</a:t>
+            </a:r>
+            <a:r>
+              <a:rPr lang="de-DE" altLang="de-DE" dirty="0" smtClean="0">
+                <a:latin typeface="Univers Light" pitchFamily="-84" charset="0"/>
+              </a:rPr>
+              <a:t> </a:t>
+            </a:r>
+            <a:r>
+              <a:rPr lang="de-DE" altLang="de-DE" dirty="0" err="1" smtClean="0">
+                <a:latin typeface="Univers Light" pitchFamily="-84" charset="0"/>
+              </a:rPr>
+              <a:t>the</a:t>
+            </a:r>
+            <a:r>
+              <a:rPr lang="de-DE" altLang="de-DE" dirty="0" smtClean="0">
+                <a:latin typeface="Univers Light" pitchFamily="-84" charset="0"/>
+              </a:rPr>
+              <a:t> </a:t>
+            </a:r>
+            <a:r>
+              <a:rPr lang="de-DE" altLang="de-DE" dirty="0" err="1" smtClean="0">
+                <a:latin typeface="Univers Light" pitchFamily="-84" charset="0"/>
+              </a:rPr>
+              <a:t>Epiphany</a:t>
+            </a:r>
+            <a:r>
+              <a:rPr lang="de-DE" altLang="de-DE" dirty="0">
+                <a:latin typeface="Univers Light" pitchFamily="-84" charset="0"/>
+              </a:rPr>
+              <a:t> </a:t>
+            </a:r>
+            <a:r>
+              <a:rPr lang="de-DE" altLang="de-DE" dirty="0" err="1" smtClean="0">
+                <a:latin typeface="Univers Light" pitchFamily="-84" charset="0"/>
+              </a:rPr>
+              <a:t>architecture</a:t>
+            </a:r>
+            <a:endParaRPr lang="de-DE" altLang="de-DE" dirty="0" smtClean="0">
+              <a:latin typeface="Univers Light" pitchFamily="-84" charset="0"/>
+            </a:endParaRPr>
+          </a:p>
+        </p:txBody>
+      </p:sp>
+      <p:sp>
+        <p:nvSpPr>
+          <p:cNvPr id="2057" name="Rectangle 9"/>
+          <p:cNvSpPr>
+            <a:spLocks noChangeArrowheads="1"/>
+          </p:cNvSpPr>
+          <p:nvPr/>
+        </p:nvSpPr>
+        <p:spPr bwMode="auto">
+          <a:xfrm>
+            <a:off x="3276600" y="6524625"/>
+            <a:ext cx="2879725" cy="268288"/>
+          </a:xfrm>
+          <a:prstGeom prst="rect">
+            <a:avLst/>
+          </a:prstGeom>
+          <a:noFill/>
+          <a:ln>
+            <a:noFill/>
+          </a:ln>
+          <a:effectLst/>
+          <a:extLst>
+            <a:ext uri="{909E8E84-426E-40dd-AFC4-6F175D3DCCD1}">
+              <a14:hiddenFill xmlns:a14="http://schemas.microsoft.com/office/drawing/2010/main" xmlns="">
+                <a:solidFill>
+                  <a:schemeClr val="accent1"/>
+                </a:solidFill>
+              </a14:hiddenFill>
+            </a:ext>
+            <a:ext uri="{91240B29-F687-4f45-9708-019B960494DF}">
+              <a14:hiddenLine xmlns:a14="http://schemas.microsoft.com/office/drawing/2010/main" xmlns="" w="9525">
+                <a:solidFill>
+                  <a:schemeClr val="tx1"/>
+                </a:solidFill>
+                <a:miter lim="800000"/>
+                <a:headEnd/>
+                <a:tailEnd/>
+              </a14:hiddenLine>
+            </a:ext>
+            <a:ext uri="{AF507438-7753-43e0-B8FC-AC1667EBCBE1}">
+              <a14:hiddenEffects xmlns:a14="http://schemas.microsoft.com/office/drawing/2010/main" xmlns="">
+                <a:effectLst>
+                  <a:outerShdw blurRad="63500" dist="38099" dir="2700000" algn="ctr" rotWithShape="0">
+                    <a:schemeClr val="bg2">
+                      <a:alpha val="74998"/>
+                    </a:schemeClr>
+                  </a:outerShdw>
+                </a:effectLst>
+              </a14:hiddenEffects>
+            </a:ext>
+          </a:extLst>
+        </p:spPr>
+        <p:txBody>
+          <a:bodyPr/>
+          <a:lstStyle/>
+          <a:p>
+            <a:pPr algn="ctr">
+              <a:spcBef>
+                <a:spcPct val="0"/>
+              </a:spcBef>
+              <a:defRPr/>
+            </a:pPr>
+            <a:fld id="{6F754304-0817-43E5-BD17-66FA22235D58}" type="slidenum">
+              <a:rPr lang="de-DE" sz="1200" smtClean="0">
+                <a:solidFill>
+                  <a:schemeClr val="tx1"/>
+                </a:solidFill>
+                <a:latin typeface="Univers 45 Light" charset="0"/>
+                <a:ea typeface="ＭＳ Ｐゴシック" charset="0"/>
+              </a:rPr>
+              <a:t>8</a:t>
+            </a:fld>
+            <a:endParaRPr lang="de-DE" sz="1200" dirty="0">
+              <a:solidFill>
+                <a:schemeClr val="tx1"/>
+              </a:solidFill>
+              <a:latin typeface="Univers 45 Light" charset="0"/>
+              <a:ea typeface="ＭＳ Ｐゴシック" charset="0"/>
+            </a:endParaRPr>
+          </a:p>
+        </p:txBody>
+      </p:sp>
+      <p:pic>
+        <p:nvPicPr>
+          <p:cNvPr id="3" name="Grafik 2"/>
+          <p:cNvPicPr>
+            <a:picLocks noChangeAspect="1"/>
+          </p:cNvPicPr>
+          <p:nvPr/>
+        </p:nvPicPr>
+        <p:blipFill>
+          <a:blip r:embed="rId2">
+            <a:extLst>
+              <a:ext uri="{28A0092B-C50C-407E-A947-70E740481C1C}">
+                <a14:useLocalDpi xmlns:a14="http://schemas.microsoft.com/office/drawing/2010/main" val="0"/>
+              </a:ext>
+            </a:extLst>
+          </a:blip>
+          <a:stretch>
+            <a:fillRect/>
+          </a:stretch>
+        </p:blipFill>
+        <p:spPr>
+          <a:xfrm>
+            <a:off x="180195" y="764704"/>
+            <a:ext cx="8783610" cy="5162885"/>
+          </a:xfrm>
+          <a:prstGeom prst="rect">
+            <a:avLst/>
+          </a:prstGeom>
+        </p:spPr>
+      </p:pic>
+    </p:spTree>
+    <p:extLst>
+      <p:ext uri="{BB962C8B-B14F-4D97-AF65-F5344CB8AC3E}">
+        <p14:creationId xmlns:p14="http://schemas.microsoft.com/office/powerpoint/2010/main" val="2044640734"/>
+      </p:ext>
+    </p:extLst>
+  </p:cSld>
+  <p:clrMapOvr>
+    <a:masterClrMapping/>
+  </p:clrMapOvr>
+  <p:timing>
+    <p:tnLst>
+      <p:par>
+        <p:cTn id="1" dur="indefinite" restart="never" nodeType="tmRoot"/>
+      </p:par>
+    </p:tnLst>
+  </p:timing>
+</p:sld>
+</file>
+
+<file path=ppt/slides/slide9.xml><?xml version="1.0" encoding="utf-8"?>
+<p:sld xmlns:a="http://schemas.openxmlformats.org/drawingml/2006/main" xmlns:r="http://schemas.openxmlformats.org/officeDocument/2006/relationships" xmlns:p="http://schemas.openxmlformats.org/presentationml/2006/main">
+  <p:cSld>
+    <p:spTree>
+      <p:nvGrpSpPr>
+        <p:cNvPr id="1" name=""/>
+        <p:cNvGrpSpPr/>
+        <p:nvPr/>
+      </p:nvGrpSpPr>
+      <p:grpSpPr>
+        <a:xfrm>
+          <a:off x="0" y="0"/>
+          <a:ext cx="0" cy="0"/>
+          <a:chOff x="0" y="0"/>
+          <a:chExt cx="0" cy="0"/>
+        </a:xfrm>
+      </p:grpSpPr>
+      <p:sp>
+        <p:nvSpPr>
+          <p:cNvPr id="2055" name="Rectangle 7"/>
+          <p:cNvSpPr>
+            <a:spLocks noGrp="1" noChangeArrowheads="1"/>
+          </p:cNvSpPr>
+          <p:nvPr>
+            <p:ph type="title"/>
+          </p:nvPr>
+        </p:nvSpPr>
+        <p:spPr/>
+        <p:txBody>
+          <a:bodyPr/>
+          <a:lstStyle/>
+          <a:p>
+            <a:pPr eaLnBrk="1" hangingPunct="1"/>
+            <a:r>
+              <a:rPr lang="de-DE" altLang="de-DE" dirty="0" smtClean="0">
+                <a:latin typeface="Univers Light" pitchFamily="-84" charset="0"/>
+              </a:rPr>
+              <a:t>Memory </a:t>
+            </a:r>
+            <a:r>
+              <a:rPr lang="de-DE" altLang="de-DE" dirty="0" err="1" smtClean="0">
+                <a:latin typeface="Univers Light" pitchFamily="-84" charset="0"/>
+              </a:rPr>
+              <a:t>scheme</a:t>
+            </a:r>
+            <a:r>
+              <a:rPr lang="de-DE" altLang="de-DE" dirty="0" smtClean="0">
+                <a:latin typeface="Univers Light" pitchFamily="-84" charset="0"/>
+              </a:rPr>
+              <a:t> </a:t>
+            </a:r>
+            <a:r>
+              <a:rPr lang="de-DE" altLang="de-DE" dirty="0" err="1" smtClean="0">
+                <a:latin typeface="Univers Light" pitchFamily="-84" charset="0"/>
+              </a:rPr>
+              <a:t>of</a:t>
+            </a:r>
+            <a:r>
+              <a:rPr lang="de-DE" altLang="de-DE" dirty="0" smtClean="0">
+                <a:latin typeface="Univers Light" pitchFamily="-84" charset="0"/>
+              </a:rPr>
+              <a:t> </a:t>
+            </a:r>
+            <a:r>
+              <a:rPr lang="de-DE" altLang="de-DE" dirty="0" err="1" smtClean="0">
+                <a:latin typeface="Univers Light" pitchFamily="-84" charset="0"/>
+              </a:rPr>
+              <a:t>the</a:t>
+            </a:r>
+            <a:r>
+              <a:rPr lang="de-DE" altLang="de-DE" dirty="0" smtClean="0">
+                <a:latin typeface="Univers Light" pitchFamily="-84" charset="0"/>
+              </a:rPr>
+              <a:t> </a:t>
+            </a:r>
+            <a:r>
+              <a:rPr lang="de-DE" altLang="de-DE" dirty="0" err="1" smtClean="0">
+                <a:latin typeface="Univers Light" pitchFamily="-84" charset="0"/>
+              </a:rPr>
+              <a:t>Epiphany</a:t>
+            </a:r>
+            <a:r>
+              <a:rPr lang="de-DE" altLang="de-DE" dirty="0" smtClean="0">
+                <a:latin typeface="Univers Light" pitchFamily="-84" charset="0"/>
+              </a:rPr>
+              <a:t> </a:t>
+            </a:r>
+            <a:r>
+              <a:rPr lang="de-DE" altLang="de-DE" dirty="0" err="1" smtClean="0">
+                <a:latin typeface="Univers Light" pitchFamily="-84" charset="0"/>
+              </a:rPr>
+              <a:t>architecture</a:t>
+            </a:r>
+            <a:endParaRPr lang="de-DE" altLang="de-DE" dirty="0" smtClean="0">
+              <a:latin typeface="Univers Light" pitchFamily="-84" charset="0"/>
+            </a:endParaRPr>
+          </a:p>
+        </p:txBody>
+      </p:sp>
+      <p:sp>
+        <p:nvSpPr>
+          <p:cNvPr id="2057" name="Rectangle 9"/>
+          <p:cNvSpPr>
+            <a:spLocks noChangeArrowheads="1"/>
+          </p:cNvSpPr>
+          <p:nvPr/>
+        </p:nvSpPr>
+        <p:spPr bwMode="auto">
+          <a:xfrm>
+            <a:off x="3276600" y="6524625"/>
+            <a:ext cx="2879725" cy="268288"/>
+          </a:xfrm>
+          <a:prstGeom prst="rect">
+            <a:avLst/>
+          </a:prstGeom>
+          <a:noFill/>
+          <a:ln>
+            <a:noFill/>
+          </a:ln>
+          <a:effectLst/>
+          <a:extLst>
+            <a:ext uri="{909E8E84-426E-40dd-AFC4-6F175D3DCCD1}">
+              <a14:hiddenFill xmlns:a14="http://schemas.microsoft.com/office/drawing/2010/main" xmlns="">
+                <a:solidFill>
+                  <a:schemeClr val="accent1"/>
+                </a:solidFill>
+              </a14:hiddenFill>
+            </a:ext>
+            <a:ext uri="{91240B29-F687-4f45-9708-019B960494DF}">
+              <a14:hiddenLine xmlns:a14="http://schemas.microsoft.com/office/drawing/2010/main" xmlns="" w="9525">
+                <a:solidFill>
+                  <a:schemeClr val="tx1"/>
+                </a:solidFill>
+                <a:miter lim="800000"/>
+                <a:headEnd/>
+                <a:tailEnd/>
+              </a14:hiddenLine>
+            </a:ext>
+            <a:ext uri="{AF507438-7753-43e0-B8FC-AC1667EBCBE1}">
+              <a14:hiddenEffects xmlns:a14="http://schemas.microsoft.com/office/drawing/2010/main" xmlns="">
+                <a:effectLst>
+                  <a:outerShdw blurRad="63500" dist="38099" dir="2700000" algn="ctr" rotWithShape="0">
+                    <a:schemeClr val="bg2">
+                      <a:alpha val="74998"/>
+                    </a:schemeClr>
+                  </a:outerShdw>
+                </a:effectLst>
+              </a14:hiddenEffects>
+            </a:ext>
+          </a:extLst>
+        </p:spPr>
+        <p:txBody>
+          <a:bodyPr/>
+          <a:lstStyle/>
+          <a:p>
+            <a:pPr algn="ctr">
+              <a:spcBef>
+                <a:spcPct val="0"/>
+              </a:spcBef>
+              <a:defRPr/>
+            </a:pPr>
+            <a:fld id="{6F754304-0817-43E5-BD17-66FA22235D58}" type="slidenum">
+              <a:rPr lang="de-DE" sz="1200" smtClean="0">
+                <a:solidFill>
+                  <a:schemeClr val="tx1"/>
+                </a:solidFill>
+                <a:latin typeface="Univers 45 Light" charset="0"/>
+                <a:ea typeface="ＭＳ Ｐゴシック" charset="0"/>
+              </a:rPr>
+              <a:t>9</a:t>
+            </a:fld>
+            <a:endParaRPr lang="de-DE" sz="1200" dirty="0">
+              <a:solidFill>
+                <a:schemeClr val="tx1"/>
+              </a:solidFill>
+              <a:latin typeface="Univers 45 Light" charset="0"/>
+              <a:ea typeface="ＭＳ Ｐゴシック" charset="0"/>
+            </a:endParaRPr>
+          </a:p>
+        </p:txBody>
+      </p:sp>
+      <p:pic>
+        <p:nvPicPr>
+          <p:cNvPr id="2" name="Grafik 1"/>
+          <p:cNvPicPr>
+            <a:picLocks noChangeAspect="1"/>
+          </p:cNvPicPr>
+          <p:nvPr/>
+        </p:nvPicPr>
+        <p:blipFill>
+          <a:blip r:embed="rId2">
+            <a:extLst>
+              <a:ext uri="{28A0092B-C50C-407E-A947-70E740481C1C}">
+                <a14:useLocalDpi xmlns:a14="http://schemas.microsoft.com/office/drawing/2010/main" val="0"/>
+              </a:ext>
+            </a:extLst>
+          </a:blip>
+          <a:stretch>
+            <a:fillRect/>
+          </a:stretch>
+        </p:blipFill>
+        <p:spPr>
+          <a:xfrm>
+            <a:off x="2771800" y="1673907"/>
+            <a:ext cx="6048672" cy="4131357"/>
+          </a:xfrm>
+          <a:prstGeom prst="rect">
+            <a:avLst/>
+          </a:prstGeom>
+        </p:spPr>
+      </p:pic>
+      <p:sp>
+        <p:nvSpPr>
+          <p:cNvPr id="5" name="Rectangle 8"/>
+          <p:cNvSpPr txBox="1">
+            <a:spLocks noChangeArrowheads="1"/>
+          </p:cNvSpPr>
+          <p:nvPr/>
+        </p:nvSpPr>
+        <p:spPr bwMode="auto">
+          <a:xfrm>
+            <a:off x="323850" y="692696"/>
+            <a:ext cx="6624414" cy="5256213"/>
+          </a:xfrm>
+          <a:prstGeom prst="rect">
+            <a:avLst/>
+          </a:prstGeom>
+          <a:noFill/>
+          <a:ln>
+            <a:noFill/>
+          </a:ln>
+          <a:effectLst/>
+          <a:extLst>
+            <a:ext uri="{909E8E84-426E-40dd-AFC4-6F175D3DCCD1}">
+              <a14:hiddenFill xmlns:a14="http://schemas.microsoft.com/office/drawing/2010/main" xmlns="">
+                <a:solidFill>
+                  <a:schemeClr val="accent1"/>
+                </a:solidFill>
+              </a14:hiddenFill>
+            </a:ext>
+            <a:ext uri="{91240B29-F687-4f45-9708-019B960494DF}">
+              <a14:hiddenLine xmlns:a14="http://schemas.microsoft.com/office/drawing/2010/main" xmlns="" w="9525">
+                <a:solidFill>
+                  <a:schemeClr val="tx1"/>
+                </a:solidFill>
+                <a:miter lim="800000"/>
+                <a:headEnd/>
+                <a:tailEnd/>
+              </a14:hiddenLine>
+            </a:ext>
+            <a:ext uri="{AF507438-7753-43e0-B8FC-AC1667EBCBE1}">
+              <a14:hiddenEffects xmlns:a14="http://schemas.microsoft.com/office/drawing/2010/main" xmlns="">
+                <a:effectLst>
+                  <a:outerShdw blurRad="63500" dist="38099" dir="2700000" algn="ctr" rotWithShape="0">
+                    <a:schemeClr val="bg2">
+                      <a:alpha val="74998"/>
+                    </a:schemeClr>
+                  </a:outerShdw>
+                </a:effectLst>
+              </a14:hiddenEffects>
+            </a:ext>
+            <a:ext uri="{FAA26D3D-D897-4be2-8F04-BA451C77F1D7}">
+              <ma14:placeholderFlag xmlns:ma14="http://schemas.microsoft.com/office/mac/drawingml/2011/main" xmlns="" val="1"/>
+            </a:ext>
+          </a:extLst>
+        </p:spPr>
+        <p:txBody>
+          <a:bodyPr vert="horz" wrap="square" lIns="91440" tIns="45720" rIns="91440" bIns="45720" numCol="1" anchor="t" anchorCtr="0" compatLnSpc="1">
+            <a:prstTxWarp prst="textNoShape">
+              <a:avLst/>
+            </a:prstTxWarp>
+          </a:bodyPr>
+          <a:lstStyle>
+            <a:lvl1pPr marL="342900" indent="-342900" algn="l" defTabSz="361950" rtl="0" eaLnBrk="1" fontAlgn="base" hangingPunct="1">
+              <a:spcBef>
+                <a:spcPct val="50000"/>
+              </a:spcBef>
+              <a:spcAft>
+                <a:spcPct val="0"/>
+              </a:spcAft>
+              <a:defRPr>
+                <a:solidFill>
+                  <a:schemeClr val="tx1"/>
+                </a:solidFill>
+                <a:latin typeface="Univers Light"/>
+                <a:ea typeface="+mn-ea"/>
+                <a:cs typeface="Univers Light"/>
+              </a:defRPr>
+            </a:lvl1pPr>
+            <a:lvl2pPr marL="263525" indent="-261938" algn="l" defTabSz="361950" rtl="0" eaLnBrk="1" fontAlgn="base" hangingPunct="1">
+              <a:spcBef>
+                <a:spcPct val="50000"/>
+              </a:spcBef>
+              <a:spcAft>
+                <a:spcPct val="0"/>
+              </a:spcAft>
+              <a:buBlip>
+                <a:blip r:embed="rId3"/>
+              </a:buBlip>
+              <a:defRPr>
+                <a:solidFill>
+                  <a:schemeClr val="tx1"/>
+                </a:solidFill>
+                <a:latin typeface="Univers Light"/>
+                <a:ea typeface="+mn-ea"/>
+                <a:cs typeface="Univers Light"/>
+              </a:defRPr>
+            </a:lvl2pPr>
+            <a:lvl3pPr marL="712788" indent="-269875" algn="l" defTabSz="361950" rtl="0" eaLnBrk="1" fontAlgn="base" hangingPunct="1">
+              <a:spcBef>
+                <a:spcPct val="50000"/>
+              </a:spcBef>
+              <a:spcAft>
+                <a:spcPct val="0"/>
+              </a:spcAft>
+              <a:buClr>
+                <a:srgbClr val="C0C0C0"/>
+              </a:buClr>
+              <a:buFont typeface="Arial" panose="020B0604020202020204" pitchFamily="34" charset="0"/>
+              <a:buChar char="–"/>
+              <a:defRPr>
+                <a:solidFill>
+                  <a:schemeClr val="tx1"/>
+                </a:solidFill>
+                <a:latin typeface="Univers Light"/>
+                <a:ea typeface="+mn-ea"/>
+                <a:cs typeface="Univers Light"/>
+              </a:defRPr>
+            </a:lvl3pPr>
+            <a:lvl4pPr marL="1073150" indent="-179388" algn="l" defTabSz="361950" rtl="0" eaLnBrk="1" fontAlgn="base" hangingPunct="1">
+              <a:spcBef>
+                <a:spcPct val="20000"/>
+              </a:spcBef>
+              <a:spcAft>
+                <a:spcPct val="0"/>
+              </a:spcAft>
+              <a:buClr>
+                <a:srgbClr val="C0C0C0"/>
+              </a:buClr>
+              <a:buChar char="•"/>
+              <a:defRPr>
+                <a:solidFill>
+                  <a:schemeClr val="tx1"/>
+                </a:solidFill>
+                <a:latin typeface="Univers Light"/>
+                <a:ea typeface="+mn-ea"/>
+                <a:cs typeface="Univers Light"/>
+              </a:defRPr>
+            </a:lvl4pPr>
+            <a:lvl5pPr marL="1520825" indent="-180975" algn="l" defTabSz="361950" rtl="0" eaLnBrk="1" fontAlgn="base" hangingPunct="1">
+              <a:spcBef>
+                <a:spcPct val="20000"/>
+              </a:spcBef>
+              <a:spcAft>
+                <a:spcPct val="0"/>
+              </a:spcAft>
+              <a:buClr>
+                <a:srgbClr val="C0C0C0"/>
+              </a:buClr>
+              <a:buChar char="-"/>
+              <a:defRPr sz="1600">
+                <a:solidFill>
+                  <a:schemeClr val="tx1"/>
+                </a:solidFill>
+                <a:latin typeface="Univers Light"/>
+                <a:ea typeface="+mn-ea"/>
+                <a:cs typeface="Univers Light"/>
+              </a:defRPr>
+            </a:lvl5pPr>
+            <a:lvl6pPr marL="1978025" indent="-180975" algn="l" defTabSz="361950" rtl="0" eaLnBrk="1" fontAlgn="base" hangingPunct="1">
+              <a:spcBef>
+                <a:spcPct val="20000"/>
+              </a:spcBef>
+              <a:spcAft>
+                <a:spcPct val="0"/>
+              </a:spcAft>
+              <a:buClr>
+                <a:srgbClr val="C0C0C0"/>
+              </a:buClr>
+              <a:buChar char="-"/>
+              <a:defRPr sz="1600">
+                <a:solidFill>
+                  <a:schemeClr val="tx1"/>
+                </a:solidFill>
+                <a:latin typeface="+mn-lt"/>
+                <a:ea typeface="+mn-ea"/>
+              </a:defRPr>
+            </a:lvl6pPr>
+            <a:lvl7pPr marL="2435225" indent="-180975" algn="l" defTabSz="361950" rtl="0" eaLnBrk="1" fontAlgn="base" hangingPunct="1">
+              <a:spcBef>
+                <a:spcPct val="20000"/>
+              </a:spcBef>
+              <a:spcAft>
+                <a:spcPct val="0"/>
+              </a:spcAft>
+              <a:buClr>
+                <a:srgbClr val="C0C0C0"/>
+              </a:buClr>
+              <a:buChar char="-"/>
+              <a:defRPr sz="1600">
+                <a:solidFill>
+                  <a:schemeClr val="tx1"/>
+                </a:solidFill>
+                <a:latin typeface="+mn-lt"/>
+                <a:ea typeface="+mn-ea"/>
+              </a:defRPr>
+            </a:lvl7pPr>
+            <a:lvl8pPr marL="2892425" indent="-180975" algn="l" defTabSz="361950" rtl="0" eaLnBrk="1" fontAlgn="base" hangingPunct="1">
+              <a:spcBef>
+                <a:spcPct val="20000"/>
+              </a:spcBef>
+              <a:spcAft>
+                <a:spcPct val="0"/>
+              </a:spcAft>
+              <a:buClr>
+                <a:srgbClr val="C0C0C0"/>
+              </a:buClr>
+              <a:buChar char="-"/>
+              <a:defRPr sz="1600">
+                <a:solidFill>
+                  <a:schemeClr val="tx1"/>
+                </a:solidFill>
+                <a:latin typeface="+mn-lt"/>
+                <a:ea typeface="+mn-ea"/>
+              </a:defRPr>
+            </a:lvl8pPr>
+            <a:lvl9pPr marL="3349625" indent="-180975" algn="l" defTabSz="361950" rtl="0" eaLnBrk="1" fontAlgn="base" hangingPunct="1">
+              <a:spcBef>
+                <a:spcPct val="20000"/>
+              </a:spcBef>
+              <a:spcAft>
+                <a:spcPct val="0"/>
+              </a:spcAft>
+              <a:buClr>
+                <a:srgbClr val="C0C0C0"/>
+              </a:buClr>
+              <a:buChar char="-"/>
+              <a:defRPr sz="1600">
+                <a:solidFill>
+                  <a:schemeClr val="tx1"/>
+                </a:solidFill>
+                <a:latin typeface="+mn-lt"/>
+                <a:ea typeface="+mn-ea"/>
+              </a:defRPr>
+            </a:lvl9pPr>
+          </a:lstStyle>
+          <a:p>
+            <a:pPr marL="1587" lvl="1" indent="0">
+              <a:buNone/>
+            </a:pPr>
+            <a:r>
+              <a:rPr lang="en-US" altLang="de-DE" b="1" kern="0" dirty="0" smtClean="0">
+                <a:latin typeface="Univers Light" pitchFamily="-84" charset="0"/>
+              </a:rPr>
+              <a:t>Attributes:</a:t>
+            </a:r>
+            <a:endParaRPr lang="en-US" altLang="de-DE" b="1" kern="0" dirty="0" smtClean="0">
+              <a:latin typeface="Univers Light" pitchFamily="-84" charset="0"/>
+            </a:endParaRPr>
+          </a:p>
+          <a:p>
+            <a:pPr lvl="1"/>
+            <a:r>
+              <a:rPr lang="en-US" dirty="0"/>
+              <a:t>flat 32 bit address space split into 4096 1-MiB </a:t>
+            </a:r>
+            <a:r>
+              <a:rPr lang="en-US" dirty="0" smtClean="0"/>
+              <a:t>chunks</a:t>
+            </a:r>
+          </a:p>
+          <a:p>
+            <a:pPr lvl="1"/>
+            <a:r>
+              <a:rPr lang="en-US" altLang="de-DE" kern="0" dirty="0" smtClean="0">
+                <a:latin typeface="Univers Light" pitchFamily="-84" charset="0"/>
+              </a:rPr>
+              <a:t>Each core is assigned his </a:t>
+            </a:r>
+            <a:r>
+              <a:rPr lang="en-US" altLang="de-DE" kern="0" dirty="0" smtClean="0">
+                <a:latin typeface="Univers Light" pitchFamily="-84" charset="0"/>
+              </a:rPr>
+              <a:t>own 1-MiB chunk</a:t>
+            </a:r>
+          </a:p>
+          <a:p>
+            <a:pPr lvl="2"/>
+            <a:r>
+              <a:rPr lang="en-US" altLang="de-DE" kern="0" dirty="0" smtClean="0">
+                <a:latin typeface="Univers Light" pitchFamily="-84" charset="0"/>
+              </a:rPr>
+              <a:t>But has transparent access to memory of any other core</a:t>
+            </a:r>
+          </a:p>
+          <a:p>
+            <a:pPr lvl="1"/>
+            <a:r>
+              <a:rPr lang="en-US" altLang="de-DE" kern="0" dirty="0" smtClean="0">
+                <a:latin typeface="Univers Light" pitchFamily="-84" charset="0"/>
+              </a:rPr>
+              <a:t>Optimal performance only if data is placed in local memory banks</a:t>
+            </a:r>
+            <a:endParaRPr lang="en-US" altLang="de-DE" kern="0" dirty="0" smtClean="0">
+              <a:latin typeface="Univers Light" pitchFamily="-84" charset="0"/>
+            </a:endParaRPr>
+          </a:p>
+        </p:txBody>
+      </p:sp>
+    </p:spTree>
+    <p:extLst>
+      <p:ext uri="{BB962C8B-B14F-4D97-AF65-F5344CB8AC3E}">
+        <p14:creationId xmlns:p14="http://schemas.microsoft.com/office/powerpoint/2010/main" val="3101319135"/>
       </p:ext>
     </p:extLst>
   </p:cSld>

--- a/presentation/praesentation.pptx
+++ b/presentation/praesentation.pptx
@@ -5,10 +5,10 @@
     <p:sldMasterId id="2147483650" r:id="rId1"/>
   </p:sldMasterIdLst>
   <p:notesMasterIdLst>
-    <p:notesMasterId r:id="rId11"/>
+    <p:notesMasterId r:id="rId13"/>
   </p:notesMasterIdLst>
   <p:handoutMasterIdLst>
-    <p:handoutMasterId r:id="rId12"/>
+    <p:handoutMasterId r:id="rId14"/>
   </p:handoutMasterIdLst>
   <p:sldIdLst>
     <p:sldId id="257" r:id="rId2"/>
@@ -20,6 +20,8 @@
     <p:sldId id="262" r:id="rId8"/>
     <p:sldId id="264" r:id="rId9"/>
     <p:sldId id="265" r:id="rId10"/>
+    <p:sldId id="266" r:id="rId11"/>
+    <p:sldId id="267" r:id="rId12"/>
   </p:sldIdLst>
   <p:sldSz cx="9144000" cy="6858000" type="screen4x3"/>
   <p:notesSz cx="6669088" cy="9928225"/>
@@ -162,6 +164,8 @@
             <p14:sldId id="262"/>
             <p14:sldId id="264"/>
             <p14:sldId id="265"/>
+            <p14:sldId id="266"/>
+            <p14:sldId id="267"/>
           </p14:sldIdLst>
         </p14:section>
       </p14:sectionLst>
@@ -174,6 +178,1074 @@
     </p:ext>
   </p:extLst>
 </p:presentation>
+</file>
+
+<file path=ppt/charts/chart1.xml><?xml version="1.0" encoding="utf-8"?>
+<c:chartSpace xmlns:c="http://schemas.openxmlformats.org/drawingml/2006/chart" xmlns:a="http://schemas.openxmlformats.org/drawingml/2006/main" xmlns:r="http://schemas.openxmlformats.org/officeDocument/2006/relationships">
+  <c:date1904 val="0"/>
+  <c:lang val="de-DE"/>
+  <c:roundedCorners val="0"/>
+  <mc:AlternateContent xmlns:mc="http://schemas.openxmlformats.org/markup-compatibility/2006">
+    <mc:Choice xmlns:c14="http://schemas.microsoft.com/office/drawing/2007/8/2/chart" Requires="c14">
+      <c14:style val="102"/>
+    </mc:Choice>
+    <mc:Fallback>
+      <c:style val="2"/>
+    </mc:Fallback>
+  </mc:AlternateContent>
+  <c:chart>
+    <c:autoTitleDeleted val="1"/>
+    <c:plotArea>
+      <c:layout/>
+      <c:pieChart>
+        <c:varyColors val="1"/>
+        <c:ser>
+          <c:idx val="0"/>
+          <c:order val="0"/>
+          <c:spPr>
+            <a:scene3d>
+              <a:camera prst="orthographicFront"/>
+              <a:lightRig rig="threePt" dir="t"/>
+            </a:scene3d>
+          </c:spPr>
+          <c:dPt>
+            <c:idx val="0"/>
+            <c:bubble3D val="0"/>
+            <c:spPr>
+              <a:solidFill>
+                <a:srgbClr val="E56B20"/>
+              </a:solidFill>
+              <a:ln>
+                <a:noFill/>
+              </a:ln>
+              <a:effectLst>
+                <a:outerShdw blurRad="40000" dist="23000" dir="5400000" rotWithShape="0">
+                  <a:srgbClr val="000000">
+                    <a:alpha val="35000"/>
+                  </a:srgbClr>
+                </a:outerShdw>
+              </a:effectLst>
+              <a:scene3d>
+                <a:camera prst="orthographicFront"/>
+                <a:lightRig rig="threePt" dir="t"/>
+              </a:scene3d>
+            </c:spPr>
+          </c:dPt>
+          <c:dPt>
+            <c:idx val="1"/>
+            <c:bubble3D val="0"/>
+            <c:spPr>
+              <a:solidFill>
+                <a:srgbClr val="0070C0"/>
+              </a:solidFill>
+              <a:ln>
+                <a:solidFill>
+                  <a:srgbClr val="0070C0"/>
+                </a:solidFill>
+              </a:ln>
+              <a:effectLst>
+                <a:outerShdw blurRad="40000" dist="23000" dir="5400000" rotWithShape="0">
+                  <a:srgbClr val="000000">
+                    <a:alpha val="35000"/>
+                  </a:srgbClr>
+                </a:outerShdw>
+              </a:effectLst>
+              <a:scene3d>
+                <a:camera prst="orthographicFront"/>
+                <a:lightRig rig="threePt" dir="t"/>
+              </a:scene3d>
+            </c:spPr>
+          </c:dPt>
+          <c:dPt>
+            <c:idx val="2"/>
+            <c:bubble3D val="0"/>
+            <c:explosion val="16"/>
+            <c:spPr>
+              <a:solidFill>
+                <a:srgbClr val="333333"/>
+              </a:solidFill>
+              <a:ln>
+                <a:noFill/>
+              </a:ln>
+              <a:effectLst>
+                <a:outerShdw blurRad="40000" dist="23000" dir="5400000" rotWithShape="0">
+                  <a:srgbClr val="000000">
+                    <a:alpha val="35000"/>
+                  </a:srgbClr>
+                </a:outerShdw>
+              </a:effectLst>
+              <a:scene3d>
+                <a:camera prst="orthographicFront"/>
+                <a:lightRig rig="threePt" dir="t"/>
+              </a:scene3d>
+            </c:spPr>
+          </c:dPt>
+          <c:dLbls>
+            <c:dLbl>
+              <c:idx val="0"/>
+              <c:layout>
+                <c:manualLayout>
+                  <c:x val="-0.16737903725809511"/>
+                  <c:y val="0.13882928856333929"/>
+                </c:manualLayout>
+              </c:layout>
+              <c:tx>
+                <c:rich>
+                  <a:bodyPr/>
+                  <a:lstStyle/>
+                  <a:p>
+                    <a:fld id="{B3A32FA5-0B3D-4186-95A0-BBFA17A74C95}" type="CATEGORYNAME">
+                      <a:rPr lang="en-US">
+                        <a:solidFill>
+                          <a:schemeClr val="bg1"/>
+                        </a:solidFill>
+                      </a:rPr>
+                      <a:pPr/>
+                      <a:t>[RUBRIKENNAME]</a:t>
+                    </a:fld>
+                    <a:r>
+                      <a:rPr lang="en-US" baseline="0" dirty="0">
+                        <a:solidFill>
+                          <a:schemeClr val="bg1"/>
+                        </a:solidFill>
+                      </a:rPr>
+                      <a:t>
+</a:t>
+                    </a:r>
+                    <a:fld id="{28C76BEB-69E9-4A0D-B5FC-E4610E7A30AA}" type="PERCENTAGE">
+                      <a:rPr lang="en-US" baseline="0">
+                        <a:solidFill>
+                          <a:schemeClr val="bg1"/>
+                        </a:solidFill>
+                      </a:rPr>
+                      <a:pPr/>
+                      <a:t>[PROZENTSATZ]</a:t>
+                    </a:fld>
+                    <a:endParaRPr lang="en-US" baseline="0" dirty="0">
+                      <a:solidFill>
+                        <a:schemeClr val="bg1"/>
+                      </a:solidFill>
+                    </a:endParaRPr>
+                  </a:p>
+                </c:rich>
+              </c:tx>
+              <c:showLegendKey val="0"/>
+              <c:showVal val="0"/>
+              <c:showCatName val="1"/>
+              <c:showSerName val="0"/>
+              <c:showPercent val="1"/>
+              <c:showBubbleSize val="0"/>
+              <c:extLst>
+                <c:ext xmlns:c15="http://schemas.microsoft.com/office/drawing/2012/chart" uri="{CE6537A1-D6FC-4f65-9D91-7224C49458BB}">
+                  <c15:layout/>
+                  <c15:dlblFieldTable/>
+                  <c15:showDataLabelsRange val="0"/>
+                </c:ext>
+              </c:extLst>
+            </c:dLbl>
+            <c:dLbl>
+              <c:idx val="1"/>
+              <c:layout>
+                <c:manualLayout>
+                  <c:x val="0.17684459398017641"/>
+                  <c:y val="-0.23190719556692768"/>
+                </c:manualLayout>
+              </c:layout>
+              <c:tx>
+                <c:rich>
+                  <a:bodyPr rot="0" spcFirstLastPara="1" vertOverflow="ellipsis" vert="horz" wrap="square" lIns="38100" tIns="19050" rIns="38100" bIns="19050" anchor="ctr" anchorCtr="1">
+                    <a:noAutofit/>
+                  </a:bodyPr>
+                  <a:lstStyle/>
+                  <a:p>
+                    <a:pPr>
+                      <a:defRPr sz="1197" b="0" i="0" u="none" strike="noStrike" kern="1200" baseline="0">
+                        <a:solidFill>
+                          <a:schemeClr val="tx1">
+                            <a:lumMod val="75000"/>
+                            <a:lumOff val="25000"/>
+                          </a:schemeClr>
+                        </a:solidFill>
+                        <a:latin typeface="+mn-lt"/>
+                        <a:ea typeface="+mn-ea"/>
+                        <a:cs typeface="+mn-cs"/>
+                      </a:defRPr>
+                    </a:pPr>
+                    <a:fld id="{52919296-F7C2-4E8D-9121-EC4A1B2119FE}" type="CATEGORYNAME">
+                      <a:rPr lang="en-US">
+                        <a:solidFill>
+                          <a:schemeClr val="bg1"/>
+                        </a:solidFill>
+                      </a:rPr>
+                      <a:pPr>
+                        <a:defRPr/>
+                      </a:pPr>
+                      <a:t>[RUBRIKENNAME]</a:t>
+                    </a:fld>
+                    <a:r>
+                      <a:rPr lang="en-US" baseline="0" dirty="0">
+                        <a:solidFill>
+                          <a:schemeClr val="bg1"/>
+                        </a:solidFill>
+                      </a:rPr>
+                      <a:t>
+</a:t>
+                    </a:r>
+                    <a:fld id="{E7CF8C63-2D92-4CCC-A3B4-F6001D91DD8D}" type="PERCENTAGE">
+                      <a:rPr lang="en-US" baseline="0">
+                        <a:solidFill>
+                          <a:schemeClr val="bg1"/>
+                        </a:solidFill>
+                      </a:rPr>
+                      <a:pPr>
+                        <a:defRPr/>
+                      </a:pPr>
+                      <a:t>[PROZENTSATZ]</a:t>
+                    </a:fld>
+                    <a:endParaRPr lang="en-US" baseline="0" dirty="0">
+                      <a:solidFill>
+                        <a:schemeClr val="bg1"/>
+                      </a:solidFill>
+                    </a:endParaRPr>
+                  </a:p>
+                </c:rich>
+              </c:tx>
+              <c:spPr>
+                <a:noFill/>
+                <a:ln>
+                  <a:noFill/>
+                </a:ln>
+                <a:effectLst/>
+              </c:spPr>
+              <c:txPr>
+                <a:bodyPr rot="0" spcFirstLastPara="1" vertOverflow="ellipsis" vert="horz" wrap="square" lIns="38100" tIns="19050" rIns="38100" bIns="19050" anchor="ctr" anchorCtr="1">
+                  <a:noAutofit/>
+                </a:bodyPr>
+                <a:lstStyle/>
+                <a:p>
+                  <a:pPr>
+                    <a:defRPr sz="1197" b="0" i="0" u="none" strike="noStrike" kern="1200" baseline="0">
+                      <a:solidFill>
+                        <a:schemeClr val="tx1">
+                          <a:lumMod val="75000"/>
+                          <a:lumOff val="25000"/>
+                        </a:schemeClr>
+                      </a:solidFill>
+                      <a:latin typeface="+mn-lt"/>
+                      <a:ea typeface="+mn-ea"/>
+                      <a:cs typeface="+mn-cs"/>
+                    </a:defRPr>
+                  </a:pPr>
+                  <a:endParaRPr lang="de-DE"/>
+                </a:p>
+              </c:txPr>
+              <c:showLegendKey val="0"/>
+              <c:showVal val="0"/>
+              <c:showCatName val="1"/>
+              <c:showSerName val="0"/>
+              <c:showPercent val="1"/>
+              <c:showBubbleSize val="0"/>
+              <c:extLst>
+                <c:ext xmlns:c15="http://schemas.microsoft.com/office/drawing/2012/chart" uri="{CE6537A1-D6FC-4f65-9D91-7224C49458BB}">
+                  <c15:layout>
+                    <c:manualLayout>
+                      <c:w val="7.7483303675191018E-2"/>
+                      <c:h val="9.0512445316960552E-2"/>
+                    </c:manualLayout>
+                  </c15:layout>
+                  <c15:dlblFieldTable/>
+                  <c15:showDataLabelsRange val="0"/>
+                </c:ext>
+              </c:extLst>
+            </c:dLbl>
+            <c:dLbl>
+              <c:idx val="2"/>
+              <c:layout>
+                <c:manualLayout>
+                  <c:x val="8.8689973298502853E-2"/>
+                  <c:y val="8.6524860611613019E-2"/>
+                </c:manualLayout>
+              </c:layout>
+              <c:tx>
+                <c:rich>
+                  <a:bodyPr rot="0" spcFirstLastPara="1" vertOverflow="ellipsis" vert="horz" wrap="square" lIns="38100" tIns="19050" rIns="38100" bIns="19050" anchor="ctr" anchorCtr="1">
+                    <a:spAutoFit/>
+                  </a:bodyPr>
+                  <a:lstStyle/>
+                  <a:p>
+                    <a:pPr>
+                      <a:defRPr sz="1197" b="0" i="0" u="none" strike="noStrike" kern="1200" baseline="0">
+                        <a:solidFill>
+                          <a:schemeClr val="tx1">
+                            <a:lumMod val="75000"/>
+                            <a:lumOff val="25000"/>
+                          </a:schemeClr>
+                        </a:solidFill>
+                        <a:latin typeface="+mn-lt"/>
+                        <a:ea typeface="+mn-ea"/>
+                        <a:cs typeface="+mn-cs"/>
+                      </a:defRPr>
+                    </a:pPr>
+                    <a:fld id="{0EB1242E-7279-49AF-A5BD-502DCA5957B0}" type="CATEGORYNAME">
+                      <a:rPr lang="en-US">
+                        <a:solidFill>
+                          <a:schemeClr val="bg1"/>
+                        </a:solidFill>
+                      </a:rPr>
+                      <a:pPr>
+                        <a:defRPr/>
+                      </a:pPr>
+                      <a:t>[RUBRIKENNAME]</a:t>
+                    </a:fld>
+                    <a:r>
+                      <a:rPr lang="en-US" baseline="0" dirty="0">
+                        <a:solidFill>
+                          <a:schemeClr val="bg1"/>
+                        </a:solidFill>
+                      </a:rPr>
+                      <a:t>
+</a:t>
+                    </a:r>
+                    <a:fld id="{1471F39F-AECB-4E64-B995-86D3C4461FCD}" type="PERCENTAGE">
+                      <a:rPr lang="en-US" baseline="0">
+                        <a:solidFill>
+                          <a:schemeClr val="bg1"/>
+                        </a:solidFill>
+                      </a:rPr>
+                      <a:pPr>
+                        <a:defRPr/>
+                      </a:pPr>
+                      <a:t>[PROZENTSATZ]</a:t>
+                    </a:fld>
+                    <a:endParaRPr lang="en-US" baseline="0" dirty="0">
+                      <a:solidFill>
+                        <a:schemeClr val="bg1"/>
+                      </a:solidFill>
+                    </a:endParaRPr>
+                  </a:p>
+                </c:rich>
+              </c:tx>
+              <c:spPr>
+                <a:noFill/>
+                <a:ln>
+                  <a:noFill/>
+                </a:ln>
+                <a:effectLst/>
+              </c:spPr>
+              <c:txPr>
+                <a:bodyPr rot="0" spcFirstLastPara="1" vertOverflow="ellipsis" vert="horz" wrap="square" lIns="38100" tIns="19050" rIns="38100" bIns="19050" anchor="ctr" anchorCtr="1">
+                  <a:spAutoFit/>
+                </a:bodyPr>
+                <a:lstStyle/>
+                <a:p>
+                  <a:pPr>
+                    <a:defRPr sz="1197" b="0" i="0" u="none" strike="noStrike" kern="1200" baseline="0">
+                      <a:solidFill>
+                        <a:schemeClr val="tx1">
+                          <a:lumMod val="75000"/>
+                          <a:lumOff val="25000"/>
+                        </a:schemeClr>
+                      </a:solidFill>
+                      <a:latin typeface="+mn-lt"/>
+                      <a:ea typeface="+mn-ea"/>
+                      <a:cs typeface="+mn-cs"/>
+                    </a:defRPr>
+                  </a:pPr>
+                  <a:endParaRPr lang="de-DE"/>
+                </a:p>
+              </c:txPr>
+              <c:showLegendKey val="0"/>
+              <c:showVal val="0"/>
+              <c:showCatName val="1"/>
+              <c:showSerName val="0"/>
+              <c:showPercent val="1"/>
+              <c:showBubbleSize val="0"/>
+              <c:extLst>
+                <c:ext xmlns:c15="http://schemas.microsoft.com/office/drawing/2012/chart" uri="{CE6537A1-D6FC-4f65-9D91-7224C49458BB}">
+                  <c15:layout/>
+                  <c15:dlblFieldTable/>
+                  <c15:showDataLabelsRange val="0"/>
+                </c:ext>
+              </c:extLst>
+            </c:dLbl>
+            <c:spPr>
+              <a:noFill/>
+              <a:ln>
+                <a:noFill/>
+              </a:ln>
+              <a:effectLst/>
+            </c:spPr>
+            <c:txPr>
+              <a:bodyPr rot="0" spcFirstLastPara="1" vertOverflow="ellipsis" vert="horz" wrap="square" lIns="38100" tIns="19050" rIns="38100" bIns="19050" anchor="ctr" anchorCtr="1">
+                <a:spAutoFit/>
+              </a:bodyPr>
+              <a:lstStyle/>
+              <a:p>
+                <a:pPr>
+                  <a:defRPr sz="1197" b="0" i="0" u="none" strike="noStrike" kern="1200" baseline="0">
+                    <a:solidFill>
+                      <a:schemeClr val="tx1">
+                        <a:lumMod val="75000"/>
+                        <a:lumOff val="25000"/>
+                      </a:schemeClr>
+                    </a:solidFill>
+                    <a:latin typeface="+mn-lt"/>
+                    <a:ea typeface="+mn-ea"/>
+                    <a:cs typeface="+mn-cs"/>
+                  </a:defRPr>
+                </a:pPr>
+                <a:endParaRPr lang="de-DE"/>
+              </a:p>
+            </c:txPr>
+            <c:showLegendKey val="0"/>
+            <c:showVal val="0"/>
+            <c:showCatName val="1"/>
+            <c:showSerName val="0"/>
+            <c:showPercent val="1"/>
+            <c:showBubbleSize val="0"/>
+            <c:showLeaderLines val="1"/>
+            <c:leaderLines>
+              <c:spPr>
+                <a:ln w="9525" cap="flat" cmpd="sng" algn="ctr">
+                  <a:solidFill>
+                    <a:schemeClr val="tx1">
+                      <a:lumMod val="35000"/>
+                      <a:lumOff val="65000"/>
+                    </a:schemeClr>
+                  </a:solidFill>
+                  <a:round/>
+                </a:ln>
+                <a:effectLst/>
+              </c:spPr>
+            </c:leaderLines>
+            <c:extLst>
+              <c:ext xmlns:c15="http://schemas.microsoft.com/office/drawing/2012/chart" uri="{CE6537A1-D6FC-4f65-9D91-7224C49458BB}">
+                <c15:layout/>
+              </c:ext>
+            </c:extLst>
+          </c:dLbls>
+          <c:cat>
+            <c:strRef>
+              <c:f>Tabelle1!$B$3:$B$5</c:f>
+              <c:strCache>
+                <c:ptCount val="3"/>
+                <c:pt idx="0">
+                  <c:v>write</c:v>
+                </c:pt>
+                <c:pt idx="1">
+                  <c:v>read</c:v>
+                </c:pt>
+                <c:pt idx="2">
+                  <c:v>calculation</c:v>
+                </c:pt>
+              </c:strCache>
+            </c:strRef>
+          </c:cat>
+          <c:val>
+            <c:numRef>
+              <c:f>Tabelle1!$C$3:$C$5</c:f>
+              <c:numCache>
+                <c:formatCode>General</c:formatCode>
+                <c:ptCount val="3"/>
+                <c:pt idx="0">
+                  <c:v>7.0999999999999994E-2</c:v>
+                </c:pt>
+                <c:pt idx="1">
+                  <c:v>0.14799999999999999</c:v>
+                </c:pt>
+                <c:pt idx="2">
+                  <c:v>2.4E-2</c:v>
+                </c:pt>
+              </c:numCache>
+            </c:numRef>
+          </c:val>
+        </c:ser>
+        <c:dLbls>
+          <c:showLegendKey val="0"/>
+          <c:showVal val="0"/>
+          <c:showCatName val="1"/>
+          <c:showSerName val="0"/>
+          <c:showPercent val="1"/>
+          <c:showBubbleSize val="0"/>
+          <c:showLeaderLines val="1"/>
+        </c:dLbls>
+        <c:firstSliceAng val="0"/>
+      </c:pieChart>
+      <c:spPr>
+        <a:noFill/>
+        <a:ln>
+          <a:noFill/>
+        </a:ln>
+        <a:effectLst/>
+      </c:spPr>
+    </c:plotArea>
+    <c:plotVisOnly val="1"/>
+    <c:dispBlanksAs val="gap"/>
+    <c:showDLblsOverMax val="0"/>
+  </c:chart>
+  <c:spPr>
+    <a:noFill/>
+    <a:ln>
+      <a:noFill/>
+    </a:ln>
+    <a:effectLst/>
+  </c:spPr>
+  <c:txPr>
+    <a:bodyPr/>
+    <a:lstStyle/>
+    <a:p>
+      <a:pPr>
+        <a:defRPr/>
+      </a:pPr>
+      <a:endParaRPr lang="de-DE"/>
+    </a:p>
+  </c:txPr>
+  <c:externalData r:id="rId3">
+    <c:autoUpdate val="0"/>
+  </c:externalData>
+</c:chartSpace>
+</file>
+
+<file path=ppt/charts/colors1.xml><?xml version="1.0" encoding="utf-8"?>
+<cs:colorStyle xmlns:cs="http://schemas.microsoft.com/office/drawing/2012/chartStyle" xmlns:a="http://schemas.openxmlformats.org/drawingml/2006/main" meth="cycle" id="10">
+  <a:schemeClr val="accent1"/>
+  <a:schemeClr val="accent2"/>
+  <a:schemeClr val="accent3"/>
+  <a:schemeClr val="accent4"/>
+  <a:schemeClr val="accent5"/>
+  <a:schemeClr val="accent6"/>
+  <cs:variation/>
+  <cs:variation>
+    <a:lumMod val="60000"/>
+  </cs:variation>
+  <cs:variation>
+    <a:lumMod val="80000"/>
+    <a:lumOff val="20000"/>
+  </cs:variation>
+  <cs:variation>
+    <a:lumMod val="80000"/>
+  </cs:variation>
+  <cs:variation>
+    <a:lumMod val="60000"/>
+    <a:lumOff val="40000"/>
+  </cs:variation>
+  <cs:variation>
+    <a:lumMod val="50000"/>
+  </cs:variation>
+  <cs:variation>
+    <a:lumMod val="70000"/>
+    <a:lumOff val="30000"/>
+  </cs:variation>
+  <cs:variation>
+    <a:lumMod val="70000"/>
+  </cs:variation>
+  <cs:variation>
+    <a:lumMod val="50000"/>
+    <a:lumOff val="50000"/>
+  </cs:variation>
+</cs:colorStyle>
+</file>
+
+<file path=ppt/charts/style1.xml><?xml version="1.0" encoding="utf-8"?>
+<cs:chartStyle xmlns:cs="http://schemas.microsoft.com/office/drawing/2012/chartStyle" xmlns:a="http://schemas.openxmlformats.org/drawingml/2006/main" id="344">
+  <cs:axisTitle>
+    <cs:lnRef idx="0"/>
+    <cs:fillRef idx="0"/>
+    <cs:effectRef idx="0"/>
+    <cs:fontRef idx="minor">
+      <a:schemeClr val="tx1">
+        <a:lumMod val="65000"/>
+        <a:lumOff val="35000"/>
+      </a:schemeClr>
+    </cs:fontRef>
+    <cs:defRPr sz="1197" kern="1200"/>
+  </cs:axisTitle>
+  <cs:categoryAxis>
+    <cs:lnRef idx="0"/>
+    <cs:fillRef idx="0"/>
+    <cs:effectRef idx="0"/>
+    <cs:fontRef idx="minor">
+      <a:schemeClr val="tx1">
+        <a:lumMod val="65000"/>
+        <a:lumOff val="35000"/>
+      </a:schemeClr>
+    </cs:fontRef>
+    <cs:spPr>
+      <a:ln w="12700" cap="flat" cmpd="sng" algn="ctr">
+        <a:solidFill>
+          <a:schemeClr val="tx1">
+            <a:lumMod val="15000"/>
+            <a:lumOff val="85000"/>
+          </a:schemeClr>
+        </a:solidFill>
+        <a:round/>
+      </a:ln>
+    </cs:spPr>
+    <cs:defRPr sz="1197" kern="1200"/>
+  </cs:categoryAxis>
+  <cs:chartArea mods="allowNoFillOverride allowNoLineOverride">
+    <cs:lnRef idx="0"/>
+    <cs:fillRef idx="0"/>
+    <cs:effectRef idx="0"/>
+    <cs:fontRef idx="minor">
+      <a:schemeClr val="tx2"/>
+    </cs:fontRef>
+    <cs:spPr>
+      <a:solidFill>
+        <a:schemeClr val="bg1"/>
+      </a:solidFill>
+      <a:ln w="9525" cap="flat" cmpd="sng" algn="ctr">
+        <a:solidFill>
+          <a:schemeClr val="tx1">
+            <a:lumMod val="15000"/>
+            <a:lumOff val="85000"/>
+          </a:schemeClr>
+        </a:solidFill>
+        <a:round/>
+      </a:ln>
+    </cs:spPr>
+    <cs:defRPr sz="1197" kern="1200"/>
+  </cs:chartArea>
+  <cs:dataLabel>
+    <cs:lnRef idx="0"/>
+    <cs:fillRef idx="0"/>
+    <cs:effectRef idx="0"/>
+    <cs:fontRef idx="minor">
+      <a:schemeClr val="tx1">
+        <a:lumMod val="75000"/>
+        <a:lumOff val="25000"/>
+      </a:schemeClr>
+    </cs:fontRef>
+    <cs:defRPr sz="1197" kern="1200"/>
+  </cs:dataLabel>
+  <cs:dataLabelCallout>
+    <cs:lnRef idx="0"/>
+    <cs:fillRef idx="0"/>
+    <cs:effectRef idx="0"/>
+    <cs:fontRef idx="minor">
+      <a:schemeClr val="dk1">
+        <a:lumMod val="65000"/>
+        <a:lumOff val="35000"/>
+      </a:schemeClr>
+    </cs:fontRef>
+    <cs:spPr>
+      <a:solidFill>
+        <a:schemeClr val="lt1"/>
+      </a:solidFill>
+      <a:ln>
+        <a:solidFill>
+          <a:schemeClr val="dk1">
+            <a:lumMod val="25000"/>
+            <a:lumOff val="75000"/>
+          </a:schemeClr>
+        </a:solidFill>
+      </a:ln>
+    </cs:spPr>
+    <cs:defRPr sz="1197" kern="1200"/>
+    <cs:bodyPr rot="0" spcFirstLastPara="1" vertOverflow="clip" horzOverflow="clip" vert="horz" wrap="square" lIns="36576" tIns="18288" rIns="36576" bIns="18288" anchor="ctr" anchorCtr="1">
+      <a:spAutoFit/>
+    </cs:bodyPr>
+  </cs:dataLabelCallout>
+  <cs:dataPoint>
+    <cs:lnRef idx="0"/>
+    <cs:fillRef idx="3">
+      <cs:styleClr val="auto"/>
+    </cs:fillRef>
+    <cs:effectRef idx="3"/>
+    <cs:fontRef idx="minor">
+      <a:schemeClr val="tx1"/>
+    </cs:fontRef>
+  </cs:dataPoint>
+  <cs:dataPoint3D>
+    <cs:lnRef idx="0"/>
+    <cs:fillRef idx="3">
+      <cs:styleClr val="auto"/>
+    </cs:fillRef>
+    <cs:effectRef idx="3"/>
+    <cs:fontRef idx="minor">
+      <a:schemeClr val="tx1"/>
+    </cs:fontRef>
+  </cs:dataPoint3D>
+  <cs:dataPointLine>
+    <cs:lnRef idx="0">
+      <cs:styleClr val="auto"/>
+    </cs:lnRef>
+    <cs:fillRef idx="3"/>
+    <cs:effectRef idx="3"/>
+    <cs:fontRef idx="minor">
+      <a:schemeClr val="tx1"/>
+    </cs:fontRef>
+    <cs:spPr>
+      <a:ln w="34925" cap="rnd">
+        <a:solidFill>
+          <a:schemeClr val="phClr"/>
+        </a:solidFill>
+        <a:round/>
+      </a:ln>
+    </cs:spPr>
+  </cs:dataPointLine>
+  <cs:dataPointMarker>
+    <cs:lnRef idx="0">
+      <cs:styleClr val="auto"/>
+    </cs:lnRef>
+    <cs:fillRef idx="3">
+      <cs:styleClr val="auto"/>
+    </cs:fillRef>
+    <cs:effectRef idx="3"/>
+    <cs:fontRef idx="minor">
+      <a:schemeClr val="tx1"/>
+    </cs:fontRef>
+    <cs:spPr>
+      <a:ln w="9525">
+        <a:solidFill>
+          <a:schemeClr val="phClr"/>
+        </a:solidFill>
+        <a:round/>
+      </a:ln>
+    </cs:spPr>
+  </cs:dataPointMarker>
+  <cs:dataPointMarkerLayout symbol="circle" size="6"/>
+  <cs:dataPointWireframe>
+    <cs:lnRef idx="0">
+      <cs:styleClr val="auto"/>
+    </cs:lnRef>
+    <cs:fillRef idx="3"/>
+    <cs:effectRef idx="3"/>
+    <cs:fontRef idx="minor">
+      <a:schemeClr val="tx1"/>
+    </cs:fontRef>
+    <cs:spPr>
+      <a:ln w="9525" cap="rnd">
+        <a:solidFill>
+          <a:schemeClr val="phClr"/>
+        </a:solidFill>
+        <a:round/>
+      </a:ln>
+    </cs:spPr>
+  </cs:dataPointWireframe>
+  <cs:dataTable>
+    <cs:lnRef idx="0"/>
+    <cs:fillRef idx="0"/>
+    <cs:effectRef idx="0"/>
+    <cs:fontRef idx="minor">
+      <a:schemeClr val="tx1">
+        <a:lumMod val="65000"/>
+        <a:lumOff val="35000"/>
+      </a:schemeClr>
+    </cs:fontRef>
+    <cs:spPr>
+      <a:noFill/>
+      <a:ln w="9525" cap="flat" cmpd="sng" algn="ctr">
+        <a:solidFill>
+          <a:schemeClr val="tx1">
+            <a:lumMod val="15000"/>
+            <a:lumOff val="85000"/>
+          </a:schemeClr>
+        </a:solidFill>
+        <a:round/>
+      </a:ln>
+    </cs:spPr>
+    <cs:defRPr sz="1197" kern="1200"/>
+  </cs:dataTable>
+  <cs:downBar>
+    <cs:lnRef idx="0"/>
+    <cs:fillRef idx="0"/>
+    <cs:effectRef idx="0"/>
+    <cs:fontRef idx="minor">
+      <a:schemeClr val="dk1"/>
+    </cs:fontRef>
+    <cs:spPr>
+      <a:solidFill>
+        <a:schemeClr val="dk1">
+          <a:lumMod val="65000"/>
+          <a:lumOff val="35000"/>
+        </a:schemeClr>
+      </a:solidFill>
+      <a:ln w="9525">
+        <a:solidFill>
+          <a:schemeClr val="tx1">
+            <a:lumMod val="65000"/>
+            <a:lumOff val="35000"/>
+          </a:schemeClr>
+        </a:solidFill>
+      </a:ln>
+    </cs:spPr>
+  </cs:downBar>
+  <cs:dropLine>
+    <cs:lnRef idx="0"/>
+    <cs:fillRef idx="0"/>
+    <cs:effectRef idx="0"/>
+    <cs:fontRef idx="minor">
+      <a:schemeClr val="tx1"/>
+    </cs:fontRef>
+    <cs:spPr>
+      <a:ln w="9525" cap="flat" cmpd="sng" algn="ctr">
+        <a:solidFill>
+          <a:schemeClr val="tx1">
+            <a:lumMod val="35000"/>
+            <a:lumOff val="65000"/>
+          </a:schemeClr>
+        </a:solidFill>
+        <a:round/>
+      </a:ln>
+    </cs:spPr>
+  </cs:dropLine>
+  <cs:errorBar>
+    <cs:lnRef idx="0"/>
+    <cs:fillRef idx="0"/>
+    <cs:effectRef idx="0"/>
+    <cs:fontRef idx="minor">
+      <a:schemeClr val="tx1"/>
+    </cs:fontRef>
+    <cs:spPr>
+      <a:ln w="9525" cap="flat" cmpd="sng" algn="ctr">
+        <a:solidFill>
+          <a:schemeClr val="tx1">
+            <a:lumMod val="65000"/>
+            <a:lumOff val="35000"/>
+          </a:schemeClr>
+        </a:solidFill>
+        <a:round/>
+      </a:ln>
+    </cs:spPr>
+  </cs:errorBar>
+  <cs:floor>
+    <cs:lnRef idx="0"/>
+    <cs:fillRef idx="0"/>
+    <cs:effectRef idx="0"/>
+    <cs:fontRef idx="minor">
+      <a:schemeClr val="lt1"/>
+    </cs:fontRef>
+  </cs:floor>
+  <cs:gridlineMajor>
+    <cs:lnRef idx="0"/>
+    <cs:fillRef idx="0"/>
+    <cs:effectRef idx="0"/>
+    <cs:fontRef idx="minor">
+      <a:schemeClr val="tx1"/>
+    </cs:fontRef>
+    <cs:spPr>
+      <a:ln w="9525" cap="flat" cmpd="sng" algn="ctr">
+        <a:solidFill>
+          <a:schemeClr val="tx1">
+            <a:lumMod val="15000"/>
+            <a:lumOff val="85000"/>
+          </a:schemeClr>
+        </a:solidFill>
+        <a:round/>
+      </a:ln>
+    </cs:spPr>
+  </cs:gridlineMajor>
+  <cs:gridlineMinor>
+    <cs:lnRef idx="0"/>
+    <cs:fillRef idx="0"/>
+    <cs:effectRef idx="0"/>
+    <cs:fontRef idx="minor">
+      <a:schemeClr val="tx1"/>
+    </cs:fontRef>
+    <cs:spPr>
+      <a:ln w="9525" cap="flat" cmpd="sng" algn="ctr">
+        <a:solidFill>
+          <a:schemeClr val="tx1">
+            <a:lumMod val="5000"/>
+            <a:lumOff val="95000"/>
+          </a:schemeClr>
+        </a:solidFill>
+        <a:round/>
+      </a:ln>
+    </cs:spPr>
+  </cs:gridlineMinor>
+  <cs:hiLoLine>
+    <cs:lnRef idx="0"/>
+    <cs:fillRef idx="0"/>
+    <cs:effectRef idx="0"/>
+    <cs:fontRef idx="minor">
+      <a:schemeClr val="tx1"/>
+    </cs:fontRef>
+    <cs:spPr>
+      <a:ln w="9525" cap="flat" cmpd="sng" algn="ctr">
+        <a:solidFill>
+          <a:schemeClr val="tx1">
+            <a:lumMod val="75000"/>
+            <a:lumOff val="25000"/>
+          </a:schemeClr>
+        </a:solidFill>
+        <a:round/>
+      </a:ln>
+    </cs:spPr>
+  </cs:hiLoLine>
+  <cs:leaderLine>
+    <cs:lnRef idx="0"/>
+    <cs:fillRef idx="0"/>
+    <cs:effectRef idx="0"/>
+    <cs:fontRef idx="minor">
+      <a:schemeClr val="tx1"/>
+    </cs:fontRef>
+    <cs:spPr>
+      <a:ln w="9525" cap="flat" cmpd="sng" algn="ctr">
+        <a:solidFill>
+          <a:schemeClr val="tx1">
+            <a:lumMod val="35000"/>
+            <a:lumOff val="65000"/>
+          </a:schemeClr>
+        </a:solidFill>
+        <a:round/>
+      </a:ln>
+    </cs:spPr>
+  </cs:leaderLine>
+  <cs:legend>
+    <cs:lnRef idx="0"/>
+    <cs:fillRef idx="0"/>
+    <cs:effectRef idx="0"/>
+    <cs:fontRef idx="minor">
+      <a:schemeClr val="tx1">
+        <a:lumMod val="65000"/>
+        <a:lumOff val="35000"/>
+      </a:schemeClr>
+    </cs:fontRef>
+    <cs:defRPr sz="1197" kern="1200"/>
+  </cs:legend>
+  <cs:plotArea>
+    <cs:lnRef idx="0"/>
+    <cs:fillRef idx="0"/>
+    <cs:effectRef idx="0"/>
+    <cs:fontRef idx="minor">
+      <a:schemeClr val="lt1"/>
+    </cs:fontRef>
+  </cs:plotArea>
+  <cs:plotArea3D>
+    <cs:lnRef idx="0"/>
+    <cs:fillRef idx="0"/>
+    <cs:effectRef idx="0"/>
+    <cs:fontRef idx="minor">
+      <a:schemeClr val="lt1"/>
+    </cs:fontRef>
+  </cs:plotArea3D>
+  <cs:seriesAxis>
+    <cs:lnRef idx="0"/>
+    <cs:fillRef idx="0"/>
+    <cs:effectRef idx="0"/>
+    <cs:fontRef idx="minor">
+      <a:schemeClr val="tx1">
+        <a:lumMod val="65000"/>
+        <a:lumOff val="35000"/>
+      </a:schemeClr>
+    </cs:fontRef>
+    <cs:spPr>
+      <a:ln w="12700" cap="flat" cmpd="sng" algn="ctr">
+        <a:solidFill>
+          <a:schemeClr val="tx1">
+            <a:lumMod val="15000"/>
+            <a:lumOff val="85000"/>
+          </a:schemeClr>
+        </a:solidFill>
+        <a:round/>
+      </a:ln>
+    </cs:spPr>
+    <cs:defRPr sz="1197" kern="1200"/>
+  </cs:seriesAxis>
+  <cs:seriesLine>
+    <cs:lnRef idx="0"/>
+    <cs:fillRef idx="0"/>
+    <cs:effectRef idx="0"/>
+    <cs:fontRef idx="minor">
+      <a:schemeClr val="tx1"/>
+    </cs:fontRef>
+    <cs:spPr>
+      <a:ln w="9525" cap="flat" cmpd="sng" algn="ctr">
+        <a:solidFill>
+          <a:schemeClr val="tx1">
+            <a:lumMod val="35000"/>
+            <a:lumOff val="65000"/>
+          </a:schemeClr>
+        </a:solidFill>
+        <a:round/>
+      </a:ln>
+    </cs:spPr>
+  </cs:seriesLine>
+  <cs:title>
+    <cs:lnRef idx="0"/>
+    <cs:fillRef idx="0"/>
+    <cs:effectRef idx="0"/>
+    <cs:fontRef idx="minor">
+      <a:schemeClr val="tx1">
+        <a:lumMod val="65000"/>
+        <a:lumOff val="35000"/>
+      </a:schemeClr>
+    </cs:fontRef>
+    <cs:defRPr sz="2128" b="1" kern="1200" baseline="0"/>
+  </cs:title>
+  <cs:trendline>
+    <cs:lnRef idx="0">
+      <cs:styleClr val="auto"/>
+    </cs:lnRef>
+    <cs:fillRef idx="0"/>
+    <cs:effectRef idx="0"/>
+    <cs:fontRef idx="minor">
+      <a:schemeClr val="lt1"/>
+    </cs:fontRef>
+    <cs:spPr>
+      <a:ln w="19050" cap="rnd">
+        <a:solidFill>
+          <a:schemeClr val="phClr"/>
+        </a:solidFill>
+      </a:ln>
+    </cs:spPr>
+  </cs:trendline>
+  <cs:trendlineLabel>
+    <cs:lnRef idx="0"/>
+    <cs:fillRef idx="0"/>
+    <cs:effectRef idx="0"/>
+    <cs:fontRef idx="minor">
+      <a:schemeClr val="tx1">
+        <a:lumMod val="65000"/>
+        <a:lumOff val="35000"/>
+      </a:schemeClr>
+    </cs:fontRef>
+    <cs:defRPr sz="1197" kern="1200"/>
+  </cs:trendlineLabel>
+  <cs:upBar>
+    <cs:lnRef idx="0"/>
+    <cs:fillRef idx="0"/>
+    <cs:effectRef idx="0"/>
+    <cs:fontRef idx="minor">
+      <a:schemeClr val="dk1"/>
+    </cs:fontRef>
+    <cs:spPr>
+      <a:solidFill>
+        <a:schemeClr val="lt1"/>
+      </a:solidFill>
+      <a:ln w="9525">
+        <a:solidFill>
+          <a:schemeClr val="tx1">
+            <a:lumMod val="15000"/>
+            <a:lumOff val="85000"/>
+          </a:schemeClr>
+        </a:solidFill>
+      </a:ln>
+    </cs:spPr>
+  </cs:upBar>
+  <cs:valueAxis>
+    <cs:lnRef idx="0"/>
+    <cs:fillRef idx="0"/>
+    <cs:effectRef idx="0"/>
+    <cs:fontRef idx="minor">
+      <a:schemeClr val="tx1">
+        <a:lumMod val="65000"/>
+        <a:lumOff val="35000"/>
+      </a:schemeClr>
+    </cs:fontRef>
+    <cs:defRPr sz="1197" kern="1200"/>
+  </cs:valueAxis>
+  <cs:wall>
+    <cs:lnRef idx="0"/>
+    <cs:fillRef idx="0"/>
+    <cs:effectRef idx="0"/>
+    <cs:fontRef idx="minor">
+      <a:schemeClr val="lt1"/>
+    </cs:fontRef>
+  </cs:wall>
+</cs:chartStyle>
 </file>
 
 <file path=ppt/handoutMasters/handoutMaster1.xml><?xml version="1.0" encoding="utf-8"?>
@@ -226,14 +1298,14 @@
           <a:effectLst/>
           <a:extLst>
             <a:ext uri="{909E8E84-426E-40dd-AFC4-6F175D3DCCD1}">
-              <a14:hiddenFill xmlns:a14="http://schemas.microsoft.com/office/drawing/2010/main" xmlns="">
+              <a14:hiddenFill xmlns="" xmlns:a14="http://schemas.microsoft.com/office/drawing/2010/main">
                 <a:solidFill>
                   <a:schemeClr val="accent1"/>
                 </a:solidFill>
               </a14:hiddenFill>
             </a:ext>
             <a:ext uri="{91240B29-F687-4f45-9708-019B960494DF}">
-              <a14:hiddenLine xmlns:a14="http://schemas.microsoft.com/office/drawing/2010/main" xmlns="" w="9525">
+              <a14:hiddenLine xmlns="" xmlns:a14="http://schemas.microsoft.com/office/drawing/2010/main" w="9525">
                 <a:solidFill>
                   <a:schemeClr val="tx1"/>
                 </a:solidFill>
@@ -243,7 +1315,7 @@
               </a14:hiddenLine>
             </a:ext>
             <a:ext uri="{AF507438-7753-43e0-B8FC-AC1667EBCBE1}">
-              <a14:hiddenEffects xmlns:a14="http://schemas.microsoft.com/office/drawing/2010/main" xmlns="">
+              <a14:hiddenEffects xmlns="" xmlns:a14="http://schemas.microsoft.com/office/drawing/2010/main">
                 <a:effectLst>
                   <a:outerShdw blurRad="63500" dist="38099" dir="2700000" algn="ctr" rotWithShape="0">
                     <a:schemeClr val="bg2">
@@ -254,7 +1326,7 @@
               </a14:hiddenEffects>
             </a:ext>
             <a:ext uri="{FAA26D3D-D897-4be2-8F04-BA451C77F1D7}">
-              <ma14:placeholderFlag xmlns:ma14="http://schemas.microsoft.com/office/mac/drawingml/2011/main" xmlns="" val="1"/>
+              <ma14:placeholderFlag xmlns="" xmlns:ma14="http://schemas.microsoft.com/office/mac/drawingml/2011/main" val="1"/>
             </a:ext>
           </a:extLst>
         </p:spPr>
@@ -311,14 +1383,14 @@
           <a:effectLst/>
           <a:extLst>
             <a:ext uri="{909E8E84-426E-40dd-AFC4-6F175D3DCCD1}">
-              <a14:hiddenFill xmlns:a14="http://schemas.microsoft.com/office/drawing/2010/main" xmlns="">
+              <a14:hiddenFill xmlns="" xmlns:a14="http://schemas.microsoft.com/office/drawing/2010/main">
                 <a:solidFill>
                   <a:schemeClr val="accent1"/>
                 </a:solidFill>
               </a14:hiddenFill>
             </a:ext>
             <a:ext uri="{91240B29-F687-4f45-9708-019B960494DF}">
-              <a14:hiddenLine xmlns:a14="http://schemas.microsoft.com/office/drawing/2010/main" xmlns="" w="9525">
+              <a14:hiddenLine xmlns="" xmlns:a14="http://schemas.microsoft.com/office/drawing/2010/main" w="9525">
                 <a:solidFill>
                   <a:schemeClr val="tx1"/>
                 </a:solidFill>
@@ -328,7 +1400,7 @@
               </a14:hiddenLine>
             </a:ext>
             <a:ext uri="{AF507438-7753-43e0-B8FC-AC1667EBCBE1}">
-              <a14:hiddenEffects xmlns:a14="http://schemas.microsoft.com/office/drawing/2010/main" xmlns="">
+              <a14:hiddenEffects xmlns="" xmlns:a14="http://schemas.microsoft.com/office/drawing/2010/main">
                 <a:effectLst>
                   <a:outerShdw blurRad="63500" dist="38099" dir="2700000" algn="ctr" rotWithShape="0">
                     <a:schemeClr val="bg2">
@@ -339,7 +1411,7 @@
               </a14:hiddenEffects>
             </a:ext>
             <a:ext uri="{FAA26D3D-D897-4be2-8F04-BA451C77F1D7}">
-              <ma14:placeholderFlag xmlns:ma14="http://schemas.microsoft.com/office/mac/drawingml/2011/main" xmlns="" val="1"/>
+              <ma14:placeholderFlag xmlns="" xmlns:ma14="http://schemas.microsoft.com/office/mac/drawingml/2011/main" val="1"/>
             </a:ext>
           </a:extLst>
         </p:spPr>
@@ -396,14 +1468,14 @@
           <a:effectLst/>
           <a:extLst>
             <a:ext uri="{909E8E84-426E-40dd-AFC4-6F175D3DCCD1}">
-              <a14:hiddenFill xmlns:a14="http://schemas.microsoft.com/office/drawing/2010/main" xmlns="">
+              <a14:hiddenFill xmlns="" xmlns:a14="http://schemas.microsoft.com/office/drawing/2010/main">
                 <a:solidFill>
                   <a:schemeClr val="accent1"/>
                 </a:solidFill>
               </a14:hiddenFill>
             </a:ext>
             <a:ext uri="{91240B29-F687-4f45-9708-019B960494DF}">
-              <a14:hiddenLine xmlns:a14="http://schemas.microsoft.com/office/drawing/2010/main" xmlns="" w="9525">
+              <a14:hiddenLine xmlns="" xmlns:a14="http://schemas.microsoft.com/office/drawing/2010/main" w="9525">
                 <a:solidFill>
                   <a:schemeClr val="tx1"/>
                 </a:solidFill>
@@ -413,7 +1485,7 @@
               </a14:hiddenLine>
             </a:ext>
             <a:ext uri="{AF507438-7753-43e0-B8FC-AC1667EBCBE1}">
-              <a14:hiddenEffects xmlns:a14="http://schemas.microsoft.com/office/drawing/2010/main" xmlns="">
+              <a14:hiddenEffects xmlns="" xmlns:a14="http://schemas.microsoft.com/office/drawing/2010/main">
                 <a:effectLst>
                   <a:outerShdw blurRad="63500" dist="38099" dir="2700000" algn="ctr" rotWithShape="0">
                     <a:schemeClr val="bg2">
@@ -424,7 +1496,7 @@
               </a14:hiddenEffects>
             </a:ext>
             <a:ext uri="{FAA26D3D-D897-4be2-8F04-BA451C77F1D7}">
-              <ma14:placeholderFlag xmlns:ma14="http://schemas.microsoft.com/office/mac/drawingml/2011/main" xmlns="" val="1"/>
+              <ma14:placeholderFlag xmlns="" xmlns:ma14="http://schemas.microsoft.com/office/mac/drawingml/2011/main" val="1"/>
             </a:ext>
           </a:extLst>
         </p:spPr>
@@ -481,14 +1553,14 @@
           <a:effectLst/>
           <a:extLst>
             <a:ext uri="{909E8E84-426E-40dd-AFC4-6F175D3DCCD1}">
-              <a14:hiddenFill xmlns:a14="http://schemas.microsoft.com/office/drawing/2010/main" xmlns="">
+              <a14:hiddenFill xmlns="" xmlns:a14="http://schemas.microsoft.com/office/drawing/2010/main">
                 <a:solidFill>
                   <a:schemeClr val="accent1"/>
                 </a:solidFill>
               </a14:hiddenFill>
             </a:ext>
             <a:ext uri="{91240B29-F687-4f45-9708-019B960494DF}">
-              <a14:hiddenLine xmlns:a14="http://schemas.microsoft.com/office/drawing/2010/main" xmlns="" w="9525">
+              <a14:hiddenLine xmlns="" xmlns:a14="http://schemas.microsoft.com/office/drawing/2010/main" w="9525">
                 <a:solidFill>
                   <a:schemeClr val="tx1"/>
                 </a:solidFill>
@@ -498,7 +1570,7 @@
               </a14:hiddenLine>
             </a:ext>
             <a:ext uri="{AF507438-7753-43e0-B8FC-AC1667EBCBE1}">
-              <a14:hiddenEffects xmlns:a14="http://schemas.microsoft.com/office/drawing/2010/main" xmlns="">
+              <a14:hiddenEffects xmlns="" xmlns:a14="http://schemas.microsoft.com/office/drawing/2010/main">
                 <a:effectLst>
                   <a:outerShdw blurRad="63500" dist="38099" dir="2700000" algn="ctr" rotWithShape="0">
                     <a:schemeClr val="bg2">
@@ -509,7 +1581,7 @@
               </a14:hiddenEffects>
             </a:ext>
             <a:ext uri="{FAA26D3D-D897-4be2-8F04-BA451C77F1D7}">
-              <ma14:placeholderFlag xmlns:ma14="http://schemas.microsoft.com/office/mac/drawingml/2011/main" xmlns="" val="1"/>
+              <ma14:placeholderFlag xmlns="" xmlns:ma14="http://schemas.microsoft.com/office/mac/drawingml/2011/main" val="1"/>
             </a:ext>
           </a:extLst>
         </p:spPr>
@@ -603,14 +1675,14 @@
           <a:effectLst/>
           <a:extLst>
             <a:ext uri="{909E8E84-426E-40dd-AFC4-6F175D3DCCD1}">
-              <a14:hiddenFill xmlns:a14="http://schemas.microsoft.com/office/drawing/2010/main" xmlns="">
+              <a14:hiddenFill xmlns="" xmlns:a14="http://schemas.microsoft.com/office/drawing/2010/main">
                 <a:solidFill>
                   <a:schemeClr val="accent1"/>
                 </a:solidFill>
               </a14:hiddenFill>
             </a:ext>
             <a:ext uri="{91240B29-F687-4f45-9708-019B960494DF}">
-              <a14:hiddenLine xmlns:a14="http://schemas.microsoft.com/office/drawing/2010/main" xmlns="" w="9525">
+              <a14:hiddenLine xmlns="" xmlns:a14="http://schemas.microsoft.com/office/drawing/2010/main" w="9525">
                 <a:solidFill>
                   <a:schemeClr val="tx1"/>
                 </a:solidFill>
@@ -620,7 +1692,7 @@
               </a14:hiddenLine>
             </a:ext>
             <a:ext uri="{AF507438-7753-43e0-B8FC-AC1667EBCBE1}">
-              <a14:hiddenEffects xmlns:a14="http://schemas.microsoft.com/office/drawing/2010/main" xmlns="">
+              <a14:hiddenEffects xmlns="" xmlns:a14="http://schemas.microsoft.com/office/drawing/2010/main">
                 <a:effectLst>
                   <a:outerShdw blurRad="63500" dist="38099" dir="2700000" algn="ctr" rotWithShape="0">
                     <a:schemeClr val="bg2">
@@ -631,7 +1703,7 @@
               </a14:hiddenEffects>
             </a:ext>
             <a:ext uri="{FAA26D3D-D897-4be2-8F04-BA451C77F1D7}">
-              <ma14:placeholderFlag xmlns:ma14="http://schemas.microsoft.com/office/mac/drawingml/2011/main" xmlns="" val="1"/>
+              <ma14:placeholderFlag xmlns="" xmlns:ma14="http://schemas.microsoft.com/office/mac/drawingml/2011/main" val="1"/>
             </a:ext>
           </a:extLst>
         </p:spPr>
@@ -688,14 +1760,14 @@
           <a:effectLst/>
           <a:extLst>
             <a:ext uri="{909E8E84-426E-40dd-AFC4-6F175D3DCCD1}">
-              <a14:hiddenFill xmlns:a14="http://schemas.microsoft.com/office/drawing/2010/main" xmlns="">
+              <a14:hiddenFill xmlns="" xmlns:a14="http://schemas.microsoft.com/office/drawing/2010/main">
                 <a:solidFill>
                   <a:schemeClr val="accent1"/>
                 </a:solidFill>
               </a14:hiddenFill>
             </a:ext>
             <a:ext uri="{91240B29-F687-4f45-9708-019B960494DF}">
-              <a14:hiddenLine xmlns:a14="http://schemas.microsoft.com/office/drawing/2010/main" xmlns="" w="9525">
+              <a14:hiddenLine xmlns="" xmlns:a14="http://schemas.microsoft.com/office/drawing/2010/main" w="9525">
                 <a:solidFill>
                   <a:schemeClr val="tx1"/>
                 </a:solidFill>
@@ -705,7 +1777,7 @@
               </a14:hiddenLine>
             </a:ext>
             <a:ext uri="{AF507438-7753-43e0-B8FC-AC1667EBCBE1}">
-              <a14:hiddenEffects xmlns:a14="http://schemas.microsoft.com/office/drawing/2010/main" xmlns="">
+              <a14:hiddenEffects xmlns="" xmlns:a14="http://schemas.microsoft.com/office/drawing/2010/main">
                 <a:effectLst>
                   <a:outerShdw blurRad="63500" dist="38099" dir="2700000" algn="ctr" rotWithShape="0">
                     <a:schemeClr val="bg2">
@@ -716,7 +1788,7 @@
               </a14:hiddenEffects>
             </a:ext>
             <a:ext uri="{FAA26D3D-D897-4be2-8F04-BA451C77F1D7}">
-              <ma14:placeholderFlag xmlns:ma14="http://schemas.microsoft.com/office/mac/drawingml/2011/main" xmlns="" val="1"/>
+              <ma14:placeholderFlag xmlns="" xmlns:ma14="http://schemas.microsoft.com/office/mac/drawingml/2011/main" val="1"/>
             </a:ext>
           </a:extLst>
         </p:spPr>
@@ -778,7 +1850,7 @@
           <a:effectLst/>
           <a:extLst>
             <a:ext uri="{AF507438-7753-43e0-B8FC-AC1667EBCBE1}">
-              <a14:hiddenEffects xmlns:a14="http://schemas.microsoft.com/office/drawing/2010/main" xmlns="">
+              <a14:hiddenEffects xmlns="" xmlns:a14="http://schemas.microsoft.com/office/drawing/2010/main">
                 <a:effectLst>
                   <a:outerShdw blurRad="63500" dist="38099" dir="2700000" algn="ctr" rotWithShape="0">
                     <a:srgbClr val="000000">
@@ -789,7 +1861,7 @@
               </a14:hiddenEffects>
             </a:ext>
             <a:ext uri="{53640926-AAD7-44d8-BBD7-CCE9431645EC}">
-              <a14:shadowObscured xmlns:a14="http://schemas.microsoft.com/office/drawing/2010/main" xmlns="" val="1"/>
+              <a14:shadowObscured xmlns="" xmlns:a14="http://schemas.microsoft.com/office/drawing/2010/main" val="1"/>
             </a:ext>
           </a:extLst>
         </p:spPr>
@@ -819,14 +1891,14 @@
           <a:effectLst/>
           <a:extLst>
             <a:ext uri="{909E8E84-426E-40dd-AFC4-6F175D3DCCD1}">
-              <a14:hiddenFill xmlns:a14="http://schemas.microsoft.com/office/drawing/2010/main" xmlns="">
+              <a14:hiddenFill xmlns="" xmlns:a14="http://schemas.microsoft.com/office/drawing/2010/main">
                 <a:solidFill>
                   <a:schemeClr val="accent1"/>
                 </a:solidFill>
               </a14:hiddenFill>
             </a:ext>
             <a:ext uri="{91240B29-F687-4f45-9708-019B960494DF}">
-              <a14:hiddenLine xmlns:a14="http://schemas.microsoft.com/office/drawing/2010/main" xmlns="" w="9525">
+              <a14:hiddenLine xmlns="" xmlns:a14="http://schemas.microsoft.com/office/drawing/2010/main" w="9525">
                 <a:solidFill>
                   <a:schemeClr val="tx1"/>
                 </a:solidFill>
@@ -836,7 +1908,7 @@
               </a14:hiddenLine>
             </a:ext>
             <a:ext uri="{AF507438-7753-43e0-B8FC-AC1667EBCBE1}">
-              <a14:hiddenEffects xmlns:a14="http://schemas.microsoft.com/office/drawing/2010/main" xmlns="">
+              <a14:hiddenEffects xmlns="" xmlns:a14="http://schemas.microsoft.com/office/drawing/2010/main">
                 <a:effectLst>
                   <a:outerShdw blurRad="63500" dist="38099" dir="2700000" algn="ctr" rotWithShape="0">
                     <a:schemeClr val="bg2">
@@ -847,7 +1919,7 @@
               </a14:hiddenEffects>
             </a:ext>
             <a:ext uri="{FAA26D3D-D897-4be2-8F04-BA451C77F1D7}">
-              <ma14:placeholderFlag xmlns:ma14="http://schemas.microsoft.com/office/mac/drawingml/2011/main" xmlns="" val="1"/>
+              <ma14:placeholderFlag xmlns="" xmlns:ma14="http://schemas.microsoft.com/office/mac/drawingml/2011/main" val="1"/>
             </a:ext>
           </a:extLst>
         </p:spPr>
@@ -920,14 +1992,14 @@
           <a:effectLst/>
           <a:extLst>
             <a:ext uri="{909E8E84-426E-40dd-AFC4-6F175D3DCCD1}">
-              <a14:hiddenFill xmlns:a14="http://schemas.microsoft.com/office/drawing/2010/main" xmlns="">
+              <a14:hiddenFill xmlns="" xmlns:a14="http://schemas.microsoft.com/office/drawing/2010/main">
                 <a:solidFill>
                   <a:schemeClr val="accent1"/>
                 </a:solidFill>
               </a14:hiddenFill>
             </a:ext>
             <a:ext uri="{91240B29-F687-4f45-9708-019B960494DF}">
-              <a14:hiddenLine xmlns:a14="http://schemas.microsoft.com/office/drawing/2010/main" xmlns="" w="9525">
+              <a14:hiddenLine xmlns="" xmlns:a14="http://schemas.microsoft.com/office/drawing/2010/main" w="9525">
                 <a:solidFill>
                   <a:schemeClr val="tx1"/>
                 </a:solidFill>
@@ -937,7 +2009,7 @@
               </a14:hiddenLine>
             </a:ext>
             <a:ext uri="{AF507438-7753-43e0-B8FC-AC1667EBCBE1}">
-              <a14:hiddenEffects xmlns:a14="http://schemas.microsoft.com/office/drawing/2010/main" xmlns="">
+              <a14:hiddenEffects xmlns="" xmlns:a14="http://schemas.microsoft.com/office/drawing/2010/main">
                 <a:effectLst>
                   <a:outerShdw blurRad="63500" dist="38099" dir="2700000" algn="ctr" rotWithShape="0">
                     <a:schemeClr val="bg2">
@@ -948,7 +2020,7 @@
               </a14:hiddenEffects>
             </a:ext>
             <a:ext uri="{FAA26D3D-D897-4be2-8F04-BA451C77F1D7}">
-              <ma14:placeholderFlag xmlns:ma14="http://schemas.microsoft.com/office/mac/drawingml/2011/main" xmlns="" val="1"/>
+              <ma14:placeholderFlag xmlns="" xmlns:ma14="http://schemas.microsoft.com/office/mac/drawingml/2011/main" val="1"/>
             </a:ext>
           </a:extLst>
         </p:spPr>
@@ -1005,14 +2077,14 @@
           <a:effectLst/>
           <a:extLst>
             <a:ext uri="{909E8E84-426E-40dd-AFC4-6F175D3DCCD1}">
-              <a14:hiddenFill xmlns:a14="http://schemas.microsoft.com/office/drawing/2010/main" xmlns="">
+              <a14:hiddenFill xmlns="" xmlns:a14="http://schemas.microsoft.com/office/drawing/2010/main">
                 <a:solidFill>
                   <a:schemeClr val="accent1"/>
                 </a:solidFill>
               </a14:hiddenFill>
             </a:ext>
             <a:ext uri="{91240B29-F687-4f45-9708-019B960494DF}">
-              <a14:hiddenLine xmlns:a14="http://schemas.microsoft.com/office/drawing/2010/main" xmlns="" w="9525">
+              <a14:hiddenLine xmlns="" xmlns:a14="http://schemas.microsoft.com/office/drawing/2010/main" w="9525">
                 <a:solidFill>
                   <a:schemeClr val="tx1"/>
                 </a:solidFill>
@@ -1022,7 +2094,7 @@
               </a14:hiddenLine>
             </a:ext>
             <a:ext uri="{AF507438-7753-43e0-B8FC-AC1667EBCBE1}">
-              <a14:hiddenEffects xmlns:a14="http://schemas.microsoft.com/office/drawing/2010/main" xmlns="">
+              <a14:hiddenEffects xmlns="" xmlns:a14="http://schemas.microsoft.com/office/drawing/2010/main">
                 <a:effectLst>
                   <a:outerShdw blurRad="63500" dist="38099" dir="2700000" algn="ctr" rotWithShape="0">
                     <a:schemeClr val="bg2">
@@ -1033,7 +2105,7 @@
               </a14:hiddenEffects>
             </a:ext>
             <a:ext uri="{FAA26D3D-D897-4be2-8F04-BA451C77F1D7}">
-              <ma14:placeholderFlag xmlns:ma14="http://schemas.microsoft.com/office/mac/drawingml/2011/main" xmlns="" val="1"/>
+              <ma14:placeholderFlag xmlns="" xmlns:ma14="http://schemas.microsoft.com/office/mac/drawingml/2011/main" val="1"/>
             </a:ext>
           </a:extLst>
         </p:spPr>
@@ -1256,12 +2328,12 @@
           <a:effectLst/>
           <a:extLst>
             <a:ext uri="{909E8E84-426E-40dd-AFC4-6F175D3DCCD1}">
-              <a14:hiddenFill xmlns:a14="http://schemas.microsoft.com/office/drawing/2010/main" xmlns="">
+              <a14:hiddenFill xmlns="" xmlns:a14="http://schemas.microsoft.com/office/drawing/2010/main">
                 <a:noFill/>
               </a14:hiddenFill>
             </a:ext>
             <a:ext uri="{AF507438-7753-43e0-B8FC-AC1667EBCBE1}">
-              <a14:hiddenEffects xmlns:a14="http://schemas.microsoft.com/office/drawing/2010/main" xmlns="">
+              <a14:hiddenEffects xmlns="" xmlns:a14="http://schemas.microsoft.com/office/drawing/2010/main">
                 <a:effectLst>
                   <a:outerShdw blurRad="63500" dist="38099" dir="2700000" algn="ctr" rotWithShape="0">
                     <a:schemeClr val="bg2">
@@ -1315,12 +2387,12 @@
           <a:effectLst/>
           <a:extLst>
             <a:ext uri="{909E8E84-426E-40dd-AFC4-6F175D3DCCD1}">
-              <a14:hiddenFill xmlns:a14="http://schemas.microsoft.com/office/drawing/2010/main" xmlns="">
+              <a14:hiddenFill xmlns="" xmlns:a14="http://schemas.microsoft.com/office/drawing/2010/main">
                 <a:noFill/>
               </a14:hiddenFill>
             </a:ext>
             <a:ext uri="{AF507438-7753-43e0-B8FC-AC1667EBCBE1}">
-              <a14:hiddenEffects xmlns:a14="http://schemas.microsoft.com/office/drawing/2010/main" xmlns="">
+              <a14:hiddenEffects xmlns="" xmlns:a14="http://schemas.microsoft.com/office/drawing/2010/main">
                 <a:effectLst>
                   <a:outerShdw blurRad="63500" dist="38099" dir="2700000" algn="ctr" rotWithShape="0">
                     <a:schemeClr val="bg2">
@@ -1423,14 +2495,14 @@
           <a:effectLst/>
           <a:extLst>
             <a:ext uri="{909E8E84-426E-40dd-AFC4-6F175D3DCCD1}">
-              <a14:hiddenFill xmlns:a14="http://schemas.microsoft.com/office/drawing/2010/main" xmlns="">
+              <a14:hiddenFill xmlns="" xmlns:a14="http://schemas.microsoft.com/office/drawing/2010/main">
                 <a:solidFill>
                   <a:schemeClr val="accent1"/>
                 </a:solidFill>
               </a14:hiddenFill>
             </a:ext>
             <a:ext uri="{91240B29-F687-4f45-9708-019B960494DF}">
-              <a14:hiddenLine xmlns:a14="http://schemas.microsoft.com/office/drawing/2010/main" xmlns="" w="9525">
+              <a14:hiddenLine xmlns="" xmlns:a14="http://schemas.microsoft.com/office/drawing/2010/main" w="9525">
                 <a:solidFill>
                   <a:schemeClr val="tx1"/>
                 </a:solidFill>
@@ -1440,7 +2512,7 @@
               </a14:hiddenLine>
             </a:ext>
             <a:ext uri="{AF507438-7753-43e0-B8FC-AC1667EBCBE1}">
-              <a14:hiddenEffects xmlns:a14="http://schemas.microsoft.com/office/drawing/2010/main" xmlns="">
+              <a14:hiddenEffects xmlns="" xmlns:a14="http://schemas.microsoft.com/office/drawing/2010/main">
                 <a:effectLst>
                   <a:outerShdw blurRad="63500" dist="38099" dir="2700000" algn="ctr" rotWithShape="0">
                     <a:schemeClr val="bg2">
@@ -1805,14 +2877,14 @@
           </a:xfrm>
           <a:extLst>
             <a:ext uri="{909E8E84-426E-40dd-AFC4-6F175D3DCCD1}">
-              <a14:hiddenFill xmlns:a14="http://schemas.microsoft.com/office/drawing/2010/main" xmlns="">
+              <a14:hiddenFill xmlns="" xmlns:a14="http://schemas.microsoft.com/office/drawing/2010/main">
                 <a:solidFill>
                   <a:schemeClr val="accent1"/>
                 </a:solidFill>
               </a14:hiddenFill>
             </a:ext>
             <a:ext uri="{91240B29-F687-4f45-9708-019B960494DF}">
-              <a14:hiddenLine xmlns:a14="http://schemas.microsoft.com/office/drawing/2010/main" xmlns="" w="9525">
+              <a14:hiddenLine xmlns="" xmlns:a14="http://schemas.microsoft.com/office/drawing/2010/main" w="9525">
                 <a:solidFill>
                   <a:schemeClr val="tx1"/>
                 </a:solidFill>
@@ -1822,7 +2894,7 @@
               </a14:hiddenLine>
             </a:ext>
             <a:ext uri="{AF507438-7753-43e0-B8FC-AC1667EBCBE1}">
-              <a14:hiddenEffects xmlns:a14="http://schemas.microsoft.com/office/drawing/2010/main" xmlns="">
+              <a14:hiddenEffects xmlns="" xmlns:a14="http://schemas.microsoft.com/office/drawing/2010/main">
                 <a:effectLst>
                   <a:outerShdw blurRad="63500" dist="38099" dir="2700000" algn="ctr" rotWithShape="0">
                     <a:schemeClr val="bg2">
@@ -1833,7 +2905,7 @@
               </a14:hiddenEffects>
             </a:ext>
             <a:ext uri="{FAA26D3D-D897-4be2-8F04-BA451C77F1D7}">
-              <ma14:placeholderFlag xmlns:ma14="http://schemas.microsoft.com/office/mac/drawingml/2011/main" xmlns="" val="1"/>
+              <ma14:placeholderFlag xmlns="" xmlns:ma14="http://schemas.microsoft.com/office/mac/drawingml/2011/main" val="1"/>
             </a:ext>
           </a:extLst>
         </p:spPr>
@@ -3875,14 +4947,14 @@
           <a:effectLst/>
           <a:extLst>
             <a:ext uri="{909E8E84-426E-40dd-AFC4-6F175D3DCCD1}">
-              <a14:hiddenFill xmlns:a14="http://schemas.microsoft.com/office/drawing/2010/main" xmlns="">
+              <a14:hiddenFill xmlns="" xmlns:a14="http://schemas.microsoft.com/office/drawing/2010/main">
                 <a:solidFill>
                   <a:schemeClr val="accent1"/>
                 </a:solidFill>
               </a14:hiddenFill>
             </a:ext>
             <a:ext uri="{91240B29-F687-4f45-9708-019B960494DF}">
-              <a14:hiddenLine xmlns:a14="http://schemas.microsoft.com/office/drawing/2010/main" xmlns="" w="9525">
+              <a14:hiddenLine xmlns="" xmlns:a14="http://schemas.microsoft.com/office/drawing/2010/main" w="9525">
                 <a:solidFill>
                   <a:schemeClr val="tx1"/>
                 </a:solidFill>
@@ -3892,7 +4964,7 @@
               </a14:hiddenLine>
             </a:ext>
             <a:ext uri="{AF507438-7753-43e0-B8FC-AC1667EBCBE1}">
-              <a14:hiddenEffects xmlns:a14="http://schemas.microsoft.com/office/drawing/2010/main" xmlns="">
+              <a14:hiddenEffects xmlns="" xmlns:a14="http://schemas.microsoft.com/office/drawing/2010/main">
                 <a:effectLst>
                   <a:outerShdw blurRad="63500" dist="38099" dir="2700000" algn="ctr" rotWithShape="0">
                     <a:schemeClr val="bg2">
@@ -3903,7 +4975,7 @@
               </a14:hiddenEffects>
             </a:ext>
             <a:ext uri="{FAA26D3D-D897-4be2-8F04-BA451C77F1D7}">
-              <ma14:placeholderFlag xmlns:ma14="http://schemas.microsoft.com/office/mac/drawingml/2011/main" xmlns="" val="1"/>
+              <ma14:placeholderFlag xmlns="" xmlns:ma14="http://schemas.microsoft.com/office/mac/drawingml/2011/main" val="1"/>
             </a:ext>
           </a:extLst>
         </p:spPr>
@@ -4018,14 +5090,14 @@
           <a:effectLst/>
           <a:extLst>
             <a:ext uri="{909E8E84-426E-40dd-AFC4-6F175D3DCCD1}">
-              <a14:hiddenFill xmlns:a14="http://schemas.microsoft.com/office/drawing/2010/main" xmlns="">
+              <a14:hiddenFill xmlns="" xmlns:a14="http://schemas.microsoft.com/office/drawing/2010/main">
                 <a:solidFill>
                   <a:schemeClr val="accent1"/>
                 </a:solidFill>
               </a14:hiddenFill>
             </a:ext>
             <a:ext uri="{91240B29-F687-4f45-9708-019B960494DF}">
-              <a14:hiddenLine xmlns:a14="http://schemas.microsoft.com/office/drawing/2010/main" xmlns="" w="9525">
+              <a14:hiddenLine xmlns="" xmlns:a14="http://schemas.microsoft.com/office/drawing/2010/main" w="9525">
                 <a:solidFill>
                   <a:schemeClr val="tx1"/>
                 </a:solidFill>
@@ -4035,7 +5107,7 @@
               </a14:hiddenLine>
             </a:ext>
             <a:ext uri="{AF507438-7753-43e0-B8FC-AC1667EBCBE1}">
-              <a14:hiddenEffects xmlns:a14="http://schemas.microsoft.com/office/drawing/2010/main" xmlns="">
+              <a14:hiddenEffects xmlns="" xmlns:a14="http://schemas.microsoft.com/office/drawing/2010/main">
                 <a:effectLst>
                   <a:outerShdw blurRad="63500" dist="38099" dir="2700000" algn="ctr" rotWithShape="0">
                     <a:schemeClr val="bg2">
@@ -4046,7 +5118,7 @@
               </a14:hiddenEffects>
             </a:ext>
             <a:ext uri="{FAA26D3D-D897-4be2-8F04-BA451C77F1D7}">
-              <ma14:placeholderFlag xmlns:ma14="http://schemas.microsoft.com/office/mac/drawingml/2011/main" xmlns="" val="1"/>
+              <ma14:placeholderFlag xmlns="" xmlns:ma14="http://schemas.microsoft.com/office/mac/drawingml/2011/main" val="1"/>
             </a:ext>
           </a:extLst>
         </p:spPr>
@@ -4091,14 +5163,14 @@
           <a:effectLst/>
           <a:extLst>
             <a:ext uri="{909E8E84-426E-40dd-AFC4-6F175D3DCCD1}">
-              <a14:hiddenFill xmlns:a14="http://schemas.microsoft.com/office/drawing/2010/main" xmlns="">
+              <a14:hiddenFill xmlns="" xmlns:a14="http://schemas.microsoft.com/office/drawing/2010/main">
                 <a:solidFill>
                   <a:schemeClr val="accent1"/>
                 </a:solidFill>
               </a14:hiddenFill>
             </a:ext>
             <a:ext uri="{91240B29-F687-4f45-9708-019B960494DF}">
-              <a14:hiddenLine xmlns:a14="http://schemas.microsoft.com/office/drawing/2010/main" xmlns="" w="9525">
+              <a14:hiddenLine xmlns="" xmlns:a14="http://schemas.microsoft.com/office/drawing/2010/main" w="9525">
                 <a:solidFill>
                   <a:schemeClr val="tx1"/>
                 </a:solidFill>
@@ -4108,7 +5180,7 @@
               </a14:hiddenLine>
             </a:ext>
             <a:ext uri="{AF507438-7753-43e0-B8FC-AC1667EBCBE1}">
-              <a14:hiddenEffects xmlns:a14="http://schemas.microsoft.com/office/drawing/2010/main" xmlns="">
+              <a14:hiddenEffects xmlns="" xmlns:a14="http://schemas.microsoft.com/office/drawing/2010/main">
                 <a:effectLst>
                   <a:outerShdw blurRad="63500" dist="38099" dir="2700000" algn="ctr" rotWithShape="0">
                     <a:schemeClr val="bg2">
@@ -4119,7 +5191,7 @@
               </a14:hiddenEffects>
             </a:ext>
             <a:ext uri="{FAA26D3D-D897-4be2-8F04-BA451C77F1D7}">
-              <ma14:placeholderFlag xmlns:ma14="http://schemas.microsoft.com/office/mac/drawingml/2011/main" xmlns="" val="1"/>
+              <ma14:placeholderFlag xmlns="" xmlns:ma14="http://schemas.microsoft.com/office/mac/drawingml/2011/main" val="1"/>
             </a:ext>
           </a:extLst>
         </p:spPr>
@@ -4634,14 +5706,14 @@
           <a:effectLst/>
           <a:extLst>
             <a:ext uri="{909E8E84-426E-40dd-AFC4-6F175D3DCCD1}">
-              <a14:hiddenFill xmlns:a14="http://schemas.microsoft.com/office/drawing/2010/main" xmlns="">
+              <a14:hiddenFill xmlns="" xmlns:a14="http://schemas.microsoft.com/office/drawing/2010/main">
                 <a:solidFill>
                   <a:schemeClr val="accent1"/>
                 </a:solidFill>
               </a14:hiddenFill>
             </a:ext>
             <a:ext uri="{91240B29-F687-4f45-9708-019B960494DF}">
-              <a14:hiddenLine xmlns:a14="http://schemas.microsoft.com/office/drawing/2010/main" xmlns="" w="9525">
+              <a14:hiddenLine xmlns="" xmlns:a14="http://schemas.microsoft.com/office/drawing/2010/main" w="9525">
                 <a:solidFill>
                   <a:schemeClr val="tx1"/>
                 </a:solidFill>
@@ -4651,7 +5723,7 @@
               </a14:hiddenLine>
             </a:ext>
             <a:ext uri="{AF507438-7753-43e0-B8FC-AC1667EBCBE1}">
-              <a14:hiddenEffects xmlns:a14="http://schemas.microsoft.com/office/drawing/2010/main" xmlns="">
+              <a14:hiddenEffects xmlns="" xmlns:a14="http://schemas.microsoft.com/office/drawing/2010/main">
                 <a:effectLst>
                   <a:outerShdw blurRad="63500" dist="38099" dir="2700000" algn="ctr" rotWithShape="0">
                     <a:schemeClr val="bg2">
@@ -4802,14 +5874,14 @@
         <p:spPr>
           <a:extLst>
             <a:ext uri="{909E8E84-426E-40dd-AFC4-6F175D3DCCD1}">
-              <a14:hiddenFill xmlns:a14="http://schemas.microsoft.com/office/drawing/2010/main" xmlns="">
+              <a14:hiddenFill xmlns="" xmlns:a14="http://schemas.microsoft.com/office/drawing/2010/main">
                 <a:solidFill>
                   <a:schemeClr val="accent1"/>
                 </a:solidFill>
               </a14:hiddenFill>
             </a:ext>
             <a:ext uri="{91240B29-F687-4f45-9708-019B960494DF}">
-              <a14:hiddenLine xmlns:a14="http://schemas.microsoft.com/office/drawing/2010/main" xmlns="" w="9525">
+              <a14:hiddenLine xmlns="" xmlns:a14="http://schemas.microsoft.com/office/drawing/2010/main" w="9525">
                 <a:solidFill>
                   <a:schemeClr val="tx1"/>
                 </a:solidFill>
@@ -4819,7 +5891,7 @@
               </a14:hiddenLine>
             </a:ext>
             <a:ext uri="{AF507438-7753-43e0-B8FC-AC1667EBCBE1}">
-              <a14:hiddenEffects xmlns:a14="http://schemas.microsoft.com/office/drawing/2010/main" xmlns="">
+              <a14:hiddenEffects xmlns="" xmlns:a14="http://schemas.microsoft.com/office/drawing/2010/main">
                 <a:effectLst>
                   <a:outerShdw blurRad="63500" dist="38099" dir="2700000" algn="ctr" rotWithShape="0">
                     <a:schemeClr val="bg2">
@@ -4830,7 +5902,7 @@
               </a14:hiddenEffects>
             </a:ext>
             <a:ext uri="{FAA26D3D-D897-4be2-8F04-BA451C77F1D7}">
-              <ma14:placeholderFlag xmlns:ma14="http://schemas.microsoft.com/office/mac/drawingml/2011/main" xmlns="" val="1"/>
+              <ma14:placeholderFlag xmlns="" xmlns:ma14="http://schemas.microsoft.com/office/mac/drawingml/2011/main" val="1"/>
             </a:ext>
           </a:extLst>
         </p:spPr>
@@ -4885,14 +5957,14 @@
           </a:xfrm>
           <a:extLst>
             <a:ext uri="{909E8E84-426E-40dd-AFC4-6F175D3DCCD1}">
-              <a14:hiddenFill xmlns:a14="http://schemas.microsoft.com/office/drawing/2010/main" xmlns="">
+              <a14:hiddenFill xmlns="" xmlns:a14="http://schemas.microsoft.com/office/drawing/2010/main">
                 <a:solidFill>
                   <a:schemeClr val="accent1"/>
                 </a:solidFill>
               </a14:hiddenFill>
             </a:ext>
             <a:ext uri="{91240B29-F687-4f45-9708-019B960494DF}">
-              <a14:hiddenLine xmlns:a14="http://schemas.microsoft.com/office/drawing/2010/main" xmlns="" w="9525">
+              <a14:hiddenLine xmlns="" xmlns:a14="http://schemas.microsoft.com/office/drawing/2010/main" w="9525">
                 <a:solidFill>
                   <a:schemeClr val="tx1"/>
                 </a:solidFill>
@@ -4902,7 +5974,7 @@
               </a14:hiddenLine>
             </a:ext>
             <a:ext uri="{AF507438-7753-43e0-B8FC-AC1667EBCBE1}">
-              <a14:hiddenEffects xmlns:a14="http://schemas.microsoft.com/office/drawing/2010/main" xmlns="">
+              <a14:hiddenEffects xmlns="" xmlns:a14="http://schemas.microsoft.com/office/drawing/2010/main">
                 <a:effectLst>
                   <a:outerShdw blurRad="63500" dist="38099" dir="2700000" algn="ctr" rotWithShape="0">
                     <a:schemeClr val="bg2">
@@ -4913,7 +5985,7 @@
               </a14:hiddenEffects>
             </a:ext>
             <a:ext uri="{FAA26D3D-D897-4be2-8F04-BA451C77F1D7}">
-              <ma14:placeholderFlag xmlns:ma14="http://schemas.microsoft.com/office/mac/drawingml/2011/main" xmlns="" val="1"/>
+              <ma14:placeholderFlag xmlns="" xmlns:ma14="http://schemas.microsoft.com/office/mac/drawingml/2011/main" val="1"/>
             </a:ext>
           </a:extLst>
         </p:spPr>
@@ -4970,6 +6042,434 @@
       </p:par>
     </p:tnLst>
   </p:timing>
+</p:sld>
+</file>
+
+<file path=ppt/slides/slide10.xml><?xml version="1.0" encoding="utf-8"?>
+<p:sld xmlns:a="http://schemas.openxmlformats.org/drawingml/2006/main" xmlns:r="http://schemas.openxmlformats.org/officeDocument/2006/relationships" xmlns:p="http://schemas.openxmlformats.org/presentationml/2006/main">
+  <p:cSld>
+    <p:spTree>
+      <p:nvGrpSpPr>
+        <p:cNvPr id="1" name=""/>
+        <p:cNvGrpSpPr/>
+        <p:nvPr/>
+      </p:nvGrpSpPr>
+      <p:grpSpPr>
+        <a:xfrm>
+          <a:off x="0" y="0"/>
+          <a:ext cx="0" cy="0"/>
+          <a:chOff x="0" y="0"/>
+          <a:chExt cx="0" cy="0"/>
+        </a:xfrm>
+      </p:grpSpPr>
+      <p:sp>
+        <p:nvSpPr>
+          <p:cNvPr id="2" name="Titel 1"/>
+          <p:cNvSpPr>
+            <a:spLocks noGrp="1"/>
+          </p:cNvSpPr>
+          <p:nvPr>
+            <p:ph type="title"/>
+          </p:nvPr>
+        </p:nvSpPr>
+        <p:spPr/>
+        <p:txBody>
+          <a:bodyPr/>
+          <a:lstStyle/>
+          <a:p>
+            <a:endParaRPr lang="de-DE"/>
+          </a:p>
+        </p:txBody>
+      </p:sp>
+      <p:sp>
+        <p:nvSpPr>
+          <p:cNvPr id="3" name="Inhaltsplatzhalter 2"/>
+          <p:cNvSpPr>
+            <a:spLocks noGrp="1"/>
+          </p:cNvSpPr>
+          <p:nvPr>
+            <p:ph idx="1"/>
+          </p:nvPr>
+        </p:nvSpPr>
+        <p:spPr/>
+        <p:txBody>
+          <a:bodyPr/>
+          <a:lstStyle/>
+          <a:p>
+            <a:endParaRPr lang="de-DE"/>
+          </a:p>
+        </p:txBody>
+      </p:sp>
+    </p:spTree>
+    <p:extLst>
+      <p:ext uri="{BB962C8B-B14F-4D97-AF65-F5344CB8AC3E}">
+        <p14:creationId xmlns:p14="http://schemas.microsoft.com/office/powerpoint/2010/main" val="145690608"/>
+      </p:ext>
+    </p:extLst>
+  </p:cSld>
+  <p:clrMapOvr>
+    <a:masterClrMapping/>
+  </p:clrMapOvr>
+</p:sld>
+</file>
+
+<file path=ppt/slides/slide11.xml><?xml version="1.0" encoding="utf-8"?>
+<p:sld xmlns:a="http://schemas.openxmlformats.org/drawingml/2006/main" xmlns:r="http://schemas.openxmlformats.org/officeDocument/2006/relationships" xmlns:p="http://schemas.openxmlformats.org/presentationml/2006/main">
+  <p:cSld>
+    <p:spTree>
+      <p:nvGrpSpPr>
+        <p:cNvPr id="1" name=""/>
+        <p:cNvGrpSpPr/>
+        <p:nvPr/>
+      </p:nvGrpSpPr>
+      <p:grpSpPr>
+        <a:xfrm>
+          <a:off x="0" y="0"/>
+          <a:ext cx="0" cy="0"/>
+          <a:chOff x="0" y="0"/>
+          <a:chExt cx="0" cy="0"/>
+        </a:xfrm>
+      </p:grpSpPr>
+      <p:sp>
+        <p:nvSpPr>
+          <p:cNvPr id="2" name="Titel 1"/>
+          <p:cNvSpPr>
+            <a:spLocks noGrp="1"/>
+          </p:cNvSpPr>
+          <p:nvPr>
+            <p:ph type="title"/>
+          </p:nvPr>
+        </p:nvSpPr>
+        <p:spPr/>
+        <p:txBody>
+          <a:bodyPr/>
+          <a:lstStyle/>
+          <a:p>
+            <a:r>
+              <a:rPr lang="de-DE" dirty="0" smtClean="0"/>
+              <a:t>Data </a:t>
+            </a:r>
+            <a:r>
+              <a:rPr lang="de-DE" dirty="0" err="1" smtClean="0"/>
+              <a:t>transfer</a:t>
+            </a:r>
+            <a:r>
+              <a:rPr lang="de-DE" dirty="0" smtClean="0"/>
+              <a:t> </a:t>
+            </a:r>
+            <a:r>
+              <a:rPr lang="de-DE" dirty="0" err="1" smtClean="0"/>
+              <a:t>vs</a:t>
+            </a:r>
+            <a:r>
+              <a:rPr lang="de-DE" dirty="0" smtClean="0"/>
+              <a:t> </a:t>
+            </a:r>
+            <a:r>
+              <a:rPr lang="de-DE" dirty="0" err="1" smtClean="0"/>
+              <a:t>calculation</a:t>
+            </a:r>
+            <a:r>
+              <a:rPr lang="de-DE" dirty="0" smtClean="0"/>
+              <a:t> time</a:t>
+            </a:r>
+            <a:endParaRPr lang="de-DE" dirty="0"/>
+          </a:p>
+        </p:txBody>
+      </p:sp>
+      <p:graphicFrame>
+        <p:nvGraphicFramePr>
+          <p:cNvPr id="4" name="Inhaltsplatzhalter 3"/>
+          <p:cNvGraphicFramePr>
+            <a:graphicFrameLocks noGrp="1"/>
+          </p:cNvGraphicFramePr>
+          <p:nvPr>
+            <p:ph idx="1"/>
+            <p:extLst>
+              <p:ext uri="{D42A27DB-BD31-4B8C-83A1-F6EECF244321}">
+                <p14:modId xmlns:p14="http://schemas.microsoft.com/office/powerpoint/2010/main" val="1719495331"/>
+              </p:ext>
+            </p:extLst>
+          </p:nvPr>
+        </p:nvGraphicFramePr>
+        <p:xfrm>
+          <a:off x="0" y="692696"/>
+          <a:ext cx="6048350" cy="5761061"/>
+        </p:xfrm>
+        <a:graphic>
+          <a:graphicData uri="http://schemas.openxmlformats.org/drawingml/2006/chart">
+            <c:chart xmlns:c="http://schemas.openxmlformats.org/drawingml/2006/chart" xmlns:r="http://schemas.openxmlformats.org/officeDocument/2006/relationships" r:id="rId2"/>
+          </a:graphicData>
+        </a:graphic>
+      </p:graphicFrame>
+      <p:sp>
+        <p:nvSpPr>
+          <p:cNvPr id="5" name="Rectangle 8"/>
+          <p:cNvSpPr txBox="1">
+            <a:spLocks noChangeArrowheads="1"/>
+          </p:cNvSpPr>
+          <p:nvPr/>
+        </p:nvSpPr>
+        <p:spPr bwMode="auto">
+          <a:xfrm>
+            <a:off x="5436096" y="2924944"/>
+            <a:ext cx="3672408" cy="1599209"/>
+          </a:xfrm>
+          <a:prstGeom prst="rect">
+            <a:avLst/>
+          </a:prstGeom>
+          <a:noFill/>
+          <a:ln>
+            <a:noFill/>
+          </a:ln>
+          <a:effectLst/>
+          <a:extLst>
+            <a:ext uri="{909E8E84-426E-40dd-AFC4-6F175D3DCCD1}">
+              <a14:hiddenFill xmlns="" xmlns:a14="http://schemas.microsoft.com/office/drawing/2010/main">
+                <a:solidFill>
+                  <a:schemeClr val="accent1"/>
+                </a:solidFill>
+              </a14:hiddenFill>
+            </a:ext>
+            <a:ext uri="{91240B29-F687-4f45-9708-019B960494DF}">
+              <a14:hiddenLine xmlns="" xmlns:a14="http://schemas.microsoft.com/office/drawing/2010/main" w="9525">
+                <a:solidFill>
+                  <a:schemeClr val="tx1"/>
+                </a:solidFill>
+                <a:miter lim="800000"/>
+                <a:headEnd/>
+                <a:tailEnd/>
+              </a14:hiddenLine>
+            </a:ext>
+            <a:ext uri="{AF507438-7753-43e0-B8FC-AC1667EBCBE1}">
+              <a14:hiddenEffects xmlns="" xmlns:a14="http://schemas.microsoft.com/office/drawing/2010/main">
+                <a:effectLst>
+                  <a:outerShdw blurRad="63500" dist="38099" dir="2700000" algn="ctr" rotWithShape="0">
+                    <a:schemeClr val="bg2">
+                      <a:alpha val="74998"/>
+                    </a:schemeClr>
+                  </a:outerShdw>
+                </a:effectLst>
+              </a14:hiddenEffects>
+            </a:ext>
+            <a:ext uri="{FAA26D3D-D897-4be2-8F04-BA451C77F1D7}">
+              <ma14:placeholderFlag xmlns="" xmlns:ma14="http://schemas.microsoft.com/office/mac/drawingml/2011/main" val="1"/>
+            </a:ext>
+          </a:extLst>
+        </p:spPr>
+        <p:txBody>
+          <a:bodyPr vert="horz" wrap="square" lIns="91440" tIns="45720" rIns="91440" bIns="45720" numCol="1" anchor="t" anchorCtr="0" compatLnSpc="1">
+            <a:prstTxWarp prst="textNoShape">
+              <a:avLst/>
+            </a:prstTxWarp>
+          </a:bodyPr>
+          <a:lstStyle>
+            <a:lvl1pPr marL="342900" indent="-342900" algn="l" defTabSz="361950" rtl="0" eaLnBrk="1" fontAlgn="base" hangingPunct="1">
+              <a:spcBef>
+                <a:spcPct val="50000"/>
+              </a:spcBef>
+              <a:spcAft>
+                <a:spcPct val="0"/>
+              </a:spcAft>
+              <a:defRPr>
+                <a:solidFill>
+                  <a:schemeClr val="tx1"/>
+                </a:solidFill>
+                <a:latin typeface="Univers Light"/>
+                <a:ea typeface="+mn-ea"/>
+                <a:cs typeface="Univers Light"/>
+              </a:defRPr>
+            </a:lvl1pPr>
+            <a:lvl2pPr marL="263525" indent="-261938" algn="l" defTabSz="361950" rtl="0" eaLnBrk="1" fontAlgn="base" hangingPunct="1">
+              <a:spcBef>
+                <a:spcPct val="50000"/>
+              </a:spcBef>
+              <a:spcAft>
+                <a:spcPct val="0"/>
+              </a:spcAft>
+              <a:buBlip>
+                <a:blip r:embed="rId3"/>
+              </a:buBlip>
+              <a:defRPr>
+                <a:solidFill>
+                  <a:schemeClr val="tx1"/>
+                </a:solidFill>
+                <a:latin typeface="Univers Light"/>
+                <a:ea typeface="+mn-ea"/>
+                <a:cs typeface="Univers Light"/>
+              </a:defRPr>
+            </a:lvl2pPr>
+            <a:lvl3pPr marL="712788" indent="-269875" algn="l" defTabSz="361950" rtl="0" eaLnBrk="1" fontAlgn="base" hangingPunct="1">
+              <a:spcBef>
+                <a:spcPct val="50000"/>
+              </a:spcBef>
+              <a:spcAft>
+                <a:spcPct val="0"/>
+              </a:spcAft>
+              <a:buClr>
+                <a:srgbClr val="C0C0C0"/>
+              </a:buClr>
+              <a:buFont typeface="Arial" panose="020B0604020202020204" pitchFamily="34" charset="0"/>
+              <a:buChar char="–"/>
+              <a:defRPr>
+                <a:solidFill>
+                  <a:schemeClr val="tx1"/>
+                </a:solidFill>
+                <a:latin typeface="Univers Light"/>
+                <a:ea typeface="+mn-ea"/>
+                <a:cs typeface="Univers Light"/>
+              </a:defRPr>
+            </a:lvl3pPr>
+            <a:lvl4pPr marL="1073150" indent="-179388" algn="l" defTabSz="361950" rtl="0" eaLnBrk="1" fontAlgn="base" hangingPunct="1">
+              <a:spcBef>
+                <a:spcPct val="20000"/>
+              </a:spcBef>
+              <a:spcAft>
+                <a:spcPct val="0"/>
+              </a:spcAft>
+              <a:buClr>
+                <a:srgbClr val="C0C0C0"/>
+              </a:buClr>
+              <a:buChar char="•"/>
+              <a:defRPr>
+                <a:solidFill>
+                  <a:schemeClr val="tx1"/>
+                </a:solidFill>
+                <a:latin typeface="Univers Light"/>
+                <a:ea typeface="+mn-ea"/>
+                <a:cs typeface="Univers Light"/>
+              </a:defRPr>
+            </a:lvl4pPr>
+            <a:lvl5pPr marL="1520825" indent="-180975" algn="l" defTabSz="361950" rtl="0" eaLnBrk="1" fontAlgn="base" hangingPunct="1">
+              <a:spcBef>
+                <a:spcPct val="20000"/>
+              </a:spcBef>
+              <a:spcAft>
+                <a:spcPct val="0"/>
+              </a:spcAft>
+              <a:buClr>
+                <a:srgbClr val="C0C0C0"/>
+              </a:buClr>
+              <a:buChar char="-"/>
+              <a:defRPr sz="1600">
+                <a:solidFill>
+                  <a:schemeClr val="tx1"/>
+                </a:solidFill>
+                <a:latin typeface="Univers Light"/>
+                <a:ea typeface="+mn-ea"/>
+                <a:cs typeface="Univers Light"/>
+              </a:defRPr>
+            </a:lvl5pPr>
+            <a:lvl6pPr marL="1978025" indent="-180975" algn="l" defTabSz="361950" rtl="0" eaLnBrk="1" fontAlgn="base" hangingPunct="1">
+              <a:spcBef>
+                <a:spcPct val="20000"/>
+              </a:spcBef>
+              <a:spcAft>
+                <a:spcPct val="0"/>
+              </a:spcAft>
+              <a:buClr>
+                <a:srgbClr val="C0C0C0"/>
+              </a:buClr>
+              <a:buChar char="-"/>
+              <a:defRPr sz="1600">
+                <a:solidFill>
+                  <a:schemeClr val="tx1"/>
+                </a:solidFill>
+                <a:latin typeface="+mn-lt"/>
+                <a:ea typeface="+mn-ea"/>
+              </a:defRPr>
+            </a:lvl6pPr>
+            <a:lvl7pPr marL="2435225" indent="-180975" algn="l" defTabSz="361950" rtl="0" eaLnBrk="1" fontAlgn="base" hangingPunct="1">
+              <a:spcBef>
+                <a:spcPct val="20000"/>
+              </a:spcBef>
+              <a:spcAft>
+                <a:spcPct val="0"/>
+              </a:spcAft>
+              <a:buClr>
+                <a:srgbClr val="C0C0C0"/>
+              </a:buClr>
+              <a:buChar char="-"/>
+              <a:defRPr sz="1600">
+                <a:solidFill>
+                  <a:schemeClr val="tx1"/>
+                </a:solidFill>
+                <a:latin typeface="+mn-lt"/>
+                <a:ea typeface="+mn-ea"/>
+              </a:defRPr>
+            </a:lvl7pPr>
+            <a:lvl8pPr marL="2892425" indent="-180975" algn="l" defTabSz="361950" rtl="0" eaLnBrk="1" fontAlgn="base" hangingPunct="1">
+              <a:spcBef>
+                <a:spcPct val="20000"/>
+              </a:spcBef>
+              <a:spcAft>
+                <a:spcPct val="0"/>
+              </a:spcAft>
+              <a:buClr>
+                <a:srgbClr val="C0C0C0"/>
+              </a:buClr>
+              <a:buChar char="-"/>
+              <a:defRPr sz="1600">
+                <a:solidFill>
+                  <a:schemeClr val="tx1"/>
+                </a:solidFill>
+                <a:latin typeface="+mn-lt"/>
+                <a:ea typeface="+mn-ea"/>
+              </a:defRPr>
+            </a:lvl8pPr>
+            <a:lvl9pPr marL="3349625" indent="-180975" algn="l" defTabSz="361950" rtl="0" eaLnBrk="1" fontAlgn="base" hangingPunct="1">
+              <a:spcBef>
+                <a:spcPct val="20000"/>
+              </a:spcBef>
+              <a:spcAft>
+                <a:spcPct val="0"/>
+              </a:spcAft>
+              <a:buClr>
+                <a:srgbClr val="C0C0C0"/>
+              </a:buClr>
+              <a:buChar char="-"/>
+              <a:defRPr sz="1600">
+                <a:solidFill>
+                  <a:schemeClr val="tx1"/>
+                </a:solidFill>
+                <a:latin typeface="+mn-lt"/>
+                <a:ea typeface="+mn-ea"/>
+              </a:defRPr>
+            </a:lvl9pPr>
+          </a:lstStyle>
+          <a:p>
+            <a:pPr lvl="1"/>
+            <a:r>
+              <a:rPr lang="en-US" altLang="de-DE" kern="0" dirty="0" smtClean="0">
+                <a:latin typeface="Univers Light" pitchFamily="-84" charset="0"/>
+              </a:rPr>
+              <a:t>Data transfer is main bottleneck</a:t>
+            </a:r>
+          </a:p>
+          <a:p>
+            <a:pPr lvl="1"/>
+            <a:r>
+              <a:rPr lang="en-US" altLang="de-DE" kern="0" dirty="0" smtClean="0">
+                <a:latin typeface="Univers Light" pitchFamily="-84" charset="0"/>
+              </a:rPr>
+              <a:t>to increase performance, more calculation per memory transfer is necessary</a:t>
+            </a:r>
+            <a:endParaRPr lang="en-US" altLang="de-DE" kern="0" dirty="0" smtClean="0">
+              <a:latin typeface="Univers Light" pitchFamily="-84" charset="0"/>
+            </a:endParaRPr>
+          </a:p>
+        </p:txBody>
+      </p:sp>
+    </p:spTree>
+    <p:extLst>
+      <p:ext uri="{BB962C8B-B14F-4D97-AF65-F5344CB8AC3E}">
+        <p14:creationId xmlns:p14="http://schemas.microsoft.com/office/powerpoint/2010/main" val="1660737703"/>
+      </p:ext>
+    </p:extLst>
+  </p:cSld>
+  <p:clrMapOvr>
+    <a:masterClrMapping/>
+  </p:clrMapOvr>
 </p:sld>
 </file>
 
@@ -5203,14 +6703,14 @@
           <a:effectLst/>
           <a:extLst>
             <a:ext uri="{909E8E84-426E-40dd-AFC4-6F175D3DCCD1}">
-              <a14:hiddenFill xmlns:a14="http://schemas.microsoft.com/office/drawing/2010/main" xmlns="">
+              <a14:hiddenFill xmlns="" xmlns:a14="http://schemas.microsoft.com/office/drawing/2010/main">
                 <a:solidFill>
                   <a:schemeClr val="accent1"/>
                 </a:solidFill>
               </a14:hiddenFill>
             </a:ext>
             <a:ext uri="{91240B29-F687-4f45-9708-019B960494DF}">
-              <a14:hiddenLine xmlns:a14="http://schemas.microsoft.com/office/drawing/2010/main" xmlns="" w="9525">
+              <a14:hiddenLine xmlns="" xmlns:a14="http://schemas.microsoft.com/office/drawing/2010/main" w="9525">
                 <a:solidFill>
                   <a:schemeClr val="tx1"/>
                 </a:solidFill>
@@ -5220,7 +6720,7 @@
               </a14:hiddenLine>
             </a:ext>
             <a:ext uri="{AF507438-7753-43e0-B8FC-AC1667EBCBE1}">
-              <a14:hiddenEffects xmlns:a14="http://schemas.microsoft.com/office/drawing/2010/main" xmlns="">
+              <a14:hiddenEffects xmlns="" xmlns:a14="http://schemas.microsoft.com/office/drawing/2010/main">
                 <a:effectLst>
                   <a:outerShdw blurRad="63500" dist="38099" dir="2700000" algn="ctr" rotWithShape="0">
                     <a:schemeClr val="bg2">
@@ -5641,14 +7141,14 @@
           <a:effectLst/>
           <a:extLst>
             <a:ext uri="{909E8E84-426E-40dd-AFC4-6F175D3DCCD1}">
-              <a14:hiddenFill xmlns:a14="http://schemas.microsoft.com/office/drawing/2010/main" xmlns="">
+              <a14:hiddenFill xmlns="" xmlns:a14="http://schemas.microsoft.com/office/drawing/2010/main">
                 <a:solidFill>
                   <a:schemeClr val="accent1"/>
                 </a:solidFill>
               </a14:hiddenFill>
             </a:ext>
             <a:ext uri="{91240B29-F687-4f45-9708-019B960494DF}">
-              <a14:hiddenLine xmlns:a14="http://schemas.microsoft.com/office/drawing/2010/main" xmlns="" w="9525">
+              <a14:hiddenLine xmlns="" xmlns:a14="http://schemas.microsoft.com/office/drawing/2010/main" w="9525">
                 <a:solidFill>
                   <a:schemeClr val="tx1"/>
                 </a:solidFill>
@@ -5658,7 +7158,7 @@
               </a14:hiddenLine>
             </a:ext>
             <a:ext uri="{AF507438-7753-43e0-B8FC-AC1667EBCBE1}">
-              <a14:hiddenEffects xmlns:a14="http://schemas.microsoft.com/office/drawing/2010/main" xmlns="">
+              <a14:hiddenEffects xmlns="" xmlns:a14="http://schemas.microsoft.com/office/drawing/2010/main">
                 <a:effectLst>
                   <a:outerShdw blurRad="63500" dist="38099" dir="2700000" algn="ctr" rotWithShape="0">
                     <a:schemeClr val="bg2">
@@ -5954,14 +7454,14 @@
           <a:effectLst/>
           <a:extLst>
             <a:ext uri="{909E8E84-426E-40dd-AFC4-6F175D3DCCD1}">
-              <a14:hiddenFill xmlns:a14="http://schemas.microsoft.com/office/drawing/2010/main" xmlns="">
+              <a14:hiddenFill xmlns="" xmlns:a14="http://schemas.microsoft.com/office/drawing/2010/main">
                 <a:solidFill>
                   <a:schemeClr val="accent1"/>
                 </a:solidFill>
               </a14:hiddenFill>
             </a:ext>
             <a:ext uri="{91240B29-F687-4f45-9708-019B960494DF}">
-              <a14:hiddenLine xmlns:a14="http://schemas.microsoft.com/office/drawing/2010/main" xmlns="" w="9525">
+              <a14:hiddenLine xmlns="" xmlns:a14="http://schemas.microsoft.com/office/drawing/2010/main" w="9525">
                 <a:solidFill>
                   <a:schemeClr val="tx1"/>
                 </a:solidFill>
@@ -5971,7 +7471,7 @@
               </a14:hiddenLine>
             </a:ext>
             <a:ext uri="{AF507438-7753-43e0-B8FC-AC1667EBCBE1}">
-              <a14:hiddenEffects xmlns:a14="http://schemas.microsoft.com/office/drawing/2010/main" xmlns="">
+              <a14:hiddenEffects xmlns="" xmlns:a14="http://schemas.microsoft.com/office/drawing/2010/main">
                 <a:effectLst>
                   <a:outerShdw blurRad="63500" dist="38099" dir="2700000" algn="ctr" rotWithShape="0">
                     <a:schemeClr val="bg2">
@@ -6132,14 +7632,14 @@
           <a:effectLst/>
           <a:extLst>
             <a:ext uri="{909E8E84-426E-40dd-AFC4-6F175D3DCCD1}">
-              <a14:hiddenFill xmlns:a14="http://schemas.microsoft.com/office/drawing/2010/main" xmlns="">
+              <a14:hiddenFill xmlns="" xmlns:a14="http://schemas.microsoft.com/office/drawing/2010/main">
                 <a:solidFill>
                   <a:schemeClr val="accent1"/>
                 </a:solidFill>
               </a14:hiddenFill>
             </a:ext>
             <a:ext uri="{91240B29-F687-4f45-9708-019B960494DF}">
-              <a14:hiddenLine xmlns:a14="http://schemas.microsoft.com/office/drawing/2010/main" xmlns="" w="9525">
+              <a14:hiddenLine xmlns="" xmlns:a14="http://schemas.microsoft.com/office/drawing/2010/main" w="9525">
                 <a:solidFill>
                   <a:schemeClr val="tx1"/>
                 </a:solidFill>
@@ -6149,7 +7649,7 @@
               </a14:hiddenLine>
             </a:ext>
             <a:ext uri="{AF507438-7753-43e0-B8FC-AC1667EBCBE1}">
-              <a14:hiddenEffects xmlns:a14="http://schemas.microsoft.com/office/drawing/2010/main" xmlns="">
+              <a14:hiddenEffects xmlns="" xmlns:a14="http://schemas.microsoft.com/office/drawing/2010/main">
                 <a:effectLst>
                   <a:outerShdw blurRad="63500" dist="38099" dir="2700000" algn="ctr" rotWithShape="0">
                     <a:schemeClr val="bg2">
@@ -6341,14 +7841,14 @@
           <a:effectLst/>
           <a:extLst>
             <a:ext uri="{909E8E84-426E-40dd-AFC4-6F175D3DCCD1}">
-              <a14:hiddenFill xmlns:a14="http://schemas.microsoft.com/office/drawing/2010/main" xmlns="">
+              <a14:hiddenFill xmlns="" xmlns:a14="http://schemas.microsoft.com/office/drawing/2010/main">
                 <a:solidFill>
                   <a:schemeClr val="accent1"/>
                 </a:solidFill>
               </a14:hiddenFill>
             </a:ext>
             <a:ext uri="{91240B29-F687-4f45-9708-019B960494DF}">
-              <a14:hiddenLine xmlns:a14="http://schemas.microsoft.com/office/drawing/2010/main" xmlns="" w="9525">
+              <a14:hiddenLine xmlns="" xmlns:a14="http://schemas.microsoft.com/office/drawing/2010/main" w="9525">
                 <a:solidFill>
                   <a:schemeClr val="tx1"/>
                 </a:solidFill>
@@ -6358,7 +7858,7 @@
               </a14:hiddenLine>
             </a:ext>
             <a:ext uri="{AF507438-7753-43e0-B8FC-AC1667EBCBE1}">
-              <a14:hiddenEffects xmlns:a14="http://schemas.microsoft.com/office/drawing/2010/main" xmlns="">
+              <a14:hiddenEffects xmlns="" xmlns:a14="http://schemas.microsoft.com/office/drawing/2010/main">
                 <a:effectLst>
                   <a:outerShdw blurRad="63500" dist="38099" dir="2700000" algn="ctr" rotWithShape="0">
                     <a:schemeClr val="bg2">
@@ -6423,14 +7923,14 @@
           <a:effectLst/>
           <a:extLst>
             <a:ext uri="{909E8E84-426E-40dd-AFC4-6F175D3DCCD1}">
-              <a14:hiddenFill xmlns:a14="http://schemas.microsoft.com/office/drawing/2010/main" xmlns="">
+              <a14:hiddenFill xmlns="" xmlns:a14="http://schemas.microsoft.com/office/drawing/2010/main">
                 <a:solidFill>
                   <a:schemeClr val="accent1"/>
                 </a:solidFill>
               </a14:hiddenFill>
             </a:ext>
             <a:ext uri="{91240B29-F687-4f45-9708-019B960494DF}">
-              <a14:hiddenLine xmlns:a14="http://schemas.microsoft.com/office/drawing/2010/main" xmlns="" w="9525">
+              <a14:hiddenLine xmlns="" xmlns:a14="http://schemas.microsoft.com/office/drawing/2010/main" w="9525">
                 <a:solidFill>
                   <a:schemeClr val="tx1"/>
                 </a:solidFill>
@@ -6440,7 +7940,7 @@
               </a14:hiddenLine>
             </a:ext>
             <a:ext uri="{AF507438-7753-43e0-B8FC-AC1667EBCBE1}">
-              <a14:hiddenEffects xmlns:a14="http://schemas.microsoft.com/office/drawing/2010/main" xmlns="">
+              <a14:hiddenEffects xmlns="" xmlns:a14="http://schemas.microsoft.com/office/drawing/2010/main">
                 <a:effectLst>
                   <a:outerShdw blurRad="63500" dist="38099" dir="2700000" algn="ctr" rotWithShape="0">
                     <a:schemeClr val="bg2">
@@ -6451,7 +7951,7 @@
               </a14:hiddenEffects>
             </a:ext>
             <a:ext uri="{FAA26D3D-D897-4be2-8F04-BA451C77F1D7}">
-              <ma14:placeholderFlag xmlns:ma14="http://schemas.microsoft.com/office/mac/drawingml/2011/main" xmlns="" val="1"/>
+              <ma14:placeholderFlag xmlns="" xmlns:ma14="http://schemas.microsoft.com/office/mac/drawingml/2011/main" val="1"/>
             </a:ext>
           </a:extLst>
         </p:spPr>
@@ -6762,14 +8262,14 @@
           </a:ln>
           <a:extLst>
             <a:ext uri="{909E8E84-426E-40dd-AFC4-6F175D3DCCD1}">
-              <a14:hiddenFill xmlns:a14="http://schemas.microsoft.com/office/drawing/2010/main" xmlns="">
+              <a14:hiddenFill xmlns="" xmlns:a14="http://schemas.microsoft.com/office/drawing/2010/main">
                 <a:solidFill>
                   <a:schemeClr val="accent1"/>
                 </a:solidFill>
               </a14:hiddenFill>
             </a:ext>
             <a:ext uri="{91240B29-F687-4f45-9708-019B960494DF}">
-              <a14:hiddenLine xmlns:a14="http://schemas.microsoft.com/office/drawing/2010/main" xmlns="" w="9525" cap="flat" cmpd="sng" algn="ctr">
+              <a14:hiddenLine xmlns="" xmlns:a14="http://schemas.microsoft.com/office/drawing/2010/main" w="9525" cap="flat" cmpd="sng" algn="ctr">
                 <a:solidFill>
                   <a:schemeClr val="tx1"/>
                 </a:solidFill>
@@ -6780,7 +8280,7 @@
               </a14:hiddenLine>
             </a:ext>
             <a:ext uri="{AF507438-7753-43e0-B8FC-AC1667EBCBE1}">
-              <a14:hiddenEffects xmlns:a14="http://schemas.microsoft.com/office/drawing/2010/main" xmlns="">
+              <a14:hiddenEffects xmlns="" xmlns:a14="http://schemas.microsoft.com/office/drawing/2010/main">
                 <a:effectLst>
                   <a:outerShdw blurRad="63500" dist="35921" dir="2700000" algn="ctr" rotWithShape="0">
                     <a:schemeClr val="bg2"/>
@@ -6826,14 +8326,14 @@
           </a:ln>
           <a:extLst>
             <a:ext uri="{909E8E84-426E-40dd-AFC4-6F175D3DCCD1}">
-              <a14:hiddenFill xmlns:a14="http://schemas.microsoft.com/office/drawing/2010/main" xmlns="">
+              <a14:hiddenFill xmlns="" xmlns:a14="http://schemas.microsoft.com/office/drawing/2010/main">
                 <a:solidFill>
                   <a:schemeClr val="accent1"/>
                 </a:solidFill>
               </a14:hiddenFill>
             </a:ext>
             <a:ext uri="{91240B29-F687-4f45-9708-019B960494DF}">
-              <a14:hiddenLine xmlns:a14="http://schemas.microsoft.com/office/drawing/2010/main" xmlns="" w="9525" cap="flat" cmpd="sng" algn="ctr">
+              <a14:hiddenLine xmlns="" xmlns:a14="http://schemas.microsoft.com/office/drawing/2010/main" w="9525" cap="flat" cmpd="sng" algn="ctr">
                 <a:solidFill>
                   <a:schemeClr val="tx1"/>
                 </a:solidFill>
@@ -6844,7 +8344,7 @@
               </a14:hiddenLine>
             </a:ext>
             <a:ext uri="{AF507438-7753-43e0-B8FC-AC1667EBCBE1}">
-              <a14:hiddenEffects xmlns:a14="http://schemas.microsoft.com/office/drawing/2010/main" xmlns="">
+              <a14:hiddenEffects xmlns="" xmlns:a14="http://schemas.microsoft.com/office/drawing/2010/main">
                 <a:effectLst>
                   <a:outerShdw blurRad="63500" dist="35921" dir="2700000" algn="ctr" rotWithShape="0">
                     <a:schemeClr val="bg2"/>
@@ -6890,14 +8390,14 @@
           </a:ln>
           <a:extLst>
             <a:ext uri="{909E8E84-426E-40dd-AFC4-6F175D3DCCD1}">
-              <a14:hiddenFill xmlns:a14="http://schemas.microsoft.com/office/drawing/2010/main" xmlns="">
+              <a14:hiddenFill xmlns="" xmlns:a14="http://schemas.microsoft.com/office/drawing/2010/main">
                 <a:solidFill>
                   <a:schemeClr val="accent1"/>
                 </a:solidFill>
               </a14:hiddenFill>
             </a:ext>
             <a:ext uri="{91240B29-F687-4f45-9708-019B960494DF}">
-              <a14:hiddenLine xmlns:a14="http://schemas.microsoft.com/office/drawing/2010/main" xmlns="" w="9525" cap="flat" cmpd="sng" algn="ctr">
+              <a14:hiddenLine xmlns="" xmlns:a14="http://schemas.microsoft.com/office/drawing/2010/main" w="9525" cap="flat" cmpd="sng" algn="ctr">
                 <a:solidFill>
                   <a:schemeClr val="tx1"/>
                 </a:solidFill>
@@ -6908,7 +8408,7 @@
               </a14:hiddenLine>
             </a:ext>
             <a:ext uri="{AF507438-7753-43e0-B8FC-AC1667EBCBE1}">
-              <a14:hiddenEffects xmlns:a14="http://schemas.microsoft.com/office/drawing/2010/main" xmlns="">
+              <a14:hiddenEffects xmlns="" xmlns:a14="http://schemas.microsoft.com/office/drawing/2010/main">
                 <a:effectLst>
                   <a:outerShdw blurRad="63500" dist="35921" dir="2700000" algn="ctr" rotWithShape="0">
                     <a:schemeClr val="bg2"/>
@@ -6954,14 +8454,14 @@
           </a:ln>
           <a:extLst>
             <a:ext uri="{909E8E84-426E-40dd-AFC4-6F175D3DCCD1}">
-              <a14:hiddenFill xmlns:a14="http://schemas.microsoft.com/office/drawing/2010/main" xmlns="">
+              <a14:hiddenFill xmlns="" xmlns:a14="http://schemas.microsoft.com/office/drawing/2010/main">
                 <a:solidFill>
                   <a:schemeClr val="accent1"/>
                 </a:solidFill>
               </a14:hiddenFill>
             </a:ext>
             <a:ext uri="{91240B29-F687-4f45-9708-019B960494DF}">
-              <a14:hiddenLine xmlns:a14="http://schemas.microsoft.com/office/drawing/2010/main" xmlns="" w="9525" cap="flat" cmpd="sng" algn="ctr">
+              <a14:hiddenLine xmlns="" xmlns:a14="http://schemas.microsoft.com/office/drawing/2010/main" w="9525" cap="flat" cmpd="sng" algn="ctr">
                 <a:solidFill>
                   <a:schemeClr val="tx1"/>
                 </a:solidFill>
@@ -6972,7 +8472,7 @@
               </a14:hiddenLine>
             </a:ext>
             <a:ext uri="{AF507438-7753-43e0-B8FC-AC1667EBCBE1}">
-              <a14:hiddenEffects xmlns:a14="http://schemas.microsoft.com/office/drawing/2010/main" xmlns="">
+              <a14:hiddenEffects xmlns="" xmlns:a14="http://schemas.microsoft.com/office/drawing/2010/main">
                 <a:effectLst>
                   <a:outerShdw blurRad="63500" dist="35921" dir="2700000" algn="ctr" rotWithShape="0">
                     <a:schemeClr val="bg2"/>
@@ -7127,14 +8627,14 @@
           <a:effectLst/>
           <a:extLst>
             <a:ext uri="{909E8E84-426E-40dd-AFC4-6F175D3DCCD1}">
-              <a14:hiddenFill xmlns:a14="http://schemas.microsoft.com/office/drawing/2010/main" xmlns="">
+              <a14:hiddenFill xmlns="" xmlns:a14="http://schemas.microsoft.com/office/drawing/2010/main">
                 <a:solidFill>
                   <a:schemeClr val="accent1"/>
                 </a:solidFill>
               </a14:hiddenFill>
             </a:ext>
             <a:ext uri="{91240B29-F687-4f45-9708-019B960494DF}">
-              <a14:hiddenLine xmlns:a14="http://schemas.microsoft.com/office/drawing/2010/main" xmlns="" w="9525">
+              <a14:hiddenLine xmlns="" xmlns:a14="http://schemas.microsoft.com/office/drawing/2010/main" w="9525">
                 <a:solidFill>
                   <a:schemeClr val="tx1"/>
                 </a:solidFill>
@@ -7144,7 +8644,7 @@
               </a14:hiddenLine>
             </a:ext>
             <a:ext uri="{AF507438-7753-43e0-B8FC-AC1667EBCBE1}">
-              <a14:hiddenEffects xmlns:a14="http://schemas.microsoft.com/office/drawing/2010/main" xmlns="">
+              <a14:hiddenEffects xmlns="" xmlns:a14="http://schemas.microsoft.com/office/drawing/2010/main">
                 <a:effectLst>
                   <a:outerShdw blurRad="63500" dist="38099" dir="2700000" algn="ctr" rotWithShape="0">
                     <a:schemeClr val="bg2">
@@ -7370,14 +8870,14 @@
           <a:effectLst/>
           <a:extLst>
             <a:ext uri="{909E8E84-426E-40dd-AFC4-6F175D3DCCD1}">
-              <a14:hiddenFill xmlns:a14="http://schemas.microsoft.com/office/drawing/2010/main" xmlns="">
+              <a14:hiddenFill xmlns="" xmlns:a14="http://schemas.microsoft.com/office/drawing/2010/main">
                 <a:solidFill>
                   <a:schemeClr val="accent1"/>
                 </a:solidFill>
               </a14:hiddenFill>
             </a:ext>
             <a:ext uri="{91240B29-F687-4f45-9708-019B960494DF}">
-              <a14:hiddenLine xmlns:a14="http://schemas.microsoft.com/office/drawing/2010/main" xmlns="" w="9525">
+              <a14:hiddenLine xmlns="" xmlns:a14="http://schemas.microsoft.com/office/drawing/2010/main" w="9525">
                 <a:solidFill>
                   <a:schemeClr val="tx1"/>
                 </a:solidFill>
@@ -7387,7 +8887,7 @@
               </a14:hiddenLine>
             </a:ext>
             <a:ext uri="{AF507438-7753-43e0-B8FC-AC1667EBCBE1}">
-              <a14:hiddenEffects xmlns:a14="http://schemas.microsoft.com/office/drawing/2010/main" xmlns="">
+              <a14:hiddenEffects xmlns="" xmlns:a14="http://schemas.microsoft.com/office/drawing/2010/main">
                 <a:effectLst>
                   <a:outerShdw blurRad="63500" dist="38099" dir="2700000" algn="ctr" rotWithShape="0">
                     <a:schemeClr val="bg2">
@@ -7601,14 +9101,14 @@
           <a:effectLst/>
           <a:extLst>
             <a:ext uri="{909E8E84-426E-40dd-AFC4-6F175D3DCCD1}">
-              <a14:hiddenFill xmlns:a14="http://schemas.microsoft.com/office/drawing/2010/main" xmlns="">
+              <a14:hiddenFill xmlns="" xmlns:a14="http://schemas.microsoft.com/office/drawing/2010/main">
                 <a:solidFill>
                   <a:schemeClr val="accent1"/>
                 </a:solidFill>
               </a14:hiddenFill>
             </a:ext>
             <a:ext uri="{91240B29-F687-4f45-9708-019B960494DF}">
-              <a14:hiddenLine xmlns:a14="http://schemas.microsoft.com/office/drawing/2010/main" xmlns="" w="9525">
+              <a14:hiddenLine xmlns="" xmlns:a14="http://schemas.microsoft.com/office/drawing/2010/main" w="9525">
                 <a:solidFill>
                   <a:schemeClr val="tx1"/>
                 </a:solidFill>
@@ -7618,7 +9118,7 @@
               </a14:hiddenLine>
             </a:ext>
             <a:ext uri="{AF507438-7753-43e0-B8FC-AC1667EBCBE1}">
-              <a14:hiddenEffects xmlns:a14="http://schemas.microsoft.com/office/drawing/2010/main" xmlns="">
+              <a14:hiddenEffects xmlns="" xmlns:a14="http://schemas.microsoft.com/office/drawing/2010/main">
                 <a:effectLst>
                   <a:outerShdw blurRad="63500" dist="38099" dir="2700000" algn="ctr" rotWithShape="0">
                     <a:schemeClr val="bg2">
@@ -7713,14 +9213,14 @@
           <a:effectLst/>
           <a:extLst>
             <a:ext uri="{909E8E84-426E-40dd-AFC4-6F175D3DCCD1}">
-              <a14:hiddenFill xmlns:a14="http://schemas.microsoft.com/office/drawing/2010/main" xmlns="">
+              <a14:hiddenFill xmlns="" xmlns:a14="http://schemas.microsoft.com/office/drawing/2010/main">
                 <a:solidFill>
                   <a:schemeClr val="accent1"/>
                 </a:solidFill>
               </a14:hiddenFill>
             </a:ext>
             <a:ext uri="{91240B29-F687-4f45-9708-019B960494DF}">
-              <a14:hiddenLine xmlns:a14="http://schemas.microsoft.com/office/drawing/2010/main" xmlns="" w="9525">
+              <a14:hiddenLine xmlns="" xmlns:a14="http://schemas.microsoft.com/office/drawing/2010/main" w="9525">
                 <a:solidFill>
                   <a:schemeClr val="tx1"/>
                 </a:solidFill>
@@ -7730,7 +9230,7 @@
               </a14:hiddenLine>
             </a:ext>
             <a:ext uri="{AF507438-7753-43e0-B8FC-AC1667EBCBE1}">
-              <a14:hiddenEffects xmlns:a14="http://schemas.microsoft.com/office/drawing/2010/main" xmlns="">
+              <a14:hiddenEffects xmlns="" xmlns:a14="http://schemas.microsoft.com/office/drawing/2010/main">
                 <a:effectLst>
                   <a:outerShdw blurRad="63500" dist="38099" dir="2700000" algn="ctr" rotWithShape="0">
                     <a:schemeClr val="bg2">
@@ -7741,7 +9241,7 @@
               </a14:hiddenEffects>
             </a:ext>
             <a:ext uri="{FAA26D3D-D897-4be2-8F04-BA451C77F1D7}">
-              <ma14:placeholderFlag xmlns:ma14="http://schemas.microsoft.com/office/mac/drawingml/2011/main" xmlns="" val="1"/>
+              <ma14:placeholderFlag xmlns="" xmlns:ma14="http://schemas.microsoft.com/office/mac/drawingml/2011/main" val="1"/>
             </a:ext>
           </a:extLst>
         </p:spPr>
@@ -7935,9 +9435,6 @@
               </a:rPr>
               <a:t>Attributes:</a:t>
             </a:r>
-            <a:endParaRPr lang="en-US" altLang="de-DE" b="1" kern="0" dirty="0" smtClean="0">
-              <a:latin typeface="Univers Light" pitchFamily="-84" charset="0"/>
-            </a:endParaRPr>
           </a:p>
           <a:p>
             <a:pPr lvl="1"/>
@@ -7956,35 +9453,26 @@
               <a:rPr lang="en-US" altLang="de-DE" kern="0" dirty="0" smtClean="0">
                 <a:latin typeface="Univers Light" pitchFamily="-84" charset="0"/>
               </a:rPr>
-              <a:t>Each core is assigned his </a:t>
-            </a:r>
+              <a:t>Each core is assigned his own 1-MiB chunk</a:t>
+            </a:r>
+          </a:p>
+          <a:p>
+            <a:pPr lvl="2"/>
             <a:r>
               <a:rPr lang="en-US" altLang="de-DE" kern="0" dirty="0" smtClean="0">
                 <a:latin typeface="Univers Light" pitchFamily="-84" charset="0"/>
               </a:rPr>
-              <a:t>own 1-MiB chunk</a:t>
-            </a:r>
-          </a:p>
-          <a:p>
-            <a:pPr lvl="2"/>
+              <a:t>But has transparent access to memory of any other core</a:t>
+            </a:r>
+          </a:p>
+          <a:p>
+            <a:pPr lvl="1"/>
             <a:r>
               <a:rPr lang="en-US" altLang="de-DE" kern="0" dirty="0" smtClean="0">
                 <a:latin typeface="Univers Light" pitchFamily="-84" charset="0"/>
               </a:rPr>
-              <a:t>But has transparent access to memory of any other core</a:t>
-            </a:r>
-          </a:p>
-          <a:p>
-            <a:pPr lvl="1"/>
-            <a:r>
-              <a:rPr lang="en-US" altLang="de-DE" kern="0" dirty="0" smtClean="0">
-                <a:latin typeface="Univers Light" pitchFamily="-84" charset="0"/>
-              </a:rPr>
               <a:t>Optimal performance only if data is placed in local memory banks</a:t>
             </a:r>
-            <a:endParaRPr lang="en-US" altLang="de-DE" kern="0" dirty="0" smtClean="0">
-              <a:latin typeface="Univers Light" pitchFamily="-84" charset="0"/>
-            </a:endParaRPr>
           </a:p>
         </p:txBody>
       </p:sp>
@@ -8246,14 +9734,14 @@
         <a:effectLst/>
         <a:extLst>
           <a:ext uri="{909E8E84-426E-40dd-AFC4-6F175D3DCCD1}">
-            <a14:hiddenFill xmlns:a14="http://schemas.microsoft.com/office/drawing/2010/main" xmlns="">
+            <a14:hiddenFill xmlns="" xmlns:a14="http://schemas.microsoft.com/office/drawing/2010/main">
               <a:solidFill>
                 <a:schemeClr val="accent1"/>
               </a:solidFill>
             </a14:hiddenFill>
           </a:ext>
           <a:ext uri="{91240B29-F687-4f45-9708-019B960494DF}">
-            <a14:hiddenLine xmlns:a14="http://schemas.microsoft.com/office/drawing/2010/main" xmlns="" w="9525" cap="flat" cmpd="sng" algn="ctr">
+            <a14:hiddenLine xmlns="" xmlns:a14="http://schemas.microsoft.com/office/drawing/2010/main" w="9525" cap="flat" cmpd="sng" algn="ctr">
               <a:solidFill>
                 <a:schemeClr val="tx1"/>
               </a:solidFill>
@@ -8264,7 +9752,7 @@
             </a14:hiddenLine>
           </a:ext>
           <a:ext uri="{AF507438-7753-43e0-B8FC-AC1667EBCBE1}">
-            <a14:hiddenEffects xmlns:a14="http://schemas.microsoft.com/office/drawing/2010/main" xmlns="">
+            <a14:hiddenEffects xmlns="" xmlns:a14="http://schemas.microsoft.com/office/drawing/2010/main">
               <a:effectLst>
                 <a:outerShdw blurRad="63500" dist="35921" dir="2700000" algn="ctr" rotWithShape="0">
                   <a:schemeClr val="bg2"/>
@@ -8330,14 +9818,14 @@
         <a:effectLst/>
         <a:extLst>
           <a:ext uri="{909E8E84-426E-40dd-AFC4-6F175D3DCCD1}">
-            <a14:hiddenFill xmlns:a14="http://schemas.microsoft.com/office/drawing/2010/main" xmlns="">
+            <a14:hiddenFill xmlns="" xmlns:a14="http://schemas.microsoft.com/office/drawing/2010/main">
               <a:solidFill>
                 <a:schemeClr val="accent1"/>
               </a:solidFill>
             </a14:hiddenFill>
           </a:ext>
           <a:ext uri="{91240B29-F687-4f45-9708-019B960494DF}">
-            <a14:hiddenLine xmlns:a14="http://schemas.microsoft.com/office/drawing/2010/main" xmlns="" w="9525" cap="flat" cmpd="sng" algn="ctr">
+            <a14:hiddenLine xmlns="" xmlns:a14="http://schemas.microsoft.com/office/drawing/2010/main" w="9525" cap="flat" cmpd="sng" algn="ctr">
               <a:solidFill>
                 <a:schemeClr val="tx1"/>
               </a:solidFill>
@@ -8348,7 +9836,7 @@
             </a14:hiddenLine>
           </a:ext>
           <a:ext uri="{AF507438-7753-43e0-B8FC-AC1667EBCBE1}">
-            <a14:hiddenEffects xmlns:a14="http://schemas.microsoft.com/office/drawing/2010/main" xmlns="">
+            <a14:hiddenEffects xmlns="" xmlns:a14="http://schemas.microsoft.com/office/drawing/2010/main">
               <a:effectLst>
                 <a:outerShdw blurRad="63500" dist="35921" dir="2700000" algn="ctr" rotWithShape="0">
                   <a:schemeClr val="bg2"/>

--- a/presentation/praesentation.pptx
+++ b/presentation/praesentation.pptx
@@ -5,10 +5,10 @@
     <p:sldMasterId id="2147483650" r:id="rId1"/>
   </p:sldMasterIdLst>
   <p:notesMasterIdLst>
-    <p:notesMasterId r:id="rId13"/>
+    <p:notesMasterId r:id="rId16"/>
   </p:notesMasterIdLst>
   <p:handoutMasterIdLst>
-    <p:handoutMasterId r:id="rId14"/>
+    <p:handoutMasterId r:id="rId17"/>
   </p:handoutMasterIdLst>
   <p:sldIdLst>
     <p:sldId id="257" r:id="rId2"/>
@@ -20,8 +20,11 @@
     <p:sldId id="262" r:id="rId8"/>
     <p:sldId id="264" r:id="rId9"/>
     <p:sldId id="265" r:id="rId10"/>
-    <p:sldId id="266" r:id="rId11"/>
-    <p:sldId id="267" r:id="rId12"/>
+    <p:sldId id="268" r:id="rId11"/>
+    <p:sldId id="266" r:id="rId12"/>
+    <p:sldId id="269" r:id="rId13"/>
+    <p:sldId id="267" r:id="rId14"/>
+    <p:sldId id="270" r:id="rId15"/>
   </p:sldIdLst>
   <p:sldSz cx="9144000" cy="6858000" type="screen4x3"/>
   <p:notesSz cx="6669088" cy="9928225"/>
@@ -164,8 +167,11 @@
             <p14:sldId id="262"/>
             <p14:sldId id="264"/>
             <p14:sldId id="265"/>
+            <p14:sldId id="268"/>
             <p14:sldId id="266"/>
+            <p14:sldId id="269"/>
             <p14:sldId id="267"/>
+            <p14:sldId id="270"/>
           </p14:sldIdLst>
         </p14:section>
       </p14:sectionLst>
@@ -378,7 +384,17 @@
                         </a:solidFill>
                       </a:rPr>
                       <a:pPr>
-                        <a:defRPr/>
+                        <a:defRPr sz="1197" b="0" i="0" u="none" strike="noStrike" kern="1200" baseline="0">
+                          <a:solidFill>
+                            <a:schemeClr val="tx1">
+                              <a:lumMod val="75000"/>
+                              <a:lumOff val="25000"/>
+                            </a:schemeClr>
+                          </a:solidFill>
+                          <a:latin typeface="+mn-lt"/>
+                          <a:ea typeface="+mn-ea"/>
+                          <a:cs typeface="+mn-cs"/>
+                        </a:defRPr>
                       </a:pPr>
                       <a:t>[RUBRIKENNAME]</a:t>
                     </a:fld>
@@ -398,7 +414,17 @@
                         </a:solidFill>
                       </a:rPr>
                       <a:pPr>
-                        <a:defRPr/>
+                        <a:defRPr sz="1197" b="0" i="0" u="none" strike="noStrike" kern="1200" baseline="0">
+                          <a:solidFill>
+                            <a:schemeClr val="tx1">
+                              <a:lumMod val="75000"/>
+                              <a:lumOff val="25000"/>
+                            </a:schemeClr>
+                          </a:solidFill>
+                          <a:latin typeface="+mn-lt"/>
+                          <a:ea typeface="+mn-ea"/>
+                          <a:cs typeface="+mn-cs"/>
+                        </a:defRPr>
                       </a:pPr>
                       <a:t>[PROZENTSATZ]</a:t>
                     </a:fld>
@@ -417,28 +443,6 @@
                 </a:ln>
                 <a:effectLst/>
               </c:spPr>
-              <c:txPr>
-                <a:bodyPr rot="0" spcFirstLastPara="1" vertOverflow="ellipsis" vert="horz" wrap="square" lIns="38100" tIns="19050" rIns="38100" bIns="19050" anchor="ctr" anchorCtr="1">
-                  <a:noAutofit/>
-                </a:bodyPr>
-                <a:lstStyle/>
-                <a:p>
-                  <a:pPr>
-                    <a:defRPr sz="1197" b="0" i="0" u="none" strike="noStrike" kern="1200" baseline="0">
-                      <a:solidFill>
-                        <a:schemeClr val="tx1">
-                          <a:lumMod val="75000"/>
-                          <a:lumOff val="25000"/>
-                        </a:schemeClr>
-                      </a:solidFill>
-                      <a:latin typeface="+mn-lt"/>
-                      <a:ea typeface="+mn-ea"/>
-                      <a:cs typeface="+mn-cs"/>
-                    </a:defRPr>
-                  </a:pPr>
-                  <a:endParaRPr lang="de-DE"/>
-                </a:p>
-              </c:txPr>
               <c:showLegendKey val="0"/>
               <c:showVal val="0"/>
               <c:showCatName val="1"/>
@@ -468,33 +472,16 @@
               </c:layout>
               <c:tx>
                 <c:rich>
-                  <a:bodyPr rot="0" spcFirstLastPara="1" vertOverflow="ellipsis" vert="horz" wrap="square" lIns="38100" tIns="19050" rIns="38100" bIns="19050" anchor="ctr" anchorCtr="1">
-                    <a:spAutoFit/>
-                  </a:bodyPr>
+                  <a:bodyPr/>
                   <a:lstStyle/>
                   <a:p>
-                    <a:pPr>
-                      <a:defRPr sz="1197" b="0" i="0" u="none" strike="noStrike" kern="1200" baseline="0">
-                        <a:solidFill>
-                          <a:schemeClr val="tx1">
-                            <a:lumMod val="75000"/>
-                            <a:lumOff val="25000"/>
-                          </a:schemeClr>
-                        </a:solidFill>
-                        <a:latin typeface="+mn-lt"/>
-                        <a:ea typeface="+mn-ea"/>
-                        <a:cs typeface="+mn-cs"/>
-                      </a:defRPr>
-                    </a:pPr>
                     <a:fld id="{0EB1242E-7279-49AF-A5BD-502DCA5957B0}" type="CATEGORYNAME">
                       <a:rPr lang="en-US">
                         <a:solidFill>
                           <a:schemeClr val="bg1"/>
                         </a:solidFill>
                       </a:rPr>
-                      <a:pPr>
-                        <a:defRPr/>
-                      </a:pPr>
+                      <a:pPr/>
                       <a:t>[RUBRIKENNAME]</a:t>
                     </a:fld>
                     <a:r>
@@ -512,9 +499,7 @@
                           <a:schemeClr val="bg1"/>
                         </a:solidFill>
                       </a:rPr>
-                      <a:pPr>
-                        <a:defRPr/>
-                      </a:pPr>
+                      <a:pPr/>
                       <a:t>[PROZENTSATZ]</a:t>
                     </a:fld>
                     <a:endParaRPr lang="en-US" baseline="0" dirty="0">
@@ -525,35 +510,6 @@
                   </a:p>
                 </c:rich>
               </c:tx>
-              <c:spPr>
-                <a:noFill/>
-                <a:ln>
-                  <a:noFill/>
-                </a:ln>
-                <a:effectLst/>
-              </c:spPr>
-              <c:txPr>
-                <a:bodyPr rot="0" spcFirstLastPara="1" vertOverflow="ellipsis" vert="horz" wrap="square" lIns="38100" tIns="19050" rIns="38100" bIns="19050" anchor="ctr" anchorCtr="1">
-                  <a:spAutoFit/>
-                </a:bodyPr>
-                <a:lstStyle/>
-                <a:p>
-                  <a:pPr>
-                    <a:defRPr sz="1197" b="0" i="0" u="none" strike="noStrike" kern="1200" baseline="0">
-                      <a:solidFill>
-                        <a:schemeClr val="tx1">
-                          <a:lumMod val="75000"/>
-                          <a:lumOff val="25000"/>
-                        </a:schemeClr>
-                      </a:solidFill>
-                      <a:latin typeface="+mn-lt"/>
-                      <a:ea typeface="+mn-ea"/>
-                      <a:cs typeface="+mn-cs"/>
-                    </a:defRPr>
-                  </a:pPr>
-                  <a:endParaRPr lang="de-DE"/>
-                </a:p>
-              </c:txPr>
               <c:showLegendKey val="0"/>
               <c:showVal val="0"/>
               <c:showCatName val="1"/>
@@ -619,9 +575,7 @@
               </c:spPr>
             </c:leaderLines>
             <c:extLst>
-              <c:ext xmlns:c15="http://schemas.microsoft.com/office/drawing/2012/chart" uri="{CE6537A1-D6FC-4f65-9D91-7224C49458BB}">
-                <c15:layout/>
-              </c:ext>
+              <c:ext xmlns:c15="http://schemas.microsoft.com/office/drawing/2012/chart" uri="{CE6537A1-D6FC-4f65-9D91-7224C49458BB}"/>
             </c:extLst>
           </c:dLbls>
           <c:cat>
@@ -700,552 +654,10 @@
       <a:endParaRPr lang="de-DE"/>
     </a:p>
   </c:txPr>
-  <c:externalData r:id="rId3">
+  <c:externalData r:id="rId1">
     <c:autoUpdate val="0"/>
   </c:externalData>
 </c:chartSpace>
-</file>
-
-<file path=ppt/charts/colors1.xml><?xml version="1.0" encoding="utf-8"?>
-<cs:colorStyle xmlns:cs="http://schemas.microsoft.com/office/drawing/2012/chartStyle" xmlns:a="http://schemas.openxmlformats.org/drawingml/2006/main" meth="cycle" id="10">
-  <a:schemeClr val="accent1"/>
-  <a:schemeClr val="accent2"/>
-  <a:schemeClr val="accent3"/>
-  <a:schemeClr val="accent4"/>
-  <a:schemeClr val="accent5"/>
-  <a:schemeClr val="accent6"/>
-  <cs:variation/>
-  <cs:variation>
-    <a:lumMod val="60000"/>
-  </cs:variation>
-  <cs:variation>
-    <a:lumMod val="80000"/>
-    <a:lumOff val="20000"/>
-  </cs:variation>
-  <cs:variation>
-    <a:lumMod val="80000"/>
-  </cs:variation>
-  <cs:variation>
-    <a:lumMod val="60000"/>
-    <a:lumOff val="40000"/>
-  </cs:variation>
-  <cs:variation>
-    <a:lumMod val="50000"/>
-  </cs:variation>
-  <cs:variation>
-    <a:lumMod val="70000"/>
-    <a:lumOff val="30000"/>
-  </cs:variation>
-  <cs:variation>
-    <a:lumMod val="70000"/>
-  </cs:variation>
-  <cs:variation>
-    <a:lumMod val="50000"/>
-    <a:lumOff val="50000"/>
-  </cs:variation>
-</cs:colorStyle>
-</file>
-
-<file path=ppt/charts/style1.xml><?xml version="1.0" encoding="utf-8"?>
-<cs:chartStyle xmlns:cs="http://schemas.microsoft.com/office/drawing/2012/chartStyle" xmlns:a="http://schemas.openxmlformats.org/drawingml/2006/main" id="344">
-  <cs:axisTitle>
-    <cs:lnRef idx="0"/>
-    <cs:fillRef idx="0"/>
-    <cs:effectRef idx="0"/>
-    <cs:fontRef idx="minor">
-      <a:schemeClr val="tx1">
-        <a:lumMod val="65000"/>
-        <a:lumOff val="35000"/>
-      </a:schemeClr>
-    </cs:fontRef>
-    <cs:defRPr sz="1197" kern="1200"/>
-  </cs:axisTitle>
-  <cs:categoryAxis>
-    <cs:lnRef idx="0"/>
-    <cs:fillRef idx="0"/>
-    <cs:effectRef idx="0"/>
-    <cs:fontRef idx="minor">
-      <a:schemeClr val="tx1">
-        <a:lumMod val="65000"/>
-        <a:lumOff val="35000"/>
-      </a:schemeClr>
-    </cs:fontRef>
-    <cs:spPr>
-      <a:ln w="12700" cap="flat" cmpd="sng" algn="ctr">
-        <a:solidFill>
-          <a:schemeClr val="tx1">
-            <a:lumMod val="15000"/>
-            <a:lumOff val="85000"/>
-          </a:schemeClr>
-        </a:solidFill>
-        <a:round/>
-      </a:ln>
-    </cs:spPr>
-    <cs:defRPr sz="1197" kern="1200"/>
-  </cs:categoryAxis>
-  <cs:chartArea mods="allowNoFillOverride allowNoLineOverride">
-    <cs:lnRef idx="0"/>
-    <cs:fillRef idx="0"/>
-    <cs:effectRef idx="0"/>
-    <cs:fontRef idx="minor">
-      <a:schemeClr val="tx2"/>
-    </cs:fontRef>
-    <cs:spPr>
-      <a:solidFill>
-        <a:schemeClr val="bg1"/>
-      </a:solidFill>
-      <a:ln w="9525" cap="flat" cmpd="sng" algn="ctr">
-        <a:solidFill>
-          <a:schemeClr val="tx1">
-            <a:lumMod val="15000"/>
-            <a:lumOff val="85000"/>
-          </a:schemeClr>
-        </a:solidFill>
-        <a:round/>
-      </a:ln>
-    </cs:spPr>
-    <cs:defRPr sz="1197" kern="1200"/>
-  </cs:chartArea>
-  <cs:dataLabel>
-    <cs:lnRef idx="0"/>
-    <cs:fillRef idx="0"/>
-    <cs:effectRef idx="0"/>
-    <cs:fontRef idx="minor">
-      <a:schemeClr val="tx1">
-        <a:lumMod val="75000"/>
-        <a:lumOff val="25000"/>
-      </a:schemeClr>
-    </cs:fontRef>
-    <cs:defRPr sz="1197" kern="1200"/>
-  </cs:dataLabel>
-  <cs:dataLabelCallout>
-    <cs:lnRef idx="0"/>
-    <cs:fillRef idx="0"/>
-    <cs:effectRef idx="0"/>
-    <cs:fontRef idx="minor">
-      <a:schemeClr val="dk1">
-        <a:lumMod val="65000"/>
-        <a:lumOff val="35000"/>
-      </a:schemeClr>
-    </cs:fontRef>
-    <cs:spPr>
-      <a:solidFill>
-        <a:schemeClr val="lt1"/>
-      </a:solidFill>
-      <a:ln>
-        <a:solidFill>
-          <a:schemeClr val="dk1">
-            <a:lumMod val="25000"/>
-            <a:lumOff val="75000"/>
-          </a:schemeClr>
-        </a:solidFill>
-      </a:ln>
-    </cs:spPr>
-    <cs:defRPr sz="1197" kern="1200"/>
-    <cs:bodyPr rot="0" spcFirstLastPara="1" vertOverflow="clip" horzOverflow="clip" vert="horz" wrap="square" lIns="36576" tIns="18288" rIns="36576" bIns="18288" anchor="ctr" anchorCtr="1">
-      <a:spAutoFit/>
-    </cs:bodyPr>
-  </cs:dataLabelCallout>
-  <cs:dataPoint>
-    <cs:lnRef idx="0"/>
-    <cs:fillRef idx="3">
-      <cs:styleClr val="auto"/>
-    </cs:fillRef>
-    <cs:effectRef idx="3"/>
-    <cs:fontRef idx="minor">
-      <a:schemeClr val="tx1"/>
-    </cs:fontRef>
-  </cs:dataPoint>
-  <cs:dataPoint3D>
-    <cs:lnRef idx="0"/>
-    <cs:fillRef idx="3">
-      <cs:styleClr val="auto"/>
-    </cs:fillRef>
-    <cs:effectRef idx="3"/>
-    <cs:fontRef idx="minor">
-      <a:schemeClr val="tx1"/>
-    </cs:fontRef>
-  </cs:dataPoint3D>
-  <cs:dataPointLine>
-    <cs:lnRef idx="0">
-      <cs:styleClr val="auto"/>
-    </cs:lnRef>
-    <cs:fillRef idx="3"/>
-    <cs:effectRef idx="3"/>
-    <cs:fontRef idx="minor">
-      <a:schemeClr val="tx1"/>
-    </cs:fontRef>
-    <cs:spPr>
-      <a:ln w="34925" cap="rnd">
-        <a:solidFill>
-          <a:schemeClr val="phClr"/>
-        </a:solidFill>
-        <a:round/>
-      </a:ln>
-    </cs:spPr>
-  </cs:dataPointLine>
-  <cs:dataPointMarker>
-    <cs:lnRef idx="0">
-      <cs:styleClr val="auto"/>
-    </cs:lnRef>
-    <cs:fillRef idx="3">
-      <cs:styleClr val="auto"/>
-    </cs:fillRef>
-    <cs:effectRef idx="3"/>
-    <cs:fontRef idx="minor">
-      <a:schemeClr val="tx1"/>
-    </cs:fontRef>
-    <cs:spPr>
-      <a:ln w="9525">
-        <a:solidFill>
-          <a:schemeClr val="phClr"/>
-        </a:solidFill>
-        <a:round/>
-      </a:ln>
-    </cs:spPr>
-  </cs:dataPointMarker>
-  <cs:dataPointMarkerLayout symbol="circle" size="6"/>
-  <cs:dataPointWireframe>
-    <cs:lnRef idx="0">
-      <cs:styleClr val="auto"/>
-    </cs:lnRef>
-    <cs:fillRef idx="3"/>
-    <cs:effectRef idx="3"/>
-    <cs:fontRef idx="minor">
-      <a:schemeClr val="tx1"/>
-    </cs:fontRef>
-    <cs:spPr>
-      <a:ln w="9525" cap="rnd">
-        <a:solidFill>
-          <a:schemeClr val="phClr"/>
-        </a:solidFill>
-        <a:round/>
-      </a:ln>
-    </cs:spPr>
-  </cs:dataPointWireframe>
-  <cs:dataTable>
-    <cs:lnRef idx="0"/>
-    <cs:fillRef idx="0"/>
-    <cs:effectRef idx="0"/>
-    <cs:fontRef idx="minor">
-      <a:schemeClr val="tx1">
-        <a:lumMod val="65000"/>
-        <a:lumOff val="35000"/>
-      </a:schemeClr>
-    </cs:fontRef>
-    <cs:spPr>
-      <a:noFill/>
-      <a:ln w="9525" cap="flat" cmpd="sng" algn="ctr">
-        <a:solidFill>
-          <a:schemeClr val="tx1">
-            <a:lumMod val="15000"/>
-            <a:lumOff val="85000"/>
-          </a:schemeClr>
-        </a:solidFill>
-        <a:round/>
-      </a:ln>
-    </cs:spPr>
-    <cs:defRPr sz="1197" kern="1200"/>
-  </cs:dataTable>
-  <cs:downBar>
-    <cs:lnRef idx="0"/>
-    <cs:fillRef idx="0"/>
-    <cs:effectRef idx="0"/>
-    <cs:fontRef idx="minor">
-      <a:schemeClr val="dk1"/>
-    </cs:fontRef>
-    <cs:spPr>
-      <a:solidFill>
-        <a:schemeClr val="dk1">
-          <a:lumMod val="65000"/>
-          <a:lumOff val="35000"/>
-        </a:schemeClr>
-      </a:solidFill>
-      <a:ln w="9525">
-        <a:solidFill>
-          <a:schemeClr val="tx1">
-            <a:lumMod val="65000"/>
-            <a:lumOff val="35000"/>
-          </a:schemeClr>
-        </a:solidFill>
-      </a:ln>
-    </cs:spPr>
-  </cs:downBar>
-  <cs:dropLine>
-    <cs:lnRef idx="0"/>
-    <cs:fillRef idx="0"/>
-    <cs:effectRef idx="0"/>
-    <cs:fontRef idx="minor">
-      <a:schemeClr val="tx1"/>
-    </cs:fontRef>
-    <cs:spPr>
-      <a:ln w="9525" cap="flat" cmpd="sng" algn="ctr">
-        <a:solidFill>
-          <a:schemeClr val="tx1">
-            <a:lumMod val="35000"/>
-            <a:lumOff val="65000"/>
-          </a:schemeClr>
-        </a:solidFill>
-        <a:round/>
-      </a:ln>
-    </cs:spPr>
-  </cs:dropLine>
-  <cs:errorBar>
-    <cs:lnRef idx="0"/>
-    <cs:fillRef idx="0"/>
-    <cs:effectRef idx="0"/>
-    <cs:fontRef idx="minor">
-      <a:schemeClr val="tx1"/>
-    </cs:fontRef>
-    <cs:spPr>
-      <a:ln w="9525" cap="flat" cmpd="sng" algn="ctr">
-        <a:solidFill>
-          <a:schemeClr val="tx1">
-            <a:lumMod val="65000"/>
-            <a:lumOff val="35000"/>
-          </a:schemeClr>
-        </a:solidFill>
-        <a:round/>
-      </a:ln>
-    </cs:spPr>
-  </cs:errorBar>
-  <cs:floor>
-    <cs:lnRef idx="0"/>
-    <cs:fillRef idx="0"/>
-    <cs:effectRef idx="0"/>
-    <cs:fontRef idx="minor">
-      <a:schemeClr val="lt1"/>
-    </cs:fontRef>
-  </cs:floor>
-  <cs:gridlineMajor>
-    <cs:lnRef idx="0"/>
-    <cs:fillRef idx="0"/>
-    <cs:effectRef idx="0"/>
-    <cs:fontRef idx="minor">
-      <a:schemeClr val="tx1"/>
-    </cs:fontRef>
-    <cs:spPr>
-      <a:ln w="9525" cap="flat" cmpd="sng" algn="ctr">
-        <a:solidFill>
-          <a:schemeClr val="tx1">
-            <a:lumMod val="15000"/>
-            <a:lumOff val="85000"/>
-          </a:schemeClr>
-        </a:solidFill>
-        <a:round/>
-      </a:ln>
-    </cs:spPr>
-  </cs:gridlineMajor>
-  <cs:gridlineMinor>
-    <cs:lnRef idx="0"/>
-    <cs:fillRef idx="0"/>
-    <cs:effectRef idx="0"/>
-    <cs:fontRef idx="minor">
-      <a:schemeClr val="tx1"/>
-    </cs:fontRef>
-    <cs:spPr>
-      <a:ln w="9525" cap="flat" cmpd="sng" algn="ctr">
-        <a:solidFill>
-          <a:schemeClr val="tx1">
-            <a:lumMod val="5000"/>
-            <a:lumOff val="95000"/>
-          </a:schemeClr>
-        </a:solidFill>
-        <a:round/>
-      </a:ln>
-    </cs:spPr>
-  </cs:gridlineMinor>
-  <cs:hiLoLine>
-    <cs:lnRef idx="0"/>
-    <cs:fillRef idx="0"/>
-    <cs:effectRef idx="0"/>
-    <cs:fontRef idx="minor">
-      <a:schemeClr val="tx1"/>
-    </cs:fontRef>
-    <cs:spPr>
-      <a:ln w="9525" cap="flat" cmpd="sng" algn="ctr">
-        <a:solidFill>
-          <a:schemeClr val="tx1">
-            <a:lumMod val="75000"/>
-            <a:lumOff val="25000"/>
-          </a:schemeClr>
-        </a:solidFill>
-        <a:round/>
-      </a:ln>
-    </cs:spPr>
-  </cs:hiLoLine>
-  <cs:leaderLine>
-    <cs:lnRef idx="0"/>
-    <cs:fillRef idx="0"/>
-    <cs:effectRef idx="0"/>
-    <cs:fontRef idx="minor">
-      <a:schemeClr val="tx1"/>
-    </cs:fontRef>
-    <cs:spPr>
-      <a:ln w="9525" cap="flat" cmpd="sng" algn="ctr">
-        <a:solidFill>
-          <a:schemeClr val="tx1">
-            <a:lumMod val="35000"/>
-            <a:lumOff val="65000"/>
-          </a:schemeClr>
-        </a:solidFill>
-        <a:round/>
-      </a:ln>
-    </cs:spPr>
-  </cs:leaderLine>
-  <cs:legend>
-    <cs:lnRef idx="0"/>
-    <cs:fillRef idx="0"/>
-    <cs:effectRef idx="0"/>
-    <cs:fontRef idx="minor">
-      <a:schemeClr val="tx1">
-        <a:lumMod val="65000"/>
-        <a:lumOff val="35000"/>
-      </a:schemeClr>
-    </cs:fontRef>
-    <cs:defRPr sz="1197" kern="1200"/>
-  </cs:legend>
-  <cs:plotArea>
-    <cs:lnRef idx="0"/>
-    <cs:fillRef idx="0"/>
-    <cs:effectRef idx="0"/>
-    <cs:fontRef idx="minor">
-      <a:schemeClr val="lt1"/>
-    </cs:fontRef>
-  </cs:plotArea>
-  <cs:plotArea3D>
-    <cs:lnRef idx="0"/>
-    <cs:fillRef idx="0"/>
-    <cs:effectRef idx="0"/>
-    <cs:fontRef idx="minor">
-      <a:schemeClr val="lt1"/>
-    </cs:fontRef>
-  </cs:plotArea3D>
-  <cs:seriesAxis>
-    <cs:lnRef idx="0"/>
-    <cs:fillRef idx="0"/>
-    <cs:effectRef idx="0"/>
-    <cs:fontRef idx="minor">
-      <a:schemeClr val="tx1">
-        <a:lumMod val="65000"/>
-        <a:lumOff val="35000"/>
-      </a:schemeClr>
-    </cs:fontRef>
-    <cs:spPr>
-      <a:ln w="12700" cap="flat" cmpd="sng" algn="ctr">
-        <a:solidFill>
-          <a:schemeClr val="tx1">
-            <a:lumMod val="15000"/>
-            <a:lumOff val="85000"/>
-          </a:schemeClr>
-        </a:solidFill>
-        <a:round/>
-      </a:ln>
-    </cs:spPr>
-    <cs:defRPr sz="1197" kern="1200"/>
-  </cs:seriesAxis>
-  <cs:seriesLine>
-    <cs:lnRef idx="0"/>
-    <cs:fillRef idx="0"/>
-    <cs:effectRef idx="0"/>
-    <cs:fontRef idx="minor">
-      <a:schemeClr val="tx1"/>
-    </cs:fontRef>
-    <cs:spPr>
-      <a:ln w="9525" cap="flat" cmpd="sng" algn="ctr">
-        <a:solidFill>
-          <a:schemeClr val="tx1">
-            <a:lumMod val="35000"/>
-            <a:lumOff val="65000"/>
-          </a:schemeClr>
-        </a:solidFill>
-        <a:round/>
-      </a:ln>
-    </cs:spPr>
-  </cs:seriesLine>
-  <cs:title>
-    <cs:lnRef idx="0"/>
-    <cs:fillRef idx="0"/>
-    <cs:effectRef idx="0"/>
-    <cs:fontRef idx="minor">
-      <a:schemeClr val="tx1">
-        <a:lumMod val="65000"/>
-        <a:lumOff val="35000"/>
-      </a:schemeClr>
-    </cs:fontRef>
-    <cs:defRPr sz="2128" b="1" kern="1200" baseline="0"/>
-  </cs:title>
-  <cs:trendline>
-    <cs:lnRef idx="0">
-      <cs:styleClr val="auto"/>
-    </cs:lnRef>
-    <cs:fillRef idx="0"/>
-    <cs:effectRef idx="0"/>
-    <cs:fontRef idx="minor">
-      <a:schemeClr val="lt1"/>
-    </cs:fontRef>
-    <cs:spPr>
-      <a:ln w="19050" cap="rnd">
-        <a:solidFill>
-          <a:schemeClr val="phClr"/>
-        </a:solidFill>
-      </a:ln>
-    </cs:spPr>
-  </cs:trendline>
-  <cs:trendlineLabel>
-    <cs:lnRef idx="0"/>
-    <cs:fillRef idx="0"/>
-    <cs:effectRef idx="0"/>
-    <cs:fontRef idx="minor">
-      <a:schemeClr val="tx1">
-        <a:lumMod val="65000"/>
-        <a:lumOff val="35000"/>
-      </a:schemeClr>
-    </cs:fontRef>
-    <cs:defRPr sz="1197" kern="1200"/>
-  </cs:trendlineLabel>
-  <cs:upBar>
-    <cs:lnRef idx="0"/>
-    <cs:fillRef idx="0"/>
-    <cs:effectRef idx="0"/>
-    <cs:fontRef idx="minor">
-      <a:schemeClr val="dk1"/>
-    </cs:fontRef>
-    <cs:spPr>
-      <a:solidFill>
-        <a:schemeClr val="lt1"/>
-      </a:solidFill>
-      <a:ln w="9525">
-        <a:solidFill>
-          <a:schemeClr val="tx1">
-            <a:lumMod val="15000"/>
-            <a:lumOff val="85000"/>
-          </a:schemeClr>
-        </a:solidFill>
-      </a:ln>
-    </cs:spPr>
-  </cs:upBar>
-  <cs:valueAxis>
-    <cs:lnRef idx="0"/>
-    <cs:fillRef idx="0"/>
-    <cs:effectRef idx="0"/>
-    <cs:fontRef idx="minor">
-      <a:schemeClr val="tx1">
-        <a:lumMod val="65000"/>
-        <a:lumOff val="35000"/>
-      </a:schemeClr>
-    </cs:fontRef>
-    <cs:defRPr sz="1197" kern="1200"/>
-  </cs:valueAxis>
-  <cs:wall>
-    <cs:lnRef idx="0"/>
-    <cs:fillRef idx="0"/>
-    <cs:effectRef idx="0"/>
-    <cs:fontRef idx="minor">
-      <a:schemeClr val="lt1"/>
-    </cs:fontRef>
-  </cs:wall>
-</cs:chartStyle>
 </file>
 
 <file path=ppt/handoutMasters/handoutMaster1.xml><?xml version="1.0" encoding="utf-8"?>
@@ -1298,14 +710,14 @@
           <a:effectLst/>
           <a:extLst>
             <a:ext uri="{909E8E84-426E-40dd-AFC4-6F175D3DCCD1}">
-              <a14:hiddenFill xmlns="" xmlns:a14="http://schemas.microsoft.com/office/drawing/2010/main">
+              <a14:hiddenFill xmlns:a14="http://schemas.microsoft.com/office/drawing/2010/main" xmlns="">
                 <a:solidFill>
                   <a:schemeClr val="accent1"/>
                 </a:solidFill>
               </a14:hiddenFill>
             </a:ext>
             <a:ext uri="{91240B29-F687-4f45-9708-019B960494DF}">
-              <a14:hiddenLine xmlns="" xmlns:a14="http://schemas.microsoft.com/office/drawing/2010/main" w="9525">
+              <a14:hiddenLine xmlns:a14="http://schemas.microsoft.com/office/drawing/2010/main" xmlns="" w="9525">
                 <a:solidFill>
                   <a:schemeClr val="tx1"/>
                 </a:solidFill>
@@ -1315,7 +727,7 @@
               </a14:hiddenLine>
             </a:ext>
             <a:ext uri="{AF507438-7753-43e0-B8FC-AC1667EBCBE1}">
-              <a14:hiddenEffects xmlns="" xmlns:a14="http://schemas.microsoft.com/office/drawing/2010/main">
+              <a14:hiddenEffects xmlns:a14="http://schemas.microsoft.com/office/drawing/2010/main" xmlns="">
                 <a:effectLst>
                   <a:outerShdw blurRad="63500" dist="38099" dir="2700000" algn="ctr" rotWithShape="0">
                     <a:schemeClr val="bg2">
@@ -1326,7 +738,7 @@
               </a14:hiddenEffects>
             </a:ext>
             <a:ext uri="{FAA26D3D-D897-4be2-8F04-BA451C77F1D7}">
-              <ma14:placeholderFlag xmlns="" xmlns:ma14="http://schemas.microsoft.com/office/mac/drawingml/2011/main" val="1"/>
+              <ma14:placeholderFlag xmlns:ma14="http://schemas.microsoft.com/office/mac/drawingml/2011/main" xmlns="" val="1"/>
             </a:ext>
           </a:extLst>
         </p:spPr>
@@ -1383,14 +795,14 @@
           <a:effectLst/>
           <a:extLst>
             <a:ext uri="{909E8E84-426E-40dd-AFC4-6F175D3DCCD1}">
-              <a14:hiddenFill xmlns="" xmlns:a14="http://schemas.microsoft.com/office/drawing/2010/main">
+              <a14:hiddenFill xmlns:a14="http://schemas.microsoft.com/office/drawing/2010/main" xmlns="">
                 <a:solidFill>
                   <a:schemeClr val="accent1"/>
                 </a:solidFill>
               </a14:hiddenFill>
             </a:ext>
             <a:ext uri="{91240B29-F687-4f45-9708-019B960494DF}">
-              <a14:hiddenLine xmlns="" xmlns:a14="http://schemas.microsoft.com/office/drawing/2010/main" w="9525">
+              <a14:hiddenLine xmlns:a14="http://schemas.microsoft.com/office/drawing/2010/main" xmlns="" w="9525">
                 <a:solidFill>
                   <a:schemeClr val="tx1"/>
                 </a:solidFill>
@@ -1400,7 +812,7 @@
               </a14:hiddenLine>
             </a:ext>
             <a:ext uri="{AF507438-7753-43e0-B8FC-AC1667EBCBE1}">
-              <a14:hiddenEffects xmlns="" xmlns:a14="http://schemas.microsoft.com/office/drawing/2010/main">
+              <a14:hiddenEffects xmlns:a14="http://schemas.microsoft.com/office/drawing/2010/main" xmlns="">
                 <a:effectLst>
                   <a:outerShdw blurRad="63500" dist="38099" dir="2700000" algn="ctr" rotWithShape="0">
                     <a:schemeClr val="bg2">
@@ -1411,7 +823,7 @@
               </a14:hiddenEffects>
             </a:ext>
             <a:ext uri="{FAA26D3D-D897-4be2-8F04-BA451C77F1D7}">
-              <ma14:placeholderFlag xmlns="" xmlns:ma14="http://schemas.microsoft.com/office/mac/drawingml/2011/main" val="1"/>
+              <ma14:placeholderFlag xmlns:ma14="http://schemas.microsoft.com/office/mac/drawingml/2011/main" xmlns="" val="1"/>
             </a:ext>
           </a:extLst>
         </p:spPr>
@@ -1468,14 +880,14 @@
           <a:effectLst/>
           <a:extLst>
             <a:ext uri="{909E8E84-426E-40dd-AFC4-6F175D3DCCD1}">
-              <a14:hiddenFill xmlns="" xmlns:a14="http://schemas.microsoft.com/office/drawing/2010/main">
+              <a14:hiddenFill xmlns:a14="http://schemas.microsoft.com/office/drawing/2010/main" xmlns="">
                 <a:solidFill>
                   <a:schemeClr val="accent1"/>
                 </a:solidFill>
               </a14:hiddenFill>
             </a:ext>
             <a:ext uri="{91240B29-F687-4f45-9708-019B960494DF}">
-              <a14:hiddenLine xmlns="" xmlns:a14="http://schemas.microsoft.com/office/drawing/2010/main" w="9525">
+              <a14:hiddenLine xmlns:a14="http://schemas.microsoft.com/office/drawing/2010/main" xmlns="" w="9525">
                 <a:solidFill>
                   <a:schemeClr val="tx1"/>
                 </a:solidFill>
@@ -1485,7 +897,7 @@
               </a14:hiddenLine>
             </a:ext>
             <a:ext uri="{AF507438-7753-43e0-B8FC-AC1667EBCBE1}">
-              <a14:hiddenEffects xmlns="" xmlns:a14="http://schemas.microsoft.com/office/drawing/2010/main">
+              <a14:hiddenEffects xmlns:a14="http://schemas.microsoft.com/office/drawing/2010/main" xmlns="">
                 <a:effectLst>
                   <a:outerShdw blurRad="63500" dist="38099" dir="2700000" algn="ctr" rotWithShape="0">
                     <a:schemeClr val="bg2">
@@ -1496,7 +908,7 @@
               </a14:hiddenEffects>
             </a:ext>
             <a:ext uri="{FAA26D3D-D897-4be2-8F04-BA451C77F1D7}">
-              <ma14:placeholderFlag xmlns="" xmlns:ma14="http://schemas.microsoft.com/office/mac/drawingml/2011/main" val="1"/>
+              <ma14:placeholderFlag xmlns:ma14="http://schemas.microsoft.com/office/mac/drawingml/2011/main" xmlns="" val="1"/>
             </a:ext>
           </a:extLst>
         </p:spPr>
@@ -1553,14 +965,14 @@
           <a:effectLst/>
           <a:extLst>
             <a:ext uri="{909E8E84-426E-40dd-AFC4-6F175D3DCCD1}">
-              <a14:hiddenFill xmlns="" xmlns:a14="http://schemas.microsoft.com/office/drawing/2010/main">
+              <a14:hiddenFill xmlns:a14="http://schemas.microsoft.com/office/drawing/2010/main" xmlns="">
                 <a:solidFill>
                   <a:schemeClr val="accent1"/>
                 </a:solidFill>
               </a14:hiddenFill>
             </a:ext>
             <a:ext uri="{91240B29-F687-4f45-9708-019B960494DF}">
-              <a14:hiddenLine xmlns="" xmlns:a14="http://schemas.microsoft.com/office/drawing/2010/main" w="9525">
+              <a14:hiddenLine xmlns:a14="http://schemas.microsoft.com/office/drawing/2010/main" xmlns="" w="9525">
                 <a:solidFill>
                   <a:schemeClr val="tx1"/>
                 </a:solidFill>
@@ -1570,7 +982,7 @@
               </a14:hiddenLine>
             </a:ext>
             <a:ext uri="{AF507438-7753-43e0-B8FC-AC1667EBCBE1}">
-              <a14:hiddenEffects xmlns="" xmlns:a14="http://schemas.microsoft.com/office/drawing/2010/main">
+              <a14:hiddenEffects xmlns:a14="http://schemas.microsoft.com/office/drawing/2010/main" xmlns="">
                 <a:effectLst>
                   <a:outerShdw blurRad="63500" dist="38099" dir="2700000" algn="ctr" rotWithShape="0">
                     <a:schemeClr val="bg2">
@@ -1581,7 +993,7 @@
               </a14:hiddenEffects>
             </a:ext>
             <a:ext uri="{FAA26D3D-D897-4be2-8F04-BA451C77F1D7}">
-              <ma14:placeholderFlag xmlns="" xmlns:ma14="http://schemas.microsoft.com/office/mac/drawingml/2011/main" val="1"/>
+              <ma14:placeholderFlag xmlns:ma14="http://schemas.microsoft.com/office/mac/drawingml/2011/main" xmlns="" val="1"/>
             </a:ext>
           </a:extLst>
         </p:spPr>
@@ -1675,14 +1087,14 @@
           <a:effectLst/>
           <a:extLst>
             <a:ext uri="{909E8E84-426E-40dd-AFC4-6F175D3DCCD1}">
-              <a14:hiddenFill xmlns="" xmlns:a14="http://schemas.microsoft.com/office/drawing/2010/main">
+              <a14:hiddenFill xmlns:a14="http://schemas.microsoft.com/office/drawing/2010/main" xmlns="">
                 <a:solidFill>
                   <a:schemeClr val="accent1"/>
                 </a:solidFill>
               </a14:hiddenFill>
             </a:ext>
             <a:ext uri="{91240B29-F687-4f45-9708-019B960494DF}">
-              <a14:hiddenLine xmlns="" xmlns:a14="http://schemas.microsoft.com/office/drawing/2010/main" w="9525">
+              <a14:hiddenLine xmlns:a14="http://schemas.microsoft.com/office/drawing/2010/main" xmlns="" w="9525">
                 <a:solidFill>
                   <a:schemeClr val="tx1"/>
                 </a:solidFill>
@@ -1692,7 +1104,7 @@
               </a14:hiddenLine>
             </a:ext>
             <a:ext uri="{AF507438-7753-43e0-B8FC-AC1667EBCBE1}">
-              <a14:hiddenEffects xmlns="" xmlns:a14="http://schemas.microsoft.com/office/drawing/2010/main">
+              <a14:hiddenEffects xmlns:a14="http://schemas.microsoft.com/office/drawing/2010/main" xmlns="">
                 <a:effectLst>
                   <a:outerShdw blurRad="63500" dist="38099" dir="2700000" algn="ctr" rotWithShape="0">
                     <a:schemeClr val="bg2">
@@ -1703,7 +1115,7 @@
               </a14:hiddenEffects>
             </a:ext>
             <a:ext uri="{FAA26D3D-D897-4be2-8F04-BA451C77F1D7}">
-              <ma14:placeholderFlag xmlns="" xmlns:ma14="http://schemas.microsoft.com/office/mac/drawingml/2011/main" val="1"/>
+              <ma14:placeholderFlag xmlns:ma14="http://schemas.microsoft.com/office/mac/drawingml/2011/main" xmlns="" val="1"/>
             </a:ext>
           </a:extLst>
         </p:spPr>
@@ -1760,14 +1172,14 @@
           <a:effectLst/>
           <a:extLst>
             <a:ext uri="{909E8E84-426E-40dd-AFC4-6F175D3DCCD1}">
-              <a14:hiddenFill xmlns="" xmlns:a14="http://schemas.microsoft.com/office/drawing/2010/main">
+              <a14:hiddenFill xmlns:a14="http://schemas.microsoft.com/office/drawing/2010/main" xmlns="">
                 <a:solidFill>
                   <a:schemeClr val="accent1"/>
                 </a:solidFill>
               </a14:hiddenFill>
             </a:ext>
             <a:ext uri="{91240B29-F687-4f45-9708-019B960494DF}">
-              <a14:hiddenLine xmlns="" xmlns:a14="http://schemas.microsoft.com/office/drawing/2010/main" w="9525">
+              <a14:hiddenLine xmlns:a14="http://schemas.microsoft.com/office/drawing/2010/main" xmlns="" w="9525">
                 <a:solidFill>
                   <a:schemeClr val="tx1"/>
                 </a:solidFill>
@@ -1777,7 +1189,7 @@
               </a14:hiddenLine>
             </a:ext>
             <a:ext uri="{AF507438-7753-43e0-B8FC-AC1667EBCBE1}">
-              <a14:hiddenEffects xmlns="" xmlns:a14="http://schemas.microsoft.com/office/drawing/2010/main">
+              <a14:hiddenEffects xmlns:a14="http://schemas.microsoft.com/office/drawing/2010/main" xmlns="">
                 <a:effectLst>
                   <a:outerShdw blurRad="63500" dist="38099" dir="2700000" algn="ctr" rotWithShape="0">
                     <a:schemeClr val="bg2">
@@ -1788,7 +1200,7 @@
               </a14:hiddenEffects>
             </a:ext>
             <a:ext uri="{FAA26D3D-D897-4be2-8F04-BA451C77F1D7}">
-              <ma14:placeholderFlag xmlns="" xmlns:ma14="http://schemas.microsoft.com/office/mac/drawingml/2011/main" val="1"/>
+              <ma14:placeholderFlag xmlns:ma14="http://schemas.microsoft.com/office/mac/drawingml/2011/main" xmlns="" val="1"/>
             </a:ext>
           </a:extLst>
         </p:spPr>
@@ -1850,7 +1262,7 @@
           <a:effectLst/>
           <a:extLst>
             <a:ext uri="{AF507438-7753-43e0-B8FC-AC1667EBCBE1}">
-              <a14:hiddenEffects xmlns="" xmlns:a14="http://schemas.microsoft.com/office/drawing/2010/main">
+              <a14:hiddenEffects xmlns:a14="http://schemas.microsoft.com/office/drawing/2010/main" xmlns="">
                 <a:effectLst>
                   <a:outerShdw blurRad="63500" dist="38099" dir="2700000" algn="ctr" rotWithShape="0">
                     <a:srgbClr val="000000">
@@ -1861,7 +1273,7 @@
               </a14:hiddenEffects>
             </a:ext>
             <a:ext uri="{53640926-AAD7-44d8-BBD7-CCE9431645EC}">
-              <a14:shadowObscured xmlns="" xmlns:a14="http://schemas.microsoft.com/office/drawing/2010/main" val="1"/>
+              <a14:shadowObscured xmlns:a14="http://schemas.microsoft.com/office/drawing/2010/main" xmlns="" val="1"/>
             </a:ext>
           </a:extLst>
         </p:spPr>
@@ -1891,14 +1303,14 @@
           <a:effectLst/>
           <a:extLst>
             <a:ext uri="{909E8E84-426E-40dd-AFC4-6F175D3DCCD1}">
-              <a14:hiddenFill xmlns="" xmlns:a14="http://schemas.microsoft.com/office/drawing/2010/main">
+              <a14:hiddenFill xmlns:a14="http://schemas.microsoft.com/office/drawing/2010/main" xmlns="">
                 <a:solidFill>
                   <a:schemeClr val="accent1"/>
                 </a:solidFill>
               </a14:hiddenFill>
             </a:ext>
             <a:ext uri="{91240B29-F687-4f45-9708-019B960494DF}">
-              <a14:hiddenLine xmlns="" xmlns:a14="http://schemas.microsoft.com/office/drawing/2010/main" w="9525">
+              <a14:hiddenLine xmlns:a14="http://schemas.microsoft.com/office/drawing/2010/main" xmlns="" w="9525">
                 <a:solidFill>
                   <a:schemeClr val="tx1"/>
                 </a:solidFill>
@@ -1908,7 +1320,7 @@
               </a14:hiddenLine>
             </a:ext>
             <a:ext uri="{AF507438-7753-43e0-B8FC-AC1667EBCBE1}">
-              <a14:hiddenEffects xmlns="" xmlns:a14="http://schemas.microsoft.com/office/drawing/2010/main">
+              <a14:hiddenEffects xmlns:a14="http://schemas.microsoft.com/office/drawing/2010/main" xmlns="">
                 <a:effectLst>
                   <a:outerShdw blurRad="63500" dist="38099" dir="2700000" algn="ctr" rotWithShape="0">
                     <a:schemeClr val="bg2">
@@ -1919,7 +1331,7 @@
               </a14:hiddenEffects>
             </a:ext>
             <a:ext uri="{FAA26D3D-D897-4be2-8F04-BA451C77F1D7}">
-              <ma14:placeholderFlag xmlns="" xmlns:ma14="http://schemas.microsoft.com/office/mac/drawingml/2011/main" val="1"/>
+              <ma14:placeholderFlag xmlns:ma14="http://schemas.microsoft.com/office/mac/drawingml/2011/main" xmlns="" val="1"/>
             </a:ext>
           </a:extLst>
         </p:spPr>
@@ -1992,14 +1404,14 @@
           <a:effectLst/>
           <a:extLst>
             <a:ext uri="{909E8E84-426E-40dd-AFC4-6F175D3DCCD1}">
-              <a14:hiddenFill xmlns="" xmlns:a14="http://schemas.microsoft.com/office/drawing/2010/main">
+              <a14:hiddenFill xmlns:a14="http://schemas.microsoft.com/office/drawing/2010/main" xmlns="">
                 <a:solidFill>
                   <a:schemeClr val="accent1"/>
                 </a:solidFill>
               </a14:hiddenFill>
             </a:ext>
             <a:ext uri="{91240B29-F687-4f45-9708-019B960494DF}">
-              <a14:hiddenLine xmlns="" xmlns:a14="http://schemas.microsoft.com/office/drawing/2010/main" w="9525">
+              <a14:hiddenLine xmlns:a14="http://schemas.microsoft.com/office/drawing/2010/main" xmlns="" w="9525">
                 <a:solidFill>
                   <a:schemeClr val="tx1"/>
                 </a:solidFill>
@@ -2009,7 +1421,7 @@
               </a14:hiddenLine>
             </a:ext>
             <a:ext uri="{AF507438-7753-43e0-B8FC-AC1667EBCBE1}">
-              <a14:hiddenEffects xmlns="" xmlns:a14="http://schemas.microsoft.com/office/drawing/2010/main">
+              <a14:hiddenEffects xmlns:a14="http://schemas.microsoft.com/office/drawing/2010/main" xmlns="">
                 <a:effectLst>
                   <a:outerShdw blurRad="63500" dist="38099" dir="2700000" algn="ctr" rotWithShape="0">
                     <a:schemeClr val="bg2">
@@ -2020,7 +1432,7 @@
               </a14:hiddenEffects>
             </a:ext>
             <a:ext uri="{FAA26D3D-D897-4be2-8F04-BA451C77F1D7}">
-              <ma14:placeholderFlag xmlns="" xmlns:ma14="http://schemas.microsoft.com/office/mac/drawingml/2011/main" val="1"/>
+              <ma14:placeholderFlag xmlns:ma14="http://schemas.microsoft.com/office/mac/drawingml/2011/main" xmlns="" val="1"/>
             </a:ext>
           </a:extLst>
         </p:spPr>
@@ -2077,14 +1489,14 @@
           <a:effectLst/>
           <a:extLst>
             <a:ext uri="{909E8E84-426E-40dd-AFC4-6F175D3DCCD1}">
-              <a14:hiddenFill xmlns="" xmlns:a14="http://schemas.microsoft.com/office/drawing/2010/main">
+              <a14:hiddenFill xmlns:a14="http://schemas.microsoft.com/office/drawing/2010/main" xmlns="">
                 <a:solidFill>
                   <a:schemeClr val="accent1"/>
                 </a:solidFill>
               </a14:hiddenFill>
             </a:ext>
             <a:ext uri="{91240B29-F687-4f45-9708-019B960494DF}">
-              <a14:hiddenLine xmlns="" xmlns:a14="http://schemas.microsoft.com/office/drawing/2010/main" w="9525">
+              <a14:hiddenLine xmlns:a14="http://schemas.microsoft.com/office/drawing/2010/main" xmlns="" w="9525">
                 <a:solidFill>
                   <a:schemeClr val="tx1"/>
                 </a:solidFill>
@@ -2094,7 +1506,7 @@
               </a14:hiddenLine>
             </a:ext>
             <a:ext uri="{AF507438-7753-43e0-B8FC-AC1667EBCBE1}">
-              <a14:hiddenEffects xmlns="" xmlns:a14="http://schemas.microsoft.com/office/drawing/2010/main">
+              <a14:hiddenEffects xmlns:a14="http://schemas.microsoft.com/office/drawing/2010/main" xmlns="">
                 <a:effectLst>
                   <a:outerShdw blurRad="63500" dist="38099" dir="2700000" algn="ctr" rotWithShape="0">
                     <a:schemeClr val="bg2">
@@ -2105,7 +1517,7 @@
               </a14:hiddenEffects>
             </a:ext>
             <a:ext uri="{FAA26D3D-D897-4be2-8F04-BA451C77F1D7}">
-              <ma14:placeholderFlag xmlns="" xmlns:ma14="http://schemas.microsoft.com/office/mac/drawingml/2011/main" val="1"/>
+              <ma14:placeholderFlag xmlns:ma14="http://schemas.microsoft.com/office/mac/drawingml/2011/main" xmlns="" val="1"/>
             </a:ext>
           </a:extLst>
         </p:spPr>
@@ -2328,12 +1740,12 @@
           <a:effectLst/>
           <a:extLst>
             <a:ext uri="{909E8E84-426E-40dd-AFC4-6F175D3DCCD1}">
-              <a14:hiddenFill xmlns="" xmlns:a14="http://schemas.microsoft.com/office/drawing/2010/main">
+              <a14:hiddenFill xmlns:a14="http://schemas.microsoft.com/office/drawing/2010/main" xmlns="">
                 <a:noFill/>
               </a14:hiddenFill>
             </a:ext>
             <a:ext uri="{AF507438-7753-43e0-B8FC-AC1667EBCBE1}">
-              <a14:hiddenEffects xmlns="" xmlns:a14="http://schemas.microsoft.com/office/drawing/2010/main">
+              <a14:hiddenEffects xmlns:a14="http://schemas.microsoft.com/office/drawing/2010/main" xmlns="">
                 <a:effectLst>
                   <a:outerShdw blurRad="63500" dist="38099" dir="2700000" algn="ctr" rotWithShape="0">
                     <a:schemeClr val="bg2">
@@ -2387,12 +1799,12 @@
           <a:effectLst/>
           <a:extLst>
             <a:ext uri="{909E8E84-426E-40dd-AFC4-6F175D3DCCD1}">
-              <a14:hiddenFill xmlns="" xmlns:a14="http://schemas.microsoft.com/office/drawing/2010/main">
+              <a14:hiddenFill xmlns:a14="http://schemas.microsoft.com/office/drawing/2010/main" xmlns="">
                 <a:noFill/>
               </a14:hiddenFill>
             </a:ext>
             <a:ext uri="{AF507438-7753-43e0-B8FC-AC1667EBCBE1}">
-              <a14:hiddenEffects xmlns="" xmlns:a14="http://schemas.microsoft.com/office/drawing/2010/main">
+              <a14:hiddenEffects xmlns:a14="http://schemas.microsoft.com/office/drawing/2010/main" xmlns="">
                 <a:effectLst>
                   <a:outerShdw blurRad="63500" dist="38099" dir="2700000" algn="ctr" rotWithShape="0">
                     <a:schemeClr val="bg2">
@@ -2495,14 +1907,14 @@
           <a:effectLst/>
           <a:extLst>
             <a:ext uri="{909E8E84-426E-40dd-AFC4-6F175D3DCCD1}">
-              <a14:hiddenFill xmlns="" xmlns:a14="http://schemas.microsoft.com/office/drawing/2010/main">
+              <a14:hiddenFill xmlns:a14="http://schemas.microsoft.com/office/drawing/2010/main" xmlns="">
                 <a:solidFill>
                   <a:schemeClr val="accent1"/>
                 </a:solidFill>
               </a14:hiddenFill>
             </a:ext>
             <a:ext uri="{91240B29-F687-4f45-9708-019B960494DF}">
-              <a14:hiddenLine xmlns="" xmlns:a14="http://schemas.microsoft.com/office/drawing/2010/main" w="9525">
+              <a14:hiddenLine xmlns:a14="http://schemas.microsoft.com/office/drawing/2010/main" xmlns="" w="9525">
                 <a:solidFill>
                   <a:schemeClr val="tx1"/>
                 </a:solidFill>
@@ -2512,7 +1924,7 @@
               </a14:hiddenLine>
             </a:ext>
             <a:ext uri="{AF507438-7753-43e0-B8FC-AC1667EBCBE1}">
-              <a14:hiddenEffects xmlns="" xmlns:a14="http://schemas.microsoft.com/office/drawing/2010/main">
+              <a14:hiddenEffects xmlns:a14="http://schemas.microsoft.com/office/drawing/2010/main" xmlns="">
                 <a:effectLst>
                   <a:outerShdw blurRad="63500" dist="38099" dir="2700000" algn="ctr" rotWithShape="0">
                     <a:schemeClr val="bg2">
@@ -2877,14 +2289,14 @@
           </a:xfrm>
           <a:extLst>
             <a:ext uri="{909E8E84-426E-40dd-AFC4-6F175D3DCCD1}">
-              <a14:hiddenFill xmlns="" xmlns:a14="http://schemas.microsoft.com/office/drawing/2010/main">
+              <a14:hiddenFill xmlns:a14="http://schemas.microsoft.com/office/drawing/2010/main" xmlns="">
                 <a:solidFill>
                   <a:schemeClr val="accent1"/>
                 </a:solidFill>
               </a14:hiddenFill>
             </a:ext>
             <a:ext uri="{91240B29-F687-4f45-9708-019B960494DF}">
-              <a14:hiddenLine xmlns="" xmlns:a14="http://schemas.microsoft.com/office/drawing/2010/main" w="9525">
+              <a14:hiddenLine xmlns:a14="http://schemas.microsoft.com/office/drawing/2010/main" xmlns="" w="9525">
                 <a:solidFill>
                   <a:schemeClr val="tx1"/>
                 </a:solidFill>
@@ -2894,7 +2306,7 @@
               </a14:hiddenLine>
             </a:ext>
             <a:ext uri="{AF507438-7753-43e0-B8FC-AC1667EBCBE1}">
-              <a14:hiddenEffects xmlns="" xmlns:a14="http://schemas.microsoft.com/office/drawing/2010/main">
+              <a14:hiddenEffects xmlns:a14="http://schemas.microsoft.com/office/drawing/2010/main" xmlns="">
                 <a:effectLst>
                   <a:outerShdw blurRad="63500" dist="38099" dir="2700000" algn="ctr" rotWithShape="0">
                     <a:schemeClr val="bg2">
@@ -2905,7 +2317,7 @@
               </a14:hiddenEffects>
             </a:ext>
             <a:ext uri="{FAA26D3D-D897-4be2-8F04-BA451C77F1D7}">
-              <ma14:placeholderFlag xmlns="" xmlns:ma14="http://schemas.microsoft.com/office/mac/drawingml/2011/main" val="1"/>
+              <ma14:placeholderFlag xmlns:ma14="http://schemas.microsoft.com/office/mac/drawingml/2011/main" xmlns="" val="1"/>
             </a:ext>
           </a:extLst>
         </p:spPr>
@@ -4947,14 +4359,14 @@
           <a:effectLst/>
           <a:extLst>
             <a:ext uri="{909E8E84-426E-40dd-AFC4-6F175D3DCCD1}">
-              <a14:hiddenFill xmlns="" xmlns:a14="http://schemas.microsoft.com/office/drawing/2010/main">
+              <a14:hiddenFill xmlns:a14="http://schemas.microsoft.com/office/drawing/2010/main" xmlns="">
                 <a:solidFill>
                   <a:schemeClr val="accent1"/>
                 </a:solidFill>
               </a14:hiddenFill>
             </a:ext>
             <a:ext uri="{91240B29-F687-4f45-9708-019B960494DF}">
-              <a14:hiddenLine xmlns="" xmlns:a14="http://schemas.microsoft.com/office/drawing/2010/main" w="9525">
+              <a14:hiddenLine xmlns:a14="http://schemas.microsoft.com/office/drawing/2010/main" xmlns="" w="9525">
                 <a:solidFill>
                   <a:schemeClr val="tx1"/>
                 </a:solidFill>
@@ -4964,7 +4376,7 @@
               </a14:hiddenLine>
             </a:ext>
             <a:ext uri="{AF507438-7753-43e0-B8FC-AC1667EBCBE1}">
-              <a14:hiddenEffects xmlns="" xmlns:a14="http://schemas.microsoft.com/office/drawing/2010/main">
+              <a14:hiddenEffects xmlns:a14="http://schemas.microsoft.com/office/drawing/2010/main" xmlns="">
                 <a:effectLst>
                   <a:outerShdw blurRad="63500" dist="38099" dir="2700000" algn="ctr" rotWithShape="0">
                     <a:schemeClr val="bg2">
@@ -4975,7 +4387,7 @@
               </a14:hiddenEffects>
             </a:ext>
             <a:ext uri="{FAA26D3D-D897-4be2-8F04-BA451C77F1D7}">
-              <ma14:placeholderFlag xmlns="" xmlns:ma14="http://schemas.microsoft.com/office/mac/drawingml/2011/main" val="1"/>
+              <ma14:placeholderFlag xmlns:ma14="http://schemas.microsoft.com/office/mac/drawingml/2011/main" xmlns="" val="1"/>
             </a:ext>
           </a:extLst>
         </p:spPr>
@@ -5090,14 +4502,14 @@
           <a:effectLst/>
           <a:extLst>
             <a:ext uri="{909E8E84-426E-40dd-AFC4-6F175D3DCCD1}">
-              <a14:hiddenFill xmlns="" xmlns:a14="http://schemas.microsoft.com/office/drawing/2010/main">
+              <a14:hiddenFill xmlns:a14="http://schemas.microsoft.com/office/drawing/2010/main" xmlns="">
                 <a:solidFill>
                   <a:schemeClr val="accent1"/>
                 </a:solidFill>
               </a14:hiddenFill>
             </a:ext>
             <a:ext uri="{91240B29-F687-4f45-9708-019B960494DF}">
-              <a14:hiddenLine xmlns="" xmlns:a14="http://schemas.microsoft.com/office/drawing/2010/main" w="9525">
+              <a14:hiddenLine xmlns:a14="http://schemas.microsoft.com/office/drawing/2010/main" xmlns="" w="9525">
                 <a:solidFill>
                   <a:schemeClr val="tx1"/>
                 </a:solidFill>
@@ -5107,7 +4519,7 @@
               </a14:hiddenLine>
             </a:ext>
             <a:ext uri="{AF507438-7753-43e0-B8FC-AC1667EBCBE1}">
-              <a14:hiddenEffects xmlns="" xmlns:a14="http://schemas.microsoft.com/office/drawing/2010/main">
+              <a14:hiddenEffects xmlns:a14="http://schemas.microsoft.com/office/drawing/2010/main" xmlns="">
                 <a:effectLst>
                   <a:outerShdw blurRad="63500" dist="38099" dir="2700000" algn="ctr" rotWithShape="0">
                     <a:schemeClr val="bg2">
@@ -5118,7 +4530,7 @@
               </a14:hiddenEffects>
             </a:ext>
             <a:ext uri="{FAA26D3D-D897-4be2-8F04-BA451C77F1D7}">
-              <ma14:placeholderFlag xmlns="" xmlns:ma14="http://schemas.microsoft.com/office/mac/drawingml/2011/main" val="1"/>
+              <ma14:placeholderFlag xmlns:ma14="http://schemas.microsoft.com/office/mac/drawingml/2011/main" xmlns="" val="1"/>
             </a:ext>
           </a:extLst>
         </p:spPr>
@@ -5163,14 +4575,14 @@
           <a:effectLst/>
           <a:extLst>
             <a:ext uri="{909E8E84-426E-40dd-AFC4-6F175D3DCCD1}">
-              <a14:hiddenFill xmlns="" xmlns:a14="http://schemas.microsoft.com/office/drawing/2010/main">
+              <a14:hiddenFill xmlns:a14="http://schemas.microsoft.com/office/drawing/2010/main" xmlns="">
                 <a:solidFill>
                   <a:schemeClr val="accent1"/>
                 </a:solidFill>
               </a14:hiddenFill>
             </a:ext>
             <a:ext uri="{91240B29-F687-4f45-9708-019B960494DF}">
-              <a14:hiddenLine xmlns="" xmlns:a14="http://schemas.microsoft.com/office/drawing/2010/main" w="9525">
+              <a14:hiddenLine xmlns:a14="http://schemas.microsoft.com/office/drawing/2010/main" xmlns="" w="9525">
                 <a:solidFill>
                   <a:schemeClr val="tx1"/>
                 </a:solidFill>
@@ -5180,7 +4592,7 @@
               </a14:hiddenLine>
             </a:ext>
             <a:ext uri="{AF507438-7753-43e0-B8FC-AC1667EBCBE1}">
-              <a14:hiddenEffects xmlns="" xmlns:a14="http://schemas.microsoft.com/office/drawing/2010/main">
+              <a14:hiddenEffects xmlns:a14="http://schemas.microsoft.com/office/drawing/2010/main" xmlns="">
                 <a:effectLst>
                   <a:outerShdw blurRad="63500" dist="38099" dir="2700000" algn="ctr" rotWithShape="0">
                     <a:schemeClr val="bg2">
@@ -5191,7 +4603,7 @@
               </a14:hiddenEffects>
             </a:ext>
             <a:ext uri="{FAA26D3D-D897-4be2-8F04-BA451C77F1D7}">
-              <ma14:placeholderFlag xmlns="" xmlns:ma14="http://schemas.microsoft.com/office/mac/drawingml/2011/main" val="1"/>
+              <ma14:placeholderFlag xmlns:ma14="http://schemas.microsoft.com/office/mac/drawingml/2011/main" xmlns="" val="1"/>
             </a:ext>
           </a:extLst>
         </p:spPr>
@@ -5706,14 +5118,14 @@
           <a:effectLst/>
           <a:extLst>
             <a:ext uri="{909E8E84-426E-40dd-AFC4-6F175D3DCCD1}">
-              <a14:hiddenFill xmlns="" xmlns:a14="http://schemas.microsoft.com/office/drawing/2010/main">
+              <a14:hiddenFill xmlns:a14="http://schemas.microsoft.com/office/drawing/2010/main" xmlns="">
                 <a:solidFill>
                   <a:schemeClr val="accent1"/>
                 </a:solidFill>
               </a14:hiddenFill>
             </a:ext>
             <a:ext uri="{91240B29-F687-4f45-9708-019B960494DF}">
-              <a14:hiddenLine xmlns="" xmlns:a14="http://schemas.microsoft.com/office/drawing/2010/main" w="9525">
+              <a14:hiddenLine xmlns:a14="http://schemas.microsoft.com/office/drawing/2010/main" xmlns="" w="9525">
                 <a:solidFill>
                   <a:schemeClr val="tx1"/>
                 </a:solidFill>
@@ -5723,7 +5135,7 @@
               </a14:hiddenLine>
             </a:ext>
             <a:ext uri="{AF507438-7753-43e0-B8FC-AC1667EBCBE1}">
-              <a14:hiddenEffects xmlns="" xmlns:a14="http://schemas.microsoft.com/office/drawing/2010/main">
+              <a14:hiddenEffects xmlns:a14="http://schemas.microsoft.com/office/drawing/2010/main" xmlns="">
                 <a:effectLst>
                   <a:outerShdw blurRad="63500" dist="38099" dir="2700000" algn="ctr" rotWithShape="0">
                     <a:schemeClr val="bg2">
@@ -5874,14 +5286,14 @@
         <p:spPr>
           <a:extLst>
             <a:ext uri="{909E8E84-426E-40dd-AFC4-6F175D3DCCD1}">
-              <a14:hiddenFill xmlns="" xmlns:a14="http://schemas.microsoft.com/office/drawing/2010/main">
+              <a14:hiddenFill xmlns:a14="http://schemas.microsoft.com/office/drawing/2010/main" xmlns="">
                 <a:solidFill>
                   <a:schemeClr val="accent1"/>
                 </a:solidFill>
               </a14:hiddenFill>
             </a:ext>
             <a:ext uri="{91240B29-F687-4f45-9708-019B960494DF}">
-              <a14:hiddenLine xmlns="" xmlns:a14="http://schemas.microsoft.com/office/drawing/2010/main" w="9525">
+              <a14:hiddenLine xmlns:a14="http://schemas.microsoft.com/office/drawing/2010/main" xmlns="" w="9525">
                 <a:solidFill>
                   <a:schemeClr val="tx1"/>
                 </a:solidFill>
@@ -5891,7 +5303,7 @@
               </a14:hiddenLine>
             </a:ext>
             <a:ext uri="{AF507438-7753-43e0-B8FC-AC1667EBCBE1}">
-              <a14:hiddenEffects xmlns="" xmlns:a14="http://schemas.microsoft.com/office/drawing/2010/main">
+              <a14:hiddenEffects xmlns:a14="http://schemas.microsoft.com/office/drawing/2010/main" xmlns="">
                 <a:effectLst>
                   <a:outerShdw blurRad="63500" dist="38099" dir="2700000" algn="ctr" rotWithShape="0">
                     <a:schemeClr val="bg2">
@@ -5902,7 +5314,7 @@
               </a14:hiddenEffects>
             </a:ext>
             <a:ext uri="{FAA26D3D-D897-4be2-8F04-BA451C77F1D7}">
-              <ma14:placeholderFlag xmlns="" xmlns:ma14="http://schemas.microsoft.com/office/mac/drawingml/2011/main" val="1"/>
+              <ma14:placeholderFlag xmlns:ma14="http://schemas.microsoft.com/office/mac/drawingml/2011/main" xmlns="" val="1"/>
             </a:ext>
           </a:extLst>
         </p:spPr>
@@ -5957,14 +5369,14 @@
           </a:xfrm>
           <a:extLst>
             <a:ext uri="{909E8E84-426E-40dd-AFC4-6F175D3DCCD1}">
-              <a14:hiddenFill xmlns="" xmlns:a14="http://schemas.microsoft.com/office/drawing/2010/main">
+              <a14:hiddenFill xmlns:a14="http://schemas.microsoft.com/office/drawing/2010/main" xmlns="">
                 <a:solidFill>
                   <a:schemeClr val="accent1"/>
                 </a:solidFill>
               </a14:hiddenFill>
             </a:ext>
             <a:ext uri="{91240B29-F687-4f45-9708-019B960494DF}">
-              <a14:hiddenLine xmlns="" xmlns:a14="http://schemas.microsoft.com/office/drawing/2010/main" w="9525">
+              <a14:hiddenLine xmlns:a14="http://schemas.microsoft.com/office/drawing/2010/main" xmlns="" w="9525">
                 <a:solidFill>
                   <a:schemeClr val="tx1"/>
                 </a:solidFill>
@@ -5974,7 +5386,7 @@
               </a14:hiddenLine>
             </a:ext>
             <a:ext uri="{AF507438-7753-43e0-B8FC-AC1667EBCBE1}">
-              <a14:hiddenEffects xmlns="" xmlns:a14="http://schemas.microsoft.com/office/drawing/2010/main">
+              <a14:hiddenEffects xmlns:a14="http://schemas.microsoft.com/office/drawing/2010/main" xmlns="">
                 <a:effectLst>
                   <a:outerShdw blurRad="63500" dist="38099" dir="2700000" algn="ctr" rotWithShape="0">
                     <a:schemeClr val="bg2">
@@ -5985,7 +5397,7 @@
               </a14:hiddenEffects>
             </a:ext>
             <a:ext uri="{FAA26D3D-D897-4be2-8F04-BA451C77F1D7}">
-              <ma14:placeholderFlag xmlns="" xmlns:ma14="http://schemas.microsoft.com/office/mac/drawingml/2011/main" val="1"/>
+              <ma14:placeholderFlag xmlns:ma14="http://schemas.microsoft.com/office/mac/drawingml/2011/main" xmlns="" val="1"/>
             </a:ext>
           </a:extLst>
         </p:spPr>
@@ -6103,6 +5515,992 @@
     </p:spTree>
     <p:extLst>
       <p:ext uri="{BB962C8B-B14F-4D97-AF65-F5344CB8AC3E}">
+        <p14:creationId xmlns:p14="http://schemas.microsoft.com/office/powerpoint/2010/main" val="35110970"/>
+      </p:ext>
+    </p:extLst>
+  </p:cSld>
+  <p:clrMapOvr>
+    <a:masterClrMapping/>
+  </p:clrMapOvr>
+</p:sld>
+</file>
+
+<file path=ppt/slides/slide11.xml><?xml version="1.0" encoding="utf-8"?>
+<p:sld xmlns:a="http://schemas.openxmlformats.org/drawingml/2006/main" xmlns:r="http://schemas.openxmlformats.org/officeDocument/2006/relationships" xmlns:p="http://schemas.openxmlformats.org/presentationml/2006/main">
+  <p:cSld>
+    <p:spTree>
+      <p:nvGrpSpPr>
+        <p:cNvPr id="1" name=""/>
+        <p:cNvGrpSpPr/>
+        <p:nvPr/>
+      </p:nvGrpSpPr>
+      <p:grpSpPr>
+        <a:xfrm>
+          <a:off x="0" y="0"/>
+          <a:ext cx="0" cy="0"/>
+          <a:chOff x="0" y="0"/>
+          <a:chExt cx="0" cy="0"/>
+        </a:xfrm>
+      </p:grpSpPr>
+      <p:sp>
+        <p:nvSpPr>
+          <p:cNvPr id="2" name="Titel 1"/>
+          <p:cNvSpPr>
+            <a:spLocks noGrp="1"/>
+          </p:cNvSpPr>
+          <p:nvPr>
+            <p:ph type="title"/>
+          </p:nvPr>
+        </p:nvSpPr>
+        <p:spPr/>
+        <p:txBody>
+          <a:bodyPr/>
+          <a:lstStyle/>
+          <a:p>
+            <a:r>
+              <a:rPr lang="de-DE" dirty="0" smtClean="0"/>
+              <a:t>Motivation: Implementation </a:t>
+            </a:r>
+            <a:r>
+              <a:rPr lang="de-DE" dirty="0" err="1" smtClean="0"/>
+              <a:t>of</a:t>
+            </a:r>
+            <a:r>
+              <a:rPr lang="de-DE" dirty="0" smtClean="0"/>
+              <a:t> FFT on </a:t>
+            </a:r>
+            <a:r>
+              <a:rPr lang="de-DE" dirty="0" err="1" smtClean="0"/>
+              <a:t>Epiphany</a:t>
+            </a:r>
+            <a:endParaRPr lang="de-DE" dirty="0"/>
+          </a:p>
+        </p:txBody>
+      </p:sp>
+      <p:sp>
+        <p:nvSpPr>
+          <p:cNvPr id="5" name="Rectangle 8"/>
+          <p:cNvSpPr txBox="1">
+            <a:spLocks noChangeArrowheads="1"/>
+          </p:cNvSpPr>
+          <p:nvPr/>
+        </p:nvSpPr>
+        <p:spPr bwMode="auto">
+          <a:xfrm>
+            <a:off x="323850" y="765175"/>
+            <a:ext cx="8424614" cy="5256213"/>
+          </a:xfrm>
+          <a:prstGeom prst="rect">
+            <a:avLst/>
+          </a:prstGeom>
+          <a:noFill/>
+          <a:ln>
+            <a:noFill/>
+          </a:ln>
+          <a:effectLst/>
+          <a:extLst>
+            <a:ext uri="{909E8E84-426E-40dd-AFC4-6F175D3DCCD1}">
+              <a14:hiddenFill xmlns:a14="http://schemas.microsoft.com/office/drawing/2010/main" xmlns="">
+                <a:solidFill>
+                  <a:schemeClr val="accent1"/>
+                </a:solidFill>
+              </a14:hiddenFill>
+            </a:ext>
+            <a:ext uri="{91240B29-F687-4f45-9708-019B960494DF}">
+              <a14:hiddenLine xmlns:a14="http://schemas.microsoft.com/office/drawing/2010/main" xmlns="" w="9525">
+                <a:solidFill>
+                  <a:schemeClr val="tx1"/>
+                </a:solidFill>
+                <a:miter lim="800000"/>
+                <a:headEnd/>
+                <a:tailEnd/>
+              </a14:hiddenLine>
+            </a:ext>
+            <a:ext uri="{AF507438-7753-43e0-B8FC-AC1667EBCBE1}">
+              <a14:hiddenEffects xmlns:a14="http://schemas.microsoft.com/office/drawing/2010/main" xmlns="">
+                <a:effectLst>
+                  <a:outerShdw blurRad="63500" dist="38099" dir="2700000" algn="ctr" rotWithShape="0">
+                    <a:schemeClr val="bg2">
+                      <a:alpha val="74998"/>
+                    </a:schemeClr>
+                  </a:outerShdw>
+                </a:effectLst>
+              </a14:hiddenEffects>
+            </a:ext>
+            <a:ext uri="{FAA26D3D-D897-4be2-8F04-BA451C77F1D7}">
+              <ma14:placeholderFlag xmlns:ma14="http://schemas.microsoft.com/office/mac/drawingml/2011/main" xmlns="" val="1"/>
+            </a:ext>
+          </a:extLst>
+        </p:spPr>
+        <p:txBody>
+          <a:bodyPr vert="horz" wrap="square" lIns="91440" tIns="45720" rIns="91440" bIns="45720" numCol="1" anchor="t" anchorCtr="0" compatLnSpc="1">
+            <a:prstTxWarp prst="textNoShape">
+              <a:avLst/>
+            </a:prstTxWarp>
+          </a:bodyPr>
+          <a:lstStyle>
+            <a:lvl1pPr marL="342900" indent="-342900" algn="l" defTabSz="361950" rtl="0" eaLnBrk="1" fontAlgn="base" hangingPunct="1">
+              <a:spcBef>
+                <a:spcPct val="50000"/>
+              </a:spcBef>
+              <a:spcAft>
+                <a:spcPct val="0"/>
+              </a:spcAft>
+              <a:defRPr>
+                <a:solidFill>
+                  <a:schemeClr val="tx1"/>
+                </a:solidFill>
+                <a:latin typeface="Univers Light"/>
+                <a:ea typeface="+mn-ea"/>
+                <a:cs typeface="Univers Light"/>
+              </a:defRPr>
+            </a:lvl1pPr>
+            <a:lvl2pPr marL="263525" indent="-261938" algn="l" defTabSz="361950" rtl="0" eaLnBrk="1" fontAlgn="base" hangingPunct="1">
+              <a:spcBef>
+                <a:spcPct val="50000"/>
+              </a:spcBef>
+              <a:spcAft>
+                <a:spcPct val="0"/>
+              </a:spcAft>
+              <a:buBlip>
+                <a:blip r:embed="rId2"/>
+              </a:buBlip>
+              <a:defRPr>
+                <a:solidFill>
+                  <a:schemeClr val="tx1"/>
+                </a:solidFill>
+                <a:latin typeface="Univers Light"/>
+                <a:ea typeface="+mn-ea"/>
+                <a:cs typeface="Univers Light"/>
+              </a:defRPr>
+            </a:lvl2pPr>
+            <a:lvl3pPr marL="712788" indent="-269875" algn="l" defTabSz="361950" rtl="0" eaLnBrk="1" fontAlgn="base" hangingPunct="1">
+              <a:spcBef>
+                <a:spcPct val="50000"/>
+              </a:spcBef>
+              <a:spcAft>
+                <a:spcPct val="0"/>
+              </a:spcAft>
+              <a:buClr>
+                <a:srgbClr val="C0C0C0"/>
+              </a:buClr>
+              <a:buFont typeface="Arial" panose="020B0604020202020204" pitchFamily="34" charset="0"/>
+              <a:buChar char="–"/>
+              <a:defRPr>
+                <a:solidFill>
+                  <a:schemeClr val="tx1"/>
+                </a:solidFill>
+                <a:latin typeface="Univers Light"/>
+                <a:ea typeface="+mn-ea"/>
+                <a:cs typeface="Univers Light"/>
+              </a:defRPr>
+            </a:lvl3pPr>
+            <a:lvl4pPr marL="1073150" indent="-179388" algn="l" defTabSz="361950" rtl="0" eaLnBrk="1" fontAlgn="base" hangingPunct="1">
+              <a:spcBef>
+                <a:spcPct val="20000"/>
+              </a:spcBef>
+              <a:spcAft>
+                <a:spcPct val="0"/>
+              </a:spcAft>
+              <a:buClr>
+                <a:srgbClr val="C0C0C0"/>
+              </a:buClr>
+              <a:buChar char="•"/>
+              <a:defRPr>
+                <a:solidFill>
+                  <a:schemeClr val="tx1"/>
+                </a:solidFill>
+                <a:latin typeface="Univers Light"/>
+                <a:ea typeface="+mn-ea"/>
+                <a:cs typeface="Univers Light"/>
+              </a:defRPr>
+            </a:lvl4pPr>
+            <a:lvl5pPr marL="1520825" indent="-180975" algn="l" defTabSz="361950" rtl="0" eaLnBrk="1" fontAlgn="base" hangingPunct="1">
+              <a:spcBef>
+                <a:spcPct val="20000"/>
+              </a:spcBef>
+              <a:spcAft>
+                <a:spcPct val="0"/>
+              </a:spcAft>
+              <a:buClr>
+                <a:srgbClr val="C0C0C0"/>
+              </a:buClr>
+              <a:buChar char="-"/>
+              <a:defRPr sz="1600">
+                <a:solidFill>
+                  <a:schemeClr val="tx1"/>
+                </a:solidFill>
+                <a:latin typeface="Univers Light"/>
+                <a:ea typeface="+mn-ea"/>
+                <a:cs typeface="Univers Light"/>
+              </a:defRPr>
+            </a:lvl5pPr>
+            <a:lvl6pPr marL="1978025" indent="-180975" algn="l" defTabSz="361950" rtl="0" eaLnBrk="1" fontAlgn="base" hangingPunct="1">
+              <a:spcBef>
+                <a:spcPct val="20000"/>
+              </a:spcBef>
+              <a:spcAft>
+                <a:spcPct val="0"/>
+              </a:spcAft>
+              <a:buClr>
+                <a:srgbClr val="C0C0C0"/>
+              </a:buClr>
+              <a:buChar char="-"/>
+              <a:defRPr sz="1600">
+                <a:solidFill>
+                  <a:schemeClr val="tx1"/>
+                </a:solidFill>
+                <a:latin typeface="+mn-lt"/>
+                <a:ea typeface="+mn-ea"/>
+              </a:defRPr>
+            </a:lvl6pPr>
+            <a:lvl7pPr marL="2435225" indent="-180975" algn="l" defTabSz="361950" rtl="0" eaLnBrk="1" fontAlgn="base" hangingPunct="1">
+              <a:spcBef>
+                <a:spcPct val="20000"/>
+              </a:spcBef>
+              <a:spcAft>
+                <a:spcPct val="0"/>
+              </a:spcAft>
+              <a:buClr>
+                <a:srgbClr val="C0C0C0"/>
+              </a:buClr>
+              <a:buChar char="-"/>
+              <a:defRPr sz="1600">
+                <a:solidFill>
+                  <a:schemeClr val="tx1"/>
+                </a:solidFill>
+                <a:latin typeface="+mn-lt"/>
+                <a:ea typeface="+mn-ea"/>
+              </a:defRPr>
+            </a:lvl7pPr>
+            <a:lvl8pPr marL="2892425" indent="-180975" algn="l" defTabSz="361950" rtl="0" eaLnBrk="1" fontAlgn="base" hangingPunct="1">
+              <a:spcBef>
+                <a:spcPct val="20000"/>
+              </a:spcBef>
+              <a:spcAft>
+                <a:spcPct val="0"/>
+              </a:spcAft>
+              <a:buClr>
+                <a:srgbClr val="C0C0C0"/>
+              </a:buClr>
+              <a:buChar char="-"/>
+              <a:defRPr sz="1600">
+                <a:solidFill>
+                  <a:schemeClr val="tx1"/>
+                </a:solidFill>
+                <a:latin typeface="+mn-lt"/>
+                <a:ea typeface="+mn-ea"/>
+              </a:defRPr>
+            </a:lvl8pPr>
+            <a:lvl9pPr marL="3349625" indent="-180975" algn="l" defTabSz="361950" rtl="0" eaLnBrk="1" fontAlgn="base" hangingPunct="1">
+              <a:spcBef>
+                <a:spcPct val="20000"/>
+              </a:spcBef>
+              <a:spcAft>
+                <a:spcPct val="0"/>
+              </a:spcAft>
+              <a:buClr>
+                <a:srgbClr val="C0C0C0"/>
+              </a:buClr>
+              <a:buChar char="-"/>
+              <a:defRPr sz="1600">
+                <a:solidFill>
+                  <a:schemeClr val="tx1"/>
+                </a:solidFill>
+                <a:latin typeface="+mn-lt"/>
+                <a:ea typeface="+mn-ea"/>
+              </a:defRPr>
+            </a:lvl9pPr>
+          </a:lstStyle>
+          <a:p>
+            <a:pPr lvl="1"/>
+            <a:r>
+              <a:rPr lang="en-US" altLang="de-DE" kern="0" dirty="0" smtClean="0">
+                <a:latin typeface="Univers Light" pitchFamily="-84" charset="0"/>
+              </a:rPr>
+              <a:t>Fast Fourier Transform is basic operation for many applications</a:t>
+            </a:r>
+          </a:p>
+          <a:p>
+            <a:pPr lvl="1"/>
+            <a:r>
+              <a:rPr lang="en-US" altLang="de-DE" kern="0" dirty="0" smtClean="0">
+                <a:latin typeface="Univers Light" pitchFamily="-84" charset="0"/>
+              </a:rPr>
+              <a:t>Algorithm to compute the discrete </a:t>
+            </a:r>
+            <a:r>
+              <a:rPr lang="en-US" altLang="de-DE" kern="0" dirty="0" err="1" smtClean="0">
+                <a:latin typeface="Univers Light" pitchFamily="-84" charset="0"/>
+              </a:rPr>
+              <a:t>fourier</a:t>
+            </a:r>
+            <a:r>
+              <a:rPr lang="en-US" altLang="de-DE" kern="0" dirty="0" smtClean="0">
+                <a:latin typeface="Univers Light" pitchFamily="-84" charset="0"/>
+              </a:rPr>
+              <a:t> transform</a:t>
+            </a:r>
+          </a:p>
+          <a:p>
+            <a:pPr lvl="1"/>
+            <a:r>
+              <a:rPr lang="en-US" altLang="de-DE" kern="0" dirty="0" smtClean="0">
+                <a:latin typeface="Univers Light" pitchFamily="-84" charset="0"/>
+              </a:rPr>
+              <a:t>Concrete example: Filtered </a:t>
+            </a:r>
+            <a:r>
+              <a:rPr lang="en-US" altLang="de-DE" kern="0" dirty="0" err="1" smtClean="0">
+                <a:latin typeface="Univers Light" pitchFamily="-84" charset="0"/>
+              </a:rPr>
+              <a:t>backprojection</a:t>
+            </a:r>
+            <a:r>
+              <a:rPr lang="en-US" altLang="de-DE" kern="0" dirty="0" smtClean="0">
+                <a:latin typeface="Univers Light" pitchFamily="-84" charset="0"/>
+              </a:rPr>
+              <a:t> as CT-Reconstruction algorithm</a:t>
+            </a:r>
+            <a:endParaRPr lang="en-US" altLang="de-DE" kern="0" dirty="0" smtClean="0">
+              <a:latin typeface="Univers Light" pitchFamily="-84" charset="0"/>
+            </a:endParaRPr>
+          </a:p>
+        </p:txBody>
+      </p:sp>
+      <p:sp>
+        <p:nvSpPr>
+          <p:cNvPr id="7" name="Pfeil nach rechts 6"/>
+          <p:cNvSpPr/>
+          <p:nvPr/>
+        </p:nvSpPr>
+        <p:spPr bwMode="auto">
+          <a:xfrm>
+            <a:off x="2322100" y="3279998"/>
+            <a:ext cx="1008112" cy="576064"/>
+          </a:xfrm>
+          <a:prstGeom prst="rightArrow">
+            <a:avLst/>
+          </a:prstGeom>
+          <a:noFill/>
+          <a:ln>
+            <a:noFill/>
+          </a:ln>
+          <a:effectLst/>
+          <a:extLst>
+            <a:ext uri="{909E8E84-426E-40dd-AFC4-6F175D3DCCD1}">
+              <a14:hiddenFill xmlns:a14="http://schemas.microsoft.com/office/drawing/2010/main" xmlns="">
+                <a:solidFill>
+                  <a:schemeClr val="accent1"/>
+                </a:solidFill>
+              </a14:hiddenFill>
+            </a:ext>
+            <a:ext uri="{91240B29-F687-4f45-9708-019B960494DF}">
+              <a14:hiddenLine xmlns:a14="http://schemas.microsoft.com/office/drawing/2010/main" xmlns="" w="9525" cap="flat" cmpd="sng" algn="ctr">
+                <a:solidFill>
+                  <a:schemeClr val="tx1"/>
+                </a:solidFill>
+                <a:prstDash val="solid"/>
+                <a:round/>
+                <a:headEnd type="none" w="med" len="med"/>
+                <a:tailEnd type="none" w="med" len="med"/>
+              </a14:hiddenLine>
+            </a:ext>
+            <a:ext uri="{AF507438-7753-43e0-B8FC-AC1667EBCBE1}">
+              <a14:hiddenEffects xmlns:a14="http://schemas.microsoft.com/office/drawing/2010/main" xmlns="">
+                <a:effectLst>
+                  <a:outerShdw blurRad="63500" dist="35921" dir="2700000" algn="ctr" rotWithShape="0">
+                    <a:schemeClr val="bg2"/>
+                  </a:outerShdw>
+                </a:effectLst>
+              </a14:hiddenEffects>
+            </a:ext>
+          </a:extLst>
+        </p:spPr>
+        <p:txBody>
+          <a:bodyPr vert="horz" wrap="square" lIns="0" tIns="0" rIns="90000" bIns="46800" numCol="1" rtlCol="0" anchor="ctr" anchorCtr="0" compatLnSpc="1">
+            <a:prstTxWarp prst="textNoShape">
+              <a:avLst/>
+            </a:prstTxWarp>
+          </a:bodyPr>
+          <a:lstStyle/>
+          <a:p>
+            <a:pPr marL="0" marR="0" indent="0" algn="l" defTabSz="914400" rtl="0" eaLnBrk="1" fontAlgn="base" latinLnBrk="0" hangingPunct="1">
+              <a:lnSpc>
+                <a:spcPct val="100000"/>
+              </a:lnSpc>
+              <a:spcBef>
+                <a:spcPct val="50000"/>
+              </a:spcBef>
+              <a:spcAft>
+                <a:spcPct val="0"/>
+              </a:spcAft>
+              <a:buClrTx/>
+              <a:buSzTx/>
+              <a:buFontTx/>
+              <a:buNone/>
+              <a:tabLst/>
+            </a:pPr>
+            <a:endParaRPr kumimoji="0" lang="de-DE" sz="1800" b="0" i="0" u="none" strike="noStrike" cap="none" normalizeH="0" baseline="0">
+              <a:ln>
+                <a:noFill/>
+              </a:ln>
+              <a:solidFill>
+                <a:srgbClr val="FFFFFF"/>
+              </a:solidFill>
+              <a:effectLst/>
+              <a:latin typeface="Univers 45 Light" charset="0"/>
+              <a:ea typeface="ＭＳ Ｐゴシック" charset="0"/>
+            </a:endParaRPr>
+          </a:p>
+        </p:txBody>
+      </p:sp>
+      <p:sp>
+        <p:nvSpPr>
+          <p:cNvPr id="8" name="Pfeil nach rechts 7"/>
+          <p:cNvSpPr/>
+          <p:nvPr/>
+        </p:nvSpPr>
+        <p:spPr bwMode="auto">
+          <a:xfrm>
+            <a:off x="2223420" y="3496022"/>
+            <a:ext cx="1080120" cy="1008112"/>
+          </a:xfrm>
+          <a:prstGeom prst="rightArrow">
+            <a:avLst/>
+          </a:prstGeom>
+          <a:solidFill>
+            <a:srgbClr val="E56B20"/>
+          </a:solidFill>
+          <a:ln>
+            <a:solidFill>
+              <a:srgbClr val="E56B20"/>
+            </a:solidFill>
+          </a:ln>
+          <a:extLst>
+            <a:ext uri="{909E8E84-426E-40dd-AFC4-6F175D3DCCD1}">
+              <a14:hiddenFill xmlns:a14="http://schemas.microsoft.com/office/drawing/2010/main" xmlns="">
+                <a:solidFill>
+                  <a:schemeClr val="accent1"/>
+                </a:solidFill>
+              </a14:hiddenFill>
+            </a:ext>
+            <a:ext uri="{91240B29-F687-4f45-9708-019B960494DF}">
+              <a14:hiddenLine xmlns:a14="http://schemas.microsoft.com/office/drawing/2010/main" xmlns="" w="9525" cap="flat" cmpd="sng" algn="ctr">
+                <a:solidFill>
+                  <a:schemeClr val="tx1"/>
+                </a:solidFill>
+                <a:prstDash val="solid"/>
+                <a:round/>
+                <a:headEnd type="none" w="med" len="med"/>
+                <a:tailEnd type="none" w="med" len="med"/>
+              </a14:hiddenLine>
+            </a:ext>
+            <a:ext uri="{AF507438-7753-43e0-B8FC-AC1667EBCBE1}">
+              <a14:hiddenEffects xmlns:a14="http://schemas.microsoft.com/office/drawing/2010/main" xmlns="">
+                <a:effectLst>
+                  <a:outerShdw blurRad="63500" dist="35921" dir="2700000" algn="ctr" rotWithShape="0">
+                    <a:schemeClr val="bg2"/>
+                  </a:outerShdw>
+                </a:effectLst>
+              </a14:hiddenEffects>
+            </a:ext>
+          </a:extLst>
+        </p:spPr>
+        <p:style>
+          <a:lnRef idx="2">
+            <a:schemeClr val="accent2"/>
+          </a:lnRef>
+          <a:fillRef idx="1">
+            <a:schemeClr val="lt1"/>
+          </a:fillRef>
+          <a:effectRef idx="0">
+            <a:schemeClr val="accent2"/>
+          </a:effectRef>
+          <a:fontRef idx="minor">
+            <a:schemeClr val="dk1"/>
+          </a:fontRef>
+        </p:style>
+        <p:txBody>
+          <a:bodyPr vert="horz" wrap="square" lIns="0" tIns="0" rIns="90000" bIns="46800" numCol="1" rtlCol="0" anchor="ctr" anchorCtr="0" compatLnSpc="1">
+            <a:prstTxWarp prst="textNoShape">
+              <a:avLst/>
+            </a:prstTxWarp>
+          </a:bodyPr>
+          <a:lstStyle/>
+          <a:p>
+            <a:pPr marL="0" marR="0" indent="0" algn="l" defTabSz="914400" rtl="0" eaLnBrk="1" fontAlgn="base" latinLnBrk="0" hangingPunct="1">
+              <a:lnSpc>
+                <a:spcPct val="100000"/>
+              </a:lnSpc>
+              <a:spcBef>
+                <a:spcPct val="50000"/>
+              </a:spcBef>
+              <a:spcAft>
+                <a:spcPct val="0"/>
+              </a:spcAft>
+              <a:buClrTx/>
+              <a:buSzTx/>
+              <a:buFontTx/>
+              <a:buNone/>
+              <a:tabLst/>
+            </a:pPr>
+            <a:endParaRPr kumimoji="0" lang="de-DE" sz="1800" i="0" u="none" strike="noStrike" normalizeH="0" baseline="0">
+              <a:ln w="0"/>
+              <a:solidFill>
+                <a:schemeClr val="tx1"/>
+              </a:solidFill>
+              <a:effectLst>
+                <a:outerShdw blurRad="38100" dist="19050" dir="2700000" algn="tl" rotWithShape="0">
+                  <a:schemeClr val="dk1">
+                    <a:alpha val="40000"/>
+                  </a:schemeClr>
+                </a:outerShdw>
+              </a:effectLst>
+              <a:latin typeface="Univers 45 Light" charset="0"/>
+              <a:ea typeface="ＭＳ Ｐゴシック" charset="0"/>
+            </a:endParaRPr>
+          </a:p>
+        </p:txBody>
+      </p:sp>
+      <p:sp>
+        <p:nvSpPr>
+          <p:cNvPr id="9" name="Textfeld 8"/>
+          <p:cNvSpPr txBox="1"/>
+          <p:nvPr/>
+        </p:nvSpPr>
+        <p:spPr>
+          <a:xfrm>
+            <a:off x="1942725" y="2644170"/>
+            <a:ext cx="1675519" cy="784830"/>
+          </a:xfrm>
+          <a:prstGeom prst="rect">
+            <a:avLst/>
+          </a:prstGeom>
+          <a:noFill/>
+        </p:spPr>
+        <p:txBody>
+          <a:bodyPr wrap="square" rtlCol="0">
+            <a:spAutoFit/>
+          </a:bodyPr>
+          <a:lstStyle/>
+          <a:p>
+            <a:r>
+              <a:rPr lang="de-DE" dirty="0" smtClean="0">
+                <a:solidFill>
+                  <a:schemeClr val="tx1"/>
+                </a:solidFill>
+              </a:rPr>
+              <a:t>FFT + </a:t>
+            </a:r>
+            <a:r>
+              <a:rPr lang="de-DE" dirty="0" err="1" smtClean="0">
+                <a:solidFill>
+                  <a:schemeClr val="tx1"/>
+                </a:solidFill>
+              </a:rPr>
+              <a:t>Filtering</a:t>
+            </a:r>
+            <a:r>
+              <a:rPr lang="de-DE" dirty="0" smtClean="0">
+                <a:solidFill>
+                  <a:schemeClr val="tx1"/>
+                </a:solidFill>
+              </a:rPr>
+              <a:t> </a:t>
+            </a:r>
+          </a:p>
+          <a:p>
+            <a:r>
+              <a:rPr lang="de-DE" dirty="0" smtClean="0">
+                <a:solidFill>
+                  <a:schemeClr val="tx1"/>
+                </a:solidFill>
+              </a:rPr>
+              <a:t>+ Inverse FFT</a:t>
+            </a:r>
+            <a:endParaRPr lang="de-DE" dirty="0">
+              <a:solidFill>
+                <a:schemeClr val="tx1"/>
+              </a:solidFill>
+            </a:endParaRPr>
+          </a:p>
+        </p:txBody>
+      </p:sp>
+      <p:pic>
+        <p:nvPicPr>
+          <p:cNvPr id="10" name="Grafik 9"/>
+          <p:cNvPicPr>
+            <a:picLocks noChangeAspect="1"/>
+          </p:cNvPicPr>
+          <p:nvPr/>
+        </p:nvPicPr>
+        <p:blipFill>
+          <a:blip r:embed="rId3">
+            <a:extLst>
+              <a:ext uri="{28A0092B-C50C-407E-A947-70E740481C1C}">
+                <a14:useLocalDpi xmlns:a14="http://schemas.microsoft.com/office/drawing/2010/main" val="0"/>
+              </a:ext>
+            </a:extLst>
+          </a:blip>
+          <a:stretch>
+            <a:fillRect/>
+          </a:stretch>
+        </p:blipFill>
+        <p:spPr>
+          <a:xfrm>
+            <a:off x="251520" y="2407593"/>
+            <a:ext cx="1665872" cy="3253656"/>
+          </a:xfrm>
+          <a:prstGeom prst="rect">
+            <a:avLst/>
+          </a:prstGeom>
+        </p:spPr>
+      </p:pic>
+      <p:pic>
+        <p:nvPicPr>
+          <p:cNvPr id="11" name="Grafik 10"/>
+          <p:cNvPicPr>
+            <a:picLocks noChangeAspect="1"/>
+          </p:cNvPicPr>
+          <p:nvPr/>
+        </p:nvPicPr>
+        <p:blipFill>
+          <a:blip r:embed="rId4">
+            <a:extLst>
+              <a:ext uri="{28A0092B-C50C-407E-A947-70E740481C1C}">
+                <a14:useLocalDpi xmlns:a14="http://schemas.microsoft.com/office/drawing/2010/main" val="0"/>
+              </a:ext>
+            </a:extLst>
+          </a:blip>
+          <a:stretch>
+            <a:fillRect/>
+          </a:stretch>
+        </p:blipFill>
+        <p:spPr>
+          <a:xfrm>
+            <a:off x="3626208" y="2407592"/>
+            <a:ext cx="1665872" cy="3253656"/>
+          </a:xfrm>
+          <a:prstGeom prst="rect">
+            <a:avLst/>
+          </a:prstGeom>
+        </p:spPr>
+      </p:pic>
+      <p:sp>
+        <p:nvSpPr>
+          <p:cNvPr id="12" name="Pfeil nach rechts 11"/>
+          <p:cNvSpPr/>
+          <p:nvPr/>
+        </p:nvSpPr>
+        <p:spPr bwMode="auto">
+          <a:xfrm>
+            <a:off x="5642432" y="3496022"/>
+            <a:ext cx="1080120" cy="1008112"/>
+          </a:xfrm>
+          <a:prstGeom prst="rightArrow">
+            <a:avLst/>
+          </a:prstGeom>
+          <a:solidFill>
+            <a:srgbClr val="E56B20"/>
+          </a:solidFill>
+          <a:ln>
+            <a:solidFill>
+              <a:srgbClr val="E56B20"/>
+            </a:solidFill>
+          </a:ln>
+          <a:extLst>
+            <a:ext uri="{909E8E84-426E-40dd-AFC4-6F175D3DCCD1}">
+              <a14:hiddenFill xmlns:a14="http://schemas.microsoft.com/office/drawing/2010/main" xmlns="">
+                <a:solidFill>
+                  <a:schemeClr val="accent1"/>
+                </a:solidFill>
+              </a14:hiddenFill>
+            </a:ext>
+            <a:ext uri="{91240B29-F687-4f45-9708-019B960494DF}">
+              <a14:hiddenLine xmlns:a14="http://schemas.microsoft.com/office/drawing/2010/main" xmlns="" w="9525" cap="flat" cmpd="sng" algn="ctr">
+                <a:solidFill>
+                  <a:schemeClr val="tx1"/>
+                </a:solidFill>
+                <a:prstDash val="solid"/>
+                <a:round/>
+                <a:headEnd type="none" w="med" len="med"/>
+                <a:tailEnd type="none" w="med" len="med"/>
+              </a14:hiddenLine>
+            </a:ext>
+            <a:ext uri="{AF507438-7753-43e0-B8FC-AC1667EBCBE1}">
+              <a14:hiddenEffects xmlns:a14="http://schemas.microsoft.com/office/drawing/2010/main" xmlns="">
+                <a:effectLst>
+                  <a:outerShdw blurRad="63500" dist="35921" dir="2700000" algn="ctr" rotWithShape="0">
+                    <a:schemeClr val="bg2"/>
+                  </a:outerShdw>
+                </a:effectLst>
+              </a14:hiddenEffects>
+            </a:ext>
+          </a:extLst>
+        </p:spPr>
+        <p:style>
+          <a:lnRef idx="2">
+            <a:schemeClr val="accent2"/>
+          </a:lnRef>
+          <a:fillRef idx="1">
+            <a:schemeClr val="lt1"/>
+          </a:fillRef>
+          <a:effectRef idx="0">
+            <a:schemeClr val="accent2"/>
+          </a:effectRef>
+          <a:fontRef idx="minor">
+            <a:schemeClr val="dk1"/>
+          </a:fontRef>
+        </p:style>
+        <p:txBody>
+          <a:bodyPr vert="horz" wrap="square" lIns="0" tIns="0" rIns="90000" bIns="46800" numCol="1" rtlCol="0" anchor="ctr" anchorCtr="0" compatLnSpc="1">
+            <a:prstTxWarp prst="textNoShape">
+              <a:avLst/>
+            </a:prstTxWarp>
+          </a:bodyPr>
+          <a:lstStyle/>
+          <a:p>
+            <a:pPr marL="0" marR="0" indent="0" algn="l" defTabSz="914400" rtl="0" eaLnBrk="1" fontAlgn="base" latinLnBrk="0" hangingPunct="1">
+              <a:lnSpc>
+                <a:spcPct val="100000"/>
+              </a:lnSpc>
+              <a:spcBef>
+                <a:spcPct val="50000"/>
+              </a:spcBef>
+              <a:spcAft>
+                <a:spcPct val="0"/>
+              </a:spcAft>
+              <a:buClrTx/>
+              <a:buSzTx/>
+              <a:buFontTx/>
+              <a:buNone/>
+              <a:tabLst/>
+            </a:pPr>
+            <a:endParaRPr kumimoji="0" lang="de-DE" sz="1800" i="0" u="none" strike="noStrike" normalizeH="0" baseline="0">
+              <a:ln w="0"/>
+              <a:solidFill>
+                <a:schemeClr val="tx1"/>
+              </a:solidFill>
+              <a:effectLst>
+                <a:outerShdw blurRad="38100" dist="19050" dir="2700000" algn="tl" rotWithShape="0">
+                  <a:schemeClr val="dk1">
+                    <a:alpha val="40000"/>
+                  </a:schemeClr>
+                </a:outerShdw>
+              </a:effectLst>
+              <a:latin typeface="Univers 45 Light" charset="0"/>
+              <a:ea typeface="ＭＳ Ｐゴシック" charset="0"/>
+            </a:endParaRPr>
+          </a:p>
+        </p:txBody>
+      </p:sp>
+      <p:sp>
+        <p:nvSpPr>
+          <p:cNvPr id="13" name="Textfeld 12"/>
+          <p:cNvSpPr txBox="1"/>
+          <p:nvPr/>
+        </p:nvSpPr>
+        <p:spPr>
+          <a:xfrm>
+            <a:off x="5335065" y="2987660"/>
+            <a:ext cx="1685207" cy="369332"/>
+          </a:xfrm>
+          <a:prstGeom prst="rect">
+            <a:avLst/>
+          </a:prstGeom>
+          <a:noFill/>
+        </p:spPr>
+        <p:txBody>
+          <a:bodyPr wrap="square" rtlCol="0">
+            <a:spAutoFit/>
+          </a:bodyPr>
+          <a:lstStyle/>
+          <a:p>
+            <a:r>
+              <a:rPr lang="de-DE" dirty="0" err="1" smtClean="0">
+                <a:solidFill>
+                  <a:schemeClr val="tx1"/>
+                </a:solidFill>
+              </a:rPr>
+              <a:t>Backprojection</a:t>
+            </a:r>
+            <a:endParaRPr lang="de-DE" dirty="0">
+              <a:solidFill>
+                <a:schemeClr val="tx1"/>
+              </a:solidFill>
+            </a:endParaRPr>
+          </a:p>
+        </p:txBody>
+      </p:sp>
+      <p:pic>
+        <p:nvPicPr>
+          <p:cNvPr id="14" name="Grafik 13"/>
+          <p:cNvPicPr>
+            <a:picLocks noChangeAspect="1"/>
+          </p:cNvPicPr>
+          <p:nvPr/>
+        </p:nvPicPr>
+        <p:blipFill>
+          <a:blip r:embed="rId5">
+            <a:extLst>
+              <a:ext uri="{28A0092B-C50C-407E-A947-70E740481C1C}">
+                <a14:useLocalDpi xmlns:a14="http://schemas.microsoft.com/office/drawing/2010/main" val="0"/>
+              </a:ext>
+            </a:extLst>
+          </a:blip>
+          <a:stretch>
+            <a:fillRect/>
+          </a:stretch>
+        </p:blipFill>
+        <p:spPr>
+          <a:xfrm>
+            <a:off x="7020272" y="2996952"/>
+            <a:ext cx="1944216" cy="1944216"/>
+          </a:xfrm>
+          <a:prstGeom prst="rect">
+            <a:avLst/>
+          </a:prstGeom>
+        </p:spPr>
+      </p:pic>
+      <p:sp>
+        <p:nvSpPr>
+          <p:cNvPr id="16" name="Geschweifte Klammer links 15"/>
+          <p:cNvSpPr/>
+          <p:nvPr/>
+        </p:nvSpPr>
+        <p:spPr bwMode="auto">
+          <a:xfrm rot="16200000">
+            <a:off x="2581573" y="3115172"/>
+            <a:ext cx="452463" cy="5256584"/>
+          </a:xfrm>
+          <a:prstGeom prst="leftBrace">
+            <a:avLst/>
+          </a:prstGeom>
+          <a:noFill/>
+          <a:ln>
+            <a:solidFill>
+              <a:srgbClr val="E56B20"/>
+            </a:solidFill>
+          </a:ln>
+          <a:effectLst/>
+          <a:extLst>
+            <a:ext uri="{909E8E84-426E-40dd-AFC4-6F175D3DCCD1}">
+              <a14:hiddenFill xmlns:a14="http://schemas.microsoft.com/office/drawing/2010/main" xmlns="">
+                <a:solidFill>
+                  <a:schemeClr val="accent1"/>
+                </a:solidFill>
+              </a14:hiddenFill>
+            </a:ext>
+            <a:ext uri="{91240B29-F687-4f45-9708-019B960494DF}">
+              <a14:hiddenLine xmlns:a14="http://schemas.microsoft.com/office/drawing/2010/main" xmlns="" w="9525" cap="flat" cmpd="sng" algn="ctr">
+                <a:solidFill>
+                  <a:schemeClr val="tx1"/>
+                </a:solidFill>
+                <a:prstDash val="solid"/>
+                <a:round/>
+                <a:headEnd type="none" w="med" len="med"/>
+                <a:tailEnd type="none" w="med" len="med"/>
+              </a14:hiddenLine>
+            </a:ext>
+            <a:ext uri="{AF507438-7753-43e0-B8FC-AC1667EBCBE1}">
+              <a14:hiddenEffects xmlns:a14="http://schemas.microsoft.com/office/drawing/2010/main" xmlns="">
+                <a:effectLst>
+                  <a:outerShdw blurRad="63500" dist="35921" dir="2700000" algn="ctr" rotWithShape="0">
+                    <a:schemeClr val="bg2"/>
+                  </a:outerShdw>
+                </a:effectLst>
+              </a14:hiddenEffects>
+            </a:ext>
+          </a:extLst>
+        </p:spPr>
+        <p:txBody>
+          <a:bodyPr vert="horz" wrap="square" lIns="0" tIns="0" rIns="90000" bIns="46800" numCol="1" rtlCol="0" anchor="ctr" anchorCtr="0" compatLnSpc="1">
+            <a:prstTxWarp prst="textNoShape">
+              <a:avLst/>
+            </a:prstTxWarp>
+          </a:bodyPr>
+          <a:lstStyle/>
+          <a:p>
+            <a:pPr marL="0" marR="0" indent="0" algn="l" defTabSz="914400" rtl="0" eaLnBrk="1" fontAlgn="base" latinLnBrk="0" hangingPunct="1">
+              <a:lnSpc>
+                <a:spcPct val="100000"/>
+              </a:lnSpc>
+              <a:spcBef>
+                <a:spcPct val="50000"/>
+              </a:spcBef>
+              <a:spcAft>
+                <a:spcPct val="0"/>
+              </a:spcAft>
+              <a:buClrTx/>
+              <a:buSzTx/>
+              <a:buFontTx/>
+              <a:buNone/>
+              <a:tabLst/>
+            </a:pPr>
+            <a:endParaRPr kumimoji="0" lang="de-DE" sz="1800" b="0" i="0" u="none" strike="noStrike" cap="none" normalizeH="0" baseline="0">
+              <a:ln>
+                <a:noFill/>
+              </a:ln>
+              <a:solidFill>
+                <a:srgbClr val="FFFFFF"/>
+              </a:solidFill>
+              <a:effectLst/>
+              <a:latin typeface="Univers 45 Light" charset="0"/>
+              <a:ea typeface="ＭＳ Ｐゴシック" charset="0"/>
+            </a:endParaRPr>
+          </a:p>
+        </p:txBody>
+      </p:sp>
+      <p:sp>
+        <p:nvSpPr>
+          <p:cNvPr id="17" name="Textfeld 16"/>
+          <p:cNvSpPr txBox="1"/>
+          <p:nvPr/>
+        </p:nvSpPr>
+        <p:spPr>
+          <a:xfrm>
+            <a:off x="2187772" y="5949280"/>
+            <a:ext cx="3320332" cy="369332"/>
+          </a:xfrm>
+          <a:prstGeom prst="rect">
+            <a:avLst/>
+          </a:prstGeom>
+          <a:noFill/>
+        </p:spPr>
+        <p:txBody>
+          <a:bodyPr wrap="square" rtlCol="0">
+            <a:spAutoFit/>
+          </a:bodyPr>
+          <a:lstStyle/>
+          <a:p>
+            <a:r>
+              <a:rPr lang="de-DE" dirty="0" smtClean="0">
+                <a:solidFill>
+                  <a:schemeClr val="tx1"/>
+                </a:solidFill>
+              </a:rPr>
+              <a:t>Implementation on </a:t>
+            </a:r>
+            <a:r>
+              <a:rPr lang="de-DE" dirty="0" err="1" smtClean="0">
+                <a:solidFill>
+                  <a:schemeClr val="tx1"/>
+                </a:solidFill>
+              </a:rPr>
+              <a:t>Parallella</a:t>
+            </a:r>
+            <a:endParaRPr lang="de-DE" dirty="0">
+              <a:solidFill>
+                <a:schemeClr val="tx1"/>
+              </a:solidFill>
+            </a:endParaRPr>
+          </a:p>
+        </p:txBody>
+      </p:sp>
+    </p:spTree>
+    <p:extLst>
+      <p:ext uri="{BB962C8B-B14F-4D97-AF65-F5344CB8AC3E}">
         <p14:creationId xmlns:p14="http://schemas.microsoft.com/office/powerpoint/2010/main" val="145690608"/>
       </p:ext>
     </p:extLst>
@@ -6113,7 +6511,72 @@
 </p:sld>
 </file>
 
-<file path=ppt/slides/slide11.xml><?xml version="1.0" encoding="utf-8"?>
+<file path=ppt/slides/slide12.xml><?xml version="1.0" encoding="utf-8"?>
+<p:sld xmlns:a="http://schemas.openxmlformats.org/drawingml/2006/main" xmlns:r="http://schemas.openxmlformats.org/officeDocument/2006/relationships" xmlns:p="http://schemas.openxmlformats.org/presentationml/2006/main">
+  <p:cSld>
+    <p:spTree>
+      <p:nvGrpSpPr>
+        <p:cNvPr id="1" name=""/>
+        <p:cNvGrpSpPr/>
+        <p:nvPr/>
+      </p:nvGrpSpPr>
+      <p:grpSpPr>
+        <a:xfrm>
+          <a:off x="0" y="0"/>
+          <a:ext cx="0" cy="0"/>
+          <a:chOff x="0" y="0"/>
+          <a:chExt cx="0" cy="0"/>
+        </a:xfrm>
+      </p:grpSpPr>
+      <p:sp>
+        <p:nvSpPr>
+          <p:cNvPr id="2" name="Titel 1"/>
+          <p:cNvSpPr>
+            <a:spLocks noGrp="1"/>
+          </p:cNvSpPr>
+          <p:nvPr>
+            <p:ph type="title"/>
+          </p:nvPr>
+        </p:nvSpPr>
+        <p:spPr/>
+        <p:txBody>
+          <a:bodyPr/>
+          <a:lstStyle/>
+          <a:p>
+            <a:r>
+              <a:rPr lang="de-DE" dirty="0" smtClean="0"/>
+              <a:t>Details </a:t>
+            </a:r>
+            <a:r>
+              <a:rPr lang="de-DE" dirty="0" err="1" smtClean="0"/>
+              <a:t>of</a:t>
+            </a:r>
+            <a:r>
+              <a:rPr lang="de-DE" dirty="0" smtClean="0"/>
+              <a:t> </a:t>
+            </a:r>
+            <a:r>
+              <a:rPr lang="de-DE" dirty="0" err="1" smtClean="0"/>
+              <a:t>implementation</a:t>
+            </a:r>
+            <a:endParaRPr lang="de-DE" dirty="0"/>
+          </a:p>
+        </p:txBody>
+      </p:sp>
+    </p:spTree>
+    <p:extLst>
+      <p:ext uri="{BB962C8B-B14F-4D97-AF65-F5344CB8AC3E}">
+        <p14:creationId xmlns:p14="http://schemas.microsoft.com/office/powerpoint/2010/main" val="4065473775"/>
+      </p:ext>
+    </p:extLst>
+  </p:cSld>
+  <p:clrMapOvr>
+    <a:masterClrMapping/>
+  </p:clrMapOvr>
+</p:sld>
+</file>
+
+<file path=ppt/slides/slide13.xml><?xml version="1.0" encoding="utf-8"?>
 <p:sld xmlns:a="http://schemas.openxmlformats.org/drawingml/2006/main" xmlns:r="http://schemas.openxmlformats.org/officeDocument/2006/relationships" xmlns:p="http://schemas.openxmlformats.org/presentationml/2006/main">
   <p:cSld>
     <p:spTree>
@@ -6225,14 +6688,14 @@
           <a:effectLst/>
           <a:extLst>
             <a:ext uri="{909E8E84-426E-40dd-AFC4-6F175D3DCCD1}">
-              <a14:hiddenFill xmlns="" xmlns:a14="http://schemas.microsoft.com/office/drawing/2010/main">
+              <a14:hiddenFill xmlns:a14="http://schemas.microsoft.com/office/drawing/2010/main" xmlns="">
                 <a:solidFill>
                   <a:schemeClr val="accent1"/>
                 </a:solidFill>
               </a14:hiddenFill>
             </a:ext>
             <a:ext uri="{91240B29-F687-4f45-9708-019B960494DF}">
-              <a14:hiddenLine xmlns="" xmlns:a14="http://schemas.microsoft.com/office/drawing/2010/main" w="9525">
+              <a14:hiddenLine xmlns:a14="http://schemas.microsoft.com/office/drawing/2010/main" xmlns="" w="9525">
                 <a:solidFill>
                   <a:schemeClr val="tx1"/>
                 </a:solidFill>
@@ -6242,7 +6705,7 @@
               </a14:hiddenLine>
             </a:ext>
             <a:ext uri="{AF507438-7753-43e0-B8FC-AC1667EBCBE1}">
-              <a14:hiddenEffects xmlns="" xmlns:a14="http://schemas.microsoft.com/office/drawing/2010/main">
+              <a14:hiddenEffects xmlns:a14="http://schemas.microsoft.com/office/drawing/2010/main" xmlns="">
                 <a:effectLst>
                   <a:outerShdw blurRad="63500" dist="38099" dir="2700000" algn="ctr" rotWithShape="0">
                     <a:schemeClr val="bg2">
@@ -6253,7 +6716,7 @@
               </a14:hiddenEffects>
             </a:ext>
             <a:ext uri="{FAA26D3D-D897-4be2-8F04-BA451C77F1D7}">
-              <ma14:placeholderFlag xmlns="" xmlns:ma14="http://schemas.microsoft.com/office/mac/drawingml/2011/main" val="1"/>
+              <ma14:placeholderFlag xmlns:ma14="http://schemas.microsoft.com/office/mac/drawingml/2011/main" xmlns="" val="1"/>
             </a:ext>
           </a:extLst>
         </p:spPr>
@@ -6454,9 +6917,6 @@
               </a:rPr>
               <a:t>to increase performance, more calculation per memory transfer is necessary</a:t>
             </a:r>
-            <a:endParaRPr lang="en-US" altLang="de-DE" kern="0" dirty="0" smtClean="0">
-              <a:latin typeface="Univers Light" pitchFamily="-84" charset="0"/>
-            </a:endParaRPr>
           </a:p>
         </p:txBody>
       </p:sp>
@@ -6464,6 +6924,78 @@
     <p:extLst>
       <p:ext uri="{BB962C8B-B14F-4D97-AF65-F5344CB8AC3E}">
         <p14:creationId xmlns:p14="http://schemas.microsoft.com/office/powerpoint/2010/main" val="1660737703"/>
+      </p:ext>
+    </p:extLst>
+  </p:cSld>
+  <p:clrMapOvr>
+    <a:masterClrMapping/>
+  </p:clrMapOvr>
+</p:sld>
+</file>
+
+<file path=ppt/slides/slide14.xml><?xml version="1.0" encoding="utf-8"?>
+<p:sld xmlns:a="http://schemas.openxmlformats.org/drawingml/2006/main" xmlns:r="http://schemas.openxmlformats.org/officeDocument/2006/relationships" xmlns:p="http://schemas.openxmlformats.org/presentationml/2006/main">
+  <p:cSld>
+    <p:spTree>
+      <p:nvGrpSpPr>
+        <p:cNvPr id="1" name=""/>
+        <p:cNvGrpSpPr/>
+        <p:nvPr/>
+      </p:nvGrpSpPr>
+      <p:grpSpPr>
+        <a:xfrm>
+          <a:off x="0" y="0"/>
+          <a:ext cx="0" cy="0"/>
+          <a:chOff x="0" y="0"/>
+          <a:chExt cx="0" cy="0"/>
+        </a:xfrm>
+      </p:grpSpPr>
+      <p:sp>
+        <p:nvSpPr>
+          <p:cNvPr id="2" name="Titel 1"/>
+          <p:cNvSpPr>
+            <a:spLocks noGrp="1"/>
+          </p:cNvSpPr>
+          <p:nvPr>
+            <p:ph type="title"/>
+          </p:nvPr>
+        </p:nvSpPr>
+        <p:spPr/>
+        <p:txBody>
+          <a:bodyPr/>
+          <a:lstStyle/>
+          <a:p>
+            <a:r>
+              <a:rPr lang="de-DE" dirty="0" err="1" smtClean="0"/>
+              <a:t>Speedup</a:t>
+            </a:r>
+            <a:endParaRPr lang="de-DE" dirty="0"/>
+          </a:p>
+        </p:txBody>
+      </p:sp>
+      <p:sp>
+        <p:nvSpPr>
+          <p:cNvPr id="3" name="Inhaltsplatzhalter 2"/>
+          <p:cNvSpPr>
+            <a:spLocks noGrp="1"/>
+          </p:cNvSpPr>
+          <p:nvPr>
+            <p:ph idx="1"/>
+          </p:nvPr>
+        </p:nvSpPr>
+        <p:spPr/>
+        <p:txBody>
+          <a:bodyPr/>
+          <a:lstStyle/>
+          <a:p>
+            <a:endParaRPr lang="de-DE"/>
+          </a:p>
+        </p:txBody>
+      </p:sp>
+    </p:spTree>
+    <p:extLst>
+      <p:ext uri="{BB962C8B-B14F-4D97-AF65-F5344CB8AC3E}">
+        <p14:creationId xmlns:p14="http://schemas.microsoft.com/office/powerpoint/2010/main" val="3921762971"/>
       </p:ext>
     </p:extLst>
   </p:cSld>
@@ -6703,14 +7235,14 @@
           <a:effectLst/>
           <a:extLst>
             <a:ext uri="{909E8E84-426E-40dd-AFC4-6F175D3DCCD1}">
-              <a14:hiddenFill xmlns="" xmlns:a14="http://schemas.microsoft.com/office/drawing/2010/main">
+              <a14:hiddenFill xmlns:a14="http://schemas.microsoft.com/office/drawing/2010/main" xmlns="">
                 <a:solidFill>
                   <a:schemeClr val="accent1"/>
                 </a:solidFill>
               </a14:hiddenFill>
             </a:ext>
             <a:ext uri="{91240B29-F687-4f45-9708-019B960494DF}">
-              <a14:hiddenLine xmlns="" xmlns:a14="http://schemas.microsoft.com/office/drawing/2010/main" w="9525">
+              <a14:hiddenLine xmlns:a14="http://schemas.microsoft.com/office/drawing/2010/main" xmlns="" w="9525">
                 <a:solidFill>
                   <a:schemeClr val="tx1"/>
                 </a:solidFill>
@@ -6720,7 +7252,7 @@
               </a14:hiddenLine>
             </a:ext>
             <a:ext uri="{AF507438-7753-43e0-B8FC-AC1667EBCBE1}">
-              <a14:hiddenEffects xmlns="" xmlns:a14="http://schemas.microsoft.com/office/drawing/2010/main">
+              <a14:hiddenEffects xmlns:a14="http://schemas.microsoft.com/office/drawing/2010/main" xmlns="">
                 <a:effectLst>
                   <a:outerShdw blurRad="63500" dist="38099" dir="2700000" algn="ctr" rotWithShape="0">
                     <a:schemeClr val="bg2">
@@ -7141,14 +7673,14 @@
           <a:effectLst/>
           <a:extLst>
             <a:ext uri="{909E8E84-426E-40dd-AFC4-6F175D3DCCD1}">
-              <a14:hiddenFill xmlns="" xmlns:a14="http://schemas.microsoft.com/office/drawing/2010/main">
+              <a14:hiddenFill xmlns:a14="http://schemas.microsoft.com/office/drawing/2010/main" xmlns="">
                 <a:solidFill>
                   <a:schemeClr val="accent1"/>
                 </a:solidFill>
               </a14:hiddenFill>
             </a:ext>
             <a:ext uri="{91240B29-F687-4f45-9708-019B960494DF}">
-              <a14:hiddenLine xmlns="" xmlns:a14="http://schemas.microsoft.com/office/drawing/2010/main" w="9525">
+              <a14:hiddenLine xmlns:a14="http://schemas.microsoft.com/office/drawing/2010/main" xmlns="" w="9525">
                 <a:solidFill>
                   <a:schemeClr val="tx1"/>
                 </a:solidFill>
@@ -7158,7 +7690,7 @@
               </a14:hiddenLine>
             </a:ext>
             <a:ext uri="{AF507438-7753-43e0-B8FC-AC1667EBCBE1}">
-              <a14:hiddenEffects xmlns="" xmlns:a14="http://schemas.microsoft.com/office/drawing/2010/main">
+              <a14:hiddenEffects xmlns:a14="http://schemas.microsoft.com/office/drawing/2010/main" xmlns="">
                 <a:effectLst>
                   <a:outerShdw blurRad="63500" dist="38099" dir="2700000" algn="ctr" rotWithShape="0">
                     <a:schemeClr val="bg2">
@@ -7454,14 +7986,14 @@
           <a:effectLst/>
           <a:extLst>
             <a:ext uri="{909E8E84-426E-40dd-AFC4-6F175D3DCCD1}">
-              <a14:hiddenFill xmlns="" xmlns:a14="http://schemas.microsoft.com/office/drawing/2010/main">
+              <a14:hiddenFill xmlns:a14="http://schemas.microsoft.com/office/drawing/2010/main" xmlns="">
                 <a:solidFill>
                   <a:schemeClr val="accent1"/>
                 </a:solidFill>
               </a14:hiddenFill>
             </a:ext>
             <a:ext uri="{91240B29-F687-4f45-9708-019B960494DF}">
-              <a14:hiddenLine xmlns="" xmlns:a14="http://schemas.microsoft.com/office/drawing/2010/main" w="9525">
+              <a14:hiddenLine xmlns:a14="http://schemas.microsoft.com/office/drawing/2010/main" xmlns="" w="9525">
                 <a:solidFill>
                   <a:schemeClr val="tx1"/>
                 </a:solidFill>
@@ -7471,7 +8003,7 @@
               </a14:hiddenLine>
             </a:ext>
             <a:ext uri="{AF507438-7753-43e0-B8FC-AC1667EBCBE1}">
-              <a14:hiddenEffects xmlns="" xmlns:a14="http://schemas.microsoft.com/office/drawing/2010/main">
+              <a14:hiddenEffects xmlns:a14="http://schemas.microsoft.com/office/drawing/2010/main" xmlns="">
                 <a:effectLst>
                   <a:outerShdw blurRad="63500" dist="38099" dir="2700000" algn="ctr" rotWithShape="0">
                     <a:schemeClr val="bg2">
@@ -7632,14 +8164,14 @@
           <a:effectLst/>
           <a:extLst>
             <a:ext uri="{909E8E84-426E-40dd-AFC4-6F175D3DCCD1}">
-              <a14:hiddenFill xmlns="" xmlns:a14="http://schemas.microsoft.com/office/drawing/2010/main">
+              <a14:hiddenFill xmlns:a14="http://schemas.microsoft.com/office/drawing/2010/main" xmlns="">
                 <a:solidFill>
                   <a:schemeClr val="accent1"/>
                 </a:solidFill>
               </a14:hiddenFill>
             </a:ext>
             <a:ext uri="{91240B29-F687-4f45-9708-019B960494DF}">
-              <a14:hiddenLine xmlns="" xmlns:a14="http://schemas.microsoft.com/office/drawing/2010/main" w="9525">
+              <a14:hiddenLine xmlns:a14="http://schemas.microsoft.com/office/drawing/2010/main" xmlns="" w="9525">
                 <a:solidFill>
                   <a:schemeClr val="tx1"/>
                 </a:solidFill>
@@ -7649,7 +8181,7 @@
               </a14:hiddenLine>
             </a:ext>
             <a:ext uri="{AF507438-7753-43e0-B8FC-AC1667EBCBE1}">
-              <a14:hiddenEffects xmlns="" xmlns:a14="http://schemas.microsoft.com/office/drawing/2010/main">
+              <a14:hiddenEffects xmlns:a14="http://schemas.microsoft.com/office/drawing/2010/main" xmlns="">
                 <a:effectLst>
                   <a:outerShdw blurRad="63500" dist="38099" dir="2700000" algn="ctr" rotWithShape="0">
                     <a:schemeClr val="bg2">
@@ -7841,14 +8373,14 @@
           <a:effectLst/>
           <a:extLst>
             <a:ext uri="{909E8E84-426E-40dd-AFC4-6F175D3DCCD1}">
-              <a14:hiddenFill xmlns="" xmlns:a14="http://schemas.microsoft.com/office/drawing/2010/main">
+              <a14:hiddenFill xmlns:a14="http://schemas.microsoft.com/office/drawing/2010/main" xmlns="">
                 <a:solidFill>
                   <a:schemeClr val="accent1"/>
                 </a:solidFill>
               </a14:hiddenFill>
             </a:ext>
             <a:ext uri="{91240B29-F687-4f45-9708-019B960494DF}">
-              <a14:hiddenLine xmlns="" xmlns:a14="http://schemas.microsoft.com/office/drawing/2010/main" w="9525">
+              <a14:hiddenLine xmlns:a14="http://schemas.microsoft.com/office/drawing/2010/main" xmlns="" w="9525">
                 <a:solidFill>
                   <a:schemeClr val="tx1"/>
                 </a:solidFill>
@@ -7858,7 +8390,7 @@
               </a14:hiddenLine>
             </a:ext>
             <a:ext uri="{AF507438-7753-43e0-B8FC-AC1667EBCBE1}">
-              <a14:hiddenEffects xmlns="" xmlns:a14="http://schemas.microsoft.com/office/drawing/2010/main">
+              <a14:hiddenEffects xmlns:a14="http://schemas.microsoft.com/office/drawing/2010/main" xmlns="">
                 <a:effectLst>
                   <a:outerShdw blurRad="63500" dist="38099" dir="2700000" algn="ctr" rotWithShape="0">
                     <a:schemeClr val="bg2">
@@ -7923,14 +8455,14 @@
           <a:effectLst/>
           <a:extLst>
             <a:ext uri="{909E8E84-426E-40dd-AFC4-6F175D3DCCD1}">
-              <a14:hiddenFill xmlns="" xmlns:a14="http://schemas.microsoft.com/office/drawing/2010/main">
+              <a14:hiddenFill xmlns:a14="http://schemas.microsoft.com/office/drawing/2010/main" xmlns="">
                 <a:solidFill>
                   <a:schemeClr val="accent1"/>
                 </a:solidFill>
               </a14:hiddenFill>
             </a:ext>
             <a:ext uri="{91240B29-F687-4f45-9708-019B960494DF}">
-              <a14:hiddenLine xmlns="" xmlns:a14="http://schemas.microsoft.com/office/drawing/2010/main" w="9525">
+              <a14:hiddenLine xmlns:a14="http://schemas.microsoft.com/office/drawing/2010/main" xmlns="" w="9525">
                 <a:solidFill>
                   <a:schemeClr val="tx1"/>
                 </a:solidFill>
@@ -7940,7 +8472,7 @@
               </a14:hiddenLine>
             </a:ext>
             <a:ext uri="{AF507438-7753-43e0-B8FC-AC1667EBCBE1}">
-              <a14:hiddenEffects xmlns="" xmlns:a14="http://schemas.microsoft.com/office/drawing/2010/main">
+              <a14:hiddenEffects xmlns:a14="http://schemas.microsoft.com/office/drawing/2010/main" xmlns="">
                 <a:effectLst>
                   <a:outerShdw blurRad="63500" dist="38099" dir="2700000" algn="ctr" rotWithShape="0">
                     <a:schemeClr val="bg2">
@@ -7951,7 +8483,7 @@
               </a14:hiddenEffects>
             </a:ext>
             <a:ext uri="{FAA26D3D-D897-4be2-8F04-BA451C77F1D7}">
-              <ma14:placeholderFlag xmlns="" xmlns:ma14="http://schemas.microsoft.com/office/mac/drawingml/2011/main" val="1"/>
+              <ma14:placeholderFlag xmlns:ma14="http://schemas.microsoft.com/office/mac/drawingml/2011/main" xmlns="" val="1"/>
             </a:ext>
           </a:extLst>
         </p:spPr>
@@ -8262,14 +8794,14 @@
           </a:ln>
           <a:extLst>
             <a:ext uri="{909E8E84-426E-40dd-AFC4-6F175D3DCCD1}">
-              <a14:hiddenFill xmlns="" xmlns:a14="http://schemas.microsoft.com/office/drawing/2010/main">
+              <a14:hiddenFill xmlns:a14="http://schemas.microsoft.com/office/drawing/2010/main" xmlns="">
                 <a:solidFill>
                   <a:schemeClr val="accent1"/>
                 </a:solidFill>
               </a14:hiddenFill>
             </a:ext>
             <a:ext uri="{91240B29-F687-4f45-9708-019B960494DF}">
-              <a14:hiddenLine xmlns="" xmlns:a14="http://schemas.microsoft.com/office/drawing/2010/main" w="9525" cap="flat" cmpd="sng" algn="ctr">
+              <a14:hiddenLine xmlns:a14="http://schemas.microsoft.com/office/drawing/2010/main" xmlns="" w="9525" cap="flat" cmpd="sng" algn="ctr">
                 <a:solidFill>
                   <a:schemeClr val="tx1"/>
                 </a:solidFill>
@@ -8280,7 +8812,7 @@
               </a14:hiddenLine>
             </a:ext>
             <a:ext uri="{AF507438-7753-43e0-B8FC-AC1667EBCBE1}">
-              <a14:hiddenEffects xmlns="" xmlns:a14="http://schemas.microsoft.com/office/drawing/2010/main">
+              <a14:hiddenEffects xmlns:a14="http://schemas.microsoft.com/office/drawing/2010/main" xmlns="">
                 <a:effectLst>
                   <a:outerShdw blurRad="63500" dist="35921" dir="2700000" algn="ctr" rotWithShape="0">
                     <a:schemeClr val="bg2"/>
@@ -8326,14 +8858,14 @@
           </a:ln>
           <a:extLst>
             <a:ext uri="{909E8E84-426E-40dd-AFC4-6F175D3DCCD1}">
-              <a14:hiddenFill xmlns="" xmlns:a14="http://schemas.microsoft.com/office/drawing/2010/main">
+              <a14:hiddenFill xmlns:a14="http://schemas.microsoft.com/office/drawing/2010/main" xmlns="">
                 <a:solidFill>
                   <a:schemeClr val="accent1"/>
                 </a:solidFill>
               </a14:hiddenFill>
             </a:ext>
             <a:ext uri="{91240B29-F687-4f45-9708-019B960494DF}">
-              <a14:hiddenLine xmlns="" xmlns:a14="http://schemas.microsoft.com/office/drawing/2010/main" w="9525" cap="flat" cmpd="sng" algn="ctr">
+              <a14:hiddenLine xmlns:a14="http://schemas.microsoft.com/office/drawing/2010/main" xmlns="" w="9525" cap="flat" cmpd="sng" algn="ctr">
                 <a:solidFill>
                   <a:schemeClr val="tx1"/>
                 </a:solidFill>
@@ -8344,7 +8876,7 @@
               </a14:hiddenLine>
             </a:ext>
             <a:ext uri="{AF507438-7753-43e0-B8FC-AC1667EBCBE1}">
-              <a14:hiddenEffects xmlns="" xmlns:a14="http://schemas.microsoft.com/office/drawing/2010/main">
+              <a14:hiddenEffects xmlns:a14="http://schemas.microsoft.com/office/drawing/2010/main" xmlns="">
                 <a:effectLst>
                   <a:outerShdw blurRad="63500" dist="35921" dir="2700000" algn="ctr" rotWithShape="0">
                     <a:schemeClr val="bg2"/>
@@ -8390,14 +8922,14 @@
           </a:ln>
           <a:extLst>
             <a:ext uri="{909E8E84-426E-40dd-AFC4-6F175D3DCCD1}">
-              <a14:hiddenFill xmlns="" xmlns:a14="http://schemas.microsoft.com/office/drawing/2010/main">
+              <a14:hiddenFill xmlns:a14="http://schemas.microsoft.com/office/drawing/2010/main" xmlns="">
                 <a:solidFill>
                   <a:schemeClr val="accent1"/>
                 </a:solidFill>
               </a14:hiddenFill>
             </a:ext>
             <a:ext uri="{91240B29-F687-4f45-9708-019B960494DF}">
-              <a14:hiddenLine xmlns="" xmlns:a14="http://schemas.microsoft.com/office/drawing/2010/main" w="9525" cap="flat" cmpd="sng" algn="ctr">
+              <a14:hiddenLine xmlns:a14="http://schemas.microsoft.com/office/drawing/2010/main" xmlns="" w="9525" cap="flat" cmpd="sng" algn="ctr">
                 <a:solidFill>
                   <a:schemeClr val="tx1"/>
                 </a:solidFill>
@@ -8408,7 +8940,7 @@
               </a14:hiddenLine>
             </a:ext>
             <a:ext uri="{AF507438-7753-43e0-B8FC-AC1667EBCBE1}">
-              <a14:hiddenEffects xmlns="" xmlns:a14="http://schemas.microsoft.com/office/drawing/2010/main">
+              <a14:hiddenEffects xmlns:a14="http://schemas.microsoft.com/office/drawing/2010/main" xmlns="">
                 <a:effectLst>
                   <a:outerShdw blurRad="63500" dist="35921" dir="2700000" algn="ctr" rotWithShape="0">
                     <a:schemeClr val="bg2"/>
@@ -8454,14 +8986,14 @@
           </a:ln>
           <a:extLst>
             <a:ext uri="{909E8E84-426E-40dd-AFC4-6F175D3DCCD1}">
-              <a14:hiddenFill xmlns="" xmlns:a14="http://schemas.microsoft.com/office/drawing/2010/main">
+              <a14:hiddenFill xmlns:a14="http://schemas.microsoft.com/office/drawing/2010/main" xmlns="">
                 <a:solidFill>
                   <a:schemeClr val="accent1"/>
                 </a:solidFill>
               </a14:hiddenFill>
             </a:ext>
             <a:ext uri="{91240B29-F687-4f45-9708-019B960494DF}">
-              <a14:hiddenLine xmlns="" xmlns:a14="http://schemas.microsoft.com/office/drawing/2010/main" w="9525" cap="flat" cmpd="sng" algn="ctr">
+              <a14:hiddenLine xmlns:a14="http://schemas.microsoft.com/office/drawing/2010/main" xmlns="" w="9525" cap="flat" cmpd="sng" algn="ctr">
                 <a:solidFill>
                   <a:schemeClr val="tx1"/>
                 </a:solidFill>
@@ -8472,7 +9004,7 @@
               </a14:hiddenLine>
             </a:ext>
             <a:ext uri="{AF507438-7753-43e0-B8FC-AC1667EBCBE1}">
-              <a14:hiddenEffects xmlns="" xmlns:a14="http://schemas.microsoft.com/office/drawing/2010/main">
+              <a14:hiddenEffects xmlns:a14="http://schemas.microsoft.com/office/drawing/2010/main" xmlns="">
                 <a:effectLst>
                   <a:outerShdw blurRad="63500" dist="35921" dir="2700000" algn="ctr" rotWithShape="0">
                     <a:schemeClr val="bg2"/>
@@ -8627,14 +9159,14 @@
           <a:effectLst/>
           <a:extLst>
             <a:ext uri="{909E8E84-426E-40dd-AFC4-6F175D3DCCD1}">
-              <a14:hiddenFill xmlns="" xmlns:a14="http://schemas.microsoft.com/office/drawing/2010/main">
+              <a14:hiddenFill xmlns:a14="http://schemas.microsoft.com/office/drawing/2010/main" xmlns="">
                 <a:solidFill>
                   <a:schemeClr val="accent1"/>
                 </a:solidFill>
               </a14:hiddenFill>
             </a:ext>
             <a:ext uri="{91240B29-F687-4f45-9708-019B960494DF}">
-              <a14:hiddenLine xmlns="" xmlns:a14="http://schemas.microsoft.com/office/drawing/2010/main" w="9525">
+              <a14:hiddenLine xmlns:a14="http://schemas.microsoft.com/office/drawing/2010/main" xmlns="" w="9525">
                 <a:solidFill>
                   <a:schemeClr val="tx1"/>
                 </a:solidFill>
@@ -8644,7 +9176,7 @@
               </a14:hiddenLine>
             </a:ext>
             <a:ext uri="{AF507438-7753-43e0-B8FC-AC1667EBCBE1}">
-              <a14:hiddenEffects xmlns="" xmlns:a14="http://schemas.microsoft.com/office/drawing/2010/main">
+              <a14:hiddenEffects xmlns:a14="http://schemas.microsoft.com/office/drawing/2010/main" xmlns="">
                 <a:effectLst>
                   <a:outerShdw blurRad="63500" dist="38099" dir="2700000" algn="ctr" rotWithShape="0">
                     <a:schemeClr val="bg2">
@@ -8870,14 +9402,14 @@
           <a:effectLst/>
           <a:extLst>
             <a:ext uri="{909E8E84-426E-40dd-AFC4-6F175D3DCCD1}">
-              <a14:hiddenFill xmlns="" xmlns:a14="http://schemas.microsoft.com/office/drawing/2010/main">
+              <a14:hiddenFill xmlns:a14="http://schemas.microsoft.com/office/drawing/2010/main" xmlns="">
                 <a:solidFill>
                   <a:schemeClr val="accent1"/>
                 </a:solidFill>
               </a14:hiddenFill>
             </a:ext>
             <a:ext uri="{91240B29-F687-4f45-9708-019B960494DF}">
-              <a14:hiddenLine xmlns="" xmlns:a14="http://schemas.microsoft.com/office/drawing/2010/main" w="9525">
+              <a14:hiddenLine xmlns:a14="http://schemas.microsoft.com/office/drawing/2010/main" xmlns="" w="9525">
                 <a:solidFill>
                   <a:schemeClr val="tx1"/>
                 </a:solidFill>
@@ -8887,7 +9419,7 @@
               </a14:hiddenLine>
             </a:ext>
             <a:ext uri="{AF507438-7753-43e0-B8FC-AC1667EBCBE1}">
-              <a14:hiddenEffects xmlns="" xmlns:a14="http://schemas.microsoft.com/office/drawing/2010/main">
+              <a14:hiddenEffects xmlns:a14="http://schemas.microsoft.com/office/drawing/2010/main" xmlns="">
                 <a:effectLst>
                   <a:outerShdw blurRad="63500" dist="38099" dir="2700000" algn="ctr" rotWithShape="0">
                     <a:schemeClr val="bg2">
@@ -9101,14 +9633,14 @@
           <a:effectLst/>
           <a:extLst>
             <a:ext uri="{909E8E84-426E-40dd-AFC4-6F175D3DCCD1}">
-              <a14:hiddenFill xmlns="" xmlns:a14="http://schemas.microsoft.com/office/drawing/2010/main">
+              <a14:hiddenFill xmlns:a14="http://schemas.microsoft.com/office/drawing/2010/main" xmlns="">
                 <a:solidFill>
                   <a:schemeClr val="accent1"/>
                 </a:solidFill>
               </a14:hiddenFill>
             </a:ext>
             <a:ext uri="{91240B29-F687-4f45-9708-019B960494DF}">
-              <a14:hiddenLine xmlns="" xmlns:a14="http://schemas.microsoft.com/office/drawing/2010/main" w="9525">
+              <a14:hiddenLine xmlns:a14="http://schemas.microsoft.com/office/drawing/2010/main" xmlns="" w="9525">
                 <a:solidFill>
                   <a:schemeClr val="tx1"/>
                 </a:solidFill>
@@ -9118,7 +9650,7 @@
               </a14:hiddenLine>
             </a:ext>
             <a:ext uri="{AF507438-7753-43e0-B8FC-AC1667EBCBE1}">
-              <a14:hiddenEffects xmlns="" xmlns:a14="http://schemas.microsoft.com/office/drawing/2010/main">
+              <a14:hiddenEffects xmlns:a14="http://schemas.microsoft.com/office/drawing/2010/main" xmlns="">
                 <a:effectLst>
                   <a:outerShdw blurRad="63500" dist="38099" dir="2700000" algn="ctr" rotWithShape="0">
                     <a:schemeClr val="bg2">
@@ -9213,14 +9745,14 @@
           <a:effectLst/>
           <a:extLst>
             <a:ext uri="{909E8E84-426E-40dd-AFC4-6F175D3DCCD1}">
-              <a14:hiddenFill xmlns="" xmlns:a14="http://schemas.microsoft.com/office/drawing/2010/main">
+              <a14:hiddenFill xmlns:a14="http://schemas.microsoft.com/office/drawing/2010/main" xmlns="">
                 <a:solidFill>
                   <a:schemeClr val="accent1"/>
                 </a:solidFill>
               </a14:hiddenFill>
             </a:ext>
             <a:ext uri="{91240B29-F687-4f45-9708-019B960494DF}">
-              <a14:hiddenLine xmlns="" xmlns:a14="http://schemas.microsoft.com/office/drawing/2010/main" w="9525">
+              <a14:hiddenLine xmlns:a14="http://schemas.microsoft.com/office/drawing/2010/main" xmlns="" w="9525">
                 <a:solidFill>
                   <a:schemeClr val="tx1"/>
                 </a:solidFill>
@@ -9230,7 +9762,7 @@
               </a14:hiddenLine>
             </a:ext>
             <a:ext uri="{AF507438-7753-43e0-B8FC-AC1667EBCBE1}">
-              <a14:hiddenEffects xmlns="" xmlns:a14="http://schemas.microsoft.com/office/drawing/2010/main">
+              <a14:hiddenEffects xmlns:a14="http://schemas.microsoft.com/office/drawing/2010/main" xmlns="">
                 <a:effectLst>
                   <a:outerShdw blurRad="63500" dist="38099" dir="2700000" algn="ctr" rotWithShape="0">
                     <a:schemeClr val="bg2">
@@ -9241,7 +9773,7 @@
               </a14:hiddenEffects>
             </a:ext>
             <a:ext uri="{FAA26D3D-D897-4be2-8F04-BA451C77F1D7}">
-              <ma14:placeholderFlag xmlns="" xmlns:ma14="http://schemas.microsoft.com/office/mac/drawingml/2011/main" val="1"/>
+              <ma14:placeholderFlag xmlns:ma14="http://schemas.microsoft.com/office/mac/drawingml/2011/main" xmlns="" val="1"/>
             </a:ext>
           </a:extLst>
         </p:spPr>
@@ -9734,14 +10266,14 @@
         <a:effectLst/>
         <a:extLst>
           <a:ext uri="{909E8E84-426E-40dd-AFC4-6F175D3DCCD1}">
-            <a14:hiddenFill xmlns="" xmlns:a14="http://schemas.microsoft.com/office/drawing/2010/main">
+            <a14:hiddenFill xmlns:a14="http://schemas.microsoft.com/office/drawing/2010/main" xmlns="">
               <a:solidFill>
                 <a:schemeClr val="accent1"/>
               </a:solidFill>
             </a14:hiddenFill>
           </a:ext>
           <a:ext uri="{91240B29-F687-4f45-9708-019B960494DF}">
-            <a14:hiddenLine xmlns="" xmlns:a14="http://schemas.microsoft.com/office/drawing/2010/main" w="9525" cap="flat" cmpd="sng" algn="ctr">
+            <a14:hiddenLine xmlns:a14="http://schemas.microsoft.com/office/drawing/2010/main" xmlns="" w="9525" cap="flat" cmpd="sng" algn="ctr">
               <a:solidFill>
                 <a:schemeClr val="tx1"/>
               </a:solidFill>
@@ -9752,7 +10284,7 @@
             </a14:hiddenLine>
           </a:ext>
           <a:ext uri="{AF507438-7753-43e0-B8FC-AC1667EBCBE1}">
-            <a14:hiddenEffects xmlns="" xmlns:a14="http://schemas.microsoft.com/office/drawing/2010/main">
+            <a14:hiddenEffects xmlns:a14="http://schemas.microsoft.com/office/drawing/2010/main" xmlns="">
               <a:effectLst>
                 <a:outerShdw blurRad="63500" dist="35921" dir="2700000" algn="ctr" rotWithShape="0">
                   <a:schemeClr val="bg2"/>
@@ -9818,14 +10350,14 @@
         <a:effectLst/>
         <a:extLst>
           <a:ext uri="{909E8E84-426E-40dd-AFC4-6F175D3DCCD1}">
-            <a14:hiddenFill xmlns="" xmlns:a14="http://schemas.microsoft.com/office/drawing/2010/main">
+            <a14:hiddenFill xmlns:a14="http://schemas.microsoft.com/office/drawing/2010/main" xmlns="">
               <a:solidFill>
                 <a:schemeClr val="accent1"/>
               </a:solidFill>
             </a14:hiddenFill>
           </a:ext>
           <a:ext uri="{91240B29-F687-4f45-9708-019B960494DF}">
-            <a14:hiddenLine xmlns="" xmlns:a14="http://schemas.microsoft.com/office/drawing/2010/main" w="9525" cap="flat" cmpd="sng" algn="ctr">
+            <a14:hiddenLine xmlns:a14="http://schemas.microsoft.com/office/drawing/2010/main" xmlns="" w="9525" cap="flat" cmpd="sng" algn="ctr">
               <a:solidFill>
                 <a:schemeClr val="tx1"/>
               </a:solidFill>
@@ -9836,7 +10368,7 @@
             </a14:hiddenLine>
           </a:ext>
           <a:ext uri="{AF507438-7753-43e0-B8FC-AC1667EBCBE1}">
-            <a14:hiddenEffects xmlns="" xmlns:a14="http://schemas.microsoft.com/office/drawing/2010/main">
+            <a14:hiddenEffects xmlns:a14="http://schemas.microsoft.com/office/drawing/2010/main" xmlns="">
               <a:effectLst>
                 <a:outerShdw blurRad="63500" dist="35921" dir="2700000" algn="ctr" rotWithShape="0">
                   <a:schemeClr val="bg2"/>

--- a/presentation/praesentation.pptx
+++ b/presentation/praesentation.pptx
@@ -660,6 +660,1126 @@
 </c:chartSpace>
 </file>
 
+<file path=ppt/charts/chart2.xml><?xml version="1.0" encoding="utf-8"?>
+<c:chartSpace xmlns:c="http://schemas.openxmlformats.org/drawingml/2006/chart" xmlns:a="http://schemas.openxmlformats.org/drawingml/2006/main" xmlns:r="http://schemas.openxmlformats.org/officeDocument/2006/relationships">
+  <c:date1904 val="0"/>
+  <c:lang val="de-DE"/>
+  <c:roundedCorners val="0"/>
+  <mc:AlternateContent xmlns:mc="http://schemas.openxmlformats.org/markup-compatibility/2006">
+    <mc:Choice xmlns:c14="http://schemas.microsoft.com/office/drawing/2007/8/2/chart" Requires="c14">
+      <c14:style val="102"/>
+    </mc:Choice>
+    <mc:Fallback>
+      <c:style val="2"/>
+    </mc:Fallback>
+  </mc:AlternateContent>
+  <c:chart>
+    <c:autoTitleDeleted val="1"/>
+    <c:plotArea>
+      <c:layout>
+        <c:manualLayout>
+          <c:layoutTarget val="inner"/>
+          <c:xMode val="edge"/>
+          <c:yMode val="edge"/>
+          <c:x val="5.7632493372368206E-2"/>
+          <c:y val="1.1927828953086203E-2"/>
+          <c:w val="0.92511158818207317"/>
+          <c:h val="0.86961495006396783"/>
+        </c:manualLayout>
+      </c:layout>
+      <c:scatterChart>
+        <c:scatterStyle val="smoothMarker"/>
+        <c:varyColors val="0"/>
+        <c:ser>
+          <c:idx val="0"/>
+          <c:order val="0"/>
+          <c:tx>
+            <c:v>Speedup</c:v>
+          </c:tx>
+          <c:spPr>
+            <a:ln w="19050" cap="rnd">
+              <a:noFill/>
+              <a:round/>
+            </a:ln>
+            <a:effectLst/>
+          </c:spPr>
+          <c:marker>
+            <c:symbol val="circle"/>
+            <c:size val="5"/>
+            <c:spPr>
+              <a:solidFill>
+                <a:srgbClr val="E56B20"/>
+              </a:solidFill>
+              <a:ln w="34925">
+                <a:solidFill>
+                  <a:srgbClr val="E56B20"/>
+                </a:solidFill>
+              </a:ln>
+              <a:effectLst/>
+            </c:spPr>
+          </c:marker>
+          <c:xVal>
+            <c:numRef>
+              <c:f>(Tabelle1!$I$3,Tabelle1!$I$4,Tabelle1!$I$5,Tabelle1!$I$6,Tabelle1!$I$8,Tabelle1!$I$10,Tabelle1!$I$11,Tabelle1!$I$14,Tabelle1!$I$18)</c:f>
+              <c:numCache>
+                <c:formatCode>General</c:formatCode>
+                <c:ptCount val="9"/>
+                <c:pt idx="0">
+                  <c:v>1</c:v>
+                </c:pt>
+                <c:pt idx="1">
+                  <c:v>2</c:v>
+                </c:pt>
+                <c:pt idx="2">
+                  <c:v>3</c:v>
+                </c:pt>
+                <c:pt idx="3">
+                  <c:v>4</c:v>
+                </c:pt>
+                <c:pt idx="4">
+                  <c:v>6</c:v>
+                </c:pt>
+                <c:pt idx="5">
+                  <c:v>8</c:v>
+                </c:pt>
+                <c:pt idx="6">
+                  <c:v>9</c:v>
+                </c:pt>
+                <c:pt idx="7">
+                  <c:v>12</c:v>
+                </c:pt>
+                <c:pt idx="8">
+                  <c:v>16</c:v>
+                </c:pt>
+              </c:numCache>
+            </c:numRef>
+          </c:xVal>
+          <c:yVal>
+            <c:numRef>
+              <c:f>(Tabelle1!$N$3,Tabelle1!$N$4,Tabelle1!$N$5,Tabelle1!$N$6,Tabelle1!$N$8,Tabelle1!$N$10,Tabelle1!$N$11,Tabelle1!$N$14,Tabelle1!$N$18)</c:f>
+              <c:numCache>
+                <c:formatCode>0.00</c:formatCode>
+                <c:ptCount val="9"/>
+                <c:pt idx="0">
+                  <c:v>1</c:v>
+                </c:pt>
+                <c:pt idx="1">
+                  <c:v>1.4858687041006275</c:v>
+                </c:pt>
+                <c:pt idx="2">
+                  <c:v>1.7547597591564736</c:v>
+                </c:pt>
+                <c:pt idx="3">
+                  <c:v>1.8894976745623384</c:v>
+                </c:pt>
+                <c:pt idx="4">
+                  <c:v>2.1585158773586572</c:v>
+                </c:pt>
+                <c:pt idx="5">
+                  <c:v>2.269572834850262</c:v>
+                </c:pt>
+                <c:pt idx="6">
+                  <c:v>2.0898371010411041</c:v>
+                </c:pt>
+                <c:pt idx="7">
+                  <c:v>2.1480284421460891</c:v>
+                </c:pt>
+                <c:pt idx="8">
+                  <c:v>2.5063824554211926</c:v>
+                </c:pt>
+              </c:numCache>
+            </c:numRef>
+          </c:yVal>
+          <c:smooth val="0"/>
+        </c:ser>
+        <c:ser>
+          <c:idx val="1"/>
+          <c:order val="1"/>
+          <c:tx>
+            <c:v>Optimal speedup according to Amdahl</c:v>
+          </c:tx>
+          <c:spPr>
+            <a:ln w="3175" cap="rnd">
+              <a:solidFill>
+                <a:schemeClr val="bg2">
+                  <a:lumMod val="75000"/>
+                </a:schemeClr>
+              </a:solidFill>
+              <a:prstDash val="dash"/>
+              <a:round/>
+            </a:ln>
+            <a:effectLst/>
+          </c:spPr>
+          <c:marker>
+            <c:symbol val="circle"/>
+            <c:size val="5"/>
+            <c:spPr>
+              <a:noFill/>
+              <a:ln w="9525">
+                <a:noFill/>
+              </a:ln>
+              <a:effectLst/>
+            </c:spPr>
+          </c:marker>
+          <c:yVal>
+            <c:numRef>
+              <c:f>Tabelle1!$O$3:$O$18</c:f>
+              <c:numCache>
+                <c:formatCode>0.00</c:formatCode>
+                <c:ptCount val="16"/>
+                <c:pt idx="0">
+                  <c:v>1</c:v>
+                </c:pt>
+                <c:pt idx="1">
+                  <c:v>1.480101137371808</c:v>
+                </c:pt>
+                <c:pt idx="2">
+                  <c:v>1.7620958832785452</c:v>
+                </c:pt>
+                <c:pt idx="3">
+                  <c:v>1.94763108752175</c:v>
+                </c:pt>
+                <c:pt idx="4">
+                  <c:v>2.0789709190515437</c:v>
+                </c:pt>
+                <c:pt idx="5">
+                  <c:v>2.1768351622008599</c:v>
+                </c:pt>
+                <c:pt idx="6">
+                  <c:v>2.2525754476968598</c:v>
+                </c:pt>
+                <c:pt idx="7">
+                  <c:v>2.3129321566897372</c:v>
+                </c:pt>
+                <c:pt idx="8">
+                  <c:v>2.3621600274725276</c:v>
+                </c:pt>
+                <c:pt idx="9">
+                  <c:v>2.4030772241941132</c:v>
+                </c:pt>
+                <c:pt idx="10">
+                  <c:v>2.4376244499195763</c:v>
+                </c:pt>
+                <c:pt idx="11">
+                  <c:v>2.4671817904558742</c:v>
+                </c:pt>
+                <c:pt idx="12">
+                  <c:v>2.4927575137580269</c:v>
+                </c:pt>
+                <c:pt idx="13">
+                  <c:v>2.515105385556736</c:v>
+                </c:pt>
+                <c:pt idx="14">
+                  <c:v>2.5348002031934986</c:v>
+                </c:pt>
+                <c:pt idx="15">
+                  <c:v>2.552287935524082</c:v>
+                </c:pt>
+              </c:numCache>
+            </c:numRef>
+          </c:yVal>
+          <c:smooth val="1"/>
+        </c:ser>
+        <c:dLbls>
+          <c:showLegendKey val="0"/>
+          <c:showVal val="0"/>
+          <c:showCatName val="0"/>
+          <c:showSerName val="0"/>
+          <c:showPercent val="0"/>
+          <c:showBubbleSize val="0"/>
+        </c:dLbls>
+        <c:axId val="424765424"/>
+        <c:axId val="427248536"/>
+      </c:scatterChart>
+      <c:valAx>
+        <c:axId val="424765424"/>
+        <c:scaling>
+          <c:orientation val="minMax"/>
+          <c:max val="16"/>
+          <c:min val="1"/>
+        </c:scaling>
+        <c:delete val="0"/>
+        <c:axPos val="b"/>
+        <c:majorGridlines>
+          <c:spPr>
+            <a:ln w="9525" cap="flat" cmpd="sng" algn="ctr">
+              <a:solidFill>
+                <a:schemeClr val="tx1">
+                  <a:lumMod val="15000"/>
+                  <a:lumOff val="85000"/>
+                </a:schemeClr>
+              </a:solidFill>
+              <a:round/>
+            </a:ln>
+            <a:effectLst/>
+          </c:spPr>
+        </c:majorGridlines>
+        <c:title>
+          <c:tx>
+            <c:rich>
+              <a:bodyPr rot="0" spcFirstLastPara="1" vertOverflow="ellipsis" vert="horz" wrap="square" anchor="ctr" anchorCtr="1"/>
+              <a:lstStyle/>
+              <a:p>
+                <a:pPr>
+                  <a:defRPr sz="1000" b="0" i="0" u="none" strike="noStrike" kern="1200" baseline="0">
+                    <a:solidFill>
+                      <a:schemeClr val="tx1">
+                        <a:lumMod val="65000"/>
+                        <a:lumOff val="35000"/>
+                      </a:schemeClr>
+                    </a:solidFill>
+                    <a:latin typeface="+mn-lt"/>
+                    <a:ea typeface="+mn-ea"/>
+                    <a:cs typeface="+mn-cs"/>
+                  </a:defRPr>
+                </a:pPr>
+                <a:r>
+                  <a:rPr lang="de-DE" dirty="0" err="1" smtClean="0"/>
+                  <a:t>Number</a:t>
+                </a:r>
+                <a:r>
+                  <a:rPr lang="de-DE" dirty="0" smtClean="0"/>
+                  <a:t> </a:t>
+                </a:r>
+                <a:r>
+                  <a:rPr lang="de-DE" dirty="0" err="1" smtClean="0"/>
+                  <a:t>of</a:t>
+                </a:r>
+                <a:r>
+                  <a:rPr lang="de-DE" baseline="0" dirty="0" smtClean="0"/>
+                  <a:t> </a:t>
+                </a:r>
+                <a:r>
+                  <a:rPr lang="de-DE" baseline="0" dirty="0" err="1" smtClean="0"/>
+                  <a:t>cores</a:t>
+                </a:r>
+                <a:endParaRPr lang="de-DE" baseline="0" dirty="0" smtClean="0"/>
+              </a:p>
+            </c:rich>
+          </c:tx>
+          <c:layout>
+            <c:manualLayout>
+              <c:xMode val="edge"/>
+              <c:yMode val="edge"/>
+              <c:x val="0.46194993485572317"/>
+              <c:y val="0.91127356700626339"/>
+            </c:manualLayout>
+          </c:layout>
+          <c:overlay val="0"/>
+          <c:spPr>
+            <a:noFill/>
+            <a:ln>
+              <a:noFill/>
+            </a:ln>
+            <a:effectLst/>
+          </c:spPr>
+          <c:txPr>
+            <a:bodyPr rot="0" spcFirstLastPara="1" vertOverflow="ellipsis" vert="horz" wrap="square" anchor="ctr" anchorCtr="1"/>
+            <a:lstStyle/>
+            <a:p>
+              <a:pPr>
+                <a:defRPr sz="1000" b="0" i="0" u="none" strike="noStrike" kern="1200" baseline="0">
+                  <a:solidFill>
+                    <a:schemeClr val="tx1">
+                      <a:lumMod val="65000"/>
+                      <a:lumOff val="35000"/>
+                    </a:schemeClr>
+                  </a:solidFill>
+                  <a:latin typeface="+mn-lt"/>
+                  <a:ea typeface="+mn-ea"/>
+                  <a:cs typeface="+mn-cs"/>
+                </a:defRPr>
+              </a:pPr>
+              <a:endParaRPr lang="de-DE"/>
+            </a:p>
+          </c:txPr>
+        </c:title>
+        <c:numFmt formatCode="General" sourceLinked="1"/>
+        <c:majorTickMark val="none"/>
+        <c:minorTickMark val="none"/>
+        <c:tickLblPos val="nextTo"/>
+        <c:spPr>
+          <a:noFill/>
+          <a:ln w="9525" cap="flat" cmpd="sng" algn="ctr">
+            <a:solidFill>
+              <a:schemeClr val="tx1">
+                <a:lumMod val="25000"/>
+                <a:lumOff val="75000"/>
+              </a:schemeClr>
+            </a:solidFill>
+            <a:round/>
+          </a:ln>
+          <a:effectLst/>
+        </c:spPr>
+        <c:txPr>
+          <a:bodyPr rot="-60000000" spcFirstLastPara="1" vertOverflow="ellipsis" vert="horz" wrap="square" anchor="ctr" anchorCtr="1"/>
+          <a:lstStyle/>
+          <a:p>
+            <a:pPr>
+              <a:defRPr sz="900" b="0" i="0" u="none" strike="noStrike" kern="1200" baseline="0">
+                <a:solidFill>
+                  <a:schemeClr val="tx1">
+                    <a:lumMod val="65000"/>
+                    <a:lumOff val="35000"/>
+                  </a:schemeClr>
+                </a:solidFill>
+                <a:latin typeface="+mn-lt"/>
+                <a:ea typeface="+mn-ea"/>
+                <a:cs typeface="+mn-cs"/>
+              </a:defRPr>
+            </a:pPr>
+            <a:endParaRPr lang="de-DE"/>
+          </a:p>
+        </c:txPr>
+        <c:crossAx val="427248536"/>
+        <c:crosses val="autoZero"/>
+        <c:crossBetween val="midCat"/>
+        <c:majorUnit val="1"/>
+      </c:valAx>
+      <c:valAx>
+        <c:axId val="427248536"/>
+        <c:scaling>
+          <c:orientation val="minMax"/>
+          <c:max val="2.6"/>
+          <c:min val="1"/>
+        </c:scaling>
+        <c:delete val="0"/>
+        <c:axPos val="l"/>
+        <c:majorGridlines>
+          <c:spPr>
+            <a:ln w="9525" cap="flat" cmpd="sng" algn="ctr">
+              <a:solidFill>
+                <a:schemeClr val="tx1">
+                  <a:lumMod val="15000"/>
+                  <a:lumOff val="85000"/>
+                </a:schemeClr>
+              </a:solidFill>
+              <a:round/>
+            </a:ln>
+            <a:effectLst/>
+          </c:spPr>
+        </c:majorGridlines>
+        <c:title>
+          <c:tx>
+            <c:rich>
+              <a:bodyPr rot="-5400000" spcFirstLastPara="1" vertOverflow="ellipsis" vert="horz" wrap="square" anchor="ctr" anchorCtr="1"/>
+              <a:lstStyle/>
+              <a:p>
+                <a:pPr>
+                  <a:defRPr sz="1000" b="0" i="0" u="none" strike="noStrike" kern="1200" baseline="0">
+                    <a:solidFill>
+                      <a:schemeClr val="tx1">
+                        <a:lumMod val="65000"/>
+                        <a:lumOff val="35000"/>
+                      </a:schemeClr>
+                    </a:solidFill>
+                    <a:latin typeface="+mn-lt"/>
+                    <a:ea typeface="+mn-ea"/>
+                    <a:cs typeface="+mn-cs"/>
+                  </a:defRPr>
+                </a:pPr>
+                <a:r>
+                  <a:rPr lang="de-DE" dirty="0" err="1" smtClean="0"/>
+                  <a:t>Speedup</a:t>
+                </a:r>
+                <a:endParaRPr lang="de-DE" dirty="0" smtClean="0"/>
+              </a:p>
+            </c:rich>
+          </c:tx>
+          <c:layout/>
+          <c:overlay val="0"/>
+          <c:spPr>
+            <a:noFill/>
+            <a:ln>
+              <a:noFill/>
+            </a:ln>
+            <a:effectLst/>
+          </c:spPr>
+          <c:txPr>
+            <a:bodyPr rot="-5400000" spcFirstLastPara="1" vertOverflow="ellipsis" vert="horz" wrap="square" anchor="ctr" anchorCtr="1"/>
+            <a:lstStyle/>
+            <a:p>
+              <a:pPr>
+                <a:defRPr sz="1000" b="0" i="0" u="none" strike="noStrike" kern="1200" baseline="0">
+                  <a:solidFill>
+                    <a:schemeClr val="tx1">
+                      <a:lumMod val="65000"/>
+                      <a:lumOff val="35000"/>
+                    </a:schemeClr>
+                  </a:solidFill>
+                  <a:latin typeface="+mn-lt"/>
+                  <a:ea typeface="+mn-ea"/>
+                  <a:cs typeface="+mn-cs"/>
+                </a:defRPr>
+              </a:pPr>
+              <a:endParaRPr lang="de-DE"/>
+            </a:p>
+          </c:txPr>
+        </c:title>
+        <c:numFmt formatCode="0.00" sourceLinked="1"/>
+        <c:majorTickMark val="none"/>
+        <c:minorTickMark val="none"/>
+        <c:tickLblPos val="nextTo"/>
+        <c:spPr>
+          <a:noFill/>
+          <a:ln w="9525" cap="flat" cmpd="sng" algn="ctr">
+            <a:solidFill>
+              <a:schemeClr val="tx1">
+                <a:lumMod val="25000"/>
+                <a:lumOff val="75000"/>
+              </a:schemeClr>
+            </a:solidFill>
+            <a:round/>
+          </a:ln>
+          <a:effectLst/>
+        </c:spPr>
+        <c:txPr>
+          <a:bodyPr rot="-60000000" spcFirstLastPara="1" vertOverflow="ellipsis" vert="horz" wrap="square" anchor="ctr" anchorCtr="1"/>
+          <a:lstStyle/>
+          <a:p>
+            <a:pPr>
+              <a:defRPr sz="900" b="0" i="0" u="none" strike="noStrike" kern="1200" baseline="0">
+                <a:solidFill>
+                  <a:schemeClr val="tx1">
+                    <a:lumMod val="65000"/>
+                    <a:lumOff val="35000"/>
+                  </a:schemeClr>
+                </a:solidFill>
+                <a:latin typeface="+mn-lt"/>
+                <a:ea typeface="+mn-ea"/>
+                <a:cs typeface="+mn-cs"/>
+              </a:defRPr>
+            </a:pPr>
+            <a:endParaRPr lang="de-DE"/>
+          </a:p>
+        </c:txPr>
+        <c:crossAx val="424765424"/>
+        <c:crosses val="autoZero"/>
+        <c:crossBetween val="midCat"/>
+      </c:valAx>
+      <c:spPr>
+        <a:noFill/>
+        <a:ln>
+          <a:noFill/>
+        </a:ln>
+        <a:effectLst/>
+      </c:spPr>
+    </c:plotArea>
+    <c:legend>
+      <c:legendPos val="b"/>
+      <c:layout/>
+      <c:overlay val="0"/>
+      <c:spPr>
+        <a:noFill/>
+        <a:ln>
+          <a:noFill/>
+        </a:ln>
+        <a:effectLst/>
+      </c:spPr>
+      <c:txPr>
+        <a:bodyPr rot="0" spcFirstLastPara="1" vertOverflow="ellipsis" vert="horz" wrap="square" anchor="ctr" anchorCtr="1"/>
+        <a:lstStyle/>
+        <a:p>
+          <a:pPr>
+            <a:defRPr sz="900" b="0" i="0" u="none" strike="noStrike" kern="1200" baseline="0">
+              <a:solidFill>
+                <a:schemeClr val="tx1">
+                  <a:lumMod val="65000"/>
+                  <a:lumOff val="35000"/>
+                </a:schemeClr>
+              </a:solidFill>
+              <a:latin typeface="+mn-lt"/>
+              <a:ea typeface="+mn-ea"/>
+              <a:cs typeface="+mn-cs"/>
+            </a:defRPr>
+          </a:pPr>
+          <a:endParaRPr lang="de-DE"/>
+        </a:p>
+      </c:txPr>
+    </c:legend>
+    <c:plotVisOnly val="1"/>
+    <c:dispBlanksAs val="gap"/>
+    <c:showDLblsOverMax val="0"/>
+  </c:chart>
+  <c:spPr>
+    <a:noFill/>
+    <a:ln>
+      <a:noFill/>
+    </a:ln>
+    <a:effectLst/>
+  </c:spPr>
+  <c:txPr>
+    <a:bodyPr/>
+    <a:lstStyle/>
+    <a:p>
+      <a:pPr>
+        <a:defRPr/>
+      </a:pPr>
+      <a:endParaRPr lang="de-DE"/>
+    </a:p>
+  </c:txPr>
+  <c:externalData r:id="rId3">
+    <c:autoUpdate val="0"/>
+  </c:externalData>
+</c:chartSpace>
+</file>
+
+<file path=ppt/charts/colors1.xml><?xml version="1.0" encoding="utf-8"?>
+<cs:colorStyle xmlns:cs="http://schemas.microsoft.com/office/drawing/2012/chartStyle" xmlns:a="http://schemas.openxmlformats.org/drawingml/2006/main" meth="cycle" id="10">
+  <a:schemeClr val="accent1"/>
+  <a:schemeClr val="accent2"/>
+  <a:schemeClr val="accent3"/>
+  <a:schemeClr val="accent4"/>
+  <a:schemeClr val="accent5"/>
+  <a:schemeClr val="accent6"/>
+  <cs:variation/>
+  <cs:variation>
+    <a:lumMod val="60000"/>
+  </cs:variation>
+  <cs:variation>
+    <a:lumMod val="80000"/>
+    <a:lumOff val="20000"/>
+  </cs:variation>
+  <cs:variation>
+    <a:lumMod val="80000"/>
+  </cs:variation>
+  <cs:variation>
+    <a:lumMod val="60000"/>
+    <a:lumOff val="40000"/>
+  </cs:variation>
+  <cs:variation>
+    <a:lumMod val="50000"/>
+  </cs:variation>
+  <cs:variation>
+    <a:lumMod val="70000"/>
+    <a:lumOff val="30000"/>
+  </cs:variation>
+  <cs:variation>
+    <a:lumMod val="70000"/>
+  </cs:variation>
+  <cs:variation>
+    <a:lumMod val="50000"/>
+    <a:lumOff val="50000"/>
+  </cs:variation>
+</cs:colorStyle>
+</file>
+
+<file path=ppt/charts/style1.xml><?xml version="1.0" encoding="utf-8"?>
+<cs:chartStyle xmlns:cs="http://schemas.microsoft.com/office/drawing/2012/chartStyle" xmlns:a="http://schemas.openxmlformats.org/drawingml/2006/main" id="240">
+  <cs:axisTitle>
+    <cs:lnRef idx="0"/>
+    <cs:fillRef idx="0"/>
+    <cs:effectRef idx="0"/>
+    <cs:fontRef idx="minor">
+      <a:schemeClr val="tx1">
+        <a:lumMod val="65000"/>
+        <a:lumOff val="35000"/>
+      </a:schemeClr>
+    </cs:fontRef>
+    <cs:defRPr sz="1000" kern="1200"/>
+  </cs:axisTitle>
+  <cs:categoryAxis>
+    <cs:lnRef idx="0"/>
+    <cs:fillRef idx="0"/>
+    <cs:effectRef idx="0"/>
+    <cs:fontRef idx="minor">
+      <a:schemeClr val="tx1">
+        <a:lumMod val="65000"/>
+        <a:lumOff val="35000"/>
+      </a:schemeClr>
+    </cs:fontRef>
+    <cs:spPr>
+      <a:ln w="9525" cap="flat" cmpd="sng" algn="ctr">
+        <a:solidFill>
+          <a:schemeClr val="tx1">
+            <a:lumMod val="25000"/>
+            <a:lumOff val="75000"/>
+          </a:schemeClr>
+        </a:solidFill>
+        <a:round/>
+      </a:ln>
+    </cs:spPr>
+    <cs:defRPr sz="900" kern="1200"/>
+  </cs:categoryAxis>
+  <cs:chartArea mods="allowNoFillOverride allowNoLineOverride">
+    <cs:lnRef idx="0"/>
+    <cs:fillRef idx="0"/>
+    <cs:effectRef idx="0"/>
+    <cs:fontRef idx="minor">
+      <a:schemeClr val="tx1"/>
+    </cs:fontRef>
+    <cs:spPr>
+      <a:solidFill>
+        <a:schemeClr val="bg1"/>
+      </a:solidFill>
+      <a:ln w="9525" cap="flat" cmpd="sng" algn="ctr">
+        <a:solidFill>
+          <a:schemeClr val="tx1">
+            <a:lumMod val="15000"/>
+            <a:lumOff val="85000"/>
+          </a:schemeClr>
+        </a:solidFill>
+        <a:round/>
+      </a:ln>
+    </cs:spPr>
+    <cs:defRPr sz="1000" kern="1200"/>
+  </cs:chartArea>
+  <cs:dataLabel>
+    <cs:lnRef idx="0"/>
+    <cs:fillRef idx="0"/>
+    <cs:effectRef idx="0"/>
+    <cs:fontRef idx="minor">
+      <a:schemeClr val="tx1">
+        <a:lumMod val="75000"/>
+        <a:lumOff val="25000"/>
+      </a:schemeClr>
+    </cs:fontRef>
+    <cs:defRPr sz="900" kern="1200"/>
+  </cs:dataLabel>
+  <cs:dataLabelCallout>
+    <cs:lnRef idx="0"/>
+    <cs:fillRef idx="0"/>
+    <cs:effectRef idx="0"/>
+    <cs:fontRef idx="minor">
+      <a:schemeClr val="dk1">
+        <a:lumMod val="65000"/>
+        <a:lumOff val="35000"/>
+      </a:schemeClr>
+    </cs:fontRef>
+    <cs:spPr>
+      <a:solidFill>
+        <a:schemeClr val="lt1"/>
+      </a:solidFill>
+      <a:ln>
+        <a:solidFill>
+          <a:schemeClr val="dk1">
+            <a:lumMod val="25000"/>
+            <a:lumOff val="75000"/>
+          </a:schemeClr>
+        </a:solidFill>
+      </a:ln>
+    </cs:spPr>
+    <cs:defRPr sz="900" kern="1200"/>
+    <cs:bodyPr rot="0" spcFirstLastPara="1" vertOverflow="clip" horzOverflow="clip" vert="horz" wrap="square" lIns="36576" tIns="18288" rIns="36576" bIns="18288" anchor="ctr" anchorCtr="1">
+      <a:spAutoFit/>
+    </cs:bodyPr>
+  </cs:dataLabelCallout>
+  <cs:dataPoint>
+    <cs:lnRef idx="0"/>
+    <cs:fillRef idx="1">
+      <cs:styleClr val="auto"/>
+    </cs:fillRef>
+    <cs:effectRef idx="0"/>
+    <cs:fontRef idx="minor">
+      <a:schemeClr val="tx1"/>
+    </cs:fontRef>
+  </cs:dataPoint>
+  <cs:dataPoint3D>
+    <cs:lnRef idx="0"/>
+    <cs:fillRef idx="1">
+      <cs:styleClr val="auto"/>
+    </cs:fillRef>
+    <cs:effectRef idx="0"/>
+    <cs:fontRef idx="minor">
+      <a:schemeClr val="tx1"/>
+    </cs:fontRef>
+  </cs:dataPoint3D>
+  <cs:dataPointLine>
+    <cs:lnRef idx="0">
+      <cs:styleClr val="auto"/>
+    </cs:lnRef>
+    <cs:fillRef idx="1"/>
+    <cs:effectRef idx="0"/>
+    <cs:fontRef idx="minor">
+      <a:schemeClr val="tx1"/>
+    </cs:fontRef>
+    <cs:spPr>
+      <a:ln w="19050" cap="rnd">
+        <a:solidFill>
+          <a:schemeClr val="phClr"/>
+        </a:solidFill>
+        <a:round/>
+      </a:ln>
+    </cs:spPr>
+  </cs:dataPointLine>
+  <cs:dataPointMarker>
+    <cs:lnRef idx="0">
+      <cs:styleClr val="auto"/>
+    </cs:lnRef>
+    <cs:fillRef idx="1">
+      <cs:styleClr val="auto"/>
+    </cs:fillRef>
+    <cs:effectRef idx="0"/>
+    <cs:fontRef idx="minor">
+      <a:schemeClr val="tx1"/>
+    </cs:fontRef>
+    <cs:spPr>
+      <a:ln w="9525">
+        <a:solidFill>
+          <a:schemeClr val="phClr"/>
+        </a:solidFill>
+      </a:ln>
+    </cs:spPr>
+  </cs:dataPointMarker>
+  <cs:dataPointMarkerLayout symbol="circle" size="5"/>
+  <cs:dataPointWireframe>
+    <cs:lnRef idx="0">
+      <cs:styleClr val="auto"/>
+    </cs:lnRef>
+    <cs:fillRef idx="0"/>
+    <cs:effectRef idx="0"/>
+    <cs:fontRef idx="minor">
+      <a:schemeClr val="dk1"/>
+    </cs:fontRef>
+    <cs:spPr>
+      <a:ln w="9525" cap="rnd">
+        <a:solidFill>
+          <a:schemeClr val="phClr"/>
+        </a:solidFill>
+        <a:round/>
+      </a:ln>
+    </cs:spPr>
+  </cs:dataPointWireframe>
+  <cs:dataTable>
+    <cs:lnRef idx="0"/>
+    <cs:fillRef idx="0"/>
+    <cs:effectRef idx="0"/>
+    <cs:fontRef idx="minor">
+      <a:schemeClr val="tx1">
+        <a:lumMod val="65000"/>
+        <a:lumOff val="35000"/>
+      </a:schemeClr>
+    </cs:fontRef>
+    <cs:spPr>
+      <a:noFill/>
+      <a:ln w="9525" cap="flat" cmpd="sng" algn="ctr">
+        <a:solidFill>
+          <a:schemeClr val="tx1">
+            <a:lumMod val="15000"/>
+            <a:lumOff val="85000"/>
+          </a:schemeClr>
+        </a:solidFill>
+        <a:round/>
+      </a:ln>
+    </cs:spPr>
+    <cs:defRPr sz="900" kern="1200"/>
+  </cs:dataTable>
+  <cs:downBar>
+    <cs:lnRef idx="0"/>
+    <cs:fillRef idx="0"/>
+    <cs:effectRef idx="0"/>
+    <cs:fontRef idx="minor">
+      <a:schemeClr val="tx1"/>
+    </cs:fontRef>
+    <cs:spPr>
+      <a:solidFill>
+        <a:schemeClr val="dk1">
+          <a:lumMod val="75000"/>
+          <a:lumOff val="25000"/>
+        </a:schemeClr>
+      </a:solidFill>
+      <a:ln w="9525" cap="flat" cmpd="sng" algn="ctr">
+        <a:solidFill>
+          <a:schemeClr val="tx1">
+            <a:lumMod val="65000"/>
+            <a:lumOff val="35000"/>
+          </a:schemeClr>
+        </a:solidFill>
+        <a:round/>
+      </a:ln>
+    </cs:spPr>
+  </cs:downBar>
+  <cs:dropLine>
+    <cs:lnRef idx="0"/>
+    <cs:fillRef idx="0"/>
+    <cs:effectRef idx="0"/>
+    <cs:fontRef idx="minor">
+      <a:schemeClr val="tx1"/>
+    </cs:fontRef>
+    <cs:spPr>
+      <a:ln w="9525" cap="flat" cmpd="sng" algn="ctr">
+        <a:solidFill>
+          <a:schemeClr val="tx1">
+            <a:lumMod val="35000"/>
+            <a:lumOff val="65000"/>
+          </a:schemeClr>
+        </a:solidFill>
+        <a:round/>
+      </a:ln>
+    </cs:spPr>
+  </cs:dropLine>
+  <cs:errorBar>
+    <cs:lnRef idx="0"/>
+    <cs:fillRef idx="0"/>
+    <cs:effectRef idx="0"/>
+    <cs:fontRef idx="minor">
+      <a:schemeClr val="tx1"/>
+    </cs:fontRef>
+    <cs:spPr>
+      <a:ln w="9525" cap="flat" cmpd="sng" algn="ctr">
+        <a:solidFill>
+          <a:schemeClr val="tx1">
+            <a:lumMod val="65000"/>
+            <a:lumOff val="35000"/>
+          </a:schemeClr>
+        </a:solidFill>
+        <a:round/>
+      </a:ln>
+    </cs:spPr>
+  </cs:errorBar>
+  <cs:floor>
+    <cs:lnRef idx="0"/>
+    <cs:fillRef idx="0"/>
+    <cs:effectRef idx="0"/>
+    <cs:fontRef idx="minor">
+      <a:schemeClr val="tx1"/>
+    </cs:fontRef>
+    <cs:spPr>
+      <a:noFill/>
+      <a:ln>
+        <a:noFill/>
+      </a:ln>
+    </cs:spPr>
+  </cs:floor>
+  <cs:gridlineMajor>
+    <cs:lnRef idx="0"/>
+    <cs:fillRef idx="0"/>
+    <cs:effectRef idx="0"/>
+    <cs:fontRef idx="minor">
+      <a:schemeClr val="tx1"/>
+    </cs:fontRef>
+    <cs:spPr>
+      <a:ln w="9525" cap="flat" cmpd="sng" algn="ctr">
+        <a:solidFill>
+          <a:schemeClr val="tx1">
+            <a:lumMod val="15000"/>
+            <a:lumOff val="85000"/>
+          </a:schemeClr>
+        </a:solidFill>
+        <a:round/>
+      </a:ln>
+    </cs:spPr>
+  </cs:gridlineMajor>
+  <cs:gridlineMinor>
+    <cs:lnRef idx="0"/>
+    <cs:fillRef idx="0"/>
+    <cs:effectRef idx="0"/>
+    <cs:fontRef idx="minor">
+      <a:schemeClr val="tx1"/>
+    </cs:fontRef>
+    <cs:spPr>
+      <a:ln w="9525" cap="flat" cmpd="sng" algn="ctr">
+        <a:solidFill>
+          <a:schemeClr val="tx1">
+            <a:lumMod val="5000"/>
+            <a:lumOff val="95000"/>
+          </a:schemeClr>
+        </a:solidFill>
+        <a:round/>
+      </a:ln>
+    </cs:spPr>
+  </cs:gridlineMinor>
+  <cs:hiLoLine>
+    <cs:lnRef idx="0"/>
+    <cs:fillRef idx="0"/>
+    <cs:effectRef idx="0"/>
+    <cs:fontRef idx="minor">
+      <a:schemeClr val="tx1"/>
+    </cs:fontRef>
+    <cs:spPr>
+      <a:ln w="9525" cap="flat" cmpd="sng" algn="ctr">
+        <a:solidFill>
+          <a:schemeClr val="tx1">
+            <a:lumMod val="50000"/>
+            <a:lumOff val="50000"/>
+          </a:schemeClr>
+        </a:solidFill>
+        <a:round/>
+      </a:ln>
+    </cs:spPr>
+  </cs:hiLoLine>
+  <cs:leaderLine>
+    <cs:lnRef idx="0"/>
+    <cs:fillRef idx="0"/>
+    <cs:effectRef idx="0"/>
+    <cs:fontRef idx="minor">
+      <a:schemeClr val="tx1"/>
+    </cs:fontRef>
+    <cs:spPr>
+      <a:ln w="9525" cap="flat" cmpd="sng" algn="ctr">
+        <a:solidFill>
+          <a:schemeClr val="tx1">
+            <a:lumMod val="35000"/>
+            <a:lumOff val="65000"/>
+          </a:schemeClr>
+        </a:solidFill>
+        <a:round/>
+      </a:ln>
+    </cs:spPr>
+  </cs:leaderLine>
+  <cs:legend>
+    <cs:lnRef idx="0"/>
+    <cs:fillRef idx="0"/>
+    <cs:effectRef idx="0"/>
+    <cs:fontRef idx="minor">
+      <a:schemeClr val="tx1">
+        <a:lumMod val="65000"/>
+        <a:lumOff val="35000"/>
+      </a:schemeClr>
+    </cs:fontRef>
+    <cs:defRPr sz="900" kern="1200"/>
+  </cs:legend>
+  <cs:plotArea mods="allowNoFillOverride allowNoLineOverride">
+    <cs:lnRef idx="0"/>
+    <cs:fillRef idx="0"/>
+    <cs:effectRef idx="0"/>
+    <cs:fontRef idx="minor">
+      <a:schemeClr val="tx1"/>
+    </cs:fontRef>
+  </cs:plotArea>
+  <cs:plotArea3D mods="allowNoFillOverride allowNoLineOverride">
+    <cs:lnRef idx="0"/>
+    <cs:fillRef idx="0"/>
+    <cs:effectRef idx="0"/>
+    <cs:fontRef idx="minor">
+      <a:schemeClr val="tx1"/>
+    </cs:fontRef>
+  </cs:plotArea3D>
+  <cs:seriesAxis>
+    <cs:lnRef idx="0"/>
+    <cs:fillRef idx="0"/>
+    <cs:effectRef idx="0"/>
+    <cs:fontRef idx="minor">
+      <a:schemeClr val="tx1">
+        <a:lumMod val="65000"/>
+        <a:lumOff val="35000"/>
+      </a:schemeClr>
+    </cs:fontRef>
+    <cs:defRPr sz="900" kern="1200"/>
+  </cs:seriesAxis>
+  <cs:seriesLine>
+    <cs:lnRef idx="0"/>
+    <cs:fillRef idx="0"/>
+    <cs:effectRef idx="0"/>
+    <cs:fontRef idx="minor">
+      <a:schemeClr val="tx1"/>
+    </cs:fontRef>
+    <cs:spPr>
+      <a:ln w="9525" cap="flat" cmpd="sng" algn="ctr">
+        <a:solidFill>
+          <a:schemeClr val="tx1">
+            <a:lumMod val="35000"/>
+            <a:lumOff val="65000"/>
+          </a:schemeClr>
+        </a:solidFill>
+        <a:round/>
+      </a:ln>
+    </cs:spPr>
+  </cs:seriesLine>
+  <cs:title>
+    <cs:lnRef idx="0"/>
+    <cs:fillRef idx="0"/>
+    <cs:effectRef idx="0"/>
+    <cs:fontRef idx="minor">
+      <a:schemeClr val="tx1">
+        <a:lumMod val="65000"/>
+        <a:lumOff val="35000"/>
+      </a:schemeClr>
+    </cs:fontRef>
+    <cs:defRPr sz="1400" b="0" kern="1200" spc="0" baseline="0"/>
+  </cs:title>
+  <cs:trendline>
+    <cs:lnRef idx="0">
+      <cs:styleClr val="auto"/>
+    </cs:lnRef>
+    <cs:fillRef idx="0"/>
+    <cs:effectRef idx="0"/>
+    <cs:fontRef idx="minor">
+      <a:schemeClr val="tx1"/>
+    </cs:fontRef>
+    <cs:spPr>
+      <a:ln w="19050" cap="rnd">
+        <a:solidFill>
+          <a:schemeClr val="phClr"/>
+        </a:solidFill>
+        <a:prstDash val="sysDot"/>
+      </a:ln>
+    </cs:spPr>
+  </cs:trendline>
+  <cs:trendlineLabel>
+    <cs:lnRef idx="0"/>
+    <cs:fillRef idx="0"/>
+    <cs:effectRef idx="0"/>
+    <cs:fontRef idx="minor">
+      <a:schemeClr val="tx1">
+        <a:lumMod val="65000"/>
+        <a:lumOff val="35000"/>
+      </a:schemeClr>
+    </cs:fontRef>
+    <cs:defRPr sz="900" kern="1200"/>
+  </cs:trendlineLabel>
+  <cs:upBar>
+    <cs:lnRef idx="0"/>
+    <cs:fillRef idx="0"/>
+    <cs:effectRef idx="0"/>
+    <cs:fontRef idx="minor">
+      <a:schemeClr val="tx1"/>
+    </cs:fontRef>
+    <cs:spPr>
+      <a:solidFill>
+        <a:schemeClr val="lt1"/>
+      </a:solidFill>
+      <a:ln w="9525" cap="flat" cmpd="sng" algn="ctr">
+        <a:solidFill>
+          <a:schemeClr val="tx1">
+            <a:lumMod val="65000"/>
+            <a:lumOff val="35000"/>
+          </a:schemeClr>
+        </a:solidFill>
+        <a:round/>
+      </a:ln>
+    </cs:spPr>
+  </cs:upBar>
+  <cs:valueAxis>
+    <cs:lnRef idx="0"/>
+    <cs:fillRef idx="0"/>
+    <cs:effectRef idx="0"/>
+    <cs:fontRef idx="minor">
+      <a:schemeClr val="tx1">
+        <a:lumMod val="65000"/>
+        <a:lumOff val="35000"/>
+      </a:schemeClr>
+    </cs:fontRef>
+    <cs:spPr>
+      <a:ln w="9525" cap="flat" cmpd="sng" algn="ctr">
+        <a:solidFill>
+          <a:schemeClr val="tx1">
+            <a:lumMod val="25000"/>
+            <a:lumOff val="75000"/>
+          </a:schemeClr>
+        </a:solidFill>
+        <a:round/>
+      </a:ln>
+    </cs:spPr>
+    <cs:defRPr sz="900" kern="1200"/>
+  </cs:valueAxis>
+  <cs:wall>
+    <cs:lnRef idx="0"/>
+    <cs:fillRef idx="0"/>
+    <cs:effectRef idx="0"/>
+    <cs:fontRef idx="minor">
+      <a:schemeClr val="tx1"/>
+    </cs:fontRef>
+    <cs:spPr>
+      <a:noFill/>
+      <a:ln>
+        <a:noFill/>
+      </a:ln>
+    </cs:spPr>
+  </cs:wall>
+</cs:chartStyle>
+</file>
+
 <file path=ppt/handoutMasters/handoutMaster1.xml><?xml version="1.0" encoding="utf-8"?>
 <p:handoutMaster xmlns:a="http://schemas.openxmlformats.org/drawingml/2006/main" xmlns:r="http://schemas.openxmlformats.org/officeDocument/2006/relationships" xmlns:p="http://schemas.openxmlformats.org/presentationml/2006/main">
   <p:cSld>
@@ -710,14 +1830,14 @@
           <a:effectLst/>
           <a:extLst>
             <a:ext uri="{909E8E84-426E-40dd-AFC4-6F175D3DCCD1}">
-              <a14:hiddenFill xmlns:a14="http://schemas.microsoft.com/office/drawing/2010/main" xmlns="">
+              <a14:hiddenFill xmlns="" xmlns:a14="http://schemas.microsoft.com/office/drawing/2010/main">
                 <a:solidFill>
                   <a:schemeClr val="accent1"/>
                 </a:solidFill>
               </a14:hiddenFill>
             </a:ext>
             <a:ext uri="{91240B29-F687-4f45-9708-019B960494DF}">
-              <a14:hiddenLine xmlns:a14="http://schemas.microsoft.com/office/drawing/2010/main" xmlns="" w="9525">
+              <a14:hiddenLine xmlns="" xmlns:a14="http://schemas.microsoft.com/office/drawing/2010/main" w="9525">
                 <a:solidFill>
                   <a:schemeClr val="tx1"/>
                 </a:solidFill>
@@ -727,7 +1847,7 @@
               </a14:hiddenLine>
             </a:ext>
             <a:ext uri="{AF507438-7753-43e0-B8FC-AC1667EBCBE1}">
-              <a14:hiddenEffects xmlns:a14="http://schemas.microsoft.com/office/drawing/2010/main" xmlns="">
+              <a14:hiddenEffects xmlns="" xmlns:a14="http://schemas.microsoft.com/office/drawing/2010/main">
                 <a:effectLst>
                   <a:outerShdw blurRad="63500" dist="38099" dir="2700000" algn="ctr" rotWithShape="0">
                     <a:schemeClr val="bg2">
@@ -738,7 +1858,7 @@
               </a14:hiddenEffects>
             </a:ext>
             <a:ext uri="{FAA26D3D-D897-4be2-8F04-BA451C77F1D7}">
-              <ma14:placeholderFlag xmlns:ma14="http://schemas.microsoft.com/office/mac/drawingml/2011/main" xmlns="" val="1"/>
+              <ma14:placeholderFlag xmlns="" xmlns:ma14="http://schemas.microsoft.com/office/mac/drawingml/2011/main" val="1"/>
             </a:ext>
           </a:extLst>
         </p:spPr>
@@ -795,14 +1915,14 @@
           <a:effectLst/>
           <a:extLst>
             <a:ext uri="{909E8E84-426E-40dd-AFC4-6F175D3DCCD1}">
-              <a14:hiddenFill xmlns:a14="http://schemas.microsoft.com/office/drawing/2010/main" xmlns="">
+              <a14:hiddenFill xmlns="" xmlns:a14="http://schemas.microsoft.com/office/drawing/2010/main">
                 <a:solidFill>
                   <a:schemeClr val="accent1"/>
                 </a:solidFill>
               </a14:hiddenFill>
             </a:ext>
             <a:ext uri="{91240B29-F687-4f45-9708-019B960494DF}">
-              <a14:hiddenLine xmlns:a14="http://schemas.microsoft.com/office/drawing/2010/main" xmlns="" w="9525">
+              <a14:hiddenLine xmlns="" xmlns:a14="http://schemas.microsoft.com/office/drawing/2010/main" w="9525">
                 <a:solidFill>
                   <a:schemeClr val="tx1"/>
                 </a:solidFill>
@@ -812,7 +1932,7 @@
               </a14:hiddenLine>
             </a:ext>
             <a:ext uri="{AF507438-7753-43e0-B8FC-AC1667EBCBE1}">
-              <a14:hiddenEffects xmlns:a14="http://schemas.microsoft.com/office/drawing/2010/main" xmlns="">
+              <a14:hiddenEffects xmlns="" xmlns:a14="http://schemas.microsoft.com/office/drawing/2010/main">
                 <a:effectLst>
                   <a:outerShdw blurRad="63500" dist="38099" dir="2700000" algn="ctr" rotWithShape="0">
                     <a:schemeClr val="bg2">
@@ -823,7 +1943,7 @@
               </a14:hiddenEffects>
             </a:ext>
             <a:ext uri="{FAA26D3D-D897-4be2-8F04-BA451C77F1D7}">
-              <ma14:placeholderFlag xmlns:ma14="http://schemas.microsoft.com/office/mac/drawingml/2011/main" xmlns="" val="1"/>
+              <ma14:placeholderFlag xmlns="" xmlns:ma14="http://schemas.microsoft.com/office/mac/drawingml/2011/main" val="1"/>
             </a:ext>
           </a:extLst>
         </p:spPr>
@@ -880,14 +2000,14 @@
           <a:effectLst/>
           <a:extLst>
             <a:ext uri="{909E8E84-426E-40dd-AFC4-6F175D3DCCD1}">
-              <a14:hiddenFill xmlns:a14="http://schemas.microsoft.com/office/drawing/2010/main" xmlns="">
+              <a14:hiddenFill xmlns="" xmlns:a14="http://schemas.microsoft.com/office/drawing/2010/main">
                 <a:solidFill>
                   <a:schemeClr val="accent1"/>
                 </a:solidFill>
               </a14:hiddenFill>
             </a:ext>
             <a:ext uri="{91240B29-F687-4f45-9708-019B960494DF}">
-              <a14:hiddenLine xmlns:a14="http://schemas.microsoft.com/office/drawing/2010/main" xmlns="" w="9525">
+              <a14:hiddenLine xmlns="" xmlns:a14="http://schemas.microsoft.com/office/drawing/2010/main" w="9525">
                 <a:solidFill>
                   <a:schemeClr val="tx1"/>
                 </a:solidFill>
@@ -897,7 +2017,7 @@
               </a14:hiddenLine>
             </a:ext>
             <a:ext uri="{AF507438-7753-43e0-B8FC-AC1667EBCBE1}">
-              <a14:hiddenEffects xmlns:a14="http://schemas.microsoft.com/office/drawing/2010/main" xmlns="">
+              <a14:hiddenEffects xmlns="" xmlns:a14="http://schemas.microsoft.com/office/drawing/2010/main">
                 <a:effectLst>
                   <a:outerShdw blurRad="63500" dist="38099" dir="2700000" algn="ctr" rotWithShape="0">
                     <a:schemeClr val="bg2">
@@ -908,7 +2028,7 @@
               </a14:hiddenEffects>
             </a:ext>
             <a:ext uri="{FAA26D3D-D897-4be2-8F04-BA451C77F1D7}">
-              <ma14:placeholderFlag xmlns:ma14="http://schemas.microsoft.com/office/mac/drawingml/2011/main" xmlns="" val="1"/>
+              <ma14:placeholderFlag xmlns="" xmlns:ma14="http://schemas.microsoft.com/office/mac/drawingml/2011/main" val="1"/>
             </a:ext>
           </a:extLst>
         </p:spPr>
@@ -965,14 +2085,14 @@
           <a:effectLst/>
           <a:extLst>
             <a:ext uri="{909E8E84-426E-40dd-AFC4-6F175D3DCCD1}">
-              <a14:hiddenFill xmlns:a14="http://schemas.microsoft.com/office/drawing/2010/main" xmlns="">
+              <a14:hiddenFill xmlns="" xmlns:a14="http://schemas.microsoft.com/office/drawing/2010/main">
                 <a:solidFill>
                   <a:schemeClr val="accent1"/>
                 </a:solidFill>
               </a14:hiddenFill>
             </a:ext>
             <a:ext uri="{91240B29-F687-4f45-9708-019B960494DF}">
-              <a14:hiddenLine xmlns:a14="http://schemas.microsoft.com/office/drawing/2010/main" xmlns="" w="9525">
+              <a14:hiddenLine xmlns="" xmlns:a14="http://schemas.microsoft.com/office/drawing/2010/main" w="9525">
                 <a:solidFill>
                   <a:schemeClr val="tx1"/>
                 </a:solidFill>
@@ -982,7 +2102,7 @@
               </a14:hiddenLine>
             </a:ext>
             <a:ext uri="{AF507438-7753-43e0-B8FC-AC1667EBCBE1}">
-              <a14:hiddenEffects xmlns:a14="http://schemas.microsoft.com/office/drawing/2010/main" xmlns="">
+              <a14:hiddenEffects xmlns="" xmlns:a14="http://schemas.microsoft.com/office/drawing/2010/main">
                 <a:effectLst>
                   <a:outerShdw blurRad="63500" dist="38099" dir="2700000" algn="ctr" rotWithShape="0">
                     <a:schemeClr val="bg2">
@@ -993,7 +2113,7 @@
               </a14:hiddenEffects>
             </a:ext>
             <a:ext uri="{FAA26D3D-D897-4be2-8F04-BA451C77F1D7}">
-              <ma14:placeholderFlag xmlns:ma14="http://schemas.microsoft.com/office/mac/drawingml/2011/main" xmlns="" val="1"/>
+              <ma14:placeholderFlag xmlns="" xmlns:ma14="http://schemas.microsoft.com/office/mac/drawingml/2011/main" val="1"/>
             </a:ext>
           </a:extLst>
         </p:spPr>
@@ -1087,14 +2207,14 @@
           <a:effectLst/>
           <a:extLst>
             <a:ext uri="{909E8E84-426E-40dd-AFC4-6F175D3DCCD1}">
-              <a14:hiddenFill xmlns:a14="http://schemas.microsoft.com/office/drawing/2010/main" xmlns="">
+              <a14:hiddenFill xmlns="" xmlns:a14="http://schemas.microsoft.com/office/drawing/2010/main">
                 <a:solidFill>
                   <a:schemeClr val="accent1"/>
                 </a:solidFill>
               </a14:hiddenFill>
             </a:ext>
             <a:ext uri="{91240B29-F687-4f45-9708-019B960494DF}">
-              <a14:hiddenLine xmlns:a14="http://schemas.microsoft.com/office/drawing/2010/main" xmlns="" w="9525">
+              <a14:hiddenLine xmlns="" xmlns:a14="http://schemas.microsoft.com/office/drawing/2010/main" w="9525">
                 <a:solidFill>
                   <a:schemeClr val="tx1"/>
                 </a:solidFill>
@@ -1104,7 +2224,7 @@
               </a14:hiddenLine>
             </a:ext>
             <a:ext uri="{AF507438-7753-43e0-B8FC-AC1667EBCBE1}">
-              <a14:hiddenEffects xmlns:a14="http://schemas.microsoft.com/office/drawing/2010/main" xmlns="">
+              <a14:hiddenEffects xmlns="" xmlns:a14="http://schemas.microsoft.com/office/drawing/2010/main">
                 <a:effectLst>
                   <a:outerShdw blurRad="63500" dist="38099" dir="2700000" algn="ctr" rotWithShape="0">
                     <a:schemeClr val="bg2">
@@ -1115,7 +2235,7 @@
               </a14:hiddenEffects>
             </a:ext>
             <a:ext uri="{FAA26D3D-D897-4be2-8F04-BA451C77F1D7}">
-              <ma14:placeholderFlag xmlns:ma14="http://schemas.microsoft.com/office/mac/drawingml/2011/main" xmlns="" val="1"/>
+              <ma14:placeholderFlag xmlns="" xmlns:ma14="http://schemas.microsoft.com/office/mac/drawingml/2011/main" val="1"/>
             </a:ext>
           </a:extLst>
         </p:spPr>
@@ -1172,14 +2292,14 @@
           <a:effectLst/>
           <a:extLst>
             <a:ext uri="{909E8E84-426E-40dd-AFC4-6F175D3DCCD1}">
-              <a14:hiddenFill xmlns:a14="http://schemas.microsoft.com/office/drawing/2010/main" xmlns="">
+              <a14:hiddenFill xmlns="" xmlns:a14="http://schemas.microsoft.com/office/drawing/2010/main">
                 <a:solidFill>
                   <a:schemeClr val="accent1"/>
                 </a:solidFill>
               </a14:hiddenFill>
             </a:ext>
             <a:ext uri="{91240B29-F687-4f45-9708-019B960494DF}">
-              <a14:hiddenLine xmlns:a14="http://schemas.microsoft.com/office/drawing/2010/main" xmlns="" w="9525">
+              <a14:hiddenLine xmlns="" xmlns:a14="http://schemas.microsoft.com/office/drawing/2010/main" w="9525">
                 <a:solidFill>
                   <a:schemeClr val="tx1"/>
                 </a:solidFill>
@@ -1189,7 +2309,7 @@
               </a14:hiddenLine>
             </a:ext>
             <a:ext uri="{AF507438-7753-43e0-B8FC-AC1667EBCBE1}">
-              <a14:hiddenEffects xmlns:a14="http://schemas.microsoft.com/office/drawing/2010/main" xmlns="">
+              <a14:hiddenEffects xmlns="" xmlns:a14="http://schemas.microsoft.com/office/drawing/2010/main">
                 <a:effectLst>
                   <a:outerShdw blurRad="63500" dist="38099" dir="2700000" algn="ctr" rotWithShape="0">
                     <a:schemeClr val="bg2">
@@ -1200,7 +2320,7 @@
               </a14:hiddenEffects>
             </a:ext>
             <a:ext uri="{FAA26D3D-D897-4be2-8F04-BA451C77F1D7}">
-              <ma14:placeholderFlag xmlns:ma14="http://schemas.microsoft.com/office/mac/drawingml/2011/main" xmlns="" val="1"/>
+              <ma14:placeholderFlag xmlns="" xmlns:ma14="http://schemas.microsoft.com/office/mac/drawingml/2011/main" val="1"/>
             </a:ext>
           </a:extLst>
         </p:spPr>
@@ -1262,7 +2382,7 @@
           <a:effectLst/>
           <a:extLst>
             <a:ext uri="{AF507438-7753-43e0-B8FC-AC1667EBCBE1}">
-              <a14:hiddenEffects xmlns:a14="http://schemas.microsoft.com/office/drawing/2010/main" xmlns="">
+              <a14:hiddenEffects xmlns="" xmlns:a14="http://schemas.microsoft.com/office/drawing/2010/main">
                 <a:effectLst>
                   <a:outerShdw blurRad="63500" dist="38099" dir="2700000" algn="ctr" rotWithShape="0">
                     <a:srgbClr val="000000">
@@ -1273,7 +2393,7 @@
               </a14:hiddenEffects>
             </a:ext>
             <a:ext uri="{53640926-AAD7-44d8-BBD7-CCE9431645EC}">
-              <a14:shadowObscured xmlns:a14="http://schemas.microsoft.com/office/drawing/2010/main" xmlns="" val="1"/>
+              <a14:shadowObscured xmlns="" xmlns:a14="http://schemas.microsoft.com/office/drawing/2010/main" val="1"/>
             </a:ext>
           </a:extLst>
         </p:spPr>
@@ -1303,14 +2423,14 @@
           <a:effectLst/>
           <a:extLst>
             <a:ext uri="{909E8E84-426E-40dd-AFC4-6F175D3DCCD1}">
-              <a14:hiddenFill xmlns:a14="http://schemas.microsoft.com/office/drawing/2010/main" xmlns="">
+              <a14:hiddenFill xmlns="" xmlns:a14="http://schemas.microsoft.com/office/drawing/2010/main">
                 <a:solidFill>
                   <a:schemeClr val="accent1"/>
                 </a:solidFill>
               </a14:hiddenFill>
             </a:ext>
             <a:ext uri="{91240B29-F687-4f45-9708-019B960494DF}">
-              <a14:hiddenLine xmlns:a14="http://schemas.microsoft.com/office/drawing/2010/main" xmlns="" w="9525">
+              <a14:hiddenLine xmlns="" xmlns:a14="http://schemas.microsoft.com/office/drawing/2010/main" w="9525">
                 <a:solidFill>
                   <a:schemeClr val="tx1"/>
                 </a:solidFill>
@@ -1320,7 +2440,7 @@
               </a14:hiddenLine>
             </a:ext>
             <a:ext uri="{AF507438-7753-43e0-B8FC-AC1667EBCBE1}">
-              <a14:hiddenEffects xmlns:a14="http://schemas.microsoft.com/office/drawing/2010/main" xmlns="">
+              <a14:hiddenEffects xmlns="" xmlns:a14="http://schemas.microsoft.com/office/drawing/2010/main">
                 <a:effectLst>
                   <a:outerShdw blurRad="63500" dist="38099" dir="2700000" algn="ctr" rotWithShape="0">
                     <a:schemeClr val="bg2">
@@ -1331,7 +2451,7 @@
               </a14:hiddenEffects>
             </a:ext>
             <a:ext uri="{FAA26D3D-D897-4be2-8F04-BA451C77F1D7}">
-              <ma14:placeholderFlag xmlns:ma14="http://schemas.microsoft.com/office/mac/drawingml/2011/main" xmlns="" val="1"/>
+              <ma14:placeholderFlag xmlns="" xmlns:ma14="http://schemas.microsoft.com/office/mac/drawingml/2011/main" val="1"/>
             </a:ext>
           </a:extLst>
         </p:spPr>
@@ -1404,14 +2524,14 @@
           <a:effectLst/>
           <a:extLst>
             <a:ext uri="{909E8E84-426E-40dd-AFC4-6F175D3DCCD1}">
-              <a14:hiddenFill xmlns:a14="http://schemas.microsoft.com/office/drawing/2010/main" xmlns="">
+              <a14:hiddenFill xmlns="" xmlns:a14="http://schemas.microsoft.com/office/drawing/2010/main">
                 <a:solidFill>
                   <a:schemeClr val="accent1"/>
                 </a:solidFill>
               </a14:hiddenFill>
             </a:ext>
             <a:ext uri="{91240B29-F687-4f45-9708-019B960494DF}">
-              <a14:hiddenLine xmlns:a14="http://schemas.microsoft.com/office/drawing/2010/main" xmlns="" w="9525">
+              <a14:hiddenLine xmlns="" xmlns:a14="http://schemas.microsoft.com/office/drawing/2010/main" w="9525">
                 <a:solidFill>
                   <a:schemeClr val="tx1"/>
                 </a:solidFill>
@@ -1421,7 +2541,7 @@
               </a14:hiddenLine>
             </a:ext>
             <a:ext uri="{AF507438-7753-43e0-B8FC-AC1667EBCBE1}">
-              <a14:hiddenEffects xmlns:a14="http://schemas.microsoft.com/office/drawing/2010/main" xmlns="">
+              <a14:hiddenEffects xmlns="" xmlns:a14="http://schemas.microsoft.com/office/drawing/2010/main">
                 <a:effectLst>
                   <a:outerShdw blurRad="63500" dist="38099" dir="2700000" algn="ctr" rotWithShape="0">
                     <a:schemeClr val="bg2">
@@ -1432,7 +2552,7 @@
               </a14:hiddenEffects>
             </a:ext>
             <a:ext uri="{FAA26D3D-D897-4be2-8F04-BA451C77F1D7}">
-              <ma14:placeholderFlag xmlns:ma14="http://schemas.microsoft.com/office/mac/drawingml/2011/main" xmlns="" val="1"/>
+              <ma14:placeholderFlag xmlns="" xmlns:ma14="http://schemas.microsoft.com/office/mac/drawingml/2011/main" val="1"/>
             </a:ext>
           </a:extLst>
         </p:spPr>
@@ -1489,14 +2609,14 @@
           <a:effectLst/>
           <a:extLst>
             <a:ext uri="{909E8E84-426E-40dd-AFC4-6F175D3DCCD1}">
-              <a14:hiddenFill xmlns:a14="http://schemas.microsoft.com/office/drawing/2010/main" xmlns="">
+              <a14:hiddenFill xmlns="" xmlns:a14="http://schemas.microsoft.com/office/drawing/2010/main">
                 <a:solidFill>
                   <a:schemeClr val="accent1"/>
                 </a:solidFill>
               </a14:hiddenFill>
             </a:ext>
             <a:ext uri="{91240B29-F687-4f45-9708-019B960494DF}">
-              <a14:hiddenLine xmlns:a14="http://schemas.microsoft.com/office/drawing/2010/main" xmlns="" w="9525">
+              <a14:hiddenLine xmlns="" xmlns:a14="http://schemas.microsoft.com/office/drawing/2010/main" w="9525">
                 <a:solidFill>
                   <a:schemeClr val="tx1"/>
                 </a:solidFill>
@@ -1506,7 +2626,7 @@
               </a14:hiddenLine>
             </a:ext>
             <a:ext uri="{AF507438-7753-43e0-B8FC-AC1667EBCBE1}">
-              <a14:hiddenEffects xmlns:a14="http://schemas.microsoft.com/office/drawing/2010/main" xmlns="">
+              <a14:hiddenEffects xmlns="" xmlns:a14="http://schemas.microsoft.com/office/drawing/2010/main">
                 <a:effectLst>
                   <a:outerShdw blurRad="63500" dist="38099" dir="2700000" algn="ctr" rotWithShape="0">
                     <a:schemeClr val="bg2">
@@ -1517,7 +2637,7 @@
               </a14:hiddenEffects>
             </a:ext>
             <a:ext uri="{FAA26D3D-D897-4be2-8F04-BA451C77F1D7}">
-              <ma14:placeholderFlag xmlns:ma14="http://schemas.microsoft.com/office/mac/drawingml/2011/main" xmlns="" val="1"/>
+              <ma14:placeholderFlag xmlns="" xmlns:ma14="http://schemas.microsoft.com/office/mac/drawingml/2011/main" val="1"/>
             </a:ext>
           </a:extLst>
         </p:spPr>
@@ -1740,12 +2860,12 @@
           <a:effectLst/>
           <a:extLst>
             <a:ext uri="{909E8E84-426E-40dd-AFC4-6F175D3DCCD1}">
-              <a14:hiddenFill xmlns:a14="http://schemas.microsoft.com/office/drawing/2010/main" xmlns="">
+              <a14:hiddenFill xmlns="" xmlns:a14="http://schemas.microsoft.com/office/drawing/2010/main">
                 <a:noFill/>
               </a14:hiddenFill>
             </a:ext>
             <a:ext uri="{AF507438-7753-43e0-B8FC-AC1667EBCBE1}">
-              <a14:hiddenEffects xmlns:a14="http://schemas.microsoft.com/office/drawing/2010/main" xmlns="">
+              <a14:hiddenEffects xmlns="" xmlns:a14="http://schemas.microsoft.com/office/drawing/2010/main">
                 <a:effectLst>
                   <a:outerShdw blurRad="63500" dist="38099" dir="2700000" algn="ctr" rotWithShape="0">
                     <a:schemeClr val="bg2">
@@ -1799,12 +2919,12 @@
           <a:effectLst/>
           <a:extLst>
             <a:ext uri="{909E8E84-426E-40dd-AFC4-6F175D3DCCD1}">
-              <a14:hiddenFill xmlns:a14="http://schemas.microsoft.com/office/drawing/2010/main" xmlns="">
+              <a14:hiddenFill xmlns="" xmlns:a14="http://schemas.microsoft.com/office/drawing/2010/main">
                 <a:noFill/>
               </a14:hiddenFill>
             </a:ext>
             <a:ext uri="{AF507438-7753-43e0-B8FC-AC1667EBCBE1}">
-              <a14:hiddenEffects xmlns:a14="http://schemas.microsoft.com/office/drawing/2010/main" xmlns="">
+              <a14:hiddenEffects xmlns="" xmlns:a14="http://schemas.microsoft.com/office/drawing/2010/main">
                 <a:effectLst>
                   <a:outerShdw blurRad="63500" dist="38099" dir="2700000" algn="ctr" rotWithShape="0">
                     <a:schemeClr val="bg2">
@@ -1907,14 +3027,14 @@
           <a:effectLst/>
           <a:extLst>
             <a:ext uri="{909E8E84-426E-40dd-AFC4-6F175D3DCCD1}">
-              <a14:hiddenFill xmlns:a14="http://schemas.microsoft.com/office/drawing/2010/main" xmlns="">
+              <a14:hiddenFill xmlns="" xmlns:a14="http://schemas.microsoft.com/office/drawing/2010/main">
                 <a:solidFill>
                   <a:schemeClr val="accent1"/>
                 </a:solidFill>
               </a14:hiddenFill>
             </a:ext>
             <a:ext uri="{91240B29-F687-4f45-9708-019B960494DF}">
-              <a14:hiddenLine xmlns:a14="http://schemas.microsoft.com/office/drawing/2010/main" xmlns="" w="9525">
+              <a14:hiddenLine xmlns="" xmlns:a14="http://schemas.microsoft.com/office/drawing/2010/main" w="9525">
                 <a:solidFill>
                   <a:schemeClr val="tx1"/>
                 </a:solidFill>
@@ -1924,7 +3044,7 @@
               </a14:hiddenLine>
             </a:ext>
             <a:ext uri="{AF507438-7753-43e0-B8FC-AC1667EBCBE1}">
-              <a14:hiddenEffects xmlns:a14="http://schemas.microsoft.com/office/drawing/2010/main" xmlns="">
+              <a14:hiddenEffects xmlns="" xmlns:a14="http://schemas.microsoft.com/office/drawing/2010/main">
                 <a:effectLst>
                   <a:outerShdw blurRad="63500" dist="38099" dir="2700000" algn="ctr" rotWithShape="0">
                     <a:schemeClr val="bg2">
@@ -2289,14 +3409,14 @@
           </a:xfrm>
           <a:extLst>
             <a:ext uri="{909E8E84-426E-40dd-AFC4-6F175D3DCCD1}">
-              <a14:hiddenFill xmlns:a14="http://schemas.microsoft.com/office/drawing/2010/main" xmlns="">
+              <a14:hiddenFill xmlns="" xmlns:a14="http://schemas.microsoft.com/office/drawing/2010/main">
                 <a:solidFill>
                   <a:schemeClr val="accent1"/>
                 </a:solidFill>
               </a14:hiddenFill>
             </a:ext>
             <a:ext uri="{91240B29-F687-4f45-9708-019B960494DF}">
-              <a14:hiddenLine xmlns:a14="http://schemas.microsoft.com/office/drawing/2010/main" xmlns="" w="9525">
+              <a14:hiddenLine xmlns="" xmlns:a14="http://schemas.microsoft.com/office/drawing/2010/main" w="9525">
                 <a:solidFill>
                   <a:schemeClr val="tx1"/>
                 </a:solidFill>
@@ -2306,7 +3426,7 @@
               </a14:hiddenLine>
             </a:ext>
             <a:ext uri="{AF507438-7753-43e0-B8FC-AC1667EBCBE1}">
-              <a14:hiddenEffects xmlns:a14="http://schemas.microsoft.com/office/drawing/2010/main" xmlns="">
+              <a14:hiddenEffects xmlns="" xmlns:a14="http://schemas.microsoft.com/office/drawing/2010/main">
                 <a:effectLst>
                   <a:outerShdw blurRad="63500" dist="38099" dir="2700000" algn="ctr" rotWithShape="0">
                     <a:schemeClr val="bg2">
@@ -2317,7 +3437,7 @@
               </a14:hiddenEffects>
             </a:ext>
             <a:ext uri="{FAA26D3D-D897-4be2-8F04-BA451C77F1D7}">
-              <ma14:placeholderFlag xmlns:ma14="http://schemas.microsoft.com/office/mac/drawingml/2011/main" xmlns="" val="1"/>
+              <ma14:placeholderFlag xmlns="" xmlns:ma14="http://schemas.microsoft.com/office/mac/drawingml/2011/main" val="1"/>
             </a:ext>
           </a:extLst>
         </p:spPr>
@@ -4359,14 +5479,14 @@
           <a:effectLst/>
           <a:extLst>
             <a:ext uri="{909E8E84-426E-40dd-AFC4-6F175D3DCCD1}">
-              <a14:hiddenFill xmlns:a14="http://schemas.microsoft.com/office/drawing/2010/main" xmlns="">
+              <a14:hiddenFill xmlns="" xmlns:a14="http://schemas.microsoft.com/office/drawing/2010/main">
                 <a:solidFill>
                   <a:schemeClr val="accent1"/>
                 </a:solidFill>
               </a14:hiddenFill>
             </a:ext>
             <a:ext uri="{91240B29-F687-4f45-9708-019B960494DF}">
-              <a14:hiddenLine xmlns:a14="http://schemas.microsoft.com/office/drawing/2010/main" xmlns="" w="9525">
+              <a14:hiddenLine xmlns="" xmlns:a14="http://schemas.microsoft.com/office/drawing/2010/main" w="9525">
                 <a:solidFill>
                   <a:schemeClr val="tx1"/>
                 </a:solidFill>
@@ -4376,7 +5496,7 @@
               </a14:hiddenLine>
             </a:ext>
             <a:ext uri="{AF507438-7753-43e0-B8FC-AC1667EBCBE1}">
-              <a14:hiddenEffects xmlns:a14="http://schemas.microsoft.com/office/drawing/2010/main" xmlns="">
+              <a14:hiddenEffects xmlns="" xmlns:a14="http://schemas.microsoft.com/office/drawing/2010/main">
                 <a:effectLst>
                   <a:outerShdw blurRad="63500" dist="38099" dir="2700000" algn="ctr" rotWithShape="0">
                     <a:schemeClr val="bg2">
@@ -4387,7 +5507,7 @@
               </a14:hiddenEffects>
             </a:ext>
             <a:ext uri="{FAA26D3D-D897-4be2-8F04-BA451C77F1D7}">
-              <ma14:placeholderFlag xmlns:ma14="http://schemas.microsoft.com/office/mac/drawingml/2011/main" xmlns="" val="1"/>
+              <ma14:placeholderFlag xmlns="" xmlns:ma14="http://schemas.microsoft.com/office/mac/drawingml/2011/main" val="1"/>
             </a:ext>
           </a:extLst>
         </p:spPr>
@@ -4502,14 +5622,14 @@
           <a:effectLst/>
           <a:extLst>
             <a:ext uri="{909E8E84-426E-40dd-AFC4-6F175D3DCCD1}">
-              <a14:hiddenFill xmlns:a14="http://schemas.microsoft.com/office/drawing/2010/main" xmlns="">
+              <a14:hiddenFill xmlns="" xmlns:a14="http://schemas.microsoft.com/office/drawing/2010/main">
                 <a:solidFill>
                   <a:schemeClr val="accent1"/>
                 </a:solidFill>
               </a14:hiddenFill>
             </a:ext>
             <a:ext uri="{91240B29-F687-4f45-9708-019B960494DF}">
-              <a14:hiddenLine xmlns:a14="http://schemas.microsoft.com/office/drawing/2010/main" xmlns="" w="9525">
+              <a14:hiddenLine xmlns="" xmlns:a14="http://schemas.microsoft.com/office/drawing/2010/main" w="9525">
                 <a:solidFill>
                   <a:schemeClr val="tx1"/>
                 </a:solidFill>
@@ -4519,7 +5639,7 @@
               </a14:hiddenLine>
             </a:ext>
             <a:ext uri="{AF507438-7753-43e0-B8FC-AC1667EBCBE1}">
-              <a14:hiddenEffects xmlns:a14="http://schemas.microsoft.com/office/drawing/2010/main" xmlns="">
+              <a14:hiddenEffects xmlns="" xmlns:a14="http://schemas.microsoft.com/office/drawing/2010/main">
                 <a:effectLst>
                   <a:outerShdw blurRad="63500" dist="38099" dir="2700000" algn="ctr" rotWithShape="0">
                     <a:schemeClr val="bg2">
@@ -4530,7 +5650,7 @@
               </a14:hiddenEffects>
             </a:ext>
             <a:ext uri="{FAA26D3D-D897-4be2-8F04-BA451C77F1D7}">
-              <ma14:placeholderFlag xmlns:ma14="http://schemas.microsoft.com/office/mac/drawingml/2011/main" xmlns="" val="1"/>
+              <ma14:placeholderFlag xmlns="" xmlns:ma14="http://schemas.microsoft.com/office/mac/drawingml/2011/main" val="1"/>
             </a:ext>
           </a:extLst>
         </p:spPr>
@@ -4575,14 +5695,14 @@
           <a:effectLst/>
           <a:extLst>
             <a:ext uri="{909E8E84-426E-40dd-AFC4-6F175D3DCCD1}">
-              <a14:hiddenFill xmlns:a14="http://schemas.microsoft.com/office/drawing/2010/main" xmlns="">
+              <a14:hiddenFill xmlns="" xmlns:a14="http://schemas.microsoft.com/office/drawing/2010/main">
                 <a:solidFill>
                   <a:schemeClr val="accent1"/>
                 </a:solidFill>
               </a14:hiddenFill>
             </a:ext>
             <a:ext uri="{91240B29-F687-4f45-9708-019B960494DF}">
-              <a14:hiddenLine xmlns:a14="http://schemas.microsoft.com/office/drawing/2010/main" xmlns="" w="9525">
+              <a14:hiddenLine xmlns="" xmlns:a14="http://schemas.microsoft.com/office/drawing/2010/main" w="9525">
                 <a:solidFill>
                   <a:schemeClr val="tx1"/>
                 </a:solidFill>
@@ -4592,7 +5712,7 @@
               </a14:hiddenLine>
             </a:ext>
             <a:ext uri="{AF507438-7753-43e0-B8FC-AC1667EBCBE1}">
-              <a14:hiddenEffects xmlns:a14="http://schemas.microsoft.com/office/drawing/2010/main" xmlns="">
+              <a14:hiddenEffects xmlns="" xmlns:a14="http://schemas.microsoft.com/office/drawing/2010/main">
                 <a:effectLst>
                   <a:outerShdw blurRad="63500" dist="38099" dir="2700000" algn="ctr" rotWithShape="0">
                     <a:schemeClr val="bg2">
@@ -4603,7 +5723,7 @@
               </a14:hiddenEffects>
             </a:ext>
             <a:ext uri="{FAA26D3D-D897-4be2-8F04-BA451C77F1D7}">
-              <ma14:placeholderFlag xmlns:ma14="http://schemas.microsoft.com/office/mac/drawingml/2011/main" xmlns="" val="1"/>
+              <ma14:placeholderFlag xmlns="" xmlns:ma14="http://schemas.microsoft.com/office/mac/drawingml/2011/main" val="1"/>
             </a:ext>
           </a:extLst>
         </p:spPr>
@@ -5118,14 +6238,14 @@
           <a:effectLst/>
           <a:extLst>
             <a:ext uri="{909E8E84-426E-40dd-AFC4-6F175D3DCCD1}">
-              <a14:hiddenFill xmlns:a14="http://schemas.microsoft.com/office/drawing/2010/main" xmlns="">
+              <a14:hiddenFill xmlns="" xmlns:a14="http://schemas.microsoft.com/office/drawing/2010/main">
                 <a:solidFill>
                   <a:schemeClr val="accent1"/>
                 </a:solidFill>
               </a14:hiddenFill>
             </a:ext>
             <a:ext uri="{91240B29-F687-4f45-9708-019B960494DF}">
-              <a14:hiddenLine xmlns:a14="http://schemas.microsoft.com/office/drawing/2010/main" xmlns="" w="9525">
+              <a14:hiddenLine xmlns="" xmlns:a14="http://schemas.microsoft.com/office/drawing/2010/main" w="9525">
                 <a:solidFill>
                   <a:schemeClr val="tx1"/>
                 </a:solidFill>
@@ -5135,7 +6255,7 @@
               </a14:hiddenLine>
             </a:ext>
             <a:ext uri="{AF507438-7753-43e0-B8FC-AC1667EBCBE1}">
-              <a14:hiddenEffects xmlns:a14="http://schemas.microsoft.com/office/drawing/2010/main" xmlns="">
+              <a14:hiddenEffects xmlns="" xmlns:a14="http://schemas.microsoft.com/office/drawing/2010/main">
                 <a:effectLst>
                   <a:outerShdw blurRad="63500" dist="38099" dir="2700000" algn="ctr" rotWithShape="0">
                     <a:schemeClr val="bg2">
@@ -5286,14 +6406,14 @@
         <p:spPr>
           <a:extLst>
             <a:ext uri="{909E8E84-426E-40dd-AFC4-6F175D3DCCD1}">
-              <a14:hiddenFill xmlns:a14="http://schemas.microsoft.com/office/drawing/2010/main" xmlns="">
+              <a14:hiddenFill xmlns="" xmlns:a14="http://schemas.microsoft.com/office/drawing/2010/main">
                 <a:solidFill>
                   <a:schemeClr val="accent1"/>
                 </a:solidFill>
               </a14:hiddenFill>
             </a:ext>
             <a:ext uri="{91240B29-F687-4f45-9708-019B960494DF}">
-              <a14:hiddenLine xmlns:a14="http://schemas.microsoft.com/office/drawing/2010/main" xmlns="" w="9525">
+              <a14:hiddenLine xmlns="" xmlns:a14="http://schemas.microsoft.com/office/drawing/2010/main" w="9525">
                 <a:solidFill>
                   <a:schemeClr val="tx1"/>
                 </a:solidFill>
@@ -5303,7 +6423,7 @@
               </a14:hiddenLine>
             </a:ext>
             <a:ext uri="{AF507438-7753-43e0-B8FC-AC1667EBCBE1}">
-              <a14:hiddenEffects xmlns:a14="http://schemas.microsoft.com/office/drawing/2010/main" xmlns="">
+              <a14:hiddenEffects xmlns="" xmlns:a14="http://schemas.microsoft.com/office/drawing/2010/main">
                 <a:effectLst>
                   <a:outerShdw blurRad="63500" dist="38099" dir="2700000" algn="ctr" rotWithShape="0">
                     <a:schemeClr val="bg2">
@@ -5314,7 +6434,7 @@
               </a14:hiddenEffects>
             </a:ext>
             <a:ext uri="{FAA26D3D-D897-4be2-8F04-BA451C77F1D7}">
-              <ma14:placeholderFlag xmlns:ma14="http://schemas.microsoft.com/office/mac/drawingml/2011/main" xmlns="" val="1"/>
+              <ma14:placeholderFlag xmlns="" xmlns:ma14="http://schemas.microsoft.com/office/mac/drawingml/2011/main" val="1"/>
             </a:ext>
           </a:extLst>
         </p:spPr>
@@ -5369,14 +6489,14 @@
           </a:xfrm>
           <a:extLst>
             <a:ext uri="{909E8E84-426E-40dd-AFC4-6F175D3DCCD1}">
-              <a14:hiddenFill xmlns:a14="http://schemas.microsoft.com/office/drawing/2010/main" xmlns="">
+              <a14:hiddenFill xmlns="" xmlns:a14="http://schemas.microsoft.com/office/drawing/2010/main">
                 <a:solidFill>
                   <a:schemeClr val="accent1"/>
                 </a:solidFill>
               </a14:hiddenFill>
             </a:ext>
             <a:ext uri="{91240B29-F687-4f45-9708-019B960494DF}">
-              <a14:hiddenLine xmlns:a14="http://schemas.microsoft.com/office/drawing/2010/main" xmlns="" w="9525">
+              <a14:hiddenLine xmlns="" xmlns:a14="http://schemas.microsoft.com/office/drawing/2010/main" w="9525">
                 <a:solidFill>
                   <a:schemeClr val="tx1"/>
                 </a:solidFill>
@@ -5386,7 +6506,7 @@
               </a14:hiddenLine>
             </a:ext>
             <a:ext uri="{AF507438-7753-43e0-B8FC-AC1667EBCBE1}">
-              <a14:hiddenEffects xmlns:a14="http://schemas.microsoft.com/office/drawing/2010/main" xmlns="">
+              <a14:hiddenEffects xmlns="" xmlns:a14="http://schemas.microsoft.com/office/drawing/2010/main">
                 <a:effectLst>
                   <a:outerShdw blurRad="63500" dist="38099" dir="2700000" algn="ctr" rotWithShape="0">
                     <a:schemeClr val="bg2">
@@ -5397,7 +6517,7 @@
               </a14:hiddenEffects>
             </a:ext>
             <a:ext uri="{FAA26D3D-D897-4be2-8F04-BA451C77F1D7}">
-              <ma14:placeholderFlag xmlns:ma14="http://schemas.microsoft.com/office/mac/drawingml/2011/main" xmlns="" val="1"/>
+              <ma14:placeholderFlag xmlns="" xmlns:ma14="http://schemas.microsoft.com/office/mac/drawingml/2011/main" val="1"/>
             </a:ext>
           </a:extLst>
         </p:spPr>
@@ -5522,6 +6642,13 @@
   <p:clrMapOvr>
     <a:masterClrMapping/>
   </p:clrMapOvr>
+  <p:timing>
+    <p:tnLst>
+      <p:par>
+        <p:cTn id="1" dur="indefinite" restart="never" nodeType="tmRoot"/>
+      </p:par>
+    </p:tnLst>
+  </p:timing>
 </p:sld>
 </file>
 
@@ -5600,14 +6727,14 @@
           <a:effectLst/>
           <a:extLst>
             <a:ext uri="{909E8E84-426E-40dd-AFC4-6F175D3DCCD1}">
-              <a14:hiddenFill xmlns:a14="http://schemas.microsoft.com/office/drawing/2010/main" xmlns="">
+              <a14:hiddenFill xmlns="" xmlns:a14="http://schemas.microsoft.com/office/drawing/2010/main">
                 <a:solidFill>
                   <a:schemeClr val="accent1"/>
                 </a:solidFill>
               </a14:hiddenFill>
             </a:ext>
             <a:ext uri="{91240B29-F687-4f45-9708-019B960494DF}">
-              <a14:hiddenLine xmlns:a14="http://schemas.microsoft.com/office/drawing/2010/main" xmlns="" w="9525">
+              <a14:hiddenLine xmlns="" xmlns:a14="http://schemas.microsoft.com/office/drawing/2010/main" w="9525">
                 <a:solidFill>
                   <a:schemeClr val="tx1"/>
                 </a:solidFill>
@@ -5617,7 +6744,7 @@
               </a14:hiddenLine>
             </a:ext>
             <a:ext uri="{AF507438-7753-43e0-B8FC-AC1667EBCBE1}">
-              <a14:hiddenEffects xmlns:a14="http://schemas.microsoft.com/office/drawing/2010/main" xmlns="">
+              <a14:hiddenEffects xmlns="" xmlns:a14="http://schemas.microsoft.com/office/drawing/2010/main">
                 <a:effectLst>
                   <a:outerShdw blurRad="63500" dist="38099" dir="2700000" algn="ctr" rotWithShape="0">
                     <a:schemeClr val="bg2">
@@ -5628,7 +6755,7 @@
               </a14:hiddenEffects>
             </a:ext>
             <a:ext uri="{FAA26D3D-D897-4be2-8F04-BA451C77F1D7}">
-              <ma14:placeholderFlag xmlns:ma14="http://schemas.microsoft.com/office/mac/drawingml/2011/main" xmlns="" val="1"/>
+              <ma14:placeholderFlag xmlns="" xmlns:ma14="http://schemas.microsoft.com/office/mac/drawingml/2011/main" val="1"/>
             </a:ext>
           </a:extLst>
         </p:spPr>
@@ -5862,9 +6989,6 @@
               </a:rPr>
               <a:t> as CT-Reconstruction algorithm</a:t>
             </a:r>
-            <a:endParaRPr lang="en-US" altLang="de-DE" kern="0" dirty="0" smtClean="0">
-              <a:latin typeface="Univers Light" pitchFamily="-84" charset="0"/>
-            </a:endParaRPr>
           </a:p>
         </p:txBody>
       </p:sp>
@@ -5889,14 +7013,14 @@
           <a:effectLst/>
           <a:extLst>
             <a:ext uri="{909E8E84-426E-40dd-AFC4-6F175D3DCCD1}">
-              <a14:hiddenFill xmlns:a14="http://schemas.microsoft.com/office/drawing/2010/main" xmlns="">
+              <a14:hiddenFill xmlns="" xmlns:a14="http://schemas.microsoft.com/office/drawing/2010/main">
                 <a:solidFill>
                   <a:schemeClr val="accent1"/>
                 </a:solidFill>
               </a14:hiddenFill>
             </a:ext>
             <a:ext uri="{91240B29-F687-4f45-9708-019B960494DF}">
-              <a14:hiddenLine xmlns:a14="http://schemas.microsoft.com/office/drawing/2010/main" xmlns="" w="9525" cap="flat" cmpd="sng" algn="ctr">
+              <a14:hiddenLine xmlns="" xmlns:a14="http://schemas.microsoft.com/office/drawing/2010/main" w="9525" cap="flat" cmpd="sng" algn="ctr">
                 <a:solidFill>
                   <a:schemeClr val="tx1"/>
                 </a:solidFill>
@@ -5907,7 +7031,7 @@
               </a14:hiddenLine>
             </a:ext>
             <a:ext uri="{AF507438-7753-43e0-B8FC-AC1667EBCBE1}">
-              <a14:hiddenEffects xmlns:a14="http://schemas.microsoft.com/office/drawing/2010/main" xmlns="">
+              <a14:hiddenEffects xmlns="" xmlns:a14="http://schemas.microsoft.com/office/drawing/2010/main">
                 <a:effectLst>
                   <a:outerShdw blurRad="63500" dist="35921" dir="2700000" algn="ctr" rotWithShape="0">
                     <a:schemeClr val="bg2"/>
@@ -5979,14 +7103,14 @@
           </a:ln>
           <a:extLst>
             <a:ext uri="{909E8E84-426E-40dd-AFC4-6F175D3DCCD1}">
-              <a14:hiddenFill xmlns:a14="http://schemas.microsoft.com/office/drawing/2010/main" xmlns="">
+              <a14:hiddenFill xmlns="" xmlns:a14="http://schemas.microsoft.com/office/drawing/2010/main">
                 <a:solidFill>
                   <a:schemeClr val="accent1"/>
                 </a:solidFill>
               </a14:hiddenFill>
             </a:ext>
             <a:ext uri="{91240B29-F687-4f45-9708-019B960494DF}">
-              <a14:hiddenLine xmlns:a14="http://schemas.microsoft.com/office/drawing/2010/main" xmlns="" w="9525" cap="flat" cmpd="sng" algn="ctr">
+              <a14:hiddenLine xmlns="" xmlns:a14="http://schemas.microsoft.com/office/drawing/2010/main" w="9525" cap="flat" cmpd="sng" algn="ctr">
                 <a:solidFill>
                   <a:schemeClr val="tx1"/>
                 </a:solidFill>
@@ -5997,7 +7121,7 @@
               </a14:hiddenLine>
             </a:ext>
             <a:ext uri="{AF507438-7753-43e0-B8FC-AC1667EBCBE1}">
-              <a14:hiddenEffects xmlns:a14="http://schemas.microsoft.com/office/drawing/2010/main" xmlns="">
+              <a14:hiddenEffects xmlns="" xmlns:a14="http://schemas.microsoft.com/office/drawing/2010/main">
                 <a:effectLst>
                   <a:outerShdw blurRad="63500" dist="35921" dir="2700000" algn="ctr" rotWithShape="0">
                     <a:schemeClr val="bg2"/>
@@ -6211,14 +7335,14 @@
           </a:ln>
           <a:extLst>
             <a:ext uri="{909E8E84-426E-40dd-AFC4-6F175D3DCCD1}">
-              <a14:hiddenFill xmlns:a14="http://schemas.microsoft.com/office/drawing/2010/main" xmlns="">
+              <a14:hiddenFill xmlns="" xmlns:a14="http://schemas.microsoft.com/office/drawing/2010/main">
                 <a:solidFill>
                   <a:schemeClr val="accent1"/>
                 </a:solidFill>
               </a14:hiddenFill>
             </a:ext>
             <a:ext uri="{91240B29-F687-4f45-9708-019B960494DF}">
-              <a14:hiddenLine xmlns:a14="http://schemas.microsoft.com/office/drawing/2010/main" xmlns="" w="9525" cap="flat" cmpd="sng" algn="ctr">
+              <a14:hiddenLine xmlns="" xmlns:a14="http://schemas.microsoft.com/office/drawing/2010/main" w="9525" cap="flat" cmpd="sng" algn="ctr">
                 <a:solidFill>
                   <a:schemeClr val="tx1"/>
                 </a:solidFill>
@@ -6229,7 +7353,7 @@
               </a14:hiddenLine>
             </a:ext>
             <a:ext uri="{AF507438-7753-43e0-B8FC-AC1667EBCBE1}">
-              <a14:hiddenEffects xmlns:a14="http://schemas.microsoft.com/office/drawing/2010/main" xmlns="">
+              <a14:hiddenEffects xmlns="" xmlns:a14="http://schemas.microsoft.com/office/drawing/2010/main">
                 <a:effectLst>
                   <a:outerShdw blurRad="63500" dist="35921" dir="2700000" algn="ctr" rotWithShape="0">
                     <a:schemeClr val="bg2"/>
@@ -6386,14 +7510,14 @@
           <a:effectLst/>
           <a:extLst>
             <a:ext uri="{909E8E84-426E-40dd-AFC4-6F175D3DCCD1}">
-              <a14:hiddenFill xmlns:a14="http://schemas.microsoft.com/office/drawing/2010/main" xmlns="">
+              <a14:hiddenFill xmlns="" xmlns:a14="http://schemas.microsoft.com/office/drawing/2010/main">
                 <a:solidFill>
                   <a:schemeClr val="accent1"/>
                 </a:solidFill>
               </a14:hiddenFill>
             </a:ext>
             <a:ext uri="{91240B29-F687-4f45-9708-019B960494DF}">
-              <a14:hiddenLine xmlns:a14="http://schemas.microsoft.com/office/drawing/2010/main" xmlns="" w="9525" cap="flat" cmpd="sng" algn="ctr">
+              <a14:hiddenLine xmlns="" xmlns:a14="http://schemas.microsoft.com/office/drawing/2010/main" w="9525" cap="flat" cmpd="sng" algn="ctr">
                 <a:solidFill>
                   <a:schemeClr val="tx1"/>
                 </a:solidFill>
@@ -6404,7 +7528,7 @@
               </a14:hiddenLine>
             </a:ext>
             <a:ext uri="{AF507438-7753-43e0-B8FC-AC1667EBCBE1}">
-              <a14:hiddenEffects xmlns:a14="http://schemas.microsoft.com/office/drawing/2010/main" xmlns="">
+              <a14:hiddenEffects xmlns="" xmlns:a14="http://schemas.microsoft.com/office/drawing/2010/main">
                 <a:effectLst>
                   <a:outerShdw blurRad="63500" dist="35921" dir="2700000" algn="ctr" rotWithShape="0">
                     <a:schemeClr val="bg2"/>
@@ -6508,6 +7632,13 @@
   <p:clrMapOvr>
     <a:masterClrMapping/>
   </p:clrMapOvr>
+  <p:timing>
+    <p:tnLst>
+      <p:par>
+        <p:cTn id="1" dur="indefinite" restart="never" nodeType="tmRoot"/>
+      </p:par>
+    </p:tnLst>
+  </p:timing>
 </p:sld>
 </file>
 
@@ -6573,6 +7704,13 @@
   <p:clrMapOvr>
     <a:masterClrMapping/>
   </p:clrMapOvr>
+  <p:timing>
+    <p:tnLst>
+      <p:par>
+        <p:cTn id="1" dur="indefinite" restart="never" nodeType="tmRoot"/>
+      </p:par>
+    </p:tnLst>
+  </p:timing>
 </p:sld>
 </file>
 
@@ -6634,7 +7772,19 @@
             </a:r>
             <a:r>
               <a:rPr lang="de-DE" dirty="0" smtClean="0"/>
-              <a:t> time</a:t>
+              <a:t> </a:t>
+            </a:r>
+            <a:r>
+              <a:rPr lang="de-DE" dirty="0" smtClean="0"/>
+              <a:t>time (16 </a:t>
+            </a:r>
+            <a:r>
+              <a:rPr lang="de-DE" dirty="0" err="1" smtClean="0"/>
+              <a:t>cores</a:t>
+            </a:r>
+            <a:r>
+              <a:rPr lang="de-DE" dirty="0" smtClean="0"/>
+              <a:t>)</a:t>
             </a:r>
             <a:endParaRPr lang="de-DE" dirty="0"/>
           </a:p>
@@ -6688,14 +7838,14 @@
           <a:effectLst/>
           <a:extLst>
             <a:ext uri="{909E8E84-426E-40dd-AFC4-6F175D3DCCD1}">
-              <a14:hiddenFill xmlns:a14="http://schemas.microsoft.com/office/drawing/2010/main" xmlns="">
+              <a14:hiddenFill xmlns="" xmlns:a14="http://schemas.microsoft.com/office/drawing/2010/main">
                 <a:solidFill>
                   <a:schemeClr val="accent1"/>
                 </a:solidFill>
               </a14:hiddenFill>
             </a:ext>
             <a:ext uri="{91240B29-F687-4f45-9708-019B960494DF}">
-              <a14:hiddenLine xmlns:a14="http://schemas.microsoft.com/office/drawing/2010/main" xmlns="" w="9525">
+              <a14:hiddenLine xmlns="" xmlns:a14="http://schemas.microsoft.com/office/drawing/2010/main" w="9525">
                 <a:solidFill>
                   <a:schemeClr val="tx1"/>
                 </a:solidFill>
@@ -6705,7 +7855,7 @@
               </a14:hiddenLine>
             </a:ext>
             <a:ext uri="{AF507438-7753-43e0-B8FC-AC1667EBCBE1}">
-              <a14:hiddenEffects xmlns:a14="http://schemas.microsoft.com/office/drawing/2010/main" xmlns="">
+              <a14:hiddenEffects xmlns="" xmlns:a14="http://schemas.microsoft.com/office/drawing/2010/main">
                 <a:effectLst>
                   <a:outerShdw blurRad="63500" dist="38099" dir="2700000" algn="ctr" rotWithShape="0">
                     <a:schemeClr val="bg2">
@@ -6716,7 +7866,7 @@
               </a14:hiddenEffects>
             </a:ext>
             <a:ext uri="{FAA26D3D-D897-4be2-8F04-BA451C77F1D7}">
-              <ma14:placeholderFlag xmlns:ma14="http://schemas.microsoft.com/office/mac/drawingml/2011/main" xmlns="" val="1"/>
+              <ma14:placeholderFlag xmlns="" xmlns:ma14="http://schemas.microsoft.com/office/mac/drawingml/2011/main" val="1"/>
             </a:ext>
           </a:extLst>
         </p:spPr>
@@ -6930,6 +8080,13 @@
   <p:clrMapOvr>
     <a:masterClrMapping/>
   </p:clrMapOvr>
+  <p:timing>
+    <p:tnLst>
+      <p:par>
+        <p:cTn id="1" dur="indefinite" restart="never" nodeType="tmRoot"/>
+      </p:par>
+    </p:tnLst>
+  </p:timing>
 </p:sld>
 </file>
 
@@ -6973,25 +8130,30 @@
           </a:p>
         </p:txBody>
       </p:sp>
-      <p:sp>
-        <p:nvSpPr>
-          <p:cNvPr id="3" name="Inhaltsplatzhalter 2"/>
-          <p:cNvSpPr>
-            <a:spLocks noGrp="1"/>
-          </p:cNvSpPr>
+      <p:graphicFrame>
+        <p:nvGraphicFramePr>
+          <p:cNvPr id="5" name="Diagramm 4"/>
+          <p:cNvGraphicFramePr>
+            <a:graphicFrameLocks/>
+          </p:cNvGraphicFramePr>
           <p:nvPr>
-            <p:ph idx="1"/>
+            <p:extLst>
+              <p:ext uri="{D42A27DB-BD31-4B8C-83A1-F6EECF244321}">
+                <p14:modId xmlns:p14="http://schemas.microsoft.com/office/powerpoint/2010/main" val="3553514911"/>
+              </p:ext>
+            </p:extLst>
           </p:nvPr>
-        </p:nvSpPr>
-        <p:spPr/>
-        <p:txBody>
-          <a:bodyPr/>
-          <a:lstStyle/>
-          <a:p>
-            <a:endParaRPr lang="de-DE"/>
-          </a:p>
-        </p:txBody>
-      </p:sp>
+        </p:nvGraphicFramePr>
+        <p:xfrm>
+          <a:off x="251520" y="692696"/>
+          <a:ext cx="8712968" cy="5544616"/>
+        </p:xfrm>
+        <a:graphic>
+          <a:graphicData uri="http://schemas.openxmlformats.org/drawingml/2006/chart">
+            <c:chart xmlns:c="http://schemas.openxmlformats.org/drawingml/2006/chart" xmlns:r="http://schemas.openxmlformats.org/officeDocument/2006/relationships" r:id="rId2"/>
+          </a:graphicData>
+        </a:graphic>
+      </p:graphicFrame>
     </p:spTree>
     <p:extLst>
       <p:ext uri="{BB962C8B-B14F-4D97-AF65-F5344CB8AC3E}">
@@ -7002,6 +8164,13 @@
   <p:clrMapOvr>
     <a:masterClrMapping/>
   </p:clrMapOvr>
+  <p:timing>
+    <p:tnLst>
+      <p:par>
+        <p:cTn id="1" dur="indefinite" restart="never" nodeType="tmRoot"/>
+      </p:par>
+    </p:tnLst>
+  </p:timing>
 </p:sld>
 </file>
 
@@ -7235,14 +8404,14 @@
           <a:effectLst/>
           <a:extLst>
             <a:ext uri="{909E8E84-426E-40dd-AFC4-6F175D3DCCD1}">
-              <a14:hiddenFill xmlns:a14="http://schemas.microsoft.com/office/drawing/2010/main" xmlns="">
+              <a14:hiddenFill xmlns="" xmlns:a14="http://schemas.microsoft.com/office/drawing/2010/main">
                 <a:solidFill>
                   <a:schemeClr val="accent1"/>
                 </a:solidFill>
               </a14:hiddenFill>
             </a:ext>
             <a:ext uri="{91240B29-F687-4f45-9708-019B960494DF}">
-              <a14:hiddenLine xmlns:a14="http://schemas.microsoft.com/office/drawing/2010/main" xmlns="" w="9525">
+              <a14:hiddenLine xmlns="" xmlns:a14="http://schemas.microsoft.com/office/drawing/2010/main" w="9525">
                 <a:solidFill>
                   <a:schemeClr val="tx1"/>
                 </a:solidFill>
@@ -7252,7 +8421,7 @@
               </a14:hiddenLine>
             </a:ext>
             <a:ext uri="{AF507438-7753-43e0-B8FC-AC1667EBCBE1}">
-              <a14:hiddenEffects xmlns:a14="http://schemas.microsoft.com/office/drawing/2010/main" xmlns="">
+              <a14:hiddenEffects xmlns="" xmlns:a14="http://schemas.microsoft.com/office/drawing/2010/main">
                 <a:effectLst>
                   <a:outerShdw blurRad="63500" dist="38099" dir="2700000" algn="ctr" rotWithShape="0">
                     <a:schemeClr val="bg2">
@@ -7673,14 +8842,14 @@
           <a:effectLst/>
           <a:extLst>
             <a:ext uri="{909E8E84-426E-40dd-AFC4-6F175D3DCCD1}">
-              <a14:hiddenFill xmlns:a14="http://schemas.microsoft.com/office/drawing/2010/main" xmlns="">
+              <a14:hiddenFill xmlns="" xmlns:a14="http://schemas.microsoft.com/office/drawing/2010/main">
                 <a:solidFill>
                   <a:schemeClr val="accent1"/>
                 </a:solidFill>
               </a14:hiddenFill>
             </a:ext>
             <a:ext uri="{91240B29-F687-4f45-9708-019B960494DF}">
-              <a14:hiddenLine xmlns:a14="http://schemas.microsoft.com/office/drawing/2010/main" xmlns="" w="9525">
+              <a14:hiddenLine xmlns="" xmlns:a14="http://schemas.microsoft.com/office/drawing/2010/main" w="9525">
                 <a:solidFill>
                   <a:schemeClr val="tx1"/>
                 </a:solidFill>
@@ -7690,7 +8859,7 @@
               </a14:hiddenLine>
             </a:ext>
             <a:ext uri="{AF507438-7753-43e0-B8FC-AC1667EBCBE1}">
-              <a14:hiddenEffects xmlns:a14="http://schemas.microsoft.com/office/drawing/2010/main" xmlns="">
+              <a14:hiddenEffects xmlns="" xmlns:a14="http://schemas.microsoft.com/office/drawing/2010/main">
                 <a:effectLst>
                   <a:outerShdw blurRad="63500" dist="38099" dir="2700000" algn="ctr" rotWithShape="0">
                     <a:schemeClr val="bg2">
@@ -7986,14 +9155,14 @@
           <a:effectLst/>
           <a:extLst>
             <a:ext uri="{909E8E84-426E-40dd-AFC4-6F175D3DCCD1}">
-              <a14:hiddenFill xmlns:a14="http://schemas.microsoft.com/office/drawing/2010/main" xmlns="">
+              <a14:hiddenFill xmlns="" xmlns:a14="http://schemas.microsoft.com/office/drawing/2010/main">
                 <a:solidFill>
                   <a:schemeClr val="accent1"/>
                 </a:solidFill>
               </a14:hiddenFill>
             </a:ext>
             <a:ext uri="{91240B29-F687-4f45-9708-019B960494DF}">
-              <a14:hiddenLine xmlns:a14="http://schemas.microsoft.com/office/drawing/2010/main" xmlns="" w="9525">
+              <a14:hiddenLine xmlns="" xmlns:a14="http://schemas.microsoft.com/office/drawing/2010/main" w="9525">
                 <a:solidFill>
                   <a:schemeClr val="tx1"/>
                 </a:solidFill>
@@ -8003,7 +9172,7 @@
               </a14:hiddenLine>
             </a:ext>
             <a:ext uri="{AF507438-7753-43e0-B8FC-AC1667EBCBE1}">
-              <a14:hiddenEffects xmlns:a14="http://schemas.microsoft.com/office/drawing/2010/main" xmlns="">
+              <a14:hiddenEffects xmlns="" xmlns:a14="http://schemas.microsoft.com/office/drawing/2010/main">
                 <a:effectLst>
                   <a:outerShdw blurRad="63500" dist="38099" dir="2700000" algn="ctr" rotWithShape="0">
                     <a:schemeClr val="bg2">
@@ -8164,14 +9333,14 @@
           <a:effectLst/>
           <a:extLst>
             <a:ext uri="{909E8E84-426E-40dd-AFC4-6F175D3DCCD1}">
-              <a14:hiddenFill xmlns:a14="http://schemas.microsoft.com/office/drawing/2010/main" xmlns="">
+              <a14:hiddenFill xmlns="" xmlns:a14="http://schemas.microsoft.com/office/drawing/2010/main">
                 <a:solidFill>
                   <a:schemeClr val="accent1"/>
                 </a:solidFill>
               </a14:hiddenFill>
             </a:ext>
             <a:ext uri="{91240B29-F687-4f45-9708-019B960494DF}">
-              <a14:hiddenLine xmlns:a14="http://schemas.microsoft.com/office/drawing/2010/main" xmlns="" w="9525">
+              <a14:hiddenLine xmlns="" xmlns:a14="http://schemas.microsoft.com/office/drawing/2010/main" w="9525">
                 <a:solidFill>
                   <a:schemeClr val="tx1"/>
                 </a:solidFill>
@@ -8181,7 +9350,7 @@
               </a14:hiddenLine>
             </a:ext>
             <a:ext uri="{AF507438-7753-43e0-B8FC-AC1667EBCBE1}">
-              <a14:hiddenEffects xmlns:a14="http://schemas.microsoft.com/office/drawing/2010/main" xmlns="">
+              <a14:hiddenEffects xmlns="" xmlns:a14="http://schemas.microsoft.com/office/drawing/2010/main">
                 <a:effectLst>
                   <a:outerShdw blurRad="63500" dist="38099" dir="2700000" algn="ctr" rotWithShape="0">
                     <a:schemeClr val="bg2">
@@ -8373,14 +9542,14 @@
           <a:effectLst/>
           <a:extLst>
             <a:ext uri="{909E8E84-426E-40dd-AFC4-6F175D3DCCD1}">
-              <a14:hiddenFill xmlns:a14="http://schemas.microsoft.com/office/drawing/2010/main" xmlns="">
+              <a14:hiddenFill xmlns="" xmlns:a14="http://schemas.microsoft.com/office/drawing/2010/main">
                 <a:solidFill>
                   <a:schemeClr val="accent1"/>
                 </a:solidFill>
               </a14:hiddenFill>
             </a:ext>
             <a:ext uri="{91240B29-F687-4f45-9708-019B960494DF}">
-              <a14:hiddenLine xmlns:a14="http://schemas.microsoft.com/office/drawing/2010/main" xmlns="" w="9525">
+              <a14:hiddenLine xmlns="" xmlns:a14="http://schemas.microsoft.com/office/drawing/2010/main" w="9525">
                 <a:solidFill>
                   <a:schemeClr val="tx1"/>
                 </a:solidFill>
@@ -8390,7 +9559,7 @@
               </a14:hiddenLine>
             </a:ext>
             <a:ext uri="{AF507438-7753-43e0-B8FC-AC1667EBCBE1}">
-              <a14:hiddenEffects xmlns:a14="http://schemas.microsoft.com/office/drawing/2010/main" xmlns="">
+              <a14:hiddenEffects xmlns="" xmlns:a14="http://schemas.microsoft.com/office/drawing/2010/main">
                 <a:effectLst>
                   <a:outerShdw blurRad="63500" dist="38099" dir="2700000" algn="ctr" rotWithShape="0">
                     <a:schemeClr val="bg2">
@@ -8455,14 +9624,14 @@
           <a:effectLst/>
           <a:extLst>
             <a:ext uri="{909E8E84-426E-40dd-AFC4-6F175D3DCCD1}">
-              <a14:hiddenFill xmlns:a14="http://schemas.microsoft.com/office/drawing/2010/main" xmlns="">
+              <a14:hiddenFill xmlns="" xmlns:a14="http://schemas.microsoft.com/office/drawing/2010/main">
                 <a:solidFill>
                   <a:schemeClr val="accent1"/>
                 </a:solidFill>
               </a14:hiddenFill>
             </a:ext>
             <a:ext uri="{91240B29-F687-4f45-9708-019B960494DF}">
-              <a14:hiddenLine xmlns:a14="http://schemas.microsoft.com/office/drawing/2010/main" xmlns="" w="9525">
+              <a14:hiddenLine xmlns="" xmlns:a14="http://schemas.microsoft.com/office/drawing/2010/main" w="9525">
                 <a:solidFill>
                   <a:schemeClr val="tx1"/>
                 </a:solidFill>
@@ -8472,7 +9641,7 @@
               </a14:hiddenLine>
             </a:ext>
             <a:ext uri="{AF507438-7753-43e0-B8FC-AC1667EBCBE1}">
-              <a14:hiddenEffects xmlns:a14="http://schemas.microsoft.com/office/drawing/2010/main" xmlns="">
+              <a14:hiddenEffects xmlns="" xmlns:a14="http://schemas.microsoft.com/office/drawing/2010/main">
                 <a:effectLst>
                   <a:outerShdw blurRad="63500" dist="38099" dir="2700000" algn="ctr" rotWithShape="0">
                     <a:schemeClr val="bg2">
@@ -8483,7 +9652,7 @@
               </a14:hiddenEffects>
             </a:ext>
             <a:ext uri="{FAA26D3D-D897-4be2-8F04-BA451C77F1D7}">
-              <ma14:placeholderFlag xmlns:ma14="http://schemas.microsoft.com/office/mac/drawingml/2011/main" xmlns="" val="1"/>
+              <ma14:placeholderFlag xmlns="" xmlns:ma14="http://schemas.microsoft.com/office/mac/drawingml/2011/main" val="1"/>
             </a:ext>
           </a:extLst>
         </p:spPr>
@@ -8794,14 +9963,14 @@
           </a:ln>
           <a:extLst>
             <a:ext uri="{909E8E84-426E-40dd-AFC4-6F175D3DCCD1}">
-              <a14:hiddenFill xmlns:a14="http://schemas.microsoft.com/office/drawing/2010/main" xmlns="">
+              <a14:hiddenFill xmlns="" xmlns:a14="http://schemas.microsoft.com/office/drawing/2010/main">
                 <a:solidFill>
                   <a:schemeClr val="accent1"/>
                 </a:solidFill>
               </a14:hiddenFill>
             </a:ext>
             <a:ext uri="{91240B29-F687-4f45-9708-019B960494DF}">
-              <a14:hiddenLine xmlns:a14="http://schemas.microsoft.com/office/drawing/2010/main" xmlns="" w="9525" cap="flat" cmpd="sng" algn="ctr">
+              <a14:hiddenLine xmlns="" xmlns:a14="http://schemas.microsoft.com/office/drawing/2010/main" w="9525" cap="flat" cmpd="sng" algn="ctr">
                 <a:solidFill>
                   <a:schemeClr val="tx1"/>
                 </a:solidFill>
@@ -8812,7 +9981,7 @@
               </a14:hiddenLine>
             </a:ext>
             <a:ext uri="{AF507438-7753-43e0-B8FC-AC1667EBCBE1}">
-              <a14:hiddenEffects xmlns:a14="http://schemas.microsoft.com/office/drawing/2010/main" xmlns="">
+              <a14:hiddenEffects xmlns="" xmlns:a14="http://schemas.microsoft.com/office/drawing/2010/main">
                 <a:effectLst>
                   <a:outerShdw blurRad="63500" dist="35921" dir="2700000" algn="ctr" rotWithShape="0">
                     <a:schemeClr val="bg2"/>
@@ -8858,14 +10027,14 @@
           </a:ln>
           <a:extLst>
             <a:ext uri="{909E8E84-426E-40dd-AFC4-6F175D3DCCD1}">
-              <a14:hiddenFill xmlns:a14="http://schemas.microsoft.com/office/drawing/2010/main" xmlns="">
+              <a14:hiddenFill xmlns="" xmlns:a14="http://schemas.microsoft.com/office/drawing/2010/main">
                 <a:solidFill>
                   <a:schemeClr val="accent1"/>
                 </a:solidFill>
               </a14:hiddenFill>
             </a:ext>
             <a:ext uri="{91240B29-F687-4f45-9708-019B960494DF}">
-              <a14:hiddenLine xmlns:a14="http://schemas.microsoft.com/office/drawing/2010/main" xmlns="" w="9525" cap="flat" cmpd="sng" algn="ctr">
+              <a14:hiddenLine xmlns="" xmlns:a14="http://schemas.microsoft.com/office/drawing/2010/main" w="9525" cap="flat" cmpd="sng" algn="ctr">
                 <a:solidFill>
                   <a:schemeClr val="tx1"/>
                 </a:solidFill>
@@ -8876,7 +10045,7 @@
               </a14:hiddenLine>
             </a:ext>
             <a:ext uri="{AF507438-7753-43e0-B8FC-AC1667EBCBE1}">
-              <a14:hiddenEffects xmlns:a14="http://schemas.microsoft.com/office/drawing/2010/main" xmlns="">
+              <a14:hiddenEffects xmlns="" xmlns:a14="http://schemas.microsoft.com/office/drawing/2010/main">
                 <a:effectLst>
                   <a:outerShdw blurRad="63500" dist="35921" dir="2700000" algn="ctr" rotWithShape="0">
                     <a:schemeClr val="bg2"/>
@@ -8922,14 +10091,14 @@
           </a:ln>
           <a:extLst>
             <a:ext uri="{909E8E84-426E-40dd-AFC4-6F175D3DCCD1}">
-              <a14:hiddenFill xmlns:a14="http://schemas.microsoft.com/office/drawing/2010/main" xmlns="">
+              <a14:hiddenFill xmlns="" xmlns:a14="http://schemas.microsoft.com/office/drawing/2010/main">
                 <a:solidFill>
                   <a:schemeClr val="accent1"/>
                 </a:solidFill>
               </a14:hiddenFill>
             </a:ext>
             <a:ext uri="{91240B29-F687-4f45-9708-019B960494DF}">
-              <a14:hiddenLine xmlns:a14="http://schemas.microsoft.com/office/drawing/2010/main" xmlns="" w="9525" cap="flat" cmpd="sng" algn="ctr">
+              <a14:hiddenLine xmlns="" xmlns:a14="http://schemas.microsoft.com/office/drawing/2010/main" w="9525" cap="flat" cmpd="sng" algn="ctr">
                 <a:solidFill>
                   <a:schemeClr val="tx1"/>
                 </a:solidFill>
@@ -8940,7 +10109,7 @@
               </a14:hiddenLine>
             </a:ext>
             <a:ext uri="{AF507438-7753-43e0-B8FC-AC1667EBCBE1}">
-              <a14:hiddenEffects xmlns:a14="http://schemas.microsoft.com/office/drawing/2010/main" xmlns="">
+              <a14:hiddenEffects xmlns="" xmlns:a14="http://schemas.microsoft.com/office/drawing/2010/main">
                 <a:effectLst>
                   <a:outerShdw blurRad="63500" dist="35921" dir="2700000" algn="ctr" rotWithShape="0">
                     <a:schemeClr val="bg2"/>
@@ -8986,14 +10155,14 @@
           </a:ln>
           <a:extLst>
             <a:ext uri="{909E8E84-426E-40dd-AFC4-6F175D3DCCD1}">
-              <a14:hiddenFill xmlns:a14="http://schemas.microsoft.com/office/drawing/2010/main" xmlns="">
+              <a14:hiddenFill xmlns="" xmlns:a14="http://schemas.microsoft.com/office/drawing/2010/main">
                 <a:solidFill>
                   <a:schemeClr val="accent1"/>
                 </a:solidFill>
               </a14:hiddenFill>
             </a:ext>
             <a:ext uri="{91240B29-F687-4f45-9708-019B960494DF}">
-              <a14:hiddenLine xmlns:a14="http://schemas.microsoft.com/office/drawing/2010/main" xmlns="" w="9525" cap="flat" cmpd="sng" algn="ctr">
+              <a14:hiddenLine xmlns="" xmlns:a14="http://schemas.microsoft.com/office/drawing/2010/main" w="9525" cap="flat" cmpd="sng" algn="ctr">
                 <a:solidFill>
                   <a:schemeClr val="tx1"/>
                 </a:solidFill>
@@ -9004,7 +10173,7 @@
               </a14:hiddenLine>
             </a:ext>
             <a:ext uri="{AF507438-7753-43e0-B8FC-AC1667EBCBE1}">
-              <a14:hiddenEffects xmlns:a14="http://schemas.microsoft.com/office/drawing/2010/main" xmlns="">
+              <a14:hiddenEffects xmlns="" xmlns:a14="http://schemas.microsoft.com/office/drawing/2010/main">
                 <a:effectLst>
                   <a:outerShdw blurRad="63500" dist="35921" dir="2700000" algn="ctr" rotWithShape="0">
                     <a:schemeClr val="bg2"/>
@@ -9159,14 +10328,14 @@
           <a:effectLst/>
           <a:extLst>
             <a:ext uri="{909E8E84-426E-40dd-AFC4-6F175D3DCCD1}">
-              <a14:hiddenFill xmlns:a14="http://schemas.microsoft.com/office/drawing/2010/main" xmlns="">
+              <a14:hiddenFill xmlns="" xmlns:a14="http://schemas.microsoft.com/office/drawing/2010/main">
                 <a:solidFill>
                   <a:schemeClr val="accent1"/>
                 </a:solidFill>
               </a14:hiddenFill>
             </a:ext>
             <a:ext uri="{91240B29-F687-4f45-9708-019B960494DF}">
-              <a14:hiddenLine xmlns:a14="http://schemas.microsoft.com/office/drawing/2010/main" xmlns="" w="9525">
+              <a14:hiddenLine xmlns="" xmlns:a14="http://schemas.microsoft.com/office/drawing/2010/main" w="9525">
                 <a:solidFill>
                   <a:schemeClr val="tx1"/>
                 </a:solidFill>
@@ -9176,7 +10345,7 @@
               </a14:hiddenLine>
             </a:ext>
             <a:ext uri="{AF507438-7753-43e0-B8FC-AC1667EBCBE1}">
-              <a14:hiddenEffects xmlns:a14="http://schemas.microsoft.com/office/drawing/2010/main" xmlns="">
+              <a14:hiddenEffects xmlns="" xmlns:a14="http://schemas.microsoft.com/office/drawing/2010/main">
                 <a:effectLst>
                   <a:outerShdw blurRad="63500" dist="38099" dir="2700000" algn="ctr" rotWithShape="0">
                     <a:schemeClr val="bg2">
@@ -9402,14 +10571,14 @@
           <a:effectLst/>
           <a:extLst>
             <a:ext uri="{909E8E84-426E-40dd-AFC4-6F175D3DCCD1}">
-              <a14:hiddenFill xmlns:a14="http://schemas.microsoft.com/office/drawing/2010/main" xmlns="">
+              <a14:hiddenFill xmlns="" xmlns:a14="http://schemas.microsoft.com/office/drawing/2010/main">
                 <a:solidFill>
                   <a:schemeClr val="accent1"/>
                 </a:solidFill>
               </a14:hiddenFill>
             </a:ext>
             <a:ext uri="{91240B29-F687-4f45-9708-019B960494DF}">
-              <a14:hiddenLine xmlns:a14="http://schemas.microsoft.com/office/drawing/2010/main" xmlns="" w="9525">
+              <a14:hiddenLine xmlns="" xmlns:a14="http://schemas.microsoft.com/office/drawing/2010/main" w="9525">
                 <a:solidFill>
                   <a:schemeClr val="tx1"/>
                 </a:solidFill>
@@ -9419,7 +10588,7 @@
               </a14:hiddenLine>
             </a:ext>
             <a:ext uri="{AF507438-7753-43e0-B8FC-AC1667EBCBE1}">
-              <a14:hiddenEffects xmlns:a14="http://schemas.microsoft.com/office/drawing/2010/main" xmlns="">
+              <a14:hiddenEffects xmlns="" xmlns:a14="http://schemas.microsoft.com/office/drawing/2010/main">
                 <a:effectLst>
                   <a:outerShdw blurRad="63500" dist="38099" dir="2700000" algn="ctr" rotWithShape="0">
                     <a:schemeClr val="bg2">
@@ -9633,14 +10802,14 @@
           <a:effectLst/>
           <a:extLst>
             <a:ext uri="{909E8E84-426E-40dd-AFC4-6F175D3DCCD1}">
-              <a14:hiddenFill xmlns:a14="http://schemas.microsoft.com/office/drawing/2010/main" xmlns="">
+              <a14:hiddenFill xmlns="" xmlns:a14="http://schemas.microsoft.com/office/drawing/2010/main">
                 <a:solidFill>
                   <a:schemeClr val="accent1"/>
                 </a:solidFill>
               </a14:hiddenFill>
             </a:ext>
             <a:ext uri="{91240B29-F687-4f45-9708-019B960494DF}">
-              <a14:hiddenLine xmlns:a14="http://schemas.microsoft.com/office/drawing/2010/main" xmlns="" w="9525">
+              <a14:hiddenLine xmlns="" xmlns:a14="http://schemas.microsoft.com/office/drawing/2010/main" w="9525">
                 <a:solidFill>
                   <a:schemeClr val="tx1"/>
                 </a:solidFill>
@@ -9650,7 +10819,7 @@
               </a14:hiddenLine>
             </a:ext>
             <a:ext uri="{AF507438-7753-43e0-B8FC-AC1667EBCBE1}">
-              <a14:hiddenEffects xmlns:a14="http://schemas.microsoft.com/office/drawing/2010/main" xmlns="">
+              <a14:hiddenEffects xmlns="" xmlns:a14="http://schemas.microsoft.com/office/drawing/2010/main">
                 <a:effectLst>
                   <a:outerShdw blurRad="63500" dist="38099" dir="2700000" algn="ctr" rotWithShape="0">
                     <a:schemeClr val="bg2">
@@ -9745,14 +10914,14 @@
           <a:effectLst/>
           <a:extLst>
             <a:ext uri="{909E8E84-426E-40dd-AFC4-6F175D3DCCD1}">
-              <a14:hiddenFill xmlns:a14="http://schemas.microsoft.com/office/drawing/2010/main" xmlns="">
+              <a14:hiddenFill xmlns="" xmlns:a14="http://schemas.microsoft.com/office/drawing/2010/main">
                 <a:solidFill>
                   <a:schemeClr val="accent1"/>
                 </a:solidFill>
               </a14:hiddenFill>
             </a:ext>
             <a:ext uri="{91240B29-F687-4f45-9708-019B960494DF}">
-              <a14:hiddenLine xmlns:a14="http://schemas.microsoft.com/office/drawing/2010/main" xmlns="" w="9525">
+              <a14:hiddenLine xmlns="" xmlns:a14="http://schemas.microsoft.com/office/drawing/2010/main" w="9525">
                 <a:solidFill>
                   <a:schemeClr val="tx1"/>
                 </a:solidFill>
@@ -9762,7 +10931,7 @@
               </a14:hiddenLine>
             </a:ext>
             <a:ext uri="{AF507438-7753-43e0-B8FC-AC1667EBCBE1}">
-              <a14:hiddenEffects xmlns:a14="http://schemas.microsoft.com/office/drawing/2010/main" xmlns="">
+              <a14:hiddenEffects xmlns="" xmlns:a14="http://schemas.microsoft.com/office/drawing/2010/main">
                 <a:effectLst>
                   <a:outerShdw blurRad="63500" dist="38099" dir="2700000" algn="ctr" rotWithShape="0">
                     <a:schemeClr val="bg2">
@@ -9773,7 +10942,7 @@
               </a14:hiddenEffects>
             </a:ext>
             <a:ext uri="{FAA26D3D-D897-4be2-8F04-BA451C77F1D7}">
-              <ma14:placeholderFlag xmlns:ma14="http://schemas.microsoft.com/office/mac/drawingml/2011/main" xmlns="" val="1"/>
+              <ma14:placeholderFlag xmlns="" xmlns:ma14="http://schemas.microsoft.com/office/mac/drawingml/2011/main" val="1"/>
             </a:ext>
           </a:extLst>
         </p:spPr>
@@ -10266,14 +11435,14 @@
         <a:effectLst/>
         <a:extLst>
           <a:ext uri="{909E8E84-426E-40dd-AFC4-6F175D3DCCD1}">
-            <a14:hiddenFill xmlns:a14="http://schemas.microsoft.com/office/drawing/2010/main" xmlns="">
+            <a14:hiddenFill xmlns="" xmlns:a14="http://schemas.microsoft.com/office/drawing/2010/main">
               <a:solidFill>
                 <a:schemeClr val="accent1"/>
               </a:solidFill>
             </a14:hiddenFill>
           </a:ext>
           <a:ext uri="{91240B29-F687-4f45-9708-019B960494DF}">
-            <a14:hiddenLine xmlns:a14="http://schemas.microsoft.com/office/drawing/2010/main" xmlns="" w="9525" cap="flat" cmpd="sng" algn="ctr">
+            <a14:hiddenLine xmlns="" xmlns:a14="http://schemas.microsoft.com/office/drawing/2010/main" w="9525" cap="flat" cmpd="sng" algn="ctr">
               <a:solidFill>
                 <a:schemeClr val="tx1"/>
               </a:solidFill>
@@ -10284,7 +11453,7 @@
             </a14:hiddenLine>
           </a:ext>
           <a:ext uri="{AF507438-7753-43e0-B8FC-AC1667EBCBE1}">
-            <a14:hiddenEffects xmlns:a14="http://schemas.microsoft.com/office/drawing/2010/main" xmlns="">
+            <a14:hiddenEffects xmlns="" xmlns:a14="http://schemas.microsoft.com/office/drawing/2010/main">
               <a:effectLst>
                 <a:outerShdw blurRad="63500" dist="35921" dir="2700000" algn="ctr" rotWithShape="0">
                   <a:schemeClr val="bg2"/>
@@ -10350,14 +11519,14 @@
         <a:effectLst/>
         <a:extLst>
           <a:ext uri="{909E8E84-426E-40dd-AFC4-6F175D3DCCD1}">
-            <a14:hiddenFill xmlns:a14="http://schemas.microsoft.com/office/drawing/2010/main" xmlns="">
+            <a14:hiddenFill xmlns="" xmlns:a14="http://schemas.microsoft.com/office/drawing/2010/main">
               <a:solidFill>
                 <a:schemeClr val="accent1"/>
               </a:solidFill>
             </a14:hiddenFill>
           </a:ext>
           <a:ext uri="{91240B29-F687-4f45-9708-019B960494DF}">
-            <a14:hiddenLine xmlns:a14="http://schemas.microsoft.com/office/drawing/2010/main" xmlns="" w="9525" cap="flat" cmpd="sng" algn="ctr">
+            <a14:hiddenLine xmlns="" xmlns:a14="http://schemas.microsoft.com/office/drawing/2010/main" w="9525" cap="flat" cmpd="sng" algn="ctr">
               <a:solidFill>
                 <a:schemeClr val="tx1"/>
               </a:solidFill>
@@ -10368,7 +11537,7 @@
             </a14:hiddenLine>
           </a:ext>
           <a:ext uri="{AF507438-7753-43e0-B8FC-AC1667EBCBE1}">
-            <a14:hiddenEffects xmlns:a14="http://schemas.microsoft.com/office/drawing/2010/main" xmlns="">
+            <a14:hiddenEffects xmlns="" xmlns:a14="http://schemas.microsoft.com/office/drawing/2010/main">
               <a:effectLst>
                 <a:outerShdw blurRad="63500" dist="35921" dir="2700000" algn="ctr" rotWithShape="0">
                   <a:schemeClr val="bg2"/>

--- a/presentation/praesentation.pptx
+++ b/presentation/praesentation.pptx
@@ -5,10 +5,10 @@
     <p:sldMasterId id="2147483650" r:id="rId1"/>
   </p:sldMasterIdLst>
   <p:notesMasterIdLst>
-    <p:notesMasterId r:id="rId23"/>
+    <p:notesMasterId r:id="rId26"/>
   </p:notesMasterIdLst>
   <p:handoutMasterIdLst>
-    <p:handoutMasterId r:id="rId24"/>
+    <p:handoutMasterId r:id="rId27"/>
   </p:handoutMasterIdLst>
   <p:sldIdLst>
     <p:sldId id="257" r:id="rId2"/>
@@ -29,9 +29,12 @@
     <p:sldId id="274" r:id="rId17"/>
     <p:sldId id="272" r:id="rId18"/>
     <p:sldId id="270" r:id="rId19"/>
-    <p:sldId id="275" r:id="rId20"/>
-    <p:sldId id="273" r:id="rId21"/>
-    <p:sldId id="276" r:id="rId22"/>
+    <p:sldId id="280" r:id="rId20"/>
+    <p:sldId id="275" r:id="rId21"/>
+    <p:sldId id="273" r:id="rId22"/>
+    <p:sldId id="281" r:id="rId23"/>
+    <p:sldId id="276" r:id="rId24"/>
+    <p:sldId id="278" r:id="rId25"/>
   </p:sldIdLst>
   <p:sldSz cx="9144000" cy="6858000" type="screen4x3"/>
   <p:notesSz cx="6669088" cy="9928225"/>
@@ -183,9 +186,12 @@
             <p14:sldId id="274"/>
             <p14:sldId id="272"/>
             <p14:sldId id="270"/>
+            <p14:sldId id="280"/>
             <p14:sldId id="275"/>
             <p14:sldId id="273"/>
+            <p14:sldId id="281"/>
             <p14:sldId id="276"/>
+            <p14:sldId id="278"/>
           </p14:sldIdLst>
         </p14:section>
       </p14:sectionLst>
@@ -854,11 +860,11 @@
           <c:showPercent val="0"/>
           <c:showBubbleSize val="0"/>
         </c:dLbls>
-        <c:axId val="235861168"/>
-        <c:axId val="235861560"/>
+        <c:axId val="237395440"/>
+        <c:axId val="237394656"/>
       </c:scatterChart>
       <c:valAx>
-        <c:axId val="235861168"/>
+        <c:axId val="237395440"/>
         <c:scaling>
           <c:orientation val="minMax"/>
           <c:max val="16"/>
@@ -1009,13 +1015,13 @@
             <a:endParaRPr lang="de-DE"/>
           </a:p>
         </c:txPr>
-        <c:crossAx val="235861560"/>
+        <c:crossAx val="237394656"/>
         <c:crosses val="autoZero"/>
         <c:crossBetween val="midCat"/>
         <c:majorUnit val="1"/>
       </c:valAx>
       <c:valAx>
-        <c:axId val="235861560"/>
+        <c:axId val="237394656"/>
         <c:scaling>
           <c:orientation val="minMax"/>
           <c:max val="16"/>
@@ -1142,7 +1148,7 @@
             <a:endParaRPr lang="de-DE"/>
           </a:p>
         </c:txPr>
-        <c:crossAx val="235861168"/>
+        <c:crossAx val="237395440"/>
         <c:crosses val="autoZero"/>
         <c:crossBetween val="midCat"/>
         <c:majorUnit val="1"/>
@@ -1452,11 +1458,11 @@
           <c:showPercent val="0"/>
           <c:showBubbleSize val="0"/>
         </c:dLbls>
-        <c:axId val="237921056"/>
-        <c:axId val="237920272"/>
+        <c:axId val="237401320"/>
+        <c:axId val="237399752"/>
       </c:scatterChart>
       <c:valAx>
-        <c:axId val="237921056"/>
+        <c:axId val="237401320"/>
         <c:scaling>
           <c:orientation val="minMax"/>
           <c:max val="16"/>
@@ -1607,13 +1613,13 @@
             <a:endParaRPr lang="de-DE"/>
           </a:p>
         </c:txPr>
-        <c:crossAx val="237920272"/>
+        <c:crossAx val="237399752"/>
         <c:crosses val="autoZero"/>
         <c:crossBetween val="midCat"/>
         <c:majorUnit val="1"/>
       </c:valAx>
       <c:valAx>
-        <c:axId val="237920272"/>
+        <c:axId val="237399752"/>
         <c:scaling>
           <c:orientation val="minMax"/>
           <c:max val="2.6"/>
@@ -1733,7 +1739,7 @@
             <a:endParaRPr lang="de-DE"/>
           </a:p>
         </c:txPr>
-        <c:crossAx val="237921056"/>
+        <c:crossAx val="237401320"/>
         <c:crosses val="autoZero"/>
         <c:crossBetween val="midCat"/>
         <c:minorUnit val="2.0000000000000004E-2"/>
@@ -1779,6 +1785,611 @@
                 </a:schemeClr>
               </a:solidFill>
               <a:latin typeface="Univers Light"/>
+              <a:ea typeface="+mn-ea"/>
+              <a:cs typeface="+mn-cs"/>
+            </a:defRPr>
+          </a:pPr>
+          <a:endParaRPr lang="de-DE"/>
+        </a:p>
+      </c:txPr>
+    </c:legend>
+    <c:plotVisOnly val="1"/>
+    <c:dispBlanksAs val="gap"/>
+    <c:showDLblsOverMax val="0"/>
+  </c:chart>
+  <c:spPr>
+    <a:noFill/>
+    <a:ln>
+      <a:noFill/>
+    </a:ln>
+    <a:effectLst/>
+  </c:spPr>
+  <c:txPr>
+    <a:bodyPr/>
+    <a:lstStyle/>
+    <a:p>
+      <a:pPr>
+        <a:defRPr/>
+      </a:pPr>
+      <a:endParaRPr lang="de-DE"/>
+    </a:p>
+  </c:txPr>
+  <c:externalData r:id="rId3">
+    <c:autoUpdate val="0"/>
+  </c:externalData>
+</c:chartSpace>
+</file>
+
+<file path=ppt/charts/chart4.xml><?xml version="1.0" encoding="utf-8"?>
+<c:chartSpace xmlns:c="http://schemas.openxmlformats.org/drawingml/2006/chart" xmlns:a="http://schemas.openxmlformats.org/drawingml/2006/main" xmlns:r="http://schemas.openxmlformats.org/officeDocument/2006/relationships">
+  <c:date1904 val="0"/>
+  <c:lang val="de-DE"/>
+  <c:roundedCorners val="0"/>
+  <mc:AlternateContent xmlns:mc="http://schemas.openxmlformats.org/markup-compatibility/2006">
+    <mc:Choice xmlns:c14="http://schemas.microsoft.com/office/drawing/2007/8/2/chart" Requires="c14">
+      <c14:style val="102"/>
+    </mc:Choice>
+    <mc:Fallback>
+      <c:style val="2"/>
+    </mc:Fallback>
+  </mc:AlternateContent>
+  <c:chart>
+    <c:autoTitleDeleted val="0"/>
+    <c:plotArea>
+      <c:layout>
+        <c:manualLayout>
+          <c:layoutTarget val="inner"/>
+          <c:xMode val="edge"/>
+          <c:yMode val="edge"/>
+          <c:x val="6.8545157891486755E-2"/>
+          <c:y val="1.3743061737728997E-2"/>
+          <c:w val="0.90693180195444267"/>
+          <c:h val="0.82581153534380958"/>
+        </c:manualLayout>
+      </c:layout>
+      <c:scatterChart>
+        <c:scatterStyle val="lineMarker"/>
+        <c:varyColors val="0"/>
+        <c:ser>
+          <c:idx val="0"/>
+          <c:order val="0"/>
+          <c:tx>
+            <c:v>Bandwidth Write</c:v>
+          </c:tx>
+          <c:spPr>
+            <a:ln w="12700" cap="rnd">
+              <a:solidFill>
+                <a:srgbClr val="E56B20"/>
+              </a:solidFill>
+              <a:prstDash val="sysDash"/>
+              <a:round/>
+            </a:ln>
+            <a:effectLst/>
+          </c:spPr>
+          <c:marker>
+            <c:symbol val="circle"/>
+            <c:size val="5"/>
+            <c:spPr>
+              <a:solidFill>
+                <a:srgbClr val="E56B20"/>
+              </a:solidFill>
+              <a:ln w="25400">
+                <a:solidFill>
+                  <a:srgbClr val="E56B20"/>
+                </a:solidFill>
+              </a:ln>
+              <a:effectLst/>
+            </c:spPr>
+          </c:marker>
+          <c:xVal>
+            <c:numRef>
+              <c:f>Tabelle1!$B$4:$B$15</c:f>
+              <c:numCache>
+                <c:formatCode>General</c:formatCode>
+                <c:ptCount val="12"/>
+                <c:pt idx="0">
+                  <c:v>1</c:v>
+                </c:pt>
+                <c:pt idx="1">
+                  <c:v>8</c:v>
+                </c:pt>
+                <c:pt idx="2">
+                  <c:v>16</c:v>
+                </c:pt>
+                <c:pt idx="3">
+                  <c:v>32</c:v>
+                </c:pt>
+                <c:pt idx="4">
+                  <c:v>128</c:v>
+                </c:pt>
+                <c:pt idx="5">
+                  <c:v>256</c:v>
+                </c:pt>
+                <c:pt idx="6">
+                  <c:v>512</c:v>
+                </c:pt>
+                <c:pt idx="7">
+                  <c:v>1024</c:v>
+                </c:pt>
+                <c:pt idx="8">
+                  <c:v>2048</c:v>
+                </c:pt>
+                <c:pt idx="9">
+                  <c:v>4096</c:v>
+                </c:pt>
+                <c:pt idx="10">
+                  <c:v>6144</c:v>
+                </c:pt>
+                <c:pt idx="11">
+                  <c:v>8192</c:v>
+                </c:pt>
+              </c:numCache>
+            </c:numRef>
+          </c:xVal>
+          <c:yVal>
+            <c:numRef>
+              <c:f>Tabelle1!$C$4:$C$15</c:f>
+              <c:numCache>
+                <c:formatCode>General</c:formatCode>
+                <c:ptCount val="12"/>
+                <c:pt idx="0">
+                  <c:v>12.54</c:v>
+                </c:pt>
+                <c:pt idx="1">
+                  <c:v>26.92</c:v>
+                </c:pt>
+                <c:pt idx="2">
+                  <c:v>28.6</c:v>
+                </c:pt>
+                <c:pt idx="3">
+                  <c:v>29.15</c:v>
+                </c:pt>
+                <c:pt idx="4">
+                  <c:v>29.6</c:v>
+                </c:pt>
+                <c:pt idx="5">
+                  <c:v>29.7</c:v>
+                </c:pt>
+                <c:pt idx="6">
+                  <c:v>29.75</c:v>
+                </c:pt>
+                <c:pt idx="7">
+                  <c:v>29.75</c:v>
+                </c:pt>
+                <c:pt idx="8">
+                  <c:v>29.76</c:v>
+                </c:pt>
+                <c:pt idx="9">
+                  <c:v>29.78</c:v>
+                </c:pt>
+                <c:pt idx="10">
+                  <c:v>29.75</c:v>
+                </c:pt>
+                <c:pt idx="11">
+                  <c:v>29.76</c:v>
+                </c:pt>
+              </c:numCache>
+            </c:numRef>
+          </c:yVal>
+          <c:smooth val="1"/>
+        </c:ser>
+        <c:ser>
+          <c:idx val="1"/>
+          <c:order val="1"/>
+          <c:tx>
+            <c:v>Bandwidth Read</c:v>
+          </c:tx>
+          <c:spPr>
+            <a:ln w="12700" cap="rnd">
+              <a:solidFill>
+                <a:srgbClr val="333333"/>
+              </a:solidFill>
+              <a:prstDash val="sysDash"/>
+              <a:round/>
+            </a:ln>
+            <a:effectLst/>
+          </c:spPr>
+          <c:marker>
+            <c:symbol val="circle"/>
+            <c:size val="5"/>
+            <c:spPr>
+              <a:solidFill>
+                <a:srgbClr val="333333"/>
+              </a:solidFill>
+              <a:ln w="25400">
+                <a:solidFill>
+                  <a:srgbClr val="333333"/>
+                </a:solidFill>
+              </a:ln>
+              <a:effectLst/>
+            </c:spPr>
+          </c:marker>
+          <c:xVal>
+            <c:numRef>
+              <c:f>Tabelle1!$B$4:$B$15</c:f>
+              <c:numCache>
+                <c:formatCode>General</c:formatCode>
+                <c:ptCount val="12"/>
+                <c:pt idx="0">
+                  <c:v>1</c:v>
+                </c:pt>
+                <c:pt idx="1">
+                  <c:v>8</c:v>
+                </c:pt>
+                <c:pt idx="2">
+                  <c:v>16</c:v>
+                </c:pt>
+                <c:pt idx="3">
+                  <c:v>32</c:v>
+                </c:pt>
+                <c:pt idx="4">
+                  <c:v>128</c:v>
+                </c:pt>
+                <c:pt idx="5">
+                  <c:v>256</c:v>
+                </c:pt>
+                <c:pt idx="6">
+                  <c:v>512</c:v>
+                </c:pt>
+                <c:pt idx="7">
+                  <c:v>1024</c:v>
+                </c:pt>
+                <c:pt idx="8">
+                  <c:v>2048</c:v>
+                </c:pt>
+                <c:pt idx="9">
+                  <c:v>4096</c:v>
+                </c:pt>
+                <c:pt idx="10">
+                  <c:v>6144</c:v>
+                </c:pt>
+                <c:pt idx="11">
+                  <c:v>8192</c:v>
+                </c:pt>
+              </c:numCache>
+            </c:numRef>
+          </c:xVal>
+          <c:yVal>
+            <c:numRef>
+              <c:f>Tabelle1!$D$4:$D$15</c:f>
+              <c:numCache>
+                <c:formatCode>General</c:formatCode>
+                <c:ptCount val="12"/>
+                <c:pt idx="0">
+                  <c:v>6.27</c:v>
+                </c:pt>
+                <c:pt idx="1">
+                  <c:v>13.15</c:v>
+                </c:pt>
+                <c:pt idx="2">
+                  <c:v>13.32</c:v>
+                </c:pt>
+                <c:pt idx="3">
+                  <c:v>13.4</c:v>
+                </c:pt>
+                <c:pt idx="4">
+                  <c:v>13.5</c:v>
+                </c:pt>
+                <c:pt idx="5">
+                  <c:v>13.5</c:v>
+                </c:pt>
+                <c:pt idx="6">
+                  <c:v>13.5</c:v>
+                </c:pt>
+                <c:pt idx="7">
+                  <c:v>13.5</c:v>
+                </c:pt>
+                <c:pt idx="8">
+                  <c:v>13.55</c:v>
+                </c:pt>
+                <c:pt idx="9">
+                  <c:v>13.57</c:v>
+                </c:pt>
+                <c:pt idx="10">
+                  <c:v>13.5</c:v>
+                </c:pt>
+                <c:pt idx="11">
+                  <c:v>13.5</c:v>
+                </c:pt>
+              </c:numCache>
+            </c:numRef>
+          </c:yVal>
+          <c:smooth val="1"/>
+        </c:ser>
+        <c:dLbls>
+          <c:showLegendKey val="0"/>
+          <c:showVal val="0"/>
+          <c:showCatName val="0"/>
+          <c:showSerName val="0"/>
+          <c:showPercent val="0"/>
+          <c:showBubbleSize val="0"/>
+        </c:dLbls>
+        <c:axId val="405412064"/>
+        <c:axId val="405414024"/>
+      </c:scatterChart>
+      <c:valAx>
+        <c:axId val="405412064"/>
+        <c:scaling>
+          <c:logBase val="2"/>
+          <c:orientation val="minMax"/>
+        </c:scaling>
+        <c:delete val="0"/>
+        <c:axPos val="b"/>
+        <c:majorGridlines>
+          <c:spPr>
+            <a:ln w="9525" cap="flat" cmpd="sng" algn="ctr">
+              <a:solidFill>
+                <a:schemeClr val="tx1">
+                  <a:lumMod val="15000"/>
+                  <a:lumOff val="85000"/>
+                </a:schemeClr>
+              </a:solidFill>
+              <a:round/>
+            </a:ln>
+            <a:effectLst/>
+          </c:spPr>
+        </c:majorGridlines>
+        <c:title>
+          <c:tx>
+            <c:rich>
+              <a:bodyPr rot="0" spcFirstLastPara="1" vertOverflow="ellipsis" vert="horz" wrap="square" anchor="ctr" anchorCtr="1"/>
+              <a:lstStyle/>
+              <a:p>
+                <a:pPr>
+                  <a:defRPr sz="1000" b="0" i="0" u="none" strike="noStrike" kern="1200" baseline="0">
+                    <a:solidFill>
+                      <a:schemeClr val="tx1">
+                        <a:lumMod val="65000"/>
+                        <a:lumOff val="35000"/>
+                      </a:schemeClr>
+                    </a:solidFill>
+                    <a:latin typeface="+mn-lt"/>
+                    <a:ea typeface="+mn-ea"/>
+                    <a:cs typeface="+mn-cs"/>
+                  </a:defRPr>
+                </a:pPr>
+                <a:r>
+                  <a:rPr lang="de-DE" dirty="0" smtClean="0"/>
+                  <a:t>Data[Bytes]</a:t>
+                </a:r>
+              </a:p>
+            </c:rich>
+          </c:tx>
+          <c:layout/>
+          <c:overlay val="0"/>
+          <c:spPr>
+            <a:noFill/>
+            <a:ln>
+              <a:noFill/>
+            </a:ln>
+            <a:effectLst/>
+          </c:spPr>
+          <c:txPr>
+            <a:bodyPr rot="0" spcFirstLastPara="1" vertOverflow="ellipsis" vert="horz" wrap="square" anchor="ctr" anchorCtr="1"/>
+            <a:lstStyle/>
+            <a:p>
+              <a:pPr>
+                <a:defRPr sz="1000" b="0" i="0" u="none" strike="noStrike" kern="1200" baseline="0">
+                  <a:solidFill>
+                    <a:schemeClr val="tx1">
+                      <a:lumMod val="65000"/>
+                      <a:lumOff val="35000"/>
+                    </a:schemeClr>
+                  </a:solidFill>
+                  <a:latin typeface="+mn-lt"/>
+                  <a:ea typeface="+mn-ea"/>
+                  <a:cs typeface="+mn-cs"/>
+                </a:defRPr>
+              </a:pPr>
+              <a:endParaRPr lang="de-DE"/>
+            </a:p>
+          </c:txPr>
+        </c:title>
+        <c:numFmt formatCode="General" sourceLinked="1"/>
+        <c:majorTickMark val="none"/>
+        <c:minorTickMark val="none"/>
+        <c:tickLblPos val="nextTo"/>
+        <c:spPr>
+          <a:noFill/>
+          <a:ln w="9525" cap="flat" cmpd="sng" algn="ctr">
+            <a:solidFill>
+              <a:schemeClr val="tx1">
+                <a:lumMod val="25000"/>
+                <a:lumOff val="75000"/>
+              </a:schemeClr>
+            </a:solidFill>
+            <a:round/>
+          </a:ln>
+          <a:effectLst/>
+        </c:spPr>
+        <c:txPr>
+          <a:bodyPr rot="-60000000" spcFirstLastPara="1" vertOverflow="ellipsis" vert="horz" wrap="square" anchor="ctr" anchorCtr="1"/>
+          <a:lstStyle/>
+          <a:p>
+            <a:pPr>
+              <a:defRPr sz="900" b="0" i="0" u="none" strike="noStrike" kern="1200" baseline="0">
+                <a:solidFill>
+                  <a:schemeClr val="tx1">
+                    <a:lumMod val="65000"/>
+                    <a:lumOff val="35000"/>
+                  </a:schemeClr>
+                </a:solidFill>
+                <a:latin typeface="+mn-lt"/>
+                <a:ea typeface="+mn-ea"/>
+                <a:cs typeface="+mn-cs"/>
+              </a:defRPr>
+            </a:pPr>
+            <a:endParaRPr lang="de-DE"/>
+          </a:p>
+        </c:txPr>
+        <c:crossAx val="405414024"/>
+        <c:crosses val="autoZero"/>
+        <c:crossBetween val="midCat"/>
+      </c:valAx>
+      <c:valAx>
+        <c:axId val="405414024"/>
+        <c:scaling>
+          <c:orientation val="minMax"/>
+        </c:scaling>
+        <c:delete val="0"/>
+        <c:axPos val="l"/>
+        <c:majorGridlines>
+          <c:spPr>
+            <a:ln w="9525" cap="flat" cmpd="sng" algn="ctr">
+              <a:solidFill>
+                <a:schemeClr val="tx1">
+                  <a:lumMod val="15000"/>
+                  <a:lumOff val="85000"/>
+                </a:schemeClr>
+              </a:solidFill>
+              <a:round/>
+            </a:ln>
+            <a:effectLst/>
+          </c:spPr>
+        </c:majorGridlines>
+        <c:title>
+          <c:tx>
+            <c:rich>
+              <a:bodyPr rot="-5400000" spcFirstLastPara="1" vertOverflow="ellipsis" vert="horz" wrap="square" anchor="ctr" anchorCtr="1"/>
+              <a:lstStyle/>
+              <a:p>
+                <a:pPr>
+                  <a:defRPr sz="1000" b="0" i="0" u="none" strike="noStrike" kern="1200" baseline="0">
+                    <a:solidFill>
+                      <a:schemeClr val="tx1">
+                        <a:lumMod val="65000"/>
+                        <a:lumOff val="35000"/>
+                      </a:schemeClr>
+                    </a:solidFill>
+                    <a:latin typeface="+mn-lt"/>
+                    <a:ea typeface="+mn-ea"/>
+                    <a:cs typeface="+mn-cs"/>
+                  </a:defRPr>
+                </a:pPr>
+                <a:r>
+                  <a:rPr lang="de-DE" dirty="0" err="1" smtClean="0"/>
+                  <a:t>Bandwidth</a:t>
+                </a:r>
+                <a:r>
+                  <a:rPr lang="de-DE" dirty="0" smtClean="0"/>
+                  <a:t>[MByte/s]</a:t>
+                </a:r>
+                <a:endParaRPr lang="de-DE" dirty="0"/>
+              </a:p>
+            </c:rich>
+          </c:tx>
+          <c:layout/>
+          <c:overlay val="0"/>
+          <c:spPr>
+            <a:noFill/>
+            <a:ln>
+              <a:noFill/>
+            </a:ln>
+            <a:effectLst/>
+          </c:spPr>
+          <c:txPr>
+            <a:bodyPr rot="-5400000" spcFirstLastPara="1" vertOverflow="ellipsis" vert="horz" wrap="square" anchor="ctr" anchorCtr="1"/>
+            <a:lstStyle/>
+            <a:p>
+              <a:pPr>
+                <a:defRPr sz="1000" b="0" i="0" u="none" strike="noStrike" kern="1200" baseline="0">
+                  <a:solidFill>
+                    <a:schemeClr val="tx1">
+                      <a:lumMod val="65000"/>
+                      <a:lumOff val="35000"/>
+                    </a:schemeClr>
+                  </a:solidFill>
+                  <a:latin typeface="+mn-lt"/>
+                  <a:ea typeface="+mn-ea"/>
+                  <a:cs typeface="+mn-cs"/>
+                </a:defRPr>
+              </a:pPr>
+              <a:endParaRPr lang="de-DE"/>
+            </a:p>
+          </c:txPr>
+        </c:title>
+        <c:numFmt formatCode="General" sourceLinked="1"/>
+        <c:majorTickMark val="none"/>
+        <c:minorTickMark val="none"/>
+        <c:tickLblPos val="nextTo"/>
+        <c:spPr>
+          <a:noFill/>
+          <a:ln w="9525" cap="flat" cmpd="sng" algn="ctr">
+            <a:solidFill>
+              <a:schemeClr val="tx1">
+                <a:lumMod val="25000"/>
+                <a:lumOff val="75000"/>
+              </a:schemeClr>
+            </a:solidFill>
+            <a:round/>
+          </a:ln>
+          <a:effectLst/>
+        </c:spPr>
+        <c:txPr>
+          <a:bodyPr rot="-60000000" spcFirstLastPara="1" vertOverflow="ellipsis" vert="horz" wrap="square" anchor="ctr" anchorCtr="1"/>
+          <a:lstStyle/>
+          <a:p>
+            <a:pPr>
+              <a:defRPr sz="900" b="0" i="0" u="none" strike="noStrike" kern="1200" baseline="0">
+                <a:solidFill>
+                  <a:schemeClr val="tx1">
+                    <a:lumMod val="65000"/>
+                    <a:lumOff val="35000"/>
+                  </a:schemeClr>
+                </a:solidFill>
+                <a:latin typeface="+mn-lt"/>
+                <a:ea typeface="+mn-ea"/>
+                <a:cs typeface="+mn-cs"/>
+              </a:defRPr>
+            </a:pPr>
+            <a:endParaRPr lang="de-DE"/>
+          </a:p>
+        </c:txPr>
+        <c:crossAx val="405412064"/>
+        <c:crosses val="autoZero"/>
+        <c:crossBetween val="midCat"/>
+      </c:valAx>
+      <c:spPr>
+        <a:noFill/>
+        <a:ln>
+          <a:noFill/>
+        </a:ln>
+        <a:effectLst/>
+      </c:spPr>
+    </c:plotArea>
+    <c:legend>
+      <c:legendPos val="r"/>
+      <c:layout>
+        <c:manualLayout>
+          <c:xMode val="edge"/>
+          <c:yMode val="edge"/>
+          <c:x val="0.36350963358120286"/>
+          <c:y val="0.92693488602276519"/>
+          <c:w val="0.29611210807085458"/>
+          <c:h val="7.306511397723485E-2"/>
+        </c:manualLayout>
+      </c:layout>
+      <c:overlay val="0"/>
+      <c:spPr>
+        <a:noFill/>
+        <a:ln>
+          <a:noFill/>
+        </a:ln>
+        <a:effectLst/>
+      </c:spPr>
+      <c:txPr>
+        <a:bodyPr rot="0" spcFirstLastPara="1" vertOverflow="ellipsis" vert="horz" wrap="square" anchor="ctr" anchorCtr="1"/>
+        <a:lstStyle/>
+        <a:p>
+          <a:pPr>
+            <a:defRPr sz="900" b="0" i="0" u="none" strike="noStrike" kern="1200" baseline="0">
+              <a:solidFill>
+                <a:schemeClr val="tx1">
+                  <a:lumMod val="65000"/>
+                  <a:lumOff val="35000"/>
+                </a:schemeClr>
+              </a:solidFill>
+              <a:latin typeface="+mn-lt"/>
               <a:ea typeface="+mn-ea"/>
               <a:cs typeface="+mn-cs"/>
             </a:defRPr>
@@ -1895,6 +2506,46 @@
 </file>
 
 <file path=ppt/charts/colors3.xml><?xml version="1.0" encoding="utf-8"?>
+<cs:colorStyle xmlns:cs="http://schemas.microsoft.com/office/drawing/2012/chartStyle" xmlns:a="http://schemas.openxmlformats.org/drawingml/2006/main" meth="cycle" id="10">
+  <a:schemeClr val="accent1"/>
+  <a:schemeClr val="accent2"/>
+  <a:schemeClr val="accent3"/>
+  <a:schemeClr val="accent4"/>
+  <a:schemeClr val="accent5"/>
+  <a:schemeClr val="accent6"/>
+  <cs:variation/>
+  <cs:variation>
+    <a:lumMod val="60000"/>
+  </cs:variation>
+  <cs:variation>
+    <a:lumMod val="80000"/>
+    <a:lumOff val="20000"/>
+  </cs:variation>
+  <cs:variation>
+    <a:lumMod val="80000"/>
+  </cs:variation>
+  <cs:variation>
+    <a:lumMod val="60000"/>
+    <a:lumOff val="40000"/>
+  </cs:variation>
+  <cs:variation>
+    <a:lumMod val="50000"/>
+  </cs:variation>
+  <cs:variation>
+    <a:lumMod val="70000"/>
+    <a:lumOff val="30000"/>
+  </cs:variation>
+  <cs:variation>
+    <a:lumMod val="70000"/>
+  </cs:variation>
+  <cs:variation>
+    <a:lumMod val="50000"/>
+    <a:lumOff val="50000"/>
+  </cs:variation>
+</cs:colorStyle>
+</file>
+
+<file path=ppt/charts/colors4.xml><?xml version="1.0" encoding="utf-8"?>
 <cs:colorStyle xmlns:cs="http://schemas.microsoft.com/office/drawing/2012/chartStyle" xmlns:a="http://schemas.openxmlformats.org/drawingml/2006/main" meth="cycle" id="10">
   <a:schemeClr val="accent1"/>
   <a:schemeClr val="accent2"/>
@@ -3468,6 +4119,522 @@
 </cs:chartStyle>
 </file>
 
+<file path=ppt/charts/style4.xml><?xml version="1.0" encoding="utf-8"?>
+<cs:chartStyle xmlns:cs="http://schemas.microsoft.com/office/drawing/2012/chartStyle" xmlns:a="http://schemas.openxmlformats.org/drawingml/2006/main" id="240">
+  <cs:axisTitle>
+    <cs:lnRef idx="0"/>
+    <cs:fillRef idx="0"/>
+    <cs:effectRef idx="0"/>
+    <cs:fontRef idx="minor">
+      <a:schemeClr val="tx1">
+        <a:lumMod val="65000"/>
+        <a:lumOff val="35000"/>
+      </a:schemeClr>
+    </cs:fontRef>
+    <cs:defRPr sz="1000" kern="1200"/>
+  </cs:axisTitle>
+  <cs:categoryAxis>
+    <cs:lnRef idx="0"/>
+    <cs:fillRef idx="0"/>
+    <cs:effectRef idx="0"/>
+    <cs:fontRef idx="minor">
+      <a:schemeClr val="tx1">
+        <a:lumMod val="65000"/>
+        <a:lumOff val="35000"/>
+      </a:schemeClr>
+    </cs:fontRef>
+    <cs:spPr>
+      <a:ln w="9525" cap="flat" cmpd="sng" algn="ctr">
+        <a:solidFill>
+          <a:schemeClr val="tx1">
+            <a:lumMod val="25000"/>
+            <a:lumOff val="75000"/>
+          </a:schemeClr>
+        </a:solidFill>
+        <a:round/>
+      </a:ln>
+    </cs:spPr>
+    <cs:defRPr sz="900" kern="1200"/>
+  </cs:categoryAxis>
+  <cs:chartArea mods="allowNoFillOverride allowNoLineOverride">
+    <cs:lnRef idx="0"/>
+    <cs:fillRef idx="0"/>
+    <cs:effectRef idx="0"/>
+    <cs:fontRef idx="minor">
+      <a:schemeClr val="tx1"/>
+    </cs:fontRef>
+    <cs:spPr>
+      <a:solidFill>
+        <a:schemeClr val="bg1"/>
+      </a:solidFill>
+      <a:ln w="9525" cap="flat" cmpd="sng" algn="ctr">
+        <a:solidFill>
+          <a:schemeClr val="tx1">
+            <a:lumMod val="15000"/>
+            <a:lumOff val="85000"/>
+          </a:schemeClr>
+        </a:solidFill>
+        <a:round/>
+      </a:ln>
+    </cs:spPr>
+    <cs:defRPr sz="1000" kern="1200"/>
+  </cs:chartArea>
+  <cs:dataLabel>
+    <cs:lnRef idx="0"/>
+    <cs:fillRef idx="0"/>
+    <cs:effectRef idx="0"/>
+    <cs:fontRef idx="minor">
+      <a:schemeClr val="tx1">
+        <a:lumMod val="75000"/>
+        <a:lumOff val="25000"/>
+      </a:schemeClr>
+    </cs:fontRef>
+    <cs:defRPr sz="900" kern="1200"/>
+  </cs:dataLabel>
+  <cs:dataLabelCallout>
+    <cs:lnRef idx="0"/>
+    <cs:fillRef idx="0"/>
+    <cs:effectRef idx="0"/>
+    <cs:fontRef idx="minor">
+      <a:schemeClr val="dk1">
+        <a:lumMod val="65000"/>
+        <a:lumOff val="35000"/>
+      </a:schemeClr>
+    </cs:fontRef>
+    <cs:spPr>
+      <a:solidFill>
+        <a:schemeClr val="lt1"/>
+      </a:solidFill>
+      <a:ln>
+        <a:solidFill>
+          <a:schemeClr val="dk1">
+            <a:lumMod val="25000"/>
+            <a:lumOff val="75000"/>
+          </a:schemeClr>
+        </a:solidFill>
+      </a:ln>
+    </cs:spPr>
+    <cs:defRPr sz="900" kern="1200"/>
+    <cs:bodyPr rot="0" spcFirstLastPara="1" vertOverflow="clip" horzOverflow="clip" vert="horz" wrap="square" lIns="36576" tIns="18288" rIns="36576" bIns="18288" anchor="ctr" anchorCtr="1">
+      <a:spAutoFit/>
+    </cs:bodyPr>
+  </cs:dataLabelCallout>
+  <cs:dataPoint>
+    <cs:lnRef idx="0"/>
+    <cs:fillRef idx="1">
+      <cs:styleClr val="auto"/>
+    </cs:fillRef>
+    <cs:effectRef idx="0"/>
+    <cs:fontRef idx="minor">
+      <a:schemeClr val="tx1"/>
+    </cs:fontRef>
+  </cs:dataPoint>
+  <cs:dataPoint3D>
+    <cs:lnRef idx="0"/>
+    <cs:fillRef idx="1">
+      <cs:styleClr val="auto"/>
+    </cs:fillRef>
+    <cs:effectRef idx="0"/>
+    <cs:fontRef idx="minor">
+      <a:schemeClr val="tx1"/>
+    </cs:fontRef>
+  </cs:dataPoint3D>
+  <cs:dataPointLine>
+    <cs:lnRef idx="0">
+      <cs:styleClr val="auto"/>
+    </cs:lnRef>
+    <cs:fillRef idx="1"/>
+    <cs:effectRef idx="0"/>
+    <cs:fontRef idx="minor">
+      <a:schemeClr val="tx1"/>
+    </cs:fontRef>
+    <cs:spPr>
+      <a:ln w="19050" cap="rnd">
+        <a:solidFill>
+          <a:schemeClr val="phClr"/>
+        </a:solidFill>
+        <a:round/>
+      </a:ln>
+    </cs:spPr>
+  </cs:dataPointLine>
+  <cs:dataPointMarker>
+    <cs:lnRef idx="0">
+      <cs:styleClr val="auto"/>
+    </cs:lnRef>
+    <cs:fillRef idx="1">
+      <cs:styleClr val="auto"/>
+    </cs:fillRef>
+    <cs:effectRef idx="0"/>
+    <cs:fontRef idx="minor">
+      <a:schemeClr val="tx1"/>
+    </cs:fontRef>
+    <cs:spPr>
+      <a:ln w="9525">
+        <a:solidFill>
+          <a:schemeClr val="phClr"/>
+        </a:solidFill>
+      </a:ln>
+    </cs:spPr>
+  </cs:dataPointMarker>
+  <cs:dataPointMarkerLayout symbol="circle" size="5"/>
+  <cs:dataPointWireframe>
+    <cs:lnRef idx="0">
+      <cs:styleClr val="auto"/>
+    </cs:lnRef>
+    <cs:fillRef idx="0"/>
+    <cs:effectRef idx="0"/>
+    <cs:fontRef idx="minor">
+      <a:schemeClr val="dk1"/>
+    </cs:fontRef>
+    <cs:spPr>
+      <a:ln w="9525" cap="rnd">
+        <a:solidFill>
+          <a:schemeClr val="phClr"/>
+        </a:solidFill>
+        <a:round/>
+      </a:ln>
+    </cs:spPr>
+  </cs:dataPointWireframe>
+  <cs:dataTable>
+    <cs:lnRef idx="0"/>
+    <cs:fillRef idx="0"/>
+    <cs:effectRef idx="0"/>
+    <cs:fontRef idx="minor">
+      <a:schemeClr val="tx1">
+        <a:lumMod val="65000"/>
+        <a:lumOff val="35000"/>
+      </a:schemeClr>
+    </cs:fontRef>
+    <cs:spPr>
+      <a:noFill/>
+      <a:ln w="9525" cap="flat" cmpd="sng" algn="ctr">
+        <a:solidFill>
+          <a:schemeClr val="tx1">
+            <a:lumMod val="15000"/>
+            <a:lumOff val="85000"/>
+          </a:schemeClr>
+        </a:solidFill>
+        <a:round/>
+      </a:ln>
+    </cs:spPr>
+    <cs:defRPr sz="900" kern="1200"/>
+  </cs:dataTable>
+  <cs:downBar>
+    <cs:lnRef idx="0"/>
+    <cs:fillRef idx="0"/>
+    <cs:effectRef idx="0"/>
+    <cs:fontRef idx="minor">
+      <a:schemeClr val="tx1"/>
+    </cs:fontRef>
+    <cs:spPr>
+      <a:solidFill>
+        <a:schemeClr val="dk1">
+          <a:lumMod val="75000"/>
+          <a:lumOff val="25000"/>
+        </a:schemeClr>
+      </a:solidFill>
+      <a:ln w="9525" cap="flat" cmpd="sng" algn="ctr">
+        <a:solidFill>
+          <a:schemeClr val="tx1">
+            <a:lumMod val="65000"/>
+            <a:lumOff val="35000"/>
+          </a:schemeClr>
+        </a:solidFill>
+        <a:round/>
+      </a:ln>
+    </cs:spPr>
+  </cs:downBar>
+  <cs:dropLine>
+    <cs:lnRef idx="0"/>
+    <cs:fillRef idx="0"/>
+    <cs:effectRef idx="0"/>
+    <cs:fontRef idx="minor">
+      <a:schemeClr val="tx1"/>
+    </cs:fontRef>
+    <cs:spPr>
+      <a:ln w="9525" cap="flat" cmpd="sng" algn="ctr">
+        <a:solidFill>
+          <a:schemeClr val="tx1">
+            <a:lumMod val="35000"/>
+            <a:lumOff val="65000"/>
+          </a:schemeClr>
+        </a:solidFill>
+        <a:round/>
+      </a:ln>
+    </cs:spPr>
+  </cs:dropLine>
+  <cs:errorBar>
+    <cs:lnRef idx="0"/>
+    <cs:fillRef idx="0"/>
+    <cs:effectRef idx="0"/>
+    <cs:fontRef idx="minor">
+      <a:schemeClr val="tx1"/>
+    </cs:fontRef>
+    <cs:spPr>
+      <a:ln w="9525" cap="flat" cmpd="sng" algn="ctr">
+        <a:solidFill>
+          <a:schemeClr val="tx1">
+            <a:lumMod val="65000"/>
+            <a:lumOff val="35000"/>
+          </a:schemeClr>
+        </a:solidFill>
+        <a:round/>
+      </a:ln>
+    </cs:spPr>
+  </cs:errorBar>
+  <cs:floor>
+    <cs:lnRef idx="0"/>
+    <cs:fillRef idx="0"/>
+    <cs:effectRef idx="0"/>
+    <cs:fontRef idx="minor">
+      <a:schemeClr val="tx1"/>
+    </cs:fontRef>
+    <cs:spPr>
+      <a:noFill/>
+      <a:ln>
+        <a:noFill/>
+      </a:ln>
+    </cs:spPr>
+  </cs:floor>
+  <cs:gridlineMajor>
+    <cs:lnRef idx="0"/>
+    <cs:fillRef idx="0"/>
+    <cs:effectRef idx="0"/>
+    <cs:fontRef idx="minor">
+      <a:schemeClr val="tx1"/>
+    </cs:fontRef>
+    <cs:spPr>
+      <a:ln w="9525" cap="flat" cmpd="sng" algn="ctr">
+        <a:solidFill>
+          <a:schemeClr val="tx1">
+            <a:lumMod val="15000"/>
+            <a:lumOff val="85000"/>
+          </a:schemeClr>
+        </a:solidFill>
+        <a:round/>
+      </a:ln>
+    </cs:spPr>
+  </cs:gridlineMajor>
+  <cs:gridlineMinor>
+    <cs:lnRef idx="0"/>
+    <cs:fillRef idx="0"/>
+    <cs:effectRef idx="0"/>
+    <cs:fontRef idx="minor">
+      <a:schemeClr val="tx1"/>
+    </cs:fontRef>
+    <cs:spPr>
+      <a:ln w="9525" cap="flat" cmpd="sng" algn="ctr">
+        <a:solidFill>
+          <a:schemeClr val="tx1">
+            <a:lumMod val="5000"/>
+            <a:lumOff val="95000"/>
+          </a:schemeClr>
+        </a:solidFill>
+        <a:round/>
+      </a:ln>
+    </cs:spPr>
+  </cs:gridlineMinor>
+  <cs:hiLoLine>
+    <cs:lnRef idx="0"/>
+    <cs:fillRef idx="0"/>
+    <cs:effectRef idx="0"/>
+    <cs:fontRef idx="minor">
+      <a:schemeClr val="tx1"/>
+    </cs:fontRef>
+    <cs:spPr>
+      <a:ln w="9525" cap="flat" cmpd="sng" algn="ctr">
+        <a:solidFill>
+          <a:schemeClr val="tx1">
+            <a:lumMod val="50000"/>
+            <a:lumOff val="50000"/>
+          </a:schemeClr>
+        </a:solidFill>
+        <a:round/>
+      </a:ln>
+    </cs:spPr>
+  </cs:hiLoLine>
+  <cs:leaderLine>
+    <cs:lnRef idx="0"/>
+    <cs:fillRef idx="0"/>
+    <cs:effectRef idx="0"/>
+    <cs:fontRef idx="minor">
+      <a:schemeClr val="tx1"/>
+    </cs:fontRef>
+    <cs:spPr>
+      <a:ln w="9525" cap="flat" cmpd="sng" algn="ctr">
+        <a:solidFill>
+          <a:schemeClr val="tx1">
+            <a:lumMod val="35000"/>
+            <a:lumOff val="65000"/>
+          </a:schemeClr>
+        </a:solidFill>
+        <a:round/>
+      </a:ln>
+    </cs:spPr>
+  </cs:leaderLine>
+  <cs:legend>
+    <cs:lnRef idx="0"/>
+    <cs:fillRef idx="0"/>
+    <cs:effectRef idx="0"/>
+    <cs:fontRef idx="minor">
+      <a:schemeClr val="tx1">
+        <a:lumMod val="65000"/>
+        <a:lumOff val="35000"/>
+      </a:schemeClr>
+    </cs:fontRef>
+    <cs:defRPr sz="900" kern="1200"/>
+  </cs:legend>
+  <cs:plotArea mods="allowNoFillOverride allowNoLineOverride">
+    <cs:lnRef idx="0"/>
+    <cs:fillRef idx="0"/>
+    <cs:effectRef idx="0"/>
+    <cs:fontRef idx="minor">
+      <a:schemeClr val="tx1"/>
+    </cs:fontRef>
+  </cs:plotArea>
+  <cs:plotArea3D mods="allowNoFillOverride allowNoLineOverride">
+    <cs:lnRef idx="0"/>
+    <cs:fillRef idx="0"/>
+    <cs:effectRef idx="0"/>
+    <cs:fontRef idx="minor">
+      <a:schemeClr val="tx1"/>
+    </cs:fontRef>
+  </cs:plotArea3D>
+  <cs:seriesAxis>
+    <cs:lnRef idx="0"/>
+    <cs:fillRef idx="0"/>
+    <cs:effectRef idx="0"/>
+    <cs:fontRef idx="minor">
+      <a:schemeClr val="tx1">
+        <a:lumMod val="65000"/>
+        <a:lumOff val="35000"/>
+      </a:schemeClr>
+    </cs:fontRef>
+    <cs:defRPr sz="900" kern="1200"/>
+  </cs:seriesAxis>
+  <cs:seriesLine>
+    <cs:lnRef idx="0"/>
+    <cs:fillRef idx="0"/>
+    <cs:effectRef idx="0"/>
+    <cs:fontRef idx="minor">
+      <a:schemeClr val="tx1"/>
+    </cs:fontRef>
+    <cs:spPr>
+      <a:ln w="9525" cap="flat" cmpd="sng" algn="ctr">
+        <a:solidFill>
+          <a:schemeClr val="tx1">
+            <a:lumMod val="35000"/>
+            <a:lumOff val="65000"/>
+          </a:schemeClr>
+        </a:solidFill>
+        <a:round/>
+      </a:ln>
+    </cs:spPr>
+  </cs:seriesLine>
+  <cs:title>
+    <cs:lnRef idx="0"/>
+    <cs:fillRef idx="0"/>
+    <cs:effectRef idx="0"/>
+    <cs:fontRef idx="minor">
+      <a:schemeClr val="tx1">
+        <a:lumMod val="65000"/>
+        <a:lumOff val="35000"/>
+      </a:schemeClr>
+    </cs:fontRef>
+    <cs:defRPr sz="1400" b="0" kern="1200" spc="0" baseline="0"/>
+  </cs:title>
+  <cs:trendline>
+    <cs:lnRef idx="0">
+      <cs:styleClr val="auto"/>
+    </cs:lnRef>
+    <cs:fillRef idx="0"/>
+    <cs:effectRef idx="0"/>
+    <cs:fontRef idx="minor">
+      <a:schemeClr val="tx1"/>
+    </cs:fontRef>
+    <cs:spPr>
+      <a:ln w="19050" cap="rnd">
+        <a:solidFill>
+          <a:schemeClr val="phClr"/>
+        </a:solidFill>
+        <a:prstDash val="sysDot"/>
+      </a:ln>
+    </cs:spPr>
+  </cs:trendline>
+  <cs:trendlineLabel>
+    <cs:lnRef idx="0"/>
+    <cs:fillRef idx="0"/>
+    <cs:effectRef idx="0"/>
+    <cs:fontRef idx="minor">
+      <a:schemeClr val="tx1">
+        <a:lumMod val="65000"/>
+        <a:lumOff val="35000"/>
+      </a:schemeClr>
+    </cs:fontRef>
+    <cs:defRPr sz="900" kern="1200"/>
+  </cs:trendlineLabel>
+  <cs:upBar>
+    <cs:lnRef idx="0"/>
+    <cs:fillRef idx="0"/>
+    <cs:effectRef idx="0"/>
+    <cs:fontRef idx="minor">
+      <a:schemeClr val="tx1"/>
+    </cs:fontRef>
+    <cs:spPr>
+      <a:solidFill>
+        <a:schemeClr val="lt1"/>
+      </a:solidFill>
+      <a:ln w="9525" cap="flat" cmpd="sng" algn="ctr">
+        <a:solidFill>
+          <a:schemeClr val="tx1">
+            <a:lumMod val="65000"/>
+            <a:lumOff val="35000"/>
+          </a:schemeClr>
+        </a:solidFill>
+        <a:round/>
+      </a:ln>
+    </cs:spPr>
+  </cs:upBar>
+  <cs:valueAxis>
+    <cs:lnRef idx="0"/>
+    <cs:fillRef idx="0"/>
+    <cs:effectRef idx="0"/>
+    <cs:fontRef idx="minor">
+      <a:schemeClr val="tx1">
+        <a:lumMod val="65000"/>
+        <a:lumOff val="35000"/>
+      </a:schemeClr>
+    </cs:fontRef>
+    <cs:spPr>
+      <a:ln w="9525" cap="flat" cmpd="sng" algn="ctr">
+        <a:solidFill>
+          <a:schemeClr val="tx1">
+            <a:lumMod val="25000"/>
+            <a:lumOff val="75000"/>
+          </a:schemeClr>
+        </a:solidFill>
+        <a:round/>
+      </a:ln>
+    </cs:spPr>
+    <cs:defRPr sz="900" kern="1200"/>
+  </cs:valueAxis>
+  <cs:wall>
+    <cs:lnRef idx="0"/>
+    <cs:fillRef idx="0"/>
+    <cs:effectRef idx="0"/>
+    <cs:fontRef idx="minor">
+      <a:schemeClr val="tx1"/>
+    </cs:fontRef>
+    <cs:spPr>
+      <a:noFill/>
+      <a:ln>
+        <a:noFill/>
+      </a:ln>
+    </cs:spPr>
+  </cs:wall>
+</cs:chartStyle>
+</file>
+
 <file path=ppt/handoutMasters/handoutMaster1.xml><?xml version="1.0" encoding="utf-8"?>
 <p:handoutMaster xmlns:a="http://schemas.openxmlformats.org/drawingml/2006/main" xmlns:r="http://schemas.openxmlformats.org/officeDocument/2006/relationships" xmlns:p="http://schemas.openxmlformats.org/presentationml/2006/main">
   <p:cSld>
@@ -3518,17 +4685,17 @@
           <a:effectLst/>
           <a:extLst>
             <a:ext uri="{FAA26D3D-D897-4be2-8F04-BA451C77F1D7}">
-              <ma14:placeholderFlag xmlns="" xmlns:ma14="http://schemas.microsoft.com/office/mac/drawingml/2011/main" val="1"/>
+              <ma14:placeholderFlag xmlns:ma14="http://schemas.microsoft.com/office/mac/drawingml/2011/main" xmlns="" val="1"/>
             </a:ext>
             <a:ext uri="{909E8E84-426E-40dd-AFC4-6F175D3DCCD1}">
-              <a14:hiddenFill xmlns:a14="http://schemas.microsoft.com/office/drawing/2010/main" xmlns="">
+              <a14:hiddenFill xmlns="" xmlns:a14="http://schemas.microsoft.com/office/drawing/2010/main">
                 <a:solidFill>
                   <a:schemeClr val="accent1"/>
                 </a:solidFill>
               </a14:hiddenFill>
             </a:ext>
             <a:ext uri="{91240B29-F687-4f45-9708-019B960494DF}">
-              <a14:hiddenLine xmlns:a14="http://schemas.microsoft.com/office/drawing/2010/main" xmlns="" w="9525">
+              <a14:hiddenLine xmlns="" xmlns:a14="http://schemas.microsoft.com/office/drawing/2010/main" w="9525">
                 <a:solidFill>
                   <a:schemeClr val="tx1"/>
                 </a:solidFill>
@@ -3538,7 +4705,7 @@
               </a14:hiddenLine>
             </a:ext>
             <a:ext uri="{AF507438-7753-43e0-B8FC-AC1667EBCBE1}">
-              <a14:hiddenEffects xmlns:a14="http://schemas.microsoft.com/office/drawing/2010/main" xmlns="">
+              <a14:hiddenEffects xmlns="" xmlns:a14="http://schemas.microsoft.com/office/drawing/2010/main">
                 <a:effectLst>
                   <a:outerShdw blurRad="63500" dist="38099" dir="2700000" algn="ctr" rotWithShape="0">
                     <a:schemeClr val="bg2">
@@ -3603,17 +4770,17 @@
           <a:effectLst/>
           <a:extLst>
             <a:ext uri="{FAA26D3D-D897-4be2-8F04-BA451C77F1D7}">
-              <ma14:placeholderFlag xmlns="" xmlns:ma14="http://schemas.microsoft.com/office/mac/drawingml/2011/main" val="1"/>
+              <ma14:placeholderFlag xmlns:ma14="http://schemas.microsoft.com/office/mac/drawingml/2011/main" xmlns="" val="1"/>
             </a:ext>
             <a:ext uri="{909E8E84-426E-40dd-AFC4-6F175D3DCCD1}">
-              <a14:hiddenFill xmlns:a14="http://schemas.microsoft.com/office/drawing/2010/main" xmlns="">
+              <a14:hiddenFill xmlns="" xmlns:a14="http://schemas.microsoft.com/office/drawing/2010/main">
                 <a:solidFill>
                   <a:schemeClr val="accent1"/>
                 </a:solidFill>
               </a14:hiddenFill>
             </a:ext>
             <a:ext uri="{91240B29-F687-4f45-9708-019B960494DF}">
-              <a14:hiddenLine xmlns:a14="http://schemas.microsoft.com/office/drawing/2010/main" xmlns="" w="9525">
+              <a14:hiddenLine xmlns="" xmlns:a14="http://schemas.microsoft.com/office/drawing/2010/main" w="9525">
                 <a:solidFill>
                   <a:schemeClr val="tx1"/>
                 </a:solidFill>
@@ -3623,7 +4790,7 @@
               </a14:hiddenLine>
             </a:ext>
             <a:ext uri="{AF507438-7753-43e0-B8FC-AC1667EBCBE1}">
-              <a14:hiddenEffects xmlns:a14="http://schemas.microsoft.com/office/drawing/2010/main" xmlns="">
+              <a14:hiddenEffects xmlns="" xmlns:a14="http://schemas.microsoft.com/office/drawing/2010/main">
                 <a:effectLst>
                   <a:outerShdw blurRad="63500" dist="38099" dir="2700000" algn="ctr" rotWithShape="0">
                     <a:schemeClr val="bg2">
@@ -3688,17 +4855,17 @@
           <a:effectLst/>
           <a:extLst>
             <a:ext uri="{FAA26D3D-D897-4be2-8F04-BA451C77F1D7}">
-              <ma14:placeholderFlag xmlns="" xmlns:ma14="http://schemas.microsoft.com/office/mac/drawingml/2011/main" val="1"/>
+              <ma14:placeholderFlag xmlns:ma14="http://schemas.microsoft.com/office/mac/drawingml/2011/main" xmlns="" val="1"/>
             </a:ext>
             <a:ext uri="{909E8E84-426E-40dd-AFC4-6F175D3DCCD1}">
-              <a14:hiddenFill xmlns:a14="http://schemas.microsoft.com/office/drawing/2010/main" xmlns="">
+              <a14:hiddenFill xmlns="" xmlns:a14="http://schemas.microsoft.com/office/drawing/2010/main">
                 <a:solidFill>
                   <a:schemeClr val="accent1"/>
                 </a:solidFill>
               </a14:hiddenFill>
             </a:ext>
             <a:ext uri="{91240B29-F687-4f45-9708-019B960494DF}">
-              <a14:hiddenLine xmlns:a14="http://schemas.microsoft.com/office/drawing/2010/main" xmlns="" w="9525">
+              <a14:hiddenLine xmlns="" xmlns:a14="http://schemas.microsoft.com/office/drawing/2010/main" w="9525">
                 <a:solidFill>
                   <a:schemeClr val="tx1"/>
                 </a:solidFill>
@@ -3708,7 +4875,7 @@
               </a14:hiddenLine>
             </a:ext>
             <a:ext uri="{AF507438-7753-43e0-B8FC-AC1667EBCBE1}">
-              <a14:hiddenEffects xmlns:a14="http://schemas.microsoft.com/office/drawing/2010/main" xmlns="">
+              <a14:hiddenEffects xmlns="" xmlns:a14="http://schemas.microsoft.com/office/drawing/2010/main">
                 <a:effectLst>
                   <a:outerShdw blurRad="63500" dist="38099" dir="2700000" algn="ctr" rotWithShape="0">
                     <a:schemeClr val="bg2">
@@ -3773,17 +4940,17 @@
           <a:effectLst/>
           <a:extLst>
             <a:ext uri="{FAA26D3D-D897-4be2-8F04-BA451C77F1D7}">
-              <ma14:placeholderFlag xmlns="" xmlns:ma14="http://schemas.microsoft.com/office/mac/drawingml/2011/main" val="1"/>
+              <ma14:placeholderFlag xmlns:ma14="http://schemas.microsoft.com/office/mac/drawingml/2011/main" xmlns="" val="1"/>
             </a:ext>
             <a:ext uri="{909E8E84-426E-40dd-AFC4-6F175D3DCCD1}">
-              <a14:hiddenFill xmlns:a14="http://schemas.microsoft.com/office/drawing/2010/main" xmlns="">
+              <a14:hiddenFill xmlns="" xmlns:a14="http://schemas.microsoft.com/office/drawing/2010/main">
                 <a:solidFill>
                   <a:schemeClr val="accent1"/>
                 </a:solidFill>
               </a14:hiddenFill>
             </a:ext>
             <a:ext uri="{91240B29-F687-4f45-9708-019B960494DF}">
-              <a14:hiddenLine xmlns:a14="http://schemas.microsoft.com/office/drawing/2010/main" xmlns="" w="9525">
+              <a14:hiddenLine xmlns="" xmlns:a14="http://schemas.microsoft.com/office/drawing/2010/main" w="9525">
                 <a:solidFill>
                   <a:schemeClr val="tx1"/>
                 </a:solidFill>
@@ -3793,7 +4960,7 @@
               </a14:hiddenLine>
             </a:ext>
             <a:ext uri="{AF507438-7753-43e0-B8FC-AC1667EBCBE1}">
-              <a14:hiddenEffects xmlns:a14="http://schemas.microsoft.com/office/drawing/2010/main" xmlns="">
+              <a14:hiddenEffects xmlns="" xmlns:a14="http://schemas.microsoft.com/office/drawing/2010/main">
                 <a:effectLst>
                   <a:outerShdw blurRad="63500" dist="38099" dir="2700000" algn="ctr" rotWithShape="0">
                     <a:schemeClr val="bg2">
@@ -3895,17 +5062,17 @@
           <a:effectLst/>
           <a:extLst>
             <a:ext uri="{FAA26D3D-D897-4be2-8F04-BA451C77F1D7}">
-              <ma14:placeholderFlag xmlns="" xmlns:ma14="http://schemas.microsoft.com/office/mac/drawingml/2011/main" val="1"/>
+              <ma14:placeholderFlag xmlns:ma14="http://schemas.microsoft.com/office/mac/drawingml/2011/main" xmlns="" val="1"/>
             </a:ext>
             <a:ext uri="{909E8E84-426E-40dd-AFC4-6F175D3DCCD1}">
-              <a14:hiddenFill xmlns:a14="http://schemas.microsoft.com/office/drawing/2010/main" xmlns="">
+              <a14:hiddenFill xmlns="" xmlns:a14="http://schemas.microsoft.com/office/drawing/2010/main">
                 <a:solidFill>
                   <a:schemeClr val="accent1"/>
                 </a:solidFill>
               </a14:hiddenFill>
             </a:ext>
             <a:ext uri="{91240B29-F687-4f45-9708-019B960494DF}">
-              <a14:hiddenLine xmlns:a14="http://schemas.microsoft.com/office/drawing/2010/main" xmlns="" w="9525">
+              <a14:hiddenLine xmlns="" xmlns:a14="http://schemas.microsoft.com/office/drawing/2010/main" w="9525">
                 <a:solidFill>
                   <a:schemeClr val="tx1"/>
                 </a:solidFill>
@@ -3915,7 +5082,7 @@
               </a14:hiddenLine>
             </a:ext>
             <a:ext uri="{AF507438-7753-43e0-B8FC-AC1667EBCBE1}">
-              <a14:hiddenEffects xmlns:a14="http://schemas.microsoft.com/office/drawing/2010/main" xmlns="">
+              <a14:hiddenEffects xmlns="" xmlns:a14="http://schemas.microsoft.com/office/drawing/2010/main">
                 <a:effectLst>
                   <a:outerShdw blurRad="63500" dist="38099" dir="2700000" algn="ctr" rotWithShape="0">
                     <a:schemeClr val="bg2">
@@ -3980,17 +5147,17 @@
           <a:effectLst/>
           <a:extLst>
             <a:ext uri="{FAA26D3D-D897-4be2-8F04-BA451C77F1D7}">
-              <ma14:placeholderFlag xmlns="" xmlns:ma14="http://schemas.microsoft.com/office/mac/drawingml/2011/main" val="1"/>
+              <ma14:placeholderFlag xmlns:ma14="http://schemas.microsoft.com/office/mac/drawingml/2011/main" xmlns="" val="1"/>
             </a:ext>
             <a:ext uri="{909E8E84-426E-40dd-AFC4-6F175D3DCCD1}">
-              <a14:hiddenFill xmlns:a14="http://schemas.microsoft.com/office/drawing/2010/main" xmlns="">
+              <a14:hiddenFill xmlns="" xmlns:a14="http://schemas.microsoft.com/office/drawing/2010/main">
                 <a:solidFill>
                   <a:schemeClr val="accent1"/>
                 </a:solidFill>
               </a14:hiddenFill>
             </a:ext>
             <a:ext uri="{91240B29-F687-4f45-9708-019B960494DF}">
-              <a14:hiddenLine xmlns:a14="http://schemas.microsoft.com/office/drawing/2010/main" xmlns="" w="9525">
+              <a14:hiddenLine xmlns="" xmlns:a14="http://schemas.microsoft.com/office/drawing/2010/main" w="9525">
                 <a:solidFill>
                   <a:schemeClr val="tx1"/>
                 </a:solidFill>
@@ -4000,7 +5167,7 @@
               </a14:hiddenLine>
             </a:ext>
             <a:ext uri="{AF507438-7753-43e0-B8FC-AC1667EBCBE1}">
-              <a14:hiddenEffects xmlns:a14="http://schemas.microsoft.com/office/drawing/2010/main" xmlns="">
+              <a14:hiddenEffects xmlns="" xmlns:a14="http://schemas.microsoft.com/office/drawing/2010/main">
                 <a:effectLst>
                   <a:outerShdw blurRad="63500" dist="38099" dir="2700000" algn="ctr" rotWithShape="0">
                     <a:schemeClr val="bg2">
@@ -4070,7 +5237,7 @@
           <a:effectLst/>
           <a:extLst>
             <a:ext uri="{AF507438-7753-43e0-B8FC-AC1667EBCBE1}">
-              <a14:hiddenEffects xmlns:a14="http://schemas.microsoft.com/office/drawing/2010/main" xmlns="">
+              <a14:hiddenEffects xmlns="" xmlns:a14="http://schemas.microsoft.com/office/drawing/2010/main">
                 <a:effectLst>
                   <a:outerShdw blurRad="63500" dist="38099" dir="2700000" algn="ctr" rotWithShape="0">
                     <a:srgbClr val="000000">
@@ -4081,7 +5248,7 @@
               </a14:hiddenEffects>
             </a:ext>
             <a:ext uri="{53640926-AAD7-44d8-BBD7-CCE9431645EC}">
-              <a14:shadowObscured xmlns:a14="http://schemas.microsoft.com/office/drawing/2010/main" xmlns="" val="1"/>
+              <a14:shadowObscured xmlns="" xmlns:a14="http://schemas.microsoft.com/office/drawing/2010/main" val="1"/>
             </a:ext>
           </a:extLst>
         </p:spPr>
@@ -4111,17 +5278,17 @@
           <a:effectLst/>
           <a:extLst>
             <a:ext uri="{FAA26D3D-D897-4be2-8F04-BA451C77F1D7}">
-              <ma14:placeholderFlag xmlns="" xmlns:ma14="http://schemas.microsoft.com/office/mac/drawingml/2011/main" val="1"/>
+              <ma14:placeholderFlag xmlns:ma14="http://schemas.microsoft.com/office/mac/drawingml/2011/main" xmlns="" val="1"/>
             </a:ext>
             <a:ext uri="{909E8E84-426E-40dd-AFC4-6F175D3DCCD1}">
-              <a14:hiddenFill xmlns:a14="http://schemas.microsoft.com/office/drawing/2010/main" xmlns="">
+              <a14:hiddenFill xmlns="" xmlns:a14="http://schemas.microsoft.com/office/drawing/2010/main">
                 <a:solidFill>
                   <a:schemeClr val="accent1"/>
                 </a:solidFill>
               </a14:hiddenFill>
             </a:ext>
             <a:ext uri="{91240B29-F687-4f45-9708-019B960494DF}">
-              <a14:hiddenLine xmlns:a14="http://schemas.microsoft.com/office/drawing/2010/main" xmlns="" w="9525">
+              <a14:hiddenLine xmlns="" xmlns:a14="http://schemas.microsoft.com/office/drawing/2010/main" w="9525">
                 <a:solidFill>
                   <a:schemeClr val="tx1"/>
                 </a:solidFill>
@@ -4131,7 +5298,7 @@
               </a14:hiddenLine>
             </a:ext>
             <a:ext uri="{AF507438-7753-43e0-B8FC-AC1667EBCBE1}">
-              <a14:hiddenEffects xmlns:a14="http://schemas.microsoft.com/office/drawing/2010/main" xmlns="">
+              <a14:hiddenEffects xmlns="" xmlns:a14="http://schemas.microsoft.com/office/drawing/2010/main">
                 <a:effectLst>
                   <a:outerShdw blurRad="63500" dist="38099" dir="2700000" algn="ctr" rotWithShape="0">
                     <a:schemeClr val="bg2">
@@ -4212,17 +5379,17 @@
           <a:effectLst/>
           <a:extLst>
             <a:ext uri="{FAA26D3D-D897-4be2-8F04-BA451C77F1D7}">
-              <ma14:placeholderFlag xmlns="" xmlns:ma14="http://schemas.microsoft.com/office/mac/drawingml/2011/main" val="1"/>
+              <ma14:placeholderFlag xmlns:ma14="http://schemas.microsoft.com/office/mac/drawingml/2011/main" xmlns="" val="1"/>
             </a:ext>
             <a:ext uri="{909E8E84-426E-40dd-AFC4-6F175D3DCCD1}">
-              <a14:hiddenFill xmlns:a14="http://schemas.microsoft.com/office/drawing/2010/main" xmlns="">
+              <a14:hiddenFill xmlns="" xmlns:a14="http://schemas.microsoft.com/office/drawing/2010/main">
                 <a:solidFill>
                   <a:schemeClr val="accent1"/>
                 </a:solidFill>
               </a14:hiddenFill>
             </a:ext>
             <a:ext uri="{91240B29-F687-4f45-9708-019B960494DF}">
-              <a14:hiddenLine xmlns:a14="http://schemas.microsoft.com/office/drawing/2010/main" xmlns="" w="9525">
+              <a14:hiddenLine xmlns="" xmlns:a14="http://schemas.microsoft.com/office/drawing/2010/main" w="9525">
                 <a:solidFill>
                   <a:schemeClr val="tx1"/>
                 </a:solidFill>
@@ -4232,7 +5399,7 @@
               </a14:hiddenLine>
             </a:ext>
             <a:ext uri="{AF507438-7753-43e0-B8FC-AC1667EBCBE1}">
-              <a14:hiddenEffects xmlns:a14="http://schemas.microsoft.com/office/drawing/2010/main" xmlns="">
+              <a14:hiddenEffects xmlns="" xmlns:a14="http://schemas.microsoft.com/office/drawing/2010/main">
                 <a:effectLst>
                   <a:outerShdw blurRad="63500" dist="38099" dir="2700000" algn="ctr" rotWithShape="0">
                     <a:schemeClr val="bg2">
@@ -4297,17 +5464,17 @@
           <a:effectLst/>
           <a:extLst>
             <a:ext uri="{FAA26D3D-D897-4be2-8F04-BA451C77F1D7}">
-              <ma14:placeholderFlag xmlns="" xmlns:ma14="http://schemas.microsoft.com/office/mac/drawingml/2011/main" val="1"/>
+              <ma14:placeholderFlag xmlns:ma14="http://schemas.microsoft.com/office/mac/drawingml/2011/main" xmlns="" val="1"/>
             </a:ext>
             <a:ext uri="{909E8E84-426E-40dd-AFC4-6F175D3DCCD1}">
-              <a14:hiddenFill xmlns:a14="http://schemas.microsoft.com/office/drawing/2010/main" xmlns="">
+              <a14:hiddenFill xmlns="" xmlns:a14="http://schemas.microsoft.com/office/drawing/2010/main">
                 <a:solidFill>
                   <a:schemeClr val="accent1"/>
                 </a:solidFill>
               </a14:hiddenFill>
             </a:ext>
             <a:ext uri="{91240B29-F687-4f45-9708-019B960494DF}">
-              <a14:hiddenLine xmlns:a14="http://schemas.microsoft.com/office/drawing/2010/main" xmlns="" w="9525">
+              <a14:hiddenLine xmlns="" xmlns:a14="http://schemas.microsoft.com/office/drawing/2010/main" w="9525">
                 <a:solidFill>
                   <a:schemeClr val="tx1"/>
                 </a:solidFill>
@@ -4317,7 +5484,7 @@
               </a14:hiddenLine>
             </a:ext>
             <a:ext uri="{AF507438-7753-43e0-B8FC-AC1667EBCBE1}">
-              <a14:hiddenEffects xmlns:a14="http://schemas.microsoft.com/office/drawing/2010/main" xmlns="">
+              <a14:hiddenEffects xmlns="" xmlns:a14="http://schemas.microsoft.com/office/drawing/2010/main">
                 <a:effectLst>
                   <a:outerShdw blurRad="63500" dist="38099" dir="2700000" algn="ctr" rotWithShape="0">
                     <a:schemeClr val="bg2">
@@ -4831,6 +5998,91 @@
 </p:notes>
 </file>
 
+<file path=ppt/notesSlides/notesSlide5.xml><?xml version="1.0" encoding="utf-8"?>
+<p:notes xmlns:a="http://schemas.openxmlformats.org/drawingml/2006/main" xmlns:r="http://schemas.openxmlformats.org/officeDocument/2006/relationships" xmlns:p="http://schemas.openxmlformats.org/presentationml/2006/main">
+  <p:cSld>
+    <p:spTree>
+      <p:nvGrpSpPr>
+        <p:cNvPr id="1" name=""/>
+        <p:cNvGrpSpPr/>
+        <p:nvPr/>
+      </p:nvGrpSpPr>
+      <p:grpSpPr>
+        <a:xfrm>
+          <a:off x="0" y="0"/>
+          <a:ext cx="0" cy="0"/>
+          <a:chOff x="0" y="0"/>
+          <a:chExt cx="0" cy="0"/>
+        </a:xfrm>
+      </p:grpSpPr>
+      <p:sp>
+        <p:nvSpPr>
+          <p:cNvPr id="2" name="Folienbildplatzhalter 1"/>
+          <p:cNvSpPr>
+            <a:spLocks noGrp="1" noRot="1" noChangeAspect="1"/>
+          </p:cNvSpPr>
+          <p:nvPr>
+            <p:ph type="sldImg"/>
+          </p:nvPr>
+        </p:nvSpPr>
+        <p:spPr/>
+      </p:sp>
+      <p:sp>
+        <p:nvSpPr>
+          <p:cNvPr id="3" name="Notizenplatzhalter 2"/>
+          <p:cNvSpPr>
+            <a:spLocks noGrp="1"/>
+          </p:cNvSpPr>
+          <p:nvPr>
+            <p:ph type="body" idx="1"/>
+          </p:nvPr>
+        </p:nvSpPr>
+        <p:spPr/>
+        <p:txBody>
+          <a:bodyPr/>
+          <a:lstStyle/>
+          <a:p>
+            <a:endParaRPr lang="de-DE" dirty="0"/>
+          </a:p>
+        </p:txBody>
+      </p:sp>
+      <p:sp>
+        <p:nvSpPr>
+          <p:cNvPr id="4" name="Foliennummernplatzhalter 3"/>
+          <p:cNvSpPr>
+            <a:spLocks noGrp="1"/>
+          </p:cNvSpPr>
+          <p:nvPr>
+            <p:ph type="sldNum" sz="quarter" idx="10"/>
+          </p:nvPr>
+        </p:nvSpPr>
+        <p:spPr/>
+        <p:txBody>
+          <a:bodyPr/>
+          <a:lstStyle/>
+          <a:p>
+            <a:fld id="{699AB477-5AAB-4453-88E8-804CD7D1C478}" type="slidenum">
+              <a:rPr lang="de-DE" altLang="de-DE" smtClean="0"/>
+              <a:pPr/>
+              <a:t>19</a:t>
+            </a:fld>
+            <a:endParaRPr lang="de-DE" altLang="de-DE"/>
+          </a:p>
+        </p:txBody>
+      </p:sp>
+    </p:spTree>
+    <p:extLst>
+      <p:ext uri="{BB962C8B-B14F-4D97-AF65-F5344CB8AC3E}">
+        <p14:creationId xmlns:p14="http://schemas.microsoft.com/office/powerpoint/2010/main" val="2222310580"/>
+      </p:ext>
+    </p:extLst>
+  </p:cSld>
+  <p:clrMapOvr>
+    <a:masterClrMapping/>
+  </p:clrMapOvr>
+</p:notes>
+</file>
+
 <file path=ppt/slideLayouts/slideLayout1.xml><?xml version="1.0" encoding="utf-8"?>
 <p:sldLayout xmlns:a="http://schemas.openxmlformats.org/drawingml/2006/main" xmlns:r="http://schemas.openxmlformats.org/officeDocument/2006/relationships" xmlns:p="http://schemas.openxmlformats.org/presentationml/2006/main" type="title" preserve="1">
   <p:cSld name="Titelfolie">
@@ -4888,12 +6140,12 @@
           <a:effectLst/>
           <a:extLst>
             <a:ext uri="{909E8E84-426E-40dd-AFC4-6F175D3DCCD1}">
-              <a14:hiddenFill xmlns:a14="http://schemas.microsoft.com/office/drawing/2010/main" xmlns="">
+              <a14:hiddenFill xmlns="" xmlns:a14="http://schemas.microsoft.com/office/drawing/2010/main">
                 <a:noFill/>
               </a14:hiddenFill>
             </a:ext>
             <a:ext uri="{AF507438-7753-43e0-B8FC-AC1667EBCBE1}">
-              <a14:hiddenEffects xmlns:a14="http://schemas.microsoft.com/office/drawing/2010/main" xmlns="">
+              <a14:hiddenEffects xmlns="" xmlns:a14="http://schemas.microsoft.com/office/drawing/2010/main">
                 <a:effectLst>
                   <a:outerShdw blurRad="63500" dist="38099" dir="2700000" algn="ctr" rotWithShape="0">
                     <a:schemeClr val="bg2">
@@ -4947,12 +6199,12 @@
           <a:effectLst/>
           <a:extLst>
             <a:ext uri="{909E8E84-426E-40dd-AFC4-6F175D3DCCD1}">
-              <a14:hiddenFill xmlns:a14="http://schemas.microsoft.com/office/drawing/2010/main" xmlns="">
+              <a14:hiddenFill xmlns="" xmlns:a14="http://schemas.microsoft.com/office/drawing/2010/main">
                 <a:noFill/>
               </a14:hiddenFill>
             </a:ext>
             <a:ext uri="{AF507438-7753-43e0-B8FC-AC1667EBCBE1}">
-              <a14:hiddenEffects xmlns:a14="http://schemas.microsoft.com/office/drawing/2010/main" xmlns="">
+              <a14:hiddenEffects xmlns="" xmlns:a14="http://schemas.microsoft.com/office/drawing/2010/main">
                 <a:effectLst>
                   <a:outerShdw blurRad="63500" dist="38099" dir="2700000" algn="ctr" rotWithShape="0">
                     <a:schemeClr val="bg2">
@@ -5055,14 +6307,14 @@
           <a:effectLst/>
           <a:extLst>
             <a:ext uri="{909E8E84-426E-40dd-AFC4-6F175D3DCCD1}">
-              <a14:hiddenFill xmlns:a14="http://schemas.microsoft.com/office/drawing/2010/main" xmlns="">
+              <a14:hiddenFill xmlns="" xmlns:a14="http://schemas.microsoft.com/office/drawing/2010/main">
                 <a:solidFill>
                   <a:schemeClr val="accent1"/>
                 </a:solidFill>
               </a14:hiddenFill>
             </a:ext>
             <a:ext uri="{91240B29-F687-4f45-9708-019B960494DF}">
-              <a14:hiddenLine xmlns:a14="http://schemas.microsoft.com/office/drawing/2010/main" xmlns="" w="9525">
+              <a14:hiddenLine xmlns="" xmlns:a14="http://schemas.microsoft.com/office/drawing/2010/main" w="9525">
                 <a:solidFill>
                   <a:schemeClr val="tx1"/>
                 </a:solidFill>
@@ -5072,7 +6324,7 @@
               </a14:hiddenLine>
             </a:ext>
             <a:ext uri="{AF507438-7753-43e0-B8FC-AC1667EBCBE1}">
-              <a14:hiddenEffects xmlns:a14="http://schemas.microsoft.com/office/drawing/2010/main" xmlns="">
+              <a14:hiddenEffects xmlns="" xmlns:a14="http://schemas.microsoft.com/office/drawing/2010/main">
                 <a:effectLst>
                   <a:outerShdw blurRad="63500" dist="38099" dir="2700000" algn="ctr" rotWithShape="0">
                     <a:schemeClr val="bg2">
@@ -5437,17 +6689,17 @@
           </a:xfrm>
           <a:extLst>
             <a:ext uri="{FAA26D3D-D897-4be2-8F04-BA451C77F1D7}">
-              <ma14:placeholderFlag xmlns="" xmlns:ma14="http://schemas.microsoft.com/office/mac/drawingml/2011/main" val="1"/>
+              <ma14:placeholderFlag xmlns:ma14="http://schemas.microsoft.com/office/mac/drawingml/2011/main" xmlns="" val="1"/>
             </a:ext>
             <a:ext uri="{909E8E84-426E-40dd-AFC4-6F175D3DCCD1}">
-              <a14:hiddenFill xmlns:a14="http://schemas.microsoft.com/office/drawing/2010/main" xmlns="">
+              <a14:hiddenFill xmlns="" xmlns:a14="http://schemas.microsoft.com/office/drawing/2010/main">
                 <a:solidFill>
                   <a:schemeClr val="accent1"/>
                 </a:solidFill>
               </a14:hiddenFill>
             </a:ext>
             <a:ext uri="{91240B29-F687-4f45-9708-019B960494DF}">
-              <a14:hiddenLine xmlns:a14="http://schemas.microsoft.com/office/drawing/2010/main" xmlns="" w="9525">
+              <a14:hiddenLine xmlns="" xmlns:a14="http://schemas.microsoft.com/office/drawing/2010/main" w="9525">
                 <a:solidFill>
                   <a:schemeClr val="tx1"/>
                 </a:solidFill>
@@ -5457,7 +6709,7 @@
               </a14:hiddenLine>
             </a:ext>
             <a:ext uri="{AF507438-7753-43e0-B8FC-AC1667EBCBE1}">
-              <a14:hiddenEffects xmlns:a14="http://schemas.microsoft.com/office/drawing/2010/main" xmlns="">
+              <a14:hiddenEffects xmlns="" xmlns:a14="http://schemas.microsoft.com/office/drawing/2010/main">
                 <a:effectLst>
                   <a:outerShdw blurRad="63500" dist="38099" dir="2700000" algn="ctr" rotWithShape="0">
                     <a:schemeClr val="bg2">
@@ -7509,17 +8761,17 @@
           <a:effectLst/>
           <a:extLst>
             <a:ext uri="{FAA26D3D-D897-4be2-8F04-BA451C77F1D7}">
-              <ma14:placeholderFlag xmlns="" xmlns:ma14="http://schemas.microsoft.com/office/mac/drawingml/2011/main" val="1"/>
+              <ma14:placeholderFlag xmlns:ma14="http://schemas.microsoft.com/office/mac/drawingml/2011/main" xmlns="" val="1"/>
             </a:ext>
             <a:ext uri="{909E8E84-426E-40dd-AFC4-6F175D3DCCD1}">
-              <a14:hiddenFill xmlns:a14="http://schemas.microsoft.com/office/drawing/2010/main" xmlns="">
+              <a14:hiddenFill xmlns="" xmlns:a14="http://schemas.microsoft.com/office/drawing/2010/main">
                 <a:solidFill>
                   <a:schemeClr val="accent1"/>
                 </a:solidFill>
               </a14:hiddenFill>
             </a:ext>
             <a:ext uri="{91240B29-F687-4f45-9708-019B960494DF}">
-              <a14:hiddenLine xmlns:a14="http://schemas.microsoft.com/office/drawing/2010/main" xmlns="" w="9525">
+              <a14:hiddenLine xmlns="" xmlns:a14="http://schemas.microsoft.com/office/drawing/2010/main" w="9525">
                 <a:solidFill>
                   <a:schemeClr val="tx1"/>
                 </a:solidFill>
@@ -7529,7 +8781,7 @@
               </a14:hiddenLine>
             </a:ext>
             <a:ext uri="{AF507438-7753-43e0-B8FC-AC1667EBCBE1}">
-              <a14:hiddenEffects xmlns:a14="http://schemas.microsoft.com/office/drawing/2010/main" xmlns="">
+              <a14:hiddenEffects xmlns="" xmlns:a14="http://schemas.microsoft.com/office/drawing/2010/main">
                 <a:effectLst>
                   <a:outerShdw blurRad="63500" dist="38099" dir="2700000" algn="ctr" rotWithShape="0">
                     <a:schemeClr val="bg2">
@@ -7652,17 +8904,17 @@
           <a:effectLst/>
           <a:extLst>
             <a:ext uri="{FAA26D3D-D897-4be2-8F04-BA451C77F1D7}">
-              <ma14:placeholderFlag xmlns="" xmlns:ma14="http://schemas.microsoft.com/office/mac/drawingml/2011/main" val="1"/>
+              <ma14:placeholderFlag xmlns:ma14="http://schemas.microsoft.com/office/mac/drawingml/2011/main" xmlns="" val="1"/>
             </a:ext>
             <a:ext uri="{909E8E84-426E-40dd-AFC4-6F175D3DCCD1}">
-              <a14:hiddenFill xmlns:a14="http://schemas.microsoft.com/office/drawing/2010/main" xmlns="">
+              <a14:hiddenFill xmlns="" xmlns:a14="http://schemas.microsoft.com/office/drawing/2010/main">
                 <a:solidFill>
                   <a:schemeClr val="accent1"/>
                 </a:solidFill>
               </a14:hiddenFill>
             </a:ext>
             <a:ext uri="{91240B29-F687-4f45-9708-019B960494DF}">
-              <a14:hiddenLine xmlns:a14="http://schemas.microsoft.com/office/drawing/2010/main" xmlns="" w="9525">
+              <a14:hiddenLine xmlns="" xmlns:a14="http://schemas.microsoft.com/office/drawing/2010/main" w="9525">
                 <a:solidFill>
                   <a:schemeClr val="tx1"/>
                 </a:solidFill>
@@ -7672,7 +8924,7 @@
               </a14:hiddenLine>
             </a:ext>
             <a:ext uri="{AF507438-7753-43e0-B8FC-AC1667EBCBE1}">
-              <a14:hiddenEffects xmlns:a14="http://schemas.microsoft.com/office/drawing/2010/main" xmlns="">
+              <a14:hiddenEffects xmlns="" xmlns:a14="http://schemas.microsoft.com/office/drawing/2010/main">
                 <a:effectLst>
                   <a:outerShdw blurRad="63500" dist="38099" dir="2700000" algn="ctr" rotWithShape="0">
                     <a:schemeClr val="bg2">
@@ -7725,17 +8977,17 @@
           <a:effectLst/>
           <a:extLst>
             <a:ext uri="{FAA26D3D-D897-4be2-8F04-BA451C77F1D7}">
-              <ma14:placeholderFlag xmlns="" xmlns:ma14="http://schemas.microsoft.com/office/mac/drawingml/2011/main" val="1"/>
+              <ma14:placeholderFlag xmlns:ma14="http://schemas.microsoft.com/office/mac/drawingml/2011/main" xmlns="" val="1"/>
             </a:ext>
             <a:ext uri="{909E8E84-426E-40dd-AFC4-6F175D3DCCD1}">
-              <a14:hiddenFill xmlns:a14="http://schemas.microsoft.com/office/drawing/2010/main" xmlns="">
+              <a14:hiddenFill xmlns="" xmlns:a14="http://schemas.microsoft.com/office/drawing/2010/main">
                 <a:solidFill>
                   <a:schemeClr val="accent1"/>
                 </a:solidFill>
               </a14:hiddenFill>
             </a:ext>
             <a:ext uri="{91240B29-F687-4f45-9708-019B960494DF}">
-              <a14:hiddenLine xmlns:a14="http://schemas.microsoft.com/office/drawing/2010/main" xmlns="" w="9525">
+              <a14:hiddenLine xmlns="" xmlns:a14="http://schemas.microsoft.com/office/drawing/2010/main" w="9525">
                 <a:solidFill>
                   <a:schemeClr val="tx1"/>
                 </a:solidFill>
@@ -7745,7 +8997,7 @@
               </a14:hiddenLine>
             </a:ext>
             <a:ext uri="{AF507438-7753-43e0-B8FC-AC1667EBCBE1}">
-              <a14:hiddenEffects xmlns:a14="http://schemas.microsoft.com/office/drawing/2010/main" xmlns="">
+              <a14:hiddenEffects xmlns="" xmlns:a14="http://schemas.microsoft.com/office/drawing/2010/main">
                 <a:effectLst>
                   <a:outerShdw blurRad="63500" dist="38099" dir="2700000" algn="ctr" rotWithShape="0">
                     <a:schemeClr val="bg2">
@@ -8269,14 +9521,14 @@
           <a:effectLst/>
           <a:extLst>
             <a:ext uri="{909E8E84-426E-40dd-AFC4-6F175D3DCCD1}">
-              <a14:hiddenFill xmlns:a14="http://schemas.microsoft.com/office/drawing/2010/main" xmlns="">
+              <a14:hiddenFill xmlns="" xmlns:a14="http://schemas.microsoft.com/office/drawing/2010/main">
                 <a:solidFill>
                   <a:schemeClr val="accent1"/>
                 </a:solidFill>
               </a14:hiddenFill>
             </a:ext>
             <a:ext uri="{91240B29-F687-4f45-9708-019B960494DF}">
-              <a14:hiddenLine xmlns:a14="http://schemas.microsoft.com/office/drawing/2010/main" xmlns="" w="9525">
+              <a14:hiddenLine xmlns="" xmlns:a14="http://schemas.microsoft.com/office/drawing/2010/main" w="9525">
                 <a:solidFill>
                   <a:schemeClr val="tx1"/>
                 </a:solidFill>
@@ -8286,7 +9538,7 @@
               </a14:hiddenLine>
             </a:ext>
             <a:ext uri="{AF507438-7753-43e0-B8FC-AC1667EBCBE1}">
-              <a14:hiddenEffects xmlns:a14="http://schemas.microsoft.com/office/drawing/2010/main" xmlns="">
+              <a14:hiddenEffects xmlns="" xmlns:a14="http://schemas.microsoft.com/office/drawing/2010/main">
                 <a:effectLst>
                   <a:outerShdw blurRad="63500" dist="38099" dir="2700000" algn="ctr" rotWithShape="0">
                     <a:schemeClr val="bg2">
@@ -8437,17 +9689,17 @@
         <p:spPr>
           <a:extLst>
             <a:ext uri="{FAA26D3D-D897-4be2-8F04-BA451C77F1D7}">
-              <ma14:placeholderFlag xmlns="" xmlns:ma14="http://schemas.microsoft.com/office/mac/drawingml/2011/main" val="1"/>
+              <ma14:placeholderFlag xmlns:ma14="http://schemas.microsoft.com/office/mac/drawingml/2011/main" xmlns="" val="1"/>
             </a:ext>
             <a:ext uri="{909E8E84-426E-40dd-AFC4-6F175D3DCCD1}">
-              <a14:hiddenFill xmlns:a14="http://schemas.microsoft.com/office/drawing/2010/main" xmlns="">
+              <a14:hiddenFill xmlns="" xmlns:a14="http://schemas.microsoft.com/office/drawing/2010/main">
                 <a:solidFill>
                   <a:schemeClr val="accent1"/>
                 </a:solidFill>
               </a14:hiddenFill>
             </a:ext>
             <a:ext uri="{91240B29-F687-4f45-9708-019B960494DF}">
-              <a14:hiddenLine xmlns:a14="http://schemas.microsoft.com/office/drawing/2010/main" xmlns="" w="9525">
+              <a14:hiddenLine xmlns="" xmlns:a14="http://schemas.microsoft.com/office/drawing/2010/main" w="9525">
                 <a:solidFill>
                   <a:schemeClr val="tx1"/>
                 </a:solidFill>
@@ -8457,7 +9709,7 @@
               </a14:hiddenLine>
             </a:ext>
             <a:ext uri="{AF507438-7753-43e0-B8FC-AC1667EBCBE1}">
-              <a14:hiddenEffects xmlns:a14="http://schemas.microsoft.com/office/drawing/2010/main" xmlns="">
+              <a14:hiddenEffects xmlns="" xmlns:a14="http://schemas.microsoft.com/office/drawing/2010/main">
                 <a:effectLst>
                   <a:outerShdw blurRad="63500" dist="38099" dir="2700000" algn="ctr" rotWithShape="0">
                     <a:schemeClr val="bg2">
@@ -8520,17 +9772,17 @@
           </a:xfrm>
           <a:extLst>
             <a:ext uri="{FAA26D3D-D897-4be2-8F04-BA451C77F1D7}">
-              <ma14:placeholderFlag xmlns="" xmlns:ma14="http://schemas.microsoft.com/office/mac/drawingml/2011/main" val="1"/>
+              <ma14:placeholderFlag xmlns:ma14="http://schemas.microsoft.com/office/mac/drawingml/2011/main" xmlns="" val="1"/>
             </a:ext>
             <a:ext uri="{909E8E84-426E-40dd-AFC4-6F175D3DCCD1}">
-              <a14:hiddenFill xmlns:a14="http://schemas.microsoft.com/office/drawing/2010/main" xmlns="">
+              <a14:hiddenFill xmlns="" xmlns:a14="http://schemas.microsoft.com/office/drawing/2010/main">
                 <a:solidFill>
                   <a:schemeClr val="accent1"/>
                 </a:solidFill>
               </a14:hiddenFill>
             </a:ext>
             <a:ext uri="{91240B29-F687-4f45-9708-019B960494DF}">
-              <a14:hiddenLine xmlns:a14="http://schemas.microsoft.com/office/drawing/2010/main" xmlns="" w="9525">
+              <a14:hiddenLine xmlns="" xmlns:a14="http://schemas.microsoft.com/office/drawing/2010/main" w="9525">
                 <a:solidFill>
                   <a:schemeClr val="tx1"/>
                 </a:solidFill>
@@ -8540,7 +9792,7 @@
               </a14:hiddenLine>
             </a:ext>
             <a:ext uri="{AF507438-7753-43e0-B8FC-AC1667EBCBE1}">
-              <a14:hiddenEffects xmlns:a14="http://schemas.microsoft.com/office/drawing/2010/main" xmlns="">
+              <a14:hiddenEffects xmlns="" xmlns:a14="http://schemas.microsoft.com/office/drawing/2010/main">
                 <a:effectLst>
                   <a:outerShdw blurRad="63500" dist="38099" dir="2700000" algn="ctr" rotWithShape="0">
                     <a:schemeClr val="bg2">
@@ -8648,10 +9900,16 @@
               <a:t>Memory </a:t>
             </a:r>
             <a:r>
+              <a:rPr lang="de-DE" altLang="de-DE" dirty="0" err="1">
+                <a:latin typeface="Univers Light" pitchFamily="-84" charset="0"/>
+              </a:rPr>
+              <a:t>S</a:t>
+            </a:r>
+            <a:r>
               <a:rPr lang="de-DE" altLang="de-DE" dirty="0" err="1" smtClean="0">
                 <a:latin typeface="Univers Light" pitchFamily="-84" charset="0"/>
               </a:rPr>
-              <a:t>scheme</a:t>
+              <a:t>cheme</a:t>
             </a:r>
             <a:r>
               <a:rPr lang="de-DE" altLang="de-DE" dirty="0" smtClean="0">
@@ -8696,10 +9954,16 @@
               <a:t> </a:t>
             </a:r>
             <a:r>
+              <a:rPr lang="de-DE" altLang="de-DE" dirty="0" err="1">
+                <a:latin typeface="Univers Light" pitchFamily="-84" charset="0"/>
+              </a:rPr>
+              <a:t>A</a:t>
+            </a:r>
+            <a:r>
               <a:rPr lang="de-DE" altLang="de-DE" dirty="0" err="1" smtClean="0">
                 <a:latin typeface="Univers Light" pitchFamily="-84" charset="0"/>
               </a:rPr>
-              <a:t>architecture</a:t>
+              <a:t>rchitecture</a:t>
             </a:r>
             <a:endParaRPr lang="de-DE" altLang="de-DE" dirty="0" smtClean="0">
               <a:latin typeface="Univers Light" pitchFamily="-84" charset="0"/>
@@ -8730,14 +9994,14 @@
           <a:effectLst/>
           <a:extLst>
             <a:ext uri="{909E8E84-426E-40dd-AFC4-6F175D3DCCD1}">
-              <a14:hiddenFill xmlns:a14="http://schemas.microsoft.com/office/drawing/2010/main" xmlns="">
+              <a14:hiddenFill xmlns="" xmlns:a14="http://schemas.microsoft.com/office/drawing/2010/main">
                 <a:solidFill>
                   <a:schemeClr val="accent1"/>
                 </a:solidFill>
               </a14:hiddenFill>
             </a:ext>
             <a:ext uri="{91240B29-F687-4f45-9708-019B960494DF}">
-              <a14:hiddenLine xmlns:a14="http://schemas.microsoft.com/office/drawing/2010/main" xmlns="" w="9525">
+              <a14:hiddenLine xmlns="" xmlns:a14="http://schemas.microsoft.com/office/drawing/2010/main" w="9525">
                 <a:solidFill>
                   <a:schemeClr val="tx1"/>
                 </a:solidFill>
@@ -8747,7 +10011,7 @@
               </a14:hiddenLine>
             </a:ext>
             <a:ext uri="{AF507438-7753-43e0-B8FC-AC1667EBCBE1}">
-              <a14:hiddenEffects xmlns:a14="http://schemas.microsoft.com/office/drawing/2010/main" xmlns="">
+              <a14:hiddenEffects xmlns="" xmlns:a14="http://schemas.microsoft.com/office/drawing/2010/main">
                 <a:effectLst>
                   <a:outerShdw blurRad="63500" dist="38099" dir="2700000" algn="ctr" rotWithShape="0">
                     <a:schemeClr val="bg2">
@@ -8812,17 +10076,17 @@
           <a:effectLst/>
           <a:extLst>
             <a:ext uri="{FAA26D3D-D897-4be2-8F04-BA451C77F1D7}">
-              <ma14:placeholderFlag xmlns="" xmlns:ma14="http://schemas.microsoft.com/office/mac/drawingml/2011/main" val="1"/>
+              <ma14:placeholderFlag xmlns:ma14="http://schemas.microsoft.com/office/mac/drawingml/2011/main" xmlns="" val="1"/>
             </a:ext>
             <a:ext uri="{909E8E84-426E-40dd-AFC4-6F175D3DCCD1}">
-              <a14:hiddenFill xmlns:a14="http://schemas.microsoft.com/office/drawing/2010/main" xmlns="">
+              <a14:hiddenFill xmlns="" xmlns:a14="http://schemas.microsoft.com/office/drawing/2010/main">
                 <a:solidFill>
                   <a:schemeClr val="accent1"/>
                 </a:solidFill>
               </a14:hiddenFill>
             </a:ext>
             <a:ext uri="{91240B29-F687-4f45-9708-019B960494DF}">
-              <a14:hiddenLine xmlns:a14="http://schemas.microsoft.com/office/drawing/2010/main" xmlns="" w="9525">
+              <a14:hiddenLine xmlns="" xmlns:a14="http://schemas.microsoft.com/office/drawing/2010/main" w="9525">
                 <a:solidFill>
                   <a:schemeClr val="tx1"/>
                 </a:solidFill>
@@ -8832,7 +10096,7 @@
               </a14:hiddenLine>
             </a:ext>
             <a:ext uri="{AF507438-7753-43e0-B8FC-AC1667EBCBE1}">
-              <a14:hiddenEffects xmlns:a14="http://schemas.microsoft.com/office/drawing/2010/main" xmlns="">
+              <a14:hiddenEffects xmlns="" xmlns:a14="http://schemas.microsoft.com/office/drawing/2010/main">
                 <a:effectLst>
                   <a:outerShdw blurRad="63500" dist="38099" dir="2700000" algn="ctr" rotWithShape="0">
                     <a:schemeClr val="bg2">
@@ -9038,8 +10302,12 @@
           <a:p>
             <a:pPr lvl="1"/>
             <a:r>
+              <a:rPr lang="en-US" dirty="0" smtClean="0"/>
+              <a:t>Flat </a:t>
+            </a:r>
+            <a:r>
               <a:rPr lang="en-US" dirty="0"/>
-              <a:t>flat 32 bit address space split into 4096 1-MiB </a:t>
+              <a:t>32 bit address space split into 4096 1-MiB </a:t>
             </a:r>
             <a:r>
               <a:rPr lang="en-US" dirty="0" smtClean="0"/>
@@ -9137,18 +10405,22 @@
           <a:lstStyle/>
           <a:p>
             <a:r>
-              <a:rPr lang="en-US"/>
+              <a:rPr lang="en-US" dirty="0"/>
               <a:t>Example: </a:t>
             </a:r>
             <a:r>
-              <a:rPr lang="de-DE"/>
+              <a:rPr lang="de-DE" dirty="0" err="1"/>
               <a:t>Parallella</a:t>
             </a:r>
             <a:r>
-              <a:rPr lang="en-US"/>
-              <a:t> as a cluster</a:t>
-            </a:r>
-            <a:endParaRPr lang="de-DE"/>
+              <a:rPr lang="en-US" dirty="0"/>
+              <a:t> as </a:t>
+            </a:r>
+            <a:r>
+              <a:rPr lang="en-US" dirty="0" smtClean="0"/>
+              <a:t>a Cluster</a:t>
+            </a:r>
+            <a:endParaRPr lang="de-DE" dirty="0"/>
           </a:p>
         </p:txBody>
       </p:sp>
@@ -9205,17 +10477,17 @@
           <a:effectLst/>
           <a:extLst>
             <a:ext uri="{FAA26D3D-D897-4be2-8F04-BA451C77F1D7}">
-              <ma14:placeholderFlag xmlns="" xmlns:ma14="http://schemas.microsoft.com/office/mac/drawingml/2011/main" val="1"/>
+              <ma14:placeholderFlag xmlns:ma14="http://schemas.microsoft.com/office/mac/drawingml/2011/main" xmlns="" val="1"/>
             </a:ext>
             <a:ext uri="{909E8E84-426E-40dd-AFC4-6F175D3DCCD1}">
-              <a14:hiddenFill xmlns:a14="http://schemas.microsoft.com/office/drawing/2010/main" xmlns="">
+              <a14:hiddenFill xmlns="" xmlns:a14="http://schemas.microsoft.com/office/drawing/2010/main">
                 <a:solidFill>
                   <a:schemeClr val="accent1"/>
                 </a:solidFill>
               </a14:hiddenFill>
             </a:ext>
             <a:ext uri="{91240B29-F687-4f45-9708-019B960494DF}">
-              <a14:hiddenLine xmlns:a14="http://schemas.microsoft.com/office/drawing/2010/main" xmlns="" w="9525">
+              <a14:hiddenLine xmlns="" xmlns:a14="http://schemas.microsoft.com/office/drawing/2010/main" w="9525">
                 <a:solidFill>
                   <a:schemeClr val="tx1"/>
                 </a:solidFill>
@@ -9225,7 +10497,7 @@
               </a14:hiddenLine>
             </a:ext>
             <a:ext uri="{AF507438-7753-43e0-B8FC-AC1667EBCBE1}">
-              <a14:hiddenEffects xmlns:a14="http://schemas.microsoft.com/office/drawing/2010/main" xmlns="">
+              <a14:hiddenEffects xmlns="" xmlns:a14="http://schemas.microsoft.com/office/drawing/2010/main">
                 <a:effectLst>
                   <a:outerShdw blurRad="63500" dist="38099" dir="2700000" algn="ctr" rotWithShape="0">
                     <a:schemeClr val="bg2">
@@ -9473,14 +10745,14 @@
           <a:effectLst/>
           <a:extLst>
             <a:ext uri="{909E8E84-426E-40dd-AFC4-6F175D3DCCD1}">
-              <a14:hiddenFill xmlns:a14="http://schemas.microsoft.com/office/drawing/2010/main" xmlns="">
+              <a14:hiddenFill xmlns="" xmlns:a14="http://schemas.microsoft.com/office/drawing/2010/main">
                 <a:solidFill>
                   <a:schemeClr val="accent1"/>
                 </a:solidFill>
               </a14:hiddenFill>
             </a:ext>
             <a:ext uri="{91240B29-F687-4f45-9708-019B960494DF}">
-              <a14:hiddenLine xmlns:a14="http://schemas.microsoft.com/office/drawing/2010/main" xmlns="" w="9525">
+              <a14:hiddenLine xmlns="" xmlns:a14="http://schemas.microsoft.com/office/drawing/2010/main" w="9525">
                 <a:solidFill>
                   <a:schemeClr val="tx1"/>
                 </a:solidFill>
@@ -9490,7 +10762,7 @@
               </a14:hiddenLine>
             </a:ext>
             <a:ext uri="{AF507438-7753-43e0-B8FC-AC1667EBCBE1}">
-              <a14:hiddenEffects xmlns:a14="http://schemas.microsoft.com/office/drawing/2010/main" xmlns="">
+              <a14:hiddenEffects xmlns="" xmlns:a14="http://schemas.microsoft.com/office/drawing/2010/main">
                 <a:effectLst>
                   <a:outerShdw blurRad="63500" dist="38099" dir="2700000" algn="ctr" rotWithShape="0">
                     <a:schemeClr val="bg2">
@@ -9590,7 +10862,7 @@
             </a:r>
             <a:r>
               <a:rPr lang="de-DE" dirty="0" err="1" smtClean="0"/>
-              <a:t>ideas</a:t>
+              <a:t>Ideas</a:t>
             </a:r>
             <a:r>
               <a:rPr lang="de-DE" dirty="0" smtClean="0"/>
@@ -9613,8 +10885,12 @@
               <a:t> </a:t>
             </a:r>
             <a:r>
+              <a:rPr lang="de-DE" dirty="0" err="1"/>
+              <a:t>A</a:t>
+            </a:r>
+            <a:r>
               <a:rPr lang="de-DE" dirty="0" err="1" smtClean="0"/>
-              <a:t>architecture</a:t>
+              <a:t>rchitecture</a:t>
             </a:r>
             <a:endParaRPr lang="de-DE" dirty="0"/>
           </a:p>
@@ -9673,14 +10949,14 @@
           <a:effectLst/>
           <a:extLst>
             <a:ext uri="{909E8E84-426E-40dd-AFC4-6F175D3DCCD1}">
-              <a14:hiddenFill xmlns:a14="http://schemas.microsoft.com/office/drawing/2010/main" xmlns="">
+              <a14:hiddenFill xmlns="" xmlns:a14="http://schemas.microsoft.com/office/drawing/2010/main">
                 <a:solidFill>
                   <a:schemeClr val="accent1"/>
                 </a:solidFill>
               </a14:hiddenFill>
             </a:ext>
             <a:ext uri="{91240B29-F687-4f45-9708-019B960494DF}">
-              <a14:hiddenLine xmlns:a14="http://schemas.microsoft.com/office/drawing/2010/main" xmlns="" w="9525">
+              <a14:hiddenLine xmlns="" xmlns:a14="http://schemas.microsoft.com/office/drawing/2010/main" w="9525">
                 <a:solidFill>
                   <a:schemeClr val="tx1"/>
                 </a:solidFill>
@@ -9690,7 +10966,7 @@
               </a14:hiddenLine>
             </a:ext>
             <a:ext uri="{AF507438-7753-43e0-B8FC-AC1667EBCBE1}">
-              <a14:hiddenEffects xmlns:a14="http://schemas.microsoft.com/office/drawing/2010/main" xmlns="">
+              <a14:hiddenEffects xmlns="" xmlns:a14="http://schemas.microsoft.com/office/drawing/2010/main">
                 <a:effectLst>
                   <a:outerShdw blurRad="63500" dist="38099" dir="2700000" algn="ctr" rotWithShape="0">
                     <a:schemeClr val="bg2">
@@ -9835,17 +11111,17 @@
           <a:effectLst/>
           <a:extLst>
             <a:ext uri="{FAA26D3D-D897-4be2-8F04-BA451C77F1D7}">
-              <ma14:placeholderFlag xmlns="" xmlns:ma14="http://schemas.microsoft.com/office/mac/drawingml/2011/main" val="1"/>
+              <ma14:placeholderFlag xmlns:ma14="http://schemas.microsoft.com/office/mac/drawingml/2011/main" xmlns="" val="1"/>
             </a:ext>
             <a:ext uri="{909E8E84-426E-40dd-AFC4-6F175D3DCCD1}">
-              <a14:hiddenFill xmlns:a14="http://schemas.microsoft.com/office/drawing/2010/main" xmlns="">
+              <a14:hiddenFill xmlns="" xmlns:a14="http://schemas.microsoft.com/office/drawing/2010/main">
                 <a:solidFill>
                   <a:schemeClr val="accent1"/>
                 </a:solidFill>
               </a14:hiddenFill>
             </a:ext>
             <a:ext uri="{91240B29-F687-4f45-9708-019B960494DF}">
-              <a14:hiddenLine xmlns:a14="http://schemas.microsoft.com/office/drawing/2010/main" xmlns="" w="9525">
+              <a14:hiddenLine xmlns="" xmlns:a14="http://schemas.microsoft.com/office/drawing/2010/main" w="9525">
                 <a:solidFill>
                   <a:schemeClr val="tx1"/>
                 </a:solidFill>
@@ -9855,7 +11131,7 @@
               </a14:hiddenLine>
             </a:ext>
             <a:ext uri="{AF507438-7753-43e0-B8FC-AC1667EBCBE1}">
-              <a14:hiddenEffects xmlns:a14="http://schemas.microsoft.com/office/drawing/2010/main" xmlns="">
+              <a14:hiddenEffects xmlns="" xmlns:a14="http://schemas.microsoft.com/office/drawing/2010/main">
                 <a:effectLst>
                   <a:outerShdw blurRad="63500" dist="38099" dir="2700000" algn="ctr" rotWithShape="0">
                     <a:schemeClr val="bg2">
@@ -10121,14 +11397,14 @@
           <a:effectLst/>
           <a:extLst>
             <a:ext uri="{909E8E84-426E-40dd-AFC4-6F175D3DCCD1}">
-              <a14:hiddenFill xmlns:a14="http://schemas.microsoft.com/office/drawing/2010/main" xmlns="">
+              <a14:hiddenFill xmlns="" xmlns:a14="http://schemas.microsoft.com/office/drawing/2010/main">
                 <a:solidFill>
                   <a:schemeClr val="accent1"/>
                 </a:solidFill>
               </a14:hiddenFill>
             </a:ext>
             <a:ext uri="{91240B29-F687-4f45-9708-019B960494DF}">
-              <a14:hiddenLine xmlns:a14="http://schemas.microsoft.com/office/drawing/2010/main" xmlns="" w="9525" cap="flat" cmpd="sng" algn="ctr">
+              <a14:hiddenLine xmlns="" xmlns:a14="http://schemas.microsoft.com/office/drawing/2010/main" w="9525" cap="flat" cmpd="sng" algn="ctr">
                 <a:solidFill>
                   <a:schemeClr val="tx1"/>
                 </a:solidFill>
@@ -10139,7 +11415,7 @@
               </a14:hiddenLine>
             </a:ext>
             <a:ext uri="{AF507438-7753-43e0-B8FC-AC1667EBCBE1}">
-              <a14:hiddenEffects xmlns:a14="http://schemas.microsoft.com/office/drawing/2010/main" xmlns="">
+              <a14:hiddenEffects xmlns="" xmlns:a14="http://schemas.microsoft.com/office/drawing/2010/main">
                 <a:effectLst>
                   <a:outerShdw blurRad="63500" dist="35921" dir="2700000" algn="ctr" rotWithShape="0">
                     <a:schemeClr val="bg2"/>
@@ -10211,14 +11487,14 @@
           </a:ln>
           <a:extLst>
             <a:ext uri="{909E8E84-426E-40dd-AFC4-6F175D3DCCD1}">
-              <a14:hiddenFill xmlns:a14="http://schemas.microsoft.com/office/drawing/2010/main" xmlns="">
+              <a14:hiddenFill xmlns="" xmlns:a14="http://schemas.microsoft.com/office/drawing/2010/main">
                 <a:solidFill>
                   <a:schemeClr val="accent1"/>
                 </a:solidFill>
               </a14:hiddenFill>
             </a:ext>
             <a:ext uri="{91240B29-F687-4f45-9708-019B960494DF}">
-              <a14:hiddenLine xmlns:a14="http://schemas.microsoft.com/office/drawing/2010/main" xmlns="" w="9525" cap="flat" cmpd="sng" algn="ctr">
+              <a14:hiddenLine xmlns="" xmlns:a14="http://schemas.microsoft.com/office/drawing/2010/main" w="9525" cap="flat" cmpd="sng" algn="ctr">
                 <a:solidFill>
                   <a:schemeClr val="tx1"/>
                 </a:solidFill>
@@ -10229,7 +11505,7 @@
               </a14:hiddenLine>
             </a:ext>
             <a:ext uri="{AF507438-7753-43e0-B8FC-AC1667EBCBE1}">
-              <a14:hiddenEffects xmlns:a14="http://schemas.microsoft.com/office/drawing/2010/main" xmlns="">
+              <a14:hiddenEffects xmlns="" xmlns:a14="http://schemas.microsoft.com/office/drawing/2010/main">
                 <a:effectLst>
                   <a:outerShdw blurRad="63500" dist="35921" dir="2700000" algn="ctr" rotWithShape="0">
                     <a:schemeClr val="bg2"/>
@@ -10443,14 +11719,14 @@
           </a:ln>
           <a:extLst>
             <a:ext uri="{909E8E84-426E-40dd-AFC4-6F175D3DCCD1}">
-              <a14:hiddenFill xmlns:a14="http://schemas.microsoft.com/office/drawing/2010/main" xmlns="">
+              <a14:hiddenFill xmlns="" xmlns:a14="http://schemas.microsoft.com/office/drawing/2010/main">
                 <a:solidFill>
                   <a:schemeClr val="accent1"/>
                 </a:solidFill>
               </a14:hiddenFill>
             </a:ext>
             <a:ext uri="{91240B29-F687-4f45-9708-019B960494DF}">
-              <a14:hiddenLine xmlns:a14="http://schemas.microsoft.com/office/drawing/2010/main" xmlns="" w="9525" cap="flat" cmpd="sng" algn="ctr">
+              <a14:hiddenLine xmlns="" xmlns:a14="http://schemas.microsoft.com/office/drawing/2010/main" w="9525" cap="flat" cmpd="sng" algn="ctr">
                 <a:solidFill>
                   <a:schemeClr val="tx1"/>
                 </a:solidFill>
@@ -10461,7 +11737,7 @@
               </a14:hiddenLine>
             </a:ext>
             <a:ext uri="{AF507438-7753-43e0-B8FC-AC1667EBCBE1}">
-              <a14:hiddenEffects xmlns:a14="http://schemas.microsoft.com/office/drawing/2010/main" xmlns="">
+              <a14:hiddenEffects xmlns="" xmlns:a14="http://schemas.microsoft.com/office/drawing/2010/main">
                 <a:effectLst>
                   <a:outerShdw blurRad="63500" dist="35921" dir="2700000" algn="ctr" rotWithShape="0">
                     <a:schemeClr val="bg2"/>
@@ -10618,14 +11894,14 @@
           <a:effectLst/>
           <a:extLst>
             <a:ext uri="{909E8E84-426E-40dd-AFC4-6F175D3DCCD1}">
-              <a14:hiddenFill xmlns:a14="http://schemas.microsoft.com/office/drawing/2010/main" xmlns="">
+              <a14:hiddenFill xmlns="" xmlns:a14="http://schemas.microsoft.com/office/drawing/2010/main">
                 <a:solidFill>
                   <a:schemeClr val="accent1"/>
                 </a:solidFill>
               </a14:hiddenFill>
             </a:ext>
             <a:ext uri="{91240B29-F687-4f45-9708-019B960494DF}">
-              <a14:hiddenLine xmlns:a14="http://schemas.microsoft.com/office/drawing/2010/main" xmlns="" w="9525" cap="flat" cmpd="sng" algn="ctr">
+              <a14:hiddenLine xmlns="" xmlns:a14="http://schemas.microsoft.com/office/drawing/2010/main" w="9525" cap="flat" cmpd="sng" algn="ctr">
                 <a:solidFill>
                   <a:schemeClr val="tx1"/>
                 </a:solidFill>
@@ -10636,7 +11912,7 @@
               </a14:hiddenLine>
             </a:ext>
             <a:ext uri="{AF507438-7753-43e0-B8FC-AC1667EBCBE1}">
-              <a14:hiddenEffects xmlns:a14="http://schemas.microsoft.com/office/drawing/2010/main" xmlns="">
+              <a14:hiddenEffects xmlns="" xmlns:a14="http://schemas.microsoft.com/office/drawing/2010/main">
                 <a:effectLst>
                   <a:outerShdw blurRad="63500" dist="35921" dir="2700000" algn="ctr" rotWithShape="0">
                     <a:schemeClr val="bg2"/>
@@ -10753,14 +12029,14 @@
           <a:effectLst/>
           <a:extLst>
             <a:ext uri="{909E8E84-426E-40dd-AFC4-6F175D3DCCD1}">
-              <a14:hiddenFill xmlns:a14="http://schemas.microsoft.com/office/drawing/2010/main" xmlns="">
+              <a14:hiddenFill xmlns="" xmlns:a14="http://schemas.microsoft.com/office/drawing/2010/main">
                 <a:solidFill>
                   <a:schemeClr val="accent1"/>
                 </a:solidFill>
               </a14:hiddenFill>
             </a:ext>
             <a:ext uri="{91240B29-F687-4f45-9708-019B960494DF}">
-              <a14:hiddenLine xmlns:a14="http://schemas.microsoft.com/office/drawing/2010/main" xmlns="" w="9525">
+              <a14:hiddenLine xmlns="" xmlns:a14="http://schemas.microsoft.com/office/drawing/2010/main" w="9525">
                 <a:solidFill>
                   <a:schemeClr val="tx1"/>
                 </a:solidFill>
@@ -10770,7 +12046,7 @@
               </a14:hiddenLine>
             </a:ext>
             <a:ext uri="{AF507438-7753-43e0-B8FC-AC1667EBCBE1}">
-              <a14:hiddenEffects xmlns:a14="http://schemas.microsoft.com/office/drawing/2010/main" xmlns="">
+              <a14:hiddenEffects xmlns="" xmlns:a14="http://schemas.microsoft.com/office/drawing/2010/main">
                 <a:effectLst>
                   <a:outerShdw blurRad="63500" dist="38099" dir="2700000" algn="ctr" rotWithShape="0">
                     <a:schemeClr val="bg2">
@@ -11212,19 +12488,11 @@
           <a:p>
             <a:r>
               <a:rPr lang="de-DE" dirty="0" smtClean="0"/>
-              <a:t>Details </a:t>
+              <a:t>Implementation </a:t>
             </a:r>
             <a:r>
               <a:rPr lang="de-DE" dirty="0" err="1" smtClean="0"/>
-              <a:t>of</a:t>
-            </a:r>
-            <a:r>
-              <a:rPr lang="de-DE" dirty="0" smtClean="0"/>
-              <a:t> </a:t>
-            </a:r>
-            <a:r>
-              <a:rPr lang="de-DE" dirty="0" err="1" smtClean="0"/>
-              <a:t>implementation</a:t>
+              <a:t>details</a:t>
             </a:r>
             <a:endParaRPr lang="de-DE" dirty="0"/>
           </a:p>
@@ -11253,14 +12521,14 @@
           <a:effectLst/>
           <a:extLst>
             <a:ext uri="{909E8E84-426E-40dd-AFC4-6F175D3DCCD1}">
-              <a14:hiddenFill xmlns:a14="http://schemas.microsoft.com/office/drawing/2010/main" xmlns="">
+              <a14:hiddenFill xmlns="" xmlns:a14="http://schemas.microsoft.com/office/drawing/2010/main">
                 <a:solidFill>
                   <a:schemeClr val="accent1"/>
                 </a:solidFill>
               </a14:hiddenFill>
             </a:ext>
             <a:ext uri="{91240B29-F687-4f45-9708-019B960494DF}">
-              <a14:hiddenLine xmlns:a14="http://schemas.microsoft.com/office/drawing/2010/main" xmlns="" w="9525">
+              <a14:hiddenLine xmlns="" xmlns:a14="http://schemas.microsoft.com/office/drawing/2010/main" w="9525">
                 <a:solidFill>
                   <a:schemeClr val="tx1"/>
                 </a:solidFill>
@@ -11270,7 +12538,7 @@
               </a14:hiddenLine>
             </a:ext>
             <a:ext uri="{AF507438-7753-43e0-B8FC-AC1667EBCBE1}">
-              <a14:hiddenEffects xmlns:a14="http://schemas.microsoft.com/office/drawing/2010/main" xmlns="">
+              <a14:hiddenEffects xmlns="" xmlns:a14="http://schemas.microsoft.com/office/drawing/2010/main">
                 <a:effectLst>
                   <a:outerShdw blurRad="63500" dist="38099" dir="2700000" algn="ctr" rotWithShape="0">
                     <a:schemeClr val="bg2">
@@ -11308,6 +12576,1858 @@
               </a:solidFill>
               <a:latin typeface="Univers 45 Light" charset="0"/>
               <a:ea typeface="ＭＳ Ｐゴシック" charset="0"/>
+            </a:endParaRPr>
+          </a:p>
+        </p:txBody>
+      </p:sp>
+      <p:sp>
+        <p:nvSpPr>
+          <p:cNvPr id="4" name="Rectangle 8"/>
+          <p:cNvSpPr txBox="1">
+            <a:spLocks noChangeArrowheads="1"/>
+          </p:cNvSpPr>
+          <p:nvPr/>
+        </p:nvSpPr>
+        <p:spPr bwMode="auto">
+          <a:xfrm>
+            <a:off x="395536" y="692696"/>
+            <a:ext cx="8362950" cy="5256213"/>
+          </a:xfrm>
+          <a:prstGeom prst="rect">
+            <a:avLst/>
+          </a:prstGeom>
+          <a:noFill/>
+          <a:ln>
+            <a:noFill/>
+          </a:ln>
+          <a:effectLst/>
+          <a:extLst>
+            <a:ext uri="{FAA26D3D-D897-4be2-8F04-BA451C77F1D7}">
+              <ma14:placeholderFlag xmlns:ma14="http://schemas.microsoft.com/office/mac/drawingml/2011/main" xmlns="" val="1"/>
+            </a:ext>
+            <a:ext uri="{909E8E84-426E-40dd-AFC4-6F175D3DCCD1}">
+              <a14:hiddenFill xmlns="" xmlns:a14="http://schemas.microsoft.com/office/drawing/2010/main">
+                <a:solidFill>
+                  <a:schemeClr val="accent1"/>
+                </a:solidFill>
+              </a14:hiddenFill>
+            </a:ext>
+            <a:ext uri="{91240B29-F687-4f45-9708-019B960494DF}">
+              <a14:hiddenLine xmlns="" xmlns:a14="http://schemas.microsoft.com/office/drawing/2010/main" w="9525">
+                <a:solidFill>
+                  <a:schemeClr val="tx1"/>
+                </a:solidFill>
+                <a:miter lim="800000"/>
+                <a:headEnd/>
+                <a:tailEnd/>
+              </a14:hiddenLine>
+            </a:ext>
+            <a:ext uri="{AF507438-7753-43e0-B8FC-AC1667EBCBE1}">
+              <a14:hiddenEffects xmlns="" xmlns:a14="http://schemas.microsoft.com/office/drawing/2010/main">
+                <a:effectLst>
+                  <a:outerShdw blurRad="63500" dist="38099" dir="2700000" algn="ctr" rotWithShape="0">
+                    <a:schemeClr val="bg2">
+                      <a:alpha val="74998"/>
+                    </a:schemeClr>
+                  </a:outerShdw>
+                </a:effectLst>
+              </a14:hiddenEffects>
+            </a:ext>
+          </a:extLst>
+        </p:spPr>
+        <p:txBody>
+          <a:bodyPr vert="horz" wrap="square" lIns="91440" tIns="45720" rIns="91440" bIns="45720" numCol="1" anchor="t" anchorCtr="0" compatLnSpc="1">
+            <a:prstTxWarp prst="textNoShape">
+              <a:avLst/>
+            </a:prstTxWarp>
+          </a:bodyPr>
+          <a:lstStyle>
+            <a:lvl1pPr marL="342900" indent="-342900" algn="l" defTabSz="361950" rtl="0" eaLnBrk="1" fontAlgn="base" hangingPunct="1">
+              <a:spcBef>
+                <a:spcPct val="50000"/>
+              </a:spcBef>
+              <a:spcAft>
+                <a:spcPct val="0"/>
+              </a:spcAft>
+              <a:defRPr>
+                <a:solidFill>
+                  <a:schemeClr val="tx1"/>
+                </a:solidFill>
+                <a:latin typeface="Univers Light"/>
+                <a:ea typeface="+mn-ea"/>
+                <a:cs typeface="Univers Light"/>
+              </a:defRPr>
+            </a:lvl1pPr>
+            <a:lvl2pPr marL="263525" indent="-261938" algn="l" defTabSz="361950" rtl="0" eaLnBrk="1" fontAlgn="base" hangingPunct="1">
+              <a:spcBef>
+                <a:spcPct val="50000"/>
+              </a:spcBef>
+              <a:spcAft>
+                <a:spcPct val="0"/>
+              </a:spcAft>
+              <a:buBlip>
+                <a:blip r:embed="rId3"/>
+              </a:buBlip>
+              <a:defRPr>
+                <a:solidFill>
+                  <a:schemeClr val="tx1"/>
+                </a:solidFill>
+                <a:latin typeface="Univers Light"/>
+                <a:ea typeface="+mn-ea"/>
+                <a:cs typeface="Univers Light"/>
+              </a:defRPr>
+            </a:lvl2pPr>
+            <a:lvl3pPr marL="712788" indent="-269875" algn="l" defTabSz="361950" rtl="0" eaLnBrk="1" fontAlgn="base" hangingPunct="1">
+              <a:spcBef>
+                <a:spcPct val="50000"/>
+              </a:spcBef>
+              <a:spcAft>
+                <a:spcPct val="0"/>
+              </a:spcAft>
+              <a:buClr>
+                <a:srgbClr val="C0C0C0"/>
+              </a:buClr>
+              <a:buFont typeface="Arial" panose="020B0604020202020204" pitchFamily="34" charset="0"/>
+              <a:buChar char="–"/>
+              <a:defRPr>
+                <a:solidFill>
+                  <a:schemeClr val="tx1"/>
+                </a:solidFill>
+                <a:latin typeface="Univers Light"/>
+                <a:ea typeface="+mn-ea"/>
+                <a:cs typeface="Univers Light"/>
+              </a:defRPr>
+            </a:lvl3pPr>
+            <a:lvl4pPr marL="1073150" indent="-179388" algn="l" defTabSz="361950" rtl="0" eaLnBrk="1" fontAlgn="base" hangingPunct="1">
+              <a:spcBef>
+                <a:spcPct val="20000"/>
+              </a:spcBef>
+              <a:spcAft>
+                <a:spcPct val="0"/>
+              </a:spcAft>
+              <a:buClr>
+                <a:srgbClr val="C0C0C0"/>
+              </a:buClr>
+              <a:buChar char="•"/>
+              <a:defRPr>
+                <a:solidFill>
+                  <a:schemeClr val="tx1"/>
+                </a:solidFill>
+                <a:latin typeface="Univers Light"/>
+                <a:ea typeface="+mn-ea"/>
+                <a:cs typeface="Univers Light"/>
+              </a:defRPr>
+            </a:lvl4pPr>
+            <a:lvl5pPr marL="1520825" indent="-180975" algn="l" defTabSz="361950" rtl="0" eaLnBrk="1" fontAlgn="base" hangingPunct="1">
+              <a:spcBef>
+                <a:spcPct val="20000"/>
+              </a:spcBef>
+              <a:spcAft>
+                <a:spcPct val="0"/>
+              </a:spcAft>
+              <a:buClr>
+                <a:srgbClr val="C0C0C0"/>
+              </a:buClr>
+              <a:buChar char="-"/>
+              <a:defRPr sz="1600">
+                <a:solidFill>
+                  <a:schemeClr val="tx1"/>
+                </a:solidFill>
+                <a:latin typeface="Univers Light"/>
+                <a:ea typeface="+mn-ea"/>
+                <a:cs typeface="Univers Light"/>
+              </a:defRPr>
+            </a:lvl5pPr>
+            <a:lvl6pPr marL="1978025" indent="-180975" algn="l" defTabSz="361950" rtl="0" eaLnBrk="1" fontAlgn="base" hangingPunct="1">
+              <a:spcBef>
+                <a:spcPct val="20000"/>
+              </a:spcBef>
+              <a:spcAft>
+                <a:spcPct val="0"/>
+              </a:spcAft>
+              <a:buClr>
+                <a:srgbClr val="C0C0C0"/>
+              </a:buClr>
+              <a:buChar char="-"/>
+              <a:defRPr sz="1600">
+                <a:solidFill>
+                  <a:schemeClr val="tx1"/>
+                </a:solidFill>
+                <a:latin typeface="+mn-lt"/>
+                <a:ea typeface="+mn-ea"/>
+              </a:defRPr>
+            </a:lvl6pPr>
+            <a:lvl7pPr marL="2435225" indent="-180975" algn="l" defTabSz="361950" rtl="0" eaLnBrk="1" fontAlgn="base" hangingPunct="1">
+              <a:spcBef>
+                <a:spcPct val="20000"/>
+              </a:spcBef>
+              <a:spcAft>
+                <a:spcPct val="0"/>
+              </a:spcAft>
+              <a:buClr>
+                <a:srgbClr val="C0C0C0"/>
+              </a:buClr>
+              <a:buChar char="-"/>
+              <a:defRPr sz="1600">
+                <a:solidFill>
+                  <a:schemeClr val="tx1"/>
+                </a:solidFill>
+                <a:latin typeface="+mn-lt"/>
+                <a:ea typeface="+mn-ea"/>
+              </a:defRPr>
+            </a:lvl7pPr>
+            <a:lvl8pPr marL="2892425" indent="-180975" algn="l" defTabSz="361950" rtl="0" eaLnBrk="1" fontAlgn="base" hangingPunct="1">
+              <a:spcBef>
+                <a:spcPct val="20000"/>
+              </a:spcBef>
+              <a:spcAft>
+                <a:spcPct val="0"/>
+              </a:spcAft>
+              <a:buClr>
+                <a:srgbClr val="C0C0C0"/>
+              </a:buClr>
+              <a:buChar char="-"/>
+              <a:defRPr sz="1600">
+                <a:solidFill>
+                  <a:schemeClr val="tx1"/>
+                </a:solidFill>
+                <a:latin typeface="+mn-lt"/>
+                <a:ea typeface="+mn-ea"/>
+              </a:defRPr>
+            </a:lvl8pPr>
+            <a:lvl9pPr marL="3349625" indent="-180975" algn="l" defTabSz="361950" rtl="0" eaLnBrk="1" fontAlgn="base" hangingPunct="1">
+              <a:spcBef>
+                <a:spcPct val="20000"/>
+              </a:spcBef>
+              <a:spcAft>
+                <a:spcPct val="0"/>
+              </a:spcAft>
+              <a:buClr>
+                <a:srgbClr val="C0C0C0"/>
+              </a:buClr>
+              <a:buChar char="-"/>
+              <a:defRPr sz="1600">
+                <a:solidFill>
+                  <a:schemeClr val="tx1"/>
+                </a:solidFill>
+                <a:latin typeface="+mn-lt"/>
+                <a:ea typeface="+mn-ea"/>
+              </a:defRPr>
+            </a:lvl9pPr>
+          </a:lstStyle>
+          <a:p>
+            <a:pPr marL="1587" lvl="1" indent="0">
+              <a:buNone/>
+            </a:pPr>
+            <a:r>
+              <a:rPr lang="en-US" altLang="de-DE" b="1" kern="0" dirty="0" smtClean="0">
+                <a:latin typeface="Univers Light" pitchFamily="-84" charset="0"/>
+              </a:rPr>
+              <a:t>Attributes</a:t>
+            </a:r>
+            <a:r>
+              <a:rPr lang="en-US" altLang="de-DE" b="1" kern="0" dirty="0" smtClean="0">
+                <a:latin typeface="Univers Light" pitchFamily="-84" charset="0"/>
+              </a:rPr>
+              <a:t>:</a:t>
+            </a:r>
+          </a:p>
+          <a:p>
+            <a:pPr lvl="1"/>
+            <a:r>
+              <a:rPr lang="en-US" altLang="de-DE" dirty="0" err="1" smtClean="0"/>
+              <a:t>Sinogram</a:t>
+            </a:r>
+            <a:r>
+              <a:rPr lang="en-US" altLang="de-DE" dirty="0" smtClean="0"/>
+              <a:t> is divided into lines</a:t>
+            </a:r>
+          </a:p>
+          <a:p>
+            <a:pPr lvl="2"/>
+            <a:r>
+              <a:rPr lang="en-US" altLang="de-DE" kern="0" dirty="0" smtClean="0">
+                <a:latin typeface="Univers Light" pitchFamily="-84" charset="0"/>
+              </a:rPr>
+              <a:t>16 cores calculate 64 lines in parallel to transfer as much data as possible</a:t>
+            </a:r>
+            <a:endParaRPr lang="en-US" altLang="de-DE" kern="0" dirty="0" smtClean="0">
+              <a:latin typeface="Univers Light" pitchFamily="-84" charset="0"/>
+            </a:endParaRPr>
+          </a:p>
+        </p:txBody>
+      </p:sp>
+      <p:cxnSp>
+        <p:nvCxnSpPr>
+          <p:cNvPr id="6" name="Gerade Verbindung mit Pfeil 5"/>
+          <p:cNvCxnSpPr/>
+          <p:nvPr/>
+        </p:nvCxnSpPr>
+        <p:spPr bwMode="auto">
+          <a:xfrm flipV="1">
+            <a:off x="996907" y="3801185"/>
+            <a:ext cx="1243778" cy="1"/>
+          </a:xfrm>
+          <a:prstGeom prst="straightConnector1">
+            <a:avLst/>
+          </a:prstGeom>
+          <a:ln>
+            <a:tailEnd type="triangle"/>
+          </a:ln>
+          <a:extLst>
+            <a:ext uri="{909E8E84-426E-40dd-AFC4-6F175D3DCCD1}">
+              <a14:hiddenFill xmlns="" xmlns:a14="http://schemas.microsoft.com/office/drawing/2010/main">
+                <a:solidFill>
+                  <a:schemeClr val="accent1"/>
+                </a:solidFill>
+              </a14:hiddenFill>
+            </a:ext>
+            <a:ext uri="{91240B29-F687-4f45-9708-019B960494DF}">
+              <a14:hiddenLine xmlns="" xmlns:a14="http://schemas.microsoft.com/office/drawing/2010/main" w="9525" cap="flat" cmpd="sng" algn="ctr">
+                <a:solidFill>
+                  <a:schemeClr val="tx1"/>
+                </a:solidFill>
+                <a:prstDash val="solid"/>
+                <a:round/>
+                <a:headEnd type="none" w="med" len="med"/>
+                <a:tailEnd type="none" w="med" len="med"/>
+              </a14:hiddenLine>
+            </a:ext>
+            <a:ext uri="{AF507438-7753-43e0-B8FC-AC1667EBCBE1}">
+              <a14:hiddenEffects xmlns="" xmlns:a14="http://schemas.microsoft.com/office/drawing/2010/main">
+                <a:effectLst>
+                  <a:outerShdw blurRad="63500" dist="35921" dir="2700000" algn="ctr" rotWithShape="0">
+                    <a:schemeClr val="bg2"/>
+                  </a:outerShdw>
+                </a:effectLst>
+              </a14:hiddenEffects>
+            </a:ext>
+          </a:extLst>
+        </p:spPr>
+        <p:style>
+          <a:lnRef idx="1">
+            <a:schemeClr val="dk1"/>
+          </a:lnRef>
+          <a:fillRef idx="0">
+            <a:schemeClr val="dk1"/>
+          </a:fillRef>
+          <a:effectRef idx="0">
+            <a:schemeClr val="dk1"/>
+          </a:effectRef>
+          <a:fontRef idx="minor">
+            <a:schemeClr val="tx1"/>
+          </a:fontRef>
+        </p:style>
+      </p:cxnSp>
+      <p:sp>
+        <p:nvSpPr>
+          <p:cNvPr id="7" name="Textfeld 6"/>
+          <p:cNvSpPr txBox="1"/>
+          <p:nvPr/>
+        </p:nvSpPr>
+        <p:spPr>
+          <a:xfrm>
+            <a:off x="833248" y="2608224"/>
+            <a:ext cx="1407437" cy="307777"/>
+          </a:xfrm>
+          <a:prstGeom prst="rect">
+            <a:avLst/>
+          </a:prstGeom>
+          <a:solidFill>
+            <a:srgbClr val="C0C0C0"/>
+          </a:solidFill>
+          <a:ln w="3175">
+            <a:solidFill>
+              <a:schemeClr val="dk1">
+                <a:shade val="95000"/>
+                <a:satMod val="105000"/>
+              </a:schemeClr>
+            </a:solidFill>
+          </a:ln>
+        </p:spPr>
+        <p:txBody>
+          <a:bodyPr wrap="none" rtlCol="0">
+            <a:spAutoFit/>
+          </a:bodyPr>
+          <a:lstStyle/>
+          <a:p>
+            <a:r>
+              <a:rPr lang="de-DE" sz="1400" dirty="0" smtClean="0">
+                <a:solidFill>
+                  <a:schemeClr val="tx1"/>
+                </a:solidFill>
+              </a:rPr>
+              <a:t>Read </a:t>
+            </a:r>
+            <a:r>
+              <a:rPr lang="de-DE" sz="1400" dirty="0" err="1" smtClean="0">
+                <a:solidFill>
+                  <a:schemeClr val="tx1"/>
+                </a:solidFill>
+              </a:rPr>
+              <a:t>Tif</a:t>
+            </a:r>
+            <a:r>
+              <a:rPr lang="de-DE" sz="1400" dirty="0" smtClean="0">
+                <a:solidFill>
+                  <a:schemeClr val="tx1"/>
+                </a:solidFill>
+              </a:rPr>
+              <a:t>-Image</a:t>
+            </a:r>
+            <a:endParaRPr lang="de-DE" sz="1400" dirty="0">
+              <a:solidFill>
+                <a:schemeClr val="tx1"/>
+              </a:solidFill>
+            </a:endParaRPr>
+          </a:p>
+        </p:txBody>
+      </p:sp>
+      <p:cxnSp>
+        <p:nvCxnSpPr>
+          <p:cNvPr id="10" name="Gerader Verbinder 9"/>
+          <p:cNvCxnSpPr/>
+          <p:nvPr/>
+        </p:nvCxnSpPr>
+        <p:spPr bwMode="auto">
+          <a:xfrm>
+            <a:off x="2318499" y="3117295"/>
+            <a:ext cx="0" cy="1296144"/>
+          </a:xfrm>
+          <a:prstGeom prst="line">
+            <a:avLst/>
+          </a:prstGeom>
+          <a:ln/>
+          <a:extLst>
+            <a:ext uri="{909E8E84-426E-40dd-AFC4-6F175D3DCCD1}">
+              <a14:hiddenFill xmlns="" xmlns:a14="http://schemas.microsoft.com/office/drawing/2010/main">
+                <a:solidFill>
+                  <a:schemeClr val="accent1"/>
+                </a:solidFill>
+              </a14:hiddenFill>
+            </a:ext>
+            <a:ext uri="{91240B29-F687-4f45-9708-019B960494DF}">
+              <a14:hiddenLine xmlns="" xmlns:a14="http://schemas.microsoft.com/office/drawing/2010/main" w="9525" cap="flat" cmpd="sng" algn="ctr">
+                <a:solidFill>
+                  <a:schemeClr val="tx1"/>
+                </a:solidFill>
+                <a:prstDash val="solid"/>
+                <a:round/>
+                <a:headEnd type="none" w="med" len="med"/>
+                <a:tailEnd type="none" w="med" len="med"/>
+              </a14:hiddenLine>
+            </a:ext>
+            <a:ext uri="{AF507438-7753-43e0-B8FC-AC1667EBCBE1}">
+              <a14:hiddenEffects xmlns="" xmlns:a14="http://schemas.microsoft.com/office/drawing/2010/main">
+                <a:effectLst>
+                  <a:outerShdw blurRad="63500" dist="35921" dir="2700000" algn="ctr" rotWithShape="0">
+                    <a:schemeClr val="bg2"/>
+                  </a:outerShdw>
+                </a:effectLst>
+              </a14:hiddenEffects>
+            </a:ext>
+          </a:extLst>
+        </p:spPr>
+        <p:style>
+          <a:lnRef idx="1">
+            <a:schemeClr val="dk1"/>
+          </a:lnRef>
+          <a:fillRef idx="0">
+            <a:schemeClr val="dk1"/>
+          </a:fillRef>
+          <a:effectRef idx="0">
+            <a:schemeClr val="dk1"/>
+          </a:effectRef>
+          <a:fontRef idx="minor">
+            <a:schemeClr val="tx1"/>
+          </a:fontRef>
+        </p:style>
+      </p:cxnSp>
+      <p:cxnSp>
+        <p:nvCxnSpPr>
+          <p:cNvPr id="11" name="Gerader Verbinder 10"/>
+          <p:cNvCxnSpPr/>
+          <p:nvPr/>
+        </p:nvCxnSpPr>
+        <p:spPr bwMode="auto">
+          <a:xfrm>
+            <a:off x="3599259" y="3045287"/>
+            <a:ext cx="0" cy="1440160"/>
+          </a:xfrm>
+          <a:prstGeom prst="line">
+            <a:avLst/>
+          </a:prstGeom>
+          <a:ln/>
+          <a:extLst>
+            <a:ext uri="{909E8E84-426E-40dd-AFC4-6F175D3DCCD1}">
+              <a14:hiddenFill xmlns="" xmlns:a14="http://schemas.microsoft.com/office/drawing/2010/main">
+                <a:solidFill>
+                  <a:schemeClr val="accent1"/>
+                </a:solidFill>
+              </a14:hiddenFill>
+            </a:ext>
+            <a:ext uri="{91240B29-F687-4f45-9708-019B960494DF}">
+              <a14:hiddenLine xmlns="" xmlns:a14="http://schemas.microsoft.com/office/drawing/2010/main" w="9525" cap="flat" cmpd="sng" algn="ctr">
+                <a:solidFill>
+                  <a:schemeClr val="tx1"/>
+                </a:solidFill>
+                <a:prstDash val="solid"/>
+                <a:round/>
+                <a:headEnd type="none" w="med" len="med"/>
+                <a:tailEnd type="none" w="med" len="med"/>
+              </a14:hiddenLine>
+            </a:ext>
+            <a:ext uri="{AF507438-7753-43e0-B8FC-AC1667EBCBE1}">
+              <a14:hiddenEffects xmlns="" xmlns:a14="http://schemas.microsoft.com/office/drawing/2010/main">
+                <a:effectLst>
+                  <a:outerShdw blurRad="63500" dist="35921" dir="2700000" algn="ctr" rotWithShape="0">
+                    <a:schemeClr val="bg2"/>
+                  </a:outerShdw>
+                </a:effectLst>
+              </a14:hiddenEffects>
+            </a:ext>
+          </a:extLst>
+        </p:spPr>
+        <p:style>
+          <a:lnRef idx="1">
+            <a:schemeClr val="dk1"/>
+          </a:lnRef>
+          <a:fillRef idx="0">
+            <a:schemeClr val="dk1"/>
+          </a:fillRef>
+          <a:effectRef idx="0">
+            <a:schemeClr val="dk1"/>
+          </a:effectRef>
+          <a:fontRef idx="minor">
+            <a:schemeClr val="tx1"/>
+          </a:fontRef>
+        </p:style>
+      </p:cxnSp>
+      <p:sp>
+        <p:nvSpPr>
+          <p:cNvPr id="18" name="Textfeld 17"/>
+          <p:cNvSpPr txBox="1"/>
+          <p:nvPr/>
+        </p:nvSpPr>
+        <p:spPr>
+          <a:xfrm>
+            <a:off x="2727246" y="3560770"/>
+            <a:ext cx="415498" cy="369332"/>
+          </a:xfrm>
+          <a:prstGeom prst="rect">
+            <a:avLst/>
+          </a:prstGeom>
+          <a:noFill/>
+        </p:spPr>
+        <p:txBody>
+          <a:bodyPr wrap="none" rtlCol="0">
+            <a:spAutoFit/>
+          </a:bodyPr>
+          <a:lstStyle/>
+          <a:p>
+            <a:r>
+              <a:rPr lang="de-DE" dirty="0" smtClean="0">
+                <a:solidFill>
+                  <a:schemeClr val="tx1"/>
+                </a:solidFill>
+              </a:rPr>
+              <a:t>…</a:t>
+            </a:r>
+            <a:endParaRPr lang="de-DE" dirty="0">
+              <a:solidFill>
+                <a:schemeClr val="tx1"/>
+              </a:solidFill>
+            </a:endParaRPr>
+          </a:p>
+        </p:txBody>
+      </p:sp>
+      <p:sp>
+        <p:nvSpPr>
+          <p:cNvPr id="19" name="Textfeld 18"/>
+          <p:cNvSpPr txBox="1"/>
+          <p:nvPr/>
+        </p:nvSpPr>
+        <p:spPr>
+          <a:xfrm>
+            <a:off x="2316549" y="2301720"/>
+            <a:ext cx="1284655" cy="630942"/>
+          </a:xfrm>
+          <a:prstGeom prst="rect">
+            <a:avLst/>
+          </a:prstGeom>
+          <a:solidFill>
+            <a:srgbClr val="C0C0C0"/>
+          </a:solidFill>
+          <a:ln w="3175">
+            <a:solidFill>
+              <a:schemeClr val="dk1">
+                <a:shade val="95000"/>
+                <a:satMod val="105000"/>
+              </a:schemeClr>
+            </a:solidFill>
+          </a:ln>
+        </p:spPr>
+        <p:txBody>
+          <a:bodyPr wrap="square" rtlCol="0">
+            <a:spAutoFit/>
+          </a:bodyPr>
+          <a:lstStyle/>
+          <a:p>
+            <a:pPr algn="ctr"/>
+            <a:r>
+              <a:rPr lang="de-DE" sz="1400" dirty="0" smtClean="0">
+                <a:solidFill>
+                  <a:schemeClr val="tx1"/>
+                </a:solidFill>
+              </a:rPr>
+              <a:t>Data Transfer</a:t>
+            </a:r>
+          </a:p>
+          <a:p>
+            <a:pPr algn="ctr"/>
+            <a:r>
+              <a:rPr lang="de-DE" sz="1400" dirty="0" smtClean="0">
+                <a:solidFill>
+                  <a:schemeClr val="tx1"/>
+                </a:solidFill>
+              </a:rPr>
+              <a:t>(</a:t>
+            </a:r>
+            <a:r>
+              <a:rPr lang="de-DE" sz="1400" dirty="0" err="1" smtClean="0">
+                <a:solidFill>
+                  <a:schemeClr val="tx1"/>
+                </a:solidFill>
+              </a:rPr>
+              <a:t>serial</a:t>
+            </a:r>
+            <a:r>
+              <a:rPr lang="de-DE" sz="1400" dirty="0" smtClean="0">
+                <a:solidFill>
+                  <a:schemeClr val="tx1"/>
+                </a:solidFill>
+              </a:rPr>
+              <a:t>)</a:t>
+            </a:r>
+          </a:p>
+        </p:txBody>
+      </p:sp>
+      <p:cxnSp>
+        <p:nvCxnSpPr>
+          <p:cNvPr id="25" name="Gerader Verbinder 24"/>
+          <p:cNvCxnSpPr/>
+          <p:nvPr/>
+        </p:nvCxnSpPr>
+        <p:spPr bwMode="auto">
+          <a:xfrm>
+            <a:off x="5317833" y="3081105"/>
+            <a:ext cx="0" cy="1440160"/>
+          </a:xfrm>
+          <a:prstGeom prst="line">
+            <a:avLst/>
+          </a:prstGeom>
+          <a:ln/>
+          <a:extLst>
+            <a:ext uri="{909E8E84-426E-40dd-AFC4-6F175D3DCCD1}">
+              <a14:hiddenFill xmlns="" xmlns:a14="http://schemas.microsoft.com/office/drawing/2010/main">
+                <a:solidFill>
+                  <a:schemeClr val="accent1"/>
+                </a:solidFill>
+              </a14:hiddenFill>
+            </a:ext>
+            <a:ext uri="{91240B29-F687-4f45-9708-019B960494DF}">
+              <a14:hiddenLine xmlns="" xmlns:a14="http://schemas.microsoft.com/office/drawing/2010/main" w="9525" cap="flat" cmpd="sng" algn="ctr">
+                <a:solidFill>
+                  <a:schemeClr val="tx1"/>
+                </a:solidFill>
+                <a:prstDash val="solid"/>
+                <a:round/>
+                <a:headEnd type="none" w="med" len="med"/>
+                <a:tailEnd type="none" w="med" len="med"/>
+              </a14:hiddenLine>
+            </a:ext>
+            <a:ext uri="{AF507438-7753-43e0-B8FC-AC1667EBCBE1}">
+              <a14:hiddenEffects xmlns="" xmlns:a14="http://schemas.microsoft.com/office/drawing/2010/main">
+                <a:effectLst>
+                  <a:outerShdw blurRad="63500" dist="35921" dir="2700000" algn="ctr" rotWithShape="0">
+                    <a:schemeClr val="bg2"/>
+                  </a:outerShdw>
+                </a:effectLst>
+              </a14:hiddenEffects>
+            </a:ext>
+          </a:extLst>
+        </p:spPr>
+        <p:style>
+          <a:lnRef idx="1">
+            <a:schemeClr val="dk1"/>
+          </a:lnRef>
+          <a:fillRef idx="0">
+            <a:schemeClr val="dk1"/>
+          </a:fillRef>
+          <a:effectRef idx="0">
+            <a:schemeClr val="dk1"/>
+          </a:effectRef>
+          <a:fontRef idx="minor">
+            <a:schemeClr val="tx1"/>
+          </a:fontRef>
+        </p:style>
+      </p:cxnSp>
+      <p:cxnSp>
+        <p:nvCxnSpPr>
+          <p:cNvPr id="26" name="Gerade Verbindung mit Pfeil 25"/>
+          <p:cNvCxnSpPr/>
+          <p:nvPr/>
+        </p:nvCxnSpPr>
+        <p:spPr bwMode="auto">
+          <a:xfrm flipV="1">
+            <a:off x="3658812" y="3149108"/>
+            <a:ext cx="1586567" cy="2"/>
+          </a:xfrm>
+          <a:prstGeom prst="straightConnector1">
+            <a:avLst/>
+          </a:prstGeom>
+          <a:ln>
+            <a:tailEnd type="triangle"/>
+          </a:ln>
+          <a:extLst>
+            <a:ext uri="{909E8E84-426E-40dd-AFC4-6F175D3DCCD1}">
+              <a14:hiddenFill xmlns="" xmlns:a14="http://schemas.microsoft.com/office/drawing/2010/main">
+                <a:solidFill>
+                  <a:schemeClr val="accent1"/>
+                </a:solidFill>
+              </a14:hiddenFill>
+            </a:ext>
+            <a:ext uri="{91240B29-F687-4f45-9708-019B960494DF}">
+              <a14:hiddenLine xmlns="" xmlns:a14="http://schemas.microsoft.com/office/drawing/2010/main" w="9525" cap="flat" cmpd="sng" algn="ctr">
+                <a:solidFill>
+                  <a:schemeClr val="tx1"/>
+                </a:solidFill>
+                <a:prstDash val="solid"/>
+                <a:round/>
+                <a:headEnd type="none" w="med" len="med"/>
+                <a:tailEnd type="none" w="med" len="med"/>
+              </a14:hiddenLine>
+            </a:ext>
+            <a:ext uri="{AF507438-7753-43e0-B8FC-AC1667EBCBE1}">
+              <a14:hiddenEffects xmlns="" xmlns:a14="http://schemas.microsoft.com/office/drawing/2010/main">
+                <a:effectLst>
+                  <a:outerShdw blurRad="63500" dist="35921" dir="2700000" algn="ctr" rotWithShape="0">
+                    <a:schemeClr val="bg2"/>
+                  </a:outerShdw>
+                </a:effectLst>
+              </a14:hiddenEffects>
+            </a:ext>
+          </a:extLst>
+        </p:spPr>
+        <p:style>
+          <a:lnRef idx="1">
+            <a:schemeClr val="dk1"/>
+          </a:lnRef>
+          <a:fillRef idx="0">
+            <a:schemeClr val="dk1"/>
+          </a:fillRef>
+          <a:effectRef idx="0">
+            <a:schemeClr val="dk1"/>
+          </a:effectRef>
+          <a:fontRef idx="minor">
+            <a:schemeClr val="tx1"/>
+          </a:fontRef>
+        </p:style>
+      </p:cxnSp>
+      <p:cxnSp>
+        <p:nvCxnSpPr>
+          <p:cNvPr id="29" name="Gerade Verbindung mit Pfeil 28"/>
+          <p:cNvCxnSpPr/>
+          <p:nvPr/>
+        </p:nvCxnSpPr>
+        <p:spPr bwMode="auto">
+          <a:xfrm flipV="1">
+            <a:off x="3658812" y="4393089"/>
+            <a:ext cx="1586567" cy="2"/>
+          </a:xfrm>
+          <a:prstGeom prst="straightConnector1">
+            <a:avLst/>
+          </a:prstGeom>
+          <a:ln>
+            <a:tailEnd type="triangle"/>
+          </a:ln>
+          <a:extLst>
+            <a:ext uri="{909E8E84-426E-40dd-AFC4-6F175D3DCCD1}">
+              <a14:hiddenFill xmlns="" xmlns:a14="http://schemas.microsoft.com/office/drawing/2010/main">
+                <a:solidFill>
+                  <a:schemeClr val="accent1"/>
+                </a:solidFill>
+              </a14:hiddenFill>
+            </a:ext>
+            <a:ext uri="{91240B29-F687-4f45-9708-019B960494DF}">
+              <a14:hiddenLine xmlns="" xmlns:a14="http://schemas.microsoft.com/office/drawing/2010/main" w="9525" cap="flat" cmpd="sng" algn="ctr">
+                <a:solidFill>
+                  <a:schemeClr val="tx1"/>
+                </a:solidFill>
+                <a:prstDash val="solid"/>
+                <a:round/>
+                <a:headEnd type="none" w="med" len="med"/>
+                <a:tailEnd type="none" w="med" len="med"/>
+              </a14:hiddenLine>
+            </a:ext>
+            <a:ext uri="{AF507438-7753-43e0-B8FC-AC1667EBCBE1}">
+              <a14:hiddenEffects xmlns="" xmlns:a14="http://schemas.microsoft.com/office/drawing/2010/main">
+                <a:effectLst>
+                  <a:outerShdw blurRad="63500" dist="35921" dir="2700000" algn="ctr" rotWithShape="0">
+                    <a:schemeClr val="bg2"/>
+                  </a:outerShdw>
+                </a:effectLst>
+              </a14:hiddenEffects>
+            </a:ext>
+          </a:extLst>
+        </p:spPr>
+        <p:style>
+          <a:lnRef idx="1">
+            <a:schemeClr val="dk1"/>
+          </a:lnRef>
+          <a:fillRef idx="0">
+            <a:schemeClr val="dk1"/>
+          </a:fillRef>
+          <a:effectRef idx="0">
+            <a:schemeClr val="dk1"/>
+          </a:effectRef>
+          <a:fontRef idx="minor">
+            <a:schemeClr val="tx1"/>
+          </a:fontRef>
+        </p:style>
+      </p:cxnSp>
+      <p:sp>
+        <p:nvSpPr>
+          <p:cNvPr id="30" name="Textfeld 29"/>
+          <p:cNvSpPr txBox="1"/>
+          <p:nvPr/>
+        </p:nvSpPr>
+        <p:spPr>
+          <a:xfrm rot="5400000">
+            <a:off x="4127139" y="3580701"/>
+            <a:ext cx="415498" cy="369332"/>
+          </a:xfrm>
+          <a:prstGeom prst="rect">
+            <a:avLst/>
+          </a:prstGeom>
+          <a:noFill/>
+        </p:spPr>
+        <p:txBody>
+          <a:bodyPr wrap="none" rtlCol="0">
+            <a:spAutoFit/>
+          </a:bodyPr>
+          <a:lstStyle/>
+          <a:p>
+            <a:r>
+              <a:rPr lang="de-DE" dirty="0" smtClean="0">
+                <a:solidFill>
+                  <a:schemeClr val="tx1"/>
+                </a:solidFill>
+              </a:rPr>
+              <a:t>…</a:t>
+            </a:r>
+            <a:endParaRPr lang="de-DE" dirty="0">
+              <a:solidFill>
+                <a:schemeClr val="tx1"/>
+              </a:solidFill>
+            </a:endParaRPr>
+          </a:p>
+        </p:txBody>
+      </p:sp>
+      <p:sp>
+        <p:nvSpPr>
+          <p:cNvPr id="31" name="Textfeld 30"/>
+          <p:cNvSpPr txBox="1"/>
+          <p:nvPr/>
+        </p:nvSpPr>
+        <p:spPr>
+          <a:xfrm>
+            <a:off x="3809766" y="2586711"/>
+            <a:ext cx="1284655" cy="307777"/>
+          </a:xfrm>
+          <a:prstGeom prst="rect">
+            <a:avLst/>
+          </a:prstGeom>
+          <a:solidFill>
+            <a:srgbClr val="E56B20">
+              <a:alpha val="21000"/>
+            </a:srgbClr>
+          </a:solidFill>
+          <a:ln w="3175">
+            <a:solidFill>
+              <a:schemeClr val="dk1">
+                <a:shade val="95000"/>
+                <a:satMod val="105000"/>
+              </a:schemeClr>
+            </a:solidFill>
+          </a:ln>
+        </p:spPr>
+        <p:txBody>
+          <a:bodyPr wrap="square" rtlCol="0">
+            <a:spAutoFit/>
+          </a:bodyPr>
+          <a:lstStyle/>
+          <a:p>
+            <a:r>
+              <a:rPr lang="de-DE" sz="1400" dirty="0" err="1" smtClean="0">
+                <a:solidFill>
+                  <a:schemeClr val="tx1"/>
+                </a:solidFill>
+              </a:rPr>
+              <a:t>Computation</a:t>
+            </a:r>
+            <a:endParaRPr lang="de-DE" sz="1400" dirty="0" smtClean="0">
+              <a:solidFill>
+                <a:schemeClr val="tx1"/>
+              </a:solidFill>
+            </a:endParaRPr>
+          </a:p>
+        </p:txBody>
+      </p:sp>
+      <p:cxnSp>
+        <p:nvCxnSpPr>
+          <p:cNvPr id="32" name="Gerader Verbinder 31"/>
+          <p:cNvCxnSpPr/>
+          <p:nvPr/>
+        </p:nvCxnSpPr>
+        <p:spPr bwMode="auto">
+          <a:xfrm>
+            <a:off x="6633727" y="3081105"/>
+            <a:ext cx="0" cy="1440160"/>
+          </a:xfrm>
+          <a:prstGeom prst="line">
+            <a:avLst/>
+          </a:prstGeom>
+          <a:ln/>
+          <a:extLst>
+            <a:ext uri="{909E8E84-426E-40dd-AFC4-6F175D3DCCD1}">
+              <a14:hiddenFill xmlns="" xmlns:a14="http://schemas.microsoft.com/office/drawing/2010/main">
+                <a:solidFill>
+                  <a:schemeClr val="accent1"/>
+                </a:solidFill>
+              </a14:hiddenFill>
+            </a:ext>
+            <a:ext uri="{91240B29-F687-4f45-9708-019B960494DF}">
+              <a14:hiddenLine xmlns="" xmlns:a14="http://schemas.microsoft.com/office/drawing/2010/main" w="9525" cap="flat" cmpd="sng" algn="ctr">
+                <a:solidFill>
+                  <a:schemeClr val="tx1"/>
+                </a:solidFill>
+                <a:prstDash val="solid"/>
+                <a:round/>
+                <a:headEnd type="none" w="med" len="med"/>
+                <a:tailEnd type="none" w="med" len="med"/>
+              </a14:hiddenLine>
+            </a:ext>
+            <a:ext uri="{AF507438-7753-43e0-B8FC-AC1667EBCBE1}">
+              <a14:hiddenEffects xmlns="" xmlns:a14="http://schemas.microsoft.com/office/drawing/2010/main">
+                <a:effectLst>
+                  <a:outerShdw blurRad="63500" dist="35921" dir="2700000" algn="ctr" rotWithShape="0">
+                    <a:schemeClr val="bg2"/>
+                  </a:outerShdw>
+                </a:effectLst>
+              </a14:hiddenEffects>
+            </a:ext>
+          </a:extLst>
+        </p:spPr>
+        <p:style>
+          <a:lnRef idx="1">
+            <a:schemeClr val="dk1"/>
+          </a:lnRef>
+          <a:fillRef idx="0">
+            <a:schemeClr val="dk1"/>
+          </a:fillRef>
+          <a:effectRef idx="0">
+            <a:schemeClr val="dk1"/>
+          </a:effectRef>
+          <a:fontRef idx="minor">
+            <a:schemeClr val="tx1"/>
+          </a:fontRef>
+        </p:style>
+      </p:cxnSp>
+      <p:sp>
+        <p:nvSpPr>
+          <p:cNvPr id="36" name="Textfeld 35"/>
+          <p:cNvSpPr txBox="1"/>
+          <p:nvPr/>
+        </p:nvSpPr>
+        <p:spPr>
+          <a:xfrm>
+            <a:off x="5328876" y="2271240"/>
+            <a:ext cx="1284655" cy="630942"/>
+          </a:xfrm>
+          <a:prstGeom prst="rect">
+            <a:avLst/>
+          </a:prstGeom>
+          <a:solidFill>
+            <a:srgbClr val="C0C0C0">
+              <a:alpha val="85000"/>
+            </a:srgbClr>
+          </a:solidFill>
+          <a:ln w="3175">
+            <a:solidFill>
+              <a:schemeClr val="dk1">
+                <a:shade val="95000"/>
+                <a:satMod val="105000"/>
+              </a:schemeClr>
+            </a:solidFill>
+          </a:ln>
+        </p:spPr>
+        <p:txBody>
+          <a:bodyPr wrap="square" rtlCol="0">
+            <a:spAutoFit/>
+          </a:bodyPr>
+          <a:lstStyle/>
+          <a:p>
+            <a:r>
+              <a:rPr lang="de-DE" sz="1400" dirty="0" smtClean="0">
+                <a:solidFill>
+                  <a:schemeClr val="tx1"/>
+                </a:solidFill>
+              </a:rPr>
+              <a:t>Data Transfer</a:t>
+            </a:r>
+          </a:p>
+          <a:p>
+            <a:pPr algn="ctr"/>
+            <a:r>
+              <a:rPr lang="de-DE" sz="1400" dirty="0" smtClean="0">
+                <a:solidFill>
+                  <a:schemeClr val="tx1"/>
+                </a:solidFill>
+              </a:rPr>
+              <a:t>(</a:t>
+            </a:r>
+            <a:r>
+              <a:rPr lang="de-DE" sz="1400" dirty="0" err="1" smtClean="0">
+                <a:solidFill>
+                  <a:schemeClr val="tx1"/>
+                </a:solidFill>
+              </a:rPr>
+              <a:t>serial</a:t>
+            </a:r>
+            <a:r>
+              <a:rPr lang="de-DE" sz="1400" dirty="0" smtClean="0">
+                <a:solidFill>
+                  <a:schemeClr val="tx1"/>
+                </a:solidFill>
+              </a:rPr>
+              <a:t>)</a:t>
+            </a:r>
+          </a:p>
+        </p:txBody>
+      </p:sp>
+      <p:cxnSp>
+        <p:nvCxnSpPr>
+          <p:cNvPr id="37" name="Gerade Verbindung mit Pfeil 36"/>
+          <p:cNvCxnSpPr/>
+          <p:nvPr/>
+        </p:nvCxnSpPr>
+        <p:spPr bwMode="auto">
+          <a:xfrm flipV="1">
+            <a:off x="6705843" y="3765367"/>
+            <a:ext cx="1243778" cy="1"/>
+          </a:xfrm>
+          <a:prstGeom prst="straightConnector1">
+            <a:avLst/>
+          </a:prstGeom>
+          <a:ln>
+            <a:tailEnd type="triangle"/>
+          </a:ln>
+          <a:extLst>
+            <a:ext uri="{909E8E84-426E-40dd-AFC4-6F175D3DCCD1}">
+              <a14:hiddenFill xmlns="" xmlns:a14="http://schemas.microsoft.com/office/drawing/2010/main">
+                <a:solidFill>
+                  <a:schemeClr val="accent1"/>
+                </a:solidFill>
+              </a14:hiddenFill>
+            </a:ext>
+            <a:ext uri="{91240B29-F687-4f45-9708-019B960494DF}">
+              <a14:hiddenLine xmlns="" xmlns:a14="http://schemas.microsoft.com/office/drawing/2010/main" w="9525" cap="flat" cmpd="sng" algn="ctr">
+                <a:solidFill>
+                  <a:schemeClr val="tx1"/>
+                </a:solidFill>
+                <a:prstDash val="solid"/>
+                <a:round/>
+                <a:headEnd type="none" w="med" len="med"/>
+                <a:tailEnd type="none" w="med" len="med"/>
+              </a14:hiddenLine>
+            </a:ext>
+            <a:ext uri="{AF507438-7753-43e0-B8FC-AC1667EBCBE1}">
+              <a14:hiddenEffects xmlns="" xmlns:a14="http://schemas.microsoft.com/office/drawing/2010/main">
+                <a:effectLst>
+                  <a:outerShdw blurRad="63500" dist="35921" dir="2700000" algn="ctr" rotWithShape="0">
+                    <a:schemeClr val="bg2"/>
+                  </a:outerShdw>
+                </a:effectLst>
+              </a14:hiddenEffects>
+            </a:ext>
+          </a:extLst>
+        </p:spPr>
+        <p:style>
+          <a:lnRef idx="1">
+            <a:schemeClr val="dk1"/>
+          </a:lnRef>
+          <a:fillRef idx="0">
+            <a:schemeClr val="dk1"/>
+          </a:fillRef>
+          <a:effectRef idx="0">
+            <a:schemeClr val="dk1"/>
+          </a:effectRef>
+          <a:fontRef idx="minor">
+            <a:schemeClr val="tx1"/>
+          </a:fontRef>
+        </p:style>
+      </p:cxnSp>
+      <p:sp>
+        <p:nvSpPr>
+          <p:cNvPr id="38" name="Textfeld 37"/>
+          <p:cNvSpPr txBox="1"/>
+          <p:nvPr/>
+        </p:nvSpPr>
+        <p:spPr>
+          <a:xfrm>
+            <a:off x="6705843" y="2593834"/>
+            <a:ext cx="1394549" cy="307777"/>
+          </a:xfrm>
+          <a:prstGeom prst="rect">
+            <a:avLst/>
+          </a:prstGeom>
+          <a:solidFill>
+            <a:srgbClr val="C0C0C0"/>
+          </a:solidFill>
+          <a:ln w="3175">
+            <a:solidFill>
+              <a:schemeClr val="dk1">
+                <a:shade val="95000"/>
+                <a:satMod val="105000"/>
+              </a:schemeClr>
+            </a:solidFill>
+          </a:ln>
+        </p:spPr>
+        <p:txBody>
+          <a:bodyPr wrap="none" rtlCol="0">
+            <a:spAutoFit/>
+          </a:bodyPr>
+          <a:lstStyle/>
+          <a:p>
+            <a:r>
+              <a:rPr lang="de-DE" sz="1400" dirty="0" smtClean="0">
+                <a:solidFill>
+                  <a:schemeClr val="tx1"/>
+                </a:solidFill>
+              </a:rPr>
+              <a:t>Write </a:t>
+            </a:r>
+            <a:r>
+              <a:rPr lang="de-DE" sz="1400" dirty="0" err="1" smtClean="0">
+                <a:solidFill>
+                  <a:schemeClr val="tx1"/>
+                </a:solidFill>
+              </a:rPr>
+              <a:t>Tif</a:t>
+            </a:r>
+            <a:r>
+              <a:rPr lang="de-DE" sz="1400" dirty="0" smtClean="0">
+                <a:solidFill>
+                  <a:schemeClr val="tx1"/>
+                </a:solidFill>
+              </a:rPr>
+              <a:t>-Image</a:t>
+            </a:r>
+            <a:endParaRPr lang="de-DE" sz="1400" dirty="0">
+              <a:solidFill>
+                <a:schemeClr val="tx1"/>
+              </a:solidFill>
+            </a:endParaRPr>
+          </a:p>
+        </p:txBody>
+      </p:sp>
+      <p:sp>
+        <p:nvSpPr>
+          <p:cNvPr id="56" name="Textfeld 55"/>
+          <p:cNvSpPr txBox="1"/>
+          <p:nvPr/>
+        </p:nvSpPr>
+        <p:spPr>
+          <a:xfrm>
+            <a:off x="4231461" y="3569085"/>
+            <a:ext cx="556563" cy="369332"/>
+          </a:xfrm>
+          <a:prstGeom prst="rect">
+            <a:avLst/>
+          </a:prstGeom>
+          <a:noFill/>
+        </p:spPr>
+        <p:txBody>
+          <a:bodyPr wrap="none" rtlCol="0">
+            <a:spAutoFit/>
+          </a:bodyPr>
+          <a:lstStyle/>
+          <a:p>
+            <a:r>
+              <a:rPr lang="de-DE" dirty="0" smtClean="0">
+                <a:solidFill>
+                  <a:schemeClr val="tx1"/>
+                </a:solidFill>
+              </a:rPr>
+              <a:t>16x</a:t>
+            </a:r>
+            <a:endParaRPr lang="de-DE" dirty="0">
+              <a:solidFill>
+                <a:schemeClr val="tx1"/>
+              </a:solidFill>
+            </a:endParaRPr>
+          </a:p>
+        </p:txBody>
+      </p:sp>
+      <p:sp>
+        <p:nvSpPr>
+          <p:cNvPr id="57" name="Geschweifte Klammer links 56"/>
+          <p:cNvSpPr/>
+          <p:nvPr/>
+        </p:nvSpPr>
+        <p:spPr bwMode="auto">
+          <a:xfrm rot="16200000">
+            <a:off x="4294470" y="2653492"/>
+            <a:ext cx="360040" cy="4311982"/>
+          </a:xfrm>
+          <a:prstGeom prst="leftBrace">
+            <a:avLst/>
+          </a:prstGeom>
+          <a:ln/>
+          <a:extLst>
+            <a:ext uri="{909E8E84-426E-40dd-AFC4-6F175D3DCCD1}">
+              <a14:hiddenFill xmlns="" xmlns:a14="http://schemas.microsoft.com/office/drawing/2010/main">
+                <a:solidFill>
+                  <a:schemeClr val="accent1"/>
+                </a:solidFill>
+              </a14:hiddenFill>
+            </a:ext>
+            <a:ext uri="{91240B29-F687-4f45-9708-019B960494DF}">
+              <a14:hiddenLine xmlns="" xmlns:a14="http://schemas.microsoft.com/office/drawing/2010/main" w="9525" cap="flat" cmpd="sng" algn="ctr">
+                <a:solidFill>
+                  <a:schemeClr val="tx1"/>
+                </a:solidFill>
+                <a:prstDash val="solid"/>
+                <a:round/>
+                <a:headEnd type="none" w="med" len="med"/>
+                <a:tailEnd type="none" w="med" len="med"/>
+              </a14:hiddenLine>
+            </a:ext>
+            <a:ext uri="{AF507438-7753-43e0-B8FC-AC1667EBCBE1}">
+              <a14:hiddenEffects xmlns="" xmlns:a14="http://schemas.microsoft.com/office/drawing/2010/main">
+                <a:effectLst>
+                  <a:outerShdw blurRad="63500" dist="35921" dir="2700000" algn="ctr" rotWithShape="0">
+                    <a:schemeClr val="bg2"/>
+                  </a:outerShdw>
+                </a:effectLst>
+              </a14:hiddenEffects>
+            </a:ext>
+          </a:extLst>
+        </p:spPr>
+        <p:style>
+          <a:lnRef idx="1">
+            <a:schemeClr val="dk1"/>
+          </a:lnRef>
+          <a:fillRef idx="0">
+            <a:schemeClr val="dk1"/>
+          </a:fillRef>
+          <a:effectRef idx="0">
+            <a:schemeClr val="dk1"/>
+          </a:effectRef>
+          <a:fontRef idx="minor">
+            <a:schemeClr val="tx1"/>
+          </a:fontRef>
+        </p:style>
+        <p:txBody>
+          <a:bodyPr vert="horz" wrap="square" lIns="0" tIns="0" rIns="90000" bIns="46800" numCol="1" rtlCol="0" anchor="ctr" anchorCtr="0" compatLnSpc="1">
+            <a:prstTxWarp prst="textNoShape">
+              <a:avLst/>
+            </a:prstTxWarp>
+          </a:bodyPr>
+          <a:lstStyle/>
+          <a:p>
+            <a:pPr marL="0" marR="0" indent="0" algn="l" defTabSz="914400" rtl="0" eaLnBrk="1" fontAlgn="base" latinLnBrk="0" hangingPunct="1">
+              <a:lnSpc>
+                <a:spcPct val="100000"/>
+              </a:lnSpc>
+              <a:spcBef>
+                <a:spcPct val="50000"/>
+              </a:spcBef>
+              <a:spcAft>
+                <a:spcPct val="0"/>
+              </a:spcAft>
+              <a:buClrTx/>
+              <a:buSzTx/>
+              <a:buFontTx/>
+              <a:buNone/>
+              <a:tabLst/>
+            </a:pPr>
+            <a:endParaRPr kumimoji="0" lang="de-DE" sz="1800" b="0" i="0" u="none" strike="noStrike" cap="none" normalizeH="0" baseline="0">
+              <a:ln>
+                <a:noFill/>
+              </a:ln>
+              <a:solidFill>
+                <a:srgbClr val="FFFFFF"/>
+              </a:solidFill>
+              <a:effectLst/>
+              <a:latin typeface="Univers 45 Light" charset="0"/>
+              <a:ea typeface="ＭＳ Ｐゴシック" charset="0"/>
+            </a:endParaRPr>
+          </a:p>
+        </p:txBody>
+      </p:sp>
+      <p:sp>
+        <p:nvSpPr>
+          <p:cNvPr id="58" name="Textfeld 57"/>
+          <p:cNvSpPr txBox="1"/>
+          <p:nvPr/>
+        </p:nvSpPr>
+        <p:spPr>
+          <a:xfrm>
+            <a:off x="2840115" y="5003884"/>
+            <a:ext cx="3223959" cy="369332"/>
+          </a:xfrm>
+          <a:prstGeom prst="rect">
+            <a:avLst/>
+          </a:prstGeom>
+          <a:noFill/>
+        </p:spPr>
+        <p:txBody>
+          <a:bodyPr wrap="none" rtlCol="0">
+            <a:spAutoFit/>
+          </a:bodyPr>
+          <a:lstStyle/>
+          <a:p>
+            <a:r>
+              <a:rPr lang="de-DE" dirty="0" smtClean="0">
+                <a:solidFill>
+                  <a:schemeClr val="tx1"/>
+                </a:solidFill>
+              </a:rPr>
+              <a:t>Repeat </a:t>
+            </a:r>
+            <a:r>
+              <a:rPr lang="de-DE" dirty="0" err="1" smtClean="0">
+                <a:solidFill>
+                  <a:schemeClr val="tx1"/>
+                </a:solidFill>
+              </a:rPr>
+              <a:t>until</a:t>
+            </a:r>
+            <a:r>
+              <a:rPr lang="de-DE" dirty="0" smtClean="0">
+                <a:solidFill>
+                  <a:schemeClr val="tx1"/>
+                </a:solidFill>
+              </a:rPr>
+              <a:t> all </a:t>
+            </a:r>
+            <a:r>
+              <a:rPr lang="de-DE" dirty="0" err="1" smtClean="0">
+                <a:solidFill>
+                  <a:schemeClr val="tx1"/>
+                </a:solidFill>
+              </a:rPr>
+              <a:t>lines</a:t>
+            </a:r>
+            <a:r>
+              <a:rPr lang="de-DE" dirty="0" smtClean="0">
+                <a:solidFill>
+                  <a:schemeClr val="tx1"/>
+                </a:solidFill>
+              </a:rPr>
+              <a:t> </a:t>
+            </a:r>
+            <a:r>
+              <a:rPr lang="de-DE" dirty="0" err="1" smtClean="0">
+                <a:solidFill>
+                  <a:schemeClr val="tx1"/>
+                </a:solidFill>
+              </a:rPr>
+              <a:t>are</a:t>
+            </a:r>
+            <a:r>
+              <a:rPr lang="de-DE" dirty="0" smtClean="0">
+                <a:solidFill>
+                  <a:schemeClr val="tx1"/>
+                </a:solidFill>
+              </a:rPr>
+              <a:t> </a:t>
+            </a:r>
+            <a:r>
+              <a:rPr lang="de-DE" dirty="0" err="1" smtClean="0">
+                <a:solidFill>
+                  <a:schemeClr val="tx1"/>
+                </a:solidFill>
+              </a:rPr>
+              <a:t>done</a:t>
+            </a:r>
+            <a:endParaRPr lang="de-DE" dirty="0">
+              <a:solidFill>
+                <a:schemeClr val="tx1"/>
+              </a:solidFill>
+            </a:endParaRPr>
+          </a:p>
+        </p:txBody>
+      </p:sp>
+      <p:sp>
+        <p:nvSpPr>
+          <p:cNvPr id="60" name="Textfeld 59"/>
+          <p:cNvSpPr txBox="1"/>
+          <p:nvPr/>
+        </p:nvSpPr>
+        <p:spPr>
+          <a:xfrm>
+            <a:off x="852396" y="5517232"/>
+            <a:ext cx="1338828" cy="307777"/>
+          </a:xfrm>
+          <a:prstGeom prst="rect">
+            <a:avLst/>
+          </a:prstGeom>
+          <a:solidFill>
+            <a:srgbClr val="C0C0C0"/>
+          </a:solidFill>
+          <a:ln w="3175">
+            <a:solidFill>
+              <a:schemeClr val="dk1">
+                <a:shade val="95000"/>
+                <a:satMod val="105000"/>
+              </a:schemeClr>
+            </a:solidFill>
+          </a:ln>
+        </p:spPr>
+        <p:txBody>
+          <a:bodyPr wrap="none" rtlCol="0">
+            <a:spAutoFit/>
+          </a:bodyPr>
+          <a:lstStyle/>
+          <a:p>
+            <a:r>
+              <a:rPr lang="de-DE" sz="1400" dirty="0" err="1" smtClean="0">
+                <a:solidFill>
+                  <a:schemeClr val="tx1"/>
+                </a:solidFill>
+              </a:rPr>
+              <a:t>Hostprocessor</a:t>
+            </a:r>
+            <a:endParaRPr lang="de-DE" sz="1400" dirty="0">
+              <a:solidFill>
+                <a:schemeClr val="tx1"/>
+              </a:solidFill>
+            </a:endParaRPr>
+          </a:p>
+        </p:txBody>
+      </p:sp>
+      <p:sp>
+        <p:nvSpPr>
+          <p:cNvPr id="61" name="Textfeld 60"/>
+          <p:cNvSpPr txBox="1"/>
+          <p:nvPr/>
+        </p:nvSpPr>
+        <p:spPr>
+          <a:xfrm>
+            <a:off x="2334553" y="5517232"/>
+            <a:ext cx="2021424" cy="307777"/>
+          </a:xfrm>
+          <a:prstGeom prst="rect">
+            <a:avLst/>
+          </a:prstGeom>
+          <a:solidFill>
+            <a:srgbClr val="E56B20">
+              <a:alpha val="21000"/>
+            </a:srgbClr>
+          </a:solidFill>
+          <a:ln w="3175">
+            <a:solidFill>
+              <a:schemeClr val="dk1">
+                <a:shade val="95000"/>
+                <a:satMod val="105000"/>
+              </a:schemeClr>
+            </a:solidFill>
+          </a:ln>
+        </p:spPr>
+        <p:txBody>
+          <a:bodyPr wrap="square" rtlCol="0">
+            <a:spAutoFit/>
+          </a:bodyPr>
+          <a:lstStyle/>
+          <a:p>
+            <a:pPr algn="ctr"/>
+            <a:r>
+              <a:rPr lang="de-DE" sz="1400" dirty="0" err="1" smtClean="0">
+                <a:solidFill>
+                  <a:schemeClr val="tx1"/>
+                </a:solidFill>
+              </a:rPr>
+              <a:t>Epiphany-Coprocessor</a:t>
+            </a:r>
+            <a:endParaRPr lang="de-DE" sz="1400" dirty="0" smtClean="0">
+              <a:solidFill>
+                <a:schemeClr val="tx1"/>
+              </a:solidFill>
+            </a:endParaRPr>
+          </a:p>
+        </p:txBody>
+      </p:sp>
+      <p:cxnSp>
+        <p:nvCxnSpPr>
+          <p:cNvPr id="63" name="Gerade Verbindung mit Pfeil 62"/>
+          <p:cNvCxnSpPr/>
+          <p:nvPr/>
+        </p:nvCxnSpPr>
+        <p:spPr bwMode="auto">
+          <a:xfrm flipV="1">
+            <a:off x="2369323" y="3794484"/>
+            <a:ext cx="254341" cy="3554"/>
+          </a:xfrm>
+          <a:prstGeom prst="straightConnector1">
+            <a:avLst/>
+          </a:prstGeom>
+          <a:ln>
+            <a:tailEnd type="triangle"/>
+          </a:ln>
+          <a:extLst>
+            <a:ext uri="{909E8E84-426E-40dd-AFC4-6F175D3DCCD1}">
+              <a14:hiddenFill xmlns="" xmlns:a14="http://schemas.microsoft.com/office/drawing/2010/main">
+                <a:solidFill>
+                  <a:schemeClr val="accent1"/>
+                </a:solidFill>
+              </a14:hiddenFill>
+            </a:ext>
+            <a:ext uri="{91240B29-F687-4f45-9708-019B960494DF}">
+              <a14:hiddenLine xmlns="" xmlns:a14="http://schemas.microsoft.com/office/drawing/2010/main" w="9525" cap="flat" cmpd="sng" algn="ctr">
+                <a:solidFill>
+                  <a:schemeClr val="tx1"/>
+                </a:solidFill>
+                <a:prstDash val="solid"/>
+                <a:round/>
+                <a:headEnd type="none" w="med" len="med"/>
+                <a:tailEnd type="none" w="med" len="med"/>
+              </a14:hiddenLine>
+            </a:ext>
+            <a:ext uri="{AF507438-7753-43e0-B8FC-AC1667EBCBE1}">
+              <a14:hiddenEffects xmlns="" xmlns:a14="http://schemas.microsoft.com/office/drawing/2010/main">
+                <a:effectLst>
+                  <a:outerShdw blurRad="63500" dist="35921" dir="2700000" algn="ctr" rotWithShape="0">
+                    <a:schemeClr val="bg2"/>
+                  </a:outerShdw>
+                </a:effectLst>
+              </a14:hiddenEffects>
+            </a:ext>
+          </a:extLst>
+        </p:spPr>
+        <p:style>
+          <a:lnRef idx="1">
+            <a:schemeClr val="dk1"/>
+          </a:lnRef>
+          <a:fillRef idx="0">
+            <a:schemeClr val="dk1"/>
+          </a:fillRef>
+          <a:effectRef idx="0">
+            <a:schemeClr val="dk1"/>
+          </a:effectRef>
+          <a:fontRef idx="minor">
+            <a:schemeClr val="tx1"/>
+          </a:fontRef>
+        </p:style>
+      </p:cxnSp>
+      <p:cxnSp>
+        <p:nvCxnSpPr>
+          <p:cNvPr id="65" name="Gerade Verbindung mit Pfeil 64"/>
+          <p:cNvCxnSpPr/>
+          <p:nvPr/>
+        </p:nvCxnSpPr>
+        <p:spPr bwMode="auto">
+          <a:xfrm flipV="1">
+            <a:off x="3221948" y="3799408"/>
+            <a:ext cx="254341" cy="3554"/>
+          </a:xfrm>
+          <a:prstGeom prst="straightConnector1">
+            <a:avLst/>
+          </a:prstGeom>
+          <a:ln>
+            <a:tailEnd type="triangle"/>
+          </a:ln>
+          <a:extLst>
+            <a:ext uri="{909E8E84-426E-40dd-AFC4-6F175D3DCCD1}">
+              <a14:hiddenFill xmlns="" xmlns:a14="http://schemas.microsoft.com/office/drawing/2010/main">
+                <a:solidFill>
+                  <a:schemeClr val="accent1"/>
+                </a:solidFill>
+              </a14:hiddenFill>
+            </a:ext>
+            <a:ext uri="{91240B29-F687-4f45-9708-019B960494DF}">
+              <a14:hiddenLine xmlns="" xmlns:a14="http://schemas.microsoft.com/office/drawing/2010/main" w="9525" cap="flat" cmpd="sng" algn="ctr">
+                <a:solidFill>
+                  <a:schemeClr val="tx1"/>
+                </a:solidFill>
+                <a:prstDash val="solid"/>
+                <a:round/>
+                <a:headEnd type="none" w="med" len="med"/>
+                <a:tailEnd type="none" w="med" len="med"/>
+              </a14:hiddenLine>
+            </a:ext>
+            <a:ext uri="{AF507438-7753-43e0-B8FC-AC1667EBCBE1}">
+              <a14:hiddenEffects xmlns="" xmlns:a14="http://schemas.microsoft.com/office/drawing/2010/main">
+                <a:effectLst>
+                  <a:outerShdw blurRad="63500" dist="35921" dir="2700000" algn="ctr" rotWithShape="0">
+                    <a:schemeClr val="bg2"/>
+                  </a:outerShdw>
+                </a:effectLst>
+              </a14:hiddenEffects>
+            </a:ext>
+          </a:extLst>
+        </p:spPr>
+        <p:style>
+          <a:lnRef idx="1">
+            <a:schemeClr val="dk1"/>
+          </a:lnRef>
+          <a:fillRef idx="0">
+            <a:schemeClr val="dk1"/>
+          </a:fillRef>
+          <a:effectRef idx="0">
+            <a:schemeClr val="dk1"/>
+          </a:effectRef>
+          <a:fontRef idx="minor">
+            <a:schemeClr val="tx1"/>
+          </a:fontRef>
+        </p:style>
+      </p:cxnSp>
+      <p:sp>
+        <p:nvSpPr>
+          <p:cNvPr id="66" name="Textfeld 65"/>
+          <p:cNvSpPr txBox="1"/>
+          <p:nvPr/>
+        </p:nvSpPr>
+        <p:spPr>
+          <a:xfrm>
+            <a:off x="2656713" y="3460391"/>
+            <a:ext cx="556563" cy="369332"/>
+          </a:xfrm>
+          <a:prstGeom prst="rect">
+            <a:avLst/>
+          </a:prstGeom>
+          <a:noFill/>
+        </p:spPr>
+        <p:txBody>
+          <a:bodyPr wrap="none" rtlCol="0">
+            <a:spAutoFit/>
+          </a:bodyPr>
+          <a:lstStyle/>
+          <a:p>
+            <a:r>
+              <a:rPr lang="de-DE" dirty="0" smtClean="0">
+                <a:solidFill>
+                  <a:schemeClr val="tx1"/>
+                </a:solidFill>
+              </a:rPr>
+              <a:t>16x</a:t>
+            </a:r>
+            <a:endParaRPr lang="de-DE" dirty="0">
+              <a:solidFill>
+                <a:schemeClr val="tx1"/>
+              </a:solidFill>
+            </a:endParaRPr>
+          </a:p>
+        </p:txBody>
+      </p:sp>
+      <p:sp>
+        <p:nvSpPr>
+          <p:cNvPr id="72" name="Textfeld 71"/>
+          <p:cNvSpPr txBox="1"/>
+          <p:nvPr/>
+        </p:nvSpPr>
+        <p:spPr>
+          <a:xfrm>
+            <a:off x="5794019" y="3529379"/>
+            <a:ext cx="415498" cy="369332"/>
+          </a:xfrm>
+          <a:prstGeom prst="rect">
+            <a:avLst/>
+          </a:prstGeom>
+          <a:noFill/>
+        </p:spPr>
+        <p:txBody>
+          <a:bodyPr wrap="none" rtlCol="0">
+            <a:spAutoFit/>
+          </a:bodyPr>
+          <a:lstStyle/>
+          <a:p>
+            <a:r>
+              <a:rPr lang="de-DE" dirty="0" smtClean="0">
+                <a:solidFill>
+                  <a:schemeClr val="tx1"/>
+                </a:solidFill>
+              </a:rPr>
+              <a:t>…</a:t>
+            </a:r>
+            <a:endParaRPr lang="de-DE" dirty="0">
+              <a:solidFill>
+                <a:schemeClr val="tx1"/>
+              </a:solidFill>
+            </a:endParaRPr>
+          </a:p>
+        </p:txBody>
+      </p:sp>
+      <p:cxnSp>
+        <p:nvCxnSpPr>
+          <p:cNvPr id="73" name="Gerade Verbindung mit Pfeil 72"/>
+          <p:cNvCxnSpPr/>
+          <p:nvPr/>
+        </p:nvCxnSpPr>
+        <p:spPr bwMode="auto">
+          <a:xfrm flipV="1">
+            <a:off x="5436096" y="3763093"/>
+            <a:ext cx="254341" cy="3554"/>
+          </a:xfrm>
+          <a:prstGeom prst="straightConnector1">
+            <a:avLst/>
+          </a:prstGeom>
+          <a:ln>
+            <a:tailEnd type="triangle"/>
+          </a:ln>
+          <a:extLst>
+            <a:ext uri="{909E8E84-426E-40dd-AFC4-6F175D3DCCD1}">
+              <a14:hiddenFill xmlns="" xmlns:a14="http://schemas.microsoft.com/office/drawing/2010/main">
+                <a:solidFill>
+                  <a:schemeClr val="accent1"/>
+                </a:solidFill>
+              </a14:hiddenFill>
+            </a:ext>
+            <a:ext uri="{91240B29-F687-4f45-9708-019B960494DF}">
+              <a14:hiddenLine xmlns="" xmlns:a14="http://schemas.microsoft.com/office/drawing/2010/main" w="9525" cap="flat" cmpd="sng" algn="ctr">
+                <a:solidFill>
+                  <a:schemeClr val="tx1"/>
+                </a:solidFill>
+                <a:prstDash val="solid"/>
+                <a:round/>
+                <a:headEnd type="none" w="med" len="med"/>
+                <a:tailEnd type="none" w="med" len="med"/>
+              </a14:hiddenLine>
+            </a:ext>
+            <a:ext uri="{AF507438-7753-43e0-B8FC-AC1667EBCBE1}">
+              <a14:hiddenEffects xmlns="" xmlns:a14="http://schemas.microsoft.com/office/drawing/2010/main">
+                <a:effectLst>
+                  <a:outerShdw blurRad="63500" dist="35921" dir="2700000" algn="ctr" rotWithShape="0">
+                    <a:schemeClr val="bg2"/>
+                  </a:outerShdw>
+                </a:effectLst>
+              </a14:hiddenEffects>
+            </a:ext>
+          </a:extLst>
+        </p:spPr>
+        <p:style>
+          <a:lnRef idx="1">
+            <a:schemeClr val="dk1"/>
+          </a:lnRef>
+          <a:fillRef idx="0">
+            <a:schemeClr val="dk1"/>
+          </a:fillRef>
+          <a:effectRef idx="0">
+            <a:schemeClr val="dk1"/>
+          </a:effectRef>
+          <a:fontRef idx="minor">
+            <a:schemeClr val="tx1"/>
+          </a:fontRef>
+        </p:style>
+      </p:cxnSp>
+      <p:cxnSp>
+        <p:nvCxnSpPr>
+          <p:cNvPr id="74" name="Gerade Verbindung mit Pfeil 73"/>
+          <p:cNvCxnSpPr/>
+          <p:nvPr/>
+        </p:nvCxnSpPr>
+        <p:spPr bwMode="auto">
+          <a:xfrm flipV="1">
+            <a:off x="6288721" y="3768017"/>
+            <a:ext cx="254341" cy="3554"/>
+          </a:xfrm>
+          <a:prstGeom prst="straightConnector1">
+            <a:avLst/>
+          </a:prstGeom>
+          <a:ln>
+            <a:tailEnd type="triangle"/>
+          </a:ln>
+          <a:extLst>
+            <a:ext uri="{909E8E84-426E-40dd-AFC4-6F175D3DCCD1}">
+              <a14:hiddenFill xmlns="" xmlns:a14="http://schemas.microsoft.com/office/drawing/2010/main">
+                <a:solidFill>
+                  <a:schemeClr val="accent1"/>
+                </a:solidFill>
+              </a14:hiddenFill>
+            </a:ext>
+            <a:ext uri="{91240B29-F687-4f45-9708-019B960494DF}">
+              <a14:hiddenLine xmlns="" xmlns:a14="http://schemas.microsoft.com/office/drawing/2010/main" w="9525" cap="flat" cmpd="sng" algn="ctr">
+                <a:solidFill>
+                  <a:schemeClr val="tx1"/>
+                </a:solidFill>
+                <a:prstDash val="solid"/>
+                <a:round/>
+                <a:headEnd type="none" w="med" len="med"/>
+                <a:tailEnd type="none" w="med" len="med"/>
+              </a14:hiddenLine>
+            </a:ext>
+            <a:ext uri="{AF507438-7753-43e0-B8FC-AC1667EBCBE1}">
+              <a14:hiddenEffects xmlns="" xmlns:a14="http://schemas.microsoft.com/office/drawing/2010/main">
+                <a:effectLst>
+                  <a:outerShdw blurRad="63500" dist="35921" dir="2700000" algn="ctr" rotWithShape="0">
+                    <a:schemeClr val="bg2"/>
+                  </a:outerShdw>
+                </a:effectLst>
+              </a14:hiddenEffects>
+            </a:ext>
+          </a:extLst>
+        </p:spPr>
+        <p:style>
+          <a:lnRef idx="1">
+            <a:schemeClr val="dk1"/>
+          </a:lnRef>
+          <a:fillRef idx="0">
+            <a:schemeClr val="dk1"/>
+          </a:fillRef>
+          <a:effectRef idx="0">
+            <a:schemeClr val="dk1"/>
+          </a:effectRef>
+          <a:fontRef idx="minor">
+            <a:schemeClr val="tx1"/>
+          </a:fontRef>
+        </p:style>
+      </p:cxnSp>
+      <p:sp>
+        <p:nvSpPr>
+          <p:cNvPr id="75" name="Textfeld 74"/>
+          <p:cNvSpPr txBox="1"/>
+          <p:nvPr/>
+        </p:nvSpPr>
+        <p:spPr>
+          <a:xfrm>
+            <a:off x="5723486" y="3429000"/>
+            <a:ext cx="556563" cy="369332"/>
+          </a:xfrm>
+          <a:prstGeom prst="rect">
+            <a:avLst/>
+          </a:prstGeom>
+          <a:noFill/>
+        </p:spPr>
+        <p:txBody>
+          <a:bodyPr wrap="none" rtlCol="0">
+            <a:spAutoFit/>
+          </a:bodyPr>
+          <a:lstStyle/>
+          <a:p>
+            <a:r>
+              <a:rPr lang="de-DE" dirty="0" smtClean="0">
+                <a:solidFill>
+                  <a:schemeClr val="tx1"/>
+                </a:solidFill>
+              </a:rPr>
+              <a:t>16x</a:t>
+            </a:r>
+            <a:endParaRPr lang="de-DE" dirty="0">
+              <a:solidFill>
+                <a:schemeClr val="tx1"/>
+              </a:solidFill>
             </a:endParaRPr>
           </a:p>
         </p:txBody>
@@ -11369,28 +14489,40 @@
               <a:t>Data </a:t>
             </a:r>
             <a:r>
+              <a:rPr lang="de-DE" dirty="0" smtClean="0"/>
+              <a:t>Transfer </a:t>
+            </a:r>
+            <a:r>
               <a:rPr lang="de-DE" dirty="0" err="1" smtClean="0"/>
-              <a:t>transfer</a:t>
+              <a:t>vs</a:t>
             </a:r>
             <a:r>
               <a:rPr lang="de-DE" dirty="0" smtClean="0"/>
               <a:t> </a:t>
             </a:r>
             <a:r>
+              <a:rPr lang="de-DE" dirty="0" err="1"/>
+              <a:t>C</a:t>
+            </a:r>
+            <a:r>
               <a:rPr lang="de-DE" dirty="0" err="1" smtClean="0"/>
-              <a:t>vs</a:t>
+              <a:t>alculation</a:t>
             </a:r>
             <a:r>
               <a:rPr lang="de-DE" dirty="0" smtClean="0"/>
               <a:t> </a:t>
             </a:r>
             <a:r>
-              <a:rPr lang="de-DE" dirty="0" err="1" smtClean="0"/>
-              <a:t>calculation</a:t>
+              <a:rPr lang="de-DE" dirty="0"/>
+              <a:t>T</a:t>
             </a:r>
             <a:r>
               <a:rPr lang="de-DE" dirty="0" smtClean="0"/>
-              <a:t> time (1 </a:t>
+              <a:t>ime </a:t>
+            </a:r>
+            <a:r>
+              <a:rPr lang="de-DE" dirty="0" smtClean="0"/>
+              <a:t>(1 </a:t>
             </a:r>
             <a:r>
               <a:rPr lang="de-DE" dirty="0" err="1" smtClean="0"/>
@@ -11427,17 +14559,17 @@
           <a:effectLst/>
           <a:extLst>
             <a:ext uri="{FAA26D3D-D897-4be2-8F04-BA451C77F1D7}">
-              <ma14:placeholderFlag xmlns="" xmlns:ma14="http://schemas.microsoft.com/office/mac/drawingml/2011/main" val="1"/>
+              <ma14:placeholderFlag xmlns:ma14="http://schemas.microsoft.com/office/mac/drawingml/2011/main" xmlns="" val="1"/>
             </a:ext>
             <a:ext uri="{909E8E84-426E-40dd-AFC4-6F175D3DCCD1}">
-              <a14:hiddenFill xmlns:a14="http://schemas.microsoft.com/office/drawing/2010/main" xmlns="">
+              <a14:hiddenFill xmlns="" xmlns:a14="http://schemas.microsoft.com/office/drawing/2010/main">
                 <a:solidFill>
                   <a:schemeClr val="accent1"/>
                 </a:solidFill>
               </a14:hiddenFill>
             </a:ext>
             <a:ext uri="{91240B29-F687-4f45-9708-019B960494DF}">
-              <a14:hiddenLine xmlns:a14="http://schemas.microsoft.com/office/drawing/2010/main" xmlns="" w="9525">
+              <a14:hiddenLine xmlns="" xmlns:a14="http://schemas.microsoft.com/office/drawing/2010/main" w="9525">
                 <a:solidFill>
                   <a:schemeClr val="tx1"/>
                 </a:solidFill>
@@ -11447,7 +14579,7 @@
               </a14:hiddenLine>
             </a:ext>
             <a:ext uri="{AF507438-7753-43e0-B8FC-AC1667EBCBE1}">
-              <a14:hiddenEffects xmlns:a14="http://schemas.microsoft.com/office/drawing/2010/main" xmlns="">
+              <a14:hiddenEffects xmlns="" xmlns:a14="http://schemas.microsoft.com/office/drawing/2010/main">
                 <a:effectLst>
                   <a:outerShdw blurRad="63500" dist="38099" dir="2700000" algn="ctr" rotWithShape="0">
                     <a:schemeClr val="bg2">
@@ -11733,14 +14865,14 @@
           <a:effectLst/>
           <a:extLst>
             <a:ext uri="{909E8E84-426E-40dd-AFC4-6F175D3DCCD1}">
-              <a14:hiddenFill xmlns:a14="http://schemas.microsoft.com/office/drawing/2010/main" xmlns="">
+              <a14:hiddenFill xmlns="" xmlns:a14="http://schemas.microsoft.com/office/drawing/2010/main">
                 <a:solidFill>
                   <a:schemeClr val="accent1"/>
                 </a:solidFill>
               </a14:hiddenFill>
             </a:ext>
             <a:ext uri="{91240B29-F687-4f45-9708-019B960494DF}">
-              <a14:hiddenLine xmlns:a14="http://schemas.microsoft.com/office/drawing/2010/main" xmlns="" w="9525">
+              <a14:hiddenLine xmlns="" xmlns:a14="http://schemas.microsoft.com/office/drawing/2010/main" w="9525">
                 <a:solidFill>
                   <a:schemeClr val="tx1"/>
                 </a:solidFill>
@@ -11750,7 +14882,7 @@
               </a14:hiddenLine>
             </a:ext>
             <a:ext uri="{AF507438-7753-43e0-B8FC-AC1667EBCBE1}">
-              <a14:hiddenEffects xmlns:a14="http://schemas.microsoft.com/office/drawing/2010/main" xmlns="">
+              <a14:hiddenEffects xmlns="" xmlns:a14="http://schemas.microsoft.com/office/drawing/2010/main">
                 <a:effectLst>
                   <a:outerShdw blurRad="63500" dist="38099" dir="2700000" algn="ctr" rotWithShape="0">
                     <a:schemeClr val="bg2">
@@ -11873,8 +15005,17 @@
               <a:rPr lang="en-GB" altLang="de-DE" dirty="0" smtClean="0">
                 <a:latin typeface="Univers Light" pitchFamily="-84" charset="0"/>
               </a:rPr>
-              <a:t>Performance results</a:t>
-            </a:r>
+              <a:t>Performance </a:t>
+            </a:r>
+            <a:r>
+              <a:rPr lang="en-GB" altLang="de-DE" dirty="0" smtClean="0">
+                <a:latin typeface="Univers Light" pitchFamily="-84" charset="0"/>
+              </a:rPr>
+              <a:t>Results</a:t>
+            </a:r>
+            <a:endParaRPr lang="en-GB" altLang="de-DE" dirty="0" smtClean="0">
+              <a:latin typeface="Univers Light" pitchFamily="-84" charset="0"/>
+            </a:endParaRPr>
           </a:p>
         </p:txBody>
       </p:sp>
@@ -11903,13 +15044,7 @@
               <a:rPr lang="en-GB" altLang="de-DE" dirty="0" smtClean="0">
                 <a:latin typeface="Univers Light" pitchFamily="-84" charset="0"/>
               </a:rPr>
-              <a:t>Results measured for 500 FFTs of size </a:t>
-            </a:r>
-            <a:r>
-              <a:rPr lang="en-GB" altLang="de-DE" dirty="0" smtClean="0">
-                <a:latin typeface="Univers Light" pitchFamily="-84" charset="0"/>
-              </a:rPr>
-              <a:t>256</a:t>
+              <a:t>Results measured for 500 FFTs of size 256</a:t>
             </a:r>
           </a:p>
           <a:p>
@@ -12041,14 +15176,14 @@
           <a:effectLst/>
           <a:extLst>
             <a:ext uri="{909E8E84-426E-40dd-AFC4-6F175D3DCCD1}">
-              <a14:hiddenFill xmlns:a14="http://schemas.microsoft.com/office/drawing/2010/main" xmlns="">
+              <a14:hiddenFill xmlns="" xmlns:a14="http://schemas.microsoft.com/office/drawing/2010/main">
                 <a:solidFill>
                   <a:schemeClr val="accent1"/>
                 </a:solidFill>
               </a14:hiddenFill>
             </a:ext>
             <a:ext uri="{91240B29-F687-4f45-9708-019B960494DF}">
-              <a14:hiddenLine xmlns:a14="http://schemas.microsoft.com/office/drawing/2010/main" xmlns="" w="9525">
+              <a14:hiddenLine xmlns="" xmlns:a14="http://schemas.microsoft.com/office/drawing/2010/main" w="9525">
                 <a:solidFill>
                   <a:schemeClr val="tx1"/>
                 </a:solidFill>
@@ -12058,7 +15193,7 @@
               </a14:hiddenLine>
             </a:ext>
             <a:ext uri="{AF507438-7753-43e0-B8FC-AC1667EBCBE1}">
-              <a14:hiddenEffects xmlns:a14="http://schemas.microsoft.com/office/drawing/2010/main" xmlns="">
+              <a14:hiddenEffects xmlns="" xmlns:a14="http://schemas.microsoft.com/office/drawing/2010/main">
                 <a:effectLst>
                   <a:outerShdw blurRad="63500" dist="38099" dir="2700000" algn="ctr" rotWithShape="0">
                     <a:schemeClr val="bg2">
@@ -12111,14 +15246,14 @@
               <p:nvPr>
                 <p:extLst>
                   <p:ext uri="{D42A27DB-BD31-4B8C-83A1-F6EECF244321}">
-                    <p14:modId xmlns:p14="http://schemas.microsoft.com/office/powerpoint/2010/main" val="2432646015"/>
+                    <p14:modId xmlns:p14="http://schemas.microsoft.com/office/powerpoint/2010/main" val="1356379419"/>
                   </p:ext>
                 </p:extLst>
               </p:nvPr>
             </p:nvGraphicFramePr>
             <p:xfrm>
               <a:off x="971600" y="1397000"/>
-              <a:ext cx="6999913" cy="3571240"/>
+              <a:ext cx="7101513" cy="3302000"/>
             </p:xfrm>
             <a:graphic>
               <a:graphicData uri="http://schemas.openxmlformats.org/drawingml/2006/table">
@@ -12127,7 +15262,7 @@
                     <a:tableStyleId>{616DA210-FB5B-4158-B5E0-FEB733F419BA}</a:tableStyleId>
                   </a:tblPr>
                   <a:tblGrid>
-                    <a:gridCol w="3802380"/>
+                    <a:gridCol w="3903980"/>
                     <a:gridCol w="1529080"/>
                     <a:gridCol w="1668453"/>
                   </a:tblGrid>
@@ -12229,7 +15364,13 @@
                             <a:rPr lang="en-GB" b="0" noProof="0" dirty="0" smtClean="0">
                               <a:latin typeface="Univers Light"/>
                             </a:rPr>
-                            <a:t>Write time</a:t>
+                            <a:t>Write </a:t>
+                          </a:r>
+                          <a:r>
+                            <a:rPr lang="en-GB" b="0" noProof="0" dirty="0" smtClean="0">
+                              <a:latin typeface="Univers Light"/>
+                            </a:rPr>
+                            <a:t>Time</a:t>
                           </a:r>
                           <a:endParaRPr lang="en-GB" b="0" noProof="0" dirty="0">
                             <a:latin typeface="Univers Light"/>
@@ -12362,7 +15503,13 @@
                             <a:rPr lang="en-GB" noProof="0" dirty="0" smtClean="0">
                               <a:latin typeface="Univers Light"/>
                             </a:rPr>
-                            <a:t>Computation time</a:t>
+                            <a:t>Computation </a:t>
+                          </a:r>
+                          <a:r>
+                            <a:rPr lang="en-GB" noProof="0" dirty="0" smtClean="0">
+                              <a:latin typeface="Univers Light"/>
+                            </a:rPr>
+                            <a:t>Time</a:t>
                           </a:r>
                           <a:endParaRPr lang="en-GB" noProof="0" dirty="0">
                             <a:latin typeface="Univers Light"/>
@@ -12452,12 +15599,6 @@
                             </a:rPr>
                             <a:t>ms</a:t>
                           </a:r>
-                          <a:r>
-                            <a:rPr lang="en-GB" noProof="0" dirty="0" smtClean="0">
-                              <a:latin typeface="Univers Light"/>
-                            </a:rPr>
-                            <a:t> Speedup</a:t>
-                          </a:r>
                           <a:endParaRPr lang="en-GB" noProof="0" dirty="0">
                             <a:latin typeface="Univers Light"/>
                           </a:endParaRPr>
@@ -12486,7 +15627,13 @@
                             <a:rPr lang="en-GB" noProof="0" dirty="0" smtClean="0">
                               <a:latin typeface="Univers Light"/>
                             </a:rPr>
-                            <a:t>Read time</a:t>
+                            <a:t>Read </a:t>
+                          </a:r>
+                          <a:r>
+                            <a:rPr lang="en-GB" noProof="0" dirty="0" smtClean="0">
+                              <a:latin typeface="Univers Light"/>
+                            </a:rPr>
+                            <a:t>Time</a:t>
                           </a:r>
                           <a:endParaRPr lang="en-GB" noProof="0" dirty="0">
                             <a:latin typeface="Univers Light"/>
@@ -12562,7 +15709,19 @@
                             <a:rPr lang="en-GB" baseline="0" noProof="0" dirty="0" smtClean="0">
                               <a:latin typeface="Univers Light"/>
                             </a:rPr>
-                            <a:t> of floating point operations</a:t>
+                            <a:t> of </a:t>
+                          </a:r>
+                          <a:r>
+                            <a:rPr lang="en-GB" baseline="0" noProof="0" dirty="0" err="1" smtClean="0">
+                              <a:latin typeface="Univers Light"/>
+                            </a:rPr>
+                            <a:t>Foating</a:t>
+                          </a:r>
+                          <a:r>
+                            <a:rPr lang="en-GB" baseline="0" noProof="0" dirty="0" smtClean="0">
+                              <a:latin typeface="Univers Light"/>
+                            </a:rPr>
+                            <a:t> Point Operations</a:t>
                           </a:r>
                           <a:endParaRPr lang="en-GB" noProof="0" dirty="0">
                             <a:latin typeface="Univers Light"/>
@@ -12714,7 +15873,13 @@
                             <a:rPr lang="en-GB" baseline="0" noProof="0" dirty="0" smtClean="0">
                               <a:latin typeface="Univers Light"/>
                             </a:rPr>
-                            <a:t> computation part</a:t>
+                            <a:t> </a:t>
+                          </a:r>
+                          <a:r>
+                            <a:rPr lang="en-GB" baseline="0" noProof="0" dirty="0" smtClean="0">
+                              <a:latin typeface="Univers Light"/>
+                            </a:rPr>
+                            <a:t>Computation Part</a:t>
                           </a:r>
                           <a:endParaRPr lang="en-GB" noProof="0" dirty="0">
                             <a:latin typeface="Univers Light"/>
@@ -12795,8 +15960,17 @@
                             <a:rPr lang="en-GB" noProof="0" dirty="0" smtClean="0">
                               <a:latin typeface="Univers Light"/>
                             </a:rPr>
-                            <a:t>MFLOP/s in whole program</a:t>
+                            <a:t>MFLOP/s in </a:t>
                           </a:r>
+                          <a:r>
+                            <a:rPr lang="en-GB" noProof="0" dirty="0" smtClean="0">
+                              <a:latin typeface="Univers Light"/>
+                            </a:rPr>
+                            <a:t>whole Program</a:t>
+                          </a:r>
+                          <a:endParaRPr lang="en-GB" noProof="0" dirty="0" smtClean="0">
+                            <a:latin typeface="Univers Light"/>
+                          </a:endParaRPr>
                         </a:p>
                       </a:txBody>
                       <a:tcPr/>
@@ -12885,7 +16059,25 @@
                             <a:rPr lang="en-GB" baseline="0" noProof="0" dirty="0" smtClean="0">
                               <a:latin typeface="Univers Light"/>
                             </a:rPr>
-                            <a:t> rate: write</a:t>
+                            <a:t> </a:t>
+                          </a:r>
+                          <a:r>
+                            <a:rPr lang="en-GB" baseline="0" noProof="0" dirty="0" smtClean="0">
+                              <a:latin typeface="Univers Light"/>
+                            </a:rPr>
+                            <a:t>Rate</a:t>
+                          </a:r>
+                          <a:r>
+                            <a:rPr lang="en-GB" baseline="0" noProof="0" dirty="0" smtClean="0">
+                              <a:latin typeface="Univers Light"/>
+                            </a:rPr>
+                            <a:t>: </a:t>
+                          </a:r>
+                          <a:r>
+                            <a:rPr lang="en-GB" baseline="0" noProof="0" dirty="0" smtClean="0">
+                              <a:latin typeface="Univers Light"/>
+                            </a:rPr>
+                            <a:t>Write</a:t>
                           </a:r>
                           <a:endParaRPr lang="en-GB" noProof="0" dirty="0" smtClean="0">
                             <a:latin typeface="Univers Light"/>
@@ -12981,8 +16173,29 @@
                             <a:rPr lang="en-GB" noProof="0" dirty="0" smtClean="0">
                               <a:latin typeface="Univers Light"/>
                             </a:rPr>
-                            <a:t>Transfer rate: read</a:t>
+                            <a:t>Transfer </a:t>
                           </a:r>
+                          <a:r>
+                            <a:rPr lang="en-GB" noProof="0" dirty="0" smtClean="0">
+                              <a:latin typeface="Univers Light"/>
+                            </a:rPr>
+                            <a:t>Rate</a:t>
+                          </a:r>
+                          <a:r>
+                            <a:rPr lang="en-GB" noProof="0" dirty="0" smtClean="0">
+                              <a:latin typeface="Univers Light"/>
+                            </a:rPr>
+                            <a:t>: </a:t>
+                          </a:r>
+                          <a:r>
+                            <a:rPr lang="en-GB" noProof="0" dirty="0" smtClean="0">
+                              <a:latin typeface="Univers Light"/>
+                            </a:rPr>
+                            <a:t>Read</a:t>
+                          </a:r>
+                          <a:endParaRPr lang="en-GB" noProof="0" dirty="0" smtClean="0">
+                            <a:latin typeface="Univers Light"/>
+                          </a:endParaRPr>
                         </a:p>
                       </a:txBody>
                       <a:tcPr/>
@@ -13062,14 +16275,14 @@
               <p:nvPr>
                 <p:extLst>
                   <p:ext uri="{D42A27DB-BD31-4B8C-83A1-F6EECF244321}">
-                    <p14:modId xmlns:p14="http://schemas.microsoft.com/office/powerpoint/2010/main" val="2432646015"/>
+                    <p14:modId xmlns:p14="http://schemas.microsoft.com/office/powerpoint/2010/main" val="1356379419"/>
                   </p:ext>
                 </p:extLst>
               </p:nvPr>
             </p:nvGraphicFramePr>
             <p:xfrm>
               <a:off x="971600" y="1397000"/>
-              <a:ext cx="6999913" cy="3571240"/>
+              <a:ext cx="7101513" cy="3302000"/>
             </p:xfrm>
             <a:graphic>
               <a:graphicData uri="http://schemas.openxmlformats.org/drawingml/2006/table">
@@ -13078,7 +16291,7 @@
                     <a:tableStyleId>{616DA210-FB5B-4158-B5E0-FEB733F419BA}</a:tableStyleId>
                   </a:tblPr>
                   <a:tblGrid>
-                    <a:gridCol w="3802380"/>
+                    <a:gridCol w="3903980"/>
                     <a:gridCol w="1529080"/>
                     <a:gridCol w="1668453"/>
                   </a:tblGrid>
@@ -13180,7 +16393,13 @@
                             <a:rPr lang="en-GB" b="0" noProof="0" dirty="0" smtClean="0">
                               <a:latin typeface="Univers Light"/>
                             </a:rPr>
-                            <a:t>Write time</a:t>
+                            <a:t>Write </a:t>
+                          </a:r>
+                          <a:r>
+                            <a:rPr lang="en-GB" b="0" noProof="0" dirty="0" smtClean="0">
+                              <a:latin typeface="Univers Light"/>
+                            </a:rPr>
+                            <a:t>Time</a:t>
                           </a:r>
                           <a:endParaRPr lang="en-GB" b="0" noProof="0" dirty="0">
                             <a:latin typeface="Univers Light"/>
@@ -13303,7 +16522,7 @@
                       </a:tcPr>
                     </a:tc>
                   </a:tr>
-                  <a:tr h="640080">
+                  <a:tr h="370840">
                     <a:tc>
                       <a:txBody>
                         <a:bodyPr/>
@@ -13313,7 +16532,13 @@
                             <a:rPr lang="en-GB" noProof="0" dirty="0" smtClean="0">
                               <a:latin typeface="Univers Light"/>
                             </a:rPr>
-                            <a:t>Computation time</a:t>
+                            <a:t>Computation </a:t>
+                          </a:r>
+                          <a:r>
+                            <a:rPr lang="en-GB" noProof="0" dirty="0" smtClean="0">
+                              <a:latin typeface="Univers Light"/>
+                            </a:rPr>
+                            <a:t>Time</a:t>
                           </a:r>
                           <a:endParaRPr lang="en-GB" noProof="0" dirty="0">
                             <a:latin typeface="Univers Light"/>
@@ -13403,12 +16628,6 @@
                             </a:rPr>
                             <a:t>ms</a:t>
                           </a:r>
-                          <a:r>
-                            <a:rPr lang="en-GB" noProof="0" dirty="0" smtClean="0">
-                              <a:latin typeface="Univers Light"/>
-                            </a:rPr>
-                            <a:t> Speedup</a:t>
-                          </a:r>
                           <a:endParaRPr lang="en-GB" noProof="0" dirty="0">
                             <a:latin typeface="Univers Light"/>
                           </a:endParaRPr>
@@ -13437,7 +16656,13 @@
                             <a:rPr lang="en-GB" noProof="0" dirty="0" smtClean="0">
                               <a:latin typeface="Univers Light"/>
                             </a:rPr>
-                            <a:t>Read time</a:t>
+                            <a:t>Read </a:t>
+                          </a:r>
+                          <a:r>
+                            <a:rPr lang="en-GB" noProof="0" dirty="0" smtClean="0">
+                              <a:latin typeface="Univers Light"/>
+                            </a:rPr>
+                            <a:t>Time</a:t>
                           </a:r>
                           <a:endParaRPr lang="en-GB" noProof="0" dirty="0">
                             <a:latin typeface="Univers Light"/>
@@ -13513,7 +16738,19 @@
                             <a:rPr lang="en-GB" baseline="0" noProof="0" dirty="0" smtClean="0">
                               <a:latin typeface="Univers Light"/>
                             </a:rPr>
-                            <a:t> of floating point operations</a:t>
+                            <a:t> of </a:t>
+                          </a:r>
+                          <a:r>
+                            <a:rPr lang="en-GB" baseline="0" noProof="0" dirty="0" err="1" smtClean="0">
+                              <a:latin typeface="Univers Light"/>
+                            </a:rPr>
+                            <a:t>Foating</a:t>
+                          </a:r>
+                          <a:r>
+                            <a:rPr lang="en-GB" baseline="0" noProof="0" dirty="0" smtClean="0">
+                              <a:latin typeface="Univers Light"/>
+                            </a:rPr>
+                            <a:t> Point Operations</a:t>
                           </a:r>
                           <a:endParaRPr lang="en-GB" noProof="0" dirty="0">
                             <a:latin typeface="Univers Light"/>
@@ -13534,7 +16771,7 @@
                         <a:blipFill rotWithShape="0">
                           <a:blip r:embed="rId2"/>
                           <a:stretch>
-                            <a:fillRect l="-249004" t="-485000" r="-109960" b="-426667"/>
+                            <a:fillRect l="-255777" t="-411667" r="-109960" b="-426667"/>
                           </a:stretch>
                         </a:blipFill>
                       </a:tcPr>
@@ -13551,7 +16788,7 @@
                         <a:blipFill rotWithShape="0">
                           <a:blip r:embed="rId2"/>
                           <a:stretch>
-                            <a:fillRect l="-319708" t="-485000" r="-730" b="-426667"/>
+                            <a:fillRect l="-325912" t="-411667" r="-730" b="-426667"/>
                           </a:stretch>
                         </a:blipFill>
                       </a:tcPr>
@@ -13573,7 +16810,13 @@
                             <a:rPr lang="en-GB" baseline="0" noProof="0" dirty="0" smtClean="0">
                               <a:latin typeface="Univers Light"/>
                             </a:rPr>
-                            <a:t> computation part</a:t>
+                            <a:t> </a:t>
+                          </a:r>
+                          <a:r>
+                            <a:rPr lang="en-GB" baseline="0" noProof="0" dirty="0" smtClean="0">
+                              <a:latin typeface="Univers Light"/>
+                            </a:rPr>
+                            <a:t>Computation Part</a:t>
                           </a:r>
                           <a:endParaRPr lang="en-GB" noProof="0" dirty="0">
                             <a:latin typeface="Univers Light"/>
@@ -13654,8 +16897,17 @@
                             <a:rPr lang="en-GB" noProof="0" dirty="0" smtClean="0">
                               <a:latin typeface="Univers Light"/>
                             </a:rPr>
-                            <a:t>MFLOP/s in whole program</a:t>
+                            <a:t>MFLOP/s in </a:t>
                           </a:r>
+                          <a:r>
+                            <a:rPr lang="en-GB" noProof="0" dirty="0" smtClean="0">
+                              <a:latin typeface="Univers Light"/>
+                            </a:rPr>
+                            <a:t>whole Program</a:t>
+                          </a:r>
+                          <a:endParaRPr lang="en-GB" noProof="0" dirty="0" smtClean="0">
+                            <a:latin typeface="Univers Light"/>
+                          </a:endParaRPr>
                         </a:p>
                       </a:txBody>
                       <a:tcPr/>
@@ -13744,7 +16996,25 @@
                             <a:rPr lang="en-GB" baseline="0" noProof="0" dirty="0" smtClean="0">
                               <a:latin typeface="Univers Light"/>
                             </a:rPr>
-                            <a:t> rate: write</a:t>
+                            <a:t> </a:t>
+                          </a:r>
+                          <a:r>
+                            <a:rPr lang="en-GB" baseline="0" noProof="0" dirty="0" smtClean="0">
+                              <a:latin typeface="Univers Light"/>
+                            </a:rPr>
+                            <a:t>Rate</a:t>
+                          </a:r>
+                          <a:r>
+                            <a:rPr lang="en-GB" baseline="0" noProof="0" dirty="0" smtClean="0">
+                              <a:latin typeface="Univers Light"/>
+                            </a:rPr>
+                            <a:t>: </a:t>
+                          </a:r>
+                          <a:r>
+                            <a:rPr lang="en-GB" baseline="0" noProof="0" dirty="0" smtClean="0">
+                              <a:latin typeface="Univers Light"/>
+                            </a:rPr>
+                            <a:t>Write</a:t>
                           </a:r>
                           <a:endParaRPr lang="en-GB" noProof="0" dirty="0" smtClean="0">
                             <a:latin typeface="Univers Light"/>
@@ -13840,8 +17110,29 @@
                             <a:rPr lang="en-GB" noProof="0" dirty="0" smtClean="0">
                               <a:latin typeface="Univers Light"/>
                             </a:rPr>
-                            <a:t>Transfer rate: read</a:t>
+                            <a:t>Transfer </a:t>
                           </a:r>
+                          <a:r>
+                            <a:rPr lang="en-GB" noProof="0" dirty="0" smtClean="0">
+                              <a:latin typeface="Univers Light"/>
+                            </a:rPr>
+                            <a:t>Rate</a:t>
+                          </a:r>
+                          <a:r>
+                            <a:rPr lang="en-GB" noProof="0" dirty="0" smtClean="0">
+                              <a:latin typeface="Univers Light"/>
+                            </a:rPr>
+                            <a:t>: </a:t>
+                          </a:r>
+                          <a:r>
+                            <a:rPr lang="en-GB" noProof="0" dirty="0" smtClean="0">
+                              <a:latin typeface="Univers Light"/>
+                            </a:rPr>
+                            <a:t>Read</a:t>
+                          </a:r>
+                          <a:endParaRPr lang="en-GB" noProof="0" dirty="0" smtClean="0">
+                            <a:latin typeface="Univers Light"/>
+                          </a:endParaRPr>
                         </a:p>
                       </a:txBody>
                       <a:tcPr/>
@@ -13989,16 +17280,24 @@
               <a:t> </a:t>
             </a:r>
             <a:r>
+              <a:rPr lang="de-DE" dirty="0" err="1"/>
+              <a:t>C</a:t>
+            </a:r>
+            <a:r>
               <a:rPr lang="de-DE" dirty="0" err="1" smtClean="0"/>
-              <a:t>calculation</a:t>
+              <a:t>alculation</a:t>
             </a:r>
             <a:r>
               <a:rPr lang="de-DE" dirty="0" smtClean="0"/>
               <a:t> </a:t>
             </a:r>
             <a:r>
-              <a:rPr lang="de-DE" dirty="0" err="1" smtClean="0"/>
-              <a:t>part</a:t>
+              <a:rPr lang="de-DE" dirty="0"/>
+              <a:t>P</a:t>
+            </a:r>
+            <a:r>
+              <a:rPr lang="de-DE" dirty="0" smtClean="0"/>
+              <a:t>art</a:t>
             </a:r>
             <a:endParaRPr lang="de-DE" dirty="0"/>
           </a:p>
@@ -14051,14 +17350,14 @@
           <a:effectLst/>
           <a:extLst>
             <a:ext uri="{909E8E84-426E-40dd-AFC4-6F175D3DCCD1}">
-              <a14:hiddenFill xmlns:a14="http://schemas.microsoft.com/office/drawing/2010/main" xmlns="">
+              <a14:hiddenFill xmlns="" xmlns:a14="http://schemas.microsoft.com/office/drawing/2010/main">
                 <a:solidFill>
                   <a:schemeClr val="accent1"/>
                 </a:solidFill>
               </a14:hiddenFill>
             </a:ext>
             <a:ext uri="{91240B29-F687-4f45-9708-019B960494DF}">
-              <a14:hiddenLine xmlns:a14="http://schemas.microsoft.com/office/drawing/2010/main" xmlns="" w="9525">
+              <a14:hiddenLine xmlns="" xmlns:a14="http://schemas.microsoft.com/office/drawing/2010/main" w="9525">
                 <a:solidFill>
                   <a:schemeClr val="tx1"/>
                 </a:solidFill>
@@ -14068,7 +17367,7 @@
               </a14:hiddenLine>
             </a:ext>
             <a:ext uri="{AF507438-7753-43e0-B8FC-AC1667EBCBE1}">
-              <a14:hiddenEffects xmlns:a14="http://schemas.microsoft.com/office/drawing/2010/main" xmlns="">
+              <a14:hiddenEffects xmlns="" xmlns:a14="http://schemas.microsoft.com/office/drawing/2010/main">
                 <a:effectLst>
                   <a:outerShdw blurRad="63500" dist="38099" dir="2700000" algn="ctr" rotWithShape="0">
                     <a:schemeClr val="bg2">
@@ -14221,14 +17520,14 @@
           <a:effectLst/>
           <a:extLst>
             <a:ext uri="{909E8E84-426E-40dd-AFC4-6F175D3DCCD1}">
-              <a14:hiddenFill xmlns:a14="http://schemas.microsoft.com/office/drawing/2010/main" xmlns="">
+              <a14:hiddenFill xmlns="" xmlns:a14="http://schemas.microsoft.com/office/drawing/2010/main">
                 <a:solidFill>
                   <a:schemeClr val="accent1"/>
                 </a:solidFill>
               </a14:hiddenFill>
             </a:ext>
             <a:ext uri="{91240B29-F687-4f45-9708-019B960494DF}">
-              <a14:hiddenLine xmlns:a14="http://schemas.microsoft.com/office/drawing/2010/main" xmlns="" w="9525">
+              <a14:hiddenLine xmlns="" xmlns:a14="http://schemas.microsoft.com/office/drawing/2010/main" w="9525">
                 <a:solidFill>
                   <a:schemeClr val="tx1"/>
                 </a:solidFill>
@@ -14238,7 +17537,7 @@
               </a14:hiddenLine>
             </a:ext>
             <a:ext uri="{AF507438-7753-43e0-B8FC-AC1667EBCBE1}">
-              <a14:hiddenEffects xmlns:a14="http://schemas.microsoft.com/office/drawing/2010/main" xmlns="">
+              <a14:hiddenEffects xmlns="" xmlns:a14="http://schemas.microsoft.com/office/drawing/2010/main">
                 <a:effectLst>
                   <a:outerShdw blurRad="63500" dist="38099" dir="2700000" algn="ctr" rotWithShape="0">
                     <a:schemeClr val="bg2">
@@ -14334,6 +17633,507 @@
           <a:p>
             <a:r>
               <a:rPr lang="de-DE" dirty="0" err="1" smtClean="0"/>
+              <a:t>Excursion</a:t>
+            </a:r>
+            <a:r>
+              <a:rPr lang="de-DE" dirty="0" smtClean="0"/>
+              <a:t>: Memory </a:t>
+            </a:r>
+            <a:r>
+              <a:rPr lang="de-DE" dirty="0" err="1" smtClean="0"/>
+              <a:t>Bandwidth</a:t>
+            </a:r>
+            <a:endParaRPr lang="de-DE" dirty="0"/>
+          </a:p>
+        </p:txBody>
+      </p:sp>
+      <p:sp>
+        <p:nvSpPr>
+          <p:cNvPr id="8" name="Rectangle 9"/>
+          <p:cNvSpPr>
+            <a:spLocks noChangeArrowheads="1"/>
+          </p:cNvSpPr>
+          <p:nvPr/>
+        </p:nvSpPr>
+        <p:spPr bwMode="auto">
+          <a:xfrm>
+            <a:off x="3276600" y="6524625"/>
+            <a:ext cx="2879725" cy="268288"/>
+          </a:xfrm>
+          <a:prstGeom prst="rect">
+            <a:avLst/>
+          </a:prstGeom>
+          <a:noFill/>
+          <a:ln>
+            <a:noFill/>
+          </a:ln>
+          <a:effectLst/>
+          <a:extLst>
+            <a:ext uri="{909E8E84-426E-40dd-AFC4-6F175D3DCCD1}">
+              <a14:hiddenFill xmlns="" xmlns:a14="http://schemas.microsoft.com/office/drawing/2010/main">
+                <a:solidFill>
+                  <a:schemeClr val="accent1"/>
+                </a:solidFill>
+              </a14:hiddenFill>
+            </a:ext>
+            <a:ext uri="{91240B29-F687-4f45-9708-019B960494DF}">
+              <a14:hiddenLine xmlns="" xmlns:a14="http://schemas.microsoft.com/office/drawing/2010/main" w="9525">
+                <a:solidFill>
+                  <a:schemeClr val="tx1"/>
+                </a:solidFill>
+                <a:miter lim="800000"/>
+                <a:headEnd/>
+                <a:tailEnd/>
+              </a14:hiddenLine>
+            </a:ext>
+            <a:ext uri="{AF507438-7753-43e0-B8FC-AC1667EBCBE1}">
+              <a14:hiddenEffects xmlns="" xmlns:a14="http://schemas.microsoft.com/office/drawing/2010/main">
+                <a:effectLst>
+                  <a:outerShdw blurRad="63500" dist="38099" dir="2700000" algn="ctr" rotWithShape="0">
+                    <a:schemeClr val="bg2">
+                      <a:alpha val="74998"/>
+                    </a:schemeClr>
+                  </a:outerShdw>
+                </a:effectLst>
+              </a14:hiddenEffects>
+            </a:ext>
+          </a:extLst>
+        </p:spPr>
+        <p:txBody>
+          <a:bodyPr/>
+          <a:lstStyle/>
+          <a:p>
+            <a:pPr algn="ctr">
+              <a:spcBef>
+                <a:spcPct val="0"/>
+              </a:spcBef>
+              <a:defRPr/>
+            </a:pPr>
+            <a:fld id="{91EF1402-2061-449F-956F-AFB3BEEF5027}" type="slidenum">
+              <a:rPr lang="de-DE" sz="1200">
+                <a:solidFill>
+                  <a:schemeClr val="tx1"/>
+                </a:solidFill>
+                <a:latin typeface="Univers 45 Light" charset="0"/>
+                <a:ea typeface="ＭＳ Ｐゴシック" charset="0"/>
+              </a:rPr>
+              <a:t>19</a:t>
+            </a:fld>
+            <a:endParaRPr lang="de-DE" sz="1200" dirty="0">
+              <a:solidFill>
+                <a:schemeClr val="tx1"/>
+              </a:solidFill>
+              <a:latin typeface="Univers 45 Light" charset="0"/>
+              <a:ea typeface="ＭＳ Ｐゴシック" charset="0"/>
+            </a:endParaRPr>
+          </a:p>
+        </p:txBody>
+      </p:sp>
+      <p:graphicFrame>
+        <p:nvGraphicFramePr>
+          <p:cNvPr id="7" name="Diagramm 6"/>
+          <p:cNvGraphicFramePr>
+            <a:graphicFrameLocks/>
+          </p:cNvGraphicFramePr>
+          <p:nvPr>
+            <p:extLst>
+              <p:ext uri="{D42A27DB-BD31-4B8C-83A1-F6EECF244321}">
+                <p14:modId xmlns:p14="http://schemas.microsoft.com/office/powerpoint/2010/main" val="3379830311"/>
+              </p:ext>
+            </p:extLst>
+          </p:nvPr>
+        </p:nvGraphicFramePr>
+        <p:xfrm>
+          <a:off x="107504" y="620688"/>
+          <a:ext cx="8784976" cy="5832648"/>
+        </p:xfrm>
+        <a:graphic>
+          <a:graphicData uri="http://schemas.openxmlformats.org/drawingml/2006/chart">
+            <c:chart xmlns:c="http://schemas.openxmlformats.org/drawingml/2006/chart" xmlns:r="http://schemas.openxmlformats.org/officeDocument/2006/relationships" r:id="rId3"/>
+          </a:graphicData>
+        </a:graphic>
+      </p:graphicFrame>
+    </p:spTree>
+    <p:extLst>
+      <p:ext uri="{BB962C8B-B14F-4D97-AF65-F5344CB8AC3E}">
+        <p14:creationId xmlns:p14="http://schemas.microsoft.com/office/powerpoint/2010/main" val="4023734103"/>
+      </p:ext>
+    </p:extLst>
+  </p:cSld>
+  <p:clrMapOvr>
+    <a:masterClrMapping/>
+  </p:clrMapOvr>
+  <p:timing>
+    <p:tnLst>
+      <p:par>
+        <p:cTn id="1" dur="indefinite" restart="never" nodeType="tmRoot"/>
+      </p:par>
+    </p:tnLst>
+  </p:timing>
+</p:sld>
+</file>
+
+<file path=ppt/slides/slide2.xml><?xml version="1.0" encoding="utf-8"?>
+<p:sld xmlns:a="http://schemas.openxmlformats.org/drawingml/2006/main" xmlns:r="http://schemas.openxmlformats.org/officeDocument/2006/relationships" xmlns:p="http://schemas.openxmlformats.org/presentationml/2006/main">
+  <p:cSld>
+    <p:spTree>
+      <p:nvGrpSpPr>
+        <p:cNvPr id="1" name=""/>
+        <p:cNvGrpSpPr/>
+        <p:nvPr/>
+      </p:nvGrpSpPr>
+      <p:grpSpPr>
+        <a:xfrm>
+          <a:off x="0" y="0"/>
+          <a:ext cx="0" cy="0"/>
+          <a:chOff x="0" y="0"/>
+          <a:chExt cx="0" cy="0"/>
+        </a:xfrm>
+      </p:grpSpPr>
+      <p:sp>
+        <p:nvSpPr>
+          <p:cNvPr id="2055" name="Rectangle 7"/>
+          <p:cNvSpPr>
+            <a:spLocks noGrp="1" noChangeArrowheads="1"/>
+          </p:cNvSpPr>
+          <p:nvPr>
+            <p:ph type="title"/>
+          </p:nvPr>
+        </p:nvSpPr>
+        <p:spPr/>
+        <p:txBody>
+          <a:bodyPr/>
+          <a:lstStyle/>
+          <a:p>
+            <a:pPr eaLnBrk="1" hangingPunct="1"/>
+            <a:r>
+              <a:rPr lang="de-DE" altLang="de-DE" dirty="0" err="1" smtClean="0">
+                <a:latin typeface="Univers Light" pitchFamily="-84" charset="0"/>
+              </a:rPr>
+              <a:t>Structure</a:t>
+            </a:r>
+            <a:endParaRPr lang="de-DE" altLang="de-DE" dirty="0" smtClean="0">
+              <a:latin typeface="Univers Light" pitchFamily="-84" charset="0"/>
+            </a:endParaRPr>
+          </a:p>
+        </p:txBody>
+      </p:sp>
+      <p:sp>
+        <p:nvSpPr>
+          <p:cNvPr id="2056" name="Rectangle 8"/>
+          <p:cNvSpPr>
+            <a:spLocks noGrp="1" noChangeArrowheads="1"/>
+          </p:cNvSpPr>
+          <p:nvPr>
+            <p:ph type="body" idx="1"/>
+          </p:nvPr>
+        </p:nvSpPr>
+        <p:spPr/>
+        <p:txBody>
+          <a:bodyPr/>
+          <a:lstStyle/>
+          <a:p>
+            <a:pPr marL="1587" lvl="1" indent="0" eaLnBrk="1" hangingPunct="1">
+              <a:buNone/>
+            </a:pPr>
+            <a:endParaRPr lang="en-US" altLang="de-DE" dirty="0" smtClean="0">
+              <a:latin typeface="Univers Light" pitchFamily="-84" charset="0"/>
+            </a:endParaRPr>
+          </a:p>
+          <a:p>
+            <a:pPr lvl="1" eaLnBrk="1" hangingPunct="1"/>
+            <a:r>
+              <a:rPr lang="en-US" altLang="de-DE" dirty="0" smtClean="0">
+                <a:latin typeface="Univers Light" pitchFamily="-84" charset="0"/>
+              </a:rPr>
+              <a:t>The </a:t>
+            </a:r>
+            <a:r>
+              <a:rPr lang="en-US" altLang="de-DE" dirty="0" err="1" smtClean="0">
+                <a:latin typeface="Univers Light" pitchFamily="-84" charset="0"/>
+              </a:rPr>
+              <a:t>Adapteva</a:t>
+            </a:r>
+            <a:r>
+              <a:rPr lang="en-US" altLang="de-DE" dirty="0" smtClean="0">
+                <a:latin typeface="Univers Light" pitchFamily="-84" charset="0"/>
+              </a:rPr>
+              <a:t> </a:t>
+            </a:r>
+            <a:r>
+              <a:rPr lang="en-US" altLang="de-DE" dirty="0" err="1" smtClean="0">
+                <a:latin typeface="Univers Light" pitchFamily="-84" charset="0"/>
+              </a:rPr>
+              <a:t>Parallella</a:t>
+            </a:r>
+            <a:r>
+              <a:rPr lang="en-US" altLang="de-DE" dirty="0" smtClean="0">
+                <a:latin typeface="Univers Light" pitchFamily="-84" charset="0"/>
+              </a:rPr>
+              <a:t> Platform</a:t>
+            </a:r>
+          </a:p>
+          <a:p>
+            <a:pPr lvl="2"/>
+            <a:r>
+              <a:rPr lang="en-US" altLang="de-DE" dirty="0" smtClean="0">
+                <a:latin typeface="Univers Light" pitchFamily="-84" charset="0"/>
+              </a:rPr>
+              <a:t>Company history of </a:t>
+            </a:r>
+            <a:r>
+              <a:rPr lang="en-US" altLang="de-DE" dirty="0" err="1" smtClean="0">
+                <a:latin typeface="Univers Light" pitchFamily="-84" charset="0"/>
+              </a:rPr>
+              <a:t>Adapteva</a:t>
+            </a:r>
+            <a:endParaRPr lang="en-US" altLang="de-DE" dirty="0" smtClean="0">
+              <a:latin typeface="Univers Light" pitchFamily="-84" charset="0"/>
+            </a:endParaRPr>
+          </a:p>
+          <a:p>
+            <a:pPr lvl="2"/>
+            <a:r>
+              <a:rPr lang="en-US" altLang="de-DE" dirty="0" smtClean="0">
+                <a:latin typeface="Univers Light" pitchFamily="-84" charset="0"/>
+              </a:rPr>
+              <a:t>Motivation</a:t>
+            </a:r>
+          </a:p>
+          <a:p>
+            <a:pPr lvl="2"/>
+            <a:r>
+              <a:rPr lang="en-US" altLang="de-DE" dirty="0" smtClean="0">
+                <a:latin typeface="Univers Light" pitchFamily="-84" charset="0"/>
+              </a:rPr>
+              <a:t>The </a:t>
+            </a:r>
+            <a:r>
+              <a:rPr lang="en-US" altLang="de-DE" dirty="0" err="1" smtClean="0">
+                <a:latin typeface="Univers Light" pitchFamily="-84" charset="0"/>
+              </a:rPr>
+              <a:t>Parallella</a:t>
+            </a:r>
+            <a:r>
+              <a:rPr lang="en-US" altLang="de-DE" dirty="0" smtClean="0">
+                <a:latin typeface="Univers Light" pitchFamily="-84" charset="0"/>
+              </a:rPr>
+              <a:t> board</a:t>
+            </a:r>
+          </a:p>
+          <a:p>
+            <a:pPr lvl="2"/>
+            <a:r>
+              <a:rPr lang="en-US" altLang="de-DE" dirty="0" smtClean="0">
+                <a:latin typeface="Univers Light" pitchFamily="-84" charset="0"/>
+              </a:rPr>
+              <a:t>The Epiphany coprocessor</a:t>
+            </a:r>
+          </a:p>
+          <a:p>
+            <a:pPr lvl="1" eaLnBrk="1" hangingPunct="1"/>
+            <a:r>
+              <a:rPr lang="en-US" altLang="de-DE" dirty="0" smtClean="0">
+                <a:latin typeface="Univers Light" pitchFamily="-84" charset="0"/>
+              </a:rPr>
+              <a:t>Implementation of the 1D-FFT with filtering</a:t>
+            </a:r>
+          </a:p>
+          <a:p>
+            <a:pPr lvl="2" eaLnBrk="1" hangingPunct="1"/>
+            <a:r>
+              <a:rPr lang="en-US" altLang="de-DE" dirty="0" smtClean="0">
+                <a:latin typeface="Univers Light" pitchFamily="-84" charset="0"/>
+              </a:rPr>
+              <a:t>Motivation</a:t>
+            </a:r>
+          </a:p>
+          <a:p>
+            <a:pPr lvl="2" eaLnBrk="1" hangingPunct="1"/>
+            <a:r>
+              <a:rPr lang="en-US" altLang="de-DE" dirty="0" smtClean="0">
+                <a:latin typeface="Univers Light" pitchFamily="-84" charset="0"/>
+              </a:rPr>
+              <a:t>Implementation details</a:t>
+            </a:r>
+          </a:p>
+          <a:p>
+            <a:pPr lvl="2" eaLnBrk="1" hangingPunct="1"/>
+            <a:r>
+              <a:rPr lang="en-US" altLang="de-DE" dirty="0" smtClean="0">
+                <a:latin typeface="Univers Light" pitchFamily="-84" charset="0"/>
+              </a:rPr>
+              <a:t>Performance results</a:t>
+            </a:r>
+          </a:p>
+          <a:p>
+            <a:pPr lvl="1"/>
+            <a:r>
+              <a:rPr lang="en-US" altLang="de-DE" dirty="0" smtClean="0">
+                <a:latin typeface="Univers Light" pitchFamily="-84" charset="0"/>
+              </a:rPr>
+              <a:t>Comparison with current architectures - GPUs</a:t>
+            </a:r>
+          </a:p>
+          <a:p>
+            <a:pPr lvl="1"/>
+            <a:r>
+              <a:rPr lang="en-US" dirty="0"/>
+              <a:t>Assessing the </a:t>
+            </a:r>
+            <a:r>
+              <a:rPr lang="en-US" dirty="0" err="1"/>
+              <a:t>Parallella's</a:t>
+            </a:r>
+            <a:r>
+              <a:rPr lang="en-US" dirty="0"/>
+              <a:t> p</a:t>
+            </a:r>
+            <a:r>
+              <a:rPr lang="en-US" dirty="0" smtClean="0"/>
+              <a:t>otential </a:t>
+            </a:r>
+            <a:r>
+              <a:rPr lang="en-US" dirty="0"/>
+              <a:t>for HPC</a:t>
+            </a:r>
+            <a:endParaRPr lang="en-US" altLang="de-DE" dirty="0" smtClean="0">
+              <a:latin typeface="Univers Light" pitchFamily="-84" charset="0"/>
+            </a:endParaRPr>
+          </a:p>
+        </p:txBody>
+      </p:sp>
+      <p:sp>
+        <p:nvSpPr>
+          <p:cNvPr id="2057" name="Rectangle 9"/>
+          <p:cNvSpPr>
+            <a:spLocks noChangeArrowheads="1"/>
+          </p:cNvSpPr>
+          <p:nvPr/>
+        </p:nvSpPr>
+        <p:spPr bwMode="auto">
+          <a:xfrm>
+            <a:off x="3276600" y="6524625"/>
+            <a:ext cx="2879725" cy="268288"/>
+          </a:xfrm>
+          <a:prstGeom prst="rect">
+            <a:avLst/>
+          </a:prstGeom>
+          <a:noFill/>
+          <a:ln>
+            <a:noFill/>
+          </a:ln>
+          <a:effectLst/>
+          <a:extLst>
+            <a:ext uri="{909E8E84-426E-40dd-AFC4-6F175D3DCCD1}">
+              <a14:hiddenFill xmlns="" xmlns:a14="http://schemas.microsoft.com/office/drawing/2010/main">
+                <a:solidFill>
+                  <a:schemeClr val="accent1"/>
+                </a:solidFill>
+              </a14:hiddenFill>
+            </a:ext>
+            <a:ext uri="{91240B29-F687-4f45-9708-019B960494DF}">
+              <a14:hiddenLine xmlns="" xmlns:a14="http://schemas.microsoft.com/office/drawing/2010/main" w="9525">
+                <a:solidFill>
+                  <a:schemeClr val="tx1"/>
+                </a:solidFill>
+                <a:miter lim="800000"/>
+                <a:headEnd/>
+                <a:tailEnd/>
+              </a14:hiddenLine>
+            </a:ext>
+            <a:ext uri="{AF507438-7753-43e0-B8FC-AC1667EBCBE1}">
+              <a14:hiddenEffects xmlns="" xmlns:a14="http://schemas.microsoft.com/office/drawing/2010/main">
+                <a:effectLst>
+                  <a:outerShdw blurRad="63500" dist="38099" dir="2700000" algn="ctr" rotWithShape="0">
+                    <a:schemeClr val="bg2">
+                      <a:alpha val="74998"/>
+                    </a:schemeClr>
+                  </a:outerShdw>
+                </a:effectLst>
+              </a14:hiddenEffects>
+            </a:ext>
+          </a:extLst>
+        </p:spPr>
+        <p:txBody>
+          <a:bodyPr/>
+          <a:lstStyle/>
+          <a:p>
+            <a:pPr algn="ctr">
+              <a:spcBef>
+                <a:spcPct val="0"/>
+              </a:spcBef>
+              <a:defRPr/>
+            </a:pPr>
+            <a:fld id="{6F754304-0817-43E5-BD17-66FA22235D58}" type="slidenum">
+              <a:rPr lang="de-DE" sz="1200" smtClean="0">
+                <a:solidFill>
+                  <a:schemeClr val="tx1"/>
+                </a:solidFill>
+                <a:latin typeface="Univers 45 Light" charset="0"/>
+                <a:ea typeface="ＭＳ Ｐゴシック" charset="0"/>
+              </a:rPr>
+              <a:t>2</a:t>
+            </a:fld>
+            <a:endParaRPr lang="de-DE" sz="1200" dirty="0">
+              <a:solidFill>
+                <a:schemeClr val="tx1"/>
+              </a:solidFill>
+              <a:latin typeface="Univers 45 Light" charset="0"/>
+              <a:ea typeface="ＭＳ Ｐゴシック" charset="0"/>
+            </a:endParaRPr>
+          </a:p>
+        </p:txBody>
+      </p:sp>
+    </p:spTree>
+  </p:cSld>
+  <p:clrMapOvr>
+    <a:masterClrMapping/>
+  </p:clrMapOvr>
+  <p:timing>
+    <p:tnLst>
+      <p:par>
+        <p:cTn id="1" dur="indefinite" restart="never" nodeType="tmRoot"/>
+      </p:par>
+    </p:tnLst>
+  </p:timing>
+</p:sld>
+</file>
+
+<file path=ppt/slides/slide20.xml><?xml version="1.0" encoding="utf-8"?>
+<p:sld xmlns:a="http://schemas.openxmlformats.org/drawingml/2006/main" xmlns:r="http://schemas.openxmlformats.org/officeDocument/2006/relationships" xmlns:p="http://schemas.openxmlformats.org/presentationml/2006/main">
+  <p:cSld>
+    <p:spTree>
+      <p:nvGrpSpPr>
+        <p:cNvPr id="1" name=""/>
+        <p:cNvGrpSpPr/>
+        <p:nvPr/>
+      </p:nvGrpSpPr>
+      <p:grpSpPr>
+        <a:xfrm>
+          <a:off x="0" y="0"/>
+          <a:ext cx="0" cy="0"/>
+          <a:chOff x="0" y="0"/>
+          <a:chExt cx="0" cy="0"/>
+        </a:xfrm>
+      </p:grpSpPr>
+      <p:sp>
+        <p:nvSpPr>
+          <p:cNvPr id="2" name="Titel 1"/>
+          <p:cNvSpPr>
+            <a:spLocks noGrp="1"/>
+          </p:cNvSpPr>
+          <p:nvPr>
+            <p:ph type="title"/>
+          </p:nvPr>
+        </p:nvSpPr>
+        <p:spPr/>
+        <p:txBody>
+          <a:bodyPr/>
+          <a:lstStyle/>
+          <a:p>
+            <a:r>
+              <a:rPr lang="de-DE" dirty="0" err="1" smtClean="0"/>
               <a:t>Comparison</a:t>
             </a:r>
             <a:r>
@@ -14350,7 +18150,7 @@
             </a:r>
             <a:r>
               <a:rPr lang="de-DE" dirty="0" err="1" smtClean="0"/>
-              <a:t>actual</a:t>
+              <a:t>current</a:t>
             </a:r>
             <a:r>
               <a:rPr lang="de-DE" dirty="0" smtClean="0"/>
@@ -14358,11 +18158,19 @@
             </a:r>
             <a:r>
               <a:rPr lang="de-DE" dirty="0" err="1" smtClean="0"/>
-              <a:t>architecture</a:t>
+              <a:t>A</a:t>
+            </a:r>
+            <a:r>
+              <a:rPr lang="de-DE" dirty="0" err="1" smtClean="0"/>
+              <a:t>rchitecture</a:t>
             </a:r>
             <a:r>
               <a:rPr lang="de-DE" dirty="0" smtClean="0"/>
-              <a:t> - GPUs</a:t>
+              <a:t> </a:t>
+            </a:r>
+            <a:r>
+              <a:rPr lang="de-DE" dirty="0" smtClean="0"/>
+              <a:t>- GPUs</a:t>
             </a:r>
             <a:endParaRPr lang="de-DE" dirty="0"/>
           </a:p>
@@ -14391,17 +18199,17 @@
           <a:effectLst/>
           <a:extLst>
             <a:ext uri="{FAA26D3D-D897-4be2-8F04-BA451C77F1D7}">
-              <ma14:placeholderFlag xmlns="" xmlns:ma14="http://schemas.microsoft.com/office/mac/drawingml/2011/main" val="1"/>
+              <ma14:placeholderFlag xmlns:ma14="http://schemas.microsoft.com/office/mac/drawingml/2011/main" xmlns="" val="1"/>
             </a:ext>
             <a:ext uri="{909E8E84-426E-40dd-AFC4-6F175D3DCCD1}">
-              <a14:hiddenFill xmlns:a14="http://schemas.microsoft.com/office/drawing/2010/main" xmlns="">
+              <a14:hiddenFill xmlns="" xmlns:a14="http://schemas.microsoft.com/office/drawing/2010/main">
                 <a:solidFill>
                   <a:schemeClr val="accent1"/>
                 </a:solidFill>
               </a14:hiddenFill>
             </a:ext>
             <a:ext uri="{91240B29-F687-4f45-9708-019B960494DF}">
-              <a14:hiddenLine xmlns:a14="http://schemas.microsoft.com/office/drawing/2010/main" xmlns="" w="9525">
+              <a14:hiddenLine xmlns="" xmlns:a14="http://schemas.microsoft.com/office/drawing/2010/main" w="9525">
                 <a:solidFill>
                   <a:schemeClr val="tx1"/>
                 </a:solidFill>
@@ -14411,7 +18219,7 @@
               </a14:hiddenLine>
             </a:ext>
             <a:ext uri="{AF507438-7753-43e0-B8FC-AC1667EBCBE1}">
-              <a14:hiddenEffects xmlns:a14="http://schemas.microsoft.com/office/drawing/2010/main" xmlns="">
+              <a14:hiddenEffects xmlns="" xmlns:a14="http://schemas.microsoft.com/office/drawing/2010/main">
                 <a:effectLst>
                   <a:outerShdw blurRad="63500" dist="38099" dir="2700000" algn="ctr" rotWithShape="0">
                     <a:schemeClr val="bg2">
@@ -14706,8 +18514,8 @@
           </a:p>
         </p:txBody>
       </p:sp>
-      <mc:AlternateContent xmlns:mc="http://schemas.openxmlformats.org/markup-compatibility/2006">
-        <mc:Choice xmlns:a14="http://schemas.microsoft.com/office/drawing/2010/main" Requires="a14">
+      <mc:AlternateContent xmlns:mc="http://schemas.openxmlformats.org/markup-compatibility/2006" xmlns:a14="http://schemas.microsoft.com/office/drawing/2010/main">
+        <mc:Choice Requires="a14">
           <p:graphicFrame>
             <p:nvGraphicFramePr>
               <p:cNvPr id="5" name="Tabelle 4"/>
@@ -15307,7 +19115,7 @@
             </a:graphic>
           </p:graphicFrame>
         </mc:Choice>
-        <mc:Fallback>
+        <mc:Fallback xmlns="">
           <p:graphicFrame>
             <p:nvGraphicFramePr>
               <p:cNvPr id="5" name="Tabelle 4"/>
@@ -15895,14 +19703,14 @@
           <a:effectLst/>
           <a:extLst>
             <a:ext uri="{909E8E84-426E-40dd-AFC4-6F175D3DCCD1}">
-              <a14:hiddenFill xmlns:a14="http://schemas.microsoft.com/office/drawing/2010/main" xmlns="">
+              <a14:hiddenFill xmlns="" xmlns:a14="http://schemas.microsoft.com/office/drawing/2010/main">
                 <a:solidFill>
                   <a:schemeClr val="accent1"/>
                 </a:solidFill>
               </a14:hiddenFill>
             </a:ext>
             <a:ext uri="{91240B29-F687-4f45-9708-019B960494DF}">
-              <a14:hiddenLine xmlns:a14="http://schemas.microsoft.com/office/drawing/2010/main" xmlns="" w="9525">
+              <a14:hiddenLine xmlns="" xmlns:a14="http://schemas.microsoft.com/office/drawing/2010/main" w="9525">
                 <a:solidFill>
                   <a:schemeClr val="tx1"/>
                 </a:solidFill>
@@ -15912,7 +19720,7 @@
               </a14:hiddenLine>
             </a:ext>
             <a:ext uri="{AF507438-7753-43e0-B8FC-AC1667EBCBE1}">
-              <a14:hiddenEffects xmlns:a14="http://schemas.microsoft.com/office/drawing/2010/main" xmlns="">
+              <a14:hiddenEffects xmlns="" xmlns:a14="http://schemas.microsoft.com/office/drawing/2010/main">
                 <a:effectLst>
                   <a:outerShdw blurRad="63500" dist="38099" dir="2700000" algn="ctr" rotWithShape="0">
                     <a:schemeClr val="bg2">
@@ -15942,783 +19750,6 @@
                 <a:latin typeface="Univers 45 Light" charset="0"/>
                 <a:ea typeface="ＭＳ Ｐゴシック" charset="0"/>
               </a:rPr>
-              <a:t>19</a:t>
-            </a:fld>
-            <a:endParaRPr lang="de-DE" sz="1200" dirty="0">
-              <a:solidFill>
-                <a:schemeClr val="tx1"/>
-              </a:solidFill>
-              <a:latin typeface="Univers 45 Light" charset="0"/>
-              <a:ea typeface="ＭＳ Ｐゴシック" charset="0"/>
-            </a:endParaRPr>
-          </a:p>
-        </p:txBody>
-      </p:sp>
-    </p:spTree>
-    <p:extLst>
-      <p:ext uri="{BB962C8B-B14F-4D97-AF65-F5344CB8AC3E}">
-        <p14:creationId xmlns:p14="http://schemas.microsoft.com/office/powerpoint/2010/main" val="2163408882"/>
-      </p:ext>
-    </p:extLst>
-  </p:cSld>
-  <p:clrMapOvr>
-    <a:masterClrMapping/>
-  </p:clrMapOvr>
-  <p:timing>
-    <p:tnLst>
-      <p:par>
-        <p:cTn id="1" dur="indefinite" restart="never" nodeType="tmRoot"/>
-      </p:par>
-    </p:tnLst>
-  </p:timing>
-</p:sld>
-</file>
-
-<file path=ppt/slides/slide2.xml><?xml version="1.0" encoding="utf-8"?>
-<p:sld xmlns:a="http://schemas.openxmlformats.org/drawingml/2006/main" xmlns:r="http://schemas.openxmlformats.org/officeDocument/2006/relationships" xmlns:p="http://schemas.openxmlformats.org/presentationml/2006/main">
-  <p:cSld>
-    <p:spTree>
-      <p:nvGrpSpPr>
-        <p:cNvPr id="1" name=""/>
-        <p:cNvGrpSpPr/>
-        <p:nvPr/>
-      </p:nvGrpSpPr>
-      <p:grpSpPr>
-        <a:xfrm>
-          <a:off x="0" y="0"/>
-          <a:ext cx="0" cy="0"/>
-          <a:chOff x="0" y="0"/>
-          <a:chExt cx="0" cy="0"/>
-        </a:xfrm>
-      </p:grpSpPr>
-      <p:sp>
-        <p:nvSpPr>
-          <p:cNvPr id="2055" name="Rectangle 7"/>
-          <p:cNvSpPr>
-            <a:spLocks noGrp="1" noChangeArrowheads="1"/>
-          </p:cNvSpPr>
-          <p:nvPr>
-            <p:ph type="title"/>
-          </p:nvPr>
-        </p:nvSpPr>
-        <p:spPr/>
-        <p:txBody>
-          <a:bodyPr/>
-          <a:lstStyle/>
-          <a:p>
-            <a:pPr eaLnBrk="1" hangingPunct="1"/>
-            <a:r>
-              <a:rPr lang="de-DE" altLang="de-DE" dirty="0" err="1" smtClean="0">
-                <a:latin typeface="Univers Light" pitchFamily="-84" charset="0"/>
-              </a:rPr>
-              <a:t>Structure</a:t>
-            </a:r>
-            <a:endParaRPr lang="de-DE" altLang="de-DE" dirty="0" smtClean="0">
-              <a:latin typeface="Univers Light" pitchFamily="-84" charset="0"/>
-            </a:endParaRPr>
-          </a:p>
-        </p:txBody>
-      </p:sp>
-      <p:sp>
-        <p:nvSpPr>
-          <p:cNvPr id="2056" name="Rectangle 8"/>
-          <p:cNvSpPr>
-            <a:spLocks noGrp="1" noChangeArrowheads="1"/>
-          </p:cNvSpPr>
-          <p:nvPr>
-            <p:ph type="body" idx="1"/>
-          </p:nvPr>
-        </p:nvSpPr>
-        <p:spPr/>
-        <p:txBody>
-          <a:bodyPr/>
-          <a:lstStyle/>
-          <a:p>
-            <a:pPr marL="1587" lvl="1" indent="0" eaLnBrk="1" hangingPunct="1">
-              <a:buNone/>
-            </a:pPr>
-            <a:endParaRPr lang="en-US" altLang="de-DE" dirty="0" smtClean="0">
-              <a:latin typeface="Univers Light" pitchFamily="-84" charset="0"/>
-            </a:endParaRPr>
-          </a:p>
-          <a:p>
-            <a:pPr lvl="1" eaLnBrk="1" hangingPunct="1"/>
-            <a:r>
-              <a:rPr lang="en-US" altLang="de-DE" dirty="0" smtClean="0">
-                <a:latin typeface="Univers Light" pitchFamily="-84" charset="0"/>
-              </a:rPr>
-              <a:t>The </a:t>
-            </a:r>
-            <a:r>
-              <a:rPr lang="en-US" altLang="de-DE" dirty="0" err="1" smtClean="0">
-                <a:latin typeface="Univers Light" pitchFamily="-84" charset="0"/>
-              </a:rPr>
-              <a:t>Adapteva</a:t>
-            </a:r>
-            <a:r>
-              <a:rPr lang="en-US" altLang="de-DE" dirty="0" smtClean="0">
-                <a:latin typeface="Univers Light" pitchFamily="-84" charset="0"/>
-              </a:rPr>
-              <a:t> </a:t>
-            </a:r>
-            <a:r>
-              <a:rPr lang="en-US" altLang="de-DE" dirty="0" err="1" smtClean="0">
-                <a:latin typeface="Univers Light" pitchFamily="-84" charset="0"/>
-              </a:rPr>
-              <a:t>Parallella</a:t>
-            </a:r>
-            <a:r>
-              <a:rPr lang="en-US" altLang="de-DE" dirty="0" smtClean="0">
-                <a:latin typeface="Univers Light" pitchFamily="-84" charset="0"/>
-              </a:rPr>
-              <a:t> Platform</a:t>
-            </a:r>
-          </a:p>
-          <a:p>
-            <a:pPr lvl="2"/>
-            <a:r>
-              <a:rPr lang="en-US" altLang="de-DE" dirty="0" smtClean="0">
-                <a:latin typeface="Univers Light" pitchFamily="-84" charset="0"/>
-              </a:rPr>
-              <a:t>Company history of </a:t>
-            </a:r>
-            <a:r>
-              <a:rPr lang="en-US" altLang="de-DE" dirty="0" err="1" smtClean="0">
-                <a:latin typeface="Univers Light" pitchFamily="-84" charset="0"/>
-              </a:rPr>
-              <a:t>Adapteva</a:t>
-            </a:r>
-            <a:endParaRPr lang="en-US" altLang="de-DE" dirty="0" smtClean="0">
-              <a:latin typeface="Univers Light" pitchFamily="-84" charset="0"/>
-            </a:endParaRPr>
-          </a:p>
-          <a:p>
-            <a:pPr lvl="2"/>
-            <a:r>
-              <a:rPr lang="en-US" altLang="de-DE" dirty="0" smtClean="0">
-                <a:latin typeface="Univers Light" pitchFamily="-84" charset="0"/>
-              </a:rPr>
-              <a:t>Motivation</a:t>
-            </a:r>
-          </a:p>
-          <a:p>
-            <a:pPr lvl="2"/>
-            <a:r>
-              <a:rPr lang="en-US" altLang="de-DE" dirty="0" smtClean="0">
-                <a:latin typeface="Univers Light" pitchFamily="-84" charset="0"/>
-              </a:rPr>
-              <a:t>The </a:t>
-            </a:r>
-            <a:r>
-              <a:rPr lang="en-US" altLang="de-DE" dirty="0" err="1" smtClean="0">
-                <a:latin typeface="Univers Light" pitchFamily="-84" charset="0"/>
-              </a:rPr>
-              <a:t>Parallella</a:t>
-            </a:r>
-            <a:r>
-              <a:rPr lang="en-US" altLang="de-DE" dirty="0" smtClean="0">
-                <a:latin typeface="Univers Light" pitchFamily="-84" charset="0"/>
-              </a:rPr>
-              <a:t> board</a:t>
-            </a:r>
-          </a:p>
-          <a:p>
-            <a:pPr lvl="2"/>
-            <a:r>
-              <a:rPr lang="en-US" altLang="de-DE" dirty="0" smtClean="0">
-                <a:latin typeface="Univers Light" pitchFamily="-84" charset="0"/>
-              </a:rPr>
-              <a:t>The Epiphany coprocessor</a:t>
-            </a:r>
-          </a:p>
-          <a:p>
-            <a:pPr lvl="1" eaLnBrk="1" hangingPunct="1"/>
-            <a:r>
-              <a:rPr lang="en-US" altLang="de-DE" dirty="0" smtClean="0">
-                <a:latin typeface="Univers Light" pitchFamily="-84" charset="0"/>
-              </a:rPr>
-              <a:t>Implementation of the 1D-FFT with filtering</a:t>
-            </a:r>
-          </a:p>
-          <a:p>
-            <a:pPr lvl="2" eaLnBrk="1" hangingPunct="1"/>
-            <a:r>
-              <a:rPr lang="en-US" altLang="de-DE" dirty="0" smtClean="0">
-                <a:latin typeface="Univers Light" pitchFamily="-84" charset="0"/>
-              </a:rPr>
-              <a:t>Motivation</a:t>
-            </a:r>
-          </a:p>
-          <a:p>
-            <a:pPr lvl="2" eaLnBrk="1" hangingPunct="1"/>
-            <a:r>
-              <a:rPr lang="en-US" altLang="de-DE" dirty="0" smtClean="0">
-                <a:latin typeface="Univers Light" pitchFamily="-84" charset="0"/>
-              </a:rPr>
-              <a:t>Implementation details</a:t>
-            </a:r>
-          </a:p>
-          <a:p>
-            <a:pPr lvl="2" eaLnBrk="1" hangingPunct="1"/>
-            <a:r>
-              <a:rPr lang="en-US" altLang="de-DE" dirty="0" smtClean="0">
-                <a:latin typeface="Univers Light" pitchFamily="-84" charset="0"/>
-              </a:rPr>
-              <a:t>Performance results</a:t>
-            </a:r>
-          </a:p>
-          <a:p>
-            <a:pPr lvl="1"/>
-            <a:r>
-              <a:rPr lang="en-US" altLang="de-DE" dirty="0" smtClean="0">
-                <a:latin typeface="Univers Light" pitchFamily="-84" charset="0"/>
-              </a:rPr>
-              <a:t>Comparison with current architectures - GPUs</a:t>
-            </a:r>
-          </a:p>
-          <a:p>
-            <a:pPr lvl="1"/>
-            <a:r>
-              <a:rPr lang="en-US" dirty="0"/>
-              <a:t>Assessing the </a:t>
-            </a:r>
-            <a:r>
-              <a:rPr lang="en-US" dirty="0" err="1"/>
-              <a:t>Parallella's</a:t>
-            </a:r>
-            <a:r>
-              <a:rPr lang="en-US" dirty="0"/>
-              <a:t> p</a:t>
-            </a:r>
-            <a:r>
-              <a:rPr lang="en-US" dirty="0" smtClean="0"/>
-              <a:t>otential </a:t>
-            </a:r>
-            <a:r>
-              <a:rPr lang="en-US" dirty="0"/>
-              <a:t>for HPC</a:t>
-            </a:r>
-            <a:endParaRPr lang="en-US" altLang="de-DE" dirty="0" smtClean="0">
-              <a:latin typeface="Univers Light" pitchFamily="-84" charset="0"/>
-            </a:endParaRPr>
-          </a:p>
-        </p:txBody>
-      </p:sp>
-      <p:sp>
-        <p:nvSpPr>
-          <p:cNvPr id="2057" name="Rectangle 9"/>
-          <p:cNvSpPr>
-            <a:spLocks noChangeArrowheads="1"/>
-          </p:cNvSpPr>
-          <p:nvPr/>
-        </p:nvSpPr>
-        <p:spPr bwMode="auto">
-          <a:xfrm>
-            <a:off x="3276600" y="6524625"/>
-            <a:ext cx="2879725" cy="268288"/>
-          </a:xfrm>
-          <a:prstGeom prst="rect">
-            <a:avLst/>
-          </a:prstGeom>
-          <a:noFill/>
-          <a:ln>
-            <a:noFill/>
-          </a:ln>
-          <a:effectLst/>
-          <a:extLst>
-            <a:ext uri="{909E8E84-426E-40dd-AFC4-6F175D3DCCD1}">
-              <a14:hiddenFill xmlns:a14="http://schemas.microsoft.com/office/drawing/2010/main" xmlns="">
-                <a:solidFill>
-                  <a:schemeClr val="accent1"/>
-                </a:solidFill>
-              </a14:hiddenFill>
-            </a:ext>
-            <a:ext uri="{91240B29-F687-4f45-9708-019B960494DF}">
-              <a14:hiddenLine xmlns:a14="http://schemas.microsoft.com/office/drawing/2010/main" xmlns="" w="9525">
-                <a:solidFill>
-                  <a:schemeClr val="tx1"/>
-                </a:solidFill>
-                <a:miter lim="800000"/>
-                <a:headEnd/>
-                <a:tailEnd/>
-              </a14:hiddenLine>
-            </a:ext>
-            <a:ext uri="{AF507438-7753-43e0-B8FC-AC1667EBCBE1}">
-              <a14:hiddenEffects xmlns:a14="http://schemas.microsoft.com/office/drawing/2010/main" xmlns="">
-                <a:effectLst>
-                  <a:outerShdw blurRad="63500" dist="38099" dir="2700000" algn="ctr" rotWithShape="0">
-                    <a:schemeClr val="bg2">
-                      <a:alpha val="74998"/>
-                    </a:schemeClr>
-                  </a:outerShdw>
-                </a:effectLst>
-              </a14:hiddenEffects>
-            </a:ext>
-          </a:extLst>
-        </p:spPr>
-        <p:txBody>
-          <a:bodyPr/>
-          <a:lstStyle/>
-          <a:p>
-            <a:pPr algn="ctr">
-              <a:spcBef>
-                <a:spcPct val="0"/>
-              </a:spcBef>
-              <a:defRPr/>
-            </a:pPr>
-            <a:fld id="{6F754304-0817-43E5-BD17-66FA22235D58}" type="slidenum">
-              <a:rPr lang="de-DE" sz="1200" smtClean="0">
-                <a:solidFill>
-                  <a:schemeClr val="tx1"/>
-                </a:solidFill>
-                <a:latin typeface="Univers 45 Light" charset="0"/>
-                <a:ea typeface="ＭＳ Ｐゴシック" charset="0"/>
-              </a:rPr>
-              <a:t>2</a:t>
-            </a:fld>
-            <a:endParaRPr lang="de-DE" sz="1200" dirty="0">
-              <a:solidFill>
-                <a:schemeClr val="tx1"/>
-              </a:solidFill>
-              <a:latin typeface="Univers 45 Light" charset="0"/>
-              <a:ea typeface="ＭＳ Ｐゴシック" charset="0"/>
-            </a:endParaRPr>
-          </a:p>
-        </p:txBody>
-      </p:sp>
-    </p:spTree>
-  </p:cSld>
-  <p:clrMapOvr>
-    <a:masterClrMapping/>
-  </p:clrMapOvr>
-  <p:timing>
-    <p:tnLst>
-      <p:par>
-        <p:cTn id="1" dur="indefinite" restart="never" nodeType="tmRoot"/>
-      </p:par>
-    </p:tnLst>
-  </p:timing>
-</p:sld>
-</file>
-
-<file path=ppt/slides/slide20.xml><?xml version="1.0" encoding="utf-8"?>
-<p:sld xmlns:a="http://schemas.openxmlformats.org/drawingml/2006/main" xmlns:r="http://schemas.openxmlformats.org/officeDocument/2006/relationships" xmlns:p="http://schemas.openxmlformats.org/presentationml/2006/main">
-  <p:cSld>
-    <p:spTree>
-      <p:nvGrpSpPr>
-        <p:cNvPr id="1" name=""/>
-        <p:cNvGrpSpPr/>
-        <p:nvPr/>
-      </p:nvGrpSpPr>
-      <p:grpSpPr>
-        <a:xfrm>
-          <a:off x="0" y="0"/>
-          <a:ext cx="0" cy="0"/>
-          <a:chOff x="0" y="0"/>
-          <a:chExt cx="0" cy="0"/>
-        </a:xfrm>
-      </p:grpSpPr>
-      <p:sp>
-        <p:nvSpPr>
-          <p:cNvPr id="2" name="Titel 1"/>
-          <p:cNvSpPr>
-            <a:spLocks noGrp="1"/>
-          </p:cNvSpPr>
-          <p:nvPr>
-            <p:ph type="title"/>
-          </p:nvPr>
-        </p:nvSpPr>
-        <p:spPr/>
-        <p:txBody>
-          <a:bodyPr/>
-          <a:lstStyle/>
-          <a:p>
-            <a:r>
-              <a:rPr lang="de-DE" dirty="0" err="1" smtClean="0"/>
-              <a:t>Comparison</a:t>
-            </a:r>
-            <a:r>
-              <a:rPr lang="de-DE" dirty="0" smtClean="0"/>
-              <a:t> </a:t>
-            </a:r>
-            <a:r>
-              <a:rPr lang="de-DE" dirty="0" err="1" smtClean="0"/>
-              <a:t>of</a:t>
-            </a:r>
-            <a:r>
-              <a:rPr lang="de-DE" dirty="0" smtClean="0"/>
-              <a:t> </a:t>
-            </a:r>
-            <a:r>
-              <a:rPr lang="de-DE" dirty="0" err="1" smtClean="0"/>
-              <a:t>Parallella</a:t>
-            </a:r>
-            <a:r>
-              <a:rPr lang="de-DE" dirty="0" smtClean="0"/>
-              <a:t> </a:t>
-            </a:r>
-            <a:r>
-              <a:rPr lang="de-DE" dirty="0" err="1" smtClean="0"/>
-              <a:t>with</a:t>
-            </a:r>
-            <a:r>
-              <a:rPr lang="de-DE" dirty="0" smtClean="0"/>
-              <a:t> </a:t>
-            </a:r>
-            <a:r>
-              <a:rPr lang="de-DE" dirty="0" err="1" smtClean="0"/>
-              <a:t>GeForce</a:t>
-            </a:r>
-            <a:r>
-              <a:rPr lang="de-DE" dirty="0" smtClean="0"/>
-              <a:t> 750 </a:t>
-            </a:r>
-            <a:r>
-              <a:rPr lang="de-DE" dirty="0" err="1" smtClean="0"/>
-              <a:t>Ti</a:t>
-            </a:r>
-            <a:r>
-              <a:rPr lang="de-DE" dirty="0" smtClean="0"/>
-              <a:t> </a:t>
-            </a:r>
-            <a:endParaRPr lang="de-DE" dirty="0"/>
-          </a:p>
-        </p:txBody>
-      </p:sp>
-      <p:sp>
-        <p:nvSpPr>
-          <p:cNvPr id="4" name="Rectangle 8"/>
-          <p:cNvSpPr txBox="1">
-            <a:spLocks noChangeArrowheads="1"/>
-          </p:cNvSpPr>
-          <p:nvPr/>
-        </p:nvSpPr>
-        <p:spPr bwMode="auto">
-          <a:xfrm>
-            <a:off x="323850" y="765175"/>
-            <a:ext cx="8424614" cy="5256213"/>
-          </a:xfrm>
-          <a:prstGeom prst="rect">
-            <a:avLst/>
-          </a:prstGeom>
-          <a:noFill/>
-          <a:ln>
-            <a:noFill/>
-          </a:ln>
-          <a:effectLst/>
-          <a:extLst>
-            <a:ext uri="{FAA26D3D-D897-4be2-8F04-BA451C77F1D7}">
-              <ma14:placeholderFlag xmlns="" xmlns:ma14="http://schemas.microsoft.com/office/mac/drawingml/2011/main" val="1"/>
-            </a:ext>
-            <a:ext uri="{909E8E84-426E-40dd-AFC4-6F175D3DCCD1}">
-              <a14:hiddenFill xmlns:a14="http://schemas.microsoft.com/office/drawing/2010/main" xmlns="">
-                <a:solidFill>
-                  <a:schemeClr val="accent1"/>
-                </a:solidFill>
-              </a14:hiddenFill>
-            </a:ext>
-            <a:ext uri="{91240B29-F687-4f45-9708-019B960494DF}">
-              <a14:hiddenLine xmlns:a14="http://schemas.microsoft.com/office/drawing/2010/main" xmlns="" w="9525">
-                <a:solidFill>
-                  <a:schemeClr val="tx1"/>
-                </a:solidFill>
-                <a:miter lim="800000"/>
-                <a:headEnd/>
-                <a:tailEnd/>
-              </a14:hiddenLine>
-            </a:ext>
-            <a:ext uri="{AF507438-7753-43e0-B8FC-AC1667EBCBE1}">
-              <a14:hiddenEffects xmlns:a14="http://schemas.microsoft.com/office/drawing/2010/main" xmlns="">
-                <a:effectLst>
-                  <a:outerShdw blurRad="63500" dist="38099" dir="2700000" algn="ctr" rotWithShape="0">
-                    <a:schemeClr val="bg2">
-                      <a:alpha val="74998"/>
-                    </a:schemeClr>
-                  </a:outerShdw>
-                </a:effectLst>
-              </a14:hiddenEffects>
-            </a:ext>
-          </a:extLst>
-        </p:spPr>
-        <p:txBody>
-          <a:bodyPr vert="horz" wrap="square" lIns="91440" tIns="45720" rIns="91440" bIns="45720" numCol="1" anchor="t" anchorCtr="0" compatLnSpc="1">
-            <a:prstTxWarp prst="textNoShape">
-              <a:avLst/>
-            </a:prstTxWarp>
-          </a:bodyPr>
-          <a:lstStyle>
-            <a:lvl1pPr marL="342900" indent="-342900" algn="l" defTabSz="361950" rtl="0" eaLnBrk="1" fontAlgn="base" hangingPunct="1">
-              <a:spcBef>
-                <a:spcPct val="50000"/>
-              </a:spcBef>
-              <a:spcAft>
-                <a:spcPct val="0"/>
-              </a:spcAft>
-              <a:defRPr>
-                <a:solidFill>
-                  <a:schemeClr val="tx1"/>
-                </a:solidFill>
-                <a:latin typeface="Univers Light"/>
-                <a:ea typeface="+mn-ea"/>
-                <a:cs typeface="Univers Light"/>
-              </a:defRPr>
-            </a:lvl1pPr>
-            <a:lvl2pPr marL="263525" indent="-261938" algn="l" defTabSz="361950" rtl="0" eaLnBrk="1" fontAlgn="base" hangingPunct="1">
-              <a:spcBef>
-                <a:spcPct val="50000"/>
-              </a:spcBef>
-              <a:spcAft>
-                <a:spcPct val="0"/>
-              </a:spcAft>
-              <a:buBlip>
-                <a:blip r:embed="rId2"/>
-              </a:buBlip>
-              <a:defRPr>
-                <a:solidFill>
-                  <a:schemeClr val="tx1"/>
-                </a:solidFill>
-                <a:latin typeface="Univers Light"/>
-                <a:ea typeface="+mn-ea"/>
-                <a:cs typeface="Univers Light"/>
-              </a:defRPr>
-            </a:lvl2pPr>
-            <a:lvl3pPr marL="712788" indent="-269875" algn="l" defTabSz="361950" rtl="0" eaLnBrk="1" fontAlgn="base" hangingPunct="1">
-              <a:spcBef>
-                <a:spcPct val="50000"/>
-              </a:spcBef>
-              <a:spcAft>
-                <a:spcPct val="0"/>
-              </a:spcAft>
-              <a:buClr>
-                <a:srgbClr val="C0C0C0"/>
-              </a:buClr>
-              <a:buFont typeface="Arial" panose="020B0604020202020204" pitchFamily="34" charset="0"/>
-              <a:buChar char="–"/>
-              <a:defRPr>
-                <a:solidFill>
-                  <a:schemeClr val="tx1"/>
-                </a:solidFill>
-                <a:latin typeface="Univers Light"/>
-                <a:ea typeface="+mn-ea"/>
-                <a:cs typeface="Univers Light"/>
-              </a:defRPr>
-            </a:lvl3pPr>
-            <a:lvl4pPr marL="1073150" indent="-179388" algn="l" defTabSz="361950" rtl="0" eaLnBrk="1" fontAlgn="base" hangingPunct="1">
-              <a:spcBef>
-                <a:spcPct val="20000"/>
-              </a:spcBef>
-              <a:spcAft>
-                <a:spcPct val="0"/>
-              </a:spcAft>
-              <a:buClr>
-                <a:srgbClr val="C0C0C0"/>
-              </a:buClr>
-              <a:buChar char="•"/>
-              <a:defRPr>
-                <a:solidFill>
-                  <a:schemeClr val="tx1"/>
-                </a:solidFill>
-                <a:latin typeface="Univers Light"/>
-                <a:ea typeface="+mn-ea"/>
-                <a:cs typeface="Univers Light"/>
-              </a:defRPr>
-            </a:lvl4pPr>
-            <a:lvl5pPr marL="1520825" indent="-180975" algn="l" defTabSz="361950" rtl="0" eaLnBrk="1" fontAlgn="base" hangingPunct="1">
-              <a:spcBef>
-                <a:spcPct val="20000"/>
-              </a:spcBef>
-              <a:spcAft>
-                <a:spcPct val="0"/>
-              </a:spcAft>
-              <a:buClr>
-                <a:srgbClr val="C0C0C0"/>
-              </a:buClr>
-              <a:buChar char="-"/>
-              <a:defRPr sz="1600">
-                <a:solidFill>
-                  <a:schemeClr val="tx1"/>
-                </a:solidFill>
-                <a:latin typeface="Univers Light"/>
-                <a:ea typeface="+mn-ea"/>
-                <a:cs typeface="Univers Light"/>
-              </a:defRPr>
-            </a:lvl5pPr>
-            <a:lvl6pPr marL="1978025" indent="-180975" algn="l" defTabSz="361950" rtl="0" eaLnBrk="1" fontAlgn="base" hangingPunct="1">
-              <a:spcBef>
-                <a:spcPct val="20000"/>
-              </a:spcBef>
-              <a:spcAft>
-                <a:spcPct val="0"/>
-              </a:spcAft>
-              <a:buClr>
-                <a:srgbClr val="C0C0C0"/>
-              </a:buClr>
-              <a:buChar char="-"/>
-              <a:defRPr sz="1600">
-                <a:solidFill>
-                  <a:schemeClr val="tx1"/>
-                </a:solidFill>
-                <a:latin typeface="+mn-lt"/>
-                <a:ea typeface="+mn-ea"/>
-              </a:defRPr>
-            </a:lvl6pPr>
-            <a:lvl7pPr marL="2435225" indent="-180975" algn="l" defTabSz="361950" rtl="0" eaLnBrk="1" fontAlgn="base" hangingPunct="1">
-              <a:spcBef>
-                <a:spcPct val="20000"/>
-              </a:spcBef>
-              <a:spcAft>
-                <a:spcPct val="0"/>
-              </a:spcAft>
-              <a:buClr>
-                <a:srgbClr val="C0C0C0"/>
-              </a:buClr>
-              <a:buChar char="-"/>
-              <a:defRPr sz="1600">
-                <a:solidFill>
-                  <a:schemeClr val="tx1"/>
-                </a:solidFill>
-                <a:latin typeface="+mn-lt"/>
-                <a:ea typeface="+mn-ea"/>
-              </a:defRPr>
-            </a:lvl7pPr>
-            <a:lvl8pPr marL="2892425" indent="-180975" algn="l" defTabSz="361950" rtl="0" eaLnBrk="1" fontAlgn="base" hangingPunct="1">
-              <a:spcBef>
-                <a:spcPct val="20000"/>
-              </a:spcBef>
-              <a:spcAft>
-                <a:spcPct val="0"/>
-              </a:spcAft>
-              <a:buClr>
-                <a:srgbClr val="C0C0C0"/>
-              </a:buClr>
-              <a:buChar char="-"/>
-              <a:defRPr sz="1600">
-                <a:solidFill>
-                  <a:schemeClr val="tx1"/>
-                </a:solidFill>
-                <a:latin typeface="+mn-lt"/>
-                <a:ea typeface="+mn-ea"/>
-              </a:defRPr>
-            </a:lvl8pPr>
-            <a:lvl9pPr marL="3349625" indent="-180975" algn="l" defTabSz="361950" rtl="0" eaLnBrk="1" fontAlgn="base" hangingPunct="1">
-              <a:spcBef>
-                <a:spcPct val="20000"/>
-              </a:spcBef>
-              <a:spcAft>
-                <a:spcPct val="0"/>
-              </a:spcAft>
-              <a:buClr>
-                <a:srgbClr val="C0C0C0"/>
-              </a:buClr>
-              <a:buChar char="-"/>
-              <a:defRPr sz="1600">
-                <a:solidFill>
-                  <a:schemeClr val="tx1"/>
-                </a:solidFill>
-                <a:latin typeface="+mn-lt"/>
-                <a:ea typeface="+mn-ea"/>
-              </a:defRPr>
-            </a:lvl9pPr>
-          </a:lstStyle>
-          <a:p>
-            <a:pPr lvl="1"/>
-            <a:r>
-              <a:rPr lang="en-US" altLang="de-DE" kern="0" dirty="0" smtClean="0">
-                <a:latin typeface="Univers Light" pitchFamily="-84" charset="0"/>
-              </a:rPr>
-              <a:t>To stay fair comparison in terms of energy </a:t>
-            </a:r>
-            <a:r>
-              <a:rPr lang="en-US" altLang="de-DE" kern="0" dirty="0" err="1" smtClean="0">
-                <a:latin typeface="Univers Light" pitchFamily="-84" charset="0"/>
-              </a:rPr>
-              <a:t>efficieny</a:t>
-            </a:r>
-            <a:r>
-              <a:rPr lang="en-US" altLang="de-DE" kern="0" dirty="0" smtClean="0">
-                <a:latin typeface="Univers Light" pitchFamily="-84" charset="0"/>
-              </a:rPr>
-              <a:t> and chip area</a:t>
-            </a:r>
-          </a:p>
-          <a:p>
-            <a:pPr lvl="1"/>
-            <a:endParaRPr lang="en-US" altLang="de-DE" kern="0" dirty="0" smtClean="0">
-              <a:latin typeface="Univers Light" pitchFamily="-84" charset="0"/>
-            </a:endParaRPr>
-          </a:p>
-        </p:txBody>
-      </p:sp>
-      <p:sp>
-        <p:nvSpPr>
-          <p:cNvPr id="6" name="Rectangle 9"/>
-          <p:cNvSpPr>
-            <a:spLocks noChangeArrowheads="1"/>
-          </p:cNvSpPr>
-          <p:nvPr/>
-        </p:nvSpPr>
-        <p:spPr bwMode="auto">
-          <a:xfrm>
-            <a:off x="3276600" y="6524625"/>
-            <a:ext cx="2879725" cy="268288"/>
-          </a:xfrm>
-          <a:prstGeom prst="rect">
-            <a:avLst/>
-          </a:prstGeom>
-          <a:noFill/>
-          <a:ln>
-            <a:noFill/>
-          </a:ln>
-          <a:effectLst/>
-          <a:extLst>
-            <a:ext uri="{909E8E84-426E-40dd-AFC4-6F175D3DCCD1}">
-              <a14:hiddenFill xmlns:a14="http://schemas.microsoft.com/office/drawing/2010/main" xmlns="">
-                <a:solidFill>
-                  <a:schemeClr val="accent1"/>
-                </a:solidFill>
-              </a14:hiddenFill>
-            </a:ext>
-            <a:ext uri="{91240B29-F687-4f45-9708-019B960494DF}">
-              <a14:hiddenLine xmlns:a14="http://schemas.microsoft.com/office/drawing/2010/main" xmlns="" w="9525">
-                <a:solidFill>
-                  <a:schemeClr val="tx1"/>
-                </a:solidFill>
-                <a:miter lim="800000"/>
-                <a:headEnd/>
-                <a:tailEnd/>
-              </a14:hiddenLine>
-            </a:ext>
-            <a:ext uri="{AF507438-7753-43e0-B8FC-AC1667EBCBE1}">
-              <a14:hiddenEffects xmlns:a14="http://schemas.microsoft.com/office/drawing/2010/main" xmlns="">
-                <a:effectLst>
-                  <a:outerShdw blurRad="63500" dist="38099" dir="2700000" algn="ctr" rotWithShape="0">
-                    <a:schemeClr val="bg2">
-                      <a:alpha val="74998"/>
-                    </a:schemeClr>
-                  </a:outerShdw>
-                </a:effectLst>
-              </a14:hiddenEffects>
-            </a:ext>
-          </a:extLst>
-        </p:spPr>
-        <p:txBody>
-          <a:bodyPr/>
-          <a:lstStyle/>
-          <a:p>
-            <a:pPr algn="ctr">
-              <a:spcBef>
-                <a:spcPct val="0"/>
-              </a:spcBef>
-              <a:defRPr/>
-            </a:pPr>
-            <a:fld id="{99242C47-79B2-4A68-92E1-F38E401F8C51}" type="slidenum">
-              <a:rPr lang="de-DE" sz="1200" smtClean="0">
-                <a:solidFill>
-                  <a:schemeClr val="tx1"/>
-                </a:solidFill>
-                <a:latin typeface="Univers 45 Light" charset="0"/>
-                <a:ea typeface="ＭＳ Ｐゴシック" charset="0"/>
-              </a:rPr>
               <a:t>20</a:t>
             </a:fld>
             <a:endParaRPr lang="de-DE" sz="1200" dirty="0">
@@ -16734,7 +19765,7 @@
     </p:spTree>
     <p:extLst>
       <p:ext uri="{BB962C8B-B14F-4D97-AF65-F5344CB8AC3E}">
-        <p14:creationId xmlns:p14="http://schemas.microsoft.com/office/powerpoint/2010/main" val="2058750378"/>
+        <p14:creationId xmlns:p14="http://schemas.microsoft.com/office/powerpoint/2010/main" val="2163408882"/>
       </p:ext>
     </p:extLst>
   </p:cSld>
@@ -16783,20 +19814,55 @@
           <a:bodyPr/>
           <a:lstStyle/>
           <a:p>
-            <a:pPr lvl="1"/>
-            <a:r>
-              <a:rPr lang="en-US" dirty="0"/>
-              <a:t>Assessing the </a:t>
-            </a:r>
-            <a:r>
-              <a:rPr lang="en-US" dirty="0" err="1"/>
-              <a:t>Parallella's</a:t>
-            </a:r>
-            <a:r>
-              <a:rPr lang="en-US" dirty="0"/>
-              <a:t> Potential for HPC</a:t>
-            </a:r>
-            <a:endParaRPr lang="en-US" altLang="de-DE" dirty="0"/>
+            <a:r>
+              <a:rPr lang="de-DE" dirty="0" err="1" smtClean="0"/>
+              <a:t>Comparison</a:t>
+            </a:r>
+            <a:r>
+              <a:rPr lang="de-DE" dirty="0" smtClean="0"/>
+              <a:t> </a:t>
+            </a:r>
+            <a:r>
+              <a:rPr lang="de-DE" dirty="0" err="1" smtClean="0"/>
+              <a:t>of</a:t>
+            </a:r>
+            <a:r>
+              <a:rPr lang="de-DE" dirty="0" smtClean="0"/>
+              <a:t> </a:t>
+            </a:r>
+            <a:r>
+              <a:rPr lang="de-DE" dirty="0" err="1" smtClean="0"/>
+              <a:t>Parallella</a:t>
+            </a:r>
+            <a:r>
+              <a:rPr lang="de-DE" dirty="0" smtClean="0"/>
+              <a:t> </a:t>
+            </a:r>
+            <a:r>
+              <a:rPr lang="de-DE" dirty="0" err="1" smtClean="0"/>
+              <a:t>with</a:t>
+            </a:r>
+            <a:r>
+              <a:rPr lang="de-DE" dirty="0" smtClean="0"/>
+              <a:t> </a:t>
+            </a:r>
+            <a:r>
+              <a:rPr lang="de-DE" dirty="0" err="1" smtClean="0"/>
+              <a:t>GeForce</a:t>
+            </a:r>
+            <a:r>
+              <a:rPr lang="de-DE" dirty="0" smtClean="0"/>
+              <a:t> 750 </a:t>
+            </a:r>
+            <a:r>
+              <a:rPr lang="de-DE" dirty="0" err="1" smtClean="0"/>
+              <a:t>Ti</a:t>
+            </a:r>
+            <a:r>
+              <a:rPr lang="de-DE" dirty="0" smtClean="0"/>
+              <a:t> </a:t>
+            </a:r>
+            <a:endParaRPr lang="de-DE" dirty="0"/>
           </a:p>
         </p:txBody>
       </p:sp>
@@ -16823,17 +19889,17 @@
           <a:effectLst/>
           <a:extLst>
             <a:ext uri="{FAA26D3D-D897-4be2-8F04-BA451C77F1D7}">
-              <ma14:placeholderFlag xmlns="" xmlns:ma14="http://schemas.microsoft.com/office/mac/drawingml/2011/main" val="1"/>
+              <ma14:placeholderFlag xmlns:ma14="http://schemas.microsoft.com/office/mac/drawingml/2011/main" xmlns="" val="1"/>
             </a:ext>
             <a:ext uri="{909E8E84-426E-40dd-AFC4-6F175D3DCCD1}">
-              <a14:hiddenFill xmlns:a14="http://schemas.microsoft.com/office/drawing/2010/main" xmlns="">
+              <a14:hiddenFill xmlns="" xmlns:a14="http://schemas.microsoft.com/office/drawing/2010/main">
                 <a:solidFill>
                   <a:schemeClr val="accent1"/>
                 </a:solidFill>
               </a14:hiddenFill>
             </a:ext>
             <a:ext uri="{91240B29-F687-4f45-9708-019B960494DF}">
-              <a14:hiddenLine xmlns:a14="http://schemas.microsoft.com/office/drawing/2010/main" xmlns="" w="9525">
+              <a14:hiddenLine xmlns="" xmlns:a14="http://schemas.microsoft.com/office/drawing/2010/main" w="9525">
                 <a:solidFill>
                   <a:schemeClr val="tx1"/>
                 </a:solidFill>
@@ -16843,7 +19909,7 @@
               </a14:hiddenLine>
             </a:ext>
             <a:ext uri="{AF507438-7753-43e0-B8FC-AC1667EBCBE1}">
-              <a14:hiddenEffects xmlns:a14="http://schemas.microsoft.com/office/drawing/2010/main" xmlns="">
+              <a14:hiddenEffects xmlns="" xmlns:a14="http://schemas.microsoft.com/office/drawing/2010/main">
                 <a:effectLst>
                   <a:outerShdw blurRad="63500" dist="38099" dir="2700000" algn="ctr" rotWithShape="0">
                     <a:schemeClr val="bg2">
@@ -17041,11 +20107,127 @@
               <a:rPr lang="en-US" altLang="de-DE" kern="0" dirty="0" smtClean="0">
                 <a:latin typeface="Univers Light" pitchFamily="-84" charset="0"/>
               </a:rPr>
-              <a:t>Pros:</a:t>
-            </a:r>
-          </a:p>
-          <a:p>
-            <a:pPr lvl="2"/>
+              <a:t>To stay fair comparison in terms of energy </a:t>
+            </a:r>
+            <a:r>
+              <a:rPr lang="en-US" altLang="de-DE" kern="0" dirty="0" err="1" smtClean="0">
+                <a:latin typeface="Univers Light" pitchFamily="-84" charset="0"/>
+              </a:rPr>
+              <a:t>efficieny</a:t>
+            </a:r>
+            <a:r>
+              <a:rPr lang="en-US" altLang="de-DE" kern="0" dirty="0" smtClean="0">
+                <a:latin typeface="Univers Light" pitchFamily="-84" charset="0"/>
+              </a:rPr>
+              <a:t> and chip </a:t>
+            </a:r>
+            <a:r>
+              <a:rPr lang="en-US" altLang="de-DE" kern="0" dirty="0" smtClean="0">
+                <a:latin typeface="Univers Light" pitchFamily="-84" charset="0"/>
+              </a:rPr>
+              <a:t>area</a:t>
+            </a:r>
+          </a:p>
+          <a:p>
+            <a:pPr lvl="1"/>
+            <a:r>
+              <a:rPr lang="en-US" altLang="de-DE" kern="0" dirty="0" smtClean="0">
+                <a:latin typeface="Univers Light" pitchFamily="-84" charset="0"/>
+              </a:rPr>
+              <a:t>Energy consumption/Picture [</a:t>
+            </a:r>
+            <a:r>
+              <a:rPr lang="en-US" altLang="de-DE" kern="0" dirty="0" err="1" smtClean="0">
+                <a:latin typeface="Univers Light" pitchFamily="-84" charset="0"/>
+              </a:rPr>
+              <a:t>mWs</a:t>
+            </a:r>
+            <a:r>
+              <a:rPr lang="en-US" altLang="de-DE" kern="0" dirty="0" smtClean="0">
+                <a:latin typeface="Univers Light" pitchFamily="-84" charset="0"/>
+              </a:rPr>
+              <a:t>]:</a:t>
+            </a:r>
+          </a:p>
+          <a:p>
+            <a:pPr lvl="1"/>
+            <a:endParaRPr lang="en-US" altLang="de-DE" kern="0" dirty="0">
+              <a:latin typeface="Univers Light" pitchFamily="-84" charset="0"/>
+            </a:endParaRPr>
+          </a:p>
+          <a:p>
+            <a:pPr lvl="1"/>
+            <a:endParaRPr lang="en-US" altLang="de-DE" kern="0" dirty="0" smtClean="0">
+              <a:latin typeface="Univers Light" pitchFamily="-84" charset="0"/>
+            </a:endParaRPr>
+          </a:p>
+          <a:p>
+            <a:pPr lvl="1"/>
+            <a:endParaRPr lang="en-US" altLang="de-DE" kern="0" dirty="0">
+              <a:latin typeface="Univers Light" pitchFamily="-84" charset="0"/>
+            </a:endParaRPr>
+          </a:p>
+          <a:p>
+            <a:pPr lvl="1"/>
+            <a:endParaRPr lang="en-US" altLang="de-DE" kern="0" dirty="0" smtClean="0">
+              <a:latin typeface="Univers Light" pitchFamily="-84" charset="0"/>
+            </a:endParaRPr>
+          </a:p>
+          <a:p>
+            <a:pPr lvl="1"/>
+            <a:endParaRPr lang="en-US" altLang="de-DE" kern="0" dirty="0">
+              <a:latin typeface="Univers Light" pitchFamily="-84" charset="0"/>
+            </a:endParaRPr>
+          </a:p>
+          <a:p>
+            <a:pPr lvl="1"/>
+            <a:r>
+              <a:rPr lang="en-US" altLang="de-DE" kern="0" dirty="0" smtClean="0">
+                <a:latin typeface="Univers Light" pitchFamily="-84" charset="0"/>
+              </a:rPr>
+              <a:t>Initialization phase of </a:t>
+            </a:r>
+            <a:r>
+              <a:rPr lang="en-US" altLang="de-DE" kern="0" dirty="0" err="1" smtClean="0">
+                <a:latin typeface="Univers Light" pitchFamily="-84" charset="0"/>
+              </a:rPr>
+              <a:t>cuFFT</a:t>
+            </a:r>
+            <a:r>
+              <a:rPr lang="en-US" altLang="de-DE" kern="0" dirty="0" smtClean="0">
+                <a:latin typeface="Univers Light" pitchFamily="-84" charset="0"/>
+              </a:rPr>
+              <a:t> very time consuming</a:t>
+            </a:r>
+          </a:p>
+          <a:p>
+            <a:pPr lvl="1"/>
+            <a:r>
+              <a:rPr lang="en-US" altLang="de-DE" kern="0" dirty="0" smtClean="0">
+                <a:latin typeface="Univers Light" pitchFamily="-84" charset="0"/>
+              </a:rPr>
+              <a:t>Due to low memory size, and small memory bandwidth, GPU can outperform </a:t>
+            </a:r>
+            <a:r>
+              <a:rPr lang="en-US" altLang="de-DE" kern="0" dirty="0" err="1" smtClean="0">
+                <a:latin typeface="Univers Light" pitchFamily="-84" charset="0"/>
+              </a:rPr>
+              <a:t>Parallella</a:t>
+            </a:r>
+            <a:r>
+              <a:rPr lang="en-US" altLang="de-DE" kern="0" dirty="0" smtClean="0">
+                <a:latin typeface="Univers Light" pitchFamily="-84" charset="0"/>
+              </a:rPr>
+              <a:t> in terms of energy efficiency in this case</a:t>
+            </a:r>
+            <a:endParaRPr lang="en-US" altLang="de-DE" kern="0" dirty="0" smtClean="0">
+              <a:latin typeface="Univers Light" pitchFamily="-84" charset="0"/>
+            </a:endParaRPr>
+          </a:p>
+          <a:p>
+            <a:pPr marL="1587" lvl="1" indent="0">
+              <a:buNone/>
+            </a:pPr>
             <a:endParaRPr lang="en-US" altLang="de-DE" kern="0" dirty="0" smtClean="0">
               <a:latin typeface="Univers Light" pitchFamily="-84" charset="0"/>
             </a:endParaRPr>
@@ -17075,14 +20257,14 @@
           <a:effectLst/>
           <a:extLst>
             <a:ext uri="{909E8E84-426E-40dd-AFC4-6F175D3DCCD1}">
-              <a14:hiddenFill xmlns:a14="http://schemas.microsoft.com/office/drawing/2010/main" xmlns="">
+              <a14:hiddenFill xmlns="" xmlns:a14="http://schemas.microsoft.com/office/drawing/2010/main">
                 <a:solidFill>
                   <a:schemeClr val="accent1"/>
                 </a:solidFill>
               </a14:hiddenFill>
             </a:ext>
             <a:ext uri="{91240B29-F687-4f45-9708-019B960494DF}">
-              <a14:hiddenLine xmlns:a14="http://schemas.microsoft.com/office/drawing/2010/main" xmlns="" w="9525">
+              <a14:hiddenLine xmlns="" xmlns:a14="http://schemas.microsoft.com/office/drawing/2010/main" w="9525">
                 <a:solidFill>
                   <a:schemeClr val="tx1"/>
                 </a:solidFill>
@@ -17092,7 +20274,7 @@
               </a14:hiddenLine>
             </a:ext>
             <a:ext uri="{AF507438-7753-43e0-B8FC-AC1667EBCBE1}">
-              <a14:hiddenEffects xmlns:a14="http://schemas.microsoft.com/office/drawing/2010/main" xmlns="">
+              <a14:hiddenEffects xmlns="" xmlns:a14="http://schemas.microsoft.com/office/drawing/2010/main">
                 <a:effectLst>
                   <a:outerShdw blurRad="63500" dist="38099" dir="2700000" algn="ctr" rotWithShape="0">
                     <a:schemeClr val="bg2">
@@ -17123,6 +20305,1950 @@
                 <a:ea typeface="ＭＳ Ｐゴシック" charset="0"/>
               </a:rPr>
               <a:t>21</a:t>
+            </a:fld>
+            <a:endParaRPr lang="de-DE" sz="1200" dirty="0">
+              <a:solidFill>
+                <a:schemeClr val="tx1"/>
+              </a:solidFill>
+              <a:latin typeface="Univers 45 Light" charset="0"/>
+              <a:ea typeface="ＭＳ Ｐゴシック" charset="0"/>
+            </a:endParaRPr>
+          </a:p>
+        </p:txBody>
+      </p:sp>
+      <p:graphicFrame>
+        <p:nvGraphicFramePr>
+          <p:cNvPr id="8" name="Tabelle 7"/>
+          <p:cNvGraphicFramePr>
+            <a:graphicFrameLocks noGrp="1"/>
+          </p:cNvGraphicFramePr>
+          <p:nvPr>
+            <p:extLst>
+              <p:ext uri="{D42A27DB-BD31-4B8C-83A1-F6EECF244321}">
+                <p14:modId xmlns:p14="http://schemas.microsoft.com/office/powerpoint/2010/main" val="3148928005"/>
+              </p:ext>
+            </p:extLst>
+          </p:nvPr>
+        </p:nvGraphicFramePr>
+        <p:xfrm>
+          <a:off x="1475656" y="1700808"/>
+          <a:ext cx="6418580" cy="1483360"/>
+        </p:xfrm>
+        <a:graphic>
+          <a:graphicData uri="http://schemas.openxmlformats.org/drawingml/2006/table">
+            <a:tbl>
+              <a:tblPr firstRow="1" bandRow="1">
+                <a:tableStyleId>{00A15C55-8517-42AA-B614-E9B94910E393}</a:tableStyleId>
+              </a:tblPr>
+              <a:tblGrid>
+                <a:gridCol w="2354580"/>
+                <a:gridCol w="2032000"/>
+                <a:gridCol w="2032000"/>
+              </a:tblGrid>
+              <a:tr h="370840">
+                <a:tc>
+                  <a:txBody>
+                    <a:bodyPr/>
+                    <a:lstStyle/>
+                    <a:p>
+                      <a:pPr algn="ctr"/>
+                      <a:r>
+                        <a:rPr lang="de-DE" dirty="0" err="1" smtClean="0"/>
+                        <a:t>Number</a:t>
+                      </a:r>
+                      <a:r>
+                        <a:rPr lang="de-DE" dirty="0" smtClean="0"/>
+                        <a:t> </a:t>
+                      </a:r>
+                      <a:r>
+                        <a:rPr lang="de-DE" dirty="0" err="1" smtClean="0"/>
+                        <a:t>of</a:t>
+                      </a:r>
+                      <a:r>
+                        <a:rPr lang="de-DE" dirty="0" smtClean="0"/>
+                        <a:t> Pictures</a:t>
+                      </a:r>
+                      <a:endParaRPr lang="de-DE" dirty="0"/>
+                    </a:p>
+                  </a:txBody>
+                  <a:tcPr/>
+                </a:tc>
+                <a:tc>
+                  <a:txBody>
+                    <a:bodyPr/>
+                    <a:lstStyle/>
+                    <a:p>
+                      <a:pPr algn="ctr"/>
+                      <a:r>
+                        <a:rPr lang="de-DE" dirty="0" err="1" smtClean="0"/>
+                        <a:t>Parallella</a:t>
+                      </a:r>
+                      <a:endParaRPr lang="de-DE" dirty="0"/>
+                    </a:p>
+                  </a:txBody>
+                  <a:tcPr/>
+                </a:tc>
+                <a:tc>
+                  <a:txBody>
+                    <a:bodyPr/>
+                    <a:lstStyle/>
+                    <a:p>
+                      <a:pPr algn="ctr"/>
+                      <a:r>
+                        <a:rPr lang="de-DE" dirty="0" smtClean="0"/>
+                        <a:t>GPU</a:t>
+                      </a:r>
+                      <a:endParaRPr lang="de-DE" dirty="0"/>
+                    </a:p>
+                  </a:txBody>
+                  <a:tcPr/>
+                </a:tc>
+              </a:tr>
+              <a:tr h="370840">
+                <a:tc>
+                  <a:txBody>
+                    <a:bodyPr/>
+                    <a:lstStyle/>
+                    <a:p>
+                      <a:pPr algn="ctr"/>
+                      <a:r>
+                        <a:rPr lang="de-DE" dirty="0" smtClean="0"/>
+                        <a:t>1</a:t>
+                      </a:r>
+                      <a:endParaRPr lang="de-DE" dirty="0"/>
+                    </a:p>
+                  </a:txBody>
+                  <a:tcPr/>
+                </a:tc>
+                <a:tc>
+                  <a:txBody>
+                    <a:bodyPr/>
+                    <a:lstStyle/>
+                    <a:p>
+                      <a:pPr algn="ctr"/>
+                      <a:r>
+                        <a:rPr lang="de-DE" dirty="0" smtClean="0"/>
+                        <a:t>510</a:t>
+                      </a:r>
+                      <a:endParaRPr lang="de-DE" dirty="0"/>
+                    </a:p>
+                  </a:txBody>
+                  <a:tcPr/>
+                </a:tc>
+                <a:tc>
+                  <a:txBody>
+                    <a:bodyPr/>
+                    <a:lstStyle/>
+                    <a:p>
+                      <a:pPr algn="ctr"/>
+                      <a:r>
+                        <a:rPr lang="de-DE" dirty="0" smtClean="0"/>
+                        <a:t>10200</a:t>
+                      </a:r>
+                      <a:endParaRPr lang="de-DE" dirty="0"/>
+                    </a:p>
+                  </a:txBody>
+                  <a:tcPr/>
+                </a:tc>
+              </a:tr>
+              <a:tr h="370840">
+                <a:tc>
+                  <a:txBody>
+                    <a:bodyPr/>
+                    <a:lstStyle/>
+                    <a:p>
+                      <a:pPr algn="ctr"/>
+                      <a:r>
+                        <a:rPr lang="de-DE" dirty="0" smtClean="0"/>
+                        <a:t>100</a:t>
+                      </a:r>
+                      <a:endParaRPr lang="de-DE" dirty="0"/>
+                    </a:p>
+                  </a:txBody>
+                  <a:tcPr/>
+                </a:tc>
+                <a:tc>
+                  <a:txBody>
+                    <a:bodyPr/>
+                    <a:lstStyle/>
+                    <a:p>
+                      <a:pPr algn="ctr"/>
+                      <a:r>
+                        <a:rPr lang="de-DE" dirty="0" smtClean="0"/>
+                        <a:t>510</a:t>
+                      </a:r>
+                      <a:endParaRPr lang="de-DE" dirty="0"/>
+                    </a:p>
+                  </a:txBody>
+                  <a:tcPr/>
+                </a:tc>
+                <a:tc>
+                  <a:txBody>
+                    <a:bodyPr/>
+                    <a:lstStyle/>
+                    <a:p>
+                      <a:pPr algn="ctr"/>
+                      <a:r>
+                        <a:rPr lang="de-DE" dirty="0" smtClean="0"/>
+                        <a:t>114</a:t>
+                      </a:r>
+                      <a:endParaRPr lang="de-DE" dirty="0"/>
+                    </a:p>
+                  </a:txBody>
+                  <a:tcPr/>
+                </a:tc>
+              </a:tr>
+              <a:tr h="370840">
+                <a:tc>
+                  <a:txBody>
+                    <a:bodyPr/>
+                    <a:lstStyle/>
+                    <a:p>
+                      <a:pPr algn="ctr"/>
+                      <a:r>
+                        <a:rPr lang="de-DE" dirty="0" smtClean="0"/>
+                        <a:t>1000</a:t>
+                      </a:r>
+                      <a:endParaRPr lang="de-DE" dirty="0"/>
+                    </a:p>
+                  </a:txBody>
+                  <a:tcPr/>
+                </a:tc>
+                <a:tc>
+                  <a:txBody>
+                    <a:bodyPr/>
+                    <a:lstStyle/>
+                    <a:p>
+                      <a:pPr algn="ctr"/>
+                      <a:r>
+                        <a:rPr lang="de-DE" dirty="0" smtClean="0"/>
+                        <a:t>510</a:t>
+                      </a:r>
+                      <a:endParaRPr lang="de-DE" dirty="0"/>
+                    </a:p>
+                  </a:txBody>
+                  <a:tcPr/>
+                </a:tc>
+                <a:tc>
+                  <a:txBody>
+                    <a:bodyPr/>
+                    <a:lstStyle/>
+                    <a:p>
+                      <a:pPr algn="ctr"/>
+                      <a:r>
+                        <a:rPr lang="de-DE" dirty="0" smtClean="0"/>
+                        <a:t>18,6</a:t>
+                      </a:r>
+                      <a:endParaRPr lang="de-DE" dirty="0"/>
+                    </a:p>
+                  </a:txBody>
+                  <a:tcPr/>
+                </a:tc>
+              </a:tr>
+            </a:tbl>
+          </a:graphicData>
+        </a:graphic>
+      </p:graphicFrame>
+    </p:spTree>
+    <p:extLst>
+      <p:ext uri="{BB962C8B-B14F-4D97-AF65-F5344CB8AC3E}">
+        <p14:creationId xmlns:p14="http://schemas.microsoft.com/office/powerpoint/2010/main" val="2058750378"/>
+      </p:ext>
+    </p:extLst>
+  </p:cSld>
+  <p:clrMapOvr>
+    <a:masterClrMapping/>
+  </p:clrMapOvr>
+  <p:timing>
+    <p:tnLst>
+      <p:par>
+        <p:cTn id="1" dur="indefinite" restart="never" nodeType="tmRoot"/>
+      </p:par>
+    </p:tnLst>
+  </p:timing>
+</p:sld>
+</file>
+
+<file path=ppt/slides/slide22.xml><?xml version="1.0" encoding="utf-8"?>
+<p:sld xmlns:a="http://schemas.openxmlformats.org/drawingml/2006/main" xmlns:r="http://schemas.openxmlformats.org/officeDocument/2006/relationships" xmlns:p="http://schemas.openxmlformats.org/presentationml/2006/main">
+  <p:cSld>
+    <p:spTree>
+      <p:nvGrpSpPr>
+        <p:cNvPr id="1" name=""/>
+        <p:cNvGrpSpPr/>
+        <p:nvPr/>
+      </p:nvGrpSpPr>
+      <p:grpSpPr>
+        <a:xfrm>
+          <a:off x="0" y="0"/>
+          <a:ext cx="0" cy="0"/>
+          <a:chOff x="0" y="0"/>
+          <a:chExt cx="0" cy="0"/>
+        </a:xfrm>
+      </p:grpSpPr>
+      <p:sp>
+        <p:nvSpPr>
+          <p:cNvPr id="2" name="Titel 1"/>
+          <p:cNvSpPr>
+            <a:spLocks noGrp="1"/>
+          </p:cNvSpPr>
+          <p:nvPr>
+            <p:ph type="title"/>
+          </p:nvPr>
+        </p:nvSpPr>
+        <p:spPr/>
+        <p:txBody>
+          <a:bodyPr/>
+          <a:lstStyle/>
+          <a:p>
+            <a:r>
+              <a:rPr lang="de-DE" dirty="0" err="1" smtClean="0"/>
+              <a:t>Comparison</a:t>
+            </a:r>
+            <a:r>
+              <a:rPr lang="de-DE" dirty="0" smtClean="0"/>
+              <a:t> </a:t>
+            </a:r>
+            <a:r>
+              <a:rPr lang="de-DE" dirty="0" smtClean="0"/>
+              <a:t>in Terms </a:t>
+            </a:r>
+            <a:r>
+              <a:rPr lang="de-DE" dirty="0" err="1" smtClean="0"/>
+              <a:t>of</a:t>
+            </a:r>
+            <a:r>
+              <a:rPr lang="de-DE" dirty="0" smtClean="0"/>
+              <a:t> Chip Area</a:t>
+            </a:r>
+            <a:endParaRPr lang="de-DE" dirty="0"/>
+          </a:p>
+        </p:txBody>
+      </p:sp>
+      <p:sp>
+        <p:nvSpPr>
+          <p:cNvPr id="4" name="Rectangle 8"/>
+          <p:cNvSpPr txBox="1">
+            <a:spLocks noChangeArrowheads="1"/>
+          </p:cNvSpPr>
+          <p:nvPr/>
+        </p:nvSpPr>
+        <p:spPr bwMode="auto">
+          <a:xfrm>
+            <a:off x="323850" y="765175"/>
+            <a:ext cx="8424614" cy="5256213"/>
+          </a:xfrm>
+          <a:prstGeom prst="rect">
+            <a:avLst/>
+          </a:prstGeom>
+          <a:noFill/>
+          <a:ln>
+            <a:noFill/>
+          </a:ln>
+          <a:effectLst/>
+          <a:extLst>
+            <a:ext uri="{FAA26D3D-D897-4be2-8F04-BA451C77F1D7}">
+              <ma14:placeholderFlag xmlns:ma14="http://schemas.microsoft.com/office/mac/drawingml/2011/main" xmlns="" val="1"/>
+            </a:ext>
+            <a:ext uri="{909E8E84-426E-40dd-AFC4-6F175D3DCCD1}">
+              <a14:hiddenFill xmlns="" xmlns:a14="http://schemas.microsoft.com/office/drawing/2010/main">
+                <a:solidFill>
+                  <a:schemeClr val="accent1"/>
+                </a:solidFill>
+              </a14:hiddenFill>
+            </a:ext>
+            <a:ext uri="{91240B29-F687-4f45-9708-019B960494DF}">
+              <a14:hiddenLine xmlns="" xmlns:a14="http://schemas.microsoft.com/office/drawing/2010/main" w="9525">
+                <a:solidFill>
+                  <a:schemeClr val="tx1"/>
+                </a:solidFill>
+                <a:miter lim="800000"/>
+                <a:headEnd/>
+                <a:tailEnd/>
+              </a14:hiddenLine>
+            </a:ext>
+            <a:ext uri="{AF507438-7753-43e0-B8FC-AC1667EBCBE1}">
+              <a14:hiddenEffects xmlns="" xmlns:a14="http://schemas.microsoft.com/office/drawing/2010/main">
+                <a:effectLst>
+                  <a:outerShdw blurRad="63500" dist="38099" dir="2700000" algn="ctr" rotWithShape="0">
+                    <a:schemeClr val="bg2">
+                      <a:alpha val="74998"/>
+                    </a:schemeClr>
+                  </a:outerShdw>
+                </a:effectLst>
+              </a14:hiddenEffects>
+            </a:ext>
+          </a:extLst>
+        </p:spPr>
+        <p:txBody>
+          <a:bodyPr vert="horz" wrap="square" lIns="91440" tIns="45720" rIns="91440" bIns="45720" numCol="1" anchor="t" anchorCtr="0" compatLnSpc="1">
+            <a:prstTxWarp prst="textNoShape">
+              <a:avLst/>
+            </a:prstTxWarp>
+          </a:bodyPr>
+          <a:lstStyle>
+            <a:lvl1pPr marL="342900" indent="-342900" algn="l" defTabSz="361950" rtl="0" eaLnBrk="1" fontAlgn="base" hangingPunct="1">
+              <a:spcBef>
+                <a:spcPct val="50000"/>
+              </a:spcBef>
+              <a:spcAft>
+                <a:spcPct val="0"/>
+              </a:spcAft>
+              <a:defRPr>
+                <a:solidFill>
+                  <a:schemeClr val="tx1"/>
+                </a:solidFill>
+                <a:latin typeface="Univers Light"/>
+                <a:ea typeface="+mn-ea"/>
+                <a:cs typeface="Univers Light"/>
+              </a:defRPr>
+            </a:lvl1pPr>
+            <a:lvl2pPr marL="263525" indent="-261938" algn="l" defTabSz="361950" rtl="0" eaLnBrk="1" fontAlgn="base" hangingPunct="1">
+              <a:spcBef>
+                <a:spcPct val="50000"/>
+              </a:spcBef>
+              <a:spcAft>
+                <a:spcPct val="0"/>
+              </a:spcAft>
+              <a:buBlip>
+                <a:blip r:embed="rId2"/>
+              </a:buBlip>
+              <a:defRPr>
+                <a:solidFill>
+                  <a:schemeClr val="tx1"/>
+                </a:solidFill>
+                <a:latin typeface="Univers Light"/>
+                <a:ea typeface="+mn-ea"/>
+                <a:cs typeface="Univers Light"/>
+              </a:defRPr>
+            </a:lvl2pPr>
+            <a:lvl3pPr marL="712788" indent="-269875" algn="l" defTabSz="361950" rtl="0" eaLnBrk="1" fontAlgn="base" hangingPunct="1">
+              <a:spcBef>
+                <a:spcPct val="50000"/>
+              </a:spcBef>
+              <a:spcAft>
+                <a:spcPct val="0"/>
+              </a:spcAft>
+              <a:buClr>
+                <a:srgbClr val="C0C0C0"/>
+              </a:buClr>
+              <a:buFont typeface="Arial" panose="020B0604020202020204" pitchFamily="34" charset="0"/>
+              <a:buChar char="–"/>
+              <a:defRPr>
+                <a:solidFill>
+                  <a:schemeClr val="tx1"/>
+                </a:solidFill>
+                <a:latin typeface="Univers Light"/>
+                <a:ea typeface="+mn-ea"/>
+                <a:cs typeface="Univers Light"/>
+              </a:defRPr>
+            </a:lvl3pPr>
+            <a:lvl4pPr marL="1073150" indent="-179388" algn="l" defTabSz="361950" rtl="0" eaLnBrk="1" fontAlgn="base" hangingPunct="1">
+              <a:spcBef>
+                <a:spcPct val="20000"/>
+              </a:spcBef>
+              <a:spcAft>
+                <a:spcPct val="0"/>
+              </a:spcAft>
+              <a:buClr>
+                <a:srgbClr val="C0C0C0"/>
+              </a:buClr>
+              <a:buChar char="•"/>
+              <a:defRPr>
+                <a:solidFill>
+                  <a:schemeClr val="tx1"/>
+                </a:solidFill>
+                <a:latin typeface="Univers Light"/>
+                <a:ea typeface="+mn-ea"/>
+                <a:cs typeface="Univers Light"/>
+              </a:defRPr>
+            </a:lvl4pPr>
+            <a:lvl5pPr marL="1520825" indent="-180975" algn="l" defTabSz="361950" rtl="0" eaLnBrk="1" fontAlgn="base" hangingPunct="1">
+              <a:spcBef>
+                <a:spcPct val="20000"/>
+              </a:spcBef>
+              <a:spcAft>
+                <a:spcPct val="0"/>
+              </a:spcAft>
+              <a:buClr>
+                <a:srgbClr val="C0C0C0"/>
+              </a:buClr>
+              <a:buChar char="-"/>
+              <a:defRPr sz="1600">
+                <a:solidFill>
+                  <a:schemeClr val="tx1"/>
+                </a:solidFill>
+                <a:latin typeface="Univers Light"/>
+                <a:ea typeface="+mn-ea"/>
+                <a:cs typeface="Univers Light"/>
+              </a:defRPr>
+            </a:lvl5pPr>
+            <a:lvl6pPr marL="1978025" indent="-180975" algn="l" defTabSz="361950" rtl="0" eaLnBrk="1" fontAlgn="base" hangingPunct="1">
+              <a:spcBef>
+                <a:spcPct val="20000"/>
+              </a:spcBef>
+              <a:spcAft>
+                <a:spcPct val="0"/>
+              </a:spcAft>
+              <a:buClr>
+                <a:srgbClr val="C0C0C0"/>
+              </a:buClr>
+              <a:buChar char="-"/>
+              <a:defRPr sz="1600">
+                <a:solidFill>
+                  <a:schemeClr val="tx1"/>
+                </a:solidFill>
+                <a:latin typeface="+mn-lt"/>
+                <a:ea typeface="+mn-ea"/>
+              </a:defRPr>
+            </a:lvl6pPr>
+            <a:lvl7pPr marL="2435225" indent="-180975" algn="l" defTabSz="361950" rtl="0" eaLnBrk="1" fontAlgn="base" hangingPunct="1">
+              <a:spcBef>
+                <a:spcPct val="20000"/>
+              </a:spcBef>
+              <a:spcAft>
+                <a:spcPct val="0"/>
+              </a:spcAft>
+              <a:buClr>
+                <a:srgbClr val="C0C0C0"/>
+              </a:buClr>
+              <a:buChar char="-"/>
+              <a:defRPr sz="1600">
+                <a:solidFill>
+                  <a:schemeClr val="tx1"/>
+                </a:solidFill>
+                <a:latin typeface="+mn-lt"/>
+                <a:ea typeface="+mn-ea"/>
+              </a:defRPr>
+            </a:lvl7pPr>
+            <a:lvl8pPr marL="2892425" indent="-180975" algn="l" defTabSz="361950" rtl="0" eaLnBrk="1" fontAlgn="base" hangingPunct="1">
+              <a:spcBef>
+                <a:spcPct val="20000"/>
+              </a:spcBef>
+              <a:spcAft>
+                <a:spcPct val="0"/>
+              </a:spcAft>
+              <a:buClr>
+                <a:srgbClr val="C0C0C0"/>
+              </a:buClr>
+              <a:buChar char="-"/>
+              <a:defRPr sz="1600">
+                <a:solidFill>
+                  <a:schemeClr val="tx1"/>
+                </a:solidFill>
+                <a:latin typeface="+mn-lt"/>
+                <a:ea typeface="+mn-ea"/>
+              </a:defRPr>
+            </a:lvl8pPr>
+            <a:lvl9pPr marL="3349625" indent="-180975" algn="l" defTabSz="361950" rtl="0" eaLnBrk="1" fontAlgn="base" hangingPunct="1">
+              <a:spcBef>
+                <a:spcPct val="20000"/>
+              </a:spcBef>
+              <a:spcAft>
+                <a:spcPct val="0"/>
+              </a:spcAft>
+              <a:buClr>
+                <a:srgbClr val="C0C0C0"/>
+              </a:buClr>
+              <a:buChar char="-"/>
+              <a:defRPr sz="1600">
+                <a:solidFill>
+                  <a:schemeClr val="tx1"/>
+                </a:solidFill>
+                <a:latin typeface="+mn-lt"/>
+                <a:ea typeface="+mn-ea"/>
+              </a:defRPr>
+            </a:lvl9pPr>
+          </a:lstStyle>
+          <a:p>
+            <a:pPr lvl="1"/>
+            <a:r>
+              <a:rPr lang="en-US" altLang="de-DE" kern="0" dirty="0" smtClean="0">
+                <a:latin typeface="Univers Light" pitchFamily="-84" charset="0"/>
+              </a:rPr>
+              <a:t>Example configuration of Epiphany with 1024 cores:</a:t>
+            </a:r>
+          </a:p>
+          <a:p>
+            <a:pPr marL="1587" lvl="1" indent="0">
+              <a:buNone/>
+            </a:pPr>
+            <a:endParaRPr lang="en-US" altLang="de-DE" kern="0" dirty="0" smtClean="0">
+              <a:latin typeface="Univers Light" pitchFamily="-84" charset="0"/>
+            </a:endParaRPr>
+          </a:p>
+          <a:p>
+            <a:pPr lvl="1"/>
+            <a:endParaRPr lang="en-US" altLang="de-DE" kern="0" dirty="0">
+              <a:latin typeface="Univers Light" pitchFamily="-84" charset="0"/>
+            </a:endParaRPr>
+          </a:p>
+          <a:p>
+            <a:pPr lvl="1"/>
+            <a:endParaRPr lang="en-US" altLang="de-DE" kern="0" dirty="0" smtClean="0">
+              <a:latin typeface="Univers Light" pitchFamily="-84" charset="0"/>
+            </a:endParaRPr>
+          </a:p>
+          <a:p>
+            <a:pPr lvl="1"/>
+            <a:endParaRPr lang="en-US" altLang="de-DE" kern="0" dirty="0">
+              <a:latin typeface="Univers Light" pitchFamily="-84" charset="0"/>
+            </a:endParaRPr>
+          </a:p>
+          <a:p>
+            <a:pPr lvl="1"/>
+            <a:endParaRPr lang="en-US" altLang="de-DE" kern="0" dirty="0" smtClean="0">
+              <a:latin typeface="Univers Light" pitchFamily="-84" charset="0"/>
+            </a:endParaRPr>
+          </a:p>
+          <a:p>
+            <a:pPr lvl="1"/>
+            <a:endParaRPr lang="en-US" altLang="de-DE" kern="0" dirty="0">
+              <a:latin typeface="Univers Light" pitchFamily="-84" charset="0"/>
+            </a:endParaRPr>
+          </a:p>
+          <a:p>
+            <a:pPr lvl="1"/>
+            <a:r>
+              <a:rPr lang="en-US" altLang="de-DE" kern="0" dirty="0" smtClean="0">
+                <a:latin typeface="Univers Light" pitchFamily="-84" charset="0"/>
+              </a:rPr>
+              <a:t>Comparable to NVIDA </a:t>
+            </a:r>
+            <a:r>
+              <a:rPr lang="en-US" altLang="de-DE" kern="0" dirty="0" err="1" smtClean="0">
+                <a:latin typeface="Univers Light" pitchFamily="-84" charset="0"/>
+              </a:rPr>
+              <a:t>Geforce</a:t>
+            </a:r>
+            <a:r>
+              <a:rPr lang="en-US" altLang="de-DE" kern="0" dirty="0" smtClean="0">
+                <a:latin typeface="Univers Light" pitchFamily="-84" charset="0"/>
+              </a:rPr>
+              <a:t> 750 TI in terms of die size</a:t>
+            </a:r>
+          </a:p>
+          <a:p>
+            <a:pPr lvl="1"/>
+            <a:endParaRPr lang="en-US" altLang="de-DE" kern="0" dirty="0" smtClean="0">
+              <a:latin typeface="Univers Light" pitchFamily="-84" charset="0"/>
+            </a:endParaRPr>
+          </a:p>
+        </p:txBody>
+      </p:sp>
+      <p:sp>
+        <p:nvSpPr>
+          <p:cNvPr id="6" name="Rectangle 9"/>
+          <p:cNvSpPr>
+            <a:spLocks noChangeArrowheads="1"/>
+          </p:cNvSpPr>
+          <p:nvPr/>
+        </p:nvSpPr>
+        <p:spPr bwMode="auto">
+          <a:xfrm>
+            <a:off x="3276600" y="6524625"/>
+            <a:ext cx="2879725" cy="268288"/>
+          </a:xfrm>
+          <a:prstGeom prst="rect">
+            <a:avLst/>
+          </a:prstGeom>
+          <a:noFill/>
+          <a:ln>
+            <a:noFill/>
+          </a:ln>
+          <a:effectLst/>
+          <a:extLst>
+            <a:ext uri="{909E8E84-426E-40dd-AFC4-6F175D3DCCD1}">
+              <a14:hiddenFill xmlns="" xmlns:a14="http://schemas.microsoft.com/office/drawing/2010/main">
+                <a:solidFill>
+                  <a:schemeClr val="accent1"/>
+                </a:solidFill>
+              </a14:hiddenFill>
+            </a:ext>
+            <a:ext uri="{91240B29-F687-4f45-9708-019B960494DF}">
+              <a14:hiddenLine xmlns="" xmlns:a14="http://schemas.microsoft.com/office/drawing/2010/main" w="9525">
+                <a:solidFill>
+                  <a:schemeClr val="tx1"/>
+                </a:solidFill>
+                <a:miter lim="800000"/>
+                <a:headEnd/>
+                <a:tailEnd/>
+              </a14:hiddenLine>
+            </a:ext>
+            <a:ext uri="{AF507438-7753-43e0-B8FC-AC1667EBCBE1}">
+              <a14:hiddenEffects xmlns="" xmlns:a14="http://schemas.microsoft.com/office/drawing/2010/main">
+                <a:effectLst>
+                  <a:outerShdw blurRad="63500" dist="38099" dir="2700000" algn="ctr" rotWithShape="0">
+                    <a:schemeClr val="bg2">
+                      <a:alpha val="74998"/>
+                    </a:schemeClr>
+                  </a:outerShdw>
+                </a:effectLst>
+              </a14:hiddenEffects>
+            </a:ext>
+          </a:extLst>
+        </p:spPr>
+        <p:txBody>
+          <a:bodyPr/>
+          <a:lstStyle/>
+          <a:p>
+            <a:pPr algn="ctr">
+              <a:spcBef>
+                <a:spcPct val="0"/>
+              </a:spcBef>
+              <a:defRPr/>
+            </a:pPr>
+            <a:fld id="{99242C47-79B2-4A68-92E1-F38E401F8C51}" type="slidenum">
+              <a:rPr lang="de-DE" sz="1200" smtClean="0">
+                <a:solidFill>
+                  <a:schemeClr val="tx1"/>
+                </a:solidFill>
+                <a:latin typeface="Univers 45 Light" charset="0"/>
+                <a:ea typeface="ＭＳ Ｐゴシック" charset="0"/>
+              </a:rPr>
+              <a:t>22</a:t>
+            </a:fld>
+            <a:endParaRPr lang="de-DE" sz="1200" dirty="0">
+              <a:solidFill>
+                <a:schemeClr val="tx1"/>
+              </a:solidFill>
+              <a:latin typeface="Univers 45 Light" charset="0"/>
+              <a:ea typeface="ＭＳ Ｐゴシック" charset="0"/>
+            </a:endParaRPr>
+          </a:p>
+        </p:txBody>
+      </p:sp>
+      <mc:AlternateContent xmlns:mc="http://schemas.openxmlformats.org/markup-compatibility/2006">
+        <mc:Choice xmlns:a14="http://schemas.microsoft.com/office/drawing/2010/main" Requires="a14">
+          <p:graphicFrame>
+            <p:nvGraphicFramePr>
+              <p:cNvPr id="9" name="Tabelle 8"/>
+              <p:cNvGraphicFramePr>
+                <a:graphicFrameLocks noGrp="1"/>
+              </p:cNvGraphicFramePr>
+              <p:nvPr>
+                <p:extLst>
+                  <p:ext uri="{D42A27DB-BD31-4B8C-83A1-F6EECF244321}">
+                    <p14:modId xmlns:p14="http://schemas.microsoft.com/office/powerpoint/2010/main" val="990117297"/>
+                  </p:ext>
+                </p:extLst>
+              </p:nvPr>
+            </p:nvGraphicFramePr>
+            <p:xfrm>
+              <a:off x="683568" y="1268760"/>
+              <a:ext cx="7879080" cy="2214880"/>
+            </p:xfrm>
+            <a:graphic>
+              <a:graphicData uri="http://schemas.openxmlformats.org/drawingml/2006/table">
+                <a:tbl>
+                  <a:tblPr firstRow="1" bandRow="1">
+                    <a:tableStyleId>{616DA210-FB5B-4158-B5E0-FEB733F419BA}</a:tableStyleId>
+                  </a:tblPr>
+                  <a:tblGrid>
+                    <a:gridCol w="4831080"/>
+                    <a:gridCol w="3048000"/>
+                  </a:tblGrid>
+                  <a:tr h="370840">
+                    <a:tc>
+                      <a:txBody>
+                        <a:bodyPr/>
+                        <a:lstStyle/>
+                        <a:p>
+                          <a:r>
+                            <a:rPr lang="en-GB" b="0" noProof="0" dirty="0" smtClean="0">
+                              <a:latin typeface="Univers Light"/>
+                            </a:rPr>
+                            <a:t>Number of</a:t>
+                          </a:r>
+                          <a:r>
+                            <a:rPr lang="en-GB" b="0" baseline="0" noProof="0" dirty="0" smtClean="0">
+                              <a:latin typeface="Univers Light"/>
+                            </a:rPr>
+                            <a:t> cores</a:t>
+                          </a:r>
+                          <a:endParaRPr lang="en-GB" b="0" noProof="0" dirty="0">
+                            <a:latin typeface="Univers Light"/>
+                          </a:endParaRPr>
+                        </a:p>
+                      </a:txBody>
+                      <a:tcPr>
+                        <a:lnR w="12700" cap="flat" cmpd="sng" algn="ctr">
+                          <a:solidFill>
+                            <a:schemeClr val="tx1"/>
+                          </a:solidFill>
+                          <a:prstDash val="solid"/>
+                          <a:round/>
+                          <a:headEnd type="none" w="med" len="med"/>
+                          <a:tailEnd type="none" w="med" len="med"/>
+                        </a:lnR>
+                        <a:lnB w="12700" cap="flat" cmpd="sng" algn="ctr">
+                          <a:solidFill>
+                            <a:schemeClr val="tx1"/>
+                          </a:solidFill>
+                          <a:prstDash val="solid"/>
+                          <a:round/>
+                          <a:headEnd type="none" w="med" len="med"/>
+                          <a:tailEnd type="none" w="med" len="med"/>
+                        </a:lnB>
+                      </a:tcPr>
+                    </a:tc>
+                    <a:tc>
+                      <a:txBody>
+                        <a:bodyPr/>
+                        <a:lstStyle/>
+                        <a:p>
+                          <a:r>
+                            <a:rPr lang="en-GB" b="0" noProof="0" dirty="0" smtClean="0">
+                              <a:latin typeface="Univers Light"/>
+                            </a:rPr>
+                            <a:t>1024</a:t>
+                          </a:r>
+                          <a:endParaRPr lang="en-GB" b="0" noProof="0" dirty="0">
+                            <a:latin typeface="Univers Light"/>
+                          </a:endParaRPr>
+                        </a:p>
+                      </a:txBody>
+                      <a:tcPr>
+                        <a:lnL w="12700" cap="flat" cmpd="sng" algn="ctr">
+                          <a:solidFill>
+                            <a:schemeClr val="tx1"/>
+                          </a:solidFill>
+                          <a:prstDash val="solid"/>
+                          <a:round/>
+                          <a:headEnd type="none" w="med" len="med"/>
+                          <a:tailEnd type="none" w="med" len="med"/>
+                        </a:lnL>
+                        <a:lnB w="12700" cap="flat" cmpd="sng" algn="ctr">
+                          <a:solidFill>
+                            <a:schemeClr val="tx1"/>
+                          </a:solidFill>
+                          <a:prstDash val="solid"/>
+                          <a:round/>
+                          <a:headEnd type="none" w="med" len="med"/>
+                          <a:tailEnd type="none" w="med" len="med"/>
+                        </a:lnB>
+                      </a:tcPr>
+                    </a:tc>
+                  </a:tr>
+                  <a:tr h="370840">
+                    <a:tc>
+                      <a:txBody>
+                        <a:bodyPr/>
+                        <a:lstStyle/>
+                        <a:p>
+                          <a:r>
+                            <a:rPr lang="en-GB" noProof="0" dirty="0" smtClean="0">
+                              <a:latin typeface="Univers Light"/>
+                            </a:rPr>
+                            <a:t>Manufacturing Process</a:t>
+                          </a:r>
+                          <a:endParaRPr lang="en-GB" noProof="0" dirty="0">
+                            <a:latin typeface="Univers Light"/>
+                          </a:endParaRPr>
+                        </a:p>
+                      </a:txBody>
+                      <a:tcPr>
+                        <a:lnT w="12700" cap="flat" cmpd="sng" algn="ctr">
+                          <a:solidFill>
+                            <a:schemeClr val="tx1"/>
+                          </a:solidFill>
+                          <a:prstDash val="solid"/>
+                          <a:round/>
+                          <a:headEnd type="none" w="med" len="med"/>
+                          <a:tailEnd type="none" w="med" len="med"/>
+                        </a:lnT>
+                      </a:tcPr>
+                    </a:tc>
+                    <a:tc>
+                      <a:txBody>
+                        <a:bodyPr/>
+                        <a:lstStyle/>
+                        <a:p>
+                          <a:r>
+                            <a:rPr lang="en-GB" noProof="0" dirty="0" smtClean="0">
+                              <a:latin typeface="Univers Light"/>
+                            </a:rPr>
+                            <a:t>28</a:t>
+                          </a:r>
+                          <a:r>
+                            <a:rPr lang="en-GB" baseline="0" noProof="0" dirty="0" smtClean="0">
+                              <a:latin typeface="Univers Light"/>
+                            </a:rPr>
+                            <a:t> nm</a:t>
+                          </a:r>
+                          <a:endParaRPr lang="en-GB" noProof="0" dirty="0">
+                            <a:latin typeface="Univers Light"/>
+                          </a:endParaRPr>
+                        </a:p>
+                      </a:txBody>
+                      <a:tcPr>
+                        <a:lnT w="12700" cap="flat" cmpd="sng" algn="ctr">
+                          <a:solidFill>
+                            <a:schemeClr val="tx1"/>
+                          </a:solidFill>
+                          <a:prstDash val="solid"/>
+                          <a:round/>
+                          <a:headEnd type="none" w="med" len="med"/>
+                          <a:tailEnd type="none" w="med" len="med"/>
+                        </a:lnT>
+                      </a:tcPr>
+                    </a:tc>
+                  </a:tr>
+                  <a:tr h="370840">
+                    <a:tc>
+                      <a:txBody>
+                        <a:bodyPr/>
+                        <a:lstStyle/>
+                        <a:p>
+                          <a:r>
+                            <a:rPr lang="en-GB" noProof="0" dirty="0" smtClean="0">
+                              <a:latin typeface="Univers Light"/>
+                            </a:rPr>
+                            <a:t>Max.</a:t>
+                          </a:r>
+                          <a:r>
+                            <a:rPr lang="en-GB" baseline="0" noProof="0" dirty="0" smtClean="0">
+                              <a:latin typeface="Univers Light"/>
+                            </a:rPr>
+                            <a:t> Operating Frequency</a:t>
+                          </a:r>
+                          <a:endParaRPr lang="en-GB" noProof="0" dirty="0">
+                            <a:latin typeface="Univers Light"/>
+                          </a:endParaRPr>
+                        </a:p>
+                      </a:txBody>
+                      <a:tcPr/>
+                    </a:tc>
+                    <a:tc>
+                      <a:txBody>
+                        <a:bodyPr/>
+                        <a:lstStyle/>
+                        <a:p>
+                          <a:r>
+                            <a:rPr lang="en-GB" noProof="0" dirty="0" smtClean="0">
+                              <a:latin typeface="Univers Light"/>
+                            </a:rPr>
+                            <a:t>700 MHz</a:t>
+                          </a:r>
+                          <a:endParaRPr lang="en-GB" noProof="0" dirty="0">
+                            <a:latin typeface="Univers Light"/>
+                          </a:endParaRPr>
+                        </a:p>
+                      </a:txBody>
+                      <a:tcPr/>
+                    </a:tc>
+                  </a:tr>
+                  <a:tr h="370840">
+                    <a:tc>
+                      <a:txBody>
+                        <a:bodyPr/>
+                        <a:lstStyle/>
+                        <a:p>
+                          <a:r>
+                            <a:rPr lang="en-GB" noProof="0" dirty="0" smtClean="0">
+                              <a:latin typeface="Univers Light"/>
+                            </a:rPr>
+                            <a:t>Peak Performance</a:t>
+                          </a:r>
+                          <a:r>
+                            <a:rPr lang="en-GB" baseline="0" noProof="0" dirty="0" smtClean="0">
+                              <a:latin typeface="Univers Light"/>
+                            </a:rPr>
+                            <a:t> (Single Precision)</a:t>
+                          </a:r>
+                          <a:endParaRPr lang="en-GB" noProof="0" dirty="0">
+                            <a:latin typeface="Univers Light"/>
+                          </a:endParaRPr>
+                        </a:p>
+                      </a:txBody>
+                      <a:tcPr/>
+                    </a:tc>
+                    <a:tc>
+                      <a:txBody>
+                        <a:bodyPr/>
+                        <a:lstStyle/>
+                        <a:p>
+                          <a:r>
+                            <a:rPr lang="en-GB" noProof="0" dirty="0" smtClean="0">
+                              <a:latin typeface="Univers Light"/>
+                            </a:rPr>
+                            <a:t>1,408</a:t>
+                          </a:r>
+                          <a:r>
+                            <a:rPr lang="en-GB" baseline="0" noProof="0" dirty="0" smtClean="0">
+                              <a:latin typeface="Univers Light"/>
+                            </a:rPr>
+                            <a:t> GFLOP/s</a:t>
+                          </a:r>
+                          <a:endParaRPr lang="en-GB" noProof="0" dirty="0">
+                            <a:latin typeface="Univers Light"/>
+                          </a:endParaRPr>
+                        </a:p>
+                      </a:txBody>
+                      <a:tcPr/>
+                    </a:tc>
+                  </a:tr>
+                  <a:tr h="182880">
+                    <a:tc>
+                      <a:txBody>
+                        <a:bodyPr/>
+                        <a:lstStyle/>
+                        <a:p>
+                          <a:r>
+                            <a:rPr lang="de-DE" dirty="0" smtClean="0">
+                              <a:latin typeface="Univers Light"/>
+                            </a:rPr>
+                            <a:t>Die </a:t>
+                          </a:r>
+                          <a:r>
+                            <a:rPr lang="de-DE" dirty="0" err="1" smtClean="0">
+                              <a:latin typeface="Univers Light"/>
+                            </a:rPr>
+                            <a:t>size</a:t>
+                          </a:r>
+                          <a:endParaRPr lang="de-DE" dirty="0">
+                            <a:latin typeface="Univers Light"/>
+                          </a:endParaRPr>
+                        </a:p>
+                      </a:txBody>
+                      <a:tcPr/>
+                    </a:tc>
+                    <a:tc>
+                      <a:txBody>
+                        <a:bodyPr/>
+                        <a:lstStyle/>
+                        <a:p>
+                          <a:r>
+                            <a:rPr lang="de-DE" dirty="0" smtClean="0">
+                              <a:latin typeface="Univers Light"/>
+                            </a:rPr>
+                            <a:t>131</a:t>
+                          </a:r>
+                          <a:r>
+                            <a:rPr lang="de-DE" baseline="0" dirty="0" smtClean="0">
+                              <a:latin typeface="Univers Light"/>
+                            </a:rPr>
+                            <a:t> </a:t>
+                          </a:r>
+                          <a14:m>
+                            <m:oMath xmlns:m="http://schemas.openxmlformats.org/officeDocument/2006/math">
+                              <m:sSup>
+                                <m:sSupPr>
+                                  <m:ctrlPr>
+                                    <a:rPr lang="de-DE" i="1" baseline="0" smtClean="0">
+                                      <a:latin typeface="Cambria Math" panose="02040503050406030204" pitchFamily="18" charset="0"/>
+                                    </a:rPr>
+                                  </m:ctrlPr>
+                                </m:sSupPr>
+                                <m:e>
+                                  <m:r>
+                                    <a:rPr lang="de-DE" b="0" i="1" baseline="0" smtClean="0">
+                                      <a:latin typeface="Cambria Math" panose="02040503050406030204" pitchFamily="18" charset="0"/>
+                                    </a:rPr>
+                                    <m:t>𝑚𝑚</m:t>
+                                  </m:r>
+                                </m:e>
+                                <m:sup>
+                                  <m:r>
+                                    <a:rPr lang="de-DE" b="0" i="1" baseline="0" smtClean="0">
+                                      <a:latin typeface="Cambria Math" panose="02040503050406030204" pitchFamily="18" charset="0"/>
+                                    </a:rPr>
+                                    <m:t>2</m:t>
+                                  </m:r>
+                                </m:sup>
+                              </m:sSup>
+                            </m:oMath>
+                          </a14:m>
+                          <a:endParaRPr lang="de-DE" dirty="0">
+                            <a:latin typeface="Univers Light"/>
+                          </a:endParaRPr>
+                        </a:p>
+                      </a:txBody>
+                      <a:tcPr/>
+                    </a:tc>
+                  </a:tr>
+                  <a:tr h="182880">
+                    <a:tc>
+                      <a:txBody>
+                        <a:bodyPr/>
+                        <a:lstStyle/>
+                        <a:p>
+                          <a:r>
+                            <a:rPr lang="de-DE" dirty="0" smtClean="0">
+                              <a:latin typeface="Univers Light"/>
+                            </a:rPr>
+                            <a:t>Thermal</a:t>
+                          </a:r>
+                          <a:r>
+                            <a:rPr lang="de-DE" baseline="0" dirty="0" smtClean="0">
+                              <a:latin typeface="Univers Light"/>
+                            </a:rPr>
+                            <a:t> Design Power</a:t>
+                          </a:r>
+                          <a:endParaRPr lang="de-DE" dirty="0">
+                            <a:latin typeface="Univers Light"/>
+                          </a:endParaRPr>
+                        </a:p>
+                      </a:txBody>
+                      <a:tcPr/>
+                    </a:tc>
+                    <a:tc>
+                      <a:txBody>
+                        <a:bodyPr/>
+                        <a:lstStyle/>
+                        <a:p>
+                          <a:r>
+                            <a:rPr lang="de-DE" dirty="0" smtClean="0">
+                              <a:latin typeface="Univers Light"/>
+                            </a:rPr>
+                            <a:t>2</a:t>
+                          </a:r>
+                          <a:r>
+                            <a:rPr lang="de-DE" baseline="0" dirty="0" smtClean="0">
+                              <a:latin typeface="Univers Light"/>
+                            </a:rPr>
+                            <a:t>0 Watt</a:t>
+                          </a:r>
+                          <a:endParaRPr lang="de-DE" dirty="0">
+                            <a:latin typeface="Univers Light"/>
+                          </a:endParaRPr>
+                        </a:p>
+                      </a:txBody>
+                      <a:tcPr/>
+                    </a:tc>
+                  </a:tr>
+                </a:tbl>
+              </a:graphicData>
+            </a:graphic>
+          </p:graphicFrame>
+        </mc:Choice>
+        <mc:Fallback>
+          <p:graphicFrame>
+            <p:nvGraphicFramePr>
+              <p:cNvPr id="9" name="Tabelle 8"/>
+              <p:cNvGraphicFramePr>
+                <a:graphicFrameLocks noGrp="1"/>
+              </p:cNvGraphicFramePr>
+              <p:nvPr>
+                <p:extLst>
+                  <p:ext uri="{D42A27DB-BD31-4B8C-83A1-F6EECF244321}">
+                    <p14:modId xmlns:p14="http://schemas.microsoft.com/office/powerpoint/2010/main" val="990117297"/>
+                  </p:ext>
+                </p:extLst>
+              </p:nvPr>
+            </p:nvGraphicFramePr>
+            <p:xfrm>
+              <a:off x="683568" y="1268760"/>
+              <a:ext cx="7879080" cy="2214880"/>
+            </p:xfrm>
+            <a:graphic>
+              <a:graphicData uri="http://schemas.openxmlformats.org/drawingml/2006/table">
+                <a:tbl>
+                  <a:tblPr firstRow="1" bandRow="1">
+                    <a:tableStyleId>{616DA210-FB5B-4158-B5E0-FEB733F419BA}</a:tableStyleId>
+                  </a:tblPr>
+                  <a:tblGrid>
+                    <a:gridCol w="4831080"/>
+                    <a:gridCol w="3048000"/>
+                  </a:tblGrid>
+                  <a:tr h="370840">
+                    <a:tc>
+                      <a:txBody>
+                        <a:bodyPr/>
+                        <a:lstStyle/>
+                        <a:p>
+                          <a:r>
+                            <a:rPr lang="en-GB" b="0" noProof="0" dirty="0" smtClean="0">
+                              <a:latin typeface="Univers Light"/>
+                            </a:rPr>
+                            <a:t>Number of</a:t>
+                          </a:r>
+                          <a:r>
+                            <a:rPr lang="en-GB" b="0" baseline="0" noProof="0" dirty="0" smtClean="0">
+                              <a:latin typeface="Univers Light"/>
+                            </a:rPr>
+                            <a:t> cores</a:t>
+                          </a:r>
+                          <a:endParaRPr lang="en-GB" b="0" noProof="0" dirty="0">
+                            <a:latin typeface="Univers Light"/>
+                          </a:endParaRPr>
+                        </a:p>
+                      </a:txBody>
+                      <a:tcPr>
+                        <a:lnR w="12700" cap="flat" cmpd="sng" algn="ctr">
+                          <a:solidFill>
+                            <a:schemeClr val="tx1"/>
+                          </a:solidFill>
+                          <a:prstDash val="solid"/>
+                          <a:round/>
+                          <a:headEnd type="none" w="med" len="med"/>
+                          <a:tailEnd type="none" w="med" len="med"/>
+                        </a:lnR>
+                        <a:lnB w="12700" cap="flat" cmpd="sng" algn="ctr">
+                          <a:solidFill>
+                            <a:schemeClr val="tx1"/>
+                          </a:solidFill>
+                          <a:prstDash val="solid"/>
+                          <a:round/>
+                          <a:headEnd type="none" w="med" len="med"/>
+                          <a:tailEnd type="none" w="med" len="med"/>
+                        </a:lnB>
+                      </a:tcPr>
+                    </a:tc>
+                    <a:tc>
+                      <a:txBody>
+                        <a:bodyPr/>
+                        <a:lstStyle/>
+                        <a:p>
+                          <a:r>
+                            <a:rPr lang="en-GB" b="0" noProof="0" dirty="0" smtClean="0">
+                              <a:latin typeface="Univers Light"/>
+                            </a:rPr>
+                            <a:t>1024</a:t>
+                          </a:r>
+                          <a:endParaRPr lang="en-GB" b="0" noProof="0" dirty="0">
+                            <a:latin typeface="Univers Light"/>
+                          </a:endParaRPr>
+                        </a:p>
+                      </a:txBody>
+                      <a:tcPr>
+                        <a:lnL w="12700" cap="flat" cmpd="sng" algn="ctr">
+                          <a:solidFill>
+                            <a:schemeClr val="tx1"/>
+                          </a:solidFill>
+                          <a:prstDash val="solid"/>
+                          <a:round/>
+                          <a:headEnd type="none" w="med" len="med"/>
+                          <a:tailEnd type="none" w="med" len="med"/>
+                        </a:lnL>
+                        <a:lnB w="12700" cap="flat" cmpd="sng" algn="ctr">
+                          <a:solidFill>
+                            <a:schemeClr val="tx1"/>
+                          </a:solidFill>
+                          <a:prstDash val="solid"/>
+                          <a:round/>
+                          <a:headEnd type="none" w="med" len="med"/>
+                          <a:tailEnd type="none" w="med" len="med"/>
+                        </a:lnB>
+                      </a:tcPr>
+                    </a:tc>
+                  </a:tr>
+                  <a:tr h="370840">
+                    <a:tc>
+                      <a:txBody>
+                        <a:bodyPr/>
+                        <a:lstStyle/>
+                        <a:p>
+                          <a:r>
+                            <a:rPr lang="en-GB" noProof="0" dirty="0" smtClean="0">
+                              <a:latin typeface="Univers Light"/>
+                            </a:rPr>
+                            <a:t>Manufacturing Process</a:t>
+                          </a:r>
+                          <a:endParaRPr lang="en-GB" noProof="0" dirty="0">
+                            <a:latin typeface="Univers Light"/>
+                          </a:endParaRPr>
+                        </a:p>
+                      </a:txBody>
+                      <a:tcPr>
+                        <a:lnT w="12700" cap="flat" cmpd="sng" algn="ctr">
+                          <a:solidFill>
+                            <a:schemeClr val="tx1"/>
+                          </a:solidFill>
+                          <a:prstDash val="solid"/>
+                          <a:round/>
+                          <a:headEnd type="none" w="med" len="med"/>
+                          <a:tailEnd type="none" w="med" len="med"/>
+                        </a:lnT>
+                      </a:tcPr>
+                    </a:tc>
+                    <a:tc>
+                      <a:txBody>
+                        <a:bodyPr/>
+                        <a:lstStyle/>
+                        <a:p>
+                          <a:r>
+                            <a:rPr lang="en-GB" noProof="0" dirty="0" smtClean="0">
+                              <a:latin typeface="Univers Light"/>
+                            </a:rPr>
+                            <a:t>28</a:t>
+                          </a:r>
+                          <a:r>
+                            <a:rPr lang="en-GB" baseline="0" noProof="0" dirty="0" smtClean="0">
+                              <a:latin typeface="Univers Light"/>
+                            </a:rPr>
+                            <a:t> nm</a:t>
+                          </a:r>
+                          <a:endParaRPr lang="en-GB" noProof="0" dirty="0">
+                            <a:latin typeface="Univers Light"/>
+                          </a:endParaRPr>
+                        </a:p>
+                      </a:txBody>
+                      <a:tcPr>
+                        <a:lnT w="12700" cap="flat" cmpd="sng" algn="ctr">
+                          <a:solidFill>
+                            <a:schemeClr val="tx1"/>
+                          </a:solidFill>
+                          <a:prstDash val="solid"/>
+                          <a:round/>
+                          <a:headEnd type="none" w="med" len="med"/>
+                          <a:tailEnd type="none" w="med" len="med"/>
+                        </a:lnT>
+                      </a:tcPr>
+                    </a:tc>
+                  </a:tr>
+                  <a:tr h="370840">
+                    <a:tc>
+                      <a:txBody>
+                        <a:bodyPr/>
+                        <a:lstStyle/>
+                        <a:p>
+                          <a:r>
+                            <a:rPr lang="en-GB" noProof="0" dirty="0" smtClean="0">
+                              <a:latin typeface="Univers Light"/>
+                            </a:rPr>
+                            <a:t>Max.</a:t>
+                          </a:r>
+                          <a:r>
+                            <a:rPr lang="en-GB" baseline="0" noProof="0" dirty="0" smtClean="0">
+                              <a:latin typeface="Univers Light"/>
+                            </a:rPr>
+                            <a:t> Operating Frequency</a:t>
+                          </a:r>
+                          <a:endParaRPr lang="en-GB" noProof="0" dirty="0">
+                            <a:latin typeface="Univers Light"/>
+                          </a:endParaRPr>
+                        </a:p>
+                      </a:txBody>
+                      <a:tcPr/>
+                    </a:tc>
+                    <a:tc>
+                      <a:txBody>
+                        <a:bodyPr/>
+                        <a:lstStyle/>
+                        <a:p>
+                          <a:r>
+                            <a:rPr lang="en-GB" noProof="0" dirty="0" smtClean="0">
+                              <a:latin typeface="Univers Light"/>
+                            </a:rPr>
+                            <a:t>700 MHz</a:t>
+                          </a:r>
+                          <a:endParaRPr lang="en-GB" noProof="0" dirty="0">
+                            <a:latin typeface="Univers Light"/>
+                          </a:endParaRPr>
+                        </a:p>
+                      </a:txBody>
+                      <a:tcPr/>
+                    </a:tc>
+                  </a:tr>
+                  <a:tr h="370840">
+                    <a:tc>
+                      <a:txBody>
+                        <a:bodyPr/>
+                        <a:lstStyle/>
+                        <a:p>
+                          <a:r>
+                            <a:rPr lang="en-GB" noProof="0" dirty="0" smtClean="0">
+                              <a:latin typeface="Univers Light"/>
+                            </a:rPr>
+                            <a:t>Peak Performance</a:t>
+                          </a:r>
+                          <a:r>
+                            <a:rPr lang="en-GB" baseline="0" noProof="0" dirty="0" smtClean="0">
+                              <a:latin typeface="Univers Light"/>
+                            </a:rPr>
+                            <a:t> (Single Precision)</a:t>
+                          </a:r>
+                          <a:endParaRPr lang="en-GB" noProof="0" dirty="0">
+                            <a:latin typeface="Univers Light"/>
+                          </a:endParaRPr>
+                        </a:p>
+                      </a:txBody>
+                      <a:tcPr/>
+                    </a:tc>
+                    <a:tc>
+                      <a:txBody>
+                        <a:bodyPr/>
+                        <a:lstStyle/>
+                        <a:p>
+                          <a:r>
+                            <a:rPr lang="en-GB" noProof="0" dirty="0" smtClean="0">
+                              <a:latin typeface="Univers Light"/>
+                            </a:rPr>
+                            <a:t>1,408</a:t>
+                          </a:r>
+                          <a:r>
+                            <a:rPr lang="en-GB" baseline="0" noProof="0" dirty="0" smtClean="0">
+                              <a:latin typeface="Univers Light"/>
+                            </a:rPr>
+                            <a:t> GFLOP/s</a:t>
+                          </a:r>
+                          <a:endParaRPr lang="en-GB" noProof="0" dirty="0">
+                            <a:latin typeface="Univers Light"/>
+                          </a:endParaRPr>
+                        </a:p>
+                      </a:txBody>
+                      <a:tcPr/>
+                    </a:tc>
+                  </a:tr>
+                  <a:tr h="365760">
+                    <a:tc>
+                      <a:txBody>
+                        <a:bodyPr/>
+                        <a:lstStyle/>
+                        <a:p>
+                          <a:r>
+                            <a:rPr lang="de-DE" dirty="0" smtClean="0">
+                              <a:latin typeface="Univers Light"/>
+                            </a:rPr>
+                            <a:t>Die </a:t>
+                          </a:r>
+                          <a:r>
+                            <a:rPr lang="de-DE" dirty="0" err="1" smtClean="0">
+                              <a:latin typeface="Univers Light"/>
+                            </a:rPr>
+                            <a:t>size</a:t>
+                          </a:r>
+                          <a:endParaRPr lang="de-DE" dirty="0">
+                            <a:latin typeface="Univers Light"/>
+                          </a:endParaRPr>
+                        </a:p>
+                      </a:txBody>
+                      <a:tcPr/>
+                    </a:tc>
+                    <a:tc>
+                      <a:txBody>
+                        <a:bodyPr/>
+                        <a:lstStyle/>
+                        <a:p>
+                          <a:endParaRPr lang="de-DE"/>
+                        </a:p>
+                      </a:txBody>
+                      <a:tcPr>
+                        <a:blipFill rotWithShape="0">
+                          <a:blip r:embed="rId3"/>
+                          <a:stretch>
+                            <a:fillRect l="-158800" t="-415000" r="-400" b="-125000"/>
+                          </a:stretch>
+                        </a:blipFill>
+                      </a:tcPr>
+                    </a:tc>
+                  </a:tr>
+                  <a:tr h="365760">
+                    <a:tc>
+                      <a:txBody>
+                        <a:bodyPr/>
+                        <a:lstStyle/>
+                        <a:p>
+                          <a:r>
+                            <a:rPr lang="de-DE" dirty="0" smtClean="0">
+                              <a:latin typeface="Univers Light"/>
+                            </a:rPr>
+                            <a:t>Thermal</a:t>
+                          </a:r>
+                          <a:r>
+                            <a:rPr lang="de-DE" baseline="0" dirty="0" smtClean="0">
+                              <a:latin typeface="Univers Light"/>
+                            </a:rPr>
+                            <a:t> Design Power</a:t>
+                          </a:r>
+                          <a:endParaRPr lang="de-DE" dirty="0">
+                            <a:latin typeface="Univers Light"/>
+                          </a:endParaRPr>
+                        </a:p>
+                      </a:txBody>
+                      <a:tcPr/>
+                    </a:tc>
+                    <a:tc>
+                      <a:txBody>
+                        <a:bodyPr/>
+                        <a:lstStyle/>
+                        <a:p>
+                          <a:r>
+                            <a:rPr lang="de-DE" dirty="0" smtClean="0">
+                              <a:latin typeface="Univers Light"/>
+                            </a:rPr>
+                            <a:t>2</a:t>
+                          </a:r>
+                          <a:r>
+                            <a:rPr lang="de-DE" baseline="0" dirty="0" smtClean="0">
+                              <a:latin typeface="Univers Light"/>
+                            </a:rPr>
+                            <a:t>0 Watt</a:t>
+                          </a:r>
+                          <a:endParaRPr lang="de-DE" dirty="0">
+                            <a:latin typeface="Univers Light"/>
+                          </a:endParaRPr>
+                        </a:p>
+                      </a:txBody>
+                      <a:tcPr/>
+                    </a:tc>
+                  </a:tr>
+                </a:tbl>
+              </a:graphicData>
+            </a:graphic>
+          </p:graphicFrame>
+        </mc:Fallback>
+      </mc:AlternateContent>
+    </p:spTree>
+    <p:extLst>
+      <p:ext uri="{BB962C8B-B14F-4D97-AF65-F5344CB8AC3E}">
+        <p14:creationId xmlns:p14="http://schemas.microsoft.com/office/powerpoint/2010/main" val="4210806727"/>
+      </p:ext>
+    </p:extLst>
+  </p:cSld>
+  <p:clrMapOvr>
+    <a:masterClrMapping/>
+  </p:clrMapOvr>
+  <p:timing>
+    <p:tnLst>
+      <p:par>
+        <p:cTn id="1" dur="indefinite" restart="never" nodeType="tmRoot"/>
+      </p:par>
+    </p:tnLst>
+  </p:timing>
+</p:sld>
+</file>
+
+<file path=ppt/slides/slide23.xml><?xml version="1.0" encoding="utf-8"?>
+<p:sld xmlns:a="http://schemas.openxmlformats.org/drawingml/2006/main" xmlns:r="http://schemas.openxmlformats.org/officeDocument/2006/relationships" xmlns:p="http://schemas.openxmlformats.org/presentationml/2006/main">
+  <p:cSld>
+    <p:spTree>
+      <p:nvGrpSpPr>
+        <p:cNvPr id="1" name=""/>
+        <p:cNvGrpSpPr/>
+        <p:nvPr/>
+      </p:nvGrpSpPr>
+      <p:grpSpPr>
+        <a:xfrm>
+          <a:off x="0" y="0"/>
+          <a:ext cx="0" cy="0"/>
+          <a:chOff x="0" y="0"/>
+          <a:chExt cx="0" cy="0"/>
+        </a:xfrm>
+      </p:grpSpPr>
+      <p:sp>
+        <p:nvSpPr>
+          <p:cNvPr id="2" name="Titel 1"/>
+          <p:cNvSpPr>
+            <a:spLocks noGrp="1"/>
+          </p:cNvSpPr>
+          <p:nvPr>
+            <p:ph type="title"/>
+          </p:nvPr>
+        </p:nvSpPr>
+        <p:spPr/>
+        <p:txBody>
+          <a:bodyPr/>
+          <a:lstStyle/>
+          <a:p>
+            <a:pPr lvl="1"/>
+            <a:r>
+              <a:rPr lang="en-US" dirty="0"/>
+              <a:t>Assessing the </a:t>
+            </a:r>
+            <a:r>
+              <a:rPr lang="en-US" dirty="0" err="1"/>
+              <a:t>Parallella's</a:t>
+            </a:r>
+            <a:r>
+              <a:rPr lang="en-US" dirty="0"/>
+              <a:t> Potential for HPC</a:t>
+            </a:r>
+            <a:endParaRPr lang="en-US" altLang="de-DE" dirty="0"/>
+          </a:p>
+        </p:txBody>
+      </p:sp>
+      <p:sp>
+        <p:nvSpPr>
+          <p:cNvPr id="4" name="Rectangle 8"/>
+          <p:cNvSpPr txBox="1">
+            <a:spLocks noChangeArrowheads="1"/>
+          </p:cNvSpPr>
+          <p:nvPr/>
+        </p:nvSpPr>
+        <p:spPr bwMode="auto">
+          <a:xfrm>
+            <a:off x="323850" y="692696"/>
+            <a:ext cx="8424614" cy="5256213"/>
+          </a:xfrm>
+          <a:prstGeom prst="rect">
+            <a:avLst/>
+          </a:prstGeom>
+          <a:noFill/>
+          <a:ln>
+            <a:noFill/>
+          </a:ln>
+          <a:effectLst/>
+          <a:extLst>
+            <a:ext uri="{FAA26D3D-D897-4be2-8F04-BA451C77F1D7}">
+              <ma14:placeholderFlag xmlns:ma14="http://schemas.microsoft.com/office/mac/drawingml/2011/main" xmlns="" val="1"/>
+            </a:ext>
+            <a:ext uri="{909E8E84-426E-40dd-AFC4-6F175D3DCCD1}">
+              <a14:hiddenFill xmlns="" xmlns:a14="http://schemas.microsoft.com/office/drawing/2010/main">
+                <a:solidFill>
+                  <a:schemeClr val="accent1"/>
+                </a:solidFill>
+              </a14:hiddenFill>
+            </a:ext>
+            <a:ext uri="{91240B29-F687-4f45-9708-019B960494DF}">
+              <a14:hiddenLine xmlns="" xmlns:a14="http://schemas.microsoft.com/office/drawing/2010/main" w="9525">
+                <a:solidFill>
+                  <a:schemeClr val="tx1"/>
+                </a:solidFill>
+                <a:miter lim="800000"/>
+                <a:headEnd/>
+                <a:tailEnd/>
+              </a14:hiddenLine>
+            </a:ext>
+            <a:ext uri="{AF507438-7753-43e0-B8FC-AC1667EBCBE1}">
+              <a14:hiddenEffects xmlns="" xmlns:a14="http://schemas.microsoft.com/office/drawing/2010/main">
+                <a:effectLst>
+                  <a:outerShdw blurRad="63500" dist="38099" dir="2700000" algn="ctr" rotWithShape="0">
+                    <a:schemeClr val="bg2">
+                      <a:alpha val="74998"/>
+                    </a:schemeClr>
+                  </a:outerShdw>
+                </a:effectLst>
+              </a14:hiddenEffects>
+            </a:ext>
+          </a:extLst>
+        </p:spPr>
+        <p:txBody>
+          <a:bodyPr vert="horz" wrap="square" lIns="91440" tIns="45720" rIns="91440" bIns="45720" numCol="1" anchor="t" anchorCtr="0" compatLnSpc="1">
+            <a:prstTxWarp prst="textNoShape">
+              <a:avLst/>
+            </a:prstTxWarp>
+          </a:bodyPr>
+          <a:lstStyle>
+            <a:lvl1pPr marL="342900" indent="-342900" algn="l" defTabSz="361950" rtl="0" eaLnBrk="1" fontAlgn="base" hangingPunct="1">
+              <a:spcBef>
+                <a:spcPct val="50000"/>
+              </a:spcBef>
+              <a:spcAft>
+                <a:spcPct val="0"/>
+              </a:spcAft>
+              <a:defRPr>
+                <a:solidFill>
+                  <a:schemeClr val="tx1"/>
+                </a:solidFill>
+                <a:latin typeface="Univers Light"/>
+                <a:ea typeface="+mn-ea"/>
+                <a:cs typeface="Univers Light"/>
+              </a:defRPr>
+            </a:lvl1pPr>
+            <a:lvl2pPr marL="263525" indent="-261938" algn="l" defTabSz="361950" rtl="0" eaLnBrk="1" fontAlgn="base" hangingPunct="1">
+              <a:spcBef>
+                <a:spcPct val="50000"/>
+              </a:spcBef>
+              <a:spcAft>
+                <a:spcPct val="0"/>
+              </a:spcAft>
+              <a:buBlip>
+                <a:blip r:embed="rId2"/>
+              </a:buBlip>
+              <a:defRPr>
+                <a:solidFill>
+                  <a:schemeClr val="tx1"/>
+                </a:solidFill>
+                <a:latin typeface="Univers Light"/>
+                <a:ea typeface="+mn-ea"/>
+                <a:cs typeface="Univers Light"/>
+              </a:defRPr>
+            </a:lvl2pPr>
+            <a:lvl3pPr marL="712788" indent="-269875" algn="l" defTabSz="361950" rtl="0" eaLnBrk="1" fontAlgn="base" hangingPunct="1">
+              <a:spcBef>
+                <a:spcPct val="50000"/>
+              </a:spcBef>
+              <a:spcAft>
+                <a:spcPct val="0"/>
+              </a:spcAft>
+              <a:buClr>
+                <a:srgbClr val="C0C0C0"/>
+              </a:buClr>
+              <a:buFont typeface="Arial" panose="020B0604020202020204" pitchFamily="34" charset="0"/>
+              <a:buChar char="–"/>
+              <a:defRPr>
+                <a:solidFill>
+                  <a:schemeClr val="tx1"/>
+                </a:solidFill>
+                <a:latin typeface="Univers Light"/>
+                <a:ea typeface="+mn-ea"/>
+                <a:cs typeface="Univers Light"/>
+              </a:defRPr>
+            </a:lvl3pPr>
+            <a:lvl4pPr marL="1073150" indent="-179388" algn="l" defTabSz="361950" rtl="0" eaLnBrk="1" fontAlgn="base" hangingPunct="1">
+              <a:spcBef>
+                <a:spcPct val="20000"/>
+              </a:spcBef>
+              <a:spcAft>
+                <a:spcPct val="0"/>
+              </a:spcAft>
+              <a:buClr>
+                <a:srgbClr val="C0C0C0"/>
+              </a:buClr>
+              <a:buChar char="•"/>
+              <a:defRPr>
+                <a:solidFill>
+                  <a:schemeClr val="tx1"/>
+                </a:solidFill>
+                <a:latin typeface="Univers Light"/>
+                <a:ea typeface="+mn-ea"/>
+                <a:cs typeface="Univers Light"/>
+              </a:defRPr>
+            </a:lvl4pPr>
+            <a:lvl5pPr marL="1520825" indent="-180975" algn="l" defTabSz="361950" rtl="0" eaLnBrk="1" fontAlgn="base" hangingPunct="1">
+              <a:spcBef>
+                <a:spcPct val="20000"/>
+              </a:spcBef>
+              <a:spcAft>
+                <a:spcPct val="0"/>
+              </a:spcAft>
+              <a:buClr>
+                <a:srgbClr val="C0C0C0"/>
+              </a:buClr>
+              <a:buChar char="-"/>
+              <a:defRPr sz="1600">
+                <a:solidFill>
+                  <a:schemeClr val="tx1"/>
+                </a:solidFill>
+                <a:latin typeface="Univers Light"/>
+                <a:ea typeface="+mn-ea"/>
+                <a:cs typeface="Univers Light"/>
+              </a:defRPr>
+            </a:lvl5pPr>
+            <a:lvl6pPr marL="1978025" indent="-180975" algn="l" defTabSz="361950" rtl="0" eaLnBrk="1" fontAlgn="base" hangingPunct="1">
+              <a:spcBef>
+                <a:spcPct val="20000"/>
+              </a:spcBef>
+              <a:spcAft>
+                <a:spcPct val="0"/>
+              </a:spcAft>
+              <a:buClr>
+                <a:srgbClr val="C0C0C0"/>
+              </a:buClr>
+              <a:buChar char="-"/>
+              <a:defRPr sz="1600">
+                <a:solidFill>
+                  <a:schemeClr val="tx1"/>
+                </a:solidFill>
+                <a:latin typeface="+mn-lt"/>
+                <a:ea typeface="+mn-ea"/>
+              </a:defRPr>
+            </a:lvl6pPr>
+            <a:lvl7pPr marL="2435225" indent="-180975" algn="l" defTabSz="361950" rtl="0" eaLnBrk="1" fontAlgn="base" hangingPunct="1">
+              <a:spcBef>
+                <a:spcPct val="20000"/>
+              </a:spcBef>
+              <a:spcAft>
+                <a:spcPct val="0"/>
+              </a:spcAft>
+              <a:buClr>
+                <a:srgbClr val="C0C0C0"/>
+              </a:buClr>
+              <a:buChar char="-"/>
+              <a:defRPr sz="1600">
+                <a:solidFill>
+                  <a:schemeClr val="tx1"/>
+                </a:solidFill>
+                <a:latin typeface="+mn-lt"/>
+                <a:ea typeface="+mn-ea"/>
+              </a:defRPr>
+            </a:lvl7pPr>
+            <a:lvl8pPr marL="2892425" indent="-180975" algn="l" defTabSz="361950" rtl="0" eaLnBrk="1" fontAlgn="base" hangingPunct="1">
+              <a:spcBef>
+                <a:spcPct val="20000"/>
+              </a:spcBef>
+              <a:spcAft>
+                <a:spcPct val="0"/>
+              </a:spcAft>
+              <a:buClr>
+                <a:srgbClr val="C0C0C0"/>
+              </a:buClr>
+              <a:buChar char="-"/>
+              <a:defRPr sz="1600">
+                <a:solidFill>
+                  <a:schemeClr val="tx1"/>
+                </a:solidFill>
+                <a:latin typeface="+mn-lt"/>
+                <a:ea typeface="+mn-ea"/>
+              </a:defRPr>
+            </a:lvl8pPr>
+            <a:lvl9pPr marL="3349625" indent="-180975" algn="l" defTabSz="361950" rtl="0" eaLnBrk="1" fontAlgn="base" hangingPunct="1">
+              <a:spcBef>
+                <a:spcPct val="20000"/>
+              </a:spcBef>
+              <a:spcAft>
+                <a:spcPct val="0"/>
+              </a:spcAft>
+              <a:buClr>
+                <a:srgbClr val="C0C0C0"/>
+              </a:buClr>
+              <a:buChar char="-"/>
+              <a:defRPr sz="1600">
+                <a:solidFill>
+                  <a:schemeClr val="tx1"/>
+                </a:solidFill>
+                <a:latin typeface="+mn-lt"/>
+                <a:ea typeface="+mn-ea"/>
+              </a:defRPr>
+            </a:lvl9pPr>
+          </a:lstStyle>
+          <a:p>
+            <a:pPr lvl="1"/>
+            <a:r>
+              <a:rPr lang="en-US" altLang="de-DE" kern="0" dirty="0" smtClean="0">
+                <a:latin typeface="Univers Light" pitchFamily="-84" charset="0"/>
+              </a:rPr>
+              <a:t>Pros</a:t>
+            </a:r>
+            <a:r>
+              <a:rPr lang="en-US" altLang="de-DE" kern="0" dirty="0" smtClean="0">
+                <a:latin typeface="Univers Light" pitchFamily="-84" charset="0"/>
+              </a:rPr>
+              <a:t>:</a:t>
+            </a:r>
+          </a:p>
+          <a:p>
+            <a:pPr lvl="2"/>
+            <a:r>
+              <a:rPr lang="en-US" altLang="de-DE" kern="0" dirty="0" smtClean="0">
+                <a:latin typeface="Univers Light" pitchFamily="-84" charset="0"/>
+              </a:rPr>
+              <a:t>Interesting architecture </a:t>
+            </a:r>
+          </a:p>
+          <a:p>
+            <a:pPr marL="442913" lvl="2" indent="0">
+              <a:buNone/>
+            </a:pPr>
+            <a:endParaRPr lang="en-US" altLang="de-DE" kern="0" dirty="0" smtClean="0">
+              <a:latin typeface="Univers Light" pitchFamily="-84" charset="0"/>
+            </a:endParaRPr>
+          </a:p>
+          <a:p>
+            <a:pPr marL="442913" lvl="2" indent="0">
+              <a:buNone/>
+            </a:pPr>
+            <a:endParaRPr lang="en-US" altLang="de-DE" kern="0" dirty="0" smtClean="0">
+              <a:latin typeface="Univers Light" pitchFamily="-84" charset="0"/>
+            </a:endParaRPr>
+          </a:p>
+          <a:p>
+            <a:pPr lvl="2"/>
+            <a:endParaRPr lang="en-US" altLang="de-DE" kern="0" dirty="0">
+              <a:latin typeface="Univers Light" pitchFamily="-84" charset="0"/>
+            </a:endParaRPr>
+          </a:p>
+          <a:p>
+            <a:pPr lvl="1"/>
+            <a:r>
+              <a:rPr lang="en-US" altLang="de-DE" kern="0" dirty="0" smtClean="0">
+                <a:latin typeface="Univers Light" pitchFamily="-84" charset="0"/>
+              </a:rPr>
+              <a:t>Cons:</a:t>
+            </a:r>
+          </a:p>
+          <a:p>
+            <a:pPr lvl="2"/>
+            <a:r>
+              <a:rPr lang="en-US" altLang="de-DE" kern="0" dirty="0" smtClean="0">
+                <a:latin typeface="Univers Light" pitchFamily="-84" charset="0"/>
+              </a:rPr>
+              <a:t>Memory transfer bottleneck</a:t>
+            </a:r>
+          </a:p>
+          <a:p>
+            <a:pPr lvl="2"/>
+            <a:r>
+              <a:rPr lang="en-US" altLang="de-DE" kern="0" dirty="0" smtClean="0">
+                <a:latin typeface="Univers Light" pitchFamily="-84" charset="0"/>
+              </a:rPr>
+              <a:t>Small local memory size</a:t>
+            </a:r>
+            <a:endParaRPr lang="en-US" altLang="de-DE" kern="0" dirty="0" smtClean="0">
+              <a:latin typeface="Univers Light" pitchFamily="-84" charset="0"/>
+            </a:endParaRPr>
+          </a:p>
+          <a:p>
+            <a:pPr lvl="2"/>
+            <a:endParaRPr lang="en-US" altLang="de-DE" kern="0" dirty="0" smtClean="0">
+              <a:latin typeface="Univers Light" pitchFamily="-84" charset="0"/>
+            </a:endParaRPr>
+          </a:p>
+        </p:txBody>
+      </p:sp>
+      <p:sp>
+        <p:nvSpPr>
+          <p:cNvPr id="6" name="Rectangle 9"/>
+          <p:cNvSpPr>
+            <a:spLocks noChangeArrowheads="1"/>
+          </p:cNvSpPr>
+          <p:nvPr/>
+        </p:nvSpPr>
+        <p:spPr bwMode="auto">
+          <a:xfrm>
+            <a:off x="3276600" y="6524625"/>
+            <a:ext cx="2879725" cy="268288"/>
+          </a:xfrm>
+          <a:prstGeom prst="rect">
+            <a:avLst/>
+          </a:prstGeom>
+          <a:noFill/>
+          <a:ln>
+            <a:noFill/>
+          </a:ln>
+          <a:effectLst/>
+          <a:extLst>
+            <a:ext uri="{909E8E84-426E-40dd-AFC4-6F175D3DCCD1}">
+              <a14:hiddenFill xmlns="" xmlns:a14="http://schemas.microsoft.com/office/drawing/2010/main">
+                <a:solidFill>
+                  <a:schemeClr val="accent1"/>
+                </a:solidFill>
+              </a14:hiddenFill>
+            </a:ext>
+            <a:ext uri="{91240B29-F687-4f45-9708-019B960494DF}">
+              <a14:hiddenLine xmlns="" xmlns:a14="http://schemas.microsoft.com/office/drawing/2010/main" w="9525">
+                <a:solidFill>
+                  <a:schemeClr val="tx1"/>
+                </a:solidFill>
+                <a:miter lim="800000"/>
+                <a:headEnd/>
+                <a:tailEnd/>
+              </a14:hiddenLine>
+            </a:ext>
+            <a:ext uri="{AF507438-7753-43e0-B8FC-AC1667EBCBE1}">
+              <a14:hiddenEffects xmlns="" xmlns:a14="http://schemas.microsoft.com/office/drawing/2010/main">
+                <a:effectLst>
+                  <a:outerShdw blurRad="63500" dist="38099" dir="2700000" algn="ctr" rotWithShape="0">
+                    <a:schemeClr val="bg2">
+                      <a:alpha val="74998"/>
+                    </a:schemeClr>
+                  </a:outerShdw>
+                </a:effectLst>
+              </a14:hiddenEffects>
+            </a:ext>
+          </a:extLst>
+        </p:spPr>
+        <p:txBody>
+          <a:bodyPr/>
+          <a:lstStyle/>
+          <a:p>
+            <a:pPr algn="ctr">
+              <a:spcBef>
+                <a:spcPct val="0"/>
+              </a:spcBef>
+              <a:defRPr/>
+            </a:pPr>
+            <a:fld id="{99242C47-79B2-4A68-92E1-F38E401F8C51}" type="slidenum">
+              <a:rPr lang="de-DE" sz="1200" smtClean="0">
+                <a:solidFill>
+                  <a:schemeClr val="tx1"/>
+                </a:solidFill>
+                <a:latin typeface="Univers 45 Light" charset="0"/>
+                <a:ea typeface="ＭＳ Ｐゴシック" charset="0"/>
+              </a:rPr>
+              <a:t>23</a:t>
             </a:fld>
             <a:endParaRPr lang="de-DE" sz="1200" dirty="0">
               <a:solidFill>
@@ -17151,6 +22277,72 @@
       </p:par>
     </p:tnLst>
   </p:timing>
+</p:sld>
+</file>
+
+<file path=ppt/slides/slide24.xml><?xml version="1.0" encoding="utf-8"?>
+<p:sld xmlns:a="http://schemas.openxmlformats.org/drawingml/2006/main" xmlns:r="http://schemas.openxmlformats.org/officeDocument/2006/relationships" xmlns:p="http://schemas.openxmlformats.org/presentationml/2006/main">
+  <p:cSld>
+    <p:spTree>
+      <p:nvGrpSpPr>
+        <p:cNvPr id="1" name=""/>
+        <p:cNvGrpSpPr/>
+        <p:nvPr/>
+      </p:nvGrpSpPr>
+      <p:grpSpPr>
+        <a:xfrm>
+          <a:off x="0" y="0"/>
+          <a:ext cx="0" cy="0"/>
+          <a:chOff x="0" y="0"/>
+          <a:chExt cx="0" cy="0"/>
+        </a:xfrm>
+      </p:grpSpPr>
+      <p:sp>
+        <p:nvSpPr>
+          <p:cNvPr id="4" name="Titel 3"/>
+          <p:cNvSpPr>
+            <a:spLocks noGrp="1"/>
+          </p:cNvSpPr>
+          <p:nvPr>
+            <p:ph type="ctrTitle" sz="quarter"/>
+          </p:nvPr>
+        </p:nvSpPr>
+        <p:spPr>
+          <a:xfrm>
+            <a:off x="323528" y="3140968"/>
+            <a:ext cx="8496300" cy="647700"/>
+          </a:xfrm>
+        </p:spPr>
+        <p:txBody>
+          <a:bodyPr/>
+          <a:lstStyle/>
+          <a:p>
+            <a:r>
+              <a:rPr lang="de-DE" dirty="0" err="1" smtClean="0"/>
+              <a:t>Thank</a:t>
+            </a:r>
+            <a:r>
+              <a:rPr lang="de-DE" dirty="0" smtClean="0"/>
+              <a:t> </a:t>
+            </a:r>
+            <a:r>
+              <a:rPr lang="de-DE" dirty="0" err="1" smtClean="0"/>
+              <a:t>you</a:t>
+            </a:r>
+            <a:endParaRPr lang="de-DE" dirty="0"/>
+          </a:p>
+        </p:txBody>
+      </p:sp>
+    </p:spTree>
+    <p:extLst>
+      <p:ext uri="{BB962C8B-B14F-4D97-AF65-F5344CB8AC3E}">
+        <p14:creationId xmlns:p14="http://schemas.microsoft.com/office/powerpoint/2010/main" val="208598934"/>
+      </p:ext>
+    </p:extLst>
+  </p:cSld>
+  <p:clrMapOvr>
+    <a:masterClrMapping/>
+  </p:clrMapOvr>
 </p:sld>
 </file>
 
@@ -17197,7 +22389,7 @@
               <a:rPr lang="de-DE" altLang="de-DE" dirty="0" err="1" smtClean="0">
                 <a:latin typeface="Univers Light" pitchFamily="-84" charset="0"/>
               </a:rPr>
-              <a:t>history</a:t>
+              <a:t>History</a:t>
             </a:r>
             <a:r>
               <a:rPr lang="de-DE" altLang="de-DE" dirty="0" smtClean="0">
@@ -17452,14 +22644,14 @@
           <a:effectLst/>
           <a:extLst>
             <a:ext uri="{909E8E84-426E-40dd-AFC4-6F175D3DCCD1}">
-              <a14:hiddenFill xmlns:a14="http://schemas.microsoft.com/office/drawing/2010/main" xmlns="">
+              <a14:hiddenFill xmlns="" xmlns:a14="http://schemas.microsoft.com/office/drawing/2010/main">
                 <a:solidFill>
                   <a:schemeClr val="accent1"/>
                 </a:solidFill>
               </a14:hiddenFill>
             </a:ext>
             <a:ext uri="{91240B29-F687-4f45-9708-019B960494DF}">
-              <a14:hiddenLine xmlns:a14="http://schemas.microsoft.com/office/drawing/2010/main" xmlns="" w="9525">
+              <a14:hiddenLine xmlns="" xmlns:a14="http://schemas.microsoft.com/office/drawing/2010/main" w="9525">
                 <a:solidFill>
                   <a:schemeClr val="tx1"/>
                 </a:solidFill>
@@ -17469,7 +22661,7 @@
               </a14:hiddenLine>
             </a:ext>
             <a:ext uri="{AF507438-7753-43e0-B8FC-AC1667EBCBE1}">
-              <a14:hiddenEffects xmlns:a14="http://schemas.microsoft.com/office/drawing/2010/main" xmlns="">
+              <a14:hiddenEffects xmlns="" xmlns:a14="http://schemas.microsoft.com/office/drawing/2010/main">
                 <a:effectLst>
                   <a:outerShdw blurRad="63500" dist="38099" dir="2700000" algn="ctr" rotWithShape="0">
                     <a:schemeClr val="bg2">
@@ -17765,14 +22957,14 @@
           <a:effectLst/>
           <a:extLst>
             <a:ext uri="{909E8E84-426E-40dd-AFC4-6F175D3DCCD1}">
-              <a14:hiddenFill xmlns:a14="http://schemas.microsoft.com/office/drawing/2010/main" xmlns="">
+              <a14:hiddenFill xmlns="" xmlns:a14="http://schemas.microsoft.com/office/drawing/2010/main">
                 <a:solidFill>
                   <a:schemeClr val="accent1"/>
                 </a:solidFill>
               </a14:hiddenFill>
             </a:ext>
             <a:ext uri="{91240B29-F687-4f45-9708-019B960494DF}">
-              <a14:hiddenLine xmlns:a14="http://schemas.microsoft.com/office/drawing/2010/main" xmlns="" w="9525">
+              <a14:hiddenLine xmlns="" xmlns:a14="http://schemas.microsoft.com/office/drawing/2010/main" w="9525">
                 <a:solidFill>
                   <a:schemeClr val="tx1"/>
                 </a:solidFill>
@@ -17782,7 +22974,7 @@
               </a14:hiddenLine>
             </a:ext>
             <a:ext uri="{AF507438-7753-43e0-B8FC-AC1667EBCBE1}">
-              <a14:hiddenEffects xmlns:a14="http://schemas.microsoft.com/office/drawing/2010/main" xmlns="">
+              <a14:hiddenEffects xmlns="" xmlns:a14="http://schemas.microsoft.com/office/drawing/2010/main">
                 <a:effectLst>
                   <a:outerShdw blurRad="63500" dist="38099" dir="2700000" algn="ctr" rotWithShape="0">
                     <a:schemeClr val="bg2">
@@ -17903,16 +23095,20 @@
               <a:t> </a:t>
             </a:r>
             <a:r>
+              <a:rPr lang="de-DE" dirty="0"/>
+              <a:t>M</a:t>
+            </a:r>
+            <a:r>
+              <a:rPr lang="de-DE" dirty="0" smtClean="0"/>
+              <a:t>ulticore </a:t>
+            </a:r>
+            <a:r>
               <a:rPr lang="de-DE" dirty="0" err="1"/>
-              <a:t>multicore</a:t>
-            </a:r>
-            <a:r>
-              <a:rPr lang="de-DE" dirty="0"/>
-              <a:t> </a:t>
-            </a:r>
-            <a:r>
-              <a:rPr lang="de-DE" dirty="0" err="1"/>
-              <a:t>architecture</a:t>
+              <a:t>A</a:t>
+            </a:r>
+            <a:r>
+              <a:rPr lang="de-DE" dirty="0" err="1" smtClean="0"/>
+              <a:t>rchitecture</a:t>
             </a:r>
             <a:endParaRPr lang="de-DE" altLang="de-DE" dirty="0" smtClean="0">
               <a:latin typeface="Univers Light" pitchFamily="-84" charset="0"/>
@@ -17943,14 +23139,14 @@
           <a:effectLst/>
           <a:extLst>
             <a:ext uri="{909E8E84-426E-40dd-AFC4-6F175D3DCCD1}">
-              <a14:hiddenFill xmlns:a14="http://schemas.microsoft.com/office/drawing/2010/main" xmlns="">
+              <a14:hiddenFill xmlns="" xmlns:a14="http://schemas.microsoft.com/office/drawing/2010/main">
                 <a:solidFill>
                   <a:schemeClr val="accent1"/>
                 </a:solidFill>
               </a14:hiddenFill>
             </a:ext>
             <a:ext uri="{91240B29-F687-4f45-9708-019B960494DF}">
-              <a14:hiddenLine xmlns:a14="http://schemas.microsoft.com/office/drawing/2010/main" xmlns="" w="9525">
+              <a14:hiddenLine xmlns="" xmlns:a14="http://schemas.microsoft.com/office/drawing/2010/main" w="9525">
                 <a:solidFill>
                   <a:schemeClr val="tx1"/>
                 </a:solidFill>
@@ -17960,7 +23156,7 @@
               </a14:hiddenLine>
             </a:ext>
             <a:ext uri="{AF507438-7753-43e0-B8FC-AC1667EBCBE1}">
-              <a14:hiddenEffects xmlns:a14="http://schemas.microsoft.com/office/drawing/2010/main" xmlns="">
+              <a14:hiddenEffects xmlns="" xmlns:a14="http://schemas.microsoft.com/office/drawing/2010/main">
                 <a:effectLst>
                   <a:outerShdw blurRad="63500" dist="38099" dir="2700000" algn="ctr" rotWithShape="0">
                     <a:schemeClr val="bg2">
@@ -18152,14 +23348,14 @@
           <a:effectLst/>
           <a:extLst>
             <a:ext uri="{909E8E84-426E-40dd-AFC4-6F175D3DCCD1}">
-              <a14:hiddenFill xmlns:a14="http://schemas.microsoft.com/office/drawing/2010/main" xmlns="">
+              <a14:hiddenFill xmlns="" xmlns:a14="http://schemas.microsoft.com/office/drawing/2010/main">
                 <a:solidFill>
                   <a:schemeClr val="accent1"/>
                 </a:solidFill>
               </a14:hiddenFill>
             </a:ext>
             <a:ext uri="{91240B29-F687-4f45-9708-019B960494DF}">
-              <a14:hiddenLine xmlns:a14="http://schemas.microsoft.com/office/drawing/2010/main" xmlns="" w="9525">
+              <a14:hiddenLine xmlns="" xmlns:a14="http://schemas.microsoft.com/office/drawing/2010/main" w="9525">
                 <a:solidFill>
                   <a:schemeClr val="tx1"/>
                 </a:solidFill>
@@ -18169,7 +23365,7 @@
               </a14:hiddenLine>
             </a:ext>
             <a:ext uri="{AF507438-7753-43e0-B8FC-AC1667EBCBE1}">
-              <a14:hiddenEffects xmlns:a14="http://schemas.microsoft.com/office/drawing/2010/main" xmlns="">
+              <a14:hiddenEffects xmlns="" xmlns:a14="http://schemas.microsoft.com/office/drawing/2010/main">
                 <a:effectLst>
                   <a:outerShdw blurRad="63500" dist="38099" dir="2700000" algn="ctr" rotWithShape="0">
                     <a:schemeClr val="bg2">
@@ -18221,7 +23417,7 @@
         </p:nvSpPr>
         <p:spPr bwMode="auto">
           <a:xfrm>
-            <a:off x="6411523" y="764704"/>
+            <a:off x="6411523" y="620688"/>
             <a:ext cx="2552965" cy="5256213"/>
           </a:xfrm>
           <a:prstGeom prst="rect">
@@ -18234,17 +23430,17 @@
           <a:effectLst/>
           <a:extLst>
             <a:ext uri="{FAA26D3D-D897-4be2-8F04-BA451C77F1D7}">
-              <ma14:placeholderFlag xmlns="" xmlns:ma14="http://schemas.microsoft.com/office/mac/drawingml/2011/main" val="1"/>
+              <ma14:placeholderFlag xmlns:ma14="http://schemas.microsoft.com/office/mac/drawingml/2011/main" xmlns="" val="1"/>
             </a:ext>
             <a:ext uri="{909E8E84-426E-40dd-AFC4-6F175D3DCCD1}">
-              <a14:hiddenFill xmlns:a14="http://schemas.microsoft.com/office/drawing/2010/main" xmlns="">
+              <a14:hiddenFill xmlns="" xmlns:a14="http://schemas.microsoft.com/office/drawing/2010/main">
                 <a:solidFill>
                   <a:schemeClr val="accent1"/>
                 </a:solidFill>
               </a14:hiddenFill>
             </a:ext>
             <a:ext uri="{91240B29-F687-4f45-9708-019B960494DF}">
-              <a14:hiddenLine xmlns:a14="http://schemas.microsoft.com/office/drawing/2010/main" xmlns="" w="9525">
+              <a14:hiddenLine xmlns="" xmlns:a14="http://schemas.microsoft.com/office/drawing/2010/main" w="9525">
                 <a:solidFill>
                   <a:schemeClr val="tx1"/>
                 </a:solidFill>
@@ -18254,7 +23450,7 @@
               </a14:hiddenLine>
             </a:ext>
             <a:ext uri="{AF507438-7753-43e0-B8FC-AC1667EBCBE1}">
-              <a14:hiddenEffects xmlns:a14="http://schemas.microsoft.com/office/drawing/2010/main" xmlns="">
+              <a14:hiddenEffects xmlns="" xmlns:a14="http://schemas.microsoft.com/office/drawing/2010/main">
                 <a:effectLst>
                   <a:outerShdw blurRad="63500" dist="38099" dir="2700000" algn="ctr" rotWithShape="0">
                     <a:schemeClr val="bg2">
@@ -18550,8 +23746,26 @@
               <a:rPr lang="en-US" altLang="de-DE" kern="0" dirty="0" smtClean="0">
                 <a:latin typeface="Univers Light" pitchFamily="-84" charset="0"/>
               </a:rPr>
-              <a:t>Peak Performance: 26 GFLOP/s (single precision)</a:t>
-            </a:r>
+              <a:t>Peak Performance: 26 GFLOP/s (single precision</a:t>
+            </a:r>
+            <a:r>
+              <a:rPr lang="en-US" altLang="de-DE" kern="0" dirty="0" smtClean="0">
+                <a:latin typeface="Univers Light" pitchFamily="-84" charset="0"/>
+              </a:rPr>
+              <a:t>)</a:t>
+            </a:r>
+          </a:p>
+          <a:p>
+            <a:pPr lvl="1"/>
+            <a:r>
+              <a:rPr lang="en-US" altLang="de-DE" kern="0" dirty="0" smtClean="0">
+                <a:latin typeface="Univers Light" pitchFamily="-84" charset="0"/>
+              </a:rPr>
+              <a:t>2 Watt Energy Consumption</a:t>
+            </a:r>
+            <a:endParaRPr lang="en-US" altLang="de-DE" kern="0" dirty="0" smtClean="0">
+              <a:latin typeface="Univers Light" pitchFamily="-84" charset="0"/>
+            </a:endParaRPr>
           </a:p>
           <a:p>
             <a:pPr lvl="2"/>
@@ -18582,14 +23796,14 @@
           </a:ln>
           <a:extLst>
             <a:ext uri="{909E8E84-426E-40dd-AFC4-6F175D3DCCD1}">
-              <a14:hiddenFill xmlns:a14="http://schemas.microsoft.com/office/drawing/2010/main" xmlns="">
+              <a14:hiddenFill xmlns="" xmlns:a14="http://schemas.microsoft.com/office/drawing/2010/main">
                 <a:solidFill>
                   <a:schemeClr val="accent1"/>
                 </a:solidFill>
               </a14:hiddenFill>
             </a:ext>
             <a:ext uri="{91240B29-F687-4f45-9708-019B960494DF}">
-              <a14:hiddenLine xmlns:a14="http://schemas.microsoft.com/office/drawing/2010/main" xmlns="" w="9525" cap="flat" cmpd="sng" algn="ctr">
+              <a14:hiddenLine xmlns="" xmlns:a14="http://schemas.microsoft.com/office/drawing/2010/main" w="9525" cap="flat" cmpd="sng" algn="ctr">
                 <a:solidFill>
                   <a:schemeClr val="tx1"/>
                 </a:solidFill>
@@ -18600,7 +23814,7 @@
               </a14:hiddenLine>
             </a:ext>
             <a:ext uri="{AF507438-7753-43e0-B8FC-AC1667EBCBE1}">
-              <a14:hiddenEffects xmlns:a14="http://schemas.microsoft.com/office/drawing/2010/main" xmlns="">
+              <a14:hiddenEffects xmlns="" xmlns:a14="http://schemas.microsoft.com/office/drawing/2010/main">
                 <a:effectLst>
                   <a:outerShdw blurRad="63500" dist="35921" dir="2700000" algn="ctr" rotWithShape="0">
                     <a:schemeClr val="bg2"/>
@@ -18646,14 +23860,14 @@
           </a:ln>
           <a:extLst>
             <a:ext uri="{909E8E84-426E-40dd-AFC4-6F175D3DCCD1}">
-              <a14:hiddenFill xmlns:a14="http://schemas.microsoft.com/office/drawing/2010/main" xmlns="">
+              <a14:hiddenFill xmlns="" xmlns:a14="http://schemas.microsoft.com/office/drawing/2010/main">
                 <a:solidFill>
                   <a:schemeClr val="accent1"/>
                 </a:solidFill>
               </a14:hiddenFill>
             </a:ext>
             <a:ext uri="{91240B29-F687-4f45-9708-019B960494DF}">
-              <a14:hiddenLine xmlns:a14="http://schemas.microsoft.com/office/drawing/2010/main" xmlns="" w="9525" cap="flat" cmpd="sng" algn="ctr">
+              <a14:hiddenLine xmlns="" xmlns:a14="http://schemas.microsoft.com/office/drawing/2010/main" w="9525" cap="flat" cmpd="sng" algn="ctr">
                 <a:solidFill>
                   <a:schemeClr val="tx1"/>
                 </a:solidFill>
@@ -18664,7 +23878,7 @@
               </a14:hiddenLine>
             </a:ext>
             <a:ext uri="{AF507438-7753-43e0-B8FC-AC1667EBCBE1}">
-              <a14:hiddenEffects xmlns:a14="http://schemas.microsoft.com/office/drawing/2010/main" xmlns="">
+              <a14:hiddenEffects xmlns="" xmlns:a14="http://schemas.microsoft.com/office/drawing/2010/main">
                 <a:effectLst>
                   <a:outerShdw blurRad="63500" dist="35921" dir="2700000" algn="ctr" rotWithShape="0">
                     <a:schemeClr val="bg2"/>
@@ -18710,14 +23924,14 @@
           </a:ln>
           <a:extLst>
             <a:ext uri="{909E8E84-426E-40dd-AFC4-6F175D3DCCD1}">
-              <a14:hiddenFill xmlns:a14="http://schemas.microsoft.com/office/drawing/2010/main" xmlns="">
+              <a14:hiddenFill xmlns="" xmlns:a14="http://schemas.microsoft.com/office/drawing/2010/main">
                 <a:solidFill>
                   <a:schemeClr val="accent1"/>
                 </a:solidFill>
               </a14:hiddenFill>
             </a:ext>
             <a:ext uri="{91240B29-F687-4f45-9708-019B960494DF}">
-              <a14:hiddenLine xmlns:a14="http://schemas.microsoft.com/office/drawing/2010/main" xmlns="" w="9525" cap="flat" cmpd="sng" algn="ctr">
+              <a14:hiddenLine xmlns="" xmlns:a14="http://schemas.microsoft.com/office/drawing/2010/main" w="9525" cap="flat" cmpd="sng" algn="ctr">
                 <a:solidFill>
                   <a:schemeClr val="tx1"/>
                 </a:solidFill>
@@ -18728,7 +23942,7 @@
               </a14:hiddenLine>
             </a:ext>
             <a:ext uri="{AF507438-7753-43e0-B8FC-AC1667EBCBE1}">
-              <a14:hiddenEffects xmlns:a14="http://schemas.microsoft.com/office/drawing/2010/main" xmlns="">
+              <a14:hiddenEffects xmlns="" xmlns:a14="http://schemas.microsoft.com/office/drawing/2010/main">
                 <a:effectLst>
                   <a:outerShdw blurRad="63500" dist="35921" dir="2700000" algn="ctr" rotWithShape="0">
                     <a:schemeClr val="bg2"/>
@@ -18774,14 +23988,14 @@
           </a:ln>
           <a:extLst>
             <a:ext uri="{909E8E84-426E-40dd-AFC4-6F175D3DCCD1}">
-              <a14:hiddenFill xmlns:a14="http://schemas.microsoft.com/office/drawing/2010/main" xmlns="">
+              <a14:hiddenFill xmlns="" xmlns:a14="http://schemas.microsoft.com/office/drawing/2010/main">
                 <a:solidFill>
                   <a:schemeClr val="accent1"/>
                 </a:solidFill>
               </a14:hiddenFill>
             </a:ext>
             <a:ext uri="{91240B29-F687-4f45-9708-019B960494DF}">
-              <a14:hiddenLine xmlns:a14="http://schemas.microsoft.com/office/drawing/2010/main" xmlns="" w="9525" cap="flat" cmpd="sng" algn="ctr">
+              <a14:hiddenLine xmlns="" xmlns:a14="http://schemas.microsoft.com/office/drawing/2010/main" w="9525" cap="flat" cmpd="sng" algn="ctr">
                 <a:solidFill>
                   <a:schemeClr val="tx1"/>
                 </a:solidFill>
@@ -18792,7 +24006,7 @@
               </a14:hiddenLine>
             </a:ext>
             <a:ext uri="{AF507438-7753-43e0-B8FC-AC1667EBCBE1}">
-              <a14:hiddenEffects xmlns:a14="http://schemas.microsoft.com/office/drawing/2010/main" xmlns="">
+              <a14:hiddenEffects xmlns="" xmlns:a14="http://schemas.microsoft.com/office/drawing/2010/main">
                 <a:effectLst>
                   <a:outerShdw blurRad="63500" dist="35921" dir="2700000" algn="ctr" rotWithShape="0">
                     <a:schemeClr val="bg2"/>
@@ -18877,10 +24091,16 @@
               <a:t>System </a:t>
             </a:r>
             <a:r>
+              <a:rPr lang="de-DE" altLang="de-DE" dirty="0" err="1">
+                <a:latin typeface="Univers Light" pitchFamily="-84" charset="0"/>
+              </a:rPr>
+              <a:t>O</a:t>
+            </a:r>
+            <a:r>
               <a:rPr lang="de-DE" altLang="de-DE" dirty="0" err="1" smtClean="0">
                 <a:latin typeface="Univers Light" pitchFamily="-84" charset="0"/>
               </a:rPr>
-              <a:t>overview</a:t>
+              <a:t>verview</a:t>
             </a:r>
             <a:r>
               <a:rPr lang="de-DE" altLang="de-DE" dirty="0" smtClean="0">
@@ -18913,10 +24133,16 @@
               <a:t> </a:t>
             </a:r>
             <a:r>
-              <a:rPr lang="de-DE" altLang="de-DE" dirty="0" err="1" smtClean="0">
+              <a:rPr lang="de-DE" altLang="de-DE" dirty="0">
                 <a:latin typeface="Univers Light" pitchFamily="-84" charset="0"/>
               </a:rPr>
-              <a:t>board</a:t>
+              <a:t>B</a:t>
+            </a:r>
+            <a:r>
+              <a:rPr lang="de-DE" altLang="de-DE" dirty="0" smtClean="0">
+                <a:latin typeface="Univers Light" pitchFamily="-84" charset="0"/>
+              </a:rPr>
+              <a:t>oard</a:t>
             </a:r>
             <a:endParaRPr lang="de-DE" altLang="de-DE" dirty="0" smtClean="0">
               <a:latin typeface="Univers Light" pitchFamily="-84" charset="0"/>
@@ -18947,14 +24173,14 @@
           <a:effectLst/>
           <a:extLst>
             <a:ext uri="{909E8E84-426E-40dd-AFC4-6F175D3DCCD1}">
-              <a14:hiddenFill xmlns:a14="http://schemas.microsoft.com/office/drawing/2010/main" xmlns="">
+              <a14:hiddenFill xmlns="" xmlns:a14="http://schemas.microsoft.com/office/drawing/2010/main">
                 <a:solidFill>
                   <a:schemeClr val="accent1"/>
                 </a:solidFill>
               </a14:hiddenFill>
             </a:ext>
             <a:ext uri="{91240B29-F687-4f45-9708-019B960494DF}">
-              <a14:hiddenLine xmlns:a14="http://schemas.microsoft.com/office/drawing/2010/main" xmlns="" w="9525">
+              <a14:hiddenLine xmlns="" xmlns:a14="http://schemas.microsoft.com/office/drawing/2010/main" w="9525">
                 <a:solidFill>
                   <a:schemeClr val="tx1"/>
                 </a:solidFill>
@@ -18964,7 +24190,7 @@
               </a14:hiddenLine>
             </a:ext>
             <a:ext uri="{AF507438-7753-43e0-B8FC-AC1667EBCBE1}">
-              <a14:hiddenEffects xmlns:a14="http://schemas.microsoft.com/office/drawing/2010/main" xmlns="">
+              <a14:hiddenEffects xmlns="" xmlns:a14="http://schemas.microsoft.com/office/drawing/2010/main">
                 <a:effectLst>
                   <a:outerShdw blurRad="63500" dist="38099" dir="2700000" algn="ctr" rotWithShape="0">
                     <a:schemeClr val="bg2">
@@ -19096,10 +24322,28 @@
               <a:t>High </a:t>
             </a:r>
             <a:r>
+              <a:rPr lang="de-DE" altLang="de-DE" dirty="0">
+                <a:latin typeface="Univers Light" pitchFamily="-84" charset="0"/>
+              </a:rPr>
+              <a:t>L</a:t>
+            </a:r>
+            <a:r>
+              <a:rPr lang="de-DE" altLang="de-DE" dirty="0" smtClean="0">
+                <a:latin typeface="Univers Light" pitchFamily="-84" charset="0"/>
+              </a:rPr>
+              <a:t>evel </a:t>
+            </a:r>
+            <a:r>
+              <a:rPr lang="de-DE" altLang="de-DE" dirty="0" err="1">
+                <a:latin typeface="Univers Light" pitchFamily="-84" charset="0"/>
+              </a:rPr>
+              <a:t>O</a:t>
+            </a:r>
+            <a:r>
               <a:rPr lang="de-DE" altLang="de-DE" dirty="0" err="1" smtClean="0">
                 <a:latin typeface="Univers Light" pitchFamily="-84" charset="0"/>
               </a:rPr>
-              <a:t>level</a:t>
+              <a:t>verview</a:t>
             </a:r>
             <a:r>
               <a:rPr lang="de-DE" altLang="de-DE" dirty="0" smtClean="0">
@@ -19111,7 +24355,7 @@
               <a:rPr lang="de-DE" altLang="de-DE" dirty="0" err="1" smtClean="0">
                 <a:latin typeface="Univers Light" pitchFamily="-84" charset="0"/>
               </a:rPr>
-              <a:t>overview</a:t>
+              <a:t>of</a:t>
             </a:r>
             <a:r>
               <a:rPr lang="de-DE" altLang="de-DE" dirty="0" smtClean="0">
@@ -19123,7 +24367,7 @@
               <a:rPr lang="de-DE" altLang="de-DE" dirty="0" err="1" smtClean="0">
                 <a:latin typeface="Univers Light" pitchFamily="-84" charset="0"/>
               </a:rPr>
-              <a:t>of</a:t>
+              <a:t>the</a:t>
             </a:r>
             <a:r>
               <a:rPr lang="de-DE" altLang="de-DE" dirty="0" smtClean="0">
@@ -19135,31 +24379,25 @@
               <a:rPr lang="de-DE" altLang="de-DE" dirty="0" err="1" smtClean="0">
                 <a:latin typeface="Univers Light" pitchFamily="-84" charset="0"/>
               </a:rPr>
-              <a:t>the</a:t>
-            </a:r>
-            <a:r>
-              <a:rPr lang="de-DE" altLang="de-DE" dirty="0" smtClean="0">
+              <a:t>Epiphany</a:t>
+            </a:r>
+            <a:r>
+              <a:rPr lang="de-DE" altLang="de-DE" dirty="0">
                 <a:latin typeface="Univers Light" pitchFamily="-84" charset="0"/>
               </a:rPr>
               <a:t> </a:t>
+            </a:r>
+            <a:r>
+              <a:rPr lang="de-DE" altLang="de-DE" dirty="0" err="1">
+                <a:latin typeface="Univers Light" pitchFamily="-84" charset="0"/>
+              </a:rPr>
+              <a:t>A</a:t>
             </a:r>
             <a:r>
               <a:rPr lang="de-DE" altLang="de-DE" dirty="0" err="1" smtClean="0">
                 <a:latin typeface="Univers Light" pitchFamily="-84" charset="0"/>
               </a:rPr>
-              <a:t>Epiphany</a:t>
-            </a:r>
-            <a:r>
-              <a:rPr lang="de-DE" altLang="de-DE" dirty="0">
-                <a:latin typeface="Univers Light" pitchFamily="-84" charset="0"/>
-              </a:rPr>
-              <a:t> </a:t>
-            </a:r>
-            <a:r>
-              <a:rPr lang="de-DE" altLang="de-DE" dirty="0" err="1" smtClean="0">
-                <a:latin typeface="Univers Light" pitchFamily="-84" charset="0"/>
-              </a:rPr>
-              <a:t>architecture</a:t>
+              <a:t>rchitecture</a:t>
             </a:r>
             <a:endParaRPr lang="de-DE" altLang="de-DE" dirty="0" smtClean="0">
               <a:latin typeface="Univers Light" pitchFamily="-84" charset="0"/>
@@ -19190,14 +24428,14 @@
           <a:effectLst/>
           <a:extLst>
             <a:ext uri="{909E8E84-426E-40dd-AFC4-6F175D3DCCD1}">
-              <a14:hiddenFill xmlns:a14="http://schemas.microsoft.com/office/drawing/2010/main" xmlns="">
+              <a14:hiddenFill xmlns="" xmlns:a14="http://schemas.microsoft.com/office/drawing/2010/main">
                 <a:solidFill>
                   <a:schemeClr val="accent1"/>
                 </a:solidFill>
               </a14:hiddenFill>
             </a:ext>
             <a:ext uri="{91240B29-F687-4f45-9708-019B960494DF}">
-              <a14:hiddenLine xmlns:a14="http://schemas.microsoft.com/office/drawing/2010/main" xmlns="" w="9525">
+              <a14:hiddenLine xmlns="" xmlns:a14="http://schemas.microsoft.com/office/drawing/2010/main" w="9525">
                 <a:solidFill>
                   <a:schemeClr val="tx1"/>
                 </a:solidFill>
@@ -19207,7 +24445,7 @@
               </a14:hiddenLine>
             </a:ext>
             <a:ext uri="{AF507438-7753-43e0-B8FC-AC1667EBCBE1}">
-              <a14:hiddenEffects xmlns:a14="http://schemas.microsoft.com/office/drawing/2010/main" xmlns="">
+              <a14:hiddenEffects xmlns="" xmlns:a14="http://schemas.microsoft.com/office/drawing/2010/main">
                 <a:effectLst>
                   <a:outerShdw blurRad="63500" dist="38099" dir="2700000" algn="ctr" rotWithShape="0">
                     <a:schemeClr val="bg2">
@@ -19370,14 +24608,14 @@
           <a:effectLst/>
           <a:extLst>
             <a:ext uri="{909E8E84-426E-40dd-AFC4-6F175D3DCCD1}">
-              <a14:hiddenFill xmlns:a14="http://schemas.microsoft.com/office/drawing/2010/main" xmlns="">
+              <a14:hiddenFill xmlns="" xmlns:a14="http://schemas.microsoft.com/office/drawing/2010/main">
                 <a:solidFill>
                   <a:schemeClr val="accent1"/>
                 </a:solidFill>
               </a14:hiddenFill>
             </a:ext>
             <a:ext uri="{91240B29-F687-4f45-9708-019B960494DF}">
-              <a14:hiddenLine xmlns:a14="http://schemas.microsoft.com/office/drawing/2010/main" xmlns="" w="9525">
+              <a14:hiddenLine xmlns="" xmlns:a14="http://schemas.microsoft.com/office/drawing/2010/main" w="9525">
                 <a:solidFill>
                   <a:schemeClr val="tx1"/>
                 </a:solidFill>
@@ -19387,7 +24625,7 @@
               </a14:hiddenLine>
             </a:ext>
             <a:ext uri="{AF507438-7753-43e0-B8FC-AC1667EBCBE1}">
-              <a14:hiddenEffects xmlns:a14="http://schemas.microsoft.com/office/drawing/2010/main" xmlns="">
+              <a14:hiddenEffects xmlns="" xmlns:a14="http://schemas.microsoft.com/office/drawing/2010/main">
                 <a:effectLst>
                   <a:outerShdw blurRad="63500" dist="38099" dir="2700000" algn="ctr" rotWithShape="0">
                     <a:schemeClr val="bg2">
@@ -19482,17 +24720,17 @@
           <a:effectLst/>
           <a:extLst>
             <a:ext uri="{FAA26D3D-D897-4be2-8F04-BA451C77F1D7}">
-              <ma14:placeholderFlag xmlns="" xmlns:ma14="http://schemas.microsoft.com/office/mac/drawingml/2011/main" val="1"/>
+              <ma14:placeholderFlag xmlns:ma14="http://schemas.microsoft.com/office/mac/drawingml/2011/main" xmlns="" val="1"/>
             </a:ext>
             <a:ext uri="{909E8E84-426E-40dd-AFC4-6F175D3DCCD1}">
-              <a14:hiddenFill xmlns:a14="http://schemas.microsoft.com/office/drawing/2010/main" xmlns="">
+              <a14:hiddenFill xmlns="" xmlns:a14="http://schemas.microsoft.com/office/drawing/2010/main">
                 <a:solidFill>
                   <a:schemeClr val="accent1"/>
                 </a:solidFill>
               </a14:hiddenFill>
             </a:ext>
             <a:ext uri="{91240B29-F687-4f45-9708-019B960494DF}">
-              <a14:hiddenLine xmlns:a14="http://schemas.microsoft.com/office/drawing/2010/main" xmlns="" w="9525">
+              <a14:hiddenLine xmlns="" xmlns:a14="http://schemas.microsoft.com/office/drawing/2010/main" w="9525">
                 <a:solidFill>
                   <a:schemeClr val="tx1"/>
                 </a:solidFill>
@@ -19502,7 +24740,7 @@
               </a14:hiddenLine>
             </a:ext>
             <a:ext uri="{AF507438-7753-43e0-B8FC-AC1667EBCBE1}">
-              <a14:hiddenEffects xmlns:a14="http://schemas.microsoft.com/office/drawing/2010/main" xmlns="">
+              <a14:hiddenEffects xmlns="" xmlns:a14="http://schemas.microsoft.com/office/drawing/2010/main">
                 <a:effectLst>
                   <a:outerShdw blurRad="63500" dist="38099" dir="2700000" algn="ctr" rotWithShape="0">
                     <a:schemeClr val="bg2">
@@ -20044,14 +25282,14 @@
         <a:effectLst/>
         <a:extLst>
           <a:ext uri="{909E8E84-426E-40dd-AFC4-6F175D3DCCD1}">
-            <a14:hiddenFill xmlns:a14="http://schemas.microsoft.com/office/drawing/2010/main" xmlns="">
+            <a14:hiddenFill xmlns="" xmlns:a14="http://schemas.microsoft.com/office/drawing/2010/main">
               <a:solidFill>
                 <a:schemeClr val="accent1"/>
               </a:solidFill>
             </a14:hiddenFill>
           </a:ext>
           <a:ext uri="{91240B29-F687-4f45-9708-019B960494DF}">
-            <a14:hiddenLine xmlns:a14="http://schemas.microsoft.com/office/drawing/2010/main" xmlns="" w="9525" cap="flat" cmpd="sng" algn="ctr">
+            <a14:hiddenLine xmlns="" xmlns:a14="http://schemas.microsoft.com/office/drawing/2010/main" w="9525" cap="flat" cmpd="sng" algn="ctr">
               <a:solidFill>
                 <a:schemeClr val="tx1"/>
               </a:solidFill>
@@ -20062,7 +25300,7 @@
             </a14:hiddenLine>
           </a:ext>
           <a:ext uri="{AF507438-7753-43e0-B8FC-AC1667EBCBE1}">
-            <a14:hiddenEffects xmlns:a14="http://schemas.microsoft.com/office/drawing/2010/main" xmlns="">
+            <a14:hiddenEffects xmlns="" xmlns:a14="http://schemas.microsoft.com/office/drawing/2010/main">
               <a:effectLst>
                 <a:outerShdw blurRad="63500" dist="35921" dir="2700000" algn="ctr" rotWithShape="0">
                   <a:schemeClr val="bg2"/>
@@ -20128,14 +25366,14 @@
         <a:effectLst/>
         <a:extLst>
           <a:ext uri="{909E8E84-426E-40dd-AFC4-6F175D3DCCD1}">
-            <a14:hiddenFill xmlns:a14="http://schemas.microsoft.com/office/drawing/2010/main" xmlns="">
+            <a14:hiddenFill xmlns="" xmlns:a14="http://schemas.microsoft.com/office/drawing/2010/main">
               <a:solidFill>
                 <a:schemeClr val="accent1"/>
               </a:solidFill>
             </a14:hiddenFill>
           </a:ext>
           <a:ext uri="{91240B29-F687-4f45-9708-019B960494DF}">
-            <a14:hiddenLine xmlns:a14="http://schemas.microsoft.com/office/drawing/2010/main" xmlns="" w="9525" cap="flat" cmpd="sng" algn="ctr">
+            <a14:hiddenLine xmlns="" xmlns:a14="http://schemas.microsoft.com/office/drawing/2010/main" w="9525" cap="flat" cmpd="sng" algn="ctr">
               <a:solidFill>
                 <a:schemeClr val="tx1"/>
               </a:solidFill>
@@ -20146,7 +25384,7 @@
             </a14:hiddenLine>
           </a:ext>
           <a:ext uri="{AF507438-7753-43e0-B8FC-AC1667EBCBE1}">
-            <a14:hiddenEffects xmlns:a14="http://schemas.microsoft.com/office/drawing/2010/main" xmlns="">
+            <a14:hiddenEffects xmlns="" xmlns:a14="http://schemas.microsoft.com/office/drawing/2010/main">
               <a:effectLst>
                 <a:outerShdw blurRad="63500" dist="35921" dir="2700000" algn="ctr" rotWithShape="0">
                   <a:schemeClr val="bg2"/>
